--- a/1.PrecisionLandingModule/1.ReasearchNote/FinalReport/캡스톤디자인 최종 발표 ICT융합학부 2018045323 김교원.pptx
+++ b/1.PrecisionLandingModule/1.ReasearchNote/FinalReport/캡스톤디자인 최종 발표 ICT융합학부 2018045323 김교원.pptx
@@ -5,20 +5,21 @@
     <p:sldMasterId id="2147483733" r:id="rId1"/>
   </p:sldMasterIdLst>
   <p:sldIdLst>
-    <p:sldId id="256" r:id="rId2"/>
-    <p:sldId id="257" r:id="rId3"/>
-    <p:sldId id="258" r:id="rId4"/>
-    <p:sldId id="269" r:id="rId5"/>
-    <p:sldId id="265" r:id="rId6"/>
-    <p:sldId id="266" r:id="rId7"/>
-    <p:sldId id="267" r:id="rId8"/>
-    <p:sldId id="268" r:id="rId9"/>
-    <p:sldId id="259" r:id="rId10"/>
-    <p:sldId id="260" r:id="rId11"/>
-    <p:sldId id="261" r:id="rId12"/>
-    <p:sldId id="262" r:id="rId13"/>
-    <p:sldId id="263" r:id="rId14"/>
-    <p:sldId id="264" r:id="rId15"/>
+    <p:sldId id="270" r:id="rId2"/>
+    <p:sldId id="256" r:id="rId3"/>
+    <p:sldId id="257" r:id="rId4"/>
+    <p:sldId id="258" r:id="rId5"/>
+    <p:sldId id="269" r:id="rId6"/>
+    <p:sldId id="265" r:id="rId7"/>
+    <p:sldId id="266" r:id="rId8"/>
+    <p:sldId id="267" r:id="rId9"/>
+    <p:sldId id="268" r:id="rId10"/>
+    <p:sldId id="259" r:id="rId11"/>
+    <p:sldId id="260" r:id="rId12"/>
+    <p:sldId id="261" r:id="rId13"/>
+    <p:sldId id="262" r:id="rId14"/>
+    <p:sldId id="263" r:id="rId15"/>
+    <p:sldId id="264" r:id="rId16"/>
   </p:sldIdLst>
   <p:sldSz cx="11104563" cy="6858000"/>
   <p:notesSz cx="6858000" cy="9144000"/>
@@ -4189,274 +4190,290 @@
       </p:grpSpPr>
       <p:sp>
         <p:nvSpPr>
-          <p:cNvPr id="11" name="TextBox 10"/>
-          <p:cNvSpPr txBox="1"/>
-          <p:nvPr/>
-        </p:nvSpPr>
-        <p:spPr>
-          <a:xfrm>
-            <a:off x="7568146" y="2492883"/>
-            <a:ext cx="257594" cy="362712"/>
-          </a:xfrm>
-          <a:prstGeom prst="rect">
-            <a:avLst/>
-          </a:prstGeom>
-        </p:spPr>
-        <p:txBody>
-          <a:bodyPr wrap="none">
-            <a:spAutoFit/>
+          <p:cNvPr id="5" name="제목 4">
+            <a:extLst>
+              <a:ext uri="{FF2B5EF4-FFF2-40B4-BE49-F238E27FC236}">
+                <a16:creationId xmlns:a16="http://schemas.microsoft.com/office/drawing/2014/main" id="{C3E9A763-1400-04AA-20B4-2FED61AB77CA}"/>
+              </a:ext>
+            </a:extLst>
+          </p:cNvPr>
+          <p:cNvSpPr>
+            <a:spLocks noGrp="1"/>
+          </p:cNvSpPr>
+          <p:nvPr>
+            <p:ph type="ctrTitle"/>
+          </p:nvPr>
+        </p:nvSpPr>
+        <p:spPr>
+          <a:xfrm>
+            <a:off x="367561" y="332571"/>
+            <a:ext cx="9903440" cy="5976830"/>
+          </a:xfrm>
+        </p:spPr>
+        <p:txBody>
+          <a:bodyPr>
+            <a:noAutofit/>
           </a:bodyPr>
           <a:lstStyle/>
           <a:p>
-            <a:pPr>
-              <a:defRPr/>
-            </a:pPr>
-            <a:endParaRPr lang="en-US" altLang="ko-KR"/>
-          </a:p>
-        </p:txBody>
-      </p:sp>
-      <p:pic>
-        <p:nvPicPr>
-          <p:cNvPr id="18" name="그림 17"/>
-          <p:cNvPicPr>
-            <a:picLocks noChangeAspect="1"/>
-          </p:cNvPicPr>
-          <p:nvPr/>
-        </p:nvPicPr>
-        <p:blipFill rotWithShape="1">
-          <a:blip r:embed="rId2"/>
-          <a:stretch>
-            <a:fillRect/>
-          </a:stretch>
-        </p:blipFill>
-        <p:spPr>
-          <a:xfrm>
-            <a:off x="-28804" y="0"/>
-            <a:ext cx="11161395" cy="6894123"/>
-          </a:xfrm>
-          <a:prstGeom prst="rect">
-            <a:avLst/>
-          </a:prstGeom>
-        </p:spPr>
-      </p:pic>
-      <p:sp>
-        <p:nvSpPr>
-          <p:cNvPr id="19" name="TextBox 18"/>
-          <p:cNvSpPr txBox="1"/>
-          <p:nvPr/>
-        </p:nvSpPr>
-        <p:spPr>
-          <a:xfrm>
-            <a:off x="511264" y="755904"/>
-            <a:ext cx="2448306" cy="307777"/>
-          </a:xfrm>
-          <a:prstGeom prst="rect">
-            <a:avLst/>
-          </a:prstGeom>
-        </p:spPr>
-        <p:txBody>
-          <a:bodyPr wrap="square">
-            <a:spAutoFit/>
-          </a:bodyPr>
-          <a:lstStyle/>
-          <a:p>
-            <a:pPr>
-              <a:defRPr/>
-            </a:pPr>
-            <a:r>
-              <a:rPr lang="ko-KR" altLang="en-US" sz="1400">
-                <a:solidFill>
-                  <a:srgbClr val="0F3158"/>
-                </a:solidFill>
-                <a:latin typeface="나눔스퀘어_ac Bold"/>
-                <a:ea typeface="나눔스퀘어_ac Bold"/>
-              </a:rPr>
-              <a:t>생활속의 로봇 디자인</a:t>
-            </a:r>
-          </a:p>
-        </p:txBody>
-      </p:sp>
-      <p:sp>
-        <p:nvSpPr>
-          <p:cNvPr id="20" name="TextBox 19"/>
-          <p:cNvSpPr txBox="1"/>
-          <p:nvPr/>
-        </p:nvSpPr>
-        <p:spPr>
-          <a:xfrm>
-            <a:off x="943317" y="1862709"/>
-            <a:ext cx="6985293" cy="907941"/>
-          </a:xfrm>
-          <a:prstGeom prst="rect">
-            <a:avLst/>
-          </a:prstGeom>
-        </p:spPr>
-        <p:txBody>
-          <a:bodyPr wrap="square">
-            <a:spAutoFit/>
-          </a:bodyPr>
-          <a:lstStyle/>
-          <a:p>
-            <a:pPr>
-              <a:defRPr/>
-            </a:pPr>
-            <a:r>
-              <a:rPr lang="ko-KR" altLang="en-US" sz="5300">
-                <a:solidFill>
-                  <a:srgbClr val="0F3158"/>
-                </a:solidFill>
-                <a:latin typeface="나눔스퀘어 ExtraBold"/>
-                <a:ea typeface="나눔스퀘어 ExtraBold"/>
-              </a:rPr>
-              <a:t>독거 노인 사회화 로봇</a:t>
-            </a:r>
-            <a:endParaRPr lang="en-US" altLang="ko-KR" sz="5300">
-              <a:solidFill>
-                <a:srgbClr val="0F3158"/>
-              </a:solidFill>
-              <a:latin typeface="나눔스퀘어 ExtraBold"/>
-              <a:ea typeface="나눔스퀘어 ExtraBold"/>
-            </a:endParaRPr>
-          </a:p>
-        </p:txBody>
-      </p:sp>
-      <p:sp>
-        <p:nvSpPr>
-          <p:cNvPr id="21" name="TextBox 20"/>
-          <p:cNvSpPr txBox="1"/>
-          <p:nvPr/>
-        </p:nvSpPr>
-        <p:spPr>
-          <a:xfrm>
-            <a:off x="943318" y="3777615"/>
-            <a:ext cx="3528441" cy="307777"/>
-          </a:xfrm>
-          <a:prstGeom prst="rect">
-            <a:avLst/>
-          </a:prstGeom>
-        </p:spPr>
-        <p:txBody>
-          <a:bodyPr wrap="square">
-            <a:spAutoFit/>
-          </a:bodyPr>
-          <a:lstStyle/>
-          <a:p>
-            <a:pPr>
-              <a:defRPr/>
-            </a:pPr>
-            <a:r>
-              <a:rPr lang="en-US" altLang="ko-KR" sz="1400">
-                <a:solidFill>
-                  <a:srgbClr val="0F3158"/>
-                </a:solidFill>
-                <a:latin typeface="나눔스퀘어_ac Bold"/>
-                <a:ea typeface="나눔스퀘어_ac Bold"/>
-              </a:rPr>
-              <a:t>ICT </a:t>
-            </a:r>
-            <a:r>
-              <a:rPr lang="ko-KR" altLang="en-US" sz="1400">
-                <a:solidFill>
-                  <a:srgbClr val="0F3158"/>
-                </a:solidFill>
-                <a:latin typeface="나눔스퀘어_ac Bold"/>
-                <a:ea typeface="나눔스퀘어_ac Bold"/>
-              </a:rPr>
-              <a:t>융합학부 </a:t>
-            </a:r>
-            <a:r>
-              <a:rPr lang="en-US" altLang="ko-KR" sz="1400">
-                <a:solidFill>
-                  <a:srgbClr val="0F3158"/>
-                </a:solidFill>
-                <a:latin typeface="나눔스퀘어_ac Bold"/>
-                <a:ea typeface="나눔스퀘어_ac Bold"/>
-              </a:rPr>
-              <a:t>/ 2018045323</a:t>
-            </a:r>
-            <a:r>
-              <a:rPr lang="ko-KR" altLang="en-US" sz="1400">
-                <a:solidFill>
-                  <a:srgbClr val="0F3158"/>
-                </a:solidFill>
-                <a:latin typeface="나눔스퀘어_ac Bold"/>
-                <a:ea typeface="나눔스퀘어_ac Bold"/>
-              </a:rPr>
-              <a:t> </a:t>
-            </a:r>
-            <a:r>
-              <a:rPr lang="en-US" altLang="ko-KR" sz="1400">
-                <a:solidFill>
-                  <a:srgbClr val="0F3158"/>
-                </a:solidFill>
-                <a:latin typeface="나눔스퀘어_ac Bold"/>
-                <a:ea typeface="나눔스퀘어_ac Bold"/>
-              </a:rPr>
-              <a:t>/</a:t>
-            </a:r>
-            <a:r>
-              <a:rPr lang="ko-KR" altLang="en-US" sz="1400">
-                <a:solidFill>
-                  <a:srgbClr val="0F3158"/>
-                </a:solidFill>
-                <a:latin typeface="나눔스퀘어_ac Bold"/>
-                <a:ea typeface="나눔스퀘어_ac Bold"/>
-              </a:rPr>
-              <a:t> 김교원</a:t>
-            </a:r>
-          </a:p>
-        </p:txBody>
-      </p:sp>
-      <p:sp>
-        <p:nvSpPr>
-          <p:cNvPr id="22" name="TextBox 21"/>
-          <p:cNvSpPr txBox="1"/>
-          <p:nvPr/>
-        </p:nvSpPr>
-        <p:spPr>
-          <a:xfrm>
-            <a:off x="1591399" y="4869180"/>
-            <a:ext cx="3168396" cy="320040"/>
-          </a:xfrm>
-          <a:prstGeom prst="rect">
-            <a:avLst/>
-          </a:prstGeom>
-        </p:spPr>
-        <p:txBody>
-          <a:bodyPr wrap="square">
-            <a:spAutoFit/>
-          </a:bodyPr>
-          <a:lstStyle/>
-          <a:p>
-            <a:pPr>
-              <a:defRPr/>
-            </a:pPr>
-            <a:r>
-              <a:rPr lang="en-US" altLang="ko-KR" sz="1500">
-                <a:solidFill>
-                  <a:schemeClr val="lt1"/>
-                </a:solidFill>
-                <a:latin typeface="나눔스퀘어_ac Bold"/>
-                <a:ea typeface="나눔스퀘어_ac Bold"/>
-              </a:rPr>
-              <a:t>xx.xx.xxxx</a:t>
+            <a:pPr algn="l"/>
+            <a:r>
+              <a:rPr lang="ko-KR" altLang="en-US" sz="1400"/>
+              <a:t>문제 상황</a:t>
+            </a:r>
+            <a:br>
+              <a:rPr lang="ko-KR" altLang="en-US" sz="1400"/>
+            </a:br>
+            <a:r>
+              <a:rPr lang="ko-KR" altLang="en-US" sz="1400"/>
+              <a:t>솔루션 고안</a:t>
+            </a:r>
+            <a:br>
+              <a:rPr lang="ko-KR" altLang="en-US" sz="1400"/>
+            </a:br>
+            <a:r>
+              <a:rPr lang="en-US" altLang="ko-KR" sz="1400"/>
+              <a:t>- </a:t>
+            </a:r>
+            <a:r>
+              <a:rPr lang="ko-KR" altLang="en-US" sz="1400"/>
+              <a:t>시스템 구조</a:t>
+            </a:r>
+            <a:br>
+              <a:rPr lang="ko-KR" altLang="en-US" sz="1400"/>
+            </a:br>
+            <a:r>
+              <a:rPr lang="en-US" altLang="ko-KR" sz="1400"/>
+              <a:t>- </a:t>
+            </a:r>
+            <a:r>
+              <a:rPr lang="ko-KR" altLang="en-US" sz="1400"/>
+              <a:t>모듈 선정</a:t>
+            </a:r>
+            <a:br>
+              <a:rPr lang="ko-KR" altLang="en-US" sz="1400"/>
+            </a:br>
+            <a:br>
+              <a:rPr lang="ko-KR" altLang="en-US" sz="1400"/>
+            </a:br>
+            <a:r>
+              <a:rPr lang="ko-KR" altLang="en-US" sz="1400"/>
+              <a:t>개발 과정</a:t>
+            </a:r>
+            <a:br>
+              <a:rPr lang="ko-KR" altLang="en-US" sz="1400"/>
+            </a:br>
+            <a:r>
+              <a:rPr lang="en-US" altLang="ko-KR" sz="1400"/>
+              <a:t>- </a:t>
+            </a:r>
+            <a:r>
+              <a:rPr lang="ko-KR" altLang="en-US" sz="1400"/>
+              <a:t>드론</a:t>
+            </a:r>
+            <a:br>
+              <a:rPr lang="ko-KR" altLang="en-US" sz="1400"/>
+            </a:br>
+            <a:r>
+              <a:rPr lang="en-US" altLang="ko-KR" sz="1400"/>
+              <a:t>-- </a:t>
+            </a:r>
+            <a:r>
+              <a:rPr lang="ko-KR" altLang="en-US" sz="1400"/>
+              <a:t>역할 및 기능 요약</a:t>
+            </a:r>
+            <a:br>
+              <a:rPr lang="ko-KR" altLang="en-US" sz="1400"/>
+            </a:br>
+            <a:r>
+              <a:rPr lang="en-US" altLang="ko-KR" sz="1400"/>
+              <a:t>-- HW</a:t>
+            </a:r>
+            <a:br>
+              <a:rPr lang="en-US" altLang="ko-KR" sz="1400"/>
+            </a:br>
+            <a:r>
+              <a:rPr lang="en-US" altLang="ko-KR" sz="1400"/>
+              <a:t>-- FW</a:t>
+            </a:r>
+            <a:br>
+              <a:rPr lang="en-US" altLang="ko-KR" sz="1400"/>
+            </a:br>
+            <a:br>
+              <a:rPr lang="en-US" altLang="ko-KR" sz="1400"/>
+            </a:br>
+            <a:br>
+              <a:rPr lang="en-US" altLang="ko-KR" sz="1400"/>
+            </a:br>
+            <a:r>
+              <a:rPr lang="en-US" altLang="ko-KR" sz="1400"/>
+              <a:t>- </a:t>
+            </a:r>
+            <a:r>
+              <a:rPr lang="ko-KR" altLang="en-US" sz="1400"/>
+              <a:t>조종기</a:t>
+            </a:r>
+            <a:br>
+              <a:rPr lang="ko-KR" altLang="en-US" sz="1400"/>
+            </a:br>
+            <a:r>
+              <a:rPr lang="en-US" altLang="ko-KR" sz="1400"/>
+              <a:t>-- </a:t>
+            </a:r>
+            <a:r>
+              <a:rPr lang="ko-KR" altLang="en-US" sz="1400"/>
+              <a:t>역할 및 기능 요약</a:t>
+            </a:r>
+            <a:br>
+              <a:rPr lang="ko-KR" altLang="en-US" sz="1400"/>
+            </a:br>
+            <a:r>
+              <a:rPr lang="en-US" altLang="ko-KR" sz="1400"/>
+              <a:t>-- HW</a:t>
+            </a:r>
+            <a:br>
+              <a:rPr lang="en-US" altLang="ko-KR" sz="1400"/>
+            </a:br>
+            <a:r>
+              <a:rPr lang="en-US" altLang="ko-KR" sz="1400"/>
+              <a:t>-- FW</a:t>
+            </a:r>
+            <a:br>
+              <a:rPr lang="en-US" altLang="ko-KR" sz="1400"/>
+            </a:br>
+            <a:br>
+              <a:rPr lang="en-US" altLang="ko-KR" sz="1400"/>
+            </a:br>
+            <a:r>
+              <a:rPr lang="en-US" altLang="ko-KR" sz="1400"/>
+              <a:t>- Landing </a:t>
+            </a:r>
+            <a:r>
+              <a:rPr lang="ko-KR" altLang="en-US" sz="1400"/>
+              <a:t>파트</a:t>
+            </a:r>
+            <a:br>
+              <a:rPr lang="ko-KR" altLang="en-US" sz="1400"/>
+            </a:br>
+            <a:r>
+              <a:rPr lang="en-US" altLang="ko-KR" sz="1400"/>
+              <a:t>-- </a:t>
+            </a:r>
+            <a:r>
+              <a:rPr lang="ko-KR" altLang="en-US" sz="1400"/>
+              <a:t>역할 및 기능 요약</a:t>
+            </a:r>
+            <a:br>
+              <a:rPr lang="ko-KR" altLang="en-US" sz="1400"/>
+            </a:br>
+            <a:r>
+              <a:rPr lang="en-US" altLang="ko-KR" sz="1400"/>
+              <a:t>-- HW</a:t>
+            </a:r>
+            <a:br>
+              <a:rPr lang="en-US" altLang="ko-KR" sz="1400"/>
+            </a:br>
+            <a:r>
+              <a:rPr lang="en-US" altLang="ko-KR" sz="1400"/>
+              <a:t>-- FW</a:t>
+            </a:r>
+            <a:br>
+              <a:rPr lang="en-US" altLang="ko-KR" sz="1400"/>
+            </a:br>
+            <a:br>
+              <a:rPr lang="en-US" altLang="ko-KR" sz="1400"/>
+            </a:br>
+            <a:r>
+              <a:rPr lang="en-US" altLang="ko-KR" sz="1400"/>
+              <a:t>- </a:t>
+            </a:r>
+            <a:r>
+              <a:rPr lang="ko-KR" altLang="en-US" sz="1400"/>
+              <a:t>데모 영상</a:t>
+            </a:r>
+            <a:br>
+              <a:rPr lang="ko-KR" altLang="en-US" sz="1400"/>
+            </a:br>
+            <a:r>
+              <a:rPr lang="en-US" altLang="ko-KR" sz="1400"/>
+              <a:t>-- drone </a:t>
+            </a:r>
+            <a:r>
+              <a:rPr lang="ko-KR" altLang="en-US" sz="1400"/>
+              <a:t>운용 영상</a:t>
+            </a:r>
+            <a:br>
+              <a:rPr lang="ko-KR" altLang="en-US" sz="1400"/>
+            </a:br>
+            <a:r>
+              <a:rPr lang="en-US" altLang="ko-KR" sz="1400"/>
+              <a:t>-- GCS </a:t>
+            </a:r>
+            <a:r>
+              <a:rPr lang="ko-KR" altLang="en-US" sz="1400"/>
+              <a:t>조종 영상</a:t>
+            </a:r>
+            <a:br>
+              <a:rPr lang="ko-KR" altLang="en-US" sz="1400"/>
+            </a:br>
+            <a:r>
+              <a:rPr lang="en-US" altLang="ko-KR" sz="1400"/>
+              <a:t>-- RaspberryPi Yolo </a:t>
+            </a:r>
+            <a:r>
+              <a:rPr lang="ko-KR" altLang="en-US" sz="1400"/>
+              <a:t>인식 영상</a:t>
+            </a:r>
+            <a:br>
+              <a:rPr lang="ko-KR" altLang="en-US" sz="1400"/>
+            </a:br>
+            <a:r>
+              <a:rPr lang="en-US" altLang="ko-KR" sz="1400"/>
+              <a:t>-- </a:t>
+            </a:r>
+            <a:r>
+              <a:rPr lang="ko-KR" altLang="en-US" sz="1400"/>
+              <a:t>착륙 영상</a:t>
+            </a:r>
+            <a:br>
+              <a:rPr lang="ko-KR" altLang="en-US" sz="1400"/>
+            </a:br>
+            <a:br>
+              <a:rPr lang="ko-KR" altLang="en-US" sz="1400"/>
+            </a:br>
+            <a:r>
+              <a:rPr lang="en-US" altLang="ko-KR" sz="1400"/>
+              <a:t>- </a:t>
+            </a:r>
+            <a:r>
+              <a:rPr lang="ko-KR" altLang="en-US" sz="1400"/>
+              <a:t>추후 개선점 </a:t>
+            </a:r>
+            <a:br>
+              <a:rPr lang="ko-KR" altLang="en-US" sz="1400"/>
+            </a:br>
+            <a:r>
+              <a:rPr lang="en-US" altLang="ko-KR" sz="1400"/>
+              <a:t>- </a:t>
+            </a:r>
+            <a:r>
+              <a:rPr lang="ko-KR" altLang="en-US" sz="1400"/>
+              <a:t>마무리</a:t>
             </a:r>
           </a:p>
         </p:txBody>
       </p:sp>
     </p:spTree>
+    <p:extLst>
+      <p:ext uri="{BB962C8B-B14F-4D97-AF65-F5344CB8AC3E}">
+        <p14:creationId xmlns:p14="http://schemas.microsoft.com/office/powerpoint/2010/main" val="387515513"/>
+      </p:ext>
+    </p:extLst>
   </p:cSld>
   <p:clrMapOvr>
     <a:masterClrMapping/>
   </p:clrMapOvr>
-  <mc:AlternateContent xmlns:mc="http://schemas.openxmlformats.org/markup-compatibility/2006" xmlns:p14="http://schemas.microsoft.com/office/powerpoint/2010/main">
-    <mc:Choice Requires="p14">
-      <p:transition/>
-    </mc:Choice>
-    <mc:Fallback xmlns="" xmlns:c="http://schemas.openxmlformats.org/drawingml/2006/chart" xmlns:dgm="http://schemas.openxmlformats.org/drawingml/2006/diagram" xmlns:dsp="http://schemas.microsoft.com/office/drawing/2008/diagram">
-      <p:transition/>
-    </mc:Fallback>
-  </mc:AlternateContent>
+  <p:transition/>
 </p:sld>
 </file>
 
@@ -4479,7 +4496,7 @@
       </p:grpSpPr>
       <p:sp>
         <p:nvSpPr>
-          <p:cNvPr id="12" name="TextBox 11"/>
+          <p:cNvPr id="6" name="TextBox 5"/>
           <p:cNvSpPr txBox="1"/>
           <p:nvPr/>
         </p:nvSpPr>
@@ -4526,7 +4543,7 @@
       </p:sp>
       <p:sp>
         <p:nvSpPr>
-          <p:cNvPr id="13" name="TextBox 12"/>
+          <p:cNvPr id="7" name="TextBox 6"/>
           <p:cNvSpPr txBox="1"/>
           <p:nvPr/>
         </p:nvSpPr>
@@ -4583,7 +4600,64 @@
       </p:sp>
       <p:sp>
         <p:nvSpPr>
-          <p:cNvPr id="15" name="직사각형 14"/>
+          <p:cNvPr id="8" name="TextBox 7"/>
+          <p:cNvSpPr txBox="1"/>
+          <p:nvPr/>
+        </p:nvSpPr>
+        <p:spPr>
+          <a:xfrm>
+            <a:off x="9566910" y="392049"/>
+            <a:ext cx="1259205" cy="243840"/>
+          </a:xfrm>
+          <a:prstGeom prst="rect">
+            <a:avLst/>
+          </a:prstGeom>
+        </p:spPr>
+        <p:txBody>
+          <a:bodyPr wrap="none">
+            <a:spAutoFit/>
+          </a:bodyPr>
+          <a:lstStyle/>
+          <a:p>
+            <a:pPr algn="ctr">
+              <a:defRPr/>
+            </a:pPr>
+            <a:r>
+              <a:rPr lang="ko-KR" altLang="en-US" sz="1000">
+                <a:solidFill>
+                  <a:srgbClr val="0F3158"/>
+                </a:solidFill>
+                <a:latin typeface="나눔스퀘어_ac ExtraBold"/>
+                <a:ea typeface="나눔스퀘어_ac ExtraBold"/>
+              </a:rPr>
+              <a:t>과목명 </a:t>
+            </a:r>
+            <a:r>
+              <a:rPr lang="en-US" altLang="ko-KR" sz="1000">
+                <a:solidFill>
+                  <a:srgbClr val="0F3158"/>
+                </a:solidFill>
+                <a:latin typeface="나눔스퀘어_ac ExtraBold"/>
+                <a:ea typeface="나눔스퀘어_ac ExtraBold"/>
+              </a:rPr>
+              <a:t>or </a:t>
+            </a:r>
+            <a:r>
+              <a:rPr lang="ko-KR" altLang="en-US" sz="1000">
+                <a:solidFill>
+                  <a:srgbClr val="0F3158"/>
+                </a:solidFill>
+                <a:latin typeface="나눔스퀘어_ac ExtraBold"/>
+                <a:ea typeface="나눔스퀘어_ac ExtraBold"/>
+              </a:rPr>
+              <a:t>프로젝트명</a:t>
+            </a:r>
+          </a:p>
+        </p:txBody>
+      </p:sp>
+      <p:sp>
+        <p:nvSpPr>
+          <p:cNvPr id="18" name="직사각형 17"/>
           <p:cNvSpPr/>
           <p:nvPr/>
         </p:nvSpPr>
@@ -4633,20 +4707,54 @@
       </p:sp>
       <p:sp>
         <p:nvSpPr>
-          <p:cNvPr id="8" name="TextBox 7"/>
+          <p:cNvPr id="9" name="TextBox 8"/>
           <p:cNvSpPr txBox="1"/>
           <p:nvPr/>
         </p:nvSpPr>
         <p:spPr>
           <a:xfrm>
-            <a:off x="4551467" y="5040880"/>
-            <a:ext cx="1764254" cy="338840"/>
+            <a:off x="2065029" y="4419981"/>
+            <a:ext cx="600932" cy="377190"/>
           </a:xfrm>
           <a:prstGeom prst="rect">
             <a:avLst/>
           </a:prstGeom>
         </p:spPr>
         <p:txBody>
+          <a:bodyPr wrap="none">
+            <a:spAutoFit/>
+          </a:bodyPr>
+          <a:lstStyle/>
+          <a:p>
+            <a:pPr algn="ctr">
+              <a:defRPr/>
+            </a:pPr>
+            <a:r>
+              <a:rPr lang="ko-KR" altLang="en-US" sz="1900">
+                <a:latin typeface="나눔스퀘어_ac ExtraBold"/>
+                <a:ea typeface="나눔스퀘어_ac ExtraBold"/>
+              </a:rPr>
+              <a:t>제목</a:t>
+            </a:r>
+          </a:p>
+        </p:txBody>
+      </p:sp>
+      <p:sp>
+        <p:nvSpPr>
+          <p:cNvPr id="14" name="TextBox 13"/>
+          <p:cNvSpPr txBox="1"/>
+          <p:nvPr/>
+        </p:nvSpPr>
+        <p:spPr>
+          <a:xfrm>
+            <a:off x="1285361" y="5157216"/>
+            <a:ext cx="2160270" cy="548640"/>
+          </a:xfrm>
+          <a:prstGeom prst="rect">
+            <a:avLst/>
+          </a:prstGeom>
+        </p:spPr>
+        <p:txBody>
           <a:bodyPr wrap="square">
             <a:spAutoFit/>
           </a:bodyPr>
@@ -4656,149 +4764,28 @@
               <a:defRPr/>
             </a:pPr>
             <a:r>
-              <a:rPr lang="ko-KR" altLang="en-US" sz="1600">
-                <a:solidFill>
-                  <a:srgbClr val="555554"/>
-                </a:solidFill>
-                <a:latin typeface="나눔스퀘어_ac ExtraBold"/>
-                <a:ea typeface="나눔스퀘어_ac ExtraBold"/>
-              </a:rPr>
-              <a:t>제목을 입력하세요</a:t>
-            </a:r>
-            <a:r>
-              <a:rPr lang="en-US" altLang="ko-KR" sz="1600">
-                <a:solidFill>
-                  <a:srgbClr val="555554"/>
-                </a:solidFill>
-                <a:latin typeface="나눔스퀘어_ac ExtraBold"/>
-                <a:ea typeface="나눔스퀘어_ac ExtraBold"/>
-              </a:rPr>
-              <a:t>.</a:t>
-            </a:r>
-          </a:p>
-        </p:txBody>
-      </p:sp>
-      <p:sp>
-        <p:nvSpPr>
-          <p:cNvPr id="9" name="TextBox 8"/>
-          <p:cNvSpPr txBox="1"/>
-          <p:nvPr/>
-        </p:nvSpPr>
-        <p:spPr>
-          <a:xfrm>
-            <a:off x="3535642" y="5561886"/>
-            <a:ext cx="3795904" cy="427434"/>
-          </a:xfrm>
-          <a:prstGeom prst="rect">
-            <a:avLst/>
-          </a:prstGeom>
-        </p:spPr>
-        <p:txBody>
-          <a:bodyPr wrap="square">
-            <a:spAutoFit/>
-          </a:bodyPr>
-          <a:lstStyle/>
-          <a:p>
-            <a:pPr algn="ctr">
-              <a:defRPr/>
-            </a:pPr>
-            <a:r>
-              <a:rPr lang="en-US" altLang="ko-KR" sz="750">
+              <a:rPr lang="ko-KR" altLang="en-US" sz="750">
                 <a:solidFill>
                   <a:srgbClr val="808080"/>
                 </a:solidFill>
                 <a:latin typeface="나눔스퀘어_ac Bold"/>
                 <a:ea typeface="나눔스퀘어_ac Bold"/>
               </a:rPr>
-              <a:t>-</a:t>
-            </a:r>
-            <a:r>
-              <a:rPr lang="ko-KR" altLang="en-US" sz="750">
-                <a:solidFill>
-                  <a:srgbClr val="808080"/>
-                </a:solidFill>
-                <a:latin typeface="나눔스퀘어_ac Bold"/>
-                <a:ea typeface="나눔스퀘어_ac Bold"/>
-              </a:rPr>
-              <a:t> 십리도 못 가서 발병난다. 내가 그의 이름을 불러 주었을 때 </a:t>
-            </a:r>
-            <a:endParaRPr lang="en-US" altLang="ko-KR" sz="750">
-              <a:solidFill>
-                <a:srgbClr val="808080"/>
-              </a:solidFill>
-              <a:latin typeface="나눔스퀘어_ac Bold"/>
-              <a:ea typeface="나눔스퀘어_ac Bold"/>
-            </a:endParaRPr>
-          </a:p>
-          <a:p>
-            <a:pPr algn="ctr">
-              <a:defRPr/>
-            </a:pPr>
-            <a:r>
-              <a:rPr lang="en-US" altLang="ko-KR" sz="750">
-                <a:solidFill>
-                  <a:srgbClr val="808080"/>
-                </a:solidFill>
-                <a:latin typeface="나눔스퀘어_ac Bold"/>
-                <a:ea typeface="나눔스퀘어_ac Bold"/>
-              </a:rPr>
-              <a:t>-</a:t>
-            </a:r>
-            <a:r>
-              <a:rPr lang="ko-KR" altLang="en-US" sz="750">
-                <a:solidFill>
-                  <a:srgbClr val="808080"/>
-                </a:solidFill>
-                <a:latin typeface="나눔스퀘어_ac Bold"/>
-                <a:ea typeface="나눔스퀘어_ac Bold"/>
-              </a:rPr>
-              <a:t> 그는  돌같이 하라 뭉치면 살고 흩어지면 죽는다. 이 몸이 죽고 죽어 </a:t>
-            </a:r>
-            <a:endParaRPr lang="en-US" altLang="ko-KR" sz="750">
-              <a:solidFill>
-                <a:srgbClr val="808080"/>
-              </a:solidFill>
-              <a:latin typeface="나눔스퀘어_ac Bold"/>
-              <a:ea typeface="나눔스퀘어_ac Bold"/>
-            </a:endParaRPr>
-          </a:p>
-          <a:p>
-            <a:pPr algn="ctr">
-              <a:defRPr/>
-            </a:pPr>
-            <a:r>
-              <a:rPr lang="en-US" altLang="ko-KR" sz="750">
-                <a:solidFill>
-                  <a:srgbClr val="808080"/>
-                </a:solidFill>
-                <a:latin typeface="나눔스퀘어_ac Bold"/>
-                <a:ea typeface="나눔스퀘어_ac Bold"/>
-              </a:rPr>
-              <a:t>-</a:t>
-            </a:r>
-            <a:r>
-              <a:rPr lang="ko-KR" altLang="en-US" sz="750">
-                <a:solidFill>
-                  <a:srgbClr val="808080"/>
-                </a:solidFill>
-                <a:latin typeface="나눔스퀘어_ac Bold"/>
-                <a:ea typeface="나눔스퀘어_ac Bold"/>
-              </a:rPr>
-              <a:t> 일백번 고쳐 죽어고 임 향한 일편단심 가실 줄이 있으랴. 관용은 미덕이다. </a:t>
-            </a:r>
-          </a:p>
-        </p:txBody>
-      </p:sp>
-      <p:sp>
-        <p:nvSpPr>
-          <p:cNvPr id="10" name="직사각형 9"/>
+              <a:t>리도 못 가서 발병난다. 내가 그의 이름을 불러 주었을 때 그는  돌같이 하라 뭉치면 살고 흩어지면 죽는다. 이 몸이 죽고 죽어 일백번 고쳐 죽어고 임 향한 일편단심 가실 줄이 있으랴. 관용은 미덕이다. </a:t>
+            </a:r>
+          </a:p>
+        </p:txBody>
+      </p:sp>
+      <p:sp>
+        <p:nvSpPr>
+          <p:cNvPr id="15" name="직사각형 14"/>
           <p:cNvSpPr/>
           <p:nvPr/>
         </p:nvSpPr>
         <p:spPr>
           <a:xfrm>
-            <a:off x="4093863" y="1916811"/>
-            <a:ext cx="2679461" cy="2679461"/>
+            <a:off x="1285361" y="1988820"/>
+            <a:ext cx="2160270" cy="2203513"/>
           </a:xfrm>
           <a:prstGeom prst="rect">
             <a:avLst/>
@@ -4841,68 +4828,242 @@
       </p:sp>
       <p:sp>
         <p:nvSpPr>
-          <p:cNvPr id="16" name="TextBox 15"/>
+          <p:cNvPr id="16" name="타원 15"/>
+          <p:cNvSpPr/>
+          <p:nvPr/>
+        </p:nvSpPr>
+        <p:spPr>
+          <a:xfrm>
+            <a:off x="2329491" y="4869180"/>
+            <a:ext cx="72009" cy="72009"/>
+          </a:xfrm>
+          <a:prstGeom prst="ellipse">
+            <a:avLst/>
+          </a:prstGeom>
+          <a:solidFill>
+            <a:srgbClr val="0F3158"/>
+          </a:solidFill>
+          <a:ln>
+            <a:noFill/>
+          </a:ln>
+        </p:spPr>
+        <p:style>
+          <a:lnRef idx="2">
+            <a:schemeClr val="accent1">
+              <a:shade val="20000"/>
+            </a:schemeClr>
+          </a:lnRef>
+          <a:fillRef idx="1">
+            <a:schemeClr val="accent1"/>
+          </a:fillRef>
+          <a:effectRef idx="0">
+            <a:schemeClr val="accent1"/>
+          </a:effectRef>
+          <a:fontRef idx="minor">
+            <a:schemeClr val="lt1"/>
+          </a:fontRef>
+        </p:style>
+        <p:txBody>
+          <a:bodyPr anchor="ctr"/>
+          <a:lstStyle/>
+          <a:p>
+            <a:pPr algn="ctr">
+              <a:defRPr/>
+            </a:pPr>
+            <a:endParaRPr lang="ko-KR" altLang="en-US">
+              <a:noFill/>
+            </a:endParaRPr>
+          </a:p>
+        </p:txBody>
+      </p:sp>
+      <p:sp>
+        <p:nvSpPr>
+          <p:cNvPr id="19" name="TextBox 18"/>
           <p:cNvSpPr txBox="1"/>
           <p:nvPr/>
         </p:nvSpPr>
         <p:spPr>
           <a:xfrm>
-            <a:off x="6848832" y="4389362"/>
-            <a:ext cx="935341" cy="209308"/>
+            <a:off x="5251427" y="4419981"/>
+            <a:ext cx="601589" cy="377190"/>
           </a:xfrm>
           <a:prstGeom prst="rect">
             <a:avLst/>
           </a:prstGeom>
         </p:spPr>
         <p:txBody>
+          <a:bodyPr wrap="none">
+            <a:spAutoFit/>
+          </a:bodyPr>
+          <a:lstStyle/>
+          <a:p>
+            <a:pPr algn="ctr">
+              <a:defRPr/>
+            </a:pPr>
+            <a:r>
+              <a:rPr lang="ko-KR" altLang="en-US" sz="1900">
+                <a:latin typeface="나눔스퀘어_ac ExtraBold"/>
+                <a:ea typeface="나눔스퀘어_ac ExtraBold"/>
+              </a:rPr>
+              <a:t>제목</a:t>
+            </a:r>
+          </a:p>
+        </p:txBody>
+      </p:sp>
+      <p:sp>
+        <p:nvSpPr>
+          <p:cNvPr id="20" name="TextBox 19"/>
+          <p:cNvSpPr txBox="1"/>
+          <p:nvPr/>
+        </p:nvSpPr>
+        <p:spPr>
+          <a:xfrm>
+            <a:off x="4471759" y="5157216"/>
+            <a:ext cx="2160270" cy="548640"/>
+          </a:xfrm>
+          <a:prstGeom prst="rect">
+            <a:avLst/>
+          </a:prstGeom>
+        </p:spPr>
+        <p:txBody>
           <a:bodyPr wrap="square">
             <a:spAutoFit/>
           </a:bodyPr>
           <a:lstStyle/>
           <a:p>
-            <a:pPr>
-              <a:defRPr/>
-            </a:pPr>
-            <a:r>
-              <a:rPr lang="en-US" altLang="ko-KR" sz="800">
-                <a:solidFill>
-                  <a:srgbClr val="BFBFBF"/>
+            <a:pPr algn="ctr">
+              <a:defRPr/>
+            </a:pPr>
+            <a:r>
+              <a:rPr lang="ko-KR" altLang="en-US" sz="750">
+                <a:solidFill>
+                  <a:srgbClr val="808080"/>
                 </a:solidFill>
                 <a:latin typeface="나눔스퀘어_ac Bold"/>
                 <a:ea typeface="나눔스퀘어_ac Bold"/>
               </a:rPr>
-              <a:t>*</a:t>
-            </a:r>
-            <a:r>
-              <a:rPr lang="ko-KR" altLang="en-US" sz="800">
-                <a:solidFill>
-                  <a:srgbClr val="BFBFBF"/>
-                </a:solidFill>
-                <a:latin typeface="나눔스퀘어_ac Bold"/>
-                <a:ea typeface="나눔스퀘어_ac Bold"/>
-              </a:rPr>
-              <a:t>출처 표기는 필수</a:t>
-            </a:r>
-          </a:p>
-        </p:txBody>
-      </p:sp>
-      <p:sp>
-        <p:nvSpPr>
-          <p:cNvPr id="18" name="TextBox 17"/>
-          <p:cNvSpPr txBox="1"/>
+              <a:t>리도 못 가서 발병난다. 내가 그의 이름을 불러 주었을 때 그는  돌같이 하라 뭉치면 살고 흩어지면 죽는다. 이 몸이 죽고 죽어 일백번 고쳐 죽어고 임 향한 일편단심 가실 줄이 있으랴. 관용은 미덕이다. </a:t>
+            </a:r>
+          </a:p>
+        </p:txBody>
+      </p:sp>
+      <p:sp>
+        <p:nvSpPr>
+          <p:cNvPr id="21" name="직사각형 20"/>
+          <p:cNvSpPr/>
           <p:nvPr/>
         </p:nvSpPr>
         <p:spPr>
           <a:xfrm>
-            <a:off x="9566910" y="392049"/>
-            <a:ext cx="1259205" cy="243840"/>
+            <a:off x="4471759" y="1988820"/>
+            <a:ext cx="2160270" cy="2203513"/>
           </a:xfrm>
           <a:prstGeom prst="rect">
             <a:avLst/>
           </a:prstGeom>
-        </p:spPr>
-        <p:txBody>
-          <a:bodyPr wrap="none">
+          <a:solidFill>
+            <a:srgbClr val="0F3158"/>
+          </a:solidFill>
+          <a:ln>
+            <a:noFill/>
+          </a:ln>
+        </p:spPr>
+        <p:style>
+          <a:lnRef idx="2">
+            <a:schemeClr val="accent1">
+              <a:shade val="20000"/>
+            </a:schemeClr>
+          </a:lnRef>
+          <a:fillRef idx="1">
+            <a:schemeClr val="accent1"/>
+          </a:fillRef>
+          <a:effectRef idx="0">
+            <a:schemeClr val="accent1"/>
+          </a:effectRef>
+          <a:fontRef idx="minor">
+            <a:schemeClr val="lt1"/>
+          </a:fontRef>
+        </p:style>
+        <p:txBody>
+          <a:bodyPr anchor="ctr"/>
+          <a:lstStyle/>
+          <a:p>
+            <a:pPr algn="ctr">
+              <a:defRPr/>
+            </a:pPr>
+            <a:endParaRPr lang="ko-KR" altLang="en-US">
+              <a:noFill/>
+            </a:endParaRPr>
+          </a:p>
+        </p:txBody>
+      </p:sp>
+      <p:sp>
+        <p:nvSpPr>
+          <p:cNvPr id="22" name="타원 21"/>
+          <p:cNvSpPr/>
+          <p:nvPr/>
+        </p:nvSpPr>
+        <p:spPr>
+          <a:xfrm>
+            <a:off x="5515890" y="4869180"/>
+            <a:ext cx="72009" cy="72009"/>
+          </a:xfrm>
+          <a:prstGeom prst="ellipse">
+            <a:avLst/>
+          </a:prstGeom>
+          <a:solidFill>
+            <a:srgbClr val="0F3158"/>
+          </a:solidFill>
+          <a:ln>
+            <a:noFill/>
+          </a:ln>
+        </p:spPr>
+        <p:style>
+          <a:lnRef idx="2">
+            <a:schemeClr val="accent1">
+              <a:shade val="20000"/>
+            </a:schemeClr>
+          </a:lnRef>
+          <a:fillRef idx="1">
+            <a:schemeClr val="accent1"/>
+          </a:fillRef>
+          <a:effectRef idx="0">
+            <a:schemeClr val="accent1"/>
+          </a:effectRef>
+          <a:fontRef idx="minor">
+            <a:schemeClr val="lt1"/>
+          </a:fontRef>
+        </p:style>
+        <p:txBody>
+          <a:bodyPr anchor="ctr"/>
+          <a:lstStyle/>
+          <a:p>
+            <a:pPr algn="ctr">
+              <a:defRPr/>
+            </a:pPr>
+            <a:endParaRPr lang="ko-KR" altLang="en-US">
+              <a:noFill/>
+            </a:endParaRPr>
+          </a:p>
+        </p:txBody>
+      </p:sp>
+      <p:sp>
+        <p:nvSpPr>
+          <p:cNvPr id="23" name="TextBox 22"/>
+          <p:cNvSpPr txBox="1"/>
+          <p:nvPr/>
+        </p:nvSpPr>
+        <p:spPr>
+          <a:xfrm>
+            <a:off x="8437825" y="4419981"/>
+            <a:ext cx="601686" cy="377190"/>
+          </a:xfrm>
+          <a:prstGeom prst="rect">
+            <a:avLst/>
+          </a:prstGeom>
+        </p:spPr>
+        <p:txBody>
+          <a:bodyPr wrap="square">
             <a:spAutoFit/>
           </a:bodyPr>
           <a:lstStyle/>
@@ -4911,35 +5072,149 @@
               <a:defRPr/>
             </a:pPr>
             <a:r>
-              <a:rPr lang="ko-KR" altLang="en-US" sz="1000">
-                <a:solidFill>
-                  <a:srgbClr val="0F3158"/>
-                </a:solidFill>
+              <a:rPr lang="ko-KR" altLang="en-US" sz="1900">
                 <a:latin typeface="나눔스퀘어_ac ExtraBold"/>
                 <a:ea typeface="나눔스퀘어_ac ExtraBold"/>
               </a:rPr>
-              <a:t>과목명 </a:t>
-            </a:r>
-            <a:r>
-              <a:rPr lang="en-US" altLang="ko-KR" sz="1000">
-                <a:solidFill>
-                  <a:srgbClr val="0F3158"/>
-                </a:solidFill>
-                <a:latin typeface="나눔스퀘어_ac ExtraBold"/>
-                <a:ea typeface="나눔스퀘어_ac ExtraBold"/>
-              </a:rPr>
-              <a:t>or </a:t>
-            </a:r>
-            <a:r>
-              <a:rPr lang="ko-KR" altLang="en-US" sz="1000">
-                <a:solidFill>
-                  <a:srgbClr val="0F3158"/>
-                </a:solidFill>
-                <a:latin typeface="나눔스퀘어_ac ExtraBold"/>
-                <a:ea typeface="나눔스퀘어_ac ExtraBold"/>
-              </a:rPr>
-              <a:t>프로젝트명</a:t>
-            </a:r>
+              <a:t>제목</a:t>
+            </a:r>
+          </a:p>
+        </p:txBody>
+      </p:sp>
+      <p:sp>
+        <p:nvSpPr>
+          <p:cNvPr id="24" name="TextBox 23"/>
+          <p:cNvSpPr txBox="1"/>
+          <p:nvPr/>
+        </p:nvSpPr>
+        <p:spPr>
+          <a:xfrm>
+            <a:off x="7658157" y="5157216"/>
+            <a:ext cx="2160270" cy="548640"/>
+          </a:xfrm>
+          <a:prstGeom prst="rect">
+            <a:avLst/>
+          </a:prstGeom>
+        </p:spPr>
+        <p:txBody>
+          <a:bodyPr wrap="square">
+            <a:spAutoFit/>
+          </a:bodyPr>
+          <a:lstStyle/>
+          <a:p>
+            <a:pPr algn="ctr">
+              <a:defRPr/>
+            </a:pPr>
+            <a:r>
+              <a:rPr lang="ko-KR" altLang="en-US" sz="750">
+                <a:solidFill>
+                  <a:srgbClr val="808080"/>
+                </a:solidFill>
+                <a:latin typeface="나눔스퀘어_ac Bold"/>
+                <a:ea typeface="나눔스퀘어_ac Bold"/>
+              </a:rPr>
+              <a:t>리도 못 가서 발병난다. 내가 그의 이름을 불러 주었을 때 그는  돌같이 하라 뭉치면 살고 흩어지면 죽는다. 이 몸이 죽고 죽어 일백번 고쳐 죽어고 임 향한 일편단심 가실 줄이 있으랴. 관용은 미덕이다. </a:t>
+            </a:r>
+          </a:p>
+        </p:txBody>
+      </p:sp>
+      <p:sp>
+        <p:nvSpPr>
+          <p:cNvPr id="25" name="직사각형 24"/>
+          <p:cNvSpPr/>
+          <p:nvPr/>
+        </p:nvSpPr>
+        <p:spPr>
+          <a:xfrm>
+            <a:off x="7658157" y="1988820"/>
+            <a:ext cx="2160270" cy="2203513"/>
+          </a:xfrm>
+          <a:prstGeom prst="rect">
+            <a:avLst/>
+          </a:prstGeom>
+          <a:solidFill>
+            <a:srgbClr val="0F3158"/>
+          </a:solidFill>
+          <a:ln>
+            <a:noFill/>
+          </a:ln>
+        </p:spPr>
+        <p:style>
+          <a:lnRef idx="2">
+            <a:schemeClr val="accent1">
+              <a:shade val="20000"/>
+            </a:schemeClr>
+          </a:lnRef>
+          <a:fillRef idx="1">
+            <a:schemeClr val="accent1"/>
+          </a:fillRef>
+          <a:effectRef idx="0">
+            <a:schemeClr val="accent1"/>
+          </a:effectRef>
+          <a:fontRef idx="minor">
+            <a:schemeClr val="lt1"/>
+          </a:fontRef>
+        </p:style>
+        <p:txBody>
+          <a:bodyPr anchor="ctr"/>
+          <a:lstStyle/>
+          <a:p>
+            <a:pPr algn="ctr">
+              <a:defRPr/>
+            </a:pPr>
+            <a:endParaRPr lang="ko-KR" altLang="en-US">
+              <a:noFill/>
+            </a:endParaRPr>
+          </a:p>
+        </p:txBody>
+      </p:sp>
+      <p:sp>
+        <p:nvSpPr>
+          <p:cNvPr id="26" name="타원 25"/>
+          <p:cNvSpPr/>
+          <p:nvPr/>
+        </p:nvSpPr>
+        <p:spPr>
+          <a:xfrm>
+            <a:off x="8702288" y="4869180"/>
+            <a:ext cx="72009" cy="72009"/>
+          </a:xfrm>
+          <a:prstGeom prst="ellipse">
+            <a:avLst/>
+          </a:prstGeom>
+          <a:solidFill>
+            <a:srgbClr val="0F3158"/>
+          </a:solidFill>
+          <a:ln>
+            <a:noFill/>
+          </a:ln>
+        </p:spPr>
+        <p:style>
+          <a:lnRef idx="2">
+            <a:schemeClr val="accent1">
+              <a:shade val="20000"/>
+            </a:schemeClr>
+          </a:lnRef>
+          <a:fillRef idx="1">
+            <a:schemeClr val="accent1"/>
+          </a:fillRef>
+          <a:effectRef idx="0">
+            <a:schemeClr val="accent1"/>
+          </a:effectRef>
+          <a:fontRef idx="minor">
+            <a:schemeClr val="lt1"/>
+          </a:fontRef>
+        </p:style>
+        <p:txBody>
+          <a:bodyPr anchor="ctr"/>
+          <a:lstStyle/>
+          <a:p>
+            <a:pPr algn="ctr">
+              <a:defRPr/>
+            </a:pPr>
+            <a:endParaRPr lang="ko-KR" altLang="en-US">
+              <a:noFill/>
+            </a:endParaRPr>
           </a:p>
         </p:txBody>
       </p:sp>
@@ -4952,7 +5227,7 @@
     <mc:Choice Requires="p14">
       <p:transition/>
     </mc:Choice>
-    <mc:Fallback xmlns="" xmlns:c="http://schemas.openxmlformats.org/drawingml/2006/chart" xmlns:dgm="http://schemas.openxmlformats.org/drawingml/2006/diagram" xmlns:dsp="http://schemas.microsoft.com/office/drawing/2008/diagram">
+    <mc:Fallback xmlns:dsp="http://schemas.microsoft.com/office/drawing/2008/diagram" xmlns:dgm="http://schemas.openxmlformats.org/drawingml/2006/diagram" xmlns:c="http://schemas.openxmlformats.org/drawingml/2006/chart" xmlns="">
       <p:transition/>
     </mc:Fallback>
   </mc:AlternateContent>
@@ -4978,7 +5253,7 @@
       </p:grpSpPr>
       <p:sp>
         <p:nvSpPr>
-          <p:cNvPr id="6" name="TextBox 5"/>
+          <p:cNvPr id="12" name="TextBox 11"/>
           <p:cNvSpPr txBox="1"/>
           <p:nvPr/>
         </p:nvSpPr>
@@ -5025,7 +5300,7 @@
       </p:sp>
       <p:sp>
         <p:nvSpPr>
-          <p:cNvPr id="7" name="TextBox 6"/>
+          <p:cNvPr id="13" name="TextBox 12"/>
           <p:cNvSpPr txBox="1"/>
           <p:nvPr/>
         </p:nvSpPr>
@@ -5082,7 +5357,7 @@
       </p:sp>
       <p:sp>
         <p:nvSpPr>
-          <p:cNvPr id="9" name="직사각형 8"/>
+          <p:cNvPr id="15" name="직사각형 14"/>
           <p:cNvSpPr/>
           <p:nvPr/>
         </p:nvSpPr>
@@ -5132,7 +5407,7 @@
       </p:sp>
       <p:sp>
         <p:nvSpPr>
-          <p:cNvPr id="10" name="TextBox 9"/>
+          <p:cNvPr id="8" name="TextBox 7"/>
           <p:cNvSpPr txBox="1"/>
           <p:nvPr/>
         </p:nvSpPr>
@@ -5179,14 +5454,14 @@
       </p:sp>
       <p:sp>
         <p:nvSpPr>
-          <p:cNvPr id="11" name="TextBox 10"/>
+          <p:cNvPr id="9" name="TextBox 8"/>
           <p:cNvSpPr txBox="1"/>
           <p:nvPr/>
         </p:nvSpPr>
         <p:spPr>
           <a:xfrm>
             <a:off x="3535642" y="5561886"/>
-            <a:ext cx="3795904" cy="446484"/>
+            <a:ext cx="3795904" cy="427434"/>
           </a:xfrm>
           <a:prstGeom prst="rect">
             <a:avLst/>
@@ -5202,7 +5477,7 @@
               <a:defRPr/>
             </a:pPr>
             <a:r>
-              <a:rPr lang="en-US" altLang="ko-KR" sz="800">
+              <a:rPr lang="en-US" altLang="ko-KR" sz="750">
                 <a:solidFill>
                   <a:srgbClr val="808080"/>
                 </a:solidFill>
@@ -5212,7 +5487,7 @@
               <a:t>-</a:t>
             </a:r>
             <a:r>
-              <a:rPr lang="ko-KR" altLang="en-US" sz="800">
+              <a:rPr lang="ko-KR" altLang="en-US" sz="750">
                 <a:solidFill>
                   <a:srgbClr val="808080"/>
                 </a:solidFill>
@@ -5221,13 +5496,20 @@
               </a:rPr>
               <a:t> 십리도 못 가서 발병난다. 내가 그의 이름을 불러 주었을 때 </a:t>
             </a:r>
+            <a:endParaRPr lang="en-US" altLang="ko-KR" sz="750">
+              <a:solidFill>
+                <a:srgbClr val="808080"/>
+              </a:solidFill>
+              <a:latin typeface="나눔스퀘어_ac Bold"/>
+              <a:ea typeface="나눔스퀘어_ac Bold"/>
+            </a:endParaRPr>
           </a:p>
           <a:p>
             <a:pPr algn="ctr">
               <a:defRPr/>
             </a:pPr>
             <a:r>
-              <a:rPr lang="en-US" altLang="ko-KR" sz="800">
+              <a:rPr lang="en-US" altLang="ko-KR" sz="750">
                 <a:solidFill>
                   <a:srgbClr val="808080"/>
                 </a:solidFill>
@@ -5237,7 +5519,7 @@
               <a:t>-</a:t>
             </a:r>
             <a:r>
-              <a:rPr lang="ko-KR" altLang="en-US" sz="800">
+              <a:rPr lang="ko-KR" altLang="en-US" sz="750">
                 <a:solidFill>
                   <a:srgbClr val="808080"/>
                 </a:solidFill>
@@ -5246,13 +5528,20 @@
               </a:rPr>
               <a:t> 그는  돌같이 하라 뭉치면 살고 흩어지면 죽는다. 이 몸이 죽고 죽어 </a:t>
             </a:r>
+            <a:endParaRPr lang="en-US" altLang="ko-KR" sz="750">
+              <a:solidFill>
+                <a:srgbClr val="808080"/>
+              </a:solidFill>
+              <a:latin typeface="나눔스퀘어_ac Bold"/>
+              <a:ea typeface="나눔스퀘어_ac Bold"/>
+            </a:endParaRPr>
           </a:p>
           <a:p>
             <a:pPr algn="ctr">
               <a:defRPr/>
             </a:pPr>
             <a:r>
-              <a:rPr lang="en-US" altLang="ko-KR" sz="800">
+              <a:rPr lang="en-US" altLang="ko-KR" sz="750">
                 <a:solidFill>
                   <a:srgbClr val="808080"/>
                 </a:solidFill>
@@ -5262,7 +5551,7 @@
               <a:t>-</a:t>
             </a:r>
             <a:r>
-              <a:rPr lang="ko-KR" altLang="en-US" sz="800">
+              <a:rPr lang="ko-KR" altLang="en-US" sz="750">
                 <a:solidFill>
                   <a:srgbClr val="808080"/>
                 </a:solidFill>
@@ -5276,23 +5565,23 @@
       </p:sp>
       <p:sp>
         <p:nvSpPr>
-          <p:cNvPr id="12" name="타원 11"/>
+          <p:cNvPr id="10" name="직사각형 9"/>
           <p:cNvSpPr/>
           <p:nvPr/>
         </p:nvSpPr>
         <p:spPr>
           <a:xfrm>
-            <a:off x="1447381" y="2060829"/>
-            <a:ext cx="2340292" cy="2340292"/>
-          </a:xfrm>
-          <a:prstGeom prst="ellipse">
+            <a:off x="4093863" y="1916811"/>
+            <a:ext cx="2679461" cy="2679461"/>
+          </a:xfrm>
+          <a:prstGeom prst="rect">
             <a:avLst/>
           </a:prstGeom>
-          <a:noFill/>
-          <a:ln w="76200">
-            <a:solidFill>
-              <a:srgbClr val="B7C1CD"/>
-            </a:solidFill>
+          <a:solidFill>
+            <a:srgbClr val="0F3158"/>
+          </a:solidFill>
+          <a:ln>
+            <a:noFill/>
           </a:ln>
         </p:spPr>
         <p:style>
@@ -5326,20 +5615,261 @@
       </p:sp>
       <p:sp>
         <p:nvSpPr>
-          <p:cNvPr id="13" name="직사각형 12"/>
+          <p:cNvPr id="16" name="TextBox 15"/>
+          <p:cNvSpPr txBox="1"/>
+          <p:nvPr/>
+        </p:nvSpPr>
+        <p:spPr>
+          <a:xfrm>
+            <a:off x="6848832" y="4389362"/>
+            <a:ext cx="935341" cy="209308"/>
+          </a:xfrm>
+          <a:prstGeom prst="rect">
+            <a:avLst/>
+          </a:prstGeom>
+        </p:spPr>
+        <p:txBody>
+          <a:bodyPr wrap="square">
+            <a:spAutoFit/>
+          </a:bodyPr>
+          <a:lstStyle/>
+          <a:p>
+            <a:pPr>
+              <a:defRPr/>
+            </a:pPr>
+            <a:r>
+              <a:rPr lang="en-US" altLang="ko-KR" sz="800">
+                <a:solidFill>
+                  <a:srgbClr val="BFBFBF"/>
+                </a:solidFill>
+                <a:latin typeface="나눔스퀘어_ac Bold"/>
+                <a:ea typeface="나눔스퀘어_ac Bold"/>
+              </a:rPr>
+              <a:t>*</a:t>
+            </a:r>
+            <a:r>
+              <a:rPr lang="ko-KR" altLang="en-US" sz="800">
+                <a:solidFill>
+                  <a:srgbClr val="BFBFBF"/>
+                </a:solidFill>
+                <a:latin typeface="나눔스퀘어_ac Bold"/>
+                <a:ea typeface="나눔스퀘어_ac Bold"/>
+              </a:rPr>
+              <a:t>출처 표기는 필수</a:t>
+            </a:r>
+          </a:p>
+        </p:txBody>
+      </p:sp>
+      <p:sp>
+        <p:nvSpPr>
+          <p:cNvPr id="18" name="TextBox 17"/>
+          <p:cNvSpPr txBox="1"/>
+          <p:nvPr/>
+        </p:nvSpPr>
+        <p:spPr>
+          <a:xfrm>
+            <a:off x="9566910" y="392049"/>
+            <a:ext cx="1259205" cy="243840"/>
+          </a:xfrm>
+          <a:prstGeom prst="rect">
+            <a:avLst/>
+          </a:prstGeom>
+        </p:spPr>
+        <p:txBody>
+          <a:bodyPr wrap="none">
+            <a:spAutoFit/>
+          </a:bodyPr>
+          <a:lstStyle/>
+          <a:p>
+            <a:pPr algn="ctr">
+              <a:defRPr/>
+            </a:pPr>
+            <a:r>
+              <a:rPr lang="ko-KR" altLang="en-US" sz="1000">
+                <a:solidFill>
+                  <a:srgbClr val="0F3158"/>
+                </a:solidFill>
+                <a:latin typeface="나눔스퀘어_ac ExtraBold"/>
+                <a:ea typeface="나눔스퀘어_ac ExtraBold"/>
+              </a:rPr>
+              <a:t>과목명 </a:t>
+            </a:r>
+            <a:r>
+              <a:rPr lang="en-US" altLang="ko-KR" sz="1000">
+                <a:solidFill>
+                  <a:srgbClr val="0F3158"/>
+                </a:solidFill>
+                <a:latin typeface="나눔스퀘어_ac ExtraBold"/>
+                <a:ea typeface="나눔스퀘어_ac ExtraBold"/>
+              </a:rPr>
+              <a:t>or </a:t>
+            </a:r>
+            <a:r>
+              <a:rPr lang="ko-KR" altLang="en-US" sz="1000">
+                <a:solidFill>
+                  <a:srgbClr val="0F3158"/>
+                </a:solidFill>
+                <a:latin typeface="나눔스퀘어_ac ExtraBold"/>
+                <a:ea typeface="나눔스퀘어_ac ExtraBold"/>
+              </a:rPr>
+              <a:t>프로젝트명</a:t>
+            </a:r>
+          </a:p>
+        </p:txBody>
+      </p:sp>
+    </p:spTree>
+  </p:cSld>
+  <p:clrMapOvr>
+    <a:masterClrMapping/>
+  </p:clrMapOvr>
+  <mc:AlternateContent xmlns:mc="http://schemas.openxmlformats.org/markup-compatibility/2006" xmlns:p14="http://schemas.microsoft.com/office/powerpoint/2010/main">
+    <mc:Choice Requires="p14">
+      <p:transition/>
+    </mc:Choice>
+    <mc:Fallback xmlns:dsp="http://schemas.microsoft.com/office/drawing/2008/diagram" xmlns:dgm="http://schemas.openxmlformats.org/drawingml/2006/diagram" xmlns:c="http://schemas.openxmlformats.org/drawingml/2006/chart" xmlns="">
+      <p:transition/>
+    </mc:Fallback>
+  </mc:AlternateContent>
+</p:sld>
+</file>
+
+<file path=ppt/slides/slide12.xml><?xml version="1.0" encoding="utf-8"?>
+<p:sld xmlns:a="http://schemas.openxmlformats.org/drawingml/2006/main" xmlns:r="http://schemas.openxmlformats.org/officeDocument/2006/relationships" xmlns:p="http://schemas.openxmlformats.org/presentationml/2006/main">
+  <p:cSld>
+    <p:spTree>
+      <p:nvGrpSpPr>
+        <p:cNvPr id="1" name=""/>
+        <p:cNvGrpSpPr/>
+        <p:nvPr/>
+      </p:nvGrpSpPr>
+      <p:grpSpPr>
+        <a:xfrm>
+          <a:off x="0" y="0"/>
+          <a:ext cx="0" cy="0"/>
+          <a:chOff x="0" y="0"/>
+          <a:chExt cx="0" cy="0"/>
+        </a:xfrm>
+      </p:grpSpPr>
+      <p:sp>
+        <p:nvSpPr>
+          <p:cNvPr id="6" name="TextBox 5"/>
+          <p:cNvSpPr txBox="1"/>
+          <p:nvPr/>
+        </p:nvSpPr>
+        <p:spPr>
+          <a:xfrm>
+            <a:off x="511264" y="392049"/>
+            <a:ext cx="820331" cy="300609"/>
+          </a:xfrm>
+          <a:prstGeom prst="rect">
+            <a:avLst/>
+          </a:prstGeom>
+        </p:spPr>
+        <p:txBody>
+          <a:bodyPr wrap="none">
+            <a:spAutoFit/>
+          </a:bodyPr>
+          <a:lstStyle/>
+          <a:p>
+            <a:pPr algn="ctr">
+              <a:defRPr/>
+            </a:pPr>
+            <a:r>
+              <a:rPr lang="en-US" altLang="ko-KR" sz="1400">
+                <a:solidFill>
+                  <a:srgbClr val="0F3158"/>
+                </a:solidFill>
+                <a:latin typeface="나눔스퀘어_ac ExtraBold"/>
+                <a:ea typeface="나눔스퀘어_ac ExtraBold"/>
+              </a:rPr>
+              <a:t>01.</a:t>
+            </a:r>
+            <a:r>
+              <a:rPr lang="ko-KR" altLang="en-US" sz="1400">
+                <a:solidFill>
+                  <a:srgbClr val="0F3158"/>
+                </a:solidFill>
+                <a:latin typeface="나눔스퀘어_ac ExtraBold"/>
+                <a:ea typeface="나눔스퀘어_ac ExtraBold"/>
+              </a:rPr>
+              <a:t> 주제</a:t>
+            </a:r>
+          </a:p>
+        </p:txBody>
+      </p:sp>
+      <p:sp>
+        <p:nvSpPr>
+          <p:cNvPr id="7" name="TextBox 6"/>
+          <p:cNvSpPr txBox="1"/>
+          <p:nvPr/>
+        </p:nvSpPr>
+        <p:spPr>
+          <a:xfrm>
+            <a:off x="511264" y="615696"/>
+            <a:ext cx="1077506" cy="364998"/>
+          </a:xfrm>
+          <a:prstGeom prst="rect">
+            <a:avLst/>
+          </a:prstGeom>
+        </p:spPr>
+        <p:txBody>
+          <a:bodyPr wrap="none">
+            <a:spAutoFit/>
+          </a:bodyPr>
+          <a:lstStyle/>
+          <a:p>
+            <a:pPr algn="ctr">
+              <a:defRPr/>
+            </a:pPr>
+            <a:r>
+              <a:rPr lang="ko-KR" altLang="en-US" sz="1200">
+                <a:solidFill>
+                  <a:srgbClr val="A9AAAA"/>
+                </a:solidFill>
+                <a:latin typeface="나눔스퀘어_ac Bold"/>
+                <a:ea typeface="나눔스퀘어_ac Bold"/>
+              </a:rPr>
+              <a:t>소주제</a:t>
+            </a:r>
+            <a:r>
+              <a:rPr lang="ko-KR" altLang="en-US">
+                <a:solidFill>
+                  <a:srgbClr val="A9AAAA"/>
+                </a:solidFill>
+                <a:latin typeface="나눔스퀘어_ac Bold"/>
+                <a:ea typeface="나눔스퀘어_ac Bold"/>
+              </a:rPr>
+              <a:t> </a:t>
+            </a:r>
+            <a:r>
+              <a:rPr lang="ko-KR" altLang="en-US" sz="1200">
+                <a:solidFill>
+                  <a:srgbClr val="A9AAAA"/>
+                </a:solidFill>
+                <a:latin typeface="나눔스퀘어_ac Bold"/>
+                <a:ea typeface="나눔스퀘어_ac Bold"/>
+              </a:rPr>
+              <a:t>및 설명</a:t>
+            </a:r>
+          </a:p>
+        </p:txBody>
+      </p:sp>
+      <p:sp>
+        <p:nvSpPr>
+          <p:cNvPr id="9" name="직사각형 8"/>
           <p:cNvSpPr/>
           <p:nvPr/>
         </p:nvSpPr>
         <p:spPr>
           <a:xfrm>
-            <a:off x="2138928" y="1815667"/>
-            <a:ext cx="957198" cy="605206"/>
+            <a:off x="439255" y="392049"/>
+            <a:ext cx="45720" cy="588645"/>
           </a:xfrm>
           <a:prstGeom prst="rect">
             <a:avLst/>
           </a:prstGeom>
           <a:solidFill>
-            <a:schemeClr val="lt1"/>
+            <a:srgbClr val="0F3158"/>
           </a:solidFill>
           <a:ln>
             <a:noFill/>
@@ -5376,14 +5906,14 @@
       </p:sp>
       <p:sp>
         <p:nvSpPr>
-          <p:cNvPr id="14" name="TextBox 13"/>
+          <p:cNvPr id="10" name="TextBox 9"/>
           <p:cNvSpPr txBox="1"/>
           <p:nvPr/>
         </p:nvSpPr>
         <p:spPr>
           <a:xfrm>
-            <a:off x="2374982" y="1916811"/>
-            <a:ext cx="485089" cy="414909"/>
+            <a:off x="4551467" y="5040880"/>
+            <a:ext cx="1764254" cy="338840"/>
           </a:xfrm>
           <a:prstGeom prst="rect">
             <a:avLst/>
@@ -5399,28 +5929,38 @@
               <a:defRPr/>
             </a:pPr>
             <a:r>
-              <a:rPr lang="en-US" altLang="ko-KR" sz="2100">
-                <a:solidFill>
-                  <a:srgbClr val="0F3158"/>
-                </a:solidFill>
-                <a:latin typeface="-윤고딕360"/>
-                <a:ea typeface="-윤고딕360"/>
-              </a:rPr>
-              <a:t>01</a:t>
-            </a:r>
-          </a:p>
-        </p:txBody>
-      </p:sp>
-      <p:sp>
-        <p:nvSpPr>
-          <p:cNvPr id="15" name="TextBox 14"/>
+              <a:rPr lang="ko-KR" altLang="en-US" sz="1600">
+                <a:solidFill>
+                  <a:srgbClr val="555554"/>
+                </a:solidFill>
+                <a:latin typeface="나눔스퀘어_ac ExtraBold"/>
+                <a:ea typeface="나눔스퀘어_ac ExtraBold"/>
+              </a:rPr>
+              <a:t>제목을 입력하세요</a:t>
+            </a:r>
+            <a:r>
+              <a:rPr lang="en-US" altLang="ko-KR" sz="1600">
+                <a:solidFill>
+                  <a:srgbClr val="555554"/>
+                </a:solidFill>
+                <a:latin typeface="나눔스퀘어_ac ExtraBold"/>
+                <a:ea typeface="나눔스퀘어_ac ExtraBold"/>
+              </a:rPr>
+              <a:t>.</a:t>
+            </a:r>
+          </a:p>
+        </p:txBody>
+      </p:sp>
+      <p:sp>
+        <p:nvSpPr>
+          <p:cNvPr id="11" name="TextBox 10"/>
           <p:cNvSpPr txBox="1"/>
           <p:nvPr/>
         </p:nvSpPr>
         <p:spPr>
           <a:xfrm>
-            <a:off x="2002117" y="3068955"/>
-            <a:ext cx="1230820" cy="300990"/>
+            <a:off x="3535642" y="5561886"/>
+            <a:ext cx="3795904" cy="446484"/>
           </a:xfrm>
           <a:prstGeom prst="rect">
             <a:avLst/>
@@ -5436,27 +5976,87 @@
               <a:defRPr/>
             </a:pPr>
             <a:r>
-              <a:rPr lang="ko-KR" altLang="ko-KR" sz="1350">
+              <a:rPr lang="en-US" altLang="ko-KR" sz="800">
                 <a:solidFill>
                   <a:srgbClr val="808080"/>
                 </a:solidFill>
-                <a:latin typeface="나눔스퀘어 Bold"/>
-                <a:ea typeface="나눔스퀘어 Bold"/>
-              </a:rPr>
-              <a:t>소주제 및 설명</a:t>
-            </a:r>
-          </a:p>
-        </p:txBody>
-      </p:sp>
-      <p:sp>
-        <p:nvSpPr>
-          <p:cNvPr id="18" name="타원 17"/>
+                <a:latin typeface="나눔스퀘어_ac Bold"/>
+                <a:ea typeface="나눔스퀘어_ac Bold"/>
+              </a:rPr>
+              <a:t>-</a:t>
+            </a:r>
+            <a:r>
+              <a:rPr lang="ko-KR" altLang="en-US" sz="800">
+                <a:solidFill>
+                  <a:srgbClr val="808080"/>
+                </a:solidFill>
+                <a:latin typeface="나눔스퀘어_ac Bold"/>
+                <a:ea typeface="나눔스퀘어_ac Bold"/>
+              </a:rPr>
+              <a:t> 십리도 못 가서 발병난다. 내가 그의 이름을 불러 주었을 때 </a:t>
+            </a:r>
+          </a:p>
+          <a:p>
+            <a:pPr algn="ctr">
+              <a:defRPr/>
+            </a:pPr>
+            <a:r>
+              <a:rPr lang="en-US" altLang="ko-KR" sz="800">
+                <a:solidFill>
+                  <a:srgbClr val="808080"/>
+                </a:solidFill>
+                <a:latin typeface="나눔스퀘어_ac Bold"/>
+                <a:ea typeface="나눔스퀘어_ac Bold"/>
+              </a:rPr>
+              <a:t>-</a:t>
+            </a:r>
+            <a:r>
+              <a:rPr lang="ko-KR" altLang="en-US" sz="800">
+                <a:solidFill>
+                  <a:srgbClr val="808080"/>
+                </a:solidFill>
+                <a:latin typeface="나눔스퀘어_ac Bold"/>
+                <a:ea typeface="나눔스퀘어_ac Bold"/>
+              </a:rPr>
+              <a:t> 그는  돌같이 하라 뭉치면 살고 흩어지면 죽는다. 이 몸이 죽고 죽어 </a:t>
+            </a:r>
+          </a:p>
+          <a:p>
+            <a:pPr algn="ctr">
+              <a:defRPr/>
+            </a:pPr>
+            <a:r>
+              <a:rPr lang="en-US" altLang="ko-KR" sz="800">
+                <a:solidFill>
+                  <a:srgbClr val="808080"/>
+                </a:solidFill>
+                <a:latin typeface="나눔스퀘어_ac Bold"/>
+                <a:ea typeface="나눔스퀘어_ac Bold"/>
+              </a:rPr>
+              <a:t>-</a:t>
+            </a:r>
+            <a:r>
+              <a:rPr lang="ko-KR" altLang="en-US" sz="800">
+                <a:solidFill>
+                  <a:srgbClr val="808080"/>
+                </a:solidFill>
+                <a:latin typeface="나눔스퀘어_ac Bold"/>
+                <a:ea typeface="나눔스퀘어_ac Bold"/>
+              </a:rPr>
+              <a:t> 일백번 고쳐 죽어고 임 향한 일편단심 가실 줄이 있으랴. 관용은 미덕이다. </a:t>
+            </a:r>
+          </a:p>
+        </p:txBody>
+      </p:sp>
+      <p:sp>
+        <p:nvSpPr>
+          <p:cNvPr id="12" name="타원 11"/>
           <p:cNvSpPr/>
           <p:nvPr/>
         </p:nvSpPr>
         <p:spPr>
           <a:xfrm>
-            <a:off x="7280110" y="2060829"/>
+            <a:off x="1447381" y="2060829"/>
             <a:ext cx="2340292" cy="2340292"/>
           </a:xfrm>
           <a:prstGeom prst="ellipse">
@@ -5500,13 +6100,13 @@
       </p:sp>
       <p:sp>
         <p:nvSpPr>
-          <p:cNvPr id="19" name="직사각형 18"/>
+          <p:cNvPr id="13" name="직사각형 12"/>
           <p:cNvSpPr/>
           <p:nvPr/>
         </p:nvSpPr>
         <p:spPr>
           <a:xfrm>
-            <a:off x="7971657" y="1815667"/>
+            <a:off x="2138928" y="1815667"/>
             <a:ext cx="957198" cy="605206"/>
           </a:xfrm>
           <a:prstGeom prst="rect">
@@ -5550,14 +6150,14 @@
       </p:sp>
       <p:sp>
         <p:nvSpPr>
-          <p:cNvPr id="20" name="TextBox 19"/>
+          <p:cNvPr id="14" name="TextBox 13"/>
           <p:cNvSpPr txBox="1"/>
           <p:nvPr/>
         </p:nvSpPr>
         <p:spPr>
           <a:xfrm>
-            <a:off x="8207712" y="1916811"/>
-            <a:ext cx="485088" cy="414909"/>
+            <a:off x="2374982" y="1916811"/>
+            <a:ext cx="485089" cy="414909"/>
           </a:xfrm>
           <a:prstGeom prst="rect">
             <a:avLst/>
@@ -5580,20 +6180,20 @@
                 <a:latin typeface="-윤고딕360"/>
                 <a:ea typeface="-윤고딕360"/>
               </a:rPr>
-              <a:t>03</a:t>
-            </a:r>
-          </a:p>
-        </p:txBody>
-      </p:sp>
-      <p:sp>
-        <p:nvSpPr>
-          <p:cNvPr id="21" name="TextBox 20"/>
+              <a:t>01</a:t>
+            </a:r>
+          </a:p>
+        </p:txBody>
+      </p:sp>
+      <p:sp>
+        <p:nvSpPr>
+          <p:cNvPr id="15" name="TextBox 14"/>
           <p:cNvSpPr txBox="1"/>
           <p:nvPr/>
         </p:nvSpPr>
         <p:spPr>
           <a:xfrm>
-            <a:off x="7834846" y="3068955"/>
+            <a:off x="2002117" y="3068955"/>
             <a:ext cx="1230820" cy="300990"/>
           </a:xfrm>
           <a:prstGeom prst="rect">
@@ -5624,13 +6224,13 @@
       </p:sp>
       <p:sp>
         <p:nvSpPr>
-          <p:cNvPr id="23" name="타원 22"/>
+          <p:cNvPr id="18" name="타원 17"/>
           <p:cNvSpPr/>
           <p:nvPr/>
         </p:nvSpPr>
         <p:spPr>
           <a:xfrm>
-            <a:off x="4381748" y="2060829"/>
+            <a:off x="7280110" y="2060829"/>
             <a:ext cx="2340292" cy="2340292"/>
           </a:xfrm>
           <a:prstGeom prst="ellipse">
@@ -5674,13 +6274,13 @@
       </p:sp>
       <p:sp>
         <p:nvSpPr>
-          <p:cNvPr id="24" name="직사각형 23"/>
+          <p:cNvPr id="19" name="직사각형 18"/>
           <p:cNvSpPr/>
           <p:nvPr/>
         </p:nvSpPr>
         <p:spPr>
           <a:xfrm>
-            <a:off x="5073295" y="1815667"/>
+            <a:off x="7971657" y="1815667"/>
             <a:ext cx="957198" cy="605206"/>
           </a:xfrm>
           <a:prstGeom prst="rect">
@@ -5724,6 +6324,180 @@
       </p:sp>
       <p:sp>
         <p:nvSpPr>
+          <p:cNvPr id="20" name="TextBox 19"/>
+          <p:cNvSpPr txBox="1"/>
+          <p:nvPr/>
+        </p:nvSpPr>
+        <p:spPr>
+          <a:xfrm>
+            <a:off x="8207712" y="1916811"/>
+            <a:ext cx="485088" cy="414909"/>
+          </a:xfrm>
+          <a:prstGeom prst="rect">
+            <a:avLst/>
+          </a:prstGeom>
+        </p:spPr>
+        <p:txBody>
+          <a:bodyPr wrap="square">
+            <a:spAutoFit/>
+          </a:bodyPr>
+          <a:lstStyle/>
+          <a:p>
+            <a:pPr algn="ctr">
+              <a:defRPr/>
+            </a:pPr>
+            <a:r>
+              <a:rPr lang="en-US" altLang="ko-KR" sz="2100">
+                <a:solidFill>
+                  <a:srgbClr val="0F3158"/>
+                </a:solidFill>
+                <a:latin typeface="-윤고딕360"/>
+                <a:ea typeface="-윤고딕360"/>
+              </a:rPr>
+              <a:t>03</a:t>
+            </a:r>
+          </a:p>
+        </p:txBody>
+      </p:sp>
+      <p:sp>
+        <p:nvSpPr>
+          <p:cNvPr id="21" name="TextBox 20"/>
+          <p:cNvSpPr txBox="1"/>
+          <p:nvPr/>
+        </p:nvSpPr>
+        <p:spPr>
+          <a:xfrm>
+            <a:off x="7834846" y="3068955"/>
+            <a:ext cx="1230820" cy="300990"/>
+          </a:xfrm>
+          <a:prstGeom prst="rect">
+            <a:avLst/>
+          </a:prstGeom>
+        </p:spPr>
+        <p:txBody>
+          <a:bodyPr wrap="square">
+            <a:spAutoFit/>
+          </a:bodyPr>
+          <a:lstStyle/>
+          <a:p>
+            <a:pPr algn="ctr">
+              <a:defRPr/>
+            </a:pPr>
+            <a:r>
+              <a:rPr lang="ko-KR" altLang="ko-KR" sz="1350">
+                <a:solidFill>
+                  <a:srgbClr val="808080"/>
+                </a:solidFill>
+                <a:latin typeface="나눔스퀘어 Bold"/>
+                <a:ea typeface="나눔스퀘어 Bold"/>
+              </a:rPr>
+              <a:t>소주제 및 설명</a:t>
+            </a:r>
+          </a:p>
+        </p:txBody>
+      </p:sp>
+      <p:sp>
+        <p:nvSpPr>
+          <p:cNvPr id="23" name="타원 22"/>
+          <p:cNvSpPr/>
+          <p:nvPr/>
+        </p:nvSpPr>
+        <p:spPr>
+          <a:xfrm>
+            <a:off x="4381748" y="2060829"/>
+            <a:ext cx="2340292" cy="2340292"/>
+          </a:xfrm>
+          <a:prstGeom prst="ellipse">
+            <a:avLst/>
+          </a:prstGeom>
+          <a:noFill/>
+          <a:ln w="76200">
+            <a:solidFill>
+              <a:srgbClr val="B7C1CD"/>
+            </a:solidFill>
+          </a:ln>
+        </p:spPr>
+        <p:style>
+          <a:lnRef idx="2">
+            <a:schemeClr val="accent1">
+              <a:shade val="20000"/>
+            </a:schemeClr>
+          </a:lnRef>
+          <a:fillRef idx="1">
+            <a:schemeClr val="accent1"/>
+          </a:fillRef>
+          <a:effectRef idx="0">
+            <a:schemeClr val="accent1"/>
+          </a:effectRef>
+          <a:fontRef idx="minor">
+            <a:schemeClr val="lt1"/>
+          </a:fontRef>
+        </p:style>
+        <p:txBody>
+          <a:bodyPr anchor="ctr"/>
+          <a:lstStyle/>
+          <a:p>
+            <a:pPr algn="ctr">
+              <a:defRPr/>
+            </a:pPr>
+            <a:endParaRPr lang="ko-KR" altLang="en-US">
+              <a:noFill/>
+            </a:endParaRPr>
+          </a:p>
+        </p:txBody>
+      </p:sp>
+      <p:sp>
+        <p:nvSpPr>
+          <p:cNvPr id="24" name="직사각형 23"/>
+          <p:cNvSpPr/>
+          <p:nvPr/>
+        </p:nvSpPr>
+        <p:spPr>
+          <a:xfrm>
+            <a:off x="5073295" y="1815667"/>
+            <a:ext cx="957198" cy="605206"/>
+          </a:xfrm>
+          <a:prstGeom prst="rect">
+            <a:avLst/>
+          </a:prstGeom>
+          <a:solidFill>
+            <a:schemeClr val="lt1"/>
+          </a:solidFill>
+          <a:ln>
+            <a:noFill/>
+          </a:ln>
+        </p:spPr>
+        <p:style>
+          <a:lnRef idx="2">
+            <a:schemeClr val="accent1">
+              <a:shade val="20000"/>
+            </a:schemeClr>
+          </a:lnRef>
+          <a:fillRef idx="1">
+            <a:schemeClr val="accent1"/>
+          </a:fillRef>
+          <a:effectRef idx="0">
+            <a:schemeClr val="accent1"/>
+          </a:effectRef>
+          <a:fontRef idx="minor">
+            <a:schemeClr val="lt1"/>
+          </a:fontRef>
+        </p:style>
+        <p:txBody>
+          <a:bodyPr anchor="ctr"/>
+          <a:lstStyle/>
+          <a:p>
+            <a:pPr algn="ctr">
+              <a:defRPr/>
+            </a:pPr>
+            <a:endParaRPr lang="ko-KR" altLang="en-US">
+              <a:noFill/>
+            </a:endParaRPr>
+          </a:p>
+        </p:txBody>
+      </p:sp>
+      <p:sp>
+        <p:nvSpPr>
           <p:cNvPr id="25" name="TextBox 24"/>
           <p:cNvSpPr txBox="1"/>
           <p:nvPr/>
@@ -5862,14 +6636,14 @@
     <mc:Choice Requires="p14">
       <p:transition/>
     </mc:Choice>
-    <mc:Fallback xmlns="" xmlns:c="http://schemas.openxmlformats.org/drawingml/2006/chart" xmlns:dgm="http://schemas.openxmlformats.org/drawingml/2006/diagram" xmlns:dsp="http://schemas.microsoft.com/office/drawing/2008/diagram">
+    <mc:Fallback xmlns:dsp="http://schemas.microsoft.com/office/drawing/2008/diagram" xmlns:dgm="http://schemas.openxmlformats.org/drawingml/2006/diagram" xmlns:c="http://schemas.openxmlformats.org/drawingml/2006/chart" xmlns="">
       <p:transition/>
     </mc:Fallback>
   </mc:AlternateContent>
 </p:sld>
 </file>
 
-<file path=ppt/slides/slide12.xml><?xml version="1.0" encoding="utf-8"?>
+<file path=ppt/slides/slide13.xml><?xml version="1.0" encoding="utf-8"?>
 <p:sld xmlns:a="http://schemas.openxmlformats.org/drawingml/2006/main" xmlns:r="http://schemas.openxmlformats.org/officeDocument/2006/relationships" xmlns:p="http://schemas.openxmlformats.org/presentationml/2006/main">
   <p:cSld>
     <p:spTree>
@@ -6440,553 +7214,7 @@
     <mc:Choice Requires="p14">
       <p:transition/>
     </mc:Choice>
-    <mc:Fallback xmlns="" xmlns:c="http://schemas.openxmlformats.org/drawingml/2006/chart" xmlns:dgm="http://schemas.openxmlformats.org/drawingml/2006/diagram" xmlns:dsp="http://schemas.microsoft.com/office/drawing/2008/diagram">
-      <p:transition/>
-    </mc:Fallback>
-  </mc:AlternateContent>
-</p:sld>
-</file>
-
-<file path=ppt/slides/slide13.xml><?xml version="1.0" encoding="utf-8"?>
-<p:sld xmlns:a="http://schemas.openxmlformats.org/drawingml/2006/main" xmlns:r="http://schemas.openxmlformats.org/officeDocument/2006/relationships" xmlns:p="http://schemas.openxmlformats.org/presentationml/2006/main">
-  <p:cSld>
-    <p:spTree>
-      <p:nvGrpSpPr>
-        <p:cNvPr id="1" name=""/>
-        <p:cNvGrpSpPr/>
-        <p:nvPr/>
-      </p:nvGrpSpPr>
-      <p:grpSpPr>
-        <a:xfrm>
-          <a:off x="0" y="0"/>
-          <a:ext cx="0" cy="0"/>
-          <a:chOff x="0" y="0"/>
-          <a:chExt cx="0" cy="0"/>
-        </a:xfrm>
-      </p:grpSpPr>
-      <p:sp>
-        <p:nvSpPr>
-          <p:cNvPr id="6" name="TextBox 5"/>
-          <p:cNvSpPr txBox="1"/>
-          <p:nvPr/>
-        </p:nvSpPr>
-        <p:spPr>
-          <a:xfrm>
-            <a:off x="511264" y="392049"/>
-            <a:ext cx="820331" cy="300609"/>
-          </a:xfrm>
-          <a:prstGeom prst="rect">
-            <a:avLst/>
-          </a:prstGeom>
-        </p:spPr>
-        <p:txBody>
-          <a:bodyPr wrap="none">
-            <a:spAutoFit/>
-          </a:bodyPr>
-          <a:lstStyle/>
-          <a:p>
-            <a:pPr algn="ctr">
-              <a:defRPr/>
-            </a:pPr>
-            <a:r>
-              <a:rPr lang="en-US" altLang="ko-KR" sz="1400">
-                <a:solidFill>
-                  <a:srgbClr val="0F3158"/>
-                </a:solidFill>
-                <a:latin typeface="나눔스퀘어_ac ExtraBold"/>
-                <a:ea typeface="나눔스퀘어_ac ExtraBold"/>
-              </a:rPr>
-              <a:t>01.</a:t>
-            </a:r>
-            <a:r>
-              <a:rPr lang="ko-KR" altLang="en-US" sz="1400">
-                <a:solidFill>
-                  <a:srgbClr val="0F3158"/>
-                </a:solidFill>
-                <a:latin typeface="나눔스퀘어_ac ExtraBold"/>
-                <a:ea typeface="나눔스퀘어_ac ExtraBold"/>
-              </a:rPr>
-              <a:t> 주제</a:t>
-            </a:r>
-          </a:p>
-        </p:txBody>
-      </p:sp>
-      <p:sp>
-        <p:nvSpPr>
-          <p:cNvPr id="7" name="TextBox 6"/>
-          <p:cNvSpPr txBox="1"/>
-          <p:nvPr/>
-        </p:nvSpPr>
-        <p:spPr>
-          <a:xfrm>
-            <a:off x="511264" y="615696"/>
-            <a:ext cx="1077506" cy="364998"/>
-          </a:xfrm>
-          <a:prstGeom prst="rect">
-            <a:avLst/>
-          </a:prstGeom>
-        </p:spPr>
-        <p:txBody>
-          <a:bodyPr wrap="none">
-            <a:spAutoFit/>
-          </a:bodyPr>
-          <a:lstStyle/>
-          <a:p>
-            <a:pPr algn="ctr">
-              <a:defRPr/>
-            </a:pPr>
-            <a:r>
-              <a:rPr lang="ko-KR" altLang="en-US" sz="1200">
-                <a:solidFill>
-                  <a:srgbClr val="A9AAAA"/>
-                </a:solidFill>
-                <a:latin typeface="나눔스퀘어_ac Bold"/>
-                <a:ea typeface="나눔스퀘어_ac Bold"/>
-              </a:rPr>
-              <a:t>소주제</a:t>
-            </a:r>
-            <a:r>
-              <a:rPr lang="ko-KR" altLang="en-US">
-                <a:solidFill>
-                  <a:srgbClr val="A9AAAA"/>
-                </a:solidFill>
-                <a:latin typeface="나눔스퀘어_ac Bold"/>
-                <a:ea typeface="나눔스퀘어_ac Bold"/>
-              </a:rPr>
-              <a:t> </a:t>
-            </a:r>
-            <a:r>
-              <a:rPr lang="ko-KR" altLang="en-US" sz="1200">
-                <a:solidFill>
-                  <a:srgbClr val="A9AAAA"/>
-                </a:solidFill>
-                <a:latin typeface="나눔스퀘어_ac Bold"/>
-                <a:ea typeface="나눔스퀘어_ac Bold"/>
-              </a:rPr>
-              <a:t>및 설명</a:t>
-            </a:r>
-          </a:p>
-        </p:txBody>
-      </p:sp>
-      <p:sp>
-        <p:nvSpPr>
-          <p:cNvPr id="9" name="직사각형 8"/>
-          <p:cNvSpPr/>
-          <p:nvPr/>
-        </p:nvSpPr>
-        <p:spPr>
-          <a:xfrm>
-            <a:off x="439255" y="392049"/>
-            <a:ext cx="45720" cy="588645"/>
-          </a:xfrm>
-          <a:prstGeom prst="rect">
-            <a:avLst/>
-          </a:prstGeom>
-          <a:solidFill>
-            <a:srgbClr val="0F3158"/>
-          </a:solidFill>
-          <a:ln>
-            <a:noFill/>
-          </a:ln>
-        </p:spPr>
-        <p:style>
-          <a:lnRef idx="2">
-            <a:schemeClr val="accent1">
-              <a:shade val="20000"/>
-            </a:schemeClr>
-          </a:lnRef>
-          <a:fillRef idx="1">
-            <a:schemeClr val="accent1"/>
-          </a:fillRef>
-          <a:effectRef idx="0">
-            <a:schemeClr val="accent1"/>
-          </a:effectRef>
-          <a:fontRef idx="minor">
-            <a:schemeClr val="lt1"/>
-          </a:fontRef>
-        </p:style>
-        <p:txBody>
-          <a:bodyPr anchor="ctr"/>
-          <a:lstStyle/>
-          <a:p>
-            <a:pPr algn="ctr">
-              <a:defRPr/>
-            </a:pPr>
-            <a:endParaRPr lang="ko-KR" altLang="en-US">
-              <a:noFill/>
-            </a:endParaRPr>
-          </a:p>
-        </p:txBody>
-      </p:sp>
-      <p:graphicFrame>
-        <p:nvGraphicFramePr>
-          <p:cNvPr id="13" name="차트 7"/>
-          <p:cNvGraphicFramePr/>
-          <p:nvPr/>
-        </p:nvGraphicFramePr>
-        <p:xfrm>
-          <a:off x="1303363" y="1628775"/>
-          <a:ext cx="4107141" cy="3888485"/>
-        </p:xfrm>
-        <a:graphic>
-          <a:graphicData uri="http://schemas.openxmlformats.org/drawingml/2006/chart">
-            <c:chart xmlns:c="http://schemas.openxmlformats.org/drawingml/2006/chart" xmlns:r="http://schemas.openxmlformats.org/officeDocument/2006/relationships" r:id="rId2"/>
-          </a:graphicData>
-        </a:graphic>
-      </p:graphicFrame>
-      <p:sp>
-        <p:nvSpPr>
-          <p:cNvPr id="17" name="TextBox 16"/>
-          <p:cNvSpPr txBox="1"/>
-          <p:nvPr/>
-        </p:nvSpPr>
-        <p:spPr>
-          <a:xfrm>
-            <a:off x="5120616" y="5374005"/>
-            <a:ext cx="935341" cy="215265"/>
-          </a:xfrm>
-          <a:prstGeom prst="rect">
-            <a:avLst/>
-          </a:prstGeom>
-        </p:spPr>
-        <p:txBody>
-          <a:bodyPr wrap="square">
-            <a:spAutoFit/>
-          </a:bodyPr>
-          <a:lstStyle/>
-          <a:p>
-            <a:pPr>
-              <a:defRPr/>
-            </a:pPr>
-            <a:r>
-              <a:rPr lang="en-US" altLang="ko-KR" sz="800">
-                <a:solidFill>
-                  <a:srgbClr val="BFBFBF"/>
-                </a:solidFill>
-                <a:latin typeface="나눔스퀘어_ac Bold"/>
-                <a:ea typeface="나눔스퀘어_ac Bold"/>
-              </a:rPr>
-              <a:t>*</a:t>
-            </a:r>
-            <a:r>
-              <a:rPr lang="ko-KR" altLang="en-US" sz="800">
-                <a:solidFill>
-                  <a:srgbClr val="BFBFBF"/>
-                </a:solidFill>
-                <a:latin typeface="나눔스퀘어_ac Bold"/>
-                <a:ea typeface="나눔스퀘어_ac Bold"/>
-              </a:rPr>
-              <a:t>출처 표기는 필수</a:t>
-            </a:r>
-          </a:p>
-        </p:txBody>
-      </p:sp>
-      <p:sp>
-        <p:nvSpPr>
-          <p:cNvPr id="18" name="TextBox 17"/>
-          <p:cNvSpPr txBox="1"/>
-          <p:nvPr/>
-        </p:nvSpPr>
-        <p:spPr>
-          <a:xfrm>
-            <a:off x="9566910" y="392049"/>
-            <a:ext cx="1259205" cy="243840"/>
-          </a:xfrm>
-          <a:prstGeom prst="rect">
-            <a:avLst/>
-          </a:prstGeom>
-        </p:spPr>
-        <p:txBody>
-          <a:bodyPr wrap="none">
-            <a:spAutoFit/>
-          </a:bodyPr>
-          <a:lstStyle/>
-          <a:p>
-            <a:pPr algn="ctr">
-              <a:defRPr/>
-            </a:pPr>
-            <a:r>
-              <a:rPr lang="ko-KR" altLang="en-US" sz="1000">
-                <a:solidFill>
-                  <a:srgbClr val="0F3158"/>
-                </a:solidFill>
-                <a:latin typeface="나눔스퀘어_ac ExtraBold"/>
-                <a:ea typeface="나눔스퀘어_ac ExtraBold"/>
-              </a:rPr>
-              <a:t>과목명 </a:t>
-            </a:r>
-            <a:r>
-              <a:rPr lang="en-US" altLang="ko-KR" sz="1000">
-                <a:solidFill>
-                  <a:srgbClr val="0F3158"/>
-                </a:solidFill>
-                <a:latin typeface="나눔스퀘어_ac ExtraBold"/>
-                <a:ea typeface="나눔스퀘어_ac ExtraBold"/>
-              </a:rPr>
-              <a:t>or </a:t>
-            </a:r>
-            <a:r>
-              <a:rPr lang="ko-KR" altLang="en-US" sz="1000">
-                <a:solidFill>
-                  <a:srgbClr val="0F3158"/>
-                </a:solidFill>
-                <a:latin typeface="나눔스퀘어_ac ExtraBold"/>
-                <a:ea typeface="나눔스퀘어_ac ExtraBold"/>
-              </a:rPr>
-              <a:t>프로젝트명</a:t>
-            </a:r>
-          </a:p>
-        </p:txBody>
-      </p:sp>
-      <p:sp>
-        <p:nvSpPr>
-          <p:cNvPr id="19" name="TextBox 18"/>
-          <p:cNvSpPr txBox="1"/>
-          <p:nvPr/>
-        </p:nvSpPr>
-        <p:spPr>
-          <a:xfrm>
-            <a:off x="6199975" y="3576626"/>
-            <a:ext cx="3805212" cy="1004518"/>
-          </a:xfrm>
-          <a:prstGeom prst="rect">
-            <a:avLst/>
-          </a:prstGeom>
-        </p:spPr>
-        <p:txBody>
-          <a:bodyPr wrap="square">
-            <a:spAutoFit/>
-          </a:bodyPr>
-          <a:lstStyle/>
-          <a:p>
-            <a:pPr>
-              <a:defRPr/>
-            </a:pPr>
-            <a:r>
-              <a:rPr lang="en-US" altLang="ko-KR" sz="1000">
-                <a:solidFill>
-                  <a:srgbClr val="808080"/>
-                </a:solidFill>
-                <a:latin typeface="나눔스퀘어_ac Bold"/>
-                <a:ea typeface="나눔스퀘어_ac Bold"/>
-              </a:rPr>
-              <a:t>-</a:t>
-            </a:r>
-            <a:r>
-              <a:rPr lang="ko-KR" altLang="en-US" sz="1000">
-                <a:solidFill>
-                  <a:srgbClr val="808080"/>
-                </a:solidFill>
-                <a:latin typeface="나눔스퀘어_ac Bold"/>
-                <a:ea typeface="나눔스퀘어_ac Bold"/>
-              </a:rPr>
-              <a:t> 십리도 못 가서 발병난다. 내가 그의 이름을 불러 주었을 때 </a:t>
-            </a:r>
-          </a:p>
-          <a:p>
-            <a:pPr>
-              <a:defRPr/>
-            </a:pPr>
-            <a:r>
-              <a:rPr lang="en-US" altLang="ko-KR" sz="1000">
-                <a:solidFill>
-                  <a:srgbClr val="808080"/>
-                </a:solidFill>
-                <a:latin typeface="나눔스퀘어_ac Bold"/>
-                <a:ea typeface="나눔스퀘어_ac Bold"/>
-              </a:rPr>
-              <a:t>-</a:t>
-            </a:r>
-            <a:r>
-              <a:rPr lang="ko-KR" altLang="en-US" sz="1000">
-                <a:solidFill>
-                  <a:srgbClr val="808080"/>
-                </a:solidFill>
-                <a:latin typeface="나눔스퀘어_ac Bold"/>
-                <a:ea typeface="나눔스퀘어_ac Bold"/>
-              </a:rPr>
-              <a:t> 그는  돌같이 하라 뭉치면 살고 흩어지면 죽는다. 이 몸이 죽고 죽어 </a:t>
-            </a:r>
-          </a:p>
-          <a:p>
-            <a:pPr>
-              <a:defRPr/>
-            </a:pPr>
-            <a:r>
-              <a:rPr lang="en-US" altLang="ko-KR" sz="1000">
-                <a:solidFill>
-                  <a:srgbClr val="808080"/>
-                </a:solidFill>
-                <a:latin typeface="나눔스퀘어_ac Bold"/>
-                <a:ea typeface="나눔스퀘어_ac Bold"/>
-              </a:rPr>
-              <a:t>-</a:t>
-            </a:r>
-            <a:r>
-              <a:rPr lang="ko-KR" altLang="en-US" sz="1000">
-                <a:solidFill>
-                  <a:srgbClr val="808080"/>
-                </a:solidFill>
-                <a:latin typeface="나눔스퀘어_ac Bold"/>
-                <a:ea typeface="나눔스퀘어_ac Bold"/>
-              </a:rPr>
-              <a:t> 일백번 고쳐 죽어고 임 향한 일편단심 가실 줄이 있으랴. 관용은 미덕이다.</a:t>
-            </a:r>
-          </a:p>
-          <a:p>
-            <a:pPr>
-              <a:defRPr/>
-            </a:pPr>
-            <a:r>
-              <a:rPr lang="en-US" altLang="ko-KR" sz="1000">
-                <a:solidFill>
-                  <a:srgbClr val="808080"/>
-                </a:solidFill>
-                <a:latin typeface="나눔스퀘어_ac Bold"/>
-                <a:ea typeface="나눔스퀘어_ac Bold"/>
-              </a:rPr>
-              <a:t>-</a:t>
-            </a:r>
-            <a:r>
-              <a:rPr lang="ko-KR" altLang="en-US" sz="1000">
-                <a:solidFill>
-                  <a:srgbClr val="808080"/>
-                </a:solidFill>
-                <a:latin typeface="나눔스퀘어_ac Bold"/>
-                <a:ea typeface="나눔스퀘어_ac Bold"/>
-              </a:rPr>
-              <a:t> 십리도 못 가서 발병난다. 내가 그의 이름을 불러 주었을 때 </a:t>
-            </a:r>
-          </a:p>
-          <a:p>
-            <a:pPr>
-              <a:defRPr/>
-            </a:pPr>
-            <a:r>
-              <a:rPr lang="en-US" altLang="ko-KR" sz="1000">
-                <a:solidFill>
-                  <a:srgbClr val="808080"/>
-                </a:solidFill>
-                <a:latin typeface="나눔스퀘어_ac Bold"/>
-                <a:ea typeface="나눔스퀘어_ac Bold"/>
-              </a:rPr>
-              <a:t>-</a:t>
-            </a:r>
-            <a:r>
-              <a:rPr lang="ko-KR" altLang="en-US" sz="1000">
-                <a:solidFill>
-                  <a:srgbClr val="808080"/>
-                </a:solidFill>
-                <a:latin typeface="나눔스퀘어_ac Bold"/>
-                <a:ea typeface="나눔스퀘어_ac Bold"/>
-              </a:rPr>
-              <a:t> 그는  돌같이 하라 뭉치면 살고 흩어지면 죽는다. 이 몸이 죽고 죽어 </a:t>
-            </a:r>
-          </a:p>
-          <a:p>
-            <a:pPr>
-              <a:defRPr/>
-            </a:pPr>
-            <a:r>
-              <a:rPr lang="en-US" altLang="ko-KR" sz="1000">
-                <a:solidFill>
-                  <a:srgbClr val="808080"/>
-                </a:solidFill>
-                <a:latin typeface="나눔스퀘어_ac Bold"/>
-                <a:ea typeface="나눔스퀘어_ac Bold"/>
-              </a:rPr>
-              <a:t>-</a:t>
-            </a:r>
-            <a:r>
-              <a:rPr lang="ko-KR" altLang="en-US" sz="1000">
-                <a:solidFill>
-                  <a:srgbClr val="808080"/>
-                </a:solidFill>
-                <a:latin typeface="나눔스퀘어_ac Bold"/>
-                <a:ea typeface="나눔스퀘어_ac Bold"/>
-              </a:rPr>
-              <a:t> 일백번 고쳐 죽어고 임 향한 일편단심 가실 줄이 있으랴. 관용은 미덕이다</a:t>
-            </a:r>
-            <a:r>
-              <a:rPr lang="en-US" altLang="ko-KR" sz="1000">
-                <a:solidFill>
-                  <a:srgbClr val="808080"/>
-                </a:solidFill>
-                <a:latin typeface="나눔스퀘어_ac Bold"/>
-                <a:ea typeface="나눔스퀘어_ac Bold"/>
-              </a:rPr>
-              <a:t>.</a:t>
-            </a:r>
-            <a:r>
-              <a:rPr lang="ko-KR" altLang="en-US" sz="1000">
-                <a:solidFill>
-                  <a:srgbClr val="808080"/>
-                </a:solidFill>
-                <a:latin typeface="나눔스퀘어_ac Bold"/>
-                <a:ea typeface="나눔스퀘어_ac Bold"/>
-              </a:rPr>
-              <a:t> </a:t>
-            </a:r>
-          </a:p>
-        </p:txBody>
-      </p:sp>
-      <p:sp>
-        <p:nvSpPr>
-          <p:cNvPr id="20" name="TextBox 19"/>
-          <p:cNvSpPr txBox="1"/>
-          <p:nvPr/>
-        </p:nvSpPr>
-        <p:spPr>
-          <a:xfrm>
-            <a:off x="6199975" y="3055620"/>
-            <a:ext cx="2374587" cy="390525"/>
-          </a:xfrm>
-          <a:prstGeom prst="rect">
-            <a:avLst/>
-          </a:prstGeom>
-        </p:spPr>
-        <p:txBody>
-          <a:bodyPr wrap="square">
-            <a:spAutoFit/>
-          </a:bodyPr>
-          <a:lstStyle/>
-          <a:p>
-            <a:pPr>
-              <a:defRPr/>
-            </a:pPr>
-            <a:r>
-              <a:rPr lang="ko-KR" altLang="en-US" sz="2000">
-                <a:solidFill>
-                  <a:srgbClr val="555554"/>
-                </a:solidFill>
-                <a:latin typeface="나눔스퀘어_ac ExtraBold"/>
-                <a:ea typeface="나눔스퀘어_ac ExtraBold"/>
-              </a:rPr>
-              <a:t>제목을 입력하세요</a:t>
-            </a:r>
-            <a:r>
-              <a:rPr lang="en-US" altLang="ko-KR">
-                <a:solidFill>
-                  <a:srgbClr val="555554"/>
-                </a:solidFill>
-                <a:latin typeface="나눔스퀘어_ac ExtraBold"/>
-                <a:ea typeface="나눔스퀘어_ac ExtraBold"/>
-              </a:rPr>
-              <a:t>.</a:t>
-            </a:r>
-          </a:p>
-        </p:txBody>
-      </p:sp>
-    </p:spTree>
-  </p:cSld>
-  <p:clrMapOvr>
-    <a:masterClrMapping/>
-  </p:clrMapOvr>
-  <mc:AlternateContent xmlns:mc="http://schemas.openxmlformats.org/markup-compatibility/2006" xmlns:p14="http://schemas.microsoft.com/office/powerpoint/2010/main">
-    <mc:Choice Requires="p14">
-      <p:transition/>
-    </mc:Choice>
-    <mc:Fallback xmlns="" xmlns:c="http://schemas.openxmlformats.org/drawingml/2006/chart" xmlns:dgm="http://schemas.openxmlformats.org/drawingml/2006/diagram" xmlns:dsp="http://schemas.microsoft.com/office/drawing/2008/diagram">
+    <mc:Fallback xmlns:dsp="http://schemas.microsoft.com/office/drawing/2008/diagram" xmlns:dgm="http://schemas.openxmlformats.org/drawingml/2006/diagram" xmlns:c="http://schemas.openxmlformats.org/drawingml/2006/chart" xmlns="">
       <p:transition/>
     </mc:Fallback>
   </mc:AlternateContent>
@@ -7012,6 +7240,552 @@
       </p:grpSpPr>
       <p:sp>
         <p:nvSpPr>
+          <p:cNvPr id="6" name="TextBox 5"/>
+          <p:cNvSpPr txBox="1"/>
+          <p:nvPr/>
+        </p:nvSpPr>
+        <p:spPr>
+          <a:xfrm>
+            <a:off x="511264" y="392049"/>
+            <a:ext cx="820331" cy="300609"/>
+          </a:xfrm>
+          <a:prstGeom prst="rect">
+            <a:avLst/>
+          </a:prstGeom>
+        </p:spPr>
+        <p:txBody>
+          <a:bodyPr wrap="none">
+            <a:spAutoFit/>
+          </a:bodyPr>
+          <a:lstStyle/>
+          <a:p>
+            <a:pPr algn="ctr">
+              <a:defRPr/>
+            </a:pPr>
+            <a:r>
+              <a:rPr lang="en-US" altLang="ko-KR" sz="1400">
+                <a:solidFill>
+                  <a:srgbClr val="0F3158"/>
+                </a:solidFill>
+                <a:latin typeface="나눔스퀘어_ac ExtraBold"/>
+                <a:ea typeface="나눔스퀘어_ac ExtraBold"/>
+              </a:rPr>
+              <a:t>01.</a:t>
+            </a:r>
+            <a:r>
+              <a:rPr lang="ko-KR" altLang="en-US" sz="1400">
+                <a:solidFill>
+                  <a:srgbClr val="0F3158"/>
+                </a:solidFill>
+                <a:latin typeface="나눔스퀘어_ac ExtraBold"/>
+                <a:ea typeface="나눔스퀘어_ac ExtraBold"/>
+              </a:rPr>
+              <a:t> 주제</a:t>
+            </a:r>
+          </a:p>
+        </p:txBody>
+      </p:sp>
+      <p:sp>
+        <p:nvSpPr>
+          <p:cNvPr id="7" name="TextBox 6"/>
+          <p:cNvSpPr txBox="1"/>
+          <p:nvPr/>
+        </p:nvSpPr>
+        <p:spPr>
+          <a:xfrm>
+            <a:off x="511264" y="615696"/>
+            <a:ext cx="1077506" cy="364998"/>
+          </a:xfrm>
+          <a:prstGeom prst="rect">
+            <a:avLst/>
+          </a:prstGeom>
+        </p:spPr>
+        <p:txBody>
+          <a:bodyPr wrap="none">
+            <a:spAutoFit/>
+          </a:bodyPr>
+          <a:lstStyle/>
+          <a:p>
+            <a:pPr algn="ctr">
+              <a:defRPr/>
+            </a:pPr>
+            <a:r>
+              <a:rPr lang="ko-KR" altLang="en-US" sz="1200">
+                <a:solidFill>
+                  <a:srgbClr val="A9AAAA"/>
+                </a:solidFill>
+                <a:latin typeface="나눔스퀘어_ac Bold"/>
+                <a:ea typeface="나눔스퀘어_ac Bold"/>
+              </a:rPr>
+              <a:t>소주제</a:t>
+            </a:r>
+            <a:r>
+              <a:rPr lang="ko-KR" altLang="en-US">
+                <a:solidFill>
+                  <a:srgbClr val="A9AAAA"/>
+                </a:solidFill>
+                <a:latin typeface="나눔스퀘어_ac Bold"/>
+                <a:ea typeface="나눔스퀘어_ac Bold"/>
+              </a:rPr>
+              <a:t> </a:t>
+            </a:r>
+            <a:r>
+              <a:rPr lang="ko-KR" altLang="en-US" sz="1200">
+                <a:solidFill>
+                  <a:srgbClr val="A9AAAA"/>
+                </a:solidFill>
+                <a:latin typeface="나눔스퀘어_ac Bold"/>
+                <a:ea typeface="나눔스퀘어_ac Bold"/>
+              </a:rPr>
+              <a:t>및 설명</a:t>
+            </a:r>
+          </a:p>
+        </p:txBody>
+      </p:sp>
+      <p:sp>
+        <p:nvSpPr>
+          <p:cNvPr id="9" name="직사각형 8"/>
+          <p:cNvSpPr/>
+          <p:nvPr/>
+        </p:nvSpPr>
+        <p:spPr>
+          <a:xfrm>
+            <a:off x="439255" y="392049"/>
+            <a:ext cx="45720" cy="588645"/>
+          </a:xfrm>
+          <a:prstGeom prst="rect">
+            <a:avLst/>
+          </a:prstGeom>
+          <a:solidFill>
+            <a:srgbClr val="0F3158"/>
+          </a:solidFill>
+          <a:ln>
+            <a:noFill/>
+          </a:ln>
+        </p:spPr>
+        <p:style>
+          <a:lnRef idx="2">
+            <a:schemeClr val="accent1">
+              <a:shade val="20000"/>
+            </a:schemeClr>
+          </a:lnRef>
+          <a:fillRef idx="1">
+            <a:schemeClr val="accent1"/>
+          </a:fillRef>
+          <a:effectRef idx="0">
+            <a:schemeClr val="accent1"/>
+          </a:effectRef>
+          <a:fontRef idx="minor">
+            <a:schemeClr val="lt1"/>
+          </a:fontRef>
+        </p:style>
+        <p:txBody>
+          <a:bodyPr anchor="ctr"/>
+          <a:lstStyle/>
+          <a:p>
+            <a:pPr algn="ctr">
+              <a:defRPr/>
+            </a:pPr>
+            <a:endParaRPr lang="ko-KR" altLang="en-US">
+              <a:noFill/>
+            </a:endParaRPr>
+          </a:p>
+        </p:txBody>
+      </p:sp>
+      <p:graphicFrame>
+        <p:nvGraphicFramePr>
+          <p:cNvPr id="13" name="차트 7"/>
+          <p:cNvGraphicFramePr/>
+          <p:nvPr/>
+        </p:nvGraphicFramePr>
+        <p:xfrm>
+          <a:off x="1303363" y="1628775"/>
+          <a:ext cx="4107141" cy="3888485"/>
+        </p:xfrm>
+        <a:graphic>
+          <a:graphicData uri="http://schemas.openxmlformats.org/drawingml/2006/chart">
+            <c:chart xmlns:c="http://schemas.openxmlformats.org/drawingml/2006/chart" xmlns:r="http://schemas.openxmlformats.org/officeDocument/2006/relationships" r:id="rId2"/>
+          </a:graphicData>
+        </a:graphic>
+      </p:graphicFrame>
+      <p:sp>
+        <p:nvSpPr>
+          <p:cNvPr id="17" name="TextBox 16"/>
+          <p:cNvSpPr txBox="1"/>
+          <p:nvPr/>
+        </p:nvSpPr>
+        <p:spPr>
+          <a:xfrm>
+            <a:off x="5120616" y="5374005"/>
+            <a:ext cx="935341" cy="215265"/>
+          </a:xfrm>
+          <a:prstGeom prst="rect">
+            <a:avLst/>
+          </a:prstGeom>
+        </p:spPr>
+        <p:txBody>
+          <a:bodyPr wrap="square">
+            <a:spAutoFit/>
+          </a:bodyPr>
+          <a:lstStyle/>
+          <a:p>
+            <a:pPr>
+              <a:defRPr/>
+            </a:pPr>
+            <a:r>
+              <a:rPr lang="en-US" altLang="ko-KR" sz="800">
+                <a:solidFill>
+                  <a:srgbClr val="BFBFBF"/>
+                </a:solidFill>
+                <a:latin typeface="나눔스퀘어_ac Bold"/>
+                <a:ea typeface="나눔스퀘어_ac Bold"/>
+              </a:rPr>
+              <a:t>*</a:t>
+            </a:r>
+            <a:r>
+              <a:rPr lang="ko-KR" altLang="en-US" sz="800">
+                <a:solidFill>
+                  <a:srgbClr val="BFBFBF"/>
+                </a:solidFill>
+                <a:latin typeface="나눔스퀘어_ac Bold"/>
+                <a:ea typeface="나눔스퀘어_ac Bold"/>
+              </a:rPr>
+              <a:t>출처 표기는 필수</a:t>
+            </a:r>
+          </a:p>
+        </p:txBody>
+      </p:sp>
+      <p:sp>
+        <p:nvSpPr>
+          <p:cNvPr id="18" name="TextBox 17"/>
+          <p:cNvSpPr txBox="1"/>
+          <p:nvPr/>
+        </p:nvSpPr>
+        <p:spPr>
+          <a:xfrm>
+            <a:off x="9566910" y="392049"/>
+            <a:ext cx="1259205" cy="243840"/>
+          </a:xfrm>
+          <a:prstGeom prst="rect">
+            <a:avLst/>
+          </a:prstGeom>
+        </p:spPr>
+        <p:txBody>
+          <a:bodyPr wrap="none">
+            <a:spAutoFit/>
+          </a:bodyPr>
+          <a:lstStyle/>
+          <a:p>
+            <a:pPr algn="ctr">
+              <a:defRPr/>
+            </a:pPr>
+            <a:r>
+              <a:rPr lang="ko-KR" altLang="en-US" sz="1000">
+                <a:solidFill>
+                  <a:srgbClr val="0F3158"/>
+                </a:solidFill>
+                <a:latin typeface="나눔스퀘어_ac ExtraBold"/>
+                <a:ea typeface="나눔스퀘어_ac ExtraBold"/>
+              </a:rPr>
+              <a:t>과목명 </a:t>
+            </a:r>
+            <a:r>
+              <a:rPr lang="en-US" altLang="ko-KR" sz="1000">
+                <a:solidFill>
+                  <a:srgbClr val="0F3158"/>
+                </a:solidFill>
+                <a:latin typeface="나눔스퀘어_ac ExtraBold"/>
+                <a:ea typeface="나눔스퀘어_ac ExtraBold"/>
+              </a:rPr>
+              <a:t>or </a:t>
+            </a:r>
+            <a:r>
+              <a:rPr lang="ko-KR" altLang="en-US" sz="1000">
+                <a:solidFill>
+                  <a:srgbClr val="0F3158"/>
+                </a:solidFill>
+                <a:latin typeface="나눔스퀘어_ac ExtraBold"/>
+                <a:ea typeface="나눔스퀘어_ac ExtraBold"/>
+              </a:rPr>
+              <a:t>프로젝트명</a:t>
+            </a:r>
+          </a:p>
+        </p:txBody>
+      </p:sp>
+      <p:sp>
+        <p:nvSpPr>
+          <p:cNvPr id="19" name="TextBox 18"/>
+          <p:cNvSpPr txBox="1"/>
+          <p:nvPr/>
+        </p:nvSpPr>
+        <p:spPr>
+          <a:xfrm>
+            <a:off x="6199975" y="3576626"/>
+            <a:ext cx="3805212" cy="1004518"/>
+          </a:xfrm>
+          <a:prstGeom prst="rect">
+            <a:avLst/>
+          </a:prstGeom>
+        </p:spPr>
+        <p:txBody>
+          <a:bodyPr wrap="square">
+            <a:spAutoFit/>
+          </a:bodyPr>
+          <a:lstStyle/>
+          <a:p>
+            <a:pPr>
+              <a:defRPr/>
+            </a:pPr>
+            <a:r>
+              <a:rPr lang="en-US" altLang="ko-KR" sz="1000">
+                <a:solidFill>
+                  <a:srgbClr val="808080"/>
+                </a:solidFill>
+                <a:latin typeface="나눔스퀘어_ac Bold"/>
+                <a:ea typeface="나눔스퀘어_ac Bold"/>
+              </a:rPr>
+              <a:t>-</a:t>
+            </a:r>
+            <a:r>
+              <a:rPr lang="ko-KR" altLang="en-US" sz="1000">
+                <a:solidFill>
+                  <a:srgbClr val="808080"/>
+                </a:solidFill>
+                <a:latin typeface="나눔스퀘어_ac Bold"/>
+                <a:ea typeface="나눔스퀘어_ac Bold"/>
+              </a:rPr>
+              <a:t> 십리도 못 가서 발병난다. 내가 그의 이름을 불러 주었을 때 </a:t>
+            </a:r>
+          </a:p>
+          <a:p>
+            <a:pPr>
+              <a:defRPr/>
+            </a:pPr>
+            <a:r>
+              <a:rPr lang="en-US" altLang="ko-KR" sz="1000">
+                <a:solidFill>
+                  <a:srgbClr val="808080"/>
+                </a:solidFill>
+                <a:latin typeface="나눔스퀘어_ac Bold"/>
+                <a:ea typeface="나눔스퀘어_ac Bold"/>
+              </a:rPr>
+              <a:t>-</a:t>
+            </a:r>
+            <a:r>
+              <a:rPr lang="ko-KR" altLang="en-US" sz="1000">
+                <a:solidFill>
+                  <a:srgbClr val="808080"/>
+                </a:solidFill>
+                <a:latin typeface="나눔스퀘어_ac Bold"/>
+                <a:ea typeface="나눔스퀘어_ac Bold"/>
+              </a:rPr>
+              <a:t> 그는  돌같이 하라 뭉치면 살고 흩어지면 죽는다. 이 몸이 죽고 죽어 </a:t>
+            </a:r>
+          </a:p>
+          <a:p>
+            <a:pPr>
+              <a:defRPr/>
+            </a:pPr>
+            <a:r>
+              <a:rPr lang="en-US" altLang="ko-KR" sz="1000">
+                <a:solidFill>
+                  <a:srgbClr val="808080"/>
+                </a:solidFill>
+                <a:latin typeface="나눔스퀘어_ac Bold"/>
+                <a:ea typeface="나눔스퀘어_ac Bold"/>
+              </a:rPr>
+              <a:t>-</a:t>
+            </a:r>
+            <a:r>
+              <a:rPr lang="ko-KR" altLang="en-US" sz="1000">
+                <a:solidFill>
+                  <a:srgbClr val="808080"/>
+                </a:solidFill>
+                <a:latin typeface="나눔스퀘어_ac Bold"/>
+                <a:ea typeface="나눔스퀘어_ac Bold"/>
+              </a:rPr>
+              <a:t> 일백번 고쳐 죽어고 임 향한 일편단심 가실 줄이 있으랴. 관용은 미덕이다.</a:t>
+            </a:r>
+          </a:p>
+          <a:p>
+            <a:pPr>
+              <a:defRPr/>
+            </a:pPr>
+            <a:r>
+              <a:rPr lang="en-US" altLang="ko-KR" sz="1000">
+                <a:solidFill>
+                  <a:srgbClr val="808080"/>
+                </a:solidFill>
+                <a:latin typeface="나눔스퀘어_ac Bold"/>
+                <a:ea typeface="나눔스퀘어_ac Bold"/>
+              </a:rPr>
+              <a:t>-</a:t>
+            </a:r>
+            <a:r>
+              <a:rPr lang="ko-KR" altLang="en-US" sz="1000">
+                <a:solidFill>
+                  <a:srgbClr val="808080"/>
+                </a:solidFill>
+                <a:latin typeface="나눔스퀘어_ac Bold"/>
+                <a:ea typeface="나눔스퀘어_ac Bold"/>
+              </a:rPr>
+              <a:t> 십리도 못 가서 발병난다. 내가 그의 이름을 불러 주었을 때 </a:t>
+            </a:r>
+          </a:p>
+          <a:p>
+            <a:pPr>
+              <a:defRPr/>
+            </a:pPr>
+            <a:r>
+              <a:rPr lang="en-US" altLang="ko-KR" sz="1000">
+                <a:solidFill>
+                  <a:srgbClr val="808080"/>
+                </a:solidFill>
+                <a:latin typeface="나눔스퀘어_ac Bold"/>
+                <a:ea typeface="나눔스퀘어_ac Bold"/>
+              </a:rPr>
+              <a:t>-</a:t>
+            </a:r>
+            <a:r>
+              <a:rPr lang="ko-KR" altLang="en-US" sz="1000">
+                <a:solidFill>
+                  <a:srgbClr val="808080"/>
+                </a:solidFill>
+                <a:latin typeface="나눔스퀘어_ac Bold"/>
+                <a:ea typeface="나눔스퀘어_ac Bold"/>
+              </a:rPr>
+              <a:t> 그는  돌같이 하라 뭉치면 살고 흩어지면 죽는다. 이 몸이 죽고 죽어 </a:t>
+            </a:r>
+          </a:p>
+          <a:p>
+            <a:pPr>
+              <a:defRPr/>
+            </a:pPr>
+            <a:r>
+              <a:rPr lang="en-US" altLang="ko-KR" sz="1000">
+                <a:solidFill>
+                  <a:srgbClr val="808080"/>
+                </a:solidFill>
+                <a:latin typeface="나눔스퀘어_ac Bold"/>
+                <a:ea typeface="나눔스퀘어_ac Bold"/>
+              </a:rPr>
+              <a:t>-</a:t>
+            </a:r>
+            <a:r>
+              <a:rPr lang="ko-KR" altLang="en-US" sz="1000">
+                <a:solidFill>
+                  <a:srgbClr val="808080"/>
+                </a:solidFill>
+                <a:latin typeface="나눔스퀘어_ac Bold"/>
+                <a:ea typeface="나눔스퀘어_ac Bold"/>
+              </a:rPr>
+              <a:t> 일백번 고쳐 죽어고 임 향한 일편단심 가실 줄이 있으랴. 관용은 미덕이다</a:t>
+            </a:r>
+            <a:r>
+              <a:rPr lang="en-US" altLang="ko-KR" sz="1000">
+                <a:solidFill>
+                  <a:srgbClr val="808080"/>
+                </a:solidFill>
+                <a:latin typeface="나눔스퀘어_ac Bold"/>
+                <a:ea typeface="나눔스퀘어_ac Bold"/>
+              </a:rPr>
+              <a:t>.</a:t>
+            </a:r>
+            <a:r>
+              <a:rPr lang="ko-KR" altLang="en-US" sz="1000">
+                <a:solidFill>
+                  <a:srgbClr val="808080"/>
+                </a:solidFill>
+                <a:latin typeface="나눔스퀘어_ac Bold"/>
+                <a:ea typeface="나눔스퀘어_ac Bold"/>
+              </a:rPr>
+              <a:t> </a:t>
+            </a:r>
+          </a:p>
+        </p:txBody>
+      </p:sp>
+      <p:sp>
+        <p:nvSpPr>
+          <p:cNvPr id="20" name="TextBox 19"/>
+          <p:cNvSpPr txBox="1"/>
+          <p:nvPr/>
+        </p:nvSpPr>
+        <p:spPr>
+          <a:xfrm>
+            <a:off x="6199975" y="3055620"/>
+            <a:ext cx="2374587" cy="390525"/>
+          </a:xfrm>
+          <a:prstGeom prst="rect">
+            <a:avLst/>
+          </a:prstGeom>
+        </p:spPr>
+        <p:txBody>
+          <a:bodyPr wrap="square">
+            <a:spAutoFit/>
+          </a:bodyPr>
+          <a:lstStyle/>
+          <a:p>
+            <a:pPr>
+              <a:defRPr/>
+            </a:pPr>
+            <a:r>
+              <a:rPr lang="ko-KR" altLang="en-US" sz="2000">
+                <a:solidFill>
+                  <a:srgbClr val="555554"/>
+                </a:solidFill>
+                <a:latin typeface="나눔스퀘어_ac ExtraBold"/>
+                <a:ea typeface="나눔스퀘어_ac ExtraBold"/>
+              </a:rPr>
+              <a:t>제목을 입력하세요</a:t>
+            </a:r>
+            <a:r>
+              <a:rPr lang="en-US" altLang="ko-KR">
+                <a:solidFill>
+                  <a:srgbClr val="555554"/>
+                </a:solidFill>
+                <a:latin typeface="나눔스퀘어_ac ExtraBold"/>
+                <a:ea typeface="나눔스퀘어_ac ExtraBold"/>
+              </a:rPr>
+              <a:t>.</a:t>
+            </a:r>
+          </a:p>
+        </p:txBody>
+      </p:sp>
+    </p:spTree>
+  </p:cSld>
+  <p:clrMapOvr>
+    <a:masterClrMapping/>
+  </p:clrMapOvr>
+  <mc:AlternateContent xmlns:mc="http://schemas.openxmlformats.org/markup-compatibility/2006" xmlns:p14="http://schemas.microsoft.com/office/powerpoint/2010/main">
+    <mc:Choice Requires="p14">
+      <p:transition/>
+    </mc:Choice>
+    <mc:Fallback xmlns:dsp="http://schemas.microsoft.com/office/drawing/2008/diagram" xmlns:dgm="http://schemas.openxmlformats.org/drawingml/2006/diagram" xmlns:c="http://schemas.openxmlformats.org/drawingml/2006/chart" xmlns="">
+      <p:transition/>
+    </mc:Fallback>
+  </mc:AlternateContent>
+</p:sld>
+</file>
+
+<file path=ppt/slides/slide15.xml><?xml version="1.0" encoding="utf-8"?>
+<p:sld xmlns:a="http://schemas.openxmlformats.org/drawingml/2006/main" xmlns:r="http://schemas.openxmlformats.org/officeDocument/2006/relationships" xmlns:p="http://schemas.openxmlformats.org/presentationml/2006/main">
+  <p:cSld>
+    <p:spTree>
+      <p:nvGrpSpPr>
+        <p:cNvPr id="1" name=""/>
+        <p:cNvGrpSpPr/>
+        <p:nvPr/>
+      </p:nvGrpSpPr>
+      <p:grpSpPr>
+        <a:xfrm>
+          <a:off x="0" y="0"/>
+          <a:ext cx="0" cy="0"/>
+          <a:chOff x="0" y="0"/>
+          <a:chExt cx="0" cy="0"/>
+        </a:xfrm>
+      </p:grpSpPr>
+      <p:sp>
+        <p:nvSpPr>
           <p:cNvPr id="11" name="TextBox 10"/>
           <p:cNvSpPr txBox="1"/>
           <p:nvPr/>
@@ -7070,8 +7844,55 @@
         </p:nvSpPr>
         <p:spPr>
           <a:xfrm>
-            <a:off x="511264" y="755904"/>
-            <a:ext cx="2448306" cy="299466"/>
+            <a:off x="511263" y="755904"/>
+            <a:ext cx="2592677" cy="307777"/>
+          </a:xfrm>
+          <a:prstGeom prst="rect">
+            <a:avLst/>
+          </a:prstGeom>
+        </p:spPr>
+        <p:txBody>
+          <a:bodyPr wrap="square">
+            <a:spAutoFit/>
+          </a:bodyPr>
+          <a:lstStyle/>
+          <a:p>
+            <a:pPr>
+              <a:defRPr/>
+            </a:pPr>
+            <a:r>
+              <a:rPr lang="en-US" altLang="ko-KR" sz="1400">
+                <a:solidFill>
+                  <a:srgbClr val="0F3158"/>
+                </a:solidFill>
+                <a:latin typeface="나눔스퀘어_ac Bold"/>
+                <a:ea typeface="나눔스퀘어_ac Bold"/>
+              </a:rPr>
+              <a:t>ICT </a:t>
+            </a:r>
+            <a:r>
+              <a:rPr lang="ko-KR" altLang="en-US" sz="1400">
+                <a:solidFill>
+                  <a:srgbClr val="0F3158"/>
+                </a:solidFill>
+                <a:latin typeface="나눔스퀘어_ac Bold"/>
+                <a:ea typeface="나눔스퀘어_ac Bold"/>
+              </a:rPr>
+              <a:t>캡스톤 디자인 최종 발표</a:t>
+            </a:r>
+          </a:p>
+        </p:txBody>
+      </p:sp>
+      <p:sp>
+        <p:nvSpPr>
+          <p:cNvPr id="24" name="TextBox 23"/>
+          <p:cNvSpPr txBox="1"/>
+          <p:nvPr/>
+        </p:nvSpPr>
+        <p:spPr>
+          <a:xfrm>
+            <a:off x="943318" y="1862709"/>
+            <a:ext cx="4752594" cy="1707261"/>
           </a:xfrm>
           <a:prstGeom prst="rect">
             <a:avLst/>
@@ -7097,38 +7918,16 @@
               <a:defRPr/>
             </a:pPr>
             <a:r>
-              <a:rPr kumimoji="0" lang="ko-KR" altLang="en-US" sz="1400" b="0" i="0" u="none" strike="noStrike" kern="1200" cap="none" spc="0" normalizeH="0" baseline="0">
+              <a:rPr kumimoji="0" lang="en-US" altLang="ko-KR" sz="5300" b="0" i="0" u="none" strike="noStrike" kern="1200" cap="none" spc="0" normalizeH="0" baseline="0">
                 <a:solidFill>
                   <a:srgbClr val="0F3158"/>
                 </a:solidFill>
-                <a:latin typeface="나눔스퀘어_ac Bold"/>
-                <a:ea typeface="나눔스퀘어_ac Bold"/>
-              </a:rPr>
-              <a:t>소주제</a:t>
-            </a:r>
-          </a:p>
-        </p:txBody>
-      </p:sp>
-      <p:sp>
-        <p:nvSpPr>
-          <p:cNvPr id="24" name="TextBox 23"/>
-          <p:cNvSpPr txBox="1"/>
-          <p:nvPr/>
-        </p:nvSpPr>
-        <p:spPr>
-          <a:xfrm>
-            <a:off x="943318" y="1862709"/>
-            <a:ext cx="4752594" cy="1707261"/>
-          </a:xfrm>
-          <a:prstGeom prst="rect">
-            <a:avLst/>
-          </a:prstGeom>
-        </p:spPr>
-        <p:txBody>
-          <a:bodyPr wrap="square">
-            <a:spAutoFit/>
-          </a:bodyPr>
-          <a:lstStyle/>
+                <a:latin typeface="나눔스퀘어 ExtraBold"/>
+                <a:ea typeface="나눔스퀘어 ExtraBold"/>
+              </a:rPr>
+              <a:t>Thank</a:t>
+            </a:r>
+          </a:p>
           <a:p>
             <a:pPr marL="0" indent="0" algn="l" defTabSz="914400" rtl="0" eaLnBrk="1" latinLnBrk="1" hangingPunct="1">
               <a:lnSpc>
@@ -7151,31 +7950,6 @@
                 <a:latin typeface="나눔스퀘어 ExtraBold"/>
                 <a:ea typeface="나눔스퀘어 ExtraBold"/>
               </a:rPr>
-              <a:t>Thank</a:t>
-            </a:r>
-          </a:p>
-          <a:p>
-            <a:pPr marL="0" indent="0" algn="l" defTabSz="914400" rtl="0" eaLnBrk="1" latinLnBrk="1" hangingPunct="1">
-              <a:lnSpc>
-                <a:spcPct val="100000"/>
-              </a:lnSpc>
-              <a:spcBef>
-                <a:spcPct val="0"/>
-              </a:spcBef>
-              <a:spcAft>
-                <a:spcPts val="0"/>
-              </a:spcAft>
-              <a:buNone/>
-              <a:defRPr/>
-            </a:pPr>
-            <a:r>
-              <a:rPr kumimoji="0" lang="en-US" altLang="ko-KR" sz="5300" b="0" i="0" u="none" strike="noStrike" kern="1200" cap="none" spc="0" normalizeH="0" baseline="0">
-                <a:solidFill>
-                  <a:srgbClr val="0F3158"/>
-                </a:solidFill>
-                <a:latin typeface="나눔스퀘어 ExtraBold"/>
-                <a:ea typeface="나눔스퀘어 ExtraBold"/>
-              </a:rPr>
               <a:t>you.</a:t>
             </a:r>
           </a:p>
@@ -7183,14 +7957,20 @@
       </p:sp>
       <p:sp>
         <p:nvSpPr>
-          <p:cNvPr id="25" name="TextBox 24"/>
+          <p:cNvPr id="2" name="TextBox 1">
+            <a:extLst>
+              <a:ext uri="{FF2B5EF4-FFF2-40B4-BE49-F238E27FC236}">
+                <a16:creationId xmlns:a16="http://schemas.microsoft.com/office/drawing/2014/main" id="{6C15766E-D89D-BA7F-8B49-AB94B51B699C}"/>
+              </a:ext>
+            </a:extLst>
+          </p:cNvPr>
           <p:cNvSpPr txBox="1"/>
           <p:nvPr/>
         </p:nvSpPr>
         <p:spPr>
           <a:xfrm>
             <a:off x="943318" y="3777615"/>
-            <a:ext cx="3528441" cy="299466"/>
+            <a:ext cx="3528441" cy="307777"/>
           </a:xfrm>
           <a:prstGeom prst="rect">
             <a:avLst/>
@@ -7202,75 +7982,81 @@
           </a:bodyPr>
           <a:lstStyle/>
           <a:p>
-            <a:pPr marL="0" indent="0" algn="l" defTabSz="914400" rtl="0" eaLnBrk="1" latinLnBrk="1" hangingPunct="1">
-              <a:lnSpc>
-                <a:spcPct val="100000"/>
-              </a:lnSpc>
-              <a:spcBef>
-                <a:spcPct val="0"/>
-              </a:spcBef>
-              <a:spcAft>
-                <a:spcPts val="0"/>
-              </a:spcAft>
-              <a:buNone/>
-              <a:defRPr/>
-            </a:pPr>
-            <a:r>
-              <a:rPr kumimoji="0" lang="ko-KR" altLang="en-US" sz="1400" b="0" i="0" u="none" strike="noStrike" kern="1200" cap="none" spc="0" normalizeH="0" baseline="0">
+            <a:pPr>
+              <a:defRPr/>
+            </a:pPr>
+            <a:r>
+              <a:rPr lang="en-US" altLang="ko-KR" sz="1400">
                 <a:solidFill>
                   <a:srgbClr val="0F3158"/>
                 </a:solidFill>
                 <a:latin typeface="나눔스퀘어_ac Bold"/>
                 <a:ea typeface="나눔스퀘어_ac Bold"/>
               </a:rPr>
-              <a:t>학과 </a:t>
-            </a:r>
-            <a:r>
-              <a:rPr kumimoji="0" lang="en-US" altLang="ko-KR" sz="1400" b="0" i="0" u="none" strike="noStrike" kern="1200" cap="none" spc="0" normalizeH="0" baseline="0">
+              <a:t>ICT </a:t>
+            </a:r>
+            <a:r>
+              <a:rPr lang="ko-KR" altLang="en-US" sz="1400">
                 <a:solidFill>
                   <a:srgbClr val="0F3158"/>
                 </a:solidFill>
                 <a:latin typeface="나눔스퀘어_ac Bold"/>
                 <a:ea typeface="나눔스퀘어_ac Bold"/>
               </a:rPr>
-              <a:t>/</a:t>
-            </a:r>
-            <a:r>
-              <a:rPr kumimoji="0" lang="ko-KR" altLang="en-US" sz="1400" b="0" i="0" u="none" strike="noStrike" kern="1200" cap="none" spc="0" normalizeH="0" baseline="0">
+              <a:t>융합학부 </a:t>
+            </a:r>
+            <a:r>
+              <a:rPr lang="en-US" altLang="ko-KR" sz="1400">
                 <a:solidFill>
                   <a:srgbClr val="0F3158"/>
                 </a:solidFill>
                 <a:latin typeface="나눔스퀘어_ac Bold"/>
                 <a:ea typeface="나눔스퀘어_ac Bold"/>
               </a:rPr>
-              <a:t> 학번 </a:t>
-            </a:r>
-            <a:r>
-              <a:rPr kumimoji="0" lang="en-US" altLang="ko-KR" sz="1400" b="0" i="0" u="none" strike="noStrike" kern="1200" cap="none" spc="0" normalizeH="0" baseline="0">
+              <a:t>/ 2018045323</a:t>
+            </a:r>
+            <a:r>
+              <a:rPr lang="ko-KR" altLang="en-US" sz="1400">
                 <a:solidFill>
                   <a:srgbClr val="0F3158"/>
                 </a:solidFill>
                 <a:latin typeface="나눔스퀘어_ac Bold"/>
                 <a:ea typeface="나눔스퀘어_ac Bold"/>
               </a:rPr>
-              <a:t>/</a:t>
-            </a:r>
-            <a:r>
-              <a:rPr kumimoji="0" lang="ko-KR" altLang="en-US" sz="1400" b="0" i="0" u="none" strike="noStrike" kern="1200" cap="none" spc="0" normalizeH="0" baseline="0">
+              <a:t> </a:t>
+            </a:r>
+            <a:r>
+              <a:rPr lang="en-US" altLang="ko-KR" sz="1400">
                 <a:solidFill>
                   <a:srgbClr val="0F3158"/>
                 </a:solidFill>
                 <a:latin typeface="나눔스퀘어_ac Bold"/>
                 <a:ea typeface="나눔스퀘어_ac Bold"/>
               </a:rPr>
-              <a:t> 성함</a:t>
-            </a:r>
-          </a:p>
-        </p:txBody>
-      </p:sp>
-      <p:sp>
-        <p:nvSpPr>
-          <p:cNvPr id="26" name="TextBox 25"/>
+              <a:t>/</a:t>
+            </a:r>
+            <a:r>
+              <a:rPr lang="ko-KR" altLang="en-US" sz="1400">
+                <a:solidFill>
+                  <a:srgbClr val="0F3158"/>
+                </a:solidFill>
+                <a:latin typeface="나눔스퀘어_ac Bold"/>
+                <a:ea typeface="나눔스퀘어_ac Bold"/>
+              </a:rPr>
+              <a:t> 김교원</a:t>
+            </a:r>
+          </a:p>
+        </p:txBody>
+      </p:sp>
+      <p:sp>
+        <p:nvSpPr>
+          <p:cNvPr id="3" name="TextBox 2">
+            <a:extLst>
+              <a:ext uri="{FF2B5EF4-FFF2-40B4-BE49-F238E27FC236}">
+                <a16:creationId xmlns:a16="http://schemas.microsoft.com/office/drawing/2014/main" id="{63427714-B2CE-C82B-1E6E-3A00B54597E0}"/>
+              </a:ext>
+            </a:extLst>
+          </p:cNvPr>
           <p:cNvSpPr txBox="1"/>
           <p:nvPr/>
         </p:nvSpPr>
@@ -7289,28 +8075,18 @@
           </a:bodyPr>
           <a:lstStyle/>
           <a:p>
-            <a:pPr marL="0" indent="0" algn="l" defTabSz="914400" rtl="0" eaLnBrk="1" latinLnBrk="1" hangingPunct="1">
-              <a:lnSpc>
-                <a:spcPct val="100000"/>
-              </a:lnSpc>
-              <a:spcBef>
-                <a:spcPct val="0"/>
-              </a:spcBef>
-              <a:spcAft>
-                <a:spcPts val="0"/>
-              </a:spcAft>
-              <a:buNone/>
-              <a:defRPr/>
-            </a:pPr>
-            <a:r>
-              <a:rPr kumimoji="0" lang="en-US" altLang="ko-KR" sz="1500" b="0" i="0" u="none" strike="noStrike" kern="1200" cap="none" spc="0" normalizeH="0" baseline="0">
-                <a:solidFill>
-                  <a:srgbClr val="FFFFFF"/>
+            <a:pPr>
+              <a:defRPr/>
+            </a:pPr>
+            <a:r>
+              <a:rPr lang="en-US" altLang="ko-KR" sz="1500">
+                <a:solidFill>
+                  <a:schemeClr val="lt1"/>
                 </a:solidFill>
                 <a:latin typeface="나눔스퀘어_ac Bold"/>
                 <a:ea typeface="나눔스퀘어_ac Bold"/>
               </a:rPr>
-              <a:t>xx.xx.xxxx</a:t>
+              <a:t>05.20.2025</a:t>
             </a:r>
           </a:p>
         </p:txBody>
@@ -7324,7 +8100,7 @@
     <mc:Choice Requires="p14">
       <p:transition/>
     </mc:Choice>
-    <mc:Fallback xmlns="" xmlns:c="http://schemas.openxmlformats.org/drawingml/2006/chart" xmlns:dgm="http://schemas.openxmlformats.org/drawingml/2006/diagram" xmlns:dsp="http://schemas.microsoft.com/office/drawing/2008/diagram">
+    <mc:Fallback xmlns:dsp="http://schemas.microsoft.com/office/drawing/2008/diagram" xmlns:dgm="http://schemas.openxmlformats.org/drawingml/2006/diagram" xmlns:c="http://schemas.openxmlformats.org/drawingml/2006/chart" xmlns="">
       <p:transition/>
     </mc:Fallback>
   </mc:AlternateContent>
@@ -7332,6 +8108,306 @@
 </file>
 
 <file path=ppt/slides/slide2.xml><?xml version="1.0" encoding="utf-8"?>
+<p:sld xmlns:a="http://schemas.openxmlformats.org/drawingml/2006/main" xmlns:r="http://schemas.openxmlformats.org/officeDocument/2006/relationships" xmlns:p="http://schemas.openxmlformats.org/presentationml/2006/main">
+  <p:cSld>
+    <p:spTree>
+      <p:nvGrpSpPr>
+        <p:cNvPr id="1" name=""/>
+        <p:cNvGrpSpPr/>
+        <p:nvPr/>
+      </p:nvGrpSpPr>
+      <p:grpSpPr>
+        <a:xfrm>
+          <a:off x="0" y="0"/>
+          <a:ext cx="0" cy="0"/>
+          <a:chOff x="0" y="0"/>
+          <a:chExt cx="0" cy="0"/>
+        </a:xfrm>
+      </p:grpSpPr>
+      <p:sp>
+        <p:nvSpPr>
+          <p:cNvPr id="11" name="TextBox 10"/>
+          <p:cNvSpPr txBox="1"/>
+          <p:nvPr/>
+        </p:nvSpPr>
+        <p:spPr>
+          <a:xfrm>
+            <a:off x="7568146" y="2492883"/>
+            <a:ext cx="257594" cy="362712"/>
+          </a:xfrm>
+          <a:prstGeom prst="rect">
+            <a:avLst/>
+          </a:prstGeom>
+        </p:spPr>
+        <p:txBody>
+          <a:bodyPr wrap="none">
+            <a:spAutoFit/>
+          </a:bodyPr>
+          <a:lstStyle/>
+          <a:p>
+            <a:pPr>
+              <a:defRPr/>
+            </a:pPr>
+            <a:endParaRPr lang="en-US" altLang="ko-KR"/>
+          </a:p>
+        </p:txBody>
+      </p:sp>
+      <p:pic>
+        <p:nvPicPr>
+          <p:cNvPr id="18" name="그림 17"/>
+          <p:cNvPicPr>
+            <a:picLocks noChangeAspect="1"/>
+          </p:cNvPicPr>
+          <p:nvPr/>
+        </p:nvPicPr>
+        <p:blipFill rotWithShape="1">
+          <a:blip r:embed="rId2"/>
+          <a:stretch>
+            <a:fillRect/>
+          </a:stretch>
+        </p:blipFill>
+        <p:spPr>
+          <a:xfrm>
+            <a:off x="-28804" y="0"/>
+            <a:ext cx="11161395" cy="6894123"/>
+          </a:xfrm>
+          <a:prstGeom prst="rect">
+            <a:avLst/>
+          </a:prstGeom>
+        </p:spPr>
+      </p:pic>
+      <p:sp>
+        <p:nvSpPr>
+          <p:cNvPr id="19" name="TextBox 18"/>
+          <p:cNvSpPr txBox="1"/>
+          <p:nvPr/>
+        </p:nvSpPr>
+        <p:spPr>
+          <a:xfrm>
+            <a:off x="511263" y="755904"/>
+            <a:ext cx="2520667" cy="307777"/>
+          </a:xfrm>
+          <a:prstGeom prst="rect">
+            <a:avLst/>
+          </a:prstGeom>
+        </p:spPr>
+        <p:txBody>
+          <a:bodyPr wrap="square">
+            <a:spAutoFit/>
+          </a:bodyPr>
+          <a:lstStyle/>
+          <a:p>
+            <a:pPr>
+              <a:defRPr/>
+            </a:pPr>
+            <a:r>
+              <a:rPr lang="en-US" altLang="ko-KR" sz="1400">
+                <a:solidFill>
+                  <a:srgbClr val="0F3158"/>
+                </a:solidFill>
+                <a:latin typeface="나눔스퀘어_ac Bold"/>
+                <a:ea typeface="나눔스퀘어_ac Bold"/>
+              </a:rPr>
+              <a:t>ICT </a:t>
+            </a:r>
+            <a:r>
+              <a:rPr lang="ko-KR" altLang="en-US" sz="1400">
+                <a:solidFill>
+                  <a:srgbClr val="0F3158"/>
+                </a:solidFill>
+                <a:latin typeface="나눔스퀘어_ac Bold"/>
+                <a:ea typeface="나눔스퀘어_ac Bold"/>
+              </a:rPr>
+              <a:t>캡스톤 디자인 최종 발표</a:t>
+            </a:r>
+          </a:p>
+        </p:txBody>
+      </p:sp>
+      <p:sp>
+        <p:nvSpPr>
+          <p:cNvPr id="20" name="TextBox 19"/>
+          <p:cNvSpPr txBox="1"/>
+          <p:nvPr/>
+        </p:nvSpPr>
+        <p:spPr>
+          <a:xfrm>
+            <a:off x="943317" y="1862709"/>
+            <a:ext cx="9505644" cy="907941"/>
+          </a:xfrm>
+          <a:prstGeom prst="rect">
+            <a:avLst/>
+          </a:prstGeom>
+        </p:spPr>
+        <p:txBody>
+          <a:bodyPr wrap="square">
+            <a:spAutoFit/>
+          </a:bodyPr>
+          <a:lstStyle/>
+          <a:p>
+            <a:pPr>
+              <a:defRPr/>
+            </a:pPr>
+            <a:r>
+              <a:rPr lang="ko-KR" altLang="en-US" sz="5300">
+                <a:solidFill>
+                  <a:srgbClr val="0F3158"/>
+                </a:solidFill>
+                <a:latin typeface="나눔스퀘어 ExtraBold"/>
+                <a:ea typeface="나눔스퀘어 ExtraBold"/>
+              </a:rPr>
+              <a:t>드론 정밀 착륙 유도 장치 개발</a:t>
+            </a:r>
+            <a:endParaRPr lang="en-US" altLang="ko-KR" sz="5300">
+              <a:solidFill>
+                <a:srgbClr val="0F3158"/>
+              </a:solidFill>
+              <a:latin typeface="나눔스퀘어 ExtraBold"/>
+              <a:ea typeface="나눔스퀘어 ExtraBold"/>
+            </a:endParaRPr>
+          </a:p>
+        </p:txBody>
+      </p:sp>
+      <p:sp>
+        <p:nvSpPr>
+          <p:cNvPr id="21" name="TextBox 20"/>
+          <p:cNvSpPr txBox="1"/>
+          <p:nvPr/>
+        </p:nvSpPr>
+        <p:spPr>
+          <a:xfrm>
+            <a:off x="943318" y="3777615"/>
+            <a:ext cx="3528441" cy="307777"/>
+          </a:xfrm>
+          <a:prstGeom prst="rect">
+            <a:avLst/>
+          </a:prstGeom>
+        </p:spPr>
+        <p:txBody>
+          <a:bodyPr wrap="square">
+            <a:spAutoFit/>
+          </a:bodyPr>
+          <a:lstStyle/>
+          <a:p>
+            <a:pPr>
+              <a:defRPr/>
+            </a:pPr>
+            <a:r>
+              <a:rPr lang="en-US" altLang="ko-KR" sz="1400">
+                <a:solidFill>
+                  <a:srgbClr val="0F3158"/>
+                </a:solidFill>
+                <a:latin typeface="나눔스퀘어_ac Bold"/>
+                <a:ea typeface="나눔스퀘어_ac Bold"/>
+              </a:rPr>
+              <a:t>ICT </a:t>
+            </a:r>
+            <a:r>
+              <a:rPr lang="ko-KR" altLang="en-US" sz="1400">
+                <a:solidFill>
+                  <a:srgbClr val="0F3158"/>
+                </a:solidFill>
+                <a:latin typeface="나눔스퀘어_ac Bold"/>
+                <a:ea typeface="나눔스퀘어_ac Bold"/>
+              </a:rPr>
+              <a:t>융합학부 </a:t>
+            </a:r>
+            <a:r>
+              <a:rPr lang="en-US" altLang="ko-KR" sz="1400">
+                <a:solidFill>
+                  <a:srgbClr val="0F3158"/>
+                </a:solidFill>
+                <a:latin typeface="나눔스퀘어_ac Bold"/>
+                <a:ea typeface="나눔스퀘어_ac Bold"/>
+              </a:rPr>
+              <a:t>/ 2018045323</a:t>
+            </a:r>
+            <a:r>
+              <a:rPr lang="ko-KR" altLang="en-US" sz="1400">
+                <a:solidFill>
+                  <a:srgbClr val="0F3158"/>
+                </a:solidFill>
+                <a:latin typeface="나눔스퀘어_ac Bold"/>
+                <a:ea typeface="나눔스퀘어_ac Bold"/>
+              </a:rPr>
+              <a:t> </a:t>
+            </a:r>
+            <a:r>
+              <a:rPr lang="en-US" altLang="ko-KR" sz="1400">
+                <a:solidFill>
+                  <a:srgbClr val="0F3158"/>
+                </a:solidFill>
+                <a:latin typeface="나눔스퀘어_ac Bold"/>
+                <a:ea typeface="나눔스퀘어_ac Bold"/>
+              </a:rPr>
+              <a:t>/</a:t>
+            </a:r>
+            <a:r>
+              <a:rPr lang="ko-KR" altLang="en-US" sz="1400">
+                <a:solidFill>
+                  <a:srgbClr val="0F3158"/>
+                </a:solidFill>
+                <a:latin typeface="나눔스퀘어_ac Bold"/>
+                <a:ea typeface="나눔스퀘어_ac Bold"/>
+              </a:rPr>
+              <a:t> 김교원</a:t>
+            </a:r>
+          </a:p>
+        </p:txBody>
+      </p:sp>
+      <p:sp>
+        <p:nvSpPr>
+          <p:cNvPr id="22" name="TextBox 21"/>
+          <p:cNvSpPr txBox="1"/>
+          <p:nvPr/>
+        </p:nvSpPr>
+        <p:spPr>
+          <a:xfrm>
+            <a:off x="1591399" y="4869180"/>
+            <a:ext cx="3168396" cy="320040"/>
+          </a:xfrm>
+          <a:prstGeom prst="rect">
+            <a:avLst/>
+          </a:prstGeom>
+        </p:spPr>
+        <p:txBody>
+          <a:bodyPr wrap="square">
+            <a:spAutoFit/>
+          </a:bodyPr>
+          <a:lstStyle/>
+          <a:p>
+            <a:pPr>
+              <a:defRPr/>
+            </a:pPr>
+            <a:r>
+              <a:rPr lang="en-US" altLang="ko-KR" sz="1500">
+                <a:solidFill>
+                  <a:schemeClr val="lt1"/>
+                </a:solidFill>
+                <a:latin typeface="나눔스퀘어_ac Bold"/>
+                <a:ea typeface="나눔스퀘어_ac Bold"/>
+              </a:rPr>
+              <a:t>05.20.2025</a:t>
+            </a:r>
+          </a:p>
+        </p:txBody>
+      </p:sp>
+    </p:spTree>
+  </p:cSld>
+  <p:clrMapOvr>
+    <a:masterClrMapping/>
+  </p:clrMapOvr>
+  <mc:AlternateContent xmlns:mc="http://schemas.openxmlformats.org/markup-compatibility/2006" xmlns:p14="http://schemas.microsoft.com/office/powerpoint/2010/main">
+    <mc:Choice Requires="p14">
+      <p:transition/>
+    </mc:Choice>
+    <mc:Fallback xmlns:dsp="http://schemas.microsoft.com/office/drawing/2008/diagram" xmlns:dgm="http://schemas.openxmlformats.org/drawingml/2006/diagram" xmlns:c="http://schemas.openxmlformats.org/drawingml/2006/chart" xmlns="">
+      <p:transition/>
+    </mc:Fallback>
+  </mc:AlternateContent>
+</p:sld>
+</file>
+
+<file path=ppt/slides/slide3.xml><?xml version="1.0" encoding="utf-8"?>
 <p:sld xmlns:a="http://schemas.openxmlformats.org/drawingml/2006/main" xmlns:r="http://schemas.openxmlformats.org/officeDocument/2006/relationships" xmlns:p="http://schemas.openxmlformats.org/presentationml/2006/main">
   <p:cSld>
     <p:spTree>
@@ -7460,7 +8536,7 @@
         </p:nvSpPr>
         <p:spPr>
           <a:xfrm>
-            <a:off x="2112883" y="3501009"/>
+            <a:off x="2121430" y="3501009"/>
             <a:ext cx="531685" cy="300082"/>
           </a:xfrm>
           <a:prstGeom prst="rect">
@@ -7497,8 +8573,8 @@
         </p:nvSpPr>
         <p:spPr>
           <a:xfrm>
-            <a:off x="1763316" y="4496181"/>
-            <a:ext cx="1230820" cy="507831"/>
+            <a:off x="1763315" y="4496181"/>
+            <a:ext cx="1484646" cy="923330"/>
           </a:xfrm>
           <a:prstGeom prst="rect">
             <a:avLst/>
@@ -7547,9 +8623,57 @@
                 <a:latin typeface="나눔스퀘어_ac Bold"/>
                 <a:ea typeface="나눔스퀘어_ac Bold"/>
               </a:rPr>
-              <a:t>선정 이유</a:t>
-            </a:r>
-            <a:endParaRPr lang="ko-KR" altLang="ko-KR" sz="1350">
+              <a:t>솔루션 </a:t>
+            </a:r>
+            <a:endParaRPr lang="en-US" altLang="ko-KR" sz="1350">
+              <a:solidFill>
+                <a:srgbClr val="0F3158"/>
+              </a:solidFill>
+              <a:latin typeface="나눔스퀘어_ac Bold"/>
+              <a:ea typeface="나눔스퀘어_ac Bold"/>
+            </a:endParaRPr>
+          </a:p>
+          <a:p>
+            <a:pPr marL="285750" indent="-285750">
+              <a:buFontTx/>
+              <a:buChar char="-"/>
+              <a:defRPr/>
+            </a:pPr>
+            <a:r>
+              <a:rPr lang="ko-KR" altLang="en-US" sz="1350">
+                <a:solidFill>
+                  <a:srgbClr val="0F3158"/>
+                </a:solidFill>
+                <a:latin typeface="나눔스퀘어_ac Bold"/>
+                <a:ea typeface="나눔스퀘어_ac Bold"/>
+              </a:rPr>
+              <a:t>시스템 구조</a:t>
+            </a:r>
+            <a:endParaRPr lang="en-US" altLang="ko-KR" sz="1350">
+              <a:solidFill>
+                <a:srgbClr val="0F3158"/>
+              </a:solidFill>
+              <a:latin typeface="나눔스퀘어_ac Bold"/>
+              <a:ea typeface="나눔스퀘어_ac Bold"/>
+            </a:endParaRPr>
+          </a:p>
+          <a:p>
+            <a:pPr marL="285750" indent="-285750">
+              <a:buFontTx/>
+              <a:buChar char="-"/>
+              <a:defRPr/>
+            </a:pPr>
+            <a:r>
+              <a:rPr lang="ko-KR" altLang="en-US" sz="1350">
+                <a:solidFill>
+                  <a:srgbClr val="0F3158"/>
+                </a:solidFill>
+                <a:latin typeface="나눔스퀘어_ac Bold"/>
+                <a:ea typeface="나눔스퀘어_ac Bold"/>
+              </a:rPr>
+              <a:t>모듈 선정</a:t>
+            </a:r>
+            <a:endParaRPr lang="en-US" altLang="ko-KR" sz="1350">
               <a:solidFill>
                 <a:srgbClr val="0F3158"/>
               </a:solidFill>
@@ -7656,8 +8780,8 @@
         </p:nvSpPr>
         <p:spPr>
           <a:xfrm>
-            <a:off x="3983186" y="3501009"/>
-            <a:ext cx="752520" cy="300082"/>
+            <a:off x="3860733" y="3498097"/>
+            <a:ext cx="997425" cy="300082"/>
           </a:xfrm>
           <a:prstGeom prst="rect">
             <a:avLst/>
@@ -7680,7 +8804,7 @@
                 <a:latin typeface="나눔스퀘어_ac Bold"/>
                 <a:ea typeface="나눔스퀘어_ac Bold"/>
               </a:rPr>
-              <a:t>공감</a:t>
+              <a:t>개발 과정</a:t>
             </a:r>
             <a:endParaRPr lang="ko-KR" altLang="ko-KR" sz="1350">
               <a:solidFill>
@@ -7700,8 +8824,8 @@
         </p:nvSpPr>
         <p:spPr>
           <a:xfrm>
-            <a:off x="3744037" y="4496181"/>
-            <a:ext cx="1376184" cy="715581"/>
+            <a:off x="3744036" y="4496181"/>
+            <a:ext cx="1635769" cy="715581"/>
           </a:xfrm>
           <a:prstGeom prst="rect">
             <a:avLst/>
@@ -7726,7 +8850,7 @@
                 <a:latin typeface="나눔스퀘어_ac Bold"/>
                 <a:ea typeface="나눔스퀘어_ac Bold"/>
               </a:rPr>
-              <a:t>공감맵</a:t>
+              <a:t>드론</a:t>
             </a:r>
             <a:endParaRPr lang="en-US" altLang="ko-KR" sz="1350">
               <a:solidFill>
@@ -7750,7 +8874,7 @@
                 <a:latin typeface="나눔스퀘어_ac Bold"/>
                 <a:ea typeface="나눔스퀘어_ac Bold"/>
               </a:rPr>
-              <a:t>퍼소나</a:t>
+              <a:t>조종기</a:t>
             </a:r>
             <a:endParaRPr lang="en-US" altLang="ko-KR" sz="1350">
               <a:solidFill>
@@ -7774,7 +8898,7 @@
                 <a:latin typeface="나눔스퀘어_ac Bold"/>
                 <a:ea typeface="나눔스퀘어_ac Bold"/>
               </a:rPr>
-              <a:t>고객여정맵</a:t>
+              <a:t>착륙 유도 장치</a:t>
             </a:r>
             <a:endParaRPr lang="ko-KR" altLang="ko-KR" sz="1350">
               <a:solidFill>
@@ -7883,8 +9007,8 @@
         </p:nvSpPr>
         <p:spPr>
           <a:xfrm>
-            <a:off x="5978790" y="3498097"/>
-            <a:ext cx="716069" cy="300082"/>
+            <a:off x="5852344" y="3498097"/>
+            <a:ext cx="970102" cy="300082"/>
           </a:xfrm>
           <a:prstGeom prst="rect">
             <a:avLst/>
@@ -7907,7 +9031,7 @@
                 <a:latin typeface="나눔스퀘어_ac Bold"/>
                 <a:ea typeface="나눔스퀘어_ac Bold"/>
               </a:rPr>
-              <a:t>정의</a:t>
+              <a:t>데모 영상</a:t>
             </a:r>
             <a:endParaRPr lang="ko-KR" altLang="ko-KR" sz="1350">
               <a:solidFill>
@@ -7961,7 +9085,7 @@
                 <a:latin typeface="나눔스퀘어_ac Bold"/>
                 <a:ea typeface="나눔스퀘어_ac Bold"/>
               </a:rPr>
-              <a:t>제품 정의</a:t>
+              <a:t>테스트 영상</a:t>
             </a:r>
             <a:endParaRPr lang="ko-KR" altLang="ko-KR" sz="1350">
               <a:solidFill>
@@ -8094,7 +9218,7 @@
                 <a:latin typeface="나눔스퀘어_ac Bold"/>
                 <a:ea typeface="나눔스퀘어_ac Bold"/>
               </a:rPr>
-              <a:t>아이디어 도출</a:t>
+              <a:t>마무리</a:t>
             </a:r>
             <a:endParaRPr lang="ko-KR" altLang="ko-KR" sz="1350">
               <a:solidFill>
@@ -8115,7 +9239,7 @@
         <p:spPr>
           <a:xfrm>
             <a:off x="7705477" y="4496181"/>
-            <a:ext cx="1735344" cy="923330"/>
+            <a:ext cx="1735344" cy="507831"/>
           </a:xfrm>
           <a:prstGeom prst="rect">
             <a:avLst/>
@@ -8140,7 +9264,7 @@
                 <a:latin typeface="나눔스퀘어_ac Bold"/>
                 <a:ea typeface="나눔스퀘어_ac Bold"/>
               </a:rPr>
-              <a:t>유사품 탐색</a:t>
+              <a:t>성능 검토</a:t>
             </a:r>
             <a:endParaRPr lang="en-US" altLang="ko-KR" sz="1350">
               <a:solidFill>
@@ -8164,47 +9288,9 @@
                 <a:latin typeface="나눔스퀘어_ac Bold"/>
                 <a:ea typeface="나눔스퀘어_ac Bold"/>
               </a:rPr>
-              <a:t>기능 확장</a:t>
+              <a:t>추후 개선점</a:t>
             </a:r>
             <a:endParaRPr lang="en-US" altLang="ko-KR" sz="1350">
-              <a:solidFill>
-                <a:srgbClr val="0F3158"/>
-              </a:solidFill>
-              <a:latin typeface="나눔스퀘어_ac Bold"/>
-              <a:ea typeface="나눔스퀘어_ac Bold"/>
-            </a:endParaRPr>
-          </a:p>
-          <a:p>
-            <a:pPr marL="285750" indent="-285750">
-              <a:buFontTx/>
-              <a:buChar char="-"/>
-              <a:defRPr/>
-            </a:pPr>
-            <a:r>
-              <a:rPr lang="ko-KR" altLang="en-US" sz="1350">
-                <a:solidFill>
-                  <a:srgbClr val="0F3158"/>
-                </a:solidFill>
-                <a:latin typeface="나눔스퀘어_ac Bold"/>
-                <a:ea typeface="나눔스퀘어_ac Bold"/>
-              </a:rPr>
-              <a:t>아이디어 도출</a:t>
-            </a:r>
-            <a:endParaRPr lang="en-US" altLang="ko-KR" sz="1350">
-              <a:solidFill>
-                <a:srgbClr val="0F3158"/>
-              </a:solidFill>
-              <a:latin typeface="나눔스퀘어_ac Bold"/>
-              <a:ea typeface="나눔스퀘어_ac Bold"/>
-            </a:endParaRPr>
-          </a:p>
-          <a:p>
-            <a:pPr marL="285750" indent="-285750">
-              <a:buFontTx/>
-              <a:buChar char="-"/>
-              <a:defRPr/>
-            </a:pPr>
-            <a:endParaRPr lang="ko-KR" altLang="ko-KR" sz="1350">
               <a:solidFill>
                 <a:srgbClr val="0F3158"/>
               </a:solidFill>
@@ -8275,14 +9361,14 @@
     <mc:Choice Requires="p14">
       <p:transition/>
     </mc:Choice>
-    <mc:Fallback xmlns="" xmlns:c="http://schemas.openxmlformats.org/drawingml/2006/chart" xmlns:dgm="http://schemas.openxmlformats.org/drawingml/2006/diagram" xmlns:dsp="http://schemas.microsoft.com/office/drawing/2008/diagram">
+    <mc:Fallback xmlns:dsp="http://schemas.microsoft.com/office/drawing/2008/diagram" xmlns:dgm="http://schemas.openxmlformats.org/drawingml/2006/diagram" xmlns:c="http://schemas.openxmlformats.org/drawingml/2006/chart" xmlns="">
       <p:transition/>
     </mc:Fallback>
   </mc:AlternateContent>
 </p:sld>
 </file>
 
-<file path=ppt/slides/slide3.xml><?xml version="1.0" encoding="utf-8"?>
+<file path=ppt/slides/slide4.xml><?xml version="1.0" encoding="utf-8"?>
 <p:sld xmlns:a="http://schemas.openxmlformats.org/drawingml/2006/main" xmlns:r="http://schemas.openxmlformats.org/officeDocument/2006/relationships" xmlns:p="http://schemas.openxmlformats.org/presentationml/2006/main">
   <p:cSld>
     <p:spTree>
@@ -8412,14 +9498,14 @@
     <mc:Choice Requires="p14">
       <p:transition/>
     </mc:Choice>
-    <mc:Fallback xmlns="" xmlns:c="http://schemas.openxmlformats.org/drawingml/2006/chart" xmlns:dgm="http://schemas.openxmlformats.org/drawingml/2006/diagram" xmlns:dsp="http://schemas.microsoft.com/office/drawing/2008/diagram">
+    <mc:Fallback xmlns:dsp="http://schemas.microsoft.com/office/drawing/2008/diagram" xmlns:dgm="http://schemas.openxmlformats.org/drawingml/2006/diagram" xmlns:c="http://schemas.openxmlformats.org/drawingml/2006/chart" xmlns="">
       <p:transition/>
     </mc:Fallback>
   </mc:AlternateContent>
 </p:sld>
 </file>
 
-<file path=ppt/slides/slide4.xml><?xml version="1.0" encoding="utf-8"?>
+<file path=ppt/slides/slide5.xml><?xml version="1.0" encoding="utf-8"?>
 <p:sld xmlns:a="http://schemas.openxmlformats.org/drawingml/2006/main" xmlns:r="http://schemas.openxmlformats.org/officeDocument/2006/relationships" xmlns:p="http://schemas.openxmlformats.org/presentationml/2006/main">
   <p:cSld>
     <p:spTree>
@@ -8509,8 +9595,8 @@
         </p:nvSpPr>
         <p:spPr>
           <a:xfrm>
-            <a:off x="498878" y="670130"/>
-            <a:ext cx="1217001" cy="276999"/>
+            <a:off x="481547" y="670130"/>
+            <a:ext cx="854721" cy="276999"/>
           </a:xfrm>
           <a:prstGeom prst="rect">
             <a:avLst/>
@@ -8533,7 +9619,7 @@
                 <a:latin typeface="나눔스퀘어_ac Bold"/>
                 <a:ea typeface="나눔스퀘어_ac Bold"/>
               </a:rPr>
-              <a:t>사회 문제 현상</a:t>
+              <a:t>문제 상황</a:t>
             </a:r>
           </a:p>
         </p:txBody>
@@ -8552,8 +9638,8 @@
         </p:nvSpPr>
         <p:spPr>
           <a:xfrm>
-            <a:off x="9482217" y="392049"/>
-            <a:ext cx="1428596" cy="246221"/>
+            <a:off x="9124299" y="392049"/>
+            <a:ext cx="1832554" cy="246221"/>
           </a:xfrm>
           <a:prstGeom prst="rect">
             <a:avLst/>
@@ -8569,14 +9655,24 @@
               <a:defRPr/>
             </a:pPr>
             <a:r>
-              <a:rPr lang="ko-KR" altLang="en-US" sz="1000">
+              <a:rPr lang="en-US" altLang="ko-KR" sz="1000">
                 <a:solidFill>
                   <a:srgbClr val="0F3158"/>
                 </a:solidFill>
                 <a:latin typeface="나눔스퀘어_ac ExtraBold"/>
                 <a:ea typeface="나눔스퀘어_ac ExtraBold"/>
               </a:rPr>
-              <a:t>생활속의 로봇 디자인</a:t>
+              <a:t>ICT </a:t>
+            </a:r>
+            <a:r>
+              <a:rPr lang="ko-KR" altLang="en-US" sz="1000">
+                <a:solidFill>
+                  <a:srgbClr val="0F3158"/>
+                </a:solidFill>
+                <a:latin typeface="나눔스퀘어_ac ExtraBold"/>
+                <a:ea typeface="나눔스퀘어_ac ExtraBold"/>
+              </a:rPr>
+              <a:t>캡스톤 디자인 최종 발표</a:t>
             </a:r>
           </a:p>
         </p:txBody>
@@ -8637,1177 +9733,6 @@
           </a:p>
         </p:txBody>
       </p:sp>
-      <p:sp>
-        <p:nvSpPr>
-          <p:cNvPr id="9" name="TextBox 8">
-            <a:extLst>
-              <a:ext uri="{FF2B5EF4-FFF2-40B4-BE49-F238E27FC236}">
-                <a16:creationId xmlns:a16="http://schemas.microsoft.com/office/drawing/2014/main" id="{76B255C5-57FA-B77B-77FC-776B48DA9CBF}"/>
-              </a:ext>
-            </a:extLst>
-          </p:cNvPr>
-          <p:cNvSpPr txBox="1"/>
-          <p:nvPr/>
-        </p:nvSpPr>
-        <p:spPr>
-          <a:xfrm>
-            <a:off x="1213583" y="4419981"/>
-            <a:ext cx="2303836" cy="384721"/>
-          </a:xfrm>
-          <a:prstGeom prst="rect">
-            <a:avLst/>
-          </a:prstGeom>
-        </p:spPr>
-        <p:txBody>
-          <a:bodyPr wrap="none">
-            <a:spAutoFit/>
-          </a:bodyPr>
-          <a:lstStyle/>
-          <a:p>
-            <a:pPr algn="ctr">
-              <a:defRPr/>
-            </a:pPr>
-            <a:r>
-              <a:rPr lang="ko-KR" altLang="en-US" sz="1900">
-                <a:latin typeface="나눔스퀘어_ac ExtraBold"/>
-                <a:ea typeface="나눔스퀘어_ac ExtraBold"/>
-              </a:rPr>
-              <a:t>초고령화 사회 진입</a:t>
-            </a:r>
-          </a:p>
-        </p:txBody>
-      </p:sp>
-      <p:sp>
-        <p:nvSpPr>
-          <p:cNvPr id="14" name="TextBox 13">
-            <a:extLst>
-              <a:ext uri="{FF2B5EF4-FFF2-40B4-BE49-F238E27FC236}">
-                <a16:creationId xmlns:a16="http://schemas.microsoft.com/office/drawing/2014/main" id="{B04F6572-EB6B-C28D-8111-385EFCB43A5E}"/>
-              </a:ext>
-            </a:extLst>
-          </p:cNvPr>
-          <p:cNvSpPr txBox="1"/>
-          <p:nvPr/>
-        </p:nvSpPr>
-        <p:spPr>
-          <a:xfrm>
-            <a:off x="1285361" y="5157216"/>
-            <a:ext cx="2160270" cy="1446550"/>
-          </a:xfrm>
-          <a:prstGeom prst="rect">
-            <a:avLst/>
-          </a:prstGeom>
-        </p:spPr>
-        <p:txBody>
-          <a:bodyPr wrap="square">
-            <a:spAutoFit/>
-          </a:bodyPr>
-          <a:lstStyle/>
-          <a:p>
-            <a:pPr>
-              <a:defRPr/>
-            </a:pPr>
-            <a:r>
-              <a:rPr lang="ko-KR" altLang="en-US" sz="800" b="0" i="0">
-                <a:effectLst/>
-                <a:latin typeface="fkGroteskNeue"/>
-              </a:rPr>
-              <a:t>대한민국은 </a:t>
-            </a:r>
-            <a:r>
-              <a:rPr lang="en-US" altLang="ko-KR" sz="800" b="0" i="0">
-                <a:effectLst/>
-                <a:latin typeface="fkGroteskNeue"/>
-              </a:rPr>
-              <a:t>2024</a:t>
-            </a:r>
-            <a:r>
-              <a:rPr lang="ko-KR" altLang="en-US" sz="800" b="0" i="0">
-                <a:effectLst/>
-                <a:latin typeface="fkGroteskNeue"/>
-              </a:rPr>
-              <a:t>년 </a:t>
-            </a:r>
-            <a:r>
-              <a:rPr lang="en-US" altLang="ko-KR" sz="800" b="0" i="0">
-                <a:effectLst/>
-                <a:latin typeface="fkGroteskNeue"/>
-              </a:rPr>
-              <a:t>12</a:t>
-            </a:r>
-            <a:r>
-              <a:rPr lang="ko-KR" altLang="en-US" sz="800" b="0" i="0">
-                <a:effectLst/>
-                <a:latin typeface="fkGroteskNeue"/>
-              </a:rPr>
-              <a:t>월 </a:t>
-            </a:r>
-            <a:r>
-              <a:rPr lang="en-US" altLang="ko-KR" sz="800" b="0" i="0">
-                <a:effectLst/>
-                <a:latin typeface="fkGroteskNeue"/>
-              </a:rPr>
-              <a:t>23</a:t>
-            </a:r>
-            <a:r>
-              <a:rPr lang="ko-KR" altLang="en-US" sz="800" b="0" i="0">
-                <a:effectLst/>
-                <a:latin typeface="fkGroteskNeue"/>
-              </a:rPr>
-              <a:t>일을 기점으로 </a:t>
-            </a:r>
-            <a:r>
-              <a:rPr lang="en-US" altLang="ko-KR" sz="800" b="0" i="0">
-                <a:effectLst/>
-                <a:latin typeface="fkGroteskNeue"/>
-              </a:rPr>
-              <a:t>65</a:t>
-            </a:r>
-            <a:r>
-              <a:rPr lang="ko-KR" altLang="en-US" sz="800" b="0" i="0">
-                <a:effectLst/>
-                <a:latin typeface="fkGroteskNeue"/>
-              </a:rPr>
-              <a:t>세 이상 인구 비율이 전체 인구의 </a:t>
-            </a:r>
-            <a:r>
-              <a:rPr lang="en-US" altLang="ko-KR" sz="800" b="0" i="0">
-                <a:effectLst/>
-                <a:latin typeface="fkGroteskNeue"/>
-              </a:rPr>
-              <a:t>20%</a:t>
-            </a:r>
-            <a:r>
-              <a:rPr lang="ko-KR" altLang="en-US" sz="800" b="0" i="0">
-                <a:effectLst/>
-                <a:latin typeface="fkGroteskNeue"/>
-              </a:rPr>
-              <a:t>를 넘어 유엔 기준 ‘초고령사회’에 진입했습니다</a:t>
-            </a:r>
-            <a:r>
-              <a:rPr lang="en-US" altLang="ko-KR" sz="800" b="0" i="0">
-                <a:effectLst/>
-                <a:latin typeface="fkGroteskNeue"/>
-              </a:rPr>
-              <a:t>.</a:t>
-            </a:r>
-          </a:p>
-          <a:p>
-            <a:pPr>
-              <a:defRPr/>
-            </a:pPr>
-            <a:endParaRPr lang="en-US" altLang="ko-KR" sz="800">
-              <a:latin typeface="fkGroteskNeue"/>
-            </a:endParaRPr>
-          </a:p>
-          <a:p>
-            <a:pPr>
-              <a:defRPr/>
-            </a:pPr>
-            <a:r>
-              <a:rPr lang="ko-KR" altLang="en-US" sz="800" b="0" i="0">
-                <a:effectLst/>
-                <a:latin typeface="fkGroteskNeue"/>
-              </a:rPr>
-              <a:t>세계에서 가장 빠른 속도로 고령화가 진행된 사례입니다</a:t>
-            </a:r>
-            <a:r>
-              <a:rPr lang="en-US" altLang="ko-KR" sz="800" b="0" i="0">
-                <a:effectLst/>
-                <a:latin typeface="fkGroteskNeue"/>
-              </a:rPr>
-              <a:t>. </a:t>
-            </a:r>
-          </a:p>
-          <a:p>
-            <a:pPr>
-              <a:defRPr/>
-            </a:pPr>
-            <a:endParaRPr lang="en-US" altLang="ko-KR" sz="800" b="0" i="0">
-              <a:effectLst/>
-              <a:latin typeface="fkGroteskNeue"/>
-            </a:endParaRPr>
-          </a:p>
-          <a:p>
-            <a:pPr>
-              <a:defRPr/>
-            </a:pPr>
-            <a:r>
-              <a:rPr lang="ko-KR" altLang="en-US" sz="800">
-                <a:latin typeface="fkGroteskNeue"/>
-              </a:rPr>
-              <a:t>이는 </a:t>
-            </a:r>
-            <a:r>
-              <a:rPr lang="ko-KR" altLang="en-US" sz="800" b="0" i="0">
-                <a:effectLst/>
-                <a:latin typeface="fkGroteskNeue"/>
-              </a:rPr>
-              <a:t>저출생 문제와 맞물려 노동 공급 감소</a:t>
-            </a:r>
-            <a:r>
-              <a:rPr lang="en-US" altLang="ko-KR" sz="800" b="0" i="0">
-                <a:effectLst/>
-                <a:latin typeface="fkGroteskNeue"/>
-              </a:rPr>
-              <a:t>, </a:t>
-            </a:r>
-            <a:r>
-              <a:rPr lang="ko-KR" altLang="en-US" sz="800" b="0" i="0">
-                <a:effectLst/>
-                <a:latin typeface="fkGroteskNeue"/>
-              </a:rPr>
-              <a:t>생산성 약화</a:t>
-            </a:r>
-            <a:r>
-              <a:rPr lang="en-US" altLang="ko-KR" sz="800" b="0" i="0">
-                <a:effectLst/>
-                <a:latin typeface="fkGroteskNeue"/>
-              </a:rPr>
-              <a:t>, </a:t>
-            </a:r>
-            <a:r>
-              <a:rPr lang="ko-KR" altLang="en-US" sz="800" b="0" i="0">
-                <a:effectLst/>
-                <a:latin typeface="fkGroteskNeue"/>
-              </a:rPr>
-              <a:t>경제성장률 하락 등 국가적 차원의 심각한 사회</a:t>
-            </a:r>
-            <a:r>
-              <a:rPr lang="en-US" altLang="ko-KR" sz="800" b="0" i="0">
-                <a:effectLst/>
-                <a:latin typeface="fkGroteskNeue"/>
-              </a:rPr>
-              <a:t>·</a:t>
-            </a:r>
-            <a:r>
-              <a:rPr lang="ko-KR" altLang="en-US" sz="800" b="0" i="0">
-                <a:effectLst/>
-                <a:latin typeface="fkGroteskNeue"/>
-              </a:rPr>
-              <a:t>경제적 문제를 야기하고 있습니다</a:t>
-            </a:r>
-            <a:endParaRPr lang="ko-KR" altLang="en-US" sz="750">
-              <a:solidFill>
-                <a:srgbClr val="808080"/>
-              </a:solidFill>
-              <a:latin typeface="나눔스퀘어_ac Bold"/>
-              <a:ea typeface="나눔스퀘어_ac Bold"/>
-            </a:endParaRPr>
-          </a:p>
-        </p:txBody>
-      </p:sp>
-      <p:sp>
-        <p:nvSpPr>
-          <p:cNvPr id="15" name="직사각형 14">
-            <a:extLst>
-              <a:ext uri="{FF2B5EF4-FFF2-40B4-BE49-F238E27FC236}">
-                <a16:creationId xmlns:a16="http://schemas.microsoft.com/office/drawing/2014/main" id="{67399F2D-9FB2-7F41-C299-93A1BDB8239E}"/>
-              </a:ext>
-            </a:extLst>
-          </p:cNvPr>
-          <p:cNvSpPr/>
-          <p:nvPr/>
-        </p:nvSpPr>
-        <p:spPr>
-          <a:xfrm>
-            <a:off x="1285361" y="1988820"/>
-            <a:ext cx="2160270" cy="2203513"/>
-          </a:xfrm>
-          <a:prstGeom prst="rect">
-            <a:avLst/>
-          </a:prstGeom>
-          <a:solidFill>
-            <a:srgbClr val="0F3158"/>
-          </a:solidFill>
-          <a:ln>
-            <a:noFill/>
-          </a:ln>
-        </p:spPr>
-        <p:style>
-          <a:lnRef idx="2">
-            <a:schemeClr val="accent1">
-              <a:shade val="20000"/>
-            </a:schemeClr>
-          </a:lnRef>
-          <a:fillRef idx="1">
-            <a:schemeClr val="accent1"/>
-          </a:fillRef>
-          <a:effectRef idx="0">
-            <a:schemeClr val="accent1"/>
-          </a:effectRef>
-          <a:fontRef idx="minor">
-            <a:schemeClr val="lt1"/>
-          </a:fontRef>
-        </p:style>
-        <p:txBody>
-          <a:bodyPr anchor="ctr"/>
-          <a:lstStyle/>
-          <a:p>
-            <a:pPr algn="ctr">
-              <a:defRPr/>
-            </a:pPr>
-            <a:endParaRPr lang="ko-KR" altLang="en-US">
-              <a:noFill/>
-            </a:endParaRPr>
-          </a:p>
-        </p:txBody>
-      </p:sp>
-      <p:sp>
-        <p:nvSpPr>
-          <p:cNvPr id="16" name="타원 15">
-            <a:extLst>
-              <a:ext uri="{FF2B5EF4-FFF2-40B4-BE49-F238E27FC236}">
-                <a16:creationId xmlns:a16="http://schemas.microsoft.com/office/drawing/2014/main" id="{061AFED9-C7CD-0C51-8837-ACB789D8B913}"/>
-              </a:ext>
-            </a:extLst>
-          </p:cNvPr>
-          <p:cNvSpPr/>
-          <p:nvPr/>
-        </p:nvSpPr>
-        <p:spPr>
-          <a:xfrm>
-            <a:off x="2329491" y="4869180"/>
-            <a:ext cx="72009" cy="72009"/>
-          </a:xfrm>
-          <a:prstGeom prst="ellipse">
-            <a:avLst/>
-          </a:prstGeom>
-          <a:solidFill>
-            <a:srgbClr val="0F3158"/>
-          </a:solidFill>
-          <a:ln>
-            <a:noFill/>
-          </a:ln>
-        </p:spPr>
-        <p:style>
-          <a:lnRef idx="2">
-            <a:schemeClr val="accent1">
-              <a:shade val="20000"/>
-            </a:schemeClr>
-          </a:lnRef>
-          <a:fillRef idx="1">
-            <a:schemeClr val="accent1"/>
-          </a:fillRef>
-          <a:effectRef idx="0">
-            <a:schemeClr val="accent1"/>
-          </a:effectRef>
-          <a:fontRef idx="minor">
-            <a:schemeClr val="lt1"/>
-          </a:fontRef>
-        </p:style>
-        <p:txBody>
-          <a:bodyPr anchor="ctr"/>
-          <a:lstStyle/>
-          <a:p>
-            <a:pPr algn="ctr">
-              <a:defRPr/>
-            </a:pPr>
-            <a:endParaRPr lang="ko-KR" altLang="en-US">
-              <a:noFill/>
-            </a:endParaRPr>
-          </a:p>
-        </p:txBody>
-      </p:sp>
-      <p:sp>
-        <p:nvSpPr>
-          <p:cNvPr id="19" name="TextBox 18">
-            <a:extLst>
-              <a:ext uri="{FF2B5EF4-FFF2-40B4-BE49-F238E27FC236}">
-                <a16:creationId xmlns:a16="http://schemas.microsoft.com/office/drawing/2014/main" id="{263ECFA1-85AA-4A1B-9400-0DAE199F36C4}"/>
-              </a:ext>
-            </a:extLst>
-          </p:cNvPr>
-          <p:cNvSpPr txBox="1"/>
-          <p:nvPr/>
-        </p:nvSpPr>
-        <p:spPr>
-          <a:xfrm>
-            <a:off x="4400307" y="4419981"/>
-            <a:ext cx="2303836" cy="384721"/>
-          </a:xfrm>
-          <a:prstGeom prst="rect">
-            <a:avLst/>
-          </a:prstGeom>
-        </p:spPr>
-        <p:txBody>
-          <a:bodyPr wrap="none">
-            <a:spAutoFit/>
-          </a:bodyPr>
-          <a:lstStyle/>
-          <a:p>
-            <a:pPr algn="ctr">
-              <a:defRPr/>
-            </a:pPr>
-            <a:r>
-              <a:rPr lang="ko-KR" altLang="en-US" sz="1900">
-                <a:latin typeface="나눔스퀘어_ac ExtraBold"/>
-                <a:ea typeface="나눔스퀘어_ac ExtraBold"/>
-              </a:rPr>
-              <a:t>독거노인 비율 증가</a:t>
-            </a:r>
-          </a:p>
-        </p:txBody>
-      </p:sp>
-      <p:sp>
-        <p:nvSpPr>
-          <p:cNvPr id="21" name="직사각형 20">
-            <a:extLst>
-              <a:ext uri="{FF2B5EF4-FFF2-40B4-BE49-F238E27FC236}">
-                <a16:creationId xmlns:a16="http://schemas.microsoft.com/office/drawing/2014/main" id="{87363943-71C9-07AF-76B3-282FD79A01BA}"/>
-              </a:ext>
-            </a:extLst>
-          </p:cNvPr>
-          <p:cNvSpPr/>
-          <p:nvPr/>
-        </p:nvSpPr>
-        <p:spPr>
-          <a:xfrm>
-            <a:off x="4471759" y="1988820"/>
-            <a:ext cx="2160270" cy="2203513"/>
-          </a:xfrm>
-          <a:prstGeom prst="rect">
-            <a:avLst/>
-          </a:prstGeom>
-          <a:solidFill>
-            <a:srgbClr val="0F3158"/>
-          </a:solidFill>
-          <a:ln>
-            <a:noFill/>
-          </a:ln>
-        </p:spPr>
-        <p:style>
-          <a:lnRef idx="2">
-            <a:schemeClr val="accent1">
-              <a:shade val="20000"/>
-            </a:schemeClr>
-          </a:lnRef>
-          <a:fillRef idx="1">
-            <a:schemeClr val="accent1"/>
-          </a:fillRef>
-          <a:effectRef idx="0">
-            <a:schemeClr val="accent1"/>
-          </a:effectRef>
-          <a:fontRef idx="minor">
-            <a:schemeClr val="lt1"/>
-          </a:fontRef>
-        </p:style>
-        <p:txBody>
-          <a:bodyPr anchor="ctr"/>
-          <a:lstStyle/>
-          <a:p>
-            <a:pPr algn="ctr">
-              <a:defRPr/>
-            </a:pPr>
-            <a:endParaRPr lang="ko-KR" altLang="en-US">
-              <a:noFill/>
-            </a:endParaRPr>
-          </a:p>
-        </p:txBody>
-      </p:sp>
-      <p:sp>
-        <p:nvSpPr>
-          <p:cNvPr id="22" name="타원 21">
-            <a:extLst>
-              <a:ext uri="{FF2B5EF4-FFF2-40B4-BE49-F238E27FC236}">
-                <a16:creationId xmlns:a16="http://schemas.microsoft.com/office/drawing/2014/main" id="{633B7704-604E-B866-A003-6D948E4BB7FF}"/>
-              </a:ext>
-            </a:extLst>
-          </p:cNvPr>
-          <p:cNvSpPr/>
-          <p:nvPr/>
-        </p:nvSpPr>
-        <p:spPr>
-          <a:xfrm>
-            <a:off x="5515890" y="4869180"/>
-            <a:ext cx="72009" cy="72009"/>
-          </a:xfrm>
-          <a:prstGeom prst="ellipse">
-            <a:avLst/>
-          </a:prstGeom>
-          <a:solidFill>
-            <a:srgbClr val="0F3158"/>
-          </a:solidFill>
-          <a:ln>
-            <a:noFill/>
-          </a:ln>
-        </p:spPr>
-        <p:style>
-          <a:lnRef idx="2">
-            <a:schemeClr val="accent1">
-              <a:shade val="20000"/>
-            </a:schemeClr>
-          </a:lnRef>
-          <a:fillRef idx="1">
-            <a:schemeClr val="accent1"/>
-          </a:fillRef>
-          <a:effectRef idx="0">
-            <a:schemeClr val="accent1"/>
-          </a:effectRef>
-          <a:fontRef idx="minor">
-            <a:schemeClr val="lt1"/>
-          </a:fontRef>
-        </p:style>
-        <p:txBody>
-          <a:bodyPr anchor="ctr"/>
-          <a:lstStyle/>
-          <a:p>
-            <a:pPr algn="ctr">
-              <a:defRPr/>
-            </a:pPr>
-            <a:endParaRPr lang="ko-KR" altLang="en-US">
-              <a:noFill/>
-            </a:endParaRPr>
-          </a:p>
-        </p:txBody>
-      </p:sp>
-      <p:sp>
-        <p:nvSpPr>
-          <p:cNvPr id="25" name="직사각형 24">
-            <a:extLst>
-              <a:ext uri="{FF2B5EF4-FFF2-40B4-BE49-F238E27FC236}">
-                <a16:creationId xmlns:a16="http://schemas.microsoft.com/office/drawing/2014/main" id="{1A546134-2E10-802C-E69C-05C59AC7F0FA}"/>
-              </a:ext>
-            </a:extLst>
-          </p:cNvPr>
-          <p:cNvSpPr/>
-          <p:nvPr/>
-        </p:nvSpPr>
-        <p:spPr>
-          <a:xfrm>
-            <a:off x="7658157" y="1988820"/>
-            <a:ext cx="2160270" cy="2203513"/>
-          </a:xfrm>
-          <a:prstGeom prst="rect">
-            <a:avLst/>
-          </a:prstGeom>
-          <a:solidFill>
-            <a:srgbClr val="0F3158"/>
-          </a:solidFill>
-          <a:ln>
-            <a:noFill/>
-          </a:ln>
-        </p:spPr>
-        <p:style>
-          <a:lnRef idx="2">
-            <a:schemeClr val="accent1">
-              <a:shade val="20000"/>
-            </a:schemeClr>
-          </a:lnRef>
-          <a:fillRef idx="1">
-            <a:schemeClr val="accent1"/>
-          </a:fillRef>
-          <a:effectRef idx="0">
-            <a:schemeClr val="accent1"/>
-          </a:effectRef>
-          <a:fontRef idx="minor">
-            <a:schemeClr val="lt1"/>
-          </a:fontRef>
-        </p:style>
-        <p:txBody>
-          <a:bodyPr anchor="ctr"/>
-          <a:lstStyle/>
-          <a:p>
-            <a:pPr algn="ctr">
-              <a:defRPr/>
-            </a:pPr>
-            <a:endParaRPr lang="ko-KR" altLang="en-US">
-              <a:noFill/>
-            </a:endParaRPr>
-          </a:p>
-        </p:txBody>
-      </p:sp>
-      <p:sp>
-        <p:nvSpPr>
-          <p:cNvPr id="26" name="타원 25">
-            <a:extLst>
-              <a:ext uri="{FF2B5EF4-FFF2-40B4-BE49-F238E27FC236}">
-                <a16:creationId xmlns:a16="http://schemas.microsoft.com/office/drawing/2014/main" id="{E4A57895-C7C3-2DFC-305B-B6BE8A9B5CF1}"/>
-              </a:ext>
-            </a:extLst>
-          </p:cNvPr>
-          <p:cNvSpPr/>
-          <p:nvPr/>
-        </p:nvSpPr>
-        <p:spPr>
-          <a:xfrm>
-            <a:off x="8702288" y="4869180"/>
-            <a:ext cx="72009" cy="72009"/>
-          </a:xfrm>
-          <a:prstGeom prst="ellipse">
-            <a:avLst/>
-          </a:prstGeom>
-          <a:solidFill>
-            <a:srgbClr val="0F3158"/>
-          </a:solidFill>
-          <a:ln>
-            <a:noFill/>
-          </a:ln>
-        </p:spPr>
-        <p:style>
-          <a:lnRef idx="2">
-            <a:schemeClr val="accent1">
-              <a:shade val="20000"/>
-            </a:schemeClr>
-          </a:lnRef>
-          <a:fillRef idx="1">
-            <a:schemeClr val="accent1"/>
-          </a:fillRef>
-          <a:effectRef idx="0">
-            <a:schemeClr val="accent1"/>
-          </a:effectRef>
-          <a:fontRef idx="minor">
-            <a:schemeClr val="lt1"/>
-          </a:fontRef>
-        </p:style>
-        <p:txBody>
-          <a:bodyPr anchor="ctr"/>
-          <a:lstStyle/>
-          <a:p>
-            <a:pPr algn="ctr">
-              <a:defRPr/>
-            </a:pPr>
-            <a:endParaRPr lang="ko-KR" altLang="en-US">
-              <a:noFill/>
-            </a:endParaRPr>
-          </a:p>
-        </p:txBody>
-      </p:sp>
-      <p:pic>
-        <p:nvPicPr>
-          <p:cNvPr id="3" name="그림 2">
-            <a:extLst>
-              <a:ext uri="{FF2B5EF4-FFF2-40B4-BE49-F238E27FC236}">
-                <a16:creationId xmlns:a16="http://schemas.microsoft.com/office/drawing/2014/main" id="{224EEA56-5619-5DD8-4FE3-347930C33F6E}"/>
-              </a:ext>
-            </a:extLst>
-          </p:cNvPr>
-          <p:cNvPicPr>
-            <a:picLocks noChangeAspect="1"/>
-          </p:cNvPicPr>
-          <p:nvPr/>
-        </p:nvPicPr>
-        <p:blipFill>
-          <a:blip r:embed="rId2"/>
-          <a:stretch>
-            <a:fillRect/>
-          </a:stretch>
-        </p:blipFill>
-        <p:spPr>
-          <a:xfrm>
-            <a:off x="1559007" y="2112239"/>
-            <a:ext cx="1612975" cy="1962732"/>
-          </a:xfrm>
-          <a:prstGeom prst="rect">
-            <a:avLst/>
-          </a:prstGeom>
-        </p:spPr>
-      </p:pic>
-      <p:pic>
-        <p:nvPicPr>
-          <p:cNvPr id="5" name="그림 4">
-            <a:extLst>
-              <a:ext uri="{FF2B5EF4-FFF2-40B4-BE49-F238E27FC236}">
-                <a16:creationId xmlns:a16="http://schemas.microsoft.com/office/drawing/2014/main" id="{E100871A-53D4-D19E-DF10-D81F1D4B508C}"/>
-              </a:ext>
-            </a:extLst>
-          </p:cNvPr>
-          <p:cNvPicPr>
-            <a:picLocks noChangeAspect="1"/>
-          </p:cNvPicPr>
-          <p:nvPr/>
-        </p:nvPicPr>
-        <p:blipFill>
-          <a:blip r:embed="rId3"/>
-          <a:stretch>
-            <a:fillRect/>
-          </a:stretch>
-        </p:blipFill>
-        <p:spPr>
-          <a:xfrm>
-            <a:off x="4724980" y="2132170"/>
-            <a:ext cx="1653828" cy="1916811"/>
-          </a:xfrm>
-          <a:prstGeom prst="rect">
-            <a:avLst/>
-          </a:prstGeom>
-        </p:spPr>
-      </p:pic>
-      <p:pic>
-        <p:nvPicPr>
-          <p:cNvPr id="11" name="그림 10">
-            <a:extLst>
-              <a:ext uri="{FF2B5EF4-FFF2-40B4-BE49-F238E27FC236}">
-                <a16:creationId xmlns:a16="http://schemas.microsoft.com/office/drawing/2014/main" id="{E107D7BA-8A03-5AF6-E280-A4D53AC2E67F}"/>
-              </a:ext>
-            </a:extLst>
-          </p:cNvPr>
-          <p:cNvPicPr>
-            <a:picLocks noChangeAspect="1"/>
-          </p:cNvPicPr>
-          <p:nvPr/>
-        </p:nvPicPr>
-        <p:blipFill>
-          <a:blip r:embed="rId4"/>
-          <a:stretch>
-            <a:fillRect/>
-          </a:stretch>
-        </p:blipFill>
-        <p:spPr>
-          <a:xfrm>
-            <a:off x="7828833" y="2348850"/>
-            <a:ext cx="1877871" cy="1465809"/>
-          </a:xfrm>
-          <a:prstGeom prst="rect">
-            <a:avLst/>
-          </a:prstGeom>
-        </p:spPr>
-      </p:pic>
-      <p:sp>
-        <p:nvSpPr>
-          <p:cNvPr id="12" name="TextBox 11">
-            <a:extLst>
-              <a:ext uri="{FF2B5EF4-FFF2-40B4-BE49-F238E27FC236}">
-                <a16:creationId xmlns:a16="http://schemas.microsoft.com/office/drawing/2014/main" id="{5354ACB9-3BEE-E3AB-F867-34C4FB2DB8B6}"/>
-              </a:ext>
-            </a:extLst>
-          </p:cNvPr>
-          <p:cNvSpPr txBox="1"/>
-          <p:nvPr/>
-        </p:nvSpPr>
-        <p:spPr>
-          <a:xfrm>
-            <a:off x="7840720" y="4419981"/>
-            <a:ext cx="1731564" cy="384721"/>
-          </a:xfrm>
-          <a:prstGeom prst="rect">
-            <a:avLst/>
-          </a:prstGeom>
-        </p:spPr>
-        <p:txBody>
-          <a:bodyPr wrap="none">
-            <a:spAutoFit/>
-          </a:bodyPr>
-          <a:lstStyle/>
-          <a:p>
-            <a:pPr algn="ctr">
-              <a:defRPr/>
-            </a:pPr>
-            <a:r>
-              <a:rPr lang="ko-KR" altLang="en-US" sz="1900">
-                <a:latin typeface="나눔스퀘어_ac ExtraBold"/>
-                <a:ea typeface="나눔스퀘어_ac ExtraBold"/>
-              </a:rPr>
-              <a:t>독거노인 문제</a:t>
-            </a:r>
-          </a:p>
-        </p:txBody>
-      </p:sp>
-      <p:sp>
-        <p:nvSpPr>
-          <p:cNvPr id="13" name="TextBox 12">
-            <a:extLst>
-              <a:ext uri="{FF2B5EF4-FFF2-40B4-BE49-F238E27FC236}">
-                <a16:creationId xmlns:a16="http://schemas.microsoft.com/office/drawing/2014/main" id="{8FD20E00-749B-7D73-F630-2FD585A0A8AB}"/>
-              </a:ext>
-            </a:extLst>
-          </p:cNvPr>
-          <p:cNvSpPr txBox="1"/>
-          <p:nvPr/>
-        </p:nvSpPr>
-        <p:spPr>
-          <a:xfrm>
-            <a:off x="4435928" y="5157216"/>
-            <a:ext cx="2160270" cy="1446550"/>
-          </a:xfrm>
-          <a:prstGeom prst="rect">
-            <a:avLst/>
-          </a:prstGeom>
-        </p:spPr>
-        <p:txBody>
-          <a:bodyPr wrap="square">
-            <a:spAutoFit/>
-          </a:bodyPr>
-          <a:lstStyle/>
-          <a:p>
-            <a:pPr>
-              <a:defRPr/>
-            </a:pPr>
-            <a:r>
-              <a:rPr lang="ko-KR" altLang="en-US" sz="800" b="0" i="0">
-                <a:effectLst/>
-                <a:latin typeface="fkGroteskNeue"/>
-              </a:rPr>
-              <a:t>고령화와 더불어 독거노인</a:t>
-            </a:r>
-            <a:r>
-              <a:rPr lang="en-US" altLang="ko-KR" sz="800" b="0" i="0">
-                <a:effectLst/>
-                <a:latin typeface="fkGroteskNeue"/>
-              </a:rPr>
-              <a:t>(65</a:t>
-            </a:r>
-            <a:r>
-              <a:rPr lang="ko-KR" altLang="en-US" sz="800" b="0" i="0">
-                <a:effectLst/>
-                <a:latin typeface="fkGroteskNeue"/>
-              </a:rPr>
-              <a:t>세 이상 </a:t>
-            </a:r>
-            <a:r>
-              <a:rPr lang="en-US" altLang="ko-KR" sz="800" b="0" i="0">
-                <a:effectLst/>
-                <a:latin typeface="fkGroteskNeue"/>
-              </a:rPr>
-              <a:t>1</a:t>
-            </a:r>
-            <a:r>
-              <a:rPr lang="ko-KR" altLang="en-US" sz="800" b="0" i="0">
-                <a:effectLst/>
-                <a:latin typeface="fkGroteskNeue"/>
-              </a:rPr>
-              <a:t>인 가구</a:t>
-            </a:r>
-            <a:r>
-              <a:rPr lang="en-US" altLang="ko-KR" sz="800" b="0" i="0">
-                <a:effectLst/>
-                <a:latin typeface="fkGroteskNeue"/>
-              </a:rPr>
-              <a:t>) </a:t>
-            </a:r>
-            <a:r>
-              <a:rPr lang="ko-KR" altLang="en-US" sz="800" b="0" i="0">
-                <a:effectLst/>
-                <a:latin typeface="fkGroteskNeue"/>
-              </a:rPr>
-              <a:t>비율도 가파르게 증가하고 있습니다</a:t>
-            </a:r>
-            <a:r>
-              <a:rPr lang="en-US" altLang="ko-KR" sz="800" b="0" i="0">
-                <a:effectLst/>
-                <a:latin typeface="fkGroteskNeue"/>
-              </a:rPr>
-              <a:t>. </a:t>
-            </a:r>
-          </a:p>
-          <a:p>
-            <a:pPr>
-              <a:defRPr/>
-            </a:pPr>
-            <a:endParaRPr lang="en-US" altLang="ko-KR" sz="800">
-              <a:latin typeface="fkGroteskNeue"/>
-            </a:endParaRPr>
-          </a:p>
-          <a:p>
-            <a:pPr>
-              <a:defRPr/>
-            </a:pPr>
-            <a:r>
-              <a:rPr lang="en-US" altLang="ko-KR" sz="800" b="0" i="0">
-                <a:effectLst/>
-                <a:latin typeface="fkGroteskNeue"/>
-              </a:rPr>
-              <a:t>2022</a:t>
-            </a:r>
-            <a:r>
-              <a:rPr lang="ko-KR" altLang="en-US" sz="800" b="0" i="0">
-                <a:effectLst/>
-                <a:latin typeface="fkGroteskNeue"/>
-              </a:rPr>
-              <a:t>년 기준 우리나라 노인 </a:t>
-            </a:r>
-            <a:r>
-              <a:rPr lang="en-US" altLang="ko-KR" sz="800">
-                <a:latin typeface="fkGroteskNeue"/>
-              </a:rPr>
-              <a:t>4</a:t>
-            </a:r>
-            <a:r>
-              <a:rPr lang="ko-KR" altLang="en-US" sz="800" b="0" i="0">
-                <a:effectLst/>
-                <a:latin typeface="fkGroteskNeue"/>
-              </a:rPr>
-              <a:t>명 중 </a:t>
-            </a:r>
-            <a:r>
-              <a:rPr lang="en-US" altLang="ko-KR" sz="800" b="0" i="0">
-                <a:effectLst/>
-                <a:latin typeface="fkGroteskNeue"/>
-              </a:rPr>
-              <a:t>1</a:t>
-            </a:r>
-            <a:r>
-              <a:rPr lang="ko-KR" altLang="en-US" sz="800" b="0" i="0">
-                <a:effectLst/>
-                <a:latin typeface="fkGroteskNeue"/>
-              </a:rPr>
-              <a:t>명</a:t>
-            </a:r>
-            <a:r>
-              <a:rPr lang="en-US" altLang="ko-KR" sz="800" b="0" i="0">
-                <a:effectLst/>
-                <a:latin typeface="fkGroteskNeue"/>
-              </a:rPr>
-              <a:t>(21.8%)</a:t>
-            </a:r>
-            <a:r>
-              <a:rPr lang="ko-KR" altLang="en-US" sz="800" b="0" i="0">
-                <a:effectLst/>
-                <a:latin typeface="fkGroteskNeue"/>
-              </a:rPr>
-              <a:t>이 혼자 살고 있으며</a:t>
-            </a:r>
-            <a:r>
-              <a:rPr lang="en-US" altLang="ko-KR" sz="800" b="0" i="0">
-                <a:effectLst/>
-                <a:latin typeface="fkGroteskNeue"/>
-              </a:rPr>
-              <a:t>, 2019</a:t>
-            </a:r>
-            <a:r>
-              <a:rPr lang="ko-KR" altLang="en-US" sz="800" b="0" i="0">
-                <a:effectLst/>
-                <a:latin typeface="fkGroteskNeue"/>
-              </a:rPr>
-              <a:t>년에는 독거노인 가구가 </a:t>
-            </a:r>
-            <a:r>
-              <a:rPr lang="en-US" altLang="ko-KR" sz="800" b="0" i="0">
-                <a:effectLst/>
-                <a:latin typeface="fkGroteskNeue"/>
-              </a:rPr>
-              <a:t>153.3</a:t>
-            </a:r>
-            <a:r>
-              <a:rPr lang="ko-KR" altLang="en-US" sz="800" b="0" i="0">
-                <a:effectLst/>
-                <a:latin typeface="fkGroteskNeue"/>
-              </a:rPr>
-              <a:t>만을 돌파했습니다</a:t>
-            </a:r>
-            <a:r>
-              <a:rPr lang="en-US" altLang="ko-KR" sz="800" b="0" i="0">
-                <a:effectLst/>
-                <a:latin typeface="fkGroteskNeue"/>
-              </a:rPr>
-              <a:t>. </a:t>
-            </a:r>
-          </a:p>
-          <a:p>
-            <a:pPr>
-              <a:defRPr/>
-            </a:pPr>
-            <a:endParaRPr lang="en-US" altLang="ko-KR" sz="800" b="0" i="0">
-              <a:effectLst/>
-              <a:latin typeface="fkGroteskNeue"/>
-            </a:endParaRPr>
-          </a:p>
-          <a:p>
-            <a:pPr>
-              <a:defRPr/>
-            </a:pPr>
-            <a:r>
-              <a:rPr lang="ko-KR" altLang="en-US" sz="800" b="0" i="0">
-                <a:effectLst/>
-                <a:latin typeface="fkGroteskNeue"/>
-              </a:rPr>
-              <a:t>핵가족화</a:t>
-            </a:r>
-            <a:r>
-              <a:rPr lang="en-US" altLang="ko-KR" sz="800" b="0" i="0">
-                <a:effectLst/>
-                <a:latin typeface="fkGroteskNeue"/>
-              </a:rPr>
-              <a:t>, </a:t>
-            </a:r>
-            <a:r>
-              <a:rPr lang="ko-KR" altLang="en-US" sz="800" b="0" i="0">
-                <a:effectLst/>
-                <a:latin typeface="fkGroteskNeue"/>
-              </a:rPr>
-              <a:t>가족 돌봄 기능 약화</a:t>
-            </a:r>
-            <a:r>
-              <a:rPr lang="en-US" altLang="ko-KR" sz="800" b="0" i="0">
-                <a:effectLst/>
-                <a:latin typeface="fkGroteskNeue"/>
-              </a:rPr>
-              <a:t>, </a:t>
-            </a:r>
-            <a:r>
-              <a:rPr lang="ko-KR" altLang="en-US" sz="800" b="0" i="0">
-                <a:effectLst/>
-                <a:latin typeface="fkGroteskNeue"/>
-              </a:rPr>
-              <a:t>그리고 노인 스스로 자택 거주를 선호하는 경향이 맞물려 독거노인 비율은 앞으로도 계속 증가할 것으로 보입니다</a:t>
-            </a:r>
-            <a:endParaRPr lang="ko-KR" altLang="en-US" sz="750">
-              <a:solidFill>
-                <a:srgbClr val="808080"/>
-              </a:solidFill>
-              <a:latin typeface="나눔스퀘어_ac Bold"/>
-              <a:ea typeface="나눔스퀘어_ac Bold"/>
-            </a:endParaRPr>
-          </a:p>
-        </p:txBody>
-      </p:sp>
-      <p:sp>
-        <p:nvSpPr>
-          <p:cNvPr id="17" name="TextBox 16">
-            <a:extLst>
-              <a:ext uri="{FF2B5EF4-FFF2-40B4-BE49-F238E27FC236}">
-                <a16:creationId xmlns:a16="http://schemas.microsoft.com/office/drawing/2014/main" id="{EDA0BFF2-87C5-0913-0B21-34871ABE5692}"/>
-              </a:ext>
-            </a:extLst>
-          </p:cNvPr>
-          <p:cNvSpPr txBox="1"/>
-          <p:nvPr/>
-        </p:nvSpPr>
-        <p:spPr>
-          <a:xfrm>
-            <a:off x="7659294" y="5157216"/>
-            <a:ext cx="2160270" cy="1323439"/>
-          </a:xfrm>
-          <a:prstGeom prst="rect">
-            <a:avLst/>
-          </a:prstGeom>
-        </p:spPr>
-        <p:txBody>
-          <a:bodyPr wrap="square">
-            <a:spAutoFit/>
-          </a:bodyPr>
-          <a:lstStyle/>
-          <a:p>
-            <a:pPr>
-              <a:defRPr/>
-            </a:pPr>
-            <a:r>
-              <a:rPr lang="ko-KR" altLang="en-US" sz="800" b="0" i="0">
-                <a:effectLst/>
-                <a:latin typeface="fkGroteskNeue"/>
-              </a:rPr>
-              <a:t>다만</a:t>
-            </a:r>
-            <a:r>
-              <a:rPr lang="en-US" altLang="ko-KR" sz="800" b="0" i="0">
-                <a:effectLst/>
-                <a:latin typeface="fkGroteskNeue"/>
-              </a:rPr>
-              <a:t>, </a:t>
-            </a:r>
-            <a:r>
-              <a:rPr lang="ko-KR" altLang="en-US" sz="800" b="0" i="0">
-                <a:effectLst/>
-                <a:latin typeface="fkGroteskNeue"/>
-              </a:rPr>
-              <a:t>이러한 독거노인의 가구 형태는 정상적으로 생활을 할 수 없는 상태입니다</a:t>
-            </a:r>
-            <a:r>
-              <a:rPr lang="en-US" altLang="ko-KR" sz="800" b="0" i="0">
-                <a:effectLst/>
-                <a:latin typeface="fkGroteskNeue"/>
-              </a:rPr>
-              <a:t>.</a:t>
-            </a:r>
-            <a:endParaRPr lang="en-US" altLang="ko-KR" sz="800">
-              <a:latin typeface="fkGroteskNeue"/>
-            </a:endParaRPr>
-          </a:p>
-          <a:p>
-            <a:pPr>
-              <a:defRPr/>
-            </a:pPr>
-            <a:endParaRPr lang="en-US" altLang="ko-KR" sz="800">
-              <a:latin typeface="fkGroteskNeue"/>
-            </a:endParaRPr>
-          </a:p>
-          <a:p>
-            <a:pPr>
-              <a:defRPr/>
-            </a:pPr>
-            <a:r>
-              <a:rPr lang="ko-KR" altLang="en-US" sz="800">
-                <a:latin typeface="fkGroteskNeue"/>
-              </a:rPr>
-              <a:t>혼자 무언가를 하기 어려운 노인인데 </a:t>
-            </a:r>
-            <a:r>
-              <a:rPr lang="en-US" altLang="ko-KR" sz="800">
-                <a:latin typeface="fkGroteskNeue"/>
-              </a:rPr>
-              <a:t>1</a:t>
-            </a:r>
-            <a:r>
-              <a:rPr lang="ko-KR" altLang="en-US" sz="800">
-                <a:latin typeface="fkGroteskNeue"/>
-              </a:rPr>
-              <a:t>인 가구이기까지 해서 의식주 같은 기초적인 생활 자체가 어렵기 때문입니다</a:t>
-            </a:r>
-            <a:r>
-              <a:rPr lang="en-US" altLang="ko-KR" sz="800">
-                <a:latin typeface="fkGroteskNeue"/>
-              </a:rPr>
-              <a:t>.</a:t>
-            </a:r>
-          </a:p>
-          <a:p>
-            <a:pPr>
-              <a:defRPr/>
-            </a:pPr>
-            <a:endParaRPr lang="en-US" altLang="ko-KR" sz="800">
-              <a:latin typeface="fkGroteskNeue"/>
-            </a:endParaRPr>
-          </a:p>
-          <a:p>
-            <a:pPr>
-              <a:defRPr/>
-            </a:pPr>
-            <a:r>
-              <a:rPr lang="ko-KR" altLang="en-US" sz="800" b="0" i="0">
-                <a:effectLst/>
-                <a:latin typeface="fkGroteskNeue"/>
-              </a:rPr>
-              <a:t>특히 간호</a:t>
-            </a:r>
-            <a:r>
-              <a:rPr lang="en-US" altLang="ko-KR" sz="800" b="0" i="0">
-                <a:effectLst/>
-                <a:latin typeface="fkGroteskNeue"/>
-              </a:rPr>
-              <a:t>, </a:t>
-            </a:r>
-            <a:r>
-              <a:rPr lang="ko-KR" altLang="en-US" sz="800" b="0" i="0">
-                <a:effectLst/>
-                <a:latin typeface="fkGroteskNeue"/>
-              </a:rPr>
-              <a:t>심리적 외로움</a:t>
-            </a:r>
-            <a:r>
-              <a:rPr lang="en-US" altLang="ko-KR" sz="800">
-                <a:latin typeface="fkGroteskNeue"/>
-              </a:rPr>
-              <a:t>, </a:t>
-            </a:r>
-            <a:r>
-              <a:rPr lang="ko-KR" altLang="en-US" sz="800">
-                <a:latin typeface="fkGroteskNeue"/>
-              </a:rPr>
-              <a:t>경제적 불안감 부분에서 많은 문제를 겪어 정부차원에서도 여러가지 지원을 하고 있는 상태입니다</a:t>
-            </a:r>
-            <a:r>
-              <a:rPr lang="en-US" altLang="ko-KR" sz="800">
-                <a:latin typeface="fkGroteskNeue"/>
-              </a:rPr>
-              <a:t>.</a:t>
-            </a:r>
-            <a:endParaRPr lang="en-US" altLang="ko-KR" sz="800" b="0" i="0">
-              <a:effectLst/>
-              <a:latin typeface="fkGroteskNeue"/>
-            </a:endParaRPr>
-          </a:p>
-        </p:txBody>
-      </p:sp>
     </p:spTree>
     <p:extLst>
       <p:ext uri="{BB962C8B-B14F-4D97-AF65-F5344CB8AC3E}">
@@ -9822,14 +9747,14 @@
     <mc:Choice Requires="p14">
       <p:transition/>
     </mc:Choice>
-    <mc:Fallback xmlns="" xmlns:c="http://schemas.openxmlformats.org/drawingml/2006/chart" xmlns:dgm="http://schemas.openxmlformats.org/drawingml/2006/diagram" xmlns:dsp="http://schemas.microsoft.com/office/drawing/2008/diagram">
+    <mc:Fallback xmlns:dsp="http://schemas.microsoft.com/office/drawing/2008/diagram" xmlns:dgm="http://schemas.openxmlformats.org/drawingml/2006/diagram" xmlns:c="http://schemas.openxmlformats.org/drawingml/2006/chart" xmlns="">
       <p:transition/>
     </mc:Fallback>
   </mc:AlternateContent>
 </p:sld>
 </file>
 
-<file path=ppt/slides/slide5.xml><?xml version="1.0" encoding="utf-8"?>
+<file path=ppt/slides/slide6.xml><?xml version="1.0" encoding="utf-8"?>
 <p:sld xmlns:a="http://schemas.openxmlformats.org/drawingml/2006/main" xmlns:r="http://schemas.openxmlformats.org/officeDocument/2006/relationships" xmlns:p="http://schemas.openxmlformats.org/presentationml/2006/main">
   <p:cSld>
     <p:spTree>
@@ -9982,14 +9907,14 @@
     <mc:Choice Requires="p14">
       <p:transition/>
     </mc:Choice>
-    <mc:Fallback xmlns="" xmlns:c="http://schemas.openxmlformats.org/drawingml/2006/chart" xmlns:dgm="http://schemas.openxmlformats.org/drawingml/2006/diagram" xmlns:dsp="http://schemas.microsoft.com/office/drawing/2008/diagram">
+    <mc:Fallback xmlns:dsp="http://schemas.microsoft.com/office/drawing/2008/diagram" xmlns:dgm="http://schemas.openxmlformats.org/drawingml/2006/diagram" xmlns:c="http://schemas.openxmlformats.org/drawingml/2006/chart" xmlns="">
       <p:transition/>
     </mc:Fallback>
   </mc:AlternateContent>
 </p:sld>
 </file>
 
-<file path=ppt/slides/slide6.xml><?xml version="1.0" encoding="utf-8"?>
+<file path=ppt/slides/slide7.xml><?xml version="1.0" encoding="utf-8"?>
 <p:sld xmlns:a="http://schemas.openxmlformats.org/drawingml/2006/main" xmlns:r="http://schemas.openxmlformats.org/officeDocument/2006/relationships" xmlns:p="http://schemas.openxmlformats.org/presentationml/2006/main">
   <p:cSld>
     <p:spTree>
@@ -10142,14 +10067,14 @@
     <mc:Choice Requires="p14">
       <p:transition/>
     </mc:Choice>
-    <mc:Fallback xmlns="" xmlns:c="http://schemas.openxmlformats.org/drawingml/2006/chart" xmlns:dgm="http://schemas.openxmlformats.org/drawingml/2006/diagram" xmlns:dsp="http://schemas.microsoft.com/office/drawing/2008/diagram">
+    <mc:Fallback xmlns:dsp="http://schemas.microsoft.com/office/drawing/2008/diagram" xmlns:dgm="http://schemas.openxmlformats.org/drawingml/2006/diagram" xmlns:c="http://schemas.openxmlformats.org/drawingml/2006/chart" xmlns="">
       <p:transition/>
     </mc:Fallback>
   </mc:AlternateContent>
 </p:sld>
 </file>
 
-<file path=ppt/slides/slide7.xml><?xml version="1.0" encoding="utf-8"?>
+<file path=ppt/slides/slide8.xml><?xml version="1.0" encoding="utf-8"?>
 <p:sld xmlns:a="http://schemas.openxmlformats.org/drawingml/2006/main" xmlns:r="http://schemas.openxmlformats.org/officeDocument/2006/relationships" xmlns:p="http://schemas.openxmlformats.org/presentationml/2006/main">
   <p:cSld>
     <p:spTree>
@@ -10302,14 +10227,14 @@
     <mc:Choice Requires="p14">
       <p:transition/>
     </mc:Choice>
-    <mc:Fallback xmlns="" xmlns:c="http://schemas.openxmlformats.org/drawingml/2006/chart" xmlns:dgm="http://schemas.openxmlformats.org/drawingml/2006/diagram" xmlns:dsp="http://schemas.microsoft.com/office/drawing/2008/diagram">
+    <mc:Fallback xmlns:dsp="http://schemas.microsoft.com/office/drawing/2008/diagram" xmlns:dgm="http://schemas.openxmlformats.org/drawingml/2006/diagram" xmlns:c="http://schemas.openxmlformats.org/drawingml/2006/chart" xmlns="">
       <p:transition/>
     </mc:Fallback>
   </mc:AlternateContent>
 </p:sld>
 </file>
 
-<file path=ppt/slides/slide8.xml><?xml version="1.0" encoding="utf-8"?>
+<file path=ppt/slides/slide9.xml><?xml version="1.0" encoding="utf-8"?>
 <p:sld xmlns:a="http://schemas.openxmlformats.org/drawingml/2006/main" xmlns:r="http://schemas.openxmlformats.org/officeDocument/2006/relationships" xmlns:p="http://schemas.openxmlformats.org/presentationml/2006/main">
   <p:cSld>
     <p:spTree>
@@ -10462,764 +10387,7 @@
     <mc:Choice Requires="p14">
       <p:transition/>
     </mc:Choice>
-    <mc:Fallback xmlns="" xmlns:c="http://schemas.openxmlformats.org/drawingml/2006/chart" xmlns:dgm="http://schemas.openxmlformats.org/drawingml/2006/diagram" xmlns:dsp="http://schemas.microsoft.com/office/drawing/2008/diagram">
-      <p:transition/>
-    </mc:Fallback>
-  </mc:AlternateContent>
-</p:sld>
-</file>
-
-<file path=ppt/slides/slide9.xml><?xml version="1.0" encoding="utf-8"?>
-<p:sld xmlns:a="http://schemas.openxmlformats.org/drawingml/2006/main" xmlns:r="http://schemas.openxmlformats.org/officeDocument/2006/relationships" xmlns:p="http://schemas.openxmlformats.org/presentationml/2006/main">
-  <p:cSld>
-    <p:spTree>
-      <p:nvGrpSpPr>
-        <p:cNvPr id="1" name=""/>
-        <p:cNvGrpSpPr/>
-        <p:nvPr/>
-      </p:nvGrpSpPr>
-      <p:grpSpPr>
-        <a:xfrm>
-          <a:off x="0" y="0"/>
-          <a:ext cx="0" cy="0"/>
-          <a:chOff x="0" y="0"/>
-          <a:chExt cx="0" cy="0"/>
-        </a:xfrm>
-      </p:grpSpPr>
-      <p:sp>
-        <p:nvSpPr>
-          <p:cNvPr id="6" name="TextBox 5"/>
-          <p:cNvSpPr txBox="1"/>
-          <p:nvPr/>
-        </p:nvSpPr>
-        <p:spPr>
-          <a:xfrm>
-            <a:off x="511264" y="392049"/>
-            <a:ext cx="820331" cy="300609"/>
-          </a:xfrm>
-          <a:prstGeom prst="rect">
-            <a:avLst/>
-          </a:prstGeom>
-        </p:spPr>
-        <p:txBody>
-          <a:bodyPr wrap="none">
-            <a:spAutoFit/>
-          </a:bodyPr>
-          <a:lstStyle/>
-          <a:p>
-            <a:pPr algn="ctr">
-              <a:defRPr/>
-            </a:pPr>
-            <a:r>
-              <a:rPr lang="en-US" altLang="ko-KR" sz="1400">
-                <a:solidFill>
-                  <a:srgbClr val="0F3158"/>
-                </a:solidFill>
-                <a:latin typeface="나눔스퀘어_ac ExtraBold"/>
-                <a:ea typeface="나눔스퀘어_ac ExtraBold"/>
-              </a:rPr>
-              <a:t>01.</a:t>
-            </a:r>
-            <a:r>
-              <a:rPr lang="ko-KR" altLang="en-US" sz="1400">
-                <a:solidFill>
-                  <a:srgbClr val="0F3158"/>
-                </a:solidFill>
-                <a:latin typeface="나눔스퀘어_ac ExtraBold"/>
-                <a:ea typeface="나눔스퀘어_ac ExtraBold"/>
-              </a:rPr>
-              <a:t> 주제</a:t>
-            </a:r>
-          </a:p>
-        </p:txBody>
-      </p:sp>
-      <p:sp>
-        <p:nvSpPr>
-          <p:cNvPr id="7" name="TextBox 6"/>
-          <p:cNvSpPr txBox="1"/>
-          <p:nvPr/>
-        </p:nvSpPr>
-        <p:spPr>
-          <a:xfrm>
-            <a:off x="511264" y="615696"/>
-            <a:ext cx="1077506" cy="364998"/>
-          </a:xfrm>
-          <a:prstGeom prst="rect">
-            <a:avLst/>
-          </a:prstGeom>
-        </p:spPr>
-        <p:txBody>
-          <a:bodyPr wrap="none">
-            <a:spAutoFit/>
-          </a:bodyPr>
-          <a:lstStyle/>
-          <a:p>
-            <a:pPr algn="ctr">
-              <a:defRPr/>
-            </a:pPr>
-            <a:r>
-              <a:rPr lang="ko-KR" altLang="en-US" sz="1200">
-                <a:solidFill>
-                  <a:srgbClr val="A9AAAA"/>
-                </a:solidFill>
-                <a:latin typeface="나눔스퀘어_ac Bold"/>
-                <a:ea typeface="나눔스퀘어_ac Bold"/>
-              </a:rPr>
-              <a:t>소주제</a:t>
-            </a:r>
-            <a:r>
-              <a:rPr lang="ko-KR" altLang="en-US">
-                <a:solidFill>
-                  <a:srgbClr val="A9AAAA"/>
-                </a:solidFill>
-                <a:latin typeface="나눔스퀘어_ac Bold"/>
-                <a:ea typeface="나눔스퀘어_ac Bold"/>
-              </a:rPr>
-              <a:t> </a:t>
-            </a:r>
-            <a:r>
-              <a:rPr lang="ko-KR" altLang="en-US" sz="1200">
-                <a:solidFill>
-                  <a:srgbClr val="A9AAAA"/>
-                </a:solidFill>
-                <a:latin typeface="나눔스퀘어_ac Bold"/>
-                <a:ea typeface="나눔스퀘어_ac Bold"/>
-              </a:rPr>
-              <a:t>및 설명</a:t>
-            </a:r>
-          </a:p>
-        </p:txBody>
-      </p:sp>
-      <p:sp>
-        <p:nvSpPr>
-          <p:cNvPr id="8" name="TextBox 7"/>
-          <p:cNvSpPr txBox="1"/>
-          <p:nvPr/>
-        </p:nvSpPr>
-        <p:spPr>
-          <a:xfrm>
-            <a:off x="9566910" y="392049"/>
-            <a:ext cx="1259205" cy="243840"/>
-          </a:xfrm>
-          <a:prstGeom prst="rect">
-            <a:avLst/>
-          </a:prstGeom>
-        </p:spPr>
-        <p:txBody>
-          <a:bodyPr wrap="none">
-            <a:spAutoFit/>
-          </a:bodyPr>
-          <a:lstStyle/>
-          <a:p>
-            <a:pPr algn="ctr">
-              <a:defRPr/>
-            </a:pPr>
-            <a:r>
-              <a:rPr lang="ko-KR" altLang="en-US" sz="1000">
-                <a:solidFill>
-                  <a:srgbClr val="0F3158"/>
-                </a:solidFill>
-                <a:latin typeface="나눔스퀘어_ac ExtraBold"/>
-                <a:ea typeface="나눔스퀘어_ac ExtraBold"/>
-              </a:rPr>
-              <a:t>과목명 </a:t>
-            </a:r>
-            <a:r>
-              <a:rPr lang="en-US" altLang="ko-KR" sz="1000">
-                <a:solidFill>
-                  <a:srgbClr val="0F3158"/>
-                </a:solidFill>
-                <a:latin typeface="나눔스퀘어_ac ExtraBold"/>
-                <a:ea typeface="나눔스퀘어_ac ExtraBold"/>
-              </a:rPr>
-              <a:t>or </a:t>
-            </a:r>
-            <a:r>
-              <a:rPr lang="ko-KR" altLang="en-US" sz="1000">
-                <a:solidFill>
-                  <a:srgbClr val="0F3158"/>
-                </a:solidFill>
-                <a:latin typeface="나눔스퀘어_ac ExtraBold"/>
-                <a:ea typeface="나눔스퀘어_ac ExtraBold"/>
-              </a:rPr>
-              <a:t>프로젝트명</a:t>
-            </a:r>
-          </a:p>
-        </p:txBody>
-      </p:sp>
-      <p:sp>
-        <p:nvSpPr>
-          <p:cNvPr id="18" name="직사각형 17"/>
-          <p:cNvSpPr/>
-          <p:nvPr/>
-        </p:nvSpPr>
-        <p:spPr>
-          <a:xfrm>
-            <a:off x="439255" y="392049"/>
-            <a:ext cx="45720" cy="588645"/>
-          </a:xfrm>
-          <a:prstGeom prst="rect">
-            <a:avLst/>
-          </a:prstGeom>
-          <a:solidFill>
-            <a:srgbClr val="0F3158"/>
-          </a:solidFill>
-          <a:ln>
-            <a:noFill/>
-          </a:ln>
-        </p:spPr>
-        <p:style>
-          <a:lnRef idx="2">
-            <a:schemeClr val="accent1">
-              <a:shade val="20000"/>
-            </a:schemeClr>
-          </a:lnRef>
-          <a:fillRef idx="1">
-            <a:schemeClr val="accent1"/>
-          </a:fillRef>
-          <a:effectRef idx="0">
-            <a:schemeClr val="accent1"/>
-          </a:effectRef>
-          <a:fontRef idx="minor">
-            <a:schemeClr val="lt1"/>
-          </a:fontRef>
-        </p:style>
-        <p:txBody>
-          <a:bodyPr anchor="ctr"/>
-          <a:lstStyle/>
-          <a:p>
-            <a:pPr algn="ctr">
-              <a:defRPr/>
-            </a:pPr>
-            <a:endParaRPr lang="ko-KR" altLang="en-US">
-              <a:noFill/>
-            </a:endParaRPr>
-          </a:p>
-        </p:txBody>
-      </p:sp>
-      <p:sp>
-        <p:nvSpPr>
-          <p:cNvPr id="9" name="TextBox 8"/>
-          <p:cNvSpPr txBox="1"/>
-          <p:nvPr/>
-        </p:nvSpPr>
-        <p:spPr>
-          <a:xfrm>
-            <a:off x="2065029" y="4419981"/>
-            <a:ext cx="600932" cy="377190"/>
-          </a:xfrm>
-          <a:prstGeom prst="rect">
-            <a:avLst/>
-          </a:prstGeom>
-        </p:spPr>
-        <p:txBody>
-          <a:bodyPr wrap="none">
-            <a:spAutoFit/>
-          </a:bodyPr>
-          <a:lstStyle/>
-          <a:p>
-            <a:pPr algn="ctr">
-              <a:defRPr/>
-            </a:pPr>
-            <a:r>
-              <a:rPr lang="ko-KR" altLang="en-US" sz="1900">
-                <a:latin typeface="나눔스퀘어_ac ExtraBold"/>
-                <a:ea typeface="나눔스퀘어_ac ExtraBold"/>
-              </a:rPr>
-              <a:t>제목</a:t>
-            </a:r>
-          </a:p>
-        </p:txBody>
-      </p:sp>
-      <p:sp>
-        <p:nvSpPr>
-          <p:cNvPr id="14" name="TextBox 13"/>
-          <p:cNvSpPr txBox="1"/>
-          <p:nvPr/>
-        </p:nvSpPr>
-        <p:spPr>
-          <a:xfrm>
-            <a:off x="1285361" y="5157216"/>
-            <a:ext cx="2160270" cy="548640"/>
-          </a:xfrm>
-          <a:prstGeom prst="rect">
-            <a:avLst/>
-          </a:prstGeom>
-        </p:spPr>
-        <p:txBody>
-          <a:bodyPr wrap="square">
-            <a:spAutoFit/>
-          </a:bodyPr>
-          <a:lstStyle/>
-          <a:p>
-            <a:pPr algn="ctr">
-              <a:defRPr/>
-            </a:pPr>
-            <a:r>
-              <a:rPr lang="ko-KR" altLang="en-US" sz="750">
-                <a:solidFill>
-                  <a:srgbClr val="808080"/>
-                </a:solidFill>
-                <a:latin typeface="나눔스퀘어_ac Bold"/>
-                <a:ea typeface="나눔스퀘어_ac Bold"/>
-              </a:rPr>
-              <a:t>리도 못 가서 발병난다. 내가 그의 이름을 불러 주었을 때 그는  돌같이 하라 뭉치면 살고 흩어지면 죽는다. 이 몸이 죽고 죽어 일백번 고쳐 죽어고 임 향한 일편단심 가실 줄이 있으랴. 관용은 미덕이다. </a:t>
-            </a:r>
-          </a:p>
-        </p:txBody>
-      </p:sp>
-      <p:sp>
-        <p:nvSpPr>
-          <p:cNvPr id="15" name="직사각형 14"/>
-          <p:cNvSpPr/>
-          <p:nvPr/>
-        </p:nvSpPr>
-        <p:spPr>
-          <a:xfrm>
-            <a:off x="1285361" y="1988820"/>
-            <a:ext cx="2160270" cy="2203513"/>
-          </a:xfrm>
-          <a:prstGeom prst="rect">
-            <a:avLst/>
-          </a:prstGeom>
-          <a:solidFill>
-            <a:srgbClr val="0F3158"/>
-          </a:solidFill>
-          <a:ln>
-            <a:noFill/>
-          </a:ln>
-        </p:spPr>
-        <p:style>
-          <a:lnRef idx="2">
-            <a:schemeClr val="accent1">
-              <a:shade val="20000"/>
-            </a:schemeClr>
-          </a:lnRef>
-          <a:fillRef idx="1">
-            <a:schemeClr val="accent1"/>
-          </a:fillRef>
-          <a:effectRef idx="0">
-            <a:schemeClr val="accent1"/>
-          </a:effectRef>
-          <a:fontRef idx="minor">
-            <a:schemeClr val="lt1"/>
-          </a:fontRef>
-        </p:style>
-        <p:txBody>
-          <a:bodyPr anchor="ctr"/>
-          <a:lstStyle/>
-          <a:p>
-            <a:pPr algn="ctr">
-              <a:defRPr/>
-            </a:pPr>
-            <a:endParaRPr lang="ko-KR" altLang="en-US">
-              <a:noFill/>
-            </a:endParaRPr>
-          </a:p>
-        </p:txBody>
-      </p:sp>
-      <p:sp>
-        <p:nvSpPr>
-          <p:cNvPr id="16" name="타원 15"/>
-          <p:cNvSpPr/>
-          <p:nvPr/>
-        </p:nvSpPr>
-        <p:spPr>
-          <a:xfrm>
-            <a:off x="2329491" y="4869180"/>
-            <a:ext cx="72009" cy="72009"/>
-          </a:xfrm>
-          <a:prstGeom prst="ellipse">
-            <a:avLst/>
-          </a:prstGeom>
-          <a:solidFill>
-            <a:srgbClr val="0F3158"/>
-          </a:solidFill>
-          <a:ln>
-            <a:noFill/>
-          </a:ln>
-        </p:spPr>
-        <p:style>
-          <a:lnRef idx="2">
-            <a:schemeClr val="accent1">
-              <a:shade val="20000"/>
-            </a:schemeClr>
-          </a:lnRef>
-          <a:fillRef idx="1">
-            <a:schemeClr val="accent1"/>
-          </a:fillRef>
-          <a:effectRef idx="0">
-            <a:schemeClr val="accent1"/>
-          </a:effectRef>
-          <a:fontRef idx="minor">
-            <a:schemeClr val="lt1"/>
-          </a:fontRef>
-        </p:style>
-        <p:txBody>
-          <a:bodyPr anchor="ctr"/>
-          <a:lstStyle/>
-          <a:p>
-            <a:pPr algn="ctr">
-              <a:defRPr/>
-            </a:pPr>
-            <a:endParaRPr lang="ko-KR" altLang="en-US">
-              <a:noFill/>
-            </a:endParaRPr>
-          </a:p>
-        </p:txBody>
-      </p:sp>
-      <p:sp>
-        <p:nvSpPr>
-          <p:cNvPr id="19" name="TextBox 18"/>
-          <p:cNvSpPr txBox="1"/>
-          <p:nvPr/>
-        </p:nvSpPr>
-        <p:spPr>
-          <a:xfrm>
-            <a:off x="5251427" y="4419981"/>
-            <a:ext cx="601589" cy="377190"/>
-          </a:xfrm>
-          <a:prstGeom prst="rect">
-            <a:avLst/>
-          </a:prstGeom>
-        </p:spPr>
-        <p:txBody>
-          <a:bodyPr wrap="none">
-            <a:spAutoFit/>
-          </a:bodyPr>
-          <a:lstStyle/>
-          <a:p>
-            <a:pPr algn="ctr">
-              <a:defRPr/>
-            </a:pPr>
-            <a:r>
-              <a:rPr lang="ko-KR" altLang="en-US" sz="1900">
-                <a:latin typeface="나눔스퀘어_ac ExtraBold"/>
-                <a:ea typeface="나눔스퀘어_ac ExtraBold"/>
-              </a:rPr>
-              <a:t>제목</a:t>
-            </a:r>
-          </a:p>
-        </p:txBody>
-      </p:sp>
-      <p:sp>
-        <p:nvSpPr>
-          <p:cNvPr id="20" name="TextBox 19"/>
-          <p:cNvSpPr txBox="1"/>
-          <p:nvPr/>
-        </p:nvSpPr>
-        <p:spPr>
-          <a:xfrm>
-            <a:off x="4471759" y="5157216"/>
-            <a:ext cx="2160270" cy="548640"/>
-          </a:xfrm>
-          <a:prstGeom prst="rect">
-            <a:avLst/>
-          </a:prstGeom>
-        </p:spPr>
-        <p:txBody>
-          <a:bodyPr wrap="square">
-            <a:spAutoFit/>
-          </a:bodyPr>
-          <a:lstStyle/>
-          <a:p>
-            <a:pPr algn="ctr">
-              <a:defRPr/>
-            </a:pPr>
-            <a:r>
-              <a:rPr lang="ko-KR" altLang="en-US" sz="750">
-                <a:solidFill>
-                  <a:srgbClr val="808080"/>
-                </a:solidFill>
-                <a:latin typeface="나눔스퀘어_ac Bold"/>
-                <a:ea typeface="나눔스퀘어_ac Bold"/>
-              </a:rPr>
-              <a:t>리도 못 가서 발병난다. 내가 그의 이름을 불러 주었을 때 그는  돌같이 하라 뭉치면 살고 흩어지면 죽는다. 이 몸이 죽고 죽어 일백번 고쳐 죽어고 임 향한 일편단심 가실 줄이 있으랴. 관용은 미덕이다. </a:t>
-            </a:r>
-          </a:p>
-        </p:txBody>
-      </p:sp>
-      <p:sp>
-        <p:nvSpPr>
-          <p:cNvPr id="21" name="직사각형 20"/>
-          <p:cNvSpPr/>
-          <p:nvPr/>
-        </p:nvSpPr>
-        <p:spPr>
-          <a:xfrm>
-            <a:off x="4471759" y="1988820"/>
-            <a:ext cx="2160270" cy="2203513"/>
-          </a:xfrm>
-          <a:prstGeom prst="rect">
-            <a:avLst/>
-          </a:prstGeom>
-          <a:solidFill>
-            <a:srgbClr val="0F3158"/>
-          </a:solidFill>
-          <a:ln>
-            <a:noFill/>
-          </a:ln>
-        </p:spPr>
-        <p:style>
-          <a:lnRef idx="2">
-            <a:schemeClr val="accent1">
-              <a:shade val="20000"/>
-            </a:schemeClr>
-          </a:lnRef>
-          <a:fillRef idx="1">
-            <a:schemeClr val="accent1"/>
-          </a:fillRef>
-          <a:effectRef idx="0">
-            <a:schemeClr val="accent1"/>
-          </a:effectRef>
-          <a:fontRef idx="minor">
-            <a:schemeClr val="lt1"/>
-          </a:fontRef>
-        </p:style>
-        <p:txBody>
-          <a:bodyPr anchor="ctr"/>
-          <a:lstStyle/>
-          <a:p>
-            <a:pPr algn="ctr">
-              <a:defRPr/>
-            </a:pPr>
-            <a:endParaRPr lang="ko-KR" altLang="en-US">
-              <a:noFill/>
-            </a:endParaRPr>
-          </a:p>
-        </p:txBody>
-      </p:sp>
-      <p:sp>
-        <p:nvSpPr>
-          <p:cNvPr id="22" name="타원 21"/>
-          <p:cNvSpPr/>
-          <p:nvPr/>
-        </p:nvSpPr>
-        <p:spPr>
-          <a:xfrm>
-            <a:off x="5515890" y="4869180"/>
-            <a:ext cx="72009" cy="72009"/>
-          </a:xfrm>
-          <a:prstGeom prst="ellipse">
-            <a:avLst/>
-          </a:prstGeom>
-          <a:solidFill>
-            <a:srgbClr val="0F3158"/>
-          </a:solidFill>
-          <a:ln>
-            <a:noFill/>
-          </a:ln>
-        </p:spPr>
-        <p:style>
-          <a:lnRef idx="2">
-            <a:schemeClr val="accent1">
-              <a:shade val="20000"/>
-            </a:schemeClr>
-          </a:lnRef>
-          <a:fillRef idx="1">
-            <a:schemeClr val="accent1"/>
-          </a:fillRef>
-          <a:effectRef idx="0">
-            <a:schemeClr val="accent1"/>
-          </a:effectRef>
-          <a:fontRef idx="minor">
-            <a:schemeClr val="lt1"/>
-          </a:fontRef>
-        </p:style>
-        <p:txBody>
-          <a:bodyPr anchor="ctr"/>
-          <a:lstStyle/>
-          <a:p>
-            <a:pPr algn="ctr">
-              <a:defRPr/>
-            </a:pPr>
-            <a:endParaRPr lang="ko-KR" altLang="en-US">
-              <a:noFill/>
-            </a:endParaRPr>
-          </a:p>
-        </p:txBody>
-      </p:sp>
-      <p:sp>
-        <p:nvSpPr>
-          <p:cNvPr id="23" name="TextBox 22"/>
-          <p:cNvSpPr txBox="1"/>
-          <p:nvPr/>
-        </p:nvSpPr>
-        <p:spPr>
-          <a:xfrm>
-            <a:off x="8437825" y="4419981"/>
-            <a:ext cx="601686" cy="377190"/>
-          </a:xfrm>
-          <a:prstGeom prst="rect">
-            <a:avLst/>
-          </a:prstGeom>
-        </p:spPr>
-        <p:txBody>
-          <a:bodyPr wrap="square">
-            <a:spAutoFit/>
-          </a:bodyPr>
-          <a:lstStyle/>
-          <a:p>
-            <a:pPr algn="ctr">
-              <a:defRPr/>
-            </a:pPr>
-            <a:r>
-              <a:rPr lang="ko-KR" altLang="en-US" sz="1900">
-                <a:latin typeface="나눔스퀘어_ac ExtraBold"/>
-                <a:ea typeface="나눔스퀘어_ac ExtraBold"/>
-              </a:rPr>
-              <a:t>제목</a:t>
-            </a:r>
-          </a:p>
-        </p:txBody>
-      </p:sp>
-      <p:sp>
-        <p:nvSpPr>
-          <p:cNvPr id="24" name="TextBox 23"/>
-          <p:cNvSpPr txBox="1"/>
-          <p:nvPr/>
-        </p:nvSpPr>
-        <p:spPr>
-          <a:xfrm>
-            <a:off x="7658157" y="5157216"/>
-            <a:ext cx="2160270" cy="548640"/>
-          </a:xfrm>
-          <a:prstGeom prst="rect">
-            <a:avLst/>
-          </a:prstGeom>
-        </p:spPr>
-        <p:txBody>
-          <a:bodyPr wrap="square">
-            <a:spAutoFit/>
-          </a:bodyPr>
-          <a:lstStyle/>
-          <a:p>
-            <a:pPr algn="ctr">
-              <a:defRPr/>
-            </a:pPr>
-            <a:r>
-              <a:rPr lang="ko-KR" altLang="en-US" sz="750">
-                <a:solidFill>
-                  <a:srgbClr val="808080"/>
-                </a:solidFill>
-                <a:latin typeface="나눔스퀘어_ac Bold"/>
-                <a:ea typeface="나눔스퀘어_ac Bold"/>
-              </a:rPr>
-              <a:t>리도 못 가서 발병난다. 내가 그의 이름을 불러 주었을 때 그는  돌같이 하라 뭉치면 살고 흩어지면 죽는다. 이 몸이 죽고 죽어 일백번 고쳐 죽어고 임 향한 일편단심 가실 줄이 있으랴. 관용은 미덕이다. </a:t>
-            </a:r>
-          </a:p>
-        </p:txBody>
-      </p:sp>
-      <p:sp>
-        <p:nvSpPr>
-          <p:cNvPr id="25" name="직사각형 24"/>
-          <p:cNvSpPr/>
-          <p:nvPr/>
-        </p:nvSpPr>
-        <p:spPr>
-          <a:xfrm>
-            <a:off x="7658157" y="1988820"/>
-            <a:ext cx="2160270" cy="2203513"/>
-          </a:xfrm>
-          <a:prstGeom prst="rect">
-            <a:avLst/>
-          </a:prstGeom>
-          <a:solidFill>
-            <a:srgbClr val="0F3158"/>
-          </a:solidFill>
-          <a:ln>
-            <a:noFill/>
-          </a:ln>
-        </p:spPr>
-        <p:style>
-          <a:lnRef idx="2">
-            <a:schemeClr val="accent1">
-              <a:shade val="20000"/>
-            </a:schemeClr>
-          </a:lnRef>
-          <a:fillRef idx="1">
-            <a:schemeClr val="accent1"/>
-          </a:fillRef>
-          <a:effectRef idx="0">
-            <a:schemeClr val="accent1"/>
-          </a:effectRef>
-          <a:fontRef idx="minor">
-            <a:schemeClr val="lt1"/>
-          </a:fontRef>
-        </p:style>
-        <p:txBody>
-          <a:bodyPr anchor="ctr"/>
-          <a:lstStyle/>
-          <a:p>
-            <a:pPr algn="ctr">
-              <a:defRPr/>
-            </a:pPr>
-            <a:endParaRPr lang="ko-KR" altLang="en-US">
-              <a:noFill/>
-            </a:endParaRPr>
-          </a:p>
-        </p:txBody>
-      </p:sp>
-      <p:sp>
-        <p:nvSpPr>
-          <p:cNvPr id="26" name="타원 25"/>
-          <p:cNvSpPr/>
-          <p:nvPr/>
-        </p:nvSpPr>
-        <p:spPr>
-          <a:xfrm>
-            <a:off x="8702288" y="4869180"/>
-            <a:ext cx="72009" cy="72009"/>
-          </a:xfrm>
-          <a:prstGeom prst="ellipse">
-            <a:avLst/>
-          </a:prstGeom>
-          <a:solidFill>
-            <a:srgbClr val="0F3158"/>
-          </a:solidFill>
-          <a:ln>
-            <a:noFill/>
-          </a:ln>
-        </p:spPr>
-        <p:style>
-          <a:lnRef idx="2">
-            <a:schemeClr val="accent1">
-              <a:shade val="20000"/>
-            </a:schemeClr>
-          </a:lnRef>
-          <a:fillRef idx="1">
-            <a:schemeClr val="accent1"/>
-          </a:fillRef>
-          <a:effectRef idx="0">
-            <a:schemeClr val="accent1"/>
-          </a:effectRef>
-          <a:fontRef idx="minor">
-            <a:schemeClr val="lt1"/>
-          </a:fontRef>
-        </p:style>
-        <p:txBody>
-          <a:bodyPr anchor="ctr"/>
-          <a:lstStyle/>
-          <a:p>
-            <a:pPr algn="ctr">
-              <a:defRPr/>
-            </a:pPr>
-            <a:endParaRPr lang="ko-KR" altLang="en-US">
-              <a:noFill/>
-            </a:endParaRPr>
-          </a:p>
-        </p:txBody>
-      </p:sp>
-    </p:spTree>
-  </p:cSld>
-  <p:clrMapOvr>
-    <a:masterClrMapping/>
-  </p:clrMapOvr>
-  <mc:AlternateContent xmlns:mc="http://schemas.openxmlformats.org/markup-compatibility/2006" xmlns:p14="http://schemas.microsoft.com/office/powerpoint/2010/main">
-    <mc:Choice Requires="p14">
-      <p:transition/>
-    </mc:Choice>
-    <mc:Fallback xmlns="" xmlns:c="http://schemas.openxmlformats.org/drawingml/2006/chart" xmlns:dgm="http://schemas.openxmlformats.org/drawingml/2006/diagram" xmlns:dsp="http://schemas.microsoft.com/office/drawing/2008/diagram">
+    <mc:Fallback xmlns:dsp="http://schemas.microsoft.com/office/drawing/2008/diagram" xmlns:dgm="http://schemas.openxmlformats.org/drawingml/2006/diagram" xmlns:c="http://schemas.openxmlformats.org/drawingml/2006/chart" xmlns="">
       <p:transition/>
     </mc:Fallback>
   </mc:AlternateContent>

--- a/1.PrecisionLandingModule/1.ReasearchNote/FinalReport/캡스톤디자인 최종 발표 ICT융합학부 2018045323 김교원.pptx
+++ b/1.PrecisionLandingModule/1.ReasearchNote/FinalReport/캡스톤디자인 최종 발표 ICT융합학부 2018045323 김교원.pptx
@@ -5,25 +5,25 @@
     <p:sldMasterId id="2147483733" r:id="rId1"/>
   </p:sldMasterIdLst>
   <p:sldIdLst>
-    <p:sldId id="270" r:id="rId2"/>
-    <p:sldId id="256" r:id="rId3"/>
-    <p:sldId id="257" r:id="rId4"/>
-    <p:sldId id="258" r:id="rId5"/>
-    <p:sldId id="269" r:id="rId6"/>
-    <p:sldId id="271" r:id="rId7"/>
-    <p:sldId id="272" r:id="rId8"/>
-    <p:sldId id="265" r:id="rId9"/>
-    <p:sldId id="273" r:id="rId10"/>
-    <p:sldId id="277" r:id="rId11"/>
-    <p:sldId id="278" r:id="rId12"/>
-    <p:sldId id="279" r:id="rId13"/>
-    <p:sldId id="280" r:id="rId14"/>
-    <p:sldId id="281" r:id="rId15"/>
-    <p:sldId id="266" r:id="rId16"/>
-    <p:sldId id="260" r:id="rId17"/>
+    <p:sldId id="256" r:id="rId2"/>
+    <p:sldId id="257" r:id="rId3"/>
+    <p:sldId id="258" r:id="rId4"/>
+    <p:sldId id="269" r:id="rId5"/>
+    <p:sldId id="271" r:id="rId6"/>
+    <p:sldId id="272" r:id="rId7"/>
+    <p:sldId id="265" r:id="rId8"/>
+    <p:sldId id="273" r:id="rId9"/>
+    <p:sldId id="277" r:id="rId10"/>
+    <p:sldId id="278" r:id="rId11"/>
+    <p:sldId id="279" r:id="rId12"/>
+    <p:sldId id="280" r:id="rId13"/>
+    <p:sldId id="281" r:id="rId14"/>
+    <p:sldId id="266" r:id="rId15"/>
+    <p:sldId id="260" r:id="rId16"/>
+    <p:sldId id="282" r:id="rId17"/>
     <p:sldId id="268" r:id="rId18"/>
-    <p:sldId id="259" r:id="rId19"/>
-    <p:sldId id="261" r:id="rId20"/>
+    <p:sldId id="261" r:id="rId19"/>
+    <p:sldId id="283" r:id="rId20"/>
     <p:sldId id="262" r:id="rId21"/>
     <p:sldId id="263" r:id="rId22"/>
     <p:sldId id="264" r:id="rId23"/>
@@ -290,7 +290,13 @@
             <c:showBubbleSize val="0"/>
             <c:showLeaderLines val="0"/>
             <c:extLst>
-              <c:ext xmlns:c15="http://schemas.microsoft.com/office/drawing/2012/chart" uri="{CE6537A1-D6FC-4f65-9D91-7224C49458BB}"/>
+              <c:ext xmlns:c15="http://schemas.microsoft.com/office/drawing/2012/chart" uri="{CE6537A1-D6FC-4f65-9D91-7224C49458BB}">
+                <c15:spPr xmlns:c15="http://schemas.microsoft.com/office/drawing/2012/chart">
+                  <a:prstGeom prst="rect">
+                    <a:avLst/>
+                  </a:prstGeom>
+                </c15:spPr>
+              </c:ext>
             </c:extLst>
           </c:dLbls>
           <c:cat>
@@ -1018,7 +1024,7 @@
               <a:pPr lvl="0">
                 <a:defRPr/>
               </a:pPr>
-              <a:t>2025-05-11</a:t>
+              <a:t>2025-05-12</a:t>
             </a:fld>
             <a:endParaRPr lang="ko-KR" altLang="en-US"/>
           </a:p>
@@ -1160,7 +1166,7 @@
               <a:pPr lvl="0">
                 <a:defRPr/>
               </a:pPr>
-              <a:t>2025-05-11</a:t>
+              <a:t>2025-05-12</a:t>
             </a:fld>
             <a:endParaRPr lang="ko-KR" altLang="en-US"/>
           </a:p>
@@ -1375,7 +1381,7 @@
               <a:pPr lvl="0">
                 <a:defRPr/>
               </a:pPr>
-              <a:t>2025-05-11</a:t>
+              <a:t>2025-05-12</a:t>
             </a:fld>
             <a:endParaRPr lang="ko-KR" altLang="en-US"/>
           </a:p>
@@ -1577,7 +1583,7 @@
               <a:pPr lvl="0">
                 <a:defRPr/>
               </a:pPr>
-              <a:t>2025-05-11</a:t>
+              <a:t>2025-05-12</a:t>
             </a:fld>
             <a:endParaRPr lang="ko-KR" altLang="en-US"/>
           </a:p>
@@ -1769,7 +1775,7 @@
               <a:pPr lvl="0">
                 <a:defRPr/>
               </a:pPr>
-              <a:t>2025-05-11</a:t>
+              <a:t>2025-05-12</a:t>
             </a:fld>
             <a:endParaRPr lang="ko-KR" altLang="en-US"/>
           </a:p>
@@ -1875,7 +1881,7 @@
               <a:pPr lvl="0">
                 <a:defRPr/>
               </a:pPr>
-              <a:t>2025-05-11</a:t>
+              <a:t>2025-05-12</a:t>
             </a:fld>
             <a:endParaRPr lang="ko-KR" altLang="en-US"/>
           </a:p>
@@ -2136,7 +2142,7 @@
               <a:pPr lvl="0">
                 <a:defRPr/>
               </a:pPr>
-              <a:t>2025-05-11</a:t>
+              <a:t>2025-05-12</a:t>
             </a:fld>
             <a:endParaRPr lang="ko-KR" altLang="en-US"/>
           </a:p>
@@ -2455,7 +2461,7 @@
               <a:pPr lvl="0">
                 <a:defRPr/>
               </a:pPr>
-              <a:t>2025-05-11</a:t>
+              <a:t>2025-05-12</a:t>
             </a:fld>
             <a:endParaRPr lang="ko-KR" altLang="en-US"/>
           </a:p>
@@ -2586,7 +2592,7 @@
               <a:pPr lvl="0">
                 <a:defRPr/>
               </a:pPr>
-              <a:t>2025-05-11</a:t>
+              <a:t>2025-05-12</a:t>
             </a:fld>
             <a:endParaRPr lang="ko-KR" altLang="en-US"/>
           </a:p>
@@ -2753,7 +2759,7 @@
               <a:pPr lvl="0">
                 <a:defRPr/>
               </a:pPr>
-              <a:t>2025-05-11</a:t>
+              <a:t>2025-05-12</a:t>
             </a:fld>
             <a:endParaRPr lang="ko-KR" altLang="en-US"/>
           </a:p>
@@ -3260,7 +3266,7 @@
               <a:pPr lvl="0">
                 <a:defRPr/>
               </a:pPr>
-              <a:t>2025-05-11</a:t>
+              <a:t>2025-05-12</a:t>
             </a:fld>
             <a:endParaRPr lang="ko-KR" altLang="en-US"/>
           </a:p>
@@ -3534,7 +3540,7 @@
               <a:pPr lvl="0">
                 <a:defRPr/>
               </a:pPr>
-              <a:t>2025-05-11</a:t>
+              <a:t>2025-05-12</a:t>
             </a:fld>
             <a:endParaRPr lang="ko-KR" altLang="en-US"/>
           </a:p>
@@ -3769,7 +3775,7 @@
               <a:pPr lvl="0">
                 <a:defRPr/>
               </a:pPr>
-              <a:t>2025-05-11</a:t>
+              <a:t>2025-05-12</a:t>
             </a:fld>
             <a:endParaRPr lang="ko-KR" altLang="en-US"/>
           </a:p>
@@ -4209,290 +4215,284 @@
       </p:grpSpPr>
       <p:sp>
         <p:nvSpPr>
-          <p:cNvPr id="5" name="제목 4">
-            <a:extLst>
-              <a:ext uri="{FF2B5EF4-FFF2-40B4-BE49-F238E27FC236}">
-                <a16:creationId xmlns:a16="http://schemas.microsoft.com/office/drawing/2014/main" id="{C3E9A763-1400-04AA-20B4-2FED61AB77CA}"/>
-              </a:ext>
-            </a:extLst>
-          </p:cNvPr>
-          <p:cNvSpPr>
-            <a:spLocks noGrp="1"/>
-          </p:cNvSpPr>
-          <p:nvPr>
-            <p:ph type="ctrTitle"/>
-          </p:nvPr>
-        </p:nvSpPr>
-        <p:spPr>
-          <a:xfrm>
-            <a:off x="367561" y="332571"/>
-            <a:ext cx="9903440" cy="5976830"/>
-          </a:xfrm>
-        </p:spPr>
-        <p:txBody>
-          <a:bodyPr>
-            <a:noAutofit/>
+          <p:cNvPr id="11" name="TextBox 10"/>
+          <p:cNvSpPr txBox="1"/>
+          <p:nvPr/>
+        </p:nvSpPr>
+        <p:spPr>
+          <a:xfrm>
+            <a:off x="7568146" y="2492883"/>
+            <a:ext cx="257594" cy="362712"/>
+          </a:xfrm>
+          <a:prstGeom prst="rect">
+            <a:avLst/>
+          </a:prstGeom>
+        </p:spPr>
+        <p:txBody>
+          <a:bodyPr wrap="none">
+            <a:spAutoFit/>
           </a:bodyPr>
           <a:lstStyle/>
           <a:p>
-            <a:pPr algn="l"/>
-            <a:r>
-              <a:rPr lang="ko-KR" altLang="en-US" sz="1400"/>
-              <a:t>문제 상황</a:t>
-            </a:r>
-            <a:br>
-              <a:rPr lang="ko-KR" altLang="en-US" sz="1400"/>
-            </a:br>
-            <a:r>
-              <a:rPr lang="ko-KR" altLang="en-US" sz="1400"/>
-              <a:t>솔루션 고안</a:t>
-            </a:r>
-            <a:br>
-              <a:rPr lang="ko-KR" altLang="en-US" sz="1400"/>
-            </a:br>
-            <a:r>
-              <a:rPr lang="en-US" altLang="ko-KR" sz="1400"/>
-              <a:t>- </a:t>
-            </a:r>
-            <a:r>
-              <a:rPr lang="ko-KR" altLang="en-US" sz="1400"/>
-              <a:t>시스템 구조</a:t>
-            </a:r>
-            <a:br>
-              <a:rPr lang="ko-KR" altLang="en-US" sz="1400"/>
-            </a:br>
-            <a:r>
-              <a:rPr lang="en-US" altLang="ko-KR" sz="1400"/>
-              <a:t>- </a:t>
-            </a:r>
-            <a:r>
-              <a:rPr lang="ko-KR" altLang="en-US" sz="1400"/>
-              <a:t>모듈 선정</a:t>
-            </a:r>
-            <a:br>
-              <a:rPr lang="ko-KR" altLang="en-US" sz="1400"/>
-            </a:br>
-            <a:br>
-              <a:rPr lang="ko-KR" altLang="en-US" sz="1400"/>
-            </a:br>
-            <a:r>
-              <a:rPr lang="ko-KR" altLang="en-US" sz="1400"/>
-              <a:t>개발 과정</a:t>
-            </a:r>
-            <a:br>
-              <a:rPr lang="ko-KR" altLang="en-US" sz="1400"/>
-            </a:br>
-            <a:r>
-              <a:rPr lang="en-US" altLang="ko-KR" sz="1400"/>
-              <a:t>- </a:t>
-            </a:r>
-            <a:r>
-              <a:rPr lang="ko-KR" altLang="en-US" sz="1400"/>
-              <a:t>드론</a:t>
-            </a:r>
-            <a:br>
-              <a:rPr lang="ko-KR" altLang="en-US" sz="1400"/>
-            </a:br>
-            <a:r>
-              <a:rPr lang="en-US" altLang="ko-KR" sz="1400"/>
-              <a:t>-- </a:t>
-            </a:r>
-            <a:r>
-              <a:rPr lang="ko-KR" altLang="en-US" sz="1400"/>
-              <a:t>역할 및 기능 요약</a:t>
-            </a:r>
-            <a:br>
-              <a:rPr lang="ko-KR" altLang="en-US" sz="1400"/>
-            </a:br>
-            <a:r>
-              <a:rPr lang="en-US" altLang="ko-KR" sz="1400"/>
-              <a:t>-- HW</a:t>
-            </a:r>
-            <a:br>
-              <a:rPr lang="en-US" altLang="ko-KR" sz="1400"/>
-            </a:br>
-            <a:r>
-              <a:rPr lang="en-US" altLang="ko-KR" sz="1400"/>
-              <a:t>-- FW</a:t>
-            </a:r>
-            <a:br>
-              <a:rPr lang="en-US" altLang="ko-KR" sz="1400"/>
-            </a:br>
-            <a:br>
-              <a:rPr lang="en-US" altLang="ko-KR" sz="1400"/>
-            </a:br>
-            <a:br>
-              <a:rPr lang="en-US" altLang="ko-KR" sz="1400"/>
-            </a:br>
-            <a:r>
-              <a:rPr lang="en-US" altLang="ko-KR" sz="1400"/>
-              <a:t>- </a:t>
-            </a:r>
-            <a:r>
-              <a:rPr lang="ko-KR" altLang="en-US" sz="1400"/>
-              <a:t>조종기</a:t>
-            </a:r>
-            <a:br>
-              <a:rPr lang="ko-KR" altLang="en-US" sz="1400"/>
-            </a:br>
-            <a:r>
-              <a:rPr lang="en-US" altLang="ko-KR" sz="1400"/>
-              <a:t>-- </a:t>
-            </a:r>
-            <a:r>
-              <a:rPr lang="ko-KR" altLang="en-US" sz="1400"/>
-              <a:t>역할 및 기능 요약</a:t>
-            </a:r>
-            <a:br>
-              <a:rPr lang="ko-KR" altLang="en-US" sz="1400"/>
-            </a:br>
-            <a:r>
-              <a:rPr lang="en-US" altLang="ko-KR" sz="1400"/>
-              <a:t>-- HW</a:t>
-            </a:r>
-            <a:br>
-              <a:rPr lang="en-US" altLang="ko-KR" sz="1400"/>
-            </a:br>
-            <a:r>
-              <a:rPr lang="en-US" altLang="ko-KR" sz="1400"/>
-              <a:t>-- FW</a:t>
-            </a:r>
-            <a:br>
-              <a:rPr lang="en-US" altLang="ko-KR" sz="1400"/>
-            </a:br>
-            <a:br>
-              <a:rPr lang="en-US" altLang="ko-KR" sz="1400"/>
-            </a:br>
-            <a:r>
-              <a:rPr lang="en-US" altLang="ko-KR" sz="1400"/>
-              <a:t>- Landing </a:t>
-            </a:r>
-            <a:r>
-              <a:rPr lang="ko-KR" altLang="en-US" sz="1400"/>
-              <a:t>파트</a:t>
-            </a:r>
-            <a:br>
-              <a:rPr lang="ko-KR" altLang="en-US" sz="1400"/>
-            </a:br>
-            <a:r>
-              <a:rPr lang="en-US" altLang="ko-KR" sz="1400"/>
-              <a:t>-- </a:t>
-            </a:r>
-            <a:r>
-              <a:rPr lang="ko-KR" altLang="en-US" sz="1400"/>
-              <a:t>역할 및 기능 요약</a:t>
-            </a:r>
-            <a:br>
-              <a:rPr lang="ko-KR" altLang="en-US" sz="1400"/>
-            </a:br>
-            <a:r>
-              <a:rPr lang="en-US" altLang="ko-KR" sz="1400"/>
-              <a:t>-- HW</a:t>
-            </a:r>
-            <a:br>
-              <a:rPr lang="en-US" altLang="ko-KR" sz="1400"/>
-            </a:br>
-            <a:r>
-              <a:rPr lang="en-US" altLang="ko-KR" sz="1400"/>
-              <a:t>-- FW</a:t>
-            </a:r>
-            <a:br>
-              <a:rPr lang="en-US" altLang="ko-KR" sz="1400"/>
-            </a:br>
-            <a:br>
-              <a:rPr lang="en-US" altLang="ko-KR" sz="1400"/>
-            </a:br>
-            <a:r>
-              <a:rPr lang="en-US" altLang="ko-KR" sz="1400"/>
-              <a:t>- </a:t>
-            </a:r>
-            <a:r>
-              <a:rPr lang="ko-KR" altLang="en-US" sz="1400"/>
-              <a:t>데모 영상</a:t>
-            </a:r>
-            <a:br>
-              <a:rPr lang="ko-KR" altLang="en-US" sz="1400"/>
-            </a:br>
-            <a:r>
-              <a:rPr lang="en-US" altLang="ko-KR" sz="1400"/>
-              <a:t>-- drone </a:t>
-            </a:r>
-            <a:r>
-              <a:rPr lang="ko-KR" altLang="en-US" sz="1400"/>
-              <a:t>운용 영상</a:t>
-            </a:r>
-            <a:br>
-              <a:rPr lang="ko-KR" altLang="en-US" sz="1400"/>
-            </a:br>
-            <a:r>
-              <a:rPr lang="en-US" altLang="ko-KR" sz="1400"/>
-              <a:t>-- GCS </a:t>
-            </a:r>
-            <a:r>
-              <a:rPr lang="ko-KR" altLang="en-US" sz="1400"/>
-              <a:t>조종 영상</a:t>
-            </a:r>
-            <a:br>
-              <a:rPr lang="ko-KR" altLang="en-US" sz="1400"/>
-            </a:br>
-            <a:r>
-              <a:rPr lang="en-US" altLang="ko-KR" sz="1400"/>
-              <a:t>-- RaspberryPi Yolo </a:t>
-            </a:r>
-            <a:r>
-              <a:rPr lang="ko-KR" altLang="en-US" sz="1400"/>
-              <a:t>인식 영상</a:t>
-            </a:r>
-            <a:br>
-              <a:rPr lang="ko-KR" altLang="en-US" sz="1400"/>
-            </a:br>
-            <a:r>
-              <a:rPr lang="en-US" altLang="ko-KR" sz="1400"/>
-              <a:t>-- </a:t>
-            </a:r>
-            <a:r>
-              <a:rPr lang="ko-KR" altLang="en-US" sz="1400"/>
-              <a:t>착륙 영상</a:t>
-            </a:r>
-            <a:br>
-              <a:rPr lang="ko-KR" altLang="en-US" sz="1400"/>
-            </a:br>
-            <a:br>
-              <a:rPr lang="ko-KR" altLang="en-US" sz="1400"/>
-            </a:br>
-            <a:r>
-              <a:rPr lang="en-US" altLang="ko-KR" sz="1400"/>
-              <a:t>- </a:t>
-            </a:r>
-            <a:r>
-              <a:rPr lang="ko-KR" altLang="en-US" sz="1400"/>
-              <a:t>추후 개선점 </a:t>
-            </a:r>
-            <a:br>
-              <a:rPr lang="ko-KR" altLang="en-US" sz="1400"/>
-            </a:br>
-            <a:r>
-              <a:rPr lang="en-US" altLang="ko-KR" sz="1400"/>
-              <a:t>- </a:t>
-            </a:r>
-            <a:r>
-              <a:rPr lang="ko-KR" altLang="en-US" sz="1400"/>
-              <a:t>마무리</a:t>
+            <a:pPr>
+              <a:defRPr/>
+            </a:pPr>
+            <a:endParaRPr lang="en-US" altLang="ko-KR"/>
+          </a:p>
+        </p:txBody>
+      </p:sp>
+      <p:pic>
+        <p:nvPicPr>
+          <p:cNvPr id="18" name="그림 17"/>
+          <p:cNvPicPr>
+            <a:picLocks noChangeAspect="1"/>
+          </p:cNvPicPr>
+          <p:nvPr/>
+        </p:nvPicPr>
+        <p:blipFill rotWithShape="1">
+          <a:blip r:embed="rId2"/>
+          <a:stretch>
+            <a:fillRect/>
+          </a:stretch>
+        </p:blipFill>
+        <p:spPr>
+          <a:xfrm>
+            <a:off x="-28804" y="0"/>
+            <a:ext cx="11161395" cy="6894123"/>
+          </a:xfrm>
+          <a:prstGeom prst="rect">
+            <a:avLst/>
+          </a:prstGeom>
+        </p:spPr>
+      </p:pic>
+      <p:sp>
+        <p:nvSpPr>
+          <p:cNvPr id="19" name="TextBox 18"/>
+          <p:cNvSpPr txBox="1"/>
+          <p:nvPr/>
+        </p:nvSpPr>
+        <p:spPr>
+          <a:xfrm>
+            <a:off x="511263" y="755904"/>
+            <a:ext cx="2520667" cy="307777"/>
+          </a:xfrm>
+          <a:prstGeom prst="rect">
+            <a:avLst/>
+          </a:prstGeom>
+        </p:spPr>
+        <p:txBody>
+          <a:bodyPr wrap="square">
+            <a:spAutoFit/>
+          </a:bodyPr>
+          <a:lstStyle/>
+          <a:p>
+            <a:pPr>
+              <a:defRPr/>
+            </a:pPr>
+            <a:r>
+              <a:rPr lang="en-US" altLang="ko-KR" sz="1400">
+                <a:solidFill>
+                  <a:srgbClr val="0F3158"/>
+                </a:solidFill>
+                <a:latin typeface="나눔스퀘어_ac Bold"/>
+                <a:ea typeface="나눔스퀘어_ac Bold"/>
+              </a:rPr>
+              <a:t>ICT </a:t>
+            </a:r>
+            <a:r>
+              <a:rPr lang="ko-KR" altLang="en-US" sz="1400">
+                <a:solidFill>
+                  <a:srgbClr val="0F3158"/>
+                </a:solidFill>
+                <a:latin typeface="나눔스퀘어_ac Bold"/>
+                <a:ea typeface="나눔스퀘어_ac Bold"/>
+              </a:rPr>
+              <a:t>캡스톤 디자인 최종 발표</a:t>
+            </a:r>
+          </a:p>
+        </p:txBody>
+      </p:sp>
+      <p:sp>
+        <p:nvSpPr>
+          <p:cNvPr id="20" name="TextBox 19"/>
+          <p:cNvSpPr txBox="1"/>
+          <p:nvPr/>
+        </p:nvSpPr>
+        <p:spPr>
+          <a:xfrm>
+            <a:off x="943317" y="1862709"/>
+            <a:ext cx="9505644" cy="907941"/>
+          </a:xfrm>
+          <a:prstGeom prst="rect">
+            <a:avLst/>
+          </a:prstGeom>
+        </p:spPr>
+        <p:txBody>
+          <a:bodyPr wrap="square">
+            <a:spAutoFit/>
+          </a:bodyPr>
+          <a:lstStyle/>
+          <a:p>
+            <a:pPr>
+              <a:defRPr/>
+            </a:pPr>
+            <a:r>
+              <a:rPr lang="ko-KR" altLang="en-US" sz="5300">
+                <a:solidFill>
+                  <a:srgbClr val="0F3158"/>
+                </a:solidFill>
+                <a:latin typeface="나눔스퀘어 ExtraBold"/>
+                <a:ea typeface="나눔스퀘어 ExtraBold"/>
+              </a:rPr>
+              <a:t>드론 정밀 착륙 유도 장치 개발</a:t>
+            </a:r>
+            <a:endParaRPr lang="en-US" altLang="ko-KR" sz="5300">
+              <a:solidFill>
+                <a:srgbClr val="0F3158"/>
+              </a:solidFill>
+              <a:latin typeface="나눔스퀘어 ExtraBold"/>
+              <a:ea typeface="나눔스퀘어 ExtraBold"/>
+            </a:endParaRPr>
+          </a:p>
+        </p:txBody>
+      </p:sp>
+      <p:sp>
+        <p:nvSpPr>
+          <p:cNvPr id="21" name="TextBox 20"/>
+          <p:cNvSpPr txBox="1"/>
+          <p:nvPr/>
+        </p:nvSpPr>
+        <p:spPr>
+          <a:xfrm>
+            <a:off x="943318" y="3777615"/>
+            <a:ext cx="3528441" cy="307777"/>
+          </a:xfrm>
+          <a:prstGeom prst="rect">
+            <a:avLst/>
+          </a:prstGeom>
+        </p:spPr>
+        <p:txBody>
+          <a:bodyPr wrap="square">
+            <a:spAutoFit/>
+          </a:bodyPr>
+          <a:lstStyle/>
+          <a:p>
+            <a:pPr>
+              <a:defRPr/>
+            </a:pPr>
+            <a:r>
+              <a:rPr lang="en-US" altLang="ko-KR" sz="1400">
+                <a:solidFill>
+                  <a:srgbClr val="0F3158"/>
+                </a:solidFill>
+                <a:latin typeface="나눔스퀘어_ac Bold"/>
+                <a:ea typeface="나눔스퀘어_ac Bold"/>
+              </a:rPr>
+              <a:t>ICT </a:t>
+            </a:r>
+            <a:r>
+              <a:rPr lang="ko-KR" altLang="en-US" sz="1400">
+                <a:solidFill>
+                  <a:srgbClr val="0F3158"/>
+                </a:solidFill>
+                <a:latin typeface="나눔스퀘어_ac Bold"/>
+                <a:ea typeface="나눔스퀘어_ac Bold"/>
+              </a:rPr>
+              <a:t>융합학부 </a:t>
+            </a:r>
+            <a:r>
+              <a:rPr lang="en-US" altLang="ko-KR" sz="1400">
+                <a:solidFill>
+                  <a:srgbClr val="0F3158"/>
+                </a:solidFill>
+                <a:latin typeface="나눔스퀘어_ac Bold"/>
+                <a:ea typeface="나눔스퀘어_ac Bold"/>
+              </a:rPr>
+              <a:t>/ 2018045323</a:t>
+            </a:r>
+            <a:r>
+              <a:rPr lang="ko-KR" altLang="en-US" sz="1400">
+                <a:solidFill>
+                  <a:srgbClr val="0F3158"/>
+                </a:solidFill>
+                <a:latin typeface="나눔스퀘어_ac Bold"/>
+                <a:ea typeface="나눔스퀘어_ac Bold"/>
+              </a:rPr>
+              <a:t> </a:t>
+            </a:r>
+            <a:r>
+              <a:rPr lang="en-US" altLang="ko-KR" sz="1400">
+                <a:solidFill>
+                  <a:srgbClr val="0F3158"/>
+                </a:solidFill>
+                <a:latin typeface="나눔스퀘어_ac Bold"/>
+                <a:ea typeface="나눔스퀘어_ac Bold"/>
+              </a:rPr>
+              <a:t>/</a:t>
+            </a:r>
+            <a:r>
+              <a:rPr lang="ko-KR" altLang="en-US" sz="1400">
+                <a:solidFill>
+                  <a:srgbClr val="0F3158"/>
+                </a:solidFill>
+                <a:latin typeface="나눔스퀘어_ac Bold"/>
+                <a:ea typeface="나눔스퀘어_ac Bold"/>
+              </a:rPr>
+              <a:t> 김교원</a:t>
+            </a:r>
+          </a:p>
+        </p:txBody>
+      </p:sp>
+      <p:sp>
+        <p:nvSpPr>
+          <p:cNvPr id="22" name="TextBox 21"/>
+          <p:cNvSpPr txBox="1"/>
+          <p:nvPr/>
+        </p:nvSpPr>
+        <p:spPr>
+          <a:xfrm>
+            <a:off x="1591399" y="4869180"/>
+            <a:ext cx="3168396" cy="320040"/>
+          </a:xfrm>
+          <a:prstGeom prst="rect">
+            <a:avLst/>
+          </a:prstGeom>
+        </p:spPr>
+        <p:txBody>
+          <a:bodyPr wrap="square">
+            <a:spAutoFit/>
+          </a:bodyPr>
+          <a:lstStyle/>
+          <a:p>
+            <a:pPr>
+              <a:defRPr/>
+            </a:pPr>
+            <a:r>
+              <a:rPr lang="en-US" altLang="ko-KR" sz="1500">
+                <a:solidFill>
+                  <a:schemeClr val="lt1"/>
+                </a:solidFill>
+                <a:latin typeface="나눔스퀘어_ac Bold"/>
+                <a:ea typeface="나눔스퀘어_ac Bold"/>
+              </a:rPr>
+              <a:t>05.20.2025</a:t>
             </a:r>
           </a:p>
         </p:txBody>
       </p:sp>
     </p:spTree>
-    <p:extLst>
-      <p:ext uri="{BB962C8B-B14F-4D97-AF65-F5344CB8AC3E}">
-        <p14:creationId xmlns:p14="http://schemas.microsoft.com/office/powerpoint/2010/main" val="387515513"/>
-      </p:ext>
-    </p:extLst>
   </p:cSld>
   <p:clrMapOvr>
     <a:masterClrMapping/>
   </p:clrMapOvr>
-  <p:transition/>
+  <mc:AlternateContent xmlns:mc="http://schemas.openxmlformats.org/markup-compatibility/2006" xmlns:p14="http://schemas.microsoft.com/office/powerpoint/2010/main">
+    <mc:Choice Requires="p14">
+      <p:transition/>
+    </mc:Choice>
+    <mc:Fallback xmlns:dsp="http://schemas.microsoft.com/office/drawing/2008/diagram" xmlns:dgm="http://schemas.openxmlformats.org/drawingml/2006/diagram" xmlns:c="http://schemas.openxmlformats.org/drawingml/2006/chart" xmlns="">
+      <p:transition/>
+    </mc:Fallback>
+  </mc:AlternateContent>
 </p:sld>
 </file>
 
@@ -4504,7 +4504,7 @@
         <p:cNvPr id="1" name="">
           <a:extLst>
             <a:ext uri="{FF2B5EF4-FFF2-40B4-BE49-F238E27FC236}">
-              <a16:creationId xmlns:a16="http://schemas.microsoft.com/office/drawing/2014/main" id="{F9895D49-968F-9187-EF6C-ABEA033A0913}"/>
+              <a16:creationId xmlns:a16="http://schemas.microsoft.com/office/drawing/2014/main" id="{6ACFCC0B-EBEE-5874-CBC8-008E69C58FB3}"/>
             </a:ext>
           </a:extLst>
         </p:cNvPr>
@@ -4524,7 +4524,7 @@
           <p:cNvPr id="6" name="TextBox 5">
             <a:extLst>
               <a:ext uri="{FF2B5EF4-FFF2-40B4-BE49-F238E27FC236}">
-                <a16:creationId xmlns:a16="http://schemas.microsoft.com/office/drawing/2014/main" id="{A1984D5A-6B90-5112-5834-71ED420C02C3}"/>
+                <a16:creationId xmlns:a16="http://schemas.microsoft.com/office/drawing/2014/main" id="{26BDE63E-BA88-7143-0FA1-5F17787059AB}"/>
               </a:ext>
             </a:extLst>
           </p:cNvPr>
@@ -4577,7 +4577,7 @@
           <p:cNvPr id="8" name="TextBox 7">
             <a:extLst>
               <a:ext uri="{FF2B5EF4-FFF2-40B4-BE49-F238E27FC236}">
-                <a16:creationId xmlns:a16="http://schemas.microsoft.com/office/drawing/2014/main" id="{B06C5B77-ABA1-2E5C-D771-97A9C9015DCB}"/>
+                <a16:creationId xmlns:a16="http://schemas.microsoft.com/office/drawing/2014/main" id="{67B2CDEA-5C79-496F-1594-A6294B413BF0}"/>
               </a:ext>
             </a:extLst>
           </p:cNvPr>
@@ -4630,7 +4630,7 @@
           <p:cNvPr id="18" name="직사각형 17">
             <a:extLst>
               <a:ext uri="{FF2B5EF4-FFF2-40B4-BE49-F238E27FC236}">
-                <a16:creationId xmlns:a16="http://schemas.microsoft.com/office/drawing/2014/main" id="{48052519-8411-F104-F047-2CD22252D21B}"/>
+                <a16:creationId xmlns:a16="http://schemas.microsoft.com/office/drawing/2014/main" id="{5138B6E8-A38D-54E4-3A0C-8B475C12464E}"/>
               </a:ext>
             </a:extLst>
           </p:cNvPr>
@@ -4683,10 +4683,10 @@
       </p:sp>
       <p:sp>
         <p:nvSpPr>
-          <p:cNvPr id="31" name="TextBox 30">
+          <p:cNvPr id="17" name="TextBox 16">
             <a:extLst>
               <a:ext uri="{FF2B5EF4-FFF2-40B4-BE49-F238E27FC236}">
-                <a16:creationId xmlns:a16="http://schemas.microsoft.com/office/drawing/2014/main" id="{EDE5AE5E-4BEB-59A4-58E2-8FAD984E0829}"/>
+                <a16:creationId xmlns:a16="http://schemas.microsoft.com/office/drawing/2014/main" id="{C780F4EB-2836-5AA5-0D6B-193D80C3B7A7}"/>
               </a:ext>
             </a:extLst>
           </p:cNvPr>
@@ -4695,41 +4695,73 @@
         </p:nvSpPr>
         <p:spPr>
           <a:xfrm>
-            <a:off x="523406" y="670130"/>
-            <a:ext cx="492444" cy="276999"/>
-          </a:xfrm>
-          <a:prstGeom prst="rect">
-            <a:avLst/>
-          </a:prstGeom>
-        </p:spPr>
-        <p:txBody>
-          <a:bodyPr wrap="none">
+            <a:off x="5534973" y="1484730"/>
+            <a:ext cx="4985997" cy="738664"/>
+          </a:xfrm>
+          <a:prstGeom prst="rect">
+            <a:avLst/>
+          </a:prstGeom>
+        </p:spPr>
+        <p:txBody>
+          <a:bodyPr wrap="square" rtlCol="0">
             <a:spAutoFit/>
           </a:bodyPr>
           <a:lstStyle/>
           <a:p>
-            <a:pPr algn="ctr">
-              <a:defRPr/>
-            </a:pPr>
-            <a:r>
-              <a:rPr lang="ko-KR" altLang="en-US" sz="1200" b="1">
-                <a:solidFill>
-                  <a:srgbClr val="A9AAAA"/>
-                </a:solidFill>
-                <a:latin typeface="나눔스퀘어_ac Bold"/>
-                <a:ea typeface="나눔스퀘어_ac Bold"/>
-              </a:rPr>
-              <a:t>드론</a:t>
-            </a:r>
-          </a:p>
-        </p:txBody>
-      </p:sp>
-      <p:sp>
-        <p:nvSpPr>
-          <p:cNvPr id="17" name="TextBox 16">
+            <a:r>
+              <a:rPr lang="en-US" altLang="ko-KR" sz="1400"/>
+              <a:t>[EVB] : </a:t>
+            </a:r>
+            <a:r>
+              <a:rPr lang="pt-BR" altLang="ko-KR" sz="1400">
+                <a:solidFill>
+                  <a:srgbClr val="1A1926"/>
+                </a:solidFill>
+                <a:latin typeface="Arial" panose="020B0604020202020204" pitchFamily="34" charset="0"/>
+              </a:rPr>
+              <a:t>Arduino Micro</a:t>
+            </a:r>
+            <a:endParaRPr lang="pt-BR" altLang="ko-KR" sz="1400" b="0" i="0">
+              <a:solidFill>
+                <a:srgbClr val="1A1926"/>
+              </a:solidFill>
+              <a:effectLst/>
+              <a:latin typeface="Arial" panose="020B0604020202020204" pitchFamily="34" charset="0"/>
+            </a:endParaRPr>
+          </a:p>
+          <a:p>
+            <a:endParaRPr lang="en-US" altLang="ko-KR" sz="1400"/>
+          </a:p>
+          <a:p>
+            <a:r>
+              <a:rPr lang="ko-KR" altLang="en-US" sz="1400"/>
+              <a:t>조건 </a:t>
+            </a:r>
+            <a:r>
+              <a:rPr lang="en-US" altLang="ko-KR" sz="1400"/>
+              <a:t>– Joystick </a:t>
+            </a:r>
+            <a:r>
+              <a:rPr lang="ko-KR" altLang="en-US" sz="1400"/>
+              <a:t>오픈소스 활용 가능한 </a:t>
+            </a:r>
+            <a:r>
+              <a:rPr lang="en-US" altLang="ko-KR" sz="1400"/>
+              <a:t>HID </a:t>
+            </a:r>
+            <a:r>
+              <a:rPr lang="ko-KR" altLang="en-US" sz="1400"/>
+              <a:t>인식 장치</a:t>
+            </a:r>
+          </a:p>
+        </p:txBody>
+      </p:sp>
+      <p:sp>
+        <p:nvSpPr>
+          <p:cNvPr id="32" name="TextBox 31">
             <a:extLst>
               <a:ext uri="{FF2B5EF4-FFF2-40B4-BE49-F238E27FC236}">
-                <a16:creationId xmlns:a16="http://schemas.microsoft.com/office/drawing/2014/main" id="{48CD5D72-6613-86AB-9428-293B2A5C6B84}"/>
+                <a16:creationId xmlns:a16="http://schemas.microsoft.com/office/drawing/2014/main" id="{6386CA22-6603-1619-37DD-012D1D3CE4DE}"/>
               </a:ext>
             </a:extLst>
           </p:cNvPr>
@@ -4738,8 +4770,8 @@
         </p:nvSpPr>
         <p:spPr>
           <a:xfrm>
-            <a:off x="437164" y="1340710"/>
-            <a:ext cx="5285427" cy="4708981"/>
+            <a:off x="5534972" y="2484052"/>
+            <a:ext cx="4985997" cy="738664"/>
           </a:xfrm>
           <a:prstGeom prst="rect">
             <a:avLst/>
@@ -4752,148 +4784,33 @@
           <a:lstStyle/>
           <a:p>
             <a:r>
-              <a:rPr lang="en-US" altLang="ko-KR" sz="2000"/>
-              <a:t>[ Process List ]</a:t>
-            </a:r>
-          </a:p>
-          <a:p>
-            <a:r>
-              <a:rPr lang="en-US" altLang="ko-KR" sz="2000"/>
-              <a:t> </a:t>
-            </a:r>
-          </a:p>
-          <a:p>
-            <a:pPr marL="285750" indent="-285750">
-              <a:buFontTx/>
-              <a:buChar char="-"/>
-            </a:pPr>
-            <a:r>
-              <a:rPr lang="en-US" altLang="ko-KR" sz="2000"/>
-              <a:t>FC </a:t>
-            </a:r>
-            <a:r>
-              <a:rPr lang="ko-KR" altLang="en-US" sz="2000"/>
-              <a:t>검증  </a:t>
-            </a:r>
-            <a:endParaRPr lang="en-US" altLang="ko-KR" sz="2000"/>
-          </a:p>
-          <a:p>
-            <a:pPr marL="285750" indent="-285750">
-              <a:buFontTx/>
-              <a:buChar char="-"/>
-            </a:pPr>
-            <a:r>
-              <a:rPr lang="ko-KR" altLang="en-US" sz="2000"/>
-              <a:t>하드웨어 납땜 및 체결</a:t>
-            </a:r>
-            <a:endParaRPr lang="en-US" altLang="ko-KR" sz="2000"/>
-          </a:p>
-          <a:p>
-            <a:pPr marL="285750" indent="-285750">
-              <a:buFontTx/>
-              <a:buChar char="-"/>
-            </a:pPr>
-            <a:r>
-              <a:rPr lang="ko-KR" altLang="en-US" sz="2000"/>
-              <a:t>배터리 에이징 테스트</a:t>
-            </a:r>
-            <a:endParaRPr lang="en-US" altLang="ko-KR" sz="2000"/>
-          </a:p>
-          <a:p>
-            <a:pPr marL="285750" indent="-285750">
-              <a:buFontTx/>
-              <a:buChar char="-"/>
-            </a:pPr>
-            <a:r>
-              <a:rPr lang="en-US" altLang="ko-KR" sz="2000"/>
-              <a:t>Telemetry Test</a:t>
-            </a:r>
-          </a:p>
-          <a:p>
-            <a:pPr marL="285750" indent="-285750">
-              <a:buFontTx/>
-              <a:buChar char="-"/>
-            </a:pPr>
-            <a:r>
-              <a:rPr lang="en-US" altLang="ko-KR" sz="2000"/>
-              <a:t>GPS Test</a:t>
-            </a:r>
-          </a:p>
-          <a:p>
-            <a:pPr marL="285750" indent="-285750">
-              <a:buFontTx/>
-              <a:buChar char="-"/>
-            </a:pPr>
-            <a:r>
-              <a:rPr lang="en-US" altLang="ko-KR" sz="2000"/>
-              <a:t>ESC Calibration</a:t>
-            </a:r>
-          </a:p>
-          <a:p>
-            <a:pPr marL="285750" indent="-285750">
-              <a:buFontTx/>
-              <a:buChar char="-"/>
-            </a:pPr>
-            <a:r>
-              <a:rPr lang="en-US" altLang="ko-KR" sz="2000"/>
-              <a:t>Motor Test</a:t>
-            </a:r>
-          </a:p>
-          <a:p>
-            <a:pPr marL="285750" indent="-285750">
-              <a:buFontTx/>
-              <a:buChar char="-"/>
-            </a:pPr>
-            <a:r>
-              <a:rPr lang="en-US" altLang="ko-KR" sz="2000"/>
-              <a:t>FC</a:t>
-            </a:r>
-            <a:r>
-              <a:rPr lang="ko-KR" altLang="en-US" sz="2000"/>
-              <a:t> </a:t>
-            </a:r>
-            <a:r>
-              <a:rPr lang="en-US" altLang="ko-KR" sz="2000"/>
-              <a:t>Parameter</a:t>
-            </a:r>
-            <a:r>
-              <a:rPr lang="ko-KR" altLang="en-US" sz="2000"/>
-              <a:t> </a:t>
-            </a:r>
-            <a:r>
-              <a:rPr lang="en-US" altLang="ko-KR" sz="2000"/>
-              <a:t>Setting</a:t>
-            </a:r>
-          </a:p>
-          <a:p>
-            <a:pPr marL="285750" indent="-285750">
-              <a:buFontTx/>
-              <a:buChar char="-"/>
-            </a:pPr>
-            <a:endParaRPr lang="en-US" altLang="ko-KR" sz="2000"/>
-          </a:p>
-          <a:p>
-            <a:pPr marL="285750" indent="-285750">
-              <a:buFontTx/>
-              <a:buChar char="-"/>
-            </a:pPr>
-            <a:endParaRPr lang="en-US" altLang="ko-KR" sz="2000"/>
-          </a:p>
-          <a:p>
-            <a:pPr marL="285750" indent="-285750">
-              <a:buFontTx/>
-              <a:buChar char="-"/>
-            </a:pPr>
-            <a:endParaRPr lang="en-US" altLang="ko-KR" sz="2000"/>
-          </a:p>
-          <a:p>
-            <a:r>
-              <a:rPr lang="en-US" altLang="ko-KR" sz="2000"/>
-              <a:t>&lt; 2024.12 ~ 2025.05 &gt;</a:t>
-            </a:r>
-          </a:p>
-          <a:p>
-            <a:endParaRPr lang="en-US" altLang="ko-KR" sz="2000"/>
+              <a:rPr lang="en-US" altLang="ko-KR" sz="1400"/>
+              <a:t>[Joystick] : Arduino Joystick Module</a:t>
+            </a:r>
+            <a:endParaRPr lang="pt-BR" altLang="ko-KR" sz="1400" b="0" i="0">
+              <a:solidFill>
+                <a:srgbClr val="1A1926"/>
+              </a:solidFill>
+              <a:effectLst/>
+              <a:latin typeface="Arial" panose="020B0604020202020204" pitchFamily="34" charset="0"/>
+            </a:endParaRPr>
+          </a:p>
+          <a:p>
+            <a:endParaRPr lang="en-US" altLang="ko-KR" sz="1400"/>
+          </a:p>
+          <a:p>
+            <a:r>
+              <a:rPr lang="ko-KR" altLang="en-US" sz="1400"/>
+              <a:t>조건 </a:t>
+            </a:r>
+            <a:r>
+              <a:rPr lang="en-US" altLang="ko-KR" sz="1400"/>
+              <a:t>– X,Y 2</a:t>
+            </a:r>
+            <a:r>
+              <a:rPr lang="ko-KR" altLang="en-US" sz="1400"/>
+              <a:t>축과 스위치 보유 모델</a:t>
+            </a:r>
           </a:p>
         </p:txBody>
       </p:sp>
@@ -4902,7 +4819,7 @@
           <p:cNvPr id="2" name="TextBox 1">
             <a:extLst>
               <a:ext uri="{FF2B5EF4-FFF2-40B4-BE49-F238E27FC236}">
-                <a16:creationId xmlns:a16="http://schemas.microsoft.com/office/drawing/2014/main" id="{99D9027D-1AFD-53FA-6C9B-278D6F373846}"/>
+                <a16:creationId xmlns:a16="http://schemas.microsoft.com/office/drawing/2014/main" id="{D9600C09-D39C-6908-CA96-4998EE5450B9}"/>
               </a:ext>
             </a:extLst>
           </p:cNvPr>
@@ -4911,8 +4828,118 @@
         </p:nvSpPr>
         <p:spPr>
           <a:xfrm>
-            <a:off x="5555824" y="1340710"/>
-            <a:ext cx="5285427" cy="2554545"/>
+            <a:off x="536907" y="670130"/>
+            <a:ext cx="479618" cy="276999"/>
+          </a:xfrm>
+          <a:prstGeom prst="rect">
+            <a:avLst/>
+          </a:prstGeom>
+        </p:spPr>
+        <p:txBody>
+          <a:bodyPr wrap="none">
+            <a:spAutoFit/>
+          </a:bodyPr>
+          <a:lstStyle/>
+          <a:p>
+            <a:pPr algn="ctr">
+              <a:defRPr/>
+            </a:pPr>
+            <a:r>
+              <a:rPr lang="en-US" altLang="ko-KR" sz="1200" b="1">
+                <a:solidFill>
+                  <a:srgbClr val="A9AAAA"/>
+                </a:solidFill>
+                <a:latin typeface="나눔스퀘어_ac Bold"/>
+                <a:ea typeface="나눔스퀘어_ac Bold"/>
+              </a:rPr>
+              <a:t>GCS</a:t>
+            </a:r>
+            <a:endParaRPr lang="ko-KR" altLang="en-US" sz="1200" b="1">
+              <a:solidFill>
+                <a:srgbClr val="A9AAAA"/>
+              </a:solidFill>
+              <a:latin typeface="나눔스퀘어_ac Bold"/>
+              <a:ea typeface="나눔스퀘어_ac Bold"/>
+            </a:endParaRPr>
+          </a:p>
+        </p:txBody>
+      </p:sp>
+      <p:pic>
+        <p:nvPicPr>
+          <p:cNvPr id="3" name="그림 2">
+            <a:extLst>
+              <a:ext uri="{FF2B5EF4-FFF2-40B4-BE49-F238E27FC236}">
+                <a16:creationId xmlns:a16="http://schemas.microsoft.com/office/drawing/2014/main" id="{2F9DB80D-905D-7A72-A52A-58DD4A04D7BC}"/>
+              </a:ext>
+            </a:extLst>
+          </p:cNvPr>
+          <p:cNvPicPr>
+            <a:picLocks noChangeAspect="1"/>
+          </p:cNvPicPr>
+          <p:nvPr/>
+        </p:nvPicPr>
+        <p:blipFill>
+          <a:blip r:embed="rId2"/>
+          <a:stretch>
+            <a:fillRect/>
+          </a:stretch>
+        </p:blipFill>
+        <p:spPr>
+          <a:xfrm>
+            <a:off x="469836" y="1479408"/>
+            <a:ext cx="4512647" cy="3317782"/>
+          </a:xfrm>
+          <a:prstGeom prst="rect">
+            <a:avLst/>
+          </a:prstGeom>
+        </p:spPr>
+      </p:pic>
+      <p:pic>
+        <p:nvPicPr>
+          <p:cNvPr id="9" name="그림 8">
+            <a:extLst>
+              <a:ext uri="{FF2B5EF4-FFF2-40B4-BE49-F238E27FC236}">
+                <a16:creationId xmlns:a16="http://schemas.microsoft.com/office/drawing/2014/main" id="{325DB9BA-D45A-283C-5AC3-2A0DDB01B97D}"/>
+              </a:ext>
+            </a:extLst>
+          </p:cNvPr>
+          <p:cNvPicPr>
+            <a:picLocks noChangeAspect="1"/>
+          </p:cNvPicPr>
+          <p:nvPr/>
+        </p:nvPicPr>
+        <p:blipFill>
+          <a:blip r:embed="rId3"/>
+          <a:stretch>
+            <a:fillRect/>
+          </a:stretch>
+        </p:blipFill>
+        <p:spPr>
+          <a:xfrm rot="5400000">
+            <a:off x="1828224" y="3433871"/>
+            <a:ext cx="843143" cy="3558426"/>
+          </a:xfrm>
+          <a:prstGeom prst="rect">
+            <a:avLst/>
+          </a:prstGeom>
+        </p:spPr>
+      </p:pic>
+      <p:sp>
+        <p:nvSpPr>
+          <p:cNvPr id="10" name="TextBox 9">
+            <a:extLst>
+              <a:ext uri="{FF2B5EF4-FFF2-40B4-BE49-F238E27FC236}">
+                <a16:creationId xmlns:a16="http://schemas.microsoft.com/office/drawing/2014/main" id="{226B95B8-C963-E34A-B2FF-AB5D97AB2400}"/>
+              </a:ext>
+            </a:extLst>
+          </p:cNvPr>
+          <p:cNvSpPr txBox="1"/>
+          <p:nvPr/>
+        </p:nvSpPr>
+        <p:spPr>
+          <a:xfrm>
+            <a:off x="5534972" y="3483374"/>
+            <a:ext cx="5177861" cy="738664"/>
           </a:xfrm>
           <a:prstGeom prst="rect">
             <a:avLst/>
@@ -4925,80 +4952,136 @@
           <a:lstStyle/>
           <a:p>
             <a:r>
-              <a:rPr lang="en-US" altLang="ko-KR" sz="2000"/>
-              <a:t>[ Feature List ]</a:t>
-            </a:r>
-          </a:p>
-          <a:p>
-            <a:r>
-              <a:rPr lang="en-US" altLang="ko-KR" sz="2000"/>
+              <a:rPr lang="en-US" altLang="ko-KR" sz="1400"/>
+              <a:t>[Telemetry] : Holybro </a:t>
+            </a:r>
+            <a:r>
+              <a:rPr lang="pt-BR" altLang="ko-KR" sz="1400">
+                <a:solidFill>
+                  <a:srgbClr val="1A1926"/>
+                </a:solidFill>
+                <a:latin typeface="Arial" panose="020B0604020202020204" pitchFamily="34" charset="0"/>
+              </a:rPr>
+              <a:t>sik telemetry radio v3</a:t>
+            </a:r>
+          </a:p>
+          <a:p>
+            <a:endParaRPr lang="en-US" altLang="ko-KR" sz="1400"/>
+          </a:p>
+          <a:p>
+            <a:r>
+              <a:rPr lang="ko-KR" altLang="en-US" sz="1400"/>
+              <a:t>조건 </a:t>
+            </a:r>
+            <a:r>
+              <a:rPr lang="en-US" altLang="ko-KR" sz="1400"/>
+              <a:t>– </a:t>
+            </a:r>
+            <a:r>
+              <a:rPr lang="ko-KR" altLang="en-US" sz="1400"/>
+              <a:t>최대 </a:t>
+            </a:r>
+            <a:r>
+              <a:rPr lang="en-US" altLang="ko-KR" sz="1400"/>
+              <a:t>100m </a:t>
+            </a:r>
+            <a:r>
+              <a:rPr lang="ko-KR" altLang="en-US" sz="1400"/>
+              <a:t>까지 테스트 가능한 제품군 </a:t>
+            </a:r>
+            <a:r>
+              <a:rPr lang="en-US" altLang="ko-KR" sz="1400"/>
+              <a:t>(</a:t>
+            </a:r>
+            <a:r>
+              <a:rPr lang="ko-KR" altLang="en-US" sz="1400"/>
+              <a:t>통신 안정성 확보</a:t>
+            </a:r>
+            <a:r>
+              <a:rPr lang="en-US" altLang="ko-KR" sz="1400"/>
+              <a:t>)</a:t>
+            </a:r>
+            <a:endParaRPr lang="ko-KR" altLang="en-US" sz="1400"/>
+          </a:p>
+        </p:txBody>
+      </p:sp>
+      <p:sp>
+        <p:nvSpPr>
+          <p:cNvPr id="11" name="TextBox 10">
+            <a:extLst>
+              <a:ext uri="{FF2B5EF4-FFF2-40B4-BE49-F238E27FC236}">
+                <a16:creationId xmlns:a16="http://schemas.microsoft.com/office/drawing/2014/main" id="{959DA7A2-9743-A971-93F6-EF6A09B093CE}"/>
+              </a:ext>
+            </a:extLst>
+          </p:cNvPr>
+          <p:cNvSpPr txBox="1"/>
+          <p:nvPr/>
+        </p:nvSpPr>
+        <p:spPr>
+          <a:xfrm>
+            <a:off x="5534972" y="4482696"/>
+            <a:ext cx="5177861" cy="954107"/>
+          </a:xfrm>
+          <a:prstGeom prst="rect">
+            <a:avLst/>
+          </a:prstGeom>
+        </p:spPr>
+        <p:txBody>
+          <a:bodyPr wrap="square" rtlCol="0">
+            <a:spAutoFit/>
+          </a:bodyPr>
+          <a:lstStyle/>
+          <a:p>
+            <a:r>
+              <a:rPr lang="en-US" altLang="ko-KR" sz="1400"/>
+              <a:t>[PC</a:t>
+            </a:r>
+            <a:r>
+              <a:rPr lang="ko-KR" altLang="en-US" sz="1400"/>
               <a:t> </a:t>
             </a:r>
-          </a:p>
-          <a:p>
-            <a:pPr marL="285750" indent="-285750">
-              <a:buFontTx/>
-              <a:buChar char="-"/>
-            </a:pPr>
-            <a:r>
-              <a:rPr lang="ko-KR" altLang="en-US" sz="2000"/>
-              <a:t>실시간 원격 데이터 처리</a:t>
-            </a:r>
-            <a:endParaRPr lang="en-US" altLang="ko-KR" sz="2000"/>
-          </a:p>
-          <a:p>
-            <a:pPr marL="285750" indent="-285750">
-              <a:buFontTx/>
-              <a:buChar char="-"/>
-            </a:pPr>
-            <a:r>
-              <a:rPr lang="en-US" altLang="ko-KR" sz="2000"/>
-              <a:t>RTL </a:t>
-            </a:r>
-            <a:r>
-              <a:rPr lang="ko-KR" altLang="en-US" sz="2000"/>
-              <a:t>기능 탑재</a:t>
-            </a:r>
-            <a:endParaRPr lang="en-US" altLang="ko-KR" sz="2000"/>
-          </a:p>
-          <a:p>
-            <a:pPr marL="285750" indent="-285750">
-              <a:buFontTx/>
-              <a:buChar char="-"/>
-            </a:pPr>
-            <a:r>
-              <a:rPr lang="en-US" altLang="ko-KR" sz="2000"/>
-              <a:t>GCS</a:t>
-            </a:r>
-            <a:r>
-              <a:rPr lang="ko-KR" altLang="en-US" sz="2000"/>
-              <a:t> 기반 위치 제어</a:t>
-            </a:r>
-            <a:endParaRPr lang="en-US" altLang="ko-KR" sz="2000"/>
-          </a:p>
-          <a:p>
-            <a:pPr marL="285750" indent="-285750">
-              <a:buFontTx/>
-              <a:buChar char="-"/>
-            </a:pPr>
-            <a:endParaRPr lang="en-US" altLang="ko-KR" sz="2000"/>
-          </a:p>
-          <a:p>
-            <a:pPr marL="285750" indent="-285750">
-              <a:buFontTx/>
-              <a:buChar char="-"/>
-            </a:pPr>
-            <a:endParaRPr lang="en-US" altLang="ko-KR" sz="2000"/>
-          </a:p>
-          <a:p>
-            <a:endParaRPr lang="en-US" altLang="ko-KR" sz="2000"/>
+            <a:r>
+              <a:rPr lang="en-US" altLang="ko-KR" sz="1400"/>
+              <a:t>APP] : MissionPlanner</a:t>
+            </a:r>
+            <a:endParaRPr lang="pt-BR" altLang="ko-KR" sz="1400">
+              <a:solidFill>
+                <a:srgbClr val="1A1926"/>
+              </a:solidFill>
+              <a:latin typeface="Arial" panose="020B0604020202020204" pitchFamily="34" charset="0"/>
+            </a:endParaRPr>
+          </a:p>
+          <a:p>
+            <a:endParaRPr lang="en-US" altLang="ko-KR" sz="1400"/>
+          </a:p>
+          <a:p>
+            <a:r>
+              <a:rPr lang="ko-KR" altLang="en-US" sz="1400"/>
+              <a:t>조건 </a:t>
+            </a:r>
+            <a:r>
+              <a:rPr lang="en-US" altLang="ko-KR" sz="1400"/>
+              <a:t>– </a:t>
+            </a:r>
+            <a:r>
+              <a:rPr lang="ko-KR" altLang="en-US" sz="1400"/>
+              <a:t>모듈과 호환 가능한 </a:t>
+            </a:r>
+            <a:r>
+              <a:rPr lang="en-US" altLang="ko-KR" sz="1400"/>
+              <a:t>PC APP / MavlinkProtocol Packet </a:t>
+            </a:r>
+            <a:r>
+              <a:rPr lang="ko-KR" altLang="en-US" sz="1400"/>
+              <a:t>을 도와주는 앱</a:t>
+            </a:r>
           </a:p>
         </p:txBody>
       </p:sp>
     </p:spTree>
     <p:extLst>
       <p:ext uri="{BB962C8B-B14F-4D97-AF65-F5344CB8AC3E}">
-        <p14:creationId xmlns:p14="http://schemas.microsoft.com/office/powerpoint/2010/main" val="1936627839"/>
+        <p14:creationId xmlns:p14="http://schemas.microsoft.com/office/powerpoint/2010/main" val="3067355295"/>
       </p:ext>
     </p:extLst>
   </p:cSld>
@@ -5024,7 +5107,7 @@
         <p:cNvPr id="1" name="">
           <a:extLst>
             <a:ext uri="{FF2B5EF4-FFF2-40B4-BE49-F238E27FC236}">
-              <a16:creationId xmlns:a16="http://schemas.microsoft.com/office/drawing/2014/main" id="{6ACFCC0B-EBEE-5874-CBC8-008E69C58FB3}"/>
+              <a16:creationId xmlns:a16="http://schemas.microsoft.com/office/drawing/2014/main" id="{B9EC8311-611D-CDED-AC73-B3952BA008EA}"/>
             </a:ext>
           </a:extLst>
         </p:cNvPr>
@@ -5044,7 +5127,7 @@
           <p:cNvPr id="6" name="TextBox 5">
             <a:extLst>
               <a:ext uri="{FF2B5EF4-FFF2-40B4-BE49-F238E27FC236}">
-                <a16:creationId xmlns:a16="http://schemas.microsoft.com/office/drawing/2014/main" id="{26BDE63E-BA88-7143-0FA1-5F17787059AB}"/>
+                <a16:creationId xmlns:a16="http://schemas.microsoft.com/office/drawing/2014/main" id="{E81A8E7C-F950-20E9-52BD-3516E58667D7}"/>
               </a:ext>
             </a:extLst>
           </p:cNvPr>
@@ -5097,7 +5180,7 @@
           <p:cNvPr id="8" name="TextBox 7">
             <a:extLst>
               <a:ext uri="{FF2B5EF4-FFF2-40B4-BE49-F238E27FC236}">
-                <a16:creationId xmlns:a16="http://schemas.microsoft.com/office/drawing/2014/main" id="{67B2CDEA-5C79-496F-1594-A6294B413BF0}"/>
+                <a16:creationId xmlns:a16="http://schemas.microsoft.com/office/drawing/2014/main" id="{DF50B6C4-AFE7-F984-1412-8F11F4FA5C48}"/>
               </a:ext>
             </a:extLst>
           </p:cNvPr>
@@ -5150,7 +5233,7 @@
           <p:cNvPr id="18" name="직사각형 17">
             <a:extLst>
               <a:ext uri="{FF2B5EF4-FFF2-40B4-BE49-F238E27FC236}">
-                <a16:creationId xmlns:a16="http://schemas.microsoft.com/office/drawing/2014/main" id="{5138B6E8-A38D-54E4-3A0C-8B475C12464E}"/>
+                <a16:creationId xmlns:a16="http://schemas.microsoft.com/office/drawing/2014/main" id="{33E0EABC-186C-7AD5-1071-9D3C4BF458FE}"/>
               </a:ext>
             </a:extLst>
           </p:cNvPr>
@@ -5206,7 +5289,7 @@
           <p:cNvPr id="17" name="TextBox 16">
             <a:extLst>
               <a:ext uri="{FF2B5EF4-FFF2-40B4-BE49-F238E27FC236}">
-                <a16:creationId xmlns:a16="http://schemas.microsoft.com/office/drawing/2014/main" id="{C780F4EB-2836-5AA5-0D6B-193D80C3B7A7}"/>
+                <a16:creationId xmlns:a16="http://schemas.microsoft.com/office/drawing/2014/main" id="{89C5434C-7B94-DE3F-30C0-ABC402F5A0B2}"/>
               </a:ext>
             </a:extLst>
           </p:cNvPr>
@@ -5215,8 +5298,8 @@
         </p:nvSpPr>
         <p:spPr>
           <a:xfrm>
-            <a:off x="5534973" y="1484730"/>
-            <a:ext cx="4985997" cy="738664"/>
+            <a:off x="437164" y="1340710"/>
+            <a:ext cx="5285427" cy="3477875"/>
           </a:xfrm>
           <a:prstGeom prst="rect">
             <a:avLst/>
@@ -5229,59 +5312,117 @@
           <a:lstStyle/>
           <a:p>
             <a:r>
-              <a:rPr lang="en-US" altLang="ko-KR" sz="1400"/>
-              <a:t>[EVB] : </a:t>
-            </a:r>
-            <a:r>
-              <a:rPr lang="pt-BR" altLang="ko-KR" sz="1400">
-                <a:solidFill>
-                  <a:srgbClr val="1A1926"/>
-                </a:solidFill>
-                <a:latin typeface="Arial" panose="020B0604020202020204" pitchFamily="34" charset="0"/>
-              </a:rPr>
-              <a:t>Arduino Micro</a:t>
-            </a:r>
-            <a:endParaRPr lang="pt-BR" altLang="ko-KR" sz="1400" b="0" i="0">
-              <a:solidFill>
-                <a:srgbClr val="1A1926"/>
-              </a:solidFill>
-              <a:effectLst/>
-              <a:latin typeface="Arial" panose="020B0604020202020204" pitchFamily="34" charset="0"/>
-            </a:endParaRPr>
-          </a:p>
-          <a:p>
-            <a:endParaRPr lang="en-US" altLang="ko-KR" sz="1400"/>
-          </a:p>
-          <a:p>
-            <a:r>
-              <a:rPr lang="ko-KR" altLang="en-US" sz="1400"/>
-              <a:t>조건 </a:t>
-            </a:r>
-            <a:r>
-              <a:rPr lang="en-US" altLang="ko-KR" sz="1400"/>
-              <a:t>– Joystick </a:t>
-            </a:r>
-            <a:r>
-              <a:rPr lang="ko-KR" altLang="en-US" sz="1400"/>
-              <a:t>오픈소스 활용 가능한 </a:t>
-            </a:r>
-            <a:r>
-              <a:rPr lang="en-US" altLang="ko-KR" sz="1400"/>
-              <a:t>HID </a:t>
-            </a:r>
-            <a:r>
-              <a:rPr lang="ko-KR" altLang="en-US" sz="1400"/>
-              <a:t>인식 장치</a:t>
-            </a:r>
-          </a:p>
-        </p:txBody>
-      </p:sp>
-      <p:sp>
-        <p:nvSpPr>
-          <p:cNvPr id="32" name="TextBox 31">
+              <a:rPr lang="en-US" altLang="ko-KR" sz="2000"/>
+              <a:t>[ Process List ]</a:t>
+            </a:r>
+          </a:p>
+          <a:p>
+            <a:r>
+              <a:rPr lang="en-US" altLang="ko-KR" sz="2000"/>
+              <a:t> </a:t>
+            </a:r>
+          </a:p>
+          <a:p>
+            <a:pPr marL="285750" indent="-285750">
+              <a:buFontTx/>
+              <a:buChar char="-"/>
+            </a:pPr>
+            <a:r>
+              <a:rPr lang="ko-KR" altLang="en-US" sz="2000"/>
+              <a:t>구조 설계  </a:t>
+            </a:r>
+            <a:endParaRPr lang="en-US" altLang="ko-KR" sz="2000"/>
+          </a:p>
+          <a:p>
+            <a:pPr marL="285750" indent="-285750">
+              <a:buFontTx/>
+              <a:buChar char="-"/>
+            </a:pPr>
+            <a:r>
+              <a:rPr lang="ko-KR" altLang="en-US" sz="2000"/>
+              <a:t>하드웨어 납땜 및 체결</a:t>
+            </a:r>
+            <a:endParaRPr lang="en-US" altLang="ko-KR" sz="2000"/>
+          </a:p>
+          <a:p>
+            <a:pPr marL="285750" indent="-285750">
+              <a:buFontTx/>
+              <a:buChar char="-"/>
+            </a:pPr>
+            <a:r>
+              <a:rPr lang="ko-KR" altLang="en-US" sz="2000"/>
+              <a:t>오픈 소스 분석</a:t>
+            </a:r>
+            <a:endParaRPr lang="en-US" altLang="ko-KR" sz="2000"/>
+          </a:p>
+          <a:p>
+            <a:pPr marL="285750" indent="-285750">
+              <a:buFontTx/>
+              <a:buChar char="-"/>
+            </a:pPr>
+            <a:r>
+              <a:rPr lang="en-US" altLang="ko-KR" sz="2000"/>
+              <a:t>FW </a:t>
+            </a:r>
+            <a:r>
+              <a:rPr lang="ko-KR" altLang="en-US" sz="2000"/>
+              <a:t>제작 </a:t>
+            </a:r>
+            <a:r>
+              <a:rPr lang="en-US" altLang="ko-KR" sz="2000"/>
+              <a:t>(1</a:t>
+            </a:r>
+            <a:r>
+              <a:rPr lang="ko-KR" altLang="en-US" sz="2000"/>
+              <a:t>차</a:t>
+            </a:r>
+            <a:r>
+              <a:rPr lang="en-US" altLang="ko-KR" sz="2000"/>
+              <a:t>~4</a:t>
+            </a:r>
+            <a:r>
+              <a:rPr lang="ko-KR" altLang="en-US" sz="2000"/>
+              <a:t>차</a:t>
+            </a:r>
+            <a:r>
+              <a:rPr lang="en-US" altLang="ko-KR" sz="2000"/>
+              <a:t>)</a:t>
+            </a:r>
+          </a:p>
+          <a:p>
+            <a:endParaRPr lang="en-US" altLang="ko-KR" sz="2000"/>
+          </a:p>
+          <a:p>
+            <a:pPr marL="285750" indent="-285750">
+              <a:buFontTx/>
+              <a:buChar char="-"/>
+            </a:pPr>
+            <a:endParaRPr lang="en-US" altLang="ko-KR" sz="2000"/>
+          </a:p>
+          <a:p>
+            <a:pPr marL="285750" indent="-285750">
+              <a:buFontTx/>
+              <a:buChar char="-"/>
+            </a:pPr>
+            <a:endParaRPr lang="en-US" altLang="ko-KR" sz="2000"/>
+          </a:p>
+          <a:p>
+            <a:r>
+              <a:rPr lang="en-US" altLang="ko-KR" sz="2000"/>
+              <a:t>&lt; 2025.01 ~ 2025.04 &gt;</a:t>
+            </a:r>
+          </a:p>
+          <a:p>
+            <a:endParaRPr lang="en-US" altLang="ko-KR" sz="2000"/>
+          </a:p>
+        </p:txBody>
+      </p:sp>
+      <p:sp>
+        <p:nvSpPr>
+          <p:cNvPr id="2" name="TextBox 1">
             <a:extLst>
               <a:ext uri="{FF2B5EF4-FFF2-40B4-BE49-F238E27FC236}">
-                <a16:creationId xmlns:a16="http://schemas.microsoft.com/office/drawing/2014/main" id="{6386CA22-6603-1619-37DD-012D1D3CE4DE}"/>
+                <a16:creationId xmlns:a16="http://schemas.microsoft.com/office/drawing/2014/main" id="{6FDB2993-D9A8-0715-B1E6-C7622AE316D1}"/>
               </a:ext>
             </a:extLst>
           </p:cNvPr>
@@ -5290,8 +5431,8 @@
         </p:nvSpPr>
         <p:spPr>
           <a:xfrm>
-            <a:off x="5534972" y="2484052"/>
-            <a:ext cx="4985997" cy="738664"/>
+            <a:off x="5555824" y="1340710"/>
+            <a:ext cx="5285427" cy="3170099"/>
           </a:xfrm>
           <a:prstGeom prst="rect">
             <a:avLst/>
@@ -5304,42 +5445,128 @@
           <a:lstStyle/>
           <a:p>
             <a:r>
-              <a:rPr lang="en-US" altLang="ko-KR" sz="1400"/>
-              <a:t>[Joystick] : Arduino Joystick Module</a:t>
-            </a:r>
-            <a:endParaRPr lang="pt-BR" altLang="ko-KR" sz="1400" b="0" i="0">
-              <a:solidFill>
-                <a:srgbClr val="1A1926"/>
-              </a:solidFill>
-              <a:effectLst/>
-              <a:latin typeface="Arial" panose="020B0604020202020204" pitchFamily="34" charset="0"/>
-            </a:endParaRPr>
-          </a:p>
-          <a:p>
-            <a:endParaRPr lang="en-US" altLang="ko-KR" sz="1400"/>
-          </a:p>
-          <a:p>
-            <a:r>
-              <a:rPr lang="ko-KR" altLang="en-US" sz="1400"/>
-              <a:t>조건 </a:t>
-            </a:r>
-            <a:r>
-              <a:rPr lang="en-US" altLang="ko-KR" sz="1400"/>
-              <a:t>– X,Y 2</a:t>
-            </a:r>
-            <a:r>
-              <a:rPr lang="ko-KR" altLang="en-US" sz="1400"/>
-              <a:t>축과 스위치 보유 모델</a:t>
-            </a:r>
-          </a:p>
-        </p:txBody>
-      </p:sp>
-      <p:sp>
-        <p:nvSpPr>
-          <p:cNvPr id="2" name="TextBox 1">
+              <a:rPr lang="en-US" altLang="ko-KR" sz="2000"/>
+              <a:t>[ Feature List ]</a:t>
+            </a:r>
+          </a:p>
+          <a:p>
+            <a:r>
+              <a:rPr lang="en-US" altLang="ko-KR" sz="2000"/>
+              <a:t> </a:t>
+            </a:r>
+          </a:p>
+          <a:p>
+            <a:pPr marL="285750" indent="-285750">
+              <a:buFontTx/>
+              <a:buChar char="-"/>
+            </a:pPr>
+            <a:r>
+              <a:rPr lang="ko-KR" altLang="en-US" sz="2000"/>
+              <a:t>조이스틱</a:t>
+            </a:r>
+            <a:r>
+              <a:rPr lang="en-US" altLang="ko-KR" sz="2000"/>
+              <a:t>,</a:t>
+            </a:r>
+            <a:r>
+              <a:rPr lang="ko-KR" altLang="en-US" sz="2000"/>
+              <a:t>버튼 값 실시간 전달</a:t>
+            </a:r>
+            <a:endParaRPr lang="en-US" altLang="ko-KR" sz="2000"/>
+          </a:p>
+          <a:p>
+            <a:pPr marL="285750" indent="-285750">
+              <a:buFontTx/>
+              <a:buChar char="-"/>
+            </a:pPr>
+            <a:r>
+              <a:rPr lang="ko-KR" altLang="en-US" sz="2000"/>
+              <a:t>조이스틱</a:t>
+            </a:r>
+            <a:r>
+              <a:rPr lang="en-US" altLang="ko-KR" sz="2000"/>
+              <a:t>,</a:t>
+            </a:r>
+            <a:r>
+              <a:rPr lang="ko-KR" altLang="en-US" sz="2000"/>
+              <a:t>버튼 노이즈 필터링</a:t>
+            </a:r>
+            <a:endParaRPr lang="en-US" altLang="ko-KR" sz="2000"/>
+          </a:p>
+          <a:p>
+            <a:pPr marL="285750" indent="-285750">
+              <a:buFontTx/>
+              <a:buChar char="-"/>
+            </a:pPr>
+            <a:r>
+              <a:rPr lang="en-US" altLang="ko-KR" sz="2000"/>
+              <a:t>RTL</a:t>
+            </a:r>
+            <a:r>
+              <a:rPr lang="ko-KR" altLang="en-US" sz="2000"/>
+              <a:t> 기능 트리거</a:t>
+            </a:r>
+            <a:endParaRPr lang="en-US" altLang="ko-KR" sz="2000"/>
+          </a:p>
+          <a:p>
+            <a:pPr marL="285750" indent="-285750">
+              <a:buFontTx/>
+              <a:buChar char="-"/>
+            </a:pPr>
+            <a:r>
+              <a:rPr lang="ko-KR" altLang="en-US" sz="2000"/>
+              <a:t>데이터 송신 제한 기능</a:t>
+            </a:r>
+            <a:endParaRPr lang="en-US" altLang="ko-KR" sz="2000"/>
+          </a:p>
+          <a:p>
+            <a:pPr marL="285750" indent="-285750">
+              <a:buFontTx/>
+              <a:buChar char="-"/>
+            </a:pPr>
+            <a:r>
+              <a:rPr lang="en-US" altLang="ko-KR" sz="2000"/>
+              <a:t>Arming / Disarming </a:t>
+            </a:r>
+            <a:r>
+              <a:rPr lang="ko-KR" altLang="en-US" sz="2000"/>
+              <a:t>을 위한 </a:t>
+            </a:r>
+            <a:r>
+              <a:rPr lang="en-US" altLang="ko-KR" sz="2000"/>
+              <a:t>Margin </a:t>
+            </a:r>
+            <a:r>
+              <a:rPr lang="ko-KR" altLang="en-US" sz="2000"/>
+              <a:t>처리</a:t>
+            </a:r>
+            <a:endParaRPr lang="en-US" altLang="ko-KR" sz="2000"/>
+          </a:p>
+          <a:p>
+            <a:pPr marL="285750" indent="-285750">
+              <a:buFontTx/>
+              <a:buChar char="-"/>
+            </a:pPr>
+            <a:endParaRPr lang="en-US" altLang="ko-KR" sz="2000"/>
+          </a:p>
+          <a:p>
+            <a:pPr marL="285750" indent="-285750">
+              <a:buFontTx/>
+              <a:buChar char="-"/>
+            </a:pPr>
+            <a:endParaRPr lang="en-US" altLang="ko-KR" sz="2000"/>
+          </a:p>
+          <a:p>
+            <a:endParaRPr lang="en-US" altLang="ko-KR" sz="2000"/>
+          </a:p>
+        </p:txBody>
+      </p:sp>
+      <p:sp>
+        <p:nvSpPr>
+          <p:cNvPr id="3" name="TextBox 2">
             <a:extLst>
               <a:ext uri="{FF2B5EF4-FFF2-40B4-BE49-F238E27FC236}">
-                <a16:creationId xmlns:a16="http://schemas.microsoft.com/office/drawing/2014/main" id="{D9600C09-D39C-6908-CA96-4998EE5450B9}"/>
+                <a16:creationId xmlns:a16="http://schemas.microsoft.com/office/drawing/2014/main" id="{F528A9FC-4D2D-AD68-3DCB-E03B0F3D27E1}"/>
               </a:ext>
             </a:extLst>
           </p:cNvPr>
@@ -5384,224 +5611,10 @@
           </a:p>
         </p:txBody>
       </p:sp>
-      <p:pic>
-        <p:nvPicPr>
-          <p:cNvPr id="3" name="그림 2">
-            <a:extLst>
-              <a:ext uri="{FF2B5EF4-FFF2-40B4-BE49-F238E27FC236}">
-                <a16:creationId xmlns:a16="http://schemas.microsoft.com/office/drawing/2014/main" id="{2F9DB80D-905D-7A72-A52A-58DD4A04D7BC}"/>
-              </a:ext>
-            </a:extLst>
-          </p:cNvPr>
-          <p:cNvPicPr>
-            <a:picLocks noChangeAspect="1"/>
-          </p:cNvPicPr>
-          <p:nvPr/>
-        </p:nvPicPr>
-        <p:blipFill>
-          <a:blip r:embed="rId2"/>
-          <a:stretch>
-            <a:fillRect/>
-          </a:stretch>
-        </p:blipFill>
-        <p:spPr>
-          <a:xfrm>
-            <a:off x="469836" y="1479408"/>
-            <a:ext cx="4512647" cy="3317782"/>
-          </a:xfrm>
-          <a:prstGeom prst="rect">
-            <a:avLst/>
-          </a:prstGeom>
-        </p:spPr>
-      </p:pic>
-      <p:pic>
-        <p:nvPicPr>
-          <p:cNvPr id="9" name="그림 8">
-            <a:extLst>
-              <a:ext uri="{FF2B5EF4-FFF2-40B4-BE49-F238E27FC236}">
-                <a16:creationId xmlns:a16="http://schemas.microsoft.com/office/drawing/2014/main" id="{325DB9BA-D45A-283C-5AC3-2A0DDB01B97D}"/>
-              </a:ext>
-            </a:extLst>
-          </p:cNvPr>
-          <p:cNvPicPr>
-            <a:picLocks noChangeAspect="1"/>
-          </p:cNvPicPr>
-          <p:nvPr/>
-        </p:nvPicPr>
-        <p:blipFill>
-          <a:blip r:embed="rId3"/>
-          <a:stretch>
-            <a:fillRect/>
-          </a:stretch>
-        </p:blipFill>
-        <p:spPr>
-          <a:xfrm rot="5400000">
-            <a:off x="1828224" y="3433871"/>
-            <a:ext cx="843143" cy="3558426"/>
-          </a:xfrm>
-          <a:prstGeom prst="rect">
-            <a:avLst/>
-          </a:prstGeom>
-        </p:spPr>
-      </p:pic>
-      <p:sp>
-        <p:nvSpPr>
-          <p:cNvPr id="10" name="TextBox 9">
-            <a:extLst>
-              <a:ext uri="{FF2B5EF4-FFF2-40B4-BE49-F238E27FC236}">
-                <a16:creationId xmlns:a16="http://schemas.microsoft.com/office/drawing/2014/main" id="{226B95B8-C963-E34A-B2FF-AB5D97AB2400}"/>
-              </a:ext>
-            </a:extLst>
-          </p:cNvPr>
-          <p:cNvSpPr txBox="1"/>
-          <p:nvPr/>
-        </p:nvSpPr>
-        <p:spPr>
-          <a:xfrm>
-            <a:off x="5534972" y="3483374"/>
-            <a:ext cx="5177861" cy="738664"/>
-          </a:xfrm>
-          <a:prstGeom prst="rect">
-            <a:avLst/>
-          </a:prstGeom>
-        </p:spPr>
-        <p:txBody>
-          <a:bodyPr wrap="square" rtlCol="0">
-            <a:spAutoFit/>
-          </a:bodyPr>
-          <a:lstStyle/>
-          <a:p>
-            <a:r>
-              <a:rPr lang="en-US" altLang="ko-KR" sz="1400"/>
-              <a:t>[Telemetry] : Holybro </a:t>
-            </a:r>
-            <a:r>
-              <a:rPr lang="pt-BR" altLang="ko-KR" sz="1400">
-                <a:solidFill>
-                  <a:srgbClr val="1A1926"/>
-                </a:solidFill>
-                <a:latin typeface="Arial" panose="020B0604020202020204" pitchFamily="34" charset="0"/>
-              </a:rPr>
-              <a:t>sik telemetry radio v3</a:t>
-            </a:r>
-          </a:p>
-          <a:p>
-            <a:endParaRPr lang="en-US" altLang="ko-KR" sz="1400"/>
-          </a:p>
-          <a:p>
-            <a:r>
-              <a:rPr lang="ko-KR" altLang="en-US" sz="1400"/>
-              <a:t>조건 </a:t>
-            </a:r>
-            <a:r>
-              <a:rPr lang="en-US" altLang="ko-KR" sz="1400"/>
-              <a:t>– </a:t>
-            </a:r>
-            <a:r>
-              <a:rPr lang="ko-KR" altLang="en-US" sz="1400"/>
-              <a:t>최대 </a:t>
-            </a:r>
-            <a:r>
-              <a:rPr lang="en-US" altLang="ko-KR" sz="1400"/>
-              <a:t>100m </a:t>
-            </a:r>
-            <a:r>
-              <a:rPr lang="ko-KR" altLang="en-US" sz="1400"/>
-              <a:t>까지 테스트 가능한 제품군 </a:t>
-            </a:r>
-            <a:r>
-              <a:rPr lang="en-US" altLang="ko-KR" sz="1400"/>
-              <a:t>(</a:t>
-            </a:r>
-            <a:r>
-              <a:rPr lang="ko-KR" altLang="en-US" sz="1400"/>
-              <a:t>통신 안정성 확보</a:t>
-            </a:r>
-            <a:r>
-              <a:rPr lang="en-US" altLang="ko-KR" sz="1400"/>
-              <a:t>)</a:t>
-            </a:r>
-            <a:endParaRPr lang="ko-KR" altLang="en-US" sz="1400"/>
-          </a:p>
-        </p:txBody>
-      </p:sp>
-      <p:sp>
-        <p:nvSpPr>
-          <p:cNvPr id="11" name="TextBox 10">
-            <a:extLst>
-              <a:ext uri="{FF2B5EF4-FFF2-40B4-BE49-F238E27FC236}">
-                <a16:creationId xmlns:a16="http://schemas.microsoft.com/office/drawing/2014/main" id="{959DA7A2-9743-A971-93F6-EF6A09B093CE}"/>
-              </a:ext>
-            </a:extLst>
-          </p:cNvPr>
-          <p:cNvSpPr txBox="1"/>
-          <p:nvPr/>
-        </p:nvSpPr>
-        <p:spPr>
-          <a:xfrm>
-            <a:off x="5534972" y="4482696"/>
-            <a:ext cx="5177861" cy="954107"/>
-          </a:xfrm>
-          <a:prstGeom prst="rect">
-            <a:avLst/>
-          </a:prstGeom>
-        </p:spPr>
-        <p:txBody>
-          <a:bodyPr wrap="square" rtlCol="0">
-            <a:spAutoFit/>
-          </a:bodyPr>
-          <a:lstStyle/>
-          <a:p>
-            <a:r>
-              <a:rPr lang="en-US" altLang="ko-KR" sz="1400"/>
-              <a:t>[PC</a:t>
-            </a:r>
-            <a:r>
-              <a:rPr lang="ko-KR" altLang="en-US" sz="1400"/>
-              <a:t> </a:t>
-            </a:r>
-            <a:r>
-              <a:rPr lang="en-US" altLang="ko-KR" sz="1400"/>
-              <a:t>APP] : MissionPlanner</a:t>
-            </a:r>
-            <a:endParaRPr lang="pt-BR" altLang="ko-KR" sz="1400">
-              <a:solidFill>
-                <a:srgbClr val="1A1926"/>
-              </a:solidFill>
-              <a:latin typeface="Arial" panose="020B0604020202020204" pitchFamily="34" charset="0"/>
-            </a:endParaRPr>
-          </a:p>
-          <a:p>
-            <a:endParaRPr lang="en-US" altLang="ko-KR" sz="1400"/>
-          </a:p>
-          <a:p>
-            <a:r>
-              <a:rPr lang="ko-KR" altLang="en-US" sz="1400"/>
-              <a:t>조건 </a:t>
-            </a:r>
-            <a:r>
-              <a:rPr lang="en-US" altLang="ko-KR" sz="1400"/>
-              <a:t>– </a:t>
-            </a:r>
-            <a:r>
-              <a:rPr lang="ko-KR" altLang="en-US" sz="1400"/>
-              <a:t>모듈과 호환 가능한 </a:t>
-            </a:r>
-            <a:r>
-              <a:rPr lang="en-US" altLang="ko-KR" sz="1400"/>
-              <a:t>PC APP / MavlinkProtocol Packet </a:t>
-            </a:r>
-            <a:r>
-              <a:rPr lang="ko-KR" altLang="en-US" sz="1400"/>
-              <a:t>을 도와주는 앱</a:t>
-            </a:r>
-          </a:p>
-        </p:txBody>
-      </p:sp>
     </p:spTree>
     <p:extLst>
       <p:ext uri="{BB962C8B-B14F-4D97-AF65-F5344CB8AC3E}">
-        <p14:creationId xmlns:p14="http://schemas.microsoft.com/office/powerpoint/2010/main" val="3067355295"/>
+        <p14:creationId xmlns:p14="http://schemas.microsoft.com/office/powerpoint/2010/main" val="36730269"/>
       </p:ext>
     </p:extLst>
   </p:cSld>
@@ -5627,7 +5640,7 @@
         <p:cNvPr id="1" name="">
           <a:extLst>
             <a:ext uri="{FF2B5EF4-FFF2-40B4-BE49-F238E27FC236}">
-              <a16:creationId xmlns:a16="http://schemas.microsoft.com/office/drawing/2014/main" id="{B9EC8311-611D-CDED-AC73-B3952BA008EA}"/>
+              <a16:creationId xmlns:a16="http://schemas.microsoft.com/office/drawing/2014/main" id="{FC9860F6-4850-EDBC-0E8B-10B8CA9DD845}"/>
             </a:ext>
           </a:extLst>
         </p:cNvPr>
@@ -5647,7 +5660,7 @@
           <p:cNvPr id="6" name="TextBox 5">
             <a:extLst>
               <a:ext uri="{FF2B5EF4-FFF2-40B4-BE49-F238E27FC236}">
-                <a16:creationId xmlns:a16="http://schemas.microsoft.com/office/drawing/2014/main" id="{E81A8E7C-F950-20E9-52BD-3516E58667D7}"/>
+                <a16:creationId xmlns:a16="http://schemas.microsoft.com/office/drawing/2014/main" id="{979F8690-A57B-16E1-3299-284701DDE8B8}"/>
               </a:ext>
             </a:extLst>
           </p:cNvPr>
@@ -5700,7 +5713,7 @@
           <p:cNvPr id="8" name="TextBox 7">
             <a:extLst>
               <a:ext uri="{FF2B5EF4-FFF2-40B4-BE49-F238E27FC236}">
-                <a16:creationId xmlns:a16="http://schemas.microsoft.com/office/drawing/2014/main" id="{DF50B6C4-AFE7-F984-1412-8F11F4FA5C48}"/>
+                <a16:creationId xmlns:a16="http://schemas.microsoft.com/office/drawing/2014/main" id="{2510EB8E-4789-71D6-5ABE-99EFA705C6CD}"/>
               </a:ext>
             </a:extLst>
           </p:cNvPr>
@@ -5753,7 +5766,7 @@
           <p:cNvPr id="18" name="직사각형 17">
             <a:extLst>
               <a:ext uri="{FF2B5EF4-FFF2-40B4-BE49-F238E27FC236}">
-                <a16:creationId xmlns:a16="http://schemas.microsoft.com/office/drawing/2014/main" id="{33E0EABC-186C-7AD5-1071-9D3C4BF458FE}"/>
+                <a16:creationId xmlns:a16="http://schemas.microsoft.com/office/drawing/2014/main" id="{4AA0E2D4-109C-118A-62A1-DA5A93948288}"/>
               </a:ext>
             </a:extLst>
           </p:cNvPr>
@@ -5806,10 +5819,10 @@
       </p:sp>
       <p:sp>
         <p:nvSpPr>
-          <p:cNvPr id="17" name="TextBox 16">
+          <p:cNvPr id="2" name="TextBox 1">
             <a:extLst>
               <a:ext uri="{FF2B5EF4-FFF2-40B4-BE49-F238E27FC236}">
-                <a16:creationId xmlns:a16="http://schemas.microsoft.com/office/drawing/2014/main" id="{89C5434C-7B94-DE3F-30C0-ABC402F5A0B2}"/>
+                <a16:creationId xmlns:a16="http://schemas.microsoft.com/office/drawing/2014/main" id="{A3FDB67C-34A3-57CC-7CD3-EC31FA26DE2B}"/>
               </a:ext>
             </a:extLst>
           </p:cNvPr>
@@ -5818,285 +5831,8 @@
         </p:nvSpPr>
         <p:spPr>
           <a:xfrm>
-            <a:off x="437164" y="1340710"/>
-            <a:ext cx="5285427" cy="3477875"/>
-          </a:xfrm>
-          <a:prstGeom prst="rect">
-            <a:avLst/>
-          </a:prstGeom>
-        </p:spPr>
-        <p:txBody>
-          <a:bodyPr wrap="square" rtlCol="0">
-            <a:spAutoFit/>
-          </a:bodyPr>
-          <a:lstStyle/>
-          <a:p>
-            <a:r>
-              <a:rPr lang="en-US" altLang="ko-KR" sz="2000"/>
-              <a:t>[ Process List ]</a:t>
-            </a:r>
-          </a:p>
-          <a:p>
-            <a:r>
-              <a:rPr lang="en-US" altLang="ko-KR" sz="2000"/>
-              <a:t> </a:t>
-            </a:r>
-          </a:p>
-          <a:p>
-            <a:pPr marL="285750" indent="-285750">
-              <a:buFontTx/>
-              <a:buChar char="-"/>
-            </a:pPr>
-            <a:r>
-              <a:rPr lang="ko-KR" altLang="en-US" sz="2000"/>
-              <a:t>구조 설계  </a:t>
-            </a:r>
-            <a:endParaRPr lang="en-US" altLang="ko-KR" sz="2000"/>
-          </a:p>
-          <a:p>
-            <a:pPr marL="285750" indent="-285750">
-              <a:buFontTx/>
-              <a:buChar char="-"/>
-            </a:pPr>
-            <a:r>
-              <a:rPr lang="ko-KR" altLang="en-US" sz="2000"/>
-              <a:t>하드웨어 납땜 및 체결</a:t>
-            </a:r>
-            <a:endParaRPr lang="en-US" altLang="ko-KR" sz="2000"/>
-          </a:p>
-          <a:p>
-            <a:pPr marL="285750" indent="-285750">
-              <a:buFontTx/>
-              <a:buChar char="-"/>
-            </a:pPr>
-            <a:r>
-              <a:rPr lang="ko-KR" altLang="en-US" sz="2000"/>
-              <a:t>오픈 소스 분석</a:t>
-            </a:r>
-            <a:endParaRPr lang="en-US" altLang="ko-KR" sz="2000"/>
-          </a:p>
-          <a:p>
-            <a:pPr marL="285750" indent="-285750">
-              <a:buFontTx/>
-              <a:buChar char="-"/>
-            </a:pPr>
-            <a:r>
-              <a:rPr lang="en-US" altLang="ko-KR" sz="2000"/>
-              <a:t>FW </a:t>
-            </a:r>
-            <a:r>
-              <a:rPr lang="ko-KR" altLang="en-US" sz="2000"/>
-              <a:t>제작 </a:t>
-            </a:r>
-            <a:r>
-              <a:rPr lang="en-US" altLang="ko-KR" sz="2000"/>
-              <a:t>(1</a:t>
-            </a:r>
-            <a:r>
-              <a:rPr lang="ko-KR" altLang="en-US" sz="2000"/>
-              <a:t>차</a:t>
-            </a:r>
-            <a:r>
-              <a:rPr lang="en-US" altLang="ko-KR" sz="2000"/>
-              <a:t>~4</a:t>
-            </a:r>
-            <a:r>
-              <a:rPr lang="ko-KR" altLang="en-US" sz="2000"/>
-              <a:t>차</a:t>
-            </a:r>
-            <a:r>
-              <a:rPr lang="en-US" altLang="ko-KR" sz="2000"/>
-              <a:t>)</a:t>
-            </a:r>
-          </a:p>
-          <a:p>
-            <a:endParaRPr lang="en-US" altLang="ko-KR" sz="2000"/>
-          </a:p>
-          <a:p>
-            <a:pPr marL="285750" indent="-285750">
-              <a:buFontTx/>
-              <a:buChar char="-"/>
-            </a:pPr>
-            <a:endParaRPr lang="en-US" altLang="ko-KR" sz="2000"/>
-          </a:p>
-          <a:p>
-            <a:pPr marL="285750" indent="-285750">
-              <a:buFontTx/>
-              <a:buChar char="-"/>
-            </a:pPr>
-            <a:endParaRPr lang="en-US" altLang="ko-KR" sz="2000"/>
-          </a:p>
-          <a:p>
-            <a:r>
-              <a:rPr lang="en-US" altLang="ko-KR" sz="2000"/>
-              <a:t>&lt; 2025.01 ~ 2025.04 &gt;</a:t>
-            </a:r>
-          </a:p>
-          <a:p>
-            <a:endParaRPr lang="en-US" altLang="ko-KR" sz="2000"/>
-          </a:p>
-        </p:txBody>
-      </p:sp>
-      <p:sp>
-        <p:nvSpPr>
-          <p:cNvPr id="2" name="TextBox 1">
-            <a:extLst>
-              <a:ext uri="{FF2B5EF4-FFF2-40B4-BE49-F238E27FC236}">
-                <a16:creationId xmlns:a16="http://schemas.microsoft.com/office/drawing/2014/main" id="{6FDB2993-D9A8-0715-B1E6-C7622AE316D1}"/>
-              </a:ext>
-            </a:extLst>
-          </p:cNvPr>
-          <p:cNvSpPr txBox="1"/>
-          <p:nvPr/>
-        </p:nvSpPr>
-        <p:spPr>
-          <a:xfrm>
-            <a:off x="5555824" y="1340710"/>
-            <a:ext cx="5285427" cy="3170099"/>
-          </a:xfrm>
-          <a:prstGeom prst="rect">
-            <a:avLst/>
-          </a:prstGeom>
-        </p:spPr>
-        <p:txBody>
-          <a:bodyPr wrap="square" rtlCol="0">
-            <a:spAutoFit/>
-          </a:bodyPr>
-          <a:lstStyle/>
-          <a:p>
-            <a:r>
-              <a:rPr lang="en-US" altLang="ko-KR" sz="2000"/>
-              <a:t>[ Feature List ]</a:t>
-            </a:r>
-          </a:p>
-          <a:p>
-            <a:r>
-              <a:rPr lang="en-US" altLang="ko-KR" sz="2000"/>
-              <a:t> </a:t>
-            </a:r>
-          </a:p>
-          <a:p>
-            <a:pPr marL="285750" indent="-285750">
-              <a:buFontTx/>
-              <a:buChar char="-"/>
-            </a:pPr>
-            <a:r>
-              <a:rPr lang="ko-KR" altLang="en-US" sz="2000"/>
-              <a:t>조이스틱</a:t>
-            </a:r>
-            <a:r>
-              <a:rPr lang="en-US" altLang="ko-KR" sz="2000"/>
-              <a:t>,</a:t>
-            </a:r>
-            <a:r>
-              <a:rPr lang="ko-KR" altLang="en-US" sz="2000"/>
-              <a:t>버튼 값 실시간 전달</a:t>
-            </a:r>
-            <a:endParaRPr lang="en-US" altLang="ko-KR" sz="2000"/>
-          </a:p>
-          <a:p>
-            <a:pPr marL="285750" indent="-285750">
-              <a:buFontTx/>
-              <a:buChar char="-"/>
-            </a:pPr>
-            <a:r>
-              <a:rPr lang="ko-KR" altLang="en-US" sz="2000"/>
-              <a:t>조이스틱</a:t>
-            </a:r>
-            <a:r>
-              <a:rPr lang="en-US" altLang="ko-KR" sz="2000"/>
-              <a:t>,</a:t>
-            </a:r>
-            <a:r>
-              <a:rPr lang="ko-KR" altLang="en-US" sz="2000"/>
-              <a:t>버튼 노이즈 필터링</a:t>
-            </a:r>
-            <a:endParaRPr lang="en-US" altLang="ko-KR" sz="2000"/>
-          </a:p>
-          <a:p>
-            <a:pPr marL="285750" indent="-285750">
-              <a:buFontTx/>
-              <a:buChar char="-"/>
-            </a:pPr>
-            <a:r>
-              <a:rPr lang="en-US" altLang="ko-KR" sz="2000"/>
-              <a:t>RTL</a:t>
-            </a:r>
-            <a:r>
-              <a:rPr lang="ko-KR" altLang="en-US" sz="2000"/>
-              <a:t> 기능 트리거</a:t>
-            </a:r>
-            <a:endParaRPr lang="en-US" altLang="ko-KR" sz="2000"/>
-          </a:p>
-          <a:p>
-            <a:pPr marL="285750" indent="-285750">
-              <a:buFontTx/>
-              <a:buChar char="-"/>
-            </a:pPr>
-            <a:r>
-              <a:rPr lang="ko-KR" altLang="en-US" sz="2000"/>
-              <a:t>데이터 송신 제한 기능</a:t>
-            </a:r>
-            <a:endParaRPr lang="en-US" altLang="ko-KR" sz="2000"/>
-          </a:p>
-          <a:p>
-            <a:pPr marL="285750" indent="-285750">
-              <a:buFontTx/>
-              <a:buChar char="-"/>
-            </a:pPr>
-            <a:r>
-              <a:rPr lang="en-US" altLang="ko-KR" sz="2000"/>
-              <a:t>Arming / Disarming </a:t>
-            </a:r>
-            <a:r>
-              <a:rPr lang="ko-KR" altLang="en-US" sz="2000"/>
-              <a:t>을 위한 </a:t>
-            </a:r>
-            <a:r>
-              <a:rPr lang="en-US" altLang="ko-KR" sz="2000"/>
-              <a:t>Margin </a:t>
-            </a:r>
-            <a:r>
-              <a:rPr lang="ko-KR" altLang="en-US" sz="2000"/>
-              <a:t>처리</a:t>
-            </a:r>
-            <a:endParaRPr lang="en-US" altLang="ko-KR" sz="2000"/>
-          </a:p>
-          <a:p>
-            <a:pPr marL="285750" indent="-285750">
-              <a:buFontTx/>
-              <a:buChar char="-"/>
-            </a:pPr>
-            <a:endParaRPr lang="en-US" altLang="ko-KR" sz="2000"/>
-          </a:p>
-          <a:p>
-            <a:pPr marL="285750" indent="-285750">
-              <a:buFontTx/>
-              <a:buChar char="-"/>
-            </a:pPr>
-            <a:endParaRPr lang="en-US" altLang="ko-KR" sz="2000"/>
-          </a:p>
-          <a:p>
-            <a:endParaRPr lang="en-US" altLang="ko-KR" sz="2000"/>
-          </a:p>
-        </p:txBody>
-      </p:sp>
-      <p:sp>
-        <p:nvSpPr>
-          <p:cNvPr id="3" name="TextBox 2">
-            <a:extLst>
-              <a:ext uri="{FF2B5EF4-FFF2-40B4-BE49-F238E27FC236}">
-                <a16:creationId xmlns:a16="http://schemas.microsoft.com/office/drawing/2014/main" id="{F528A9FC-4D2D-AD68-3DCB-E03B0F3D27E1}"/>
-              </a:ext>
-            </a:extLst>
-          </p:cNvPr>
-          <p:cNvSpPr txBox="1"/>
-          <p:nvPr/>
-        </p:nvSpPr>
-        <p:spPr>
-          <a:xfrm>
-            <a:off x="536907" y="670130"/>
-            <a:ext cx="479618" cy="276999"/>
+            <a:off x="485129" y="670130"/>
+            <a:ext cx="1334533" cy="276999"/>
           </a:xfrm>
           <a:prstGeom prst="rect">
             <a:avLst/>
@@ -6119,7 +5855,7 @@
                 <a:latin typeface="나눔스퀘어_ac Bold"/>
                 <a:ea typeface="나눔스퀘어_ac Bold"/>
               </a:rPr>
-              <a:t>GCS</a:t>
+              <a:t>Landing Station</a:t>
             </a:r>
             <a:endParaRPr lang="ko-KR" altLang="en-US" sz="1200" b="1">
               <a:solidFill>
@@ -6131,10 +5867,327 @@
           </a:p>
         </p:txBody>
       </p:sp>
+      <p:sp>
+        <p:nvSpPr>
+          <p:cNvPr id="4" name="TextBox 3">
+            <a:extLst>
+              <a:ext uri="{FF2B5EF4-FFF2-40B4-BE49-F238E27FC236}">
+                <a16:creationId xmlns:a16="http://schemas.microsoft.com/office/drawing/2014/main" id="{62AB2D82-F2CF-391D-175D-F0249568AF3F}"/>
+              </a:ext>
+            </a:extLst>
+          </p:cNvPr>
+          <p:cNvSpPr txBox="1"/>
+          <p:nvPr/>
+        </p:nvSpPr>
+        <p:spPr>
+          <a:xfrm>
+            <a:off x="5534973" y="1484730"/>
+            <a:ext cx="4985997" cy="738664"/>
+          </a:xfrm>
+          <a:prstGeom prst="rect">
+            <a:avLst/>
+          </a:prstGeom>
+        </p:spPr>
+        <p:txBody>
+          <a:bodyPr wrap="square" rtlCol="0">
+            <a:spAutoFit/>
+          </a:bodyPr>
+          <a:lstStyle/>
+          <a:p>
+            <a:r>
+              <a:rPr lang="en-US" altLang="ko-KR" sz="1400"/>
+              <a:t>[EVB] : </a:t>
+            </a:r>
+            <a:r>
+              <a:rPr lang="pt-BR" altLang="ko-KR" sz="1400">
+                <a:solidFill>
+                  <a:srgbClr val="1A1926"/>
+                </a:solidFill>
+                <a:latin typeface="Arial" panose="020B0604020202020204" pitchFamily="34" charset="0"/>
+              </a:rPr>
+              <a:t>Raspberry Pi 5 + Hailo hat</a:t>
+            </a:r>
+            <a:endParaRPr lang="pt-BR" altLang="ko-KR" sz="1400" b="0" i="0">
+              <a:solidFill>
+                <a:srgbClr val="1A1926"/>
+              </a:solidFill>
+              <a:effectLst/>
+              <a:latin typeface="Arial" panose="020B0604020202020204" pitchFamily="34" charset="0"/>
+            </a:endParaRPr>
+          </a:p>
+          <a:p>
+            <a:endParaRPr lang="en-US" altLang="ko-KR" sz="1400"/>
+          </a:p>
+          <a:p>
+            <a:r>
+              <a:rPr lang="ko-KR" altLang="en-US" sz="1400"/>
+              <a:t>조건 </a:t>
+            </a:r>
+            <a:r>
+              <a:rPr lang="en-US" altLang="ko-KR" sz="1400"/>
+              <a:t>– AI</a:t>
+            </a:r>
+            <a:r>
+              <a:rPr lang="ko-KR" altLang="en-US" sz="1400"/>
+              <a:t> </a:t>
+            </a:r>
+            <a:r>
+              <a:rPr lang="en-US" altLang="ko-KR" sz="1400"/>
+              <a:t>Model </a:t>
+            </a:r>
+            <a:r>
+              <a:rPr lang="ko-KR" altLang="en-US" sz="1400"/>
+              <a:t>구동 가능한 모델</a:t>
+            </a:r>
+          </a:p>
+        </p:txBody>
+      </p:sp>
+      <p:sp>
+        <p:nvSpPr>
+          <p:cNvPr id="5" name="TextBox 4">
+            <a:extLst>
+              <a:ext uri="{FF2B5EF4-FFF2-40B4-BE49-F238E27FC236}">
+                <a16:creationId xmlns:a16="http://schemas.microsoft.com/office/drawing/2014/main" id="{BB40BF37-2DD1-4A48-6A87-B7473F72FF90}"/>
+              </a:ext>
+            </a:extLst>
+          </p:cNvPr>
+          <p:cNvSpPr txBox="1"/>
+          <p:nvPr/>
+        </p:nvSpPr>
+        <p:spPr>
+          <a:xfrm>
+            <a:off x="5534972" y="2484052"/>
+            <a:ext cx="4985997" cy="738664"/>
+          </a:xfrm>
+          <a:prstGeom prst="rect">
+            <a:avLst/>
+          </a:prstGeom>
+        </p:spPr>
+        <p:txBody>
+          <a:bodyPr wrap="square" rtlCol="0">
+            <a:spAutoFit/>
+          </a:bodyPr>
+          <a:lstStyle/>
+          <a:p>
+            <a:r>
+              <a:rPr lang="en-US" altLang="ko-KR" sz="1400"/>
+              <a:t>[Monitor] : Keweisi C</a:t>
+            </a:r>
+            <a:r>
+              <a:rPr lang="ko-KR" altLang="en-US" sz="1400"/>
+              <a:t>타입 </a:t>
+            </a:r>
+            <a:r>
+              <a:rPr lang="en-US" altLang="ko-KR" sz="1400"/>
+              <a:t>USB </a:t>
+            </a:r>
+            <a:r>
+              <a:rPr lang="ko-KR" altLang="en-US" sz="1400"/>
+              <a:t>전압</a:t>
+            </a:r>
+            <a:r>
+              <a:rPr lang="en-US" altLang="ko-KR" sz="1400"/>
+              <a:t>/</a:t>
+            </a:r>
+            <a:r>
+              <a:rPr lang="ko-KR" altLang="en-US" sz="1400"/>
+              <a:t>전류 측정기</a:t>
+            </a:r>
+            <a:endParaRPr lang="pt-BR" altLang="ko-KR" sz="1400" b="0" i="0">
+              <a:solidFill>
+                <a:srgbClr val="1A1926"/>
+              </a:solidFill>
+              <a:effectLst/>
+              <a:latin typeface="Arial" panose="020B0604020202020204" pitchFamily="34" charset="0"/>
+            </a:endParaRPr>
+          </a:p>
+          <a:p>
+            <a:endParaRPr lang="en-US" altLang="ko-KR" sz="1400"/>
+          </a:p>
+          <a:p>
+            <a:r>
+              <a:rPr lang="ko-KR" altLang="en-US" sz="1400"/>
+              <a:t>조건 </a:t>
+            </a:r>
+            <a:r>
+              <a:rPr lang="en-US" altLang="ko-KR" sz="1400"/>
+              <a:t>– RaspberryPi</a:t>
+            </a:r>
+            <a:r>
+              <a:rPr lang="ko-KR" altLang="en-US" sz="1400"/>
+              <a:t>가 먹는 전류 상한선까지 측정가능한 모델</a:t>
+            </a:r>
+          </a:p>
+        </p:txBody>
+      </p:sp>
+      <p:sp>
+        <p:nvSpPr>
+          <p:cNvPr id="7" name="TextBox 6">
+            <a:extLst>
+              <a:ext uri="{FF2B5EF4-FFF2-40B4-BE49-F238E27FC236}">
+                <a16:creationId xmlns:a16="http://schemas.microsoft.com/office/drawing/2014/main" id="{E3076F69-B53D-09E1-C422-4CD711CDE1B2}"/>
+              </a:ext>
+            </a:extLst>
+          </p:cNvPr>
+          <p:cNvSpPr txBox="1"/>
+          <p:nvPr/>
+        </p:nvSpPr>
+        <p:spPr>
+          <a:xfrm>
+            <a:off x="5534973" y="3418815"/>
+            <a:ext cx="4985997" cy="738664"/>
+          </a:xfrm>
+          <a:prstGeom prst="rect">
+            <a:avLst/>
+          </a:prstGeom>
+        </p:spPr>
+        <p:txBody>
+          <a:bodyPr wrap="square" rtlCol="0">
+            <a:spAutoFit/>
+          </a:bodyPr>
+          <a:lstStyle/>
+          <a:p>
+            <a:r>
+              <a:rPr lang="en-US" altLang="ko-KR" sz="1400"/>
+              <a:t>[Camera] : </a:t>
+            </a:r>
+            <a:r>
+              <a:rPr lang="pt-BR" altLang="ko-KR" sz="1400">
+                <a:solidFill>
+                  <a:srgbClr val="1A1926"/>
+                </a:solidFill>
+                <a:latin typeface="Arial" panose="020B0604020202020204" pitchFamily="34" charset="0"/>
+              </a:rPr>
+              <a:t>RaspberryPi Camera Module 3</a:t>
+            </a:r>
+            <a:endParaRPr lang="pt-BR" altLang="ko-KR" sz="1400" b="0" i="0">
+              <a:solidFill>
+                <a:srgbClr val="1A1926"/>
+              </a:solidFill>
+              <a:effectLst/>
+              <a:latin typeface="Arial" panose="020B0604020202020204" pitchFamily="34" charset="0"/>
+            </a:endParaRPr>
+          </a:p>
+          <a:p>
+            <a:endParaRPr lang="en-US" altLang="ko-KR" sz="1400"/>
+          </a:p>
+          <a:p>
+            <a:r>
+              <a:rPr lang="ko-KR" altLang="en-US" sz="1400"/>
+              <a:t>조건 </a:t>
+            </a:r>
+            <a:r>
+              <a:rPr lang="en-US" altLang="ko-KR" sz="1400"/>
+              <a:t>– EVB set</a:t>
+            </a:r>
+            <a:r>
+              <a:rPr lang="ko-KR" altLang="en-US" sz="1400"/>
+              <a:t>와 호환성 높은 제품</a:t>
+            </a:r>
+            <a:r>
+              <a:rPr lang="en-US" altLang="ko-KR" sz="1400"/>
+              <a:t>, </a:t>
+            </a:r>
+            <a:r>
+              <a:rPr lang="ko-KR" altLang="en-US" sz="1400"/>
+              <a:t>자동 초점 기능 </a:t>
+            </a:r>
+          </a:p>
+        </p:txBody>
+      </p:sp>
+      <p:sp>
+        <p:nvSpPr>
+          <p:cNvPr id="10" name="TextBox 9">
+            <a:extLst>
+              <a:ext uri="{FF2B5EF4-FFF2-40B4-BE49-F238E27FC236}">
+                <a16:creationId xmlns:a16="http://schemas.microsoft.com/office/drawing/2014/main" id="{AB75683D-FCB2-1087-C64B-92EB214E6A1E}"/>
+              </a:ext>
+            </a:extLst>
+          </p:cNvPr>
+          <p:cNvSpPr txBox="1"/>
+          <p:nvPr/>
+        </p:nvSpPr>
+        <p:spPr>
+          <a:xfrm>
+            <a:off x="5534972" y="4418137"/>
+            <a:ext cx="5177861" cy="738664"/>
+          </a:xfrm>
+          <a:prstGeom prst="rect">
+            <a:avLst/>
+          </a:prstGeom>
+        </p:spPr>
+        <p:txBody>
+          <a:bodyPr wrap="square" rtlCol="0">
+            <a:spAutoFit/>
+          </a:bodyPr>
+          <a:lstStyle/>
+          <a:p>
+            <a:r>
+              <a:rPr lang="en-US" altLang="ko-KR" sz="1400"/>
+              <a:t>[Adaptor] : RaspberryPi 27W Adaptor</a:t>
+            </a:r>
+          </a:p>
+          <a:p>
+            <a:endParaRPr lang="en-US" altLang="ko-KR" sz="1400"/>
+          </a:p>
+          <a:p>
+            <a:r>
+              <a:rPr lang="ko-KR" altLang="en-US" sz="1400"/>
+              <a:t>조건 </a:t>
+            </a:r>
+            <a:r>
+              <a:rPr lang="en-US" altLang="ko-KR" sz="1400"/>
+              <a:t>– ai</a:t>
+            </a:r>
+            <a:r>
+              <a:rPr lang="ko-KR" altLang="en-US" sz="1400"/>
+              <a:t> 가속기에 충분한 전류를 흘려 줄 </a:t>
+            </a:r>
+            <a:r>
+              <a:rPr lang="en-US" altLang="ko-KR" sz="1400"/>
+              <a:t>PowerSupply </a:t>
+            </a:r>
+            <a:r>
+              <a:rPr lang="ko-KR" altLang="en-US" sz="1400"/>
+              <a:t>모델</a:t>
+            </a:r>
+          </a:p>
+        </p:txBody>
+      </p:sp>
+      <p:pic>
+        <p:nvPicPr>
+          <p:cNvPr id="12" name="그림 11">
+            <a:extLst>
+              <a:ext uri="{FF2B5EF4-FFF2-40B4-BE49-F238E27FC236}">
+                <a16:creationId xmlns:a16="http://schemas.microsoft.com/office/drawing/2014/main" id="{12985164-B0F0-4139-C9FD-5AACF7584850}"/>
+              </a:ext>
+            </a:extLst>
+          </p:cNvPr>
+          <p:cNvPicPr>
+            <a:picLocks noChangeAspect="1"/>
+          </p:cNvPicPr>
+          <p:nvPr/>
+        </p:nvPicPr>
+        <p:blipFill>
+          <a:blip r:embed="rId2"/>
+          <a:stretch>
+            <a:fillRect/>
+          </a:stretch>
+        </p:blipFill>
+        <p:spPr>
+          <a:xfrm>
+            <a:off x="440549" y="1309650"/>
+            <a:ext cx="1796375" cy="4956994"/>
+          </a:xfrm>
+          <a:prstGeom prst="rect">
+            <a:avLst/>
+          </a:prstGeom>
+        </p:spPr>
+      </p:pic>
     </p:spTree>
     <p:extLst>
       <p:ext uri="{BB962C8B-B14F-4D97-AF65-F5344CB8AC3E}">
-        <p14:creationId xmlns:p14="http://schemas.microsoft.com/office/powerpoint/2010/main" val="36730269"/>
+        <p14:creationId xmlns:p14="http://schemas.microsoft.com/office/powerpoint/2010/main" val="806678057"/>
       </p:ext>
     </p:extLst>
   </p:cSld>
@@ -6160,7 +6213,7 @@
         <p:cNvPr id="1" name="">
           <a:extLst>
             <a:ext uri="{FF2B5EF4-FFF2-40B4-BE49-F238E27FC236}">
-              <a16:creationId xmlns:a16="http://schemas.microsoft.com/office/drawing/2014/main" id="{FC9860F6-4850-EDBC-0E8B-10B8CA9DD845}"/>
+              <a16:creationId xmlns:a16="http://schemas.microsoft.com/office/drawing/2014/main" id="{FD878B7F-B23C-F975-6B82-D47D0D9289BA}"/>
             </a:ext>
           </a:extLst>
         </p:cNvPr>
@@ -6180,7 +6233,7 @@
           <p:cNvPr id="6" name="TextBox 5">
             <a:extLst>
               <a:ext uri="{FF2B5EF4-FFF2-40B4-BE49-F238E27FC236}">
-                <a16:creationId xmlns:a16="http://schemas.microsoft.com/office/drawing/2014/main" id="{979F8690-A57B-16E1-3299-284701DDE8B8}"/>
+                <a16:creationId xmlns:a16="http://schemas.microsoft.com/office/drawing/2014/main" id="{C6D9EA9A-52AB-4C93-C26E-6A484DFDEEBC}"/>
               </a:ext>
             </a:extLst>
           </p:cNvPr>
@@ -6233,7 +6286,7 @@
           <p:cNvPr id="8" name="TextBox 7">
             <a:extLst>
               <a:ext uri="{FF2B5EF4-FFF2-40B4-BE49-F238E27FC236}">
-                <a16:creationId xmlns:a16="http://schemas.microsoft.com/office/drawing/2014/main" id="{2510EB8E-4789-71D6-5ABE-99EFA705C6CD}"/>
+                <a16:creationId xmlns:a16="http://schemas.microsoft.com/office/drawing/2014/main" id="{A36C86DF-9385-04CF-AB63-8033E4AA1196}"/>
               </a:ext>
             </a:extLst>
           </p:cNvPr>
@@ -6286,7 +6339,7 @@
           <p:cNvPr id="18" name="직사각형 17">
             <a:extLst>
               <a:ext uri="{FF2B5EF4-FFF2-40B4-BE49-F238E27FC236}">
-                <a16:creationId xmlns:a16="http://schemas.microsoft.com/office/drawing/2014/main" id="{4AA0E2D4-109C-118A-62A1-DA5A93948288}"/>
+                <a16:creationId xmlns:a16="http://schemas.microsoft.com/office/drawing/2014/main" id="{D2C49EF3-168C-6592-18BD-670AEECAC4F5}"/>
               </a:ext>
             </a:extLst>
           </p:cNvPr>
@@ -6339,10 +6392,317 @@
       </p:sp>
       <p:sp>
         <p:nvSpPr>
+          <p:cNvPr id="17" name="TextBox 16">
+            <a:extLst>
+              <a:ext uri="{FF2B5EF4-FFF2-40B4-BE49-F238E27FC236}">
+                <a16:creationId xmlns:a16="http://schemas.microsoft.com/office/drawing/2014/main" id="{1AB69918-2D3E-BADD-2DF6-2B494C2ECF5B}"/>
+              </a:ext>
+            </a:extLst>
+          </p:cNvPr>
+          <p:cNvSpPr txBox="1"/>
+          <p:nvPr/>
+        </p:nvSpPr>
+        <p:spPr>
+          <a:xfrm>
+            <a:off x="437164" y="1340710"/>
+            <a:ext cx="5285427" cy="4708981"/>
+          </a:xfrm>
+          <a:prstGeom prst="rect">
+            <a:avLst/>
+          </a:prstGeom>
+        </p:spPr>
+        <p:txBody>
+          <a:bodyPr wrap="square" rtlCol="0">
+            <a:spAutoFit/>
+          </a:bodyPr>
+          <a:lstStyle/>
+          <a:p>
+            <a:r>
+              <a:rPr lang="en-US" altLang="ko-KR" sz="2000"/>
+              <a:t>[ Process List ]</a:t>
+            </a:r>
+          </a:p>
+          <a:p>
+            <a:r>
+              <a:rPr lang="en-US" altLang="ko-KR" sz="2000"/>
+              <a:t> </a:t>
+            </a:r>
+          </a:p>
+          <a:p>
+            <a:pPr marL="285750" indent="-285750">
+              <a:buFontTx/>
+              <a:buChar char="-"/>
+            </a:pPr>
+            <a:r>
+              <a:rPr lang="ko-KR" altLang="en-US" sz="2000"/>
+              <a:t>구조 설계  </a:t>
+            </a:r>
+            <a:endParaRPr lang="en-US" altLang="ko-KR" sz="2000"/>
+          </a:p>
+          <a:p>
+            <a:pPr marL="285750" indent="-285750">
+              <a:buFontTx/>
+              <a:buChar char="-"/>
+            </a:pPr>
+            <a:r>
+              <a:rPr lang="ko-KR" altLang="en-US" sz="2000"/>
+              <a:t>하드웨어 납땜 및 체결</a:t>
+            </a:r>
+            <a:endParaRPr lang="en-US" altLang="ko-KR" sz="2000"/>
+          </a:p>
+          <a:p>
+            <a:pPr marL="285750" indent="-285750">
+              <a:buFontTx/>
+              <a:buChar char="-"/>
+            </a:pPr>
+            <a:r>
+              <a:rPr lang="ko-KR" altLang="en-US" sz="2000"/>
+              <a:t>오픈 소스 분석</a:t>
+            </a:r>
+            <a:endParaRPr lang="en-US" altLang="ko-KR" sz="2000"/>
+          </a:p>
+          <a:p>
+            <a:pPr marL="285750" indent="-285750">
+              <a:buFontTx/>
+              <a:buChar char="-"/>
+            </a:pPr>
+            <a:r>
+              <a:rPr lang="en-US" altLang="ko-KR" sz="2000"/>
+              <a:t>Yolo Model </a:t>
+            </a:r>
+            <a:r>
+              <a:rPr lang="ko-KR" altLang="en-US" sz="2000"/>
+              <a:t>학습 데이터 수집</a:t>
+            </a:r>
+            <a:endParaRPr lang="en-US" altLang="ko-KR" sz="2000"/>
+          </a:p>
+          <a:p>
+            <a:pPr marL="285750" indent="-285750">
+              <a:buFontTx/>
+              <a:buChar char="-"/>
+            </a:pPr>
+            <a:r>
+              <a:rPr lang="en-US" altLang="ko-KR" sz="2000"/>
+              <a:t>Yolo Model </a:t>
+            </a:r>
+            <a:r>
+              <a:rPr lang="ko-KR" altLang="en-US" sz="2000"/>
+              <a:t>학습 </a:t>
+            </a:r>
+            <a:r>
+              <a:rPr lang="en-US" altLang="ko-KR" sz="2000"/>
+              <a:t>(1</a:t>
+            </a:r>
+            <a:r>
+              <a:rPr lang="ko-KR" altLang="en-US" sz="2000"/>
+              <a:t>차 </a:t>
+            </a:r>
+            <a:r>
+              <a:rPr lang="en-US" altLang="ko-KR" sz="2000"/>
+              <a:t>~ 5</a:t>
+            </a:r>
+            <a:r>
+              <a:rPr lang="ko-KR" altLang="en-US" sz="2000"/>
+              <a:t>차</a:t>
+            </a:r>
+            <a:r>
+              <a:rPr lang="en-US" altLang="ko-KR" sz="2000"/>
+              <a:t>)</a:t>
+            </a:r>
+          </a:p>
+          <a:p>
+            <a:pPr marL="285750" indent="-285750">
+              <a:buFontTx/>
+              <a:buChar char="-"/>
+            </a:pPr>
+            <a:r>
+              <a:rPr lang="ko-KR" altLang="en-US" sz="2000"/>
+              <a:t>인식율 테스트</a:t>
+            </a:r>
+            <a:endParaRPr lang="en-US" altLang="ko-KR" sz="2000"/>
+          </a:p>
+          <a:p>
+            <a:pPr marL="285750" indent="-285750">
+              <a:buFontTx/>
+              <a:buChar char="-"/>
+            </a:pPr>
+            <a:r>
+              <a:rPr lang="en-US" altLang="ko-KR" sz="2000"/>
+              <a:t>Interrupt / I2C Command </a:t>
+            </a:r>
+            <a:r>
+              <a:rPr lang="ko-KR" altLang="en-US" sz="2000"/>
+              <a:t>기능 구현</a:t>
+            </a:r>
+            <a:endParaRPr lang="en-US" altLang="ko-KR" sz="2000"/>
+          </a:p>
+          <a:p>
+            <a:pPr marL="285750" indent="-285750">
+              <a:buFontTx/>
+              <a:buChar char="-"/>
+            </a:pPr>
+            <a:endParaRPr lang="en-US" altLang="ko-KR" sz="2000"/>
+          </a:p>
+          <a:p>
+            <a:pPr marL="285750" indent="-285750">
+              <a:buFontTx/>
+              <a:buChar char="-"/>
+            </a:pPr>
+            <a:endParaRPr lang="en-US" altLang="ko-KR" sz="2000"/>
+          </a:p>
+          <a:p>
+            <a:pPr marL="285750" indent="-285750">
+              <a:buFontTx/>
+              <a:buChar char="-"/>
+            </a:pPr>
+            <a:endParaRPr lang="en-US" altLang="ko-KR" sz="2000"/>
+          </a:p>
+          <a:p>
+            <a:pPr marL="285750" indent="-285750">
+              <a:buFontTx/>
+              <a:buChar char="-"/>
+            </a:pPr>
+            <a:endParaRPr lang="en-US" altLang="ko-KR" sz="2000"/>
+          </a:p>
+          <a:p>
+            <a:r>
+              <a:rPr lang="en-US" altLang="ko-KR" sz="2000"/>
+              <a:t>&lt; 2025.02 ~ 2025.04 &gt;</a:t>
+            </a:r>
+          </a:p>
+          <a:p>
+            <a:endParaRPr lang="en-US" altLang="ko-KR" sz="2000"/>
+          </a:p>
+        </p:txBody>
+      </p:sp>
+      <p:sp>
+        <p:nvSpPr>
           <p:cNvPr id="2" name="TextBox 1">
             <a:extLst>
               <a:ext uri="{FF2B5EF4-FFF2-40B4-BE49-F238E27FC236}">
-                <a16:creationId xmlns:a16="http://schemas.microsoft.com/office/drawing/2014/main" id="{A3FDB67C-34A3-57CC-7CD3-EC31FA26DE2B}"/>
+                <a16:creationId xmlns:a16="http://schemas.microsoft.com/office/drawing/2014/main" id="{5E33A917-BDFA-0B32-CCEE-E84016A30B51}"/>
+              </a:ext>
+            </a:extLst>
+          </p:cNvPr>
+          <p:cNvSpPr txBox="1"/>
+          <p:nvPr/>
+        </p:nvSpPr>
+        <p:spPr>
+          <a:xfrm>
+            <a:off x="5555824" y="1340710"/>
+            <a:ext cx="5285427" cy="2554545"/>
+          </a:xfrm>
+          <a:prstGeom prst="rect">
+            <a:avLst/>
+          </a:prstGeom>
+        </p:spPr>
+        <p:txBody>
+          <a:bodyPr wrap="square" rtlCol="0">
+            <a:spAutoFit/>
+          </a:bodyPr>
+          <a:lstStyle/>
+          <a:p>
+            <a:r>
+              <a:rPr lang="en-US" altLang="ko-KR" sz="2000"/>
+              <a:t>[ Feature List ]</a:t>
+            </a:r>
+          </a:p>
+          <a:p>
+            <a:r>
+              <a:rPr lang="en-US" altLang="ko-KR" sz="2000"/>
+              <a:t> </a:t>
+            </a:r>
+          </a:p>
+          <a:p>
+            <a:pPr marL="285750" indent="-285750">
+              <a:buFontTx/>
+              <a:buChar char="-"/>
+            </a:pPr>
+            <a:r>
+              <a:rPr lang="ko-KR" altLang="en-US" sz="2000"/>
+              <a:t>실시간 </a:t>
+            </a:r>
+            <a:r>
+              <a:rPr lang="en-US" altLang="ko-KR" sz="2000"/>
+              <a:t>Drone </a:t>
+            </a:r>
+            <a:r>
+              <a:rPr lang="ko-KR" altLang="en-US" sz="2000"/>
+              <a:t>인식 기능</a:t>
+            </a:r>
+            <a:endParaRPr lang="en-US" altLang="ko-KR" sz="2000"/>
+          </a:p>
+          <a:p>
+            <a:pPr marL="285750" indent="-285750">
+              <a:buFontTx/>
+              <a:buChar char="-"/>
+            </a:pPr>
+            <a:r>
+              <a:rPr lang="ko-KR" altLang="en-US" sz="2000"/>
+              <a:t>착륙지 중앙으로 드론 위치 보정 기능</a:t>
+            </a:r>
+            <a:endParaRPr lang="en-US" altLang="ko-KR" sz="2000"/>
+          </a:p>
+          <a:p>
+            <a:pPr marL="285750" indent="-285750">
+              <a:buFontTx/>
+              <a:buChar char="-"/>
+            </a:pPr>
+            <a:r>
+              <a:rPr lang="en-US" altLang="ko-KR" sz="2000"/>
+              <a:t>I2C bus line</a:t>
+            </a:r>
+            <a:r>
+              <a:rPr lang="ko-KR" altLang="en-US" sz="2000"/>
+              <a:t>을 통해 </a:t>
+            </a:r>
+            <a:r>
+              <a:rPr lang="en-US" altLang="ko-KR" sz="2000"/>
+              <a:t>Command </a:t>
+            </a:r>
+            <a:r>
+              <a:rPr lang="ko-KR" altLang="en-US" sz="2000"/>
+              <a:t>전달</a:t>
+            </a:r>
+            <a:endParaRPr lang="en-US" altLang="ko-KR" sz="2000"/>
+          </a:p>
+          <a:p>
+            <a:pPr marL="285750" indent="-285750">
+              <a:buFontTx/>
+              <a:buChar char="-"/>
+            </a:pPr>
+            <a:r>
+              <a:rPr lang="ko-KR" altLang="en-US" sz="2000"/>
+              <a:t>비상상황 대비 </a:t>
+            </a:r>
+            <a:r>
+              <a:rPr lang="en-US" altLang="ko-KR" sz="2000"/>
+              <a:t>Interrupt </a:t>
+            </a:r>
+            <a:r>
+              <a:rPr lang="ko-KR" altLang="en-US" sz="2000"/>
+              <a:t>기반 정지 기능</a:t>
+            </a:r>
+            <a:endParaRPr lang="en-US" altLang="ko-KR" sz="2000"/>
+          </a:p>
+          <a:p>
+            <a:pPr marL="285750" indent="-285750">
+              <a:buFontTx/>
+              <a:buChar char="-"/>
+            </a:pPr>
+            <a:endParaRPr lang="en-US" altLang="ko-KR" sz="2000"/>
+          </a:p>
+          <a:p>
+            <a:endParaRPr lang="en-US" altLang="ko-KR" sz="2000"/>
+          </a:p>
+        </p:txBody>
+      </p:sp>
+      <p:sp>
+        <p:nvSpPr>
+          <p:cNvPr id="4" name="TextBox 3">
+            <a:extLst>
+              <a:ext uri="{FF2B5EF4-FFF2-40B4-BE49-F238E27FC236}">
+                <a16:creationId xmlns:a16="http://schemas.microsoft.com/office/drawing/2014/main" id="{2380DB8A-63AB-EC13-165C-2CF1112CD7A3}"/>
               </a:ext>
             </a:extLst>
           </p:cNvPr>
@@ -6387,327 +6747,10 @@
           </a:p>
         </p:txBody>
       </p:sp>
-      <p:sp>
-        <p:nvSpPr>
-          <p:cNvPr id="4" name="TextBox 3">
-            <a:extLst>
-              <a:ext uri="{FF2B5EF4-FFF2-40B4-BE49-F238E27FC236}">
-                <a16:creationId xmlns:a16="http://schemas.microsoft.com/office/drawing/2014/main" id="{62AB2D82-F2CF-391D-175D-F0249568AF3F}"/>
-              </a:ext>
-            </a:extLst>
-          </p:cNvPr>
-          <p:cNvSpPr txBox="1"/>
-          <p:nvPr/>
-        </p:nvSpPr>
-        <p:spPr>
-          <a:xfrm>
-            <a:off x="5534973" y="1484730"/>
-            <a:ext cx="4985997" cy="738664"/>
-          </a:xfrm>
-          <a:prstGeom prst="rect">
-            <a:avLst/>
-          </a:prstGeom>
-        </p:spPr>
-        <p:txBody>
-          <a:bodyPr wrap="square" rtlCol="0">
-            <a:spAutoFit/>
-          </a:bodyPr>
-          <a:lstStyle/>
-          <a:p>
-            <a:r>
-              <a:rPr lang="en-US" altLang="ko-KR" sz="1400"/>
-              <a:t>[EVB] : </a:t>
-            </a:r>
-            <a:r>
-              <a:rPr lang="pt-BR" altLang="ko-KR" sz="1400">
-                <a:solidFill>
-                  <a:srgbClr val="1A1926"/>
-                </a:solidFill>
-                <a:latin typeface="Arial" panose="020B0604020202020204" pitchFamily="34" charset="0"/>
-              </a:rPr>
-              <a:t>Raspberry Pi 5 + Hailo hat</a:t>
-            </a:r>
-            <a:endParaRPr lang="pt-BR" altLang="ko-KR" sz="1400" b="0" i="0">
-              <a:solidFill>
-                <a:srgbClr val="1A1926"/>
-              </a:solidFill>
-              <a:effectLst/>
-              <a:latin typeface="Arial" panose="020B0604020202020204" pitchFamily="34" charset="0"/>
-            </a:endParaRPr>
-          </a:p>
-          <a:p>
-            <a:endParaRPr lang="en-US" altLang="ko-KR" sz="1400"/>
-          </a:p>
-          <a:p>
-            <a:r>
-              <a:rPr lang="ko-KR" altLang="en-US" sz="1400"/>
-              <a:t>조건 </a:t>
-            </a:r>
-            <a:r>
-              <a:rPr lang="en-US" altLang="ko-KR" sz="1400"/>
-              <a:t>– AI</a:t>
-            </a:r>
-            <a:r>
-              <a:rPr lang="ko-KR" altLang="en-US" sz="1400"/>
-              <a:t> </a:t>
-            </a:r>
-            <a:r>
-              <a:rPr lang="en-US" altLang="ko-KR" sz="1400"/>
-              <a:t>Model </a:t>
-            </a:r>
-            <a:r>
-              <a:rPr lang="ko-KR" altLang="en-US" sz="1400"/>
-              <a:t>구동 가능한 모델</a:t>
-            </a:r>
-          </a:p>
-        </p:txBody>
-      </p:sp>
-      <p:sp>
-        <p:nvSpPr>
-          <p:cNvPr id="5" name="TextBox 4">
-            <a:extLst>
-              <a:ext uri="{FF2B5EF4-FFF2-40B4-BE49-F238E27FC236}">
-                <a16:creationId xmlns:a16="http://schemas.microsoft.com/office/drawing/2014/main" id="{BB40BF37-2DD1-4A48-6A87-B7473F72FF90}"/>
-              </a:ext>
-            </a:extLst>
-          </p:cNvPr>
-          <p:cNvSpPr txBox="1"/>
-          <p:nvPr/>
-        </p:nvSpPr>
-        <p:spPr>
-          <a:xfrm>
-            <a:off x="5534972" y="2484052"/>
-            <a:ext cx="4985997" cy="738664"/>
-          </a:xfrm>
-          <a:prstGeom prst="rect">
-            <a:avLst/>
-          </a:prstGeom>
-        </p:spPr>
-        <p:txBody>
-          <a:bodyPr wrap="square" rtlCol="0">
-            <a:spAutoFit/>
-          </a:bodyPr>
-          <a:lstStyle/>
-          <a:p>
-            <a:r>
-              <a:rPr lang="en-US" altLang="ko-KR" sz="1400"/>
-              <a:t>[Monitor] : Keweisi C</a:t>
-            </a:r>
-            <a:r>
-              <a:rPr lang="ko-KR" altLang="en-US" sz="1400"/>
-              <a:t>타입 </a:t>
-            </a:r>
-            <a:r>
-              <a:rPr lang="en-US" altLang="ko-KR" sz="1400"/>
-              <a:t>USB </a:t>
-            </a:r>
-            <a:r>
-              <a:rPr lang="ko-KR" altLang="en-US" sz="1400"/>
-              <a:t>전압</a:t>
-            </a:r>
-            <a:r>
-              <a:rPr lang="en-US" altLang="ko-KR" sz="1400"/>
-              <a:t>/</a:t>
-            </a:r>
-            <a:r>
-              <a:rPr lang="ko-KR" altLang="en-US" sz="1400"/>
-              <a:t>전류 측정기</a:t>
-            </a:r>
-            <a:endParaRPr lang="pt-BR" altLang="ko-KR" sz="1400" b="0" i="0">
-              <a:solidFill>
-                <a:srgbClr val="1A1926"/>
-              </a:solidFill>
-              <a:effectLst/>
-              <a:latin typeface="Arial" panose="020B0604020202020204" pitchFamily="34" charset="0"/>
-            </a:endParaRPr>
-          </a:p>
-          <a:p>
-            <a:endParaRPr lang="en-US" altLang="ko-KR" sz="1400"/>
-          </a:p>
-          <a:p>
-            <a:r>
-              <a:rPr lang="ko-KR" altLang="en-US" sz="1400"/>
-              <a:t>조건 </a:t>
-            </a:r>
-            <a:r>
-              <a:rPr lang="en-US" altLang="ko-KR" sz="1400"/>
-              <a:t>– RaspberryPi</a:t>
-            </a:r>
-            <a:r>
-              <a:rPr lang="ko-KR" altLang="en-US" sz="1400"/>
-              <a:t>가 먹는 전류 상한선까지 측정가능한 모델</a:t>
-            </a:r>
-          </a:p>
-        </p:txBody>
-      </p:sp>
-      <p:sp>
-        <p:nvSpPr>
-          <p:cNvPr id="7" name="TextBox 6">
-            <a:extLst>
-              <a:ext uri="{FF2B5EF4-FFF2-40B4-BE49-F238E27FC236}">
-                <a16:creationId xmlns:a16="http://schemas.microsoft.com/office/drawing/2014/main" id="{E3076F69-B53D-09E1-C422-4CD711CDE1B2}"/>
-              </a:ext>
-            </a:extLst>
-          </p:cNvPr>
-          <p:cNvSpPr txBox="1"/>
-          <p:nvPr/>
-        </p:nvSpPr>
-        <p:spPr>
-          <a:xfrm>
-            <a:off x="5534973" y="3418815"/>
-            <a:ext cx="4985997" cy="738664"/>
-          </a:xfrm>
-          <a:prstGeom prst="rect">
-            <a:avLst/>
-          </a:prstGeom>
-        </p:spPr>
-        <p:txBody>
-          <a:bodyPr wrap="square" rtlCol="0">
-            <a:spAutoFit/>
-          </a:bodyPr>
-          <a:lstStyle/>
-          <a:p>
-            <a:r>
-              <a:rPr lang="en-US" altLang="ko-KR" sz="1400"/>
-              <a:t>[Camera] : </a:t>
-            </a:r>
-            <a:r>
-              <a:rPr lang="pt-BR" altLang="ko-KR" sz="1400">
-                <a:solidFill>
-                  <a:srgbClr val="1A1926"/>
-                </a:solidFill>
-                <a:latin typeface="Arial" panose="020B0604020202020204" pitchFamily="34" charset="0"/>
-              </a:rPr>
-              <a:t>RaspberryPi Camera Module 3</a:t>
-            </a:r>
-            <a:endParaRPr lang="pt-BR" altLang="ko-KR" sz="1400" b="0" i="0">
-              <a:solidFill>
-                <a:srgbClr val="1A1926"/>
-              </a:solidFill>
-              <a:effectLst/>
-              <a:latin typeface="Arial" panose="020B0604020202020204" pitchFamily="34" charset="0"/>
-            </a:endParaRPr>
-          </a:p>
-          <a:p>
-            <a:endParaRPr lang="en-US" altLang="ko-KR" sz="1400"/>
-          </a:p>
-          <a:p>
-            <a:r>
-              <a:rPr lang="ko-KR" altLang="en-US" sz="1400"/>
-              <a:t>조건 </a:t>
-            </a:r>
-            <a:r>
-              <a:rPr lang="en-US" altLang="ko-KR" sz="1400"/>
-              <a:t>– EVB set</a:t>
-            </a:r>
-            <a:r>
-              <a:rPr lang="ko-KR" altLang="en-US" sz="1400"/>
-              <a:t>와 호환성 높은 제품</a:t>
-            </a:r>
-            <a:r>
-              <a:rPr lang="en-US" altLang="ko-KR" sz="1400"/>
-              <a:t>, </a:t>
-            </a:r>
-            <a:r>
-              <a:rPr lang="ko-KR" altLang="en-US" sz="1400"/>
-              <a:t>자동 초점 기능 </a:t>
-            </a:r>
-          </a:p>
-        </p:txBody>
-      </p:sp>
-      <p:sp>
-        <p:nvSpPr>
-          <p:cNvPr id="10" name="TextBox 9">
-            <a:extLst>
-              <a:ext uri="{FF2B5EF4-FFF2-40B4-BE49-F238E27FC236}">
-                <a16:creationId xmlns:a16="http://schemas.microsoft.com/office/drawing/2014/main" id="{AB75683D-FCB2-1087-C64B-92EB214E6A1E}"/>
-              </a:ext>
-            </a:extLst>
-          </p:cNvPr>
-          <p:cNvSpPr txBox="1"/>
-          <p:nvPr/>
-        </p:nvSpPr>
-        <p:spPr>
-          <a:xfrm>
-            <a:off x="5534972" y="4418137"/>
-            <a:ext cx="5177861" cy="738664"/>
-          </a:xfrm>
-          <a:prstGeom prst="rect">
-            <a:avLst/>
-          </a:prstGeom>
-        </p:spPr>
-        <p:txBody>
-          <a:bodyPr wrap="square" rtlCol="0">
-            <a:spAutoFit/>
-          </a:bodyPr>
-          <a:lstStyle/>
-          <a:p>
-            <a:r>
-              <a:rPr lang="en-US" altLang="ko-KR" sz="1400"/>
-              <a:t>[Adaptor] : RaspberryPi 27W Adaptor</a:t>
-            </a:r>
-          </a:p>
-          <a:p>
-            <a:endParaRPr lang="en-US" altLang="ko-KR" sz="1400"/>
-          </a:p>
-          <a:p>
-            <a:r>
-              <a:rPr lang="ko-KR" altLang="en-US" sz="1400"/>
-              <a:t>조건 </a:t>
-            </a:r>
-            <a:r>
-              <a:rPr lang="en-US" altLang="ko-KR" sz="1400"/>
-              <a:t>– ai</a:t>
-            </a:r>
-            <a:r>
-              <a:rPr lang="ko-KR" altLang="en-US" sz="1400"/>
-              <a:t> 가속기에 충분한 전류를 흘려 줄 </a:t>
-            </a:r>
-            <a:r>
-              <a:rPr lang="en-US" altLang="ko-KR" sz="1400"/>
-              <a:t>PowerSupply </a:t>
-            </a:r>
-            <a:r>
-              <a:rPr lang="ko-KR" altLang="en-US" sz="1400"/>
-              <a:t>모델</a:t>
-            </a:r>
-          </a:p>
-        </p:txBody>
-      </p:sp>
-      <p:pic>
-        <p:nvPicPr>
-          <p:cNvPr id="12" name="그림 11">
-            <a:extLst>
-              <a:ext uri="{FF2B5EF4-FFF2-40B4-BE49-F238E27FC236}">
-                <a16:creationId xmlns:a16="http://schemas.microsoft.com/office/drawing/2014/main" id="{12985164-B0F0-4139-C9FD-5AACF7584850}"/>
-              </a:ext>
-            </a:extLst>
-          </p:cNvPr>
-          <p:cNvPicPr>
-            <a:picLocks noChangeAspect="1"/>
-          </p:cNvPicPr>
-          <p:nvPr/>
-        </p:nvPicPr>
-        <p:blipFill>
-          <a:blip r:embed="rId2"/>
-          <a:stretch>
-            <a:fillRect/>
-          </a:stretch>
-        </p:blipFill>
-        <p:spPr>
-          <a:xfrm>
-            <a:off x="440549" y="1309650"/>
-            <a:ext cx="1796375" cy="4956994"/>
-          </a:xfrm>
-          <a:prstGeom prst="rect">
-            <a:avLst/>
-          </a:prstGeom>
-        </p:spPr>
-      </p:pic>
     </p:spTree>
     <p:extLst>
       <p:ext uri="{BB962C8B-B14F-4D97-AF65-F5344CB8AC3E}">
-        <p14:creationId xmlns:p14="http://schemas.microsoft.com/office/powerpoint/2010/main" val="806678057"/>
+        <p14:creationId xmlns:p14="http://schemas.microsoft.com/office/powerpoint/2010/main" val="675039328"/>
       </p:ext>
     </p:extLst>
   </p:cSld>
@@ -6733,569 +6776,6 @@
         <p:cNvPr id="1" name="">
           <a:extLst>
             <a:ext uri="{FF2B5EF4-FFF2-40B4-BE49-F238E27FC236}">
-              <a16:creationId xmlns:a16="http://schemas.microsoft.com/office/drawing/2014/main" id="{FD878B7F-B23C-F975-6B82-D47D0D9289BA}"/>
-            </a:ext>
-          </a:extLst>
-        </p:cNvPr>
-        <p:cNvGrpSpPr/>
-        <p:nvPr/>
-      </p:nvGrpSpPr>
-      <p:grpSpPr>
-        <a:xfrm>
-          <a:off x="0" y="0"/>
-          <a:ext cx="0" cy="0"/>
-          <a:chOff x="0" y="0"/>
-          <a:chExt cx="0" cy="0"/>
-        </a:xfrm>
-      </p:grpSpPr>
-      <p:sp>
-        <p:nvSpPr>
-          <p:cNvPr id="6" name="TextBox 5">
-            <a:extLst>
-              <a:ext uri="{FF2B5EF4-FFF2-40B4-BE49-F238E27FC236}">
-                <a16:creationId xmlns:a16="http://schemas.microsoft.com/office/drawing/2014/main" id="{C6D9EA9A-52AB-4C93-C26E-6A484DFDEEBC}"/>
-              </a:ext>
-            </a:extLst>
-          </p:cNvPr>
-          <p:cNvSpPr txBox="1"/>
-          <p:nvPr/>
-        </p:nvSpPr>
-        <p:spPr>
-          <a:xfrm>
-            <a:off x="500033" y="392049"/>
-            <a:ext cx="1266693" cy="307777"/>
-          </a:xfrm>
-          <a:prstGeom prst="rect">
-            <a:avLst/>
-          </a:prstGeom>
-        </p:spPr>
-        <p:txBody>
-          <a:bodyPr wrap="none">
-            <a:spAutoFit/>
-          </a:bodyPr>
-          <a:lstStyle/>
-          <a:p>
-            <a:pPr algn="ctr">
-              <a:defRPr/>
-            </a:pPr>
-            <a:r>
-              <a:rPr lang="en-US" altLang="ko-KR" sz="1400">
-                <a:solidFill>
-                  <a:srgbClr val="0F3158"/>
-                </a:solidFill>
-                <a:latin typeface="나눔스퀘어_ac ExtraBold"/>
-                <a:ea typeface="나눔스퀘어_ac ExtraBold"/>
-              </a:rPr>
-              <a:t>02.</a:t>
-            </a:r>
-            <a:r>
-              <a:rPr lang="ko-KR" altLang="en-US" sz="1400">
-                <a:solidFill>
-                  <a:srgbClr val="0F3158"/>
-                </a:solidFill>
-                <a:latin typeface="나눔스퀘어_ac ExtraBold"/>
-                <a:ea typeface="나눔스퀘어_ac ExtraBold"/>
-              </a:rPr>
-              <a:t> 개발 과정</a:t>
-            </a:r>
-          </a:p>
-        </p:txBody>
-      </p:sp>
-      <p:sp>
-        <p:nvSpPr>
-          <p:cNvPr id="8" name="TextBox 7">
-            <a:extLst>
-              <a:ext uri="{FF2B5EF4-FFF2-40B4-BE49-F238E27FC236}">
-                <a16:creationId xmlns:a16="http://schemas.microsoft.com/office/drawing/2014/main" id="{A36C86DF-9385-04CF-AB63-8033E4AA1196}"/>
-              </a:ext>
-            </a:extLst>
-          </p:cNvPr>
-          <p:cNvSpPr txBox="1"/>
-          <p:nvPr/>
-        </p:nvSpPr>
-        <p:spPr>
-          <a:xfrm>
-            <a:off x="9124299" y="392049"/>
-            <a:ext cx="1832554" cy="246221"/>
-          </a:xfrm>
-          <a:prstGeom prst="rect">
-            <a:avLst/>
-          </a:prstGeom>
-        </p:spPr>
-        <p:txBody>
-          <a:bodyPr wrap="none">
-            <a:spAutoFit/>
-          </a:bodyPr>
-          <a:lstStyle/>
-          <a:p>
-            <a:pPr algn="ctr">
-              <a:defRPr/>
-            </a:pPr>
-            <a:r>
-              <a:rPr lang="en-US" altLang="ko-KR" sz="1000">
-                <a:solidFill>
-                  <a:srgbClr val="0F3158"/>
-                </a:solidFill>
-                <a:latin typeface="나눔스퀘어_ac ExtraBold"/>
-                <a:ea typeface="나눔스퀘어_ac ExtraBold"/>
-              </a:rPr>
-              <a:t>ICT </a:t>
-            </a:r>
-            <a:r>
-              <a:rPr lang="ko-KR" altLang="en-US" sz="1000">
-                <a:solidFill>
-                  <a:srgbClr val="0F3158"/>
-                </a:solidFill>
-                <a:latin typeface="나눔스퀘어_ac ExtraBold"/>
-                <a:ea typeface="나눔스퀘어_ac ExtraBold"/>
-              </a:rPr>
-              <a:t>캡스톤 디자인 최종 발표</a:t>
-            </a:r>
-          </a:p>
-        </p:txBody>
-      </p:sp>
-      <p:sp>
-        <p:nvSpPr>
-          <p:cNvPr id="18" name="직사각형 17">
-            <a:extLst>
-              <a:ext uri="{FF2B5EF4-FFF2-40B4-BE49-F238E27FC236}">
-                <a16:creationId xmlns:a16="http://schemas.microsoft.com/office/drawing/2014/main" id="{D2C49EF3-168C-6592-18BD-670AEECAC4F5}"/>
-              </a:ext>
-            </a:extLst>
-          </p:cNvPr>
-          <p:cNvSpPr/>
-          <p:nvPr/>
-        </p:nvSpPr>
-        <p:spPr>
-          <a:xfrm>
-            <a:off x="439255" y="392049"/>
-            <a:ext cx="45720" cy="588645"/>
-          </a:xfrm>
-          <a:prstGeom prst="rect">
-            <a:avLst/>
-          </a:prstGeom>
-          <a:solidFill>
-            <a:srgbClr val="0F3158"/>
-          </a:solidFill>
-          <a:ln>
-            <a:noFill/>
-          </a:ln>
-        </p:spPr>
-        <p:style>
-          <a:lnRef idx="2">
-            <a:schemeClr val="accent1">
-              <a:shade val="20000"/>
-            </a:schemeClr>
-          </a:lnRef>
-          <a:fillRef idx="1">
-            <a:schemeClr val="accent1"/>
-          </a:fillRef>
-          <a:effectRef idx="0">
-            <a:schemeClr val="accent1"/>
-          </a:effectRef>
-          <a:fontRef idx="minor">
-            <a:schemeClr val="lt1"/>
-          </a:fontRef>
-        </p:style>
-        <p:txBody>
-          <a:bodyPr anchor="ctr"/>
-          <a:lstStyle/>
-          <a:p>
-            <a:pPr algn="ctr">
-              <a:defRPr/>
-            </a:pPr>
-            <a:endParaRPr lang="ko-KR" altLang="en-US">
-              <a:noFill/>
-            </a:endParaRPr>
-          </a:p>
-        </p:txBody>
-      </p:sp>
-      <p:sp>
-        <p:nvSpPr>
-          <p:cNvPr id="17" name="TextBox 16">
-            <a:extLst>
-              <a:ext uri="{FF2B5EF4-FFF2-40B4-BE49-F238E27FC236}">
-                <a16:creationId xmlns:a16="http://schemas.microsoft.com/office/drawing/2014/main" id="{1AB69918-2D3E-BADD-2DF6-2B494C2ECF5B}"/>
-              </a:ext>
-            </a:extLst>
-          </p:cNvPr>
-          <p:cNvSpPr txBox="1"/>
-          <p:nvPr/>
-        </p:nvSpPr>
-        <p:spPr>
-          <a:xfrm>
-            <a:off x="437164" y="1340710"/>
-            <a:ext cx="5285427" cy="4708981"/>
-          </a:xfrm>
-          <a:prstGeom prst="rect">
-            <a:avLst/>
-          </a:prstGeom>
-        </p:spPr>
-        <p:txBody>
-          <a:bodyPr wrap="square" rtlCol="0">
-            <a:spAutoFit/>
-          </a:bodyPr>
-          <a:lstStyle/>
-          <a:p>
-            <a:r>
-              <a:rPr lang="en-US" altLang="ko-KR" sz="2000"/>
-              <a:t>[ Process List ]</a:t>
-            </a:r>
-          </a:p>
-          <a:p>
-            <a:r>
-              <a:rPr lang="en-US" altLang="ko-KR" sz="2000"/>
-              <a:t> </a:t>
-            </a:r>
-          </a:p>
-          <a:p>
-            <a:pPr marL="285750" indent="-285750">
-              <a:buFontTx/>
-              <a:buChar char="-"/>
-            </a:pPr>
-            <a:r>
-              <a:rPr lang="ko-KR" altLang="en-US" sz="2000"/>
-              <a:t>구조 설계  </a:t>
-            </a:r>
-            <a:endParaRPr lang="en-US" altLang="ko-KR" sz="2000"/>
-          </a:p>
-          <a:p>
-            <a:pPr marL="285750" indent="-285750">
-              <a:buFontTx/>
-              <a:buChar char="-"/>
-            </a:pPr>
-            <a:r>
-              <a:rPr lang="ko-KR" altLang="en-US" sz="2000"/>
-              <a:t>하드웨어 납땜 및 체결</a:t>
-            </a:r>
-            <a:endParaRPr lang="en-US" altLang="ko-KR" sz="2000"/>
-          </a:p>
-          <a:p>
-            <a:pPr marL="285750" indent="-285750">
-              <a:buFontTx/>
-              <a:buChar char="-"/>
-            </a:pPr>
-            <a:r>
-              <a:rPr lang="ko-KR" altLang="en-US" sz="2000"/>
-              <a:t>오픈 소스 분석</a:t>
-            </a:r>
-            <a:endParaRPr lang="en-US" altLang="ko-KR" sz="2000"/>
-          </a:p>
-          <a:p>
-            <a:pPr marL="285750" indent="-285750">
-              <a:buFontTx/>
-              <a:buChar char="-"/>
-            </a:pPr>
-            <a:r>
-              <a:rPr lang="en-US" altLang="ko-KR" sz="2000"/>
-              <a:t>Yolo Model </a:t>
-            </a:r>
-            <a:r>
-              <a:rPr lang="ko-KR" altLang="en-US" sz="2000"/>
-              <a:t>학습 데이터 수집</a:t>
-            </a:r>
-            <a:endParaRPr lang="en-US" altLang="ko-KR" sz="2000"/>
-          </a:p>
-          <a:p>
-            <a:pPr marL="285750" indent="-285750">
-              <a:buFontTx/>
-              <a:buChar char="-"/>
-            </a:pPr>
-            <a:r>
-              <a:rPr lang="en-US" altLang="ko-KR" sz="2000"/>
-              <a:t>Yolo Model </a:t>
-            </a:r>
-            <a:r>
-              <a:rPr lang="ko-KR" altLang="en-US" sz="2000"/>
-              <a:t>학습 </a:t>
-            </a:r>
-            <a:r>
-              <a:rPr lang="en-US" altLang="ko-KR" sz="2000"/>
-              <a:t>(1</a:t>
-            </a:r>
-            <a:r>
-              <a:rPr lang="ko-KR" altLang="en-US" sz="2000"/>
-              <a:t>차 </a:t>
-            </a:r>
-            <a:r>
-              <a:rPr lang="en-US" altLang="ko-KR" sz="2000"/>
-              <a:t>~ 5</a:t>
-            </a:r>
-            <a:r>
-              <a:rPr lang="ko-KR" altLang="en-US" sz="2000"/>
-              <a:t>차</a:t>
-            </a:r>
-            <a:r>
-              <a:rPr lang="en-US" altLang="ko-KR" sz="2000"/>
-              <a:t>)</a:t>
-            </a:r>
-          </a:p>
-          <a:p>
-            <a:pPr marL="285750" indent="-285750">
-              <a:buFontTx/>
-              <a:buChar char="-"/>
-            </a:pPr>
-            <a:r>
-              <a:rPr lang="ko-KR" altLang="en-US" sz="2000"/>
-              <a:t>인식율 테스트</a:t>
-            </a:r>
-            <a:endParaRPr lang="en-US" altLang="ko-KR" sz="2000"/>
-          </a:p>
-          <a:p>
-            <a:pPr marL="285750" indent="-285750">
-              <a:buFontTx/>
-              <a:buChar char="-"/>
-            </a:pPr>
-            <a:r>
-              <a:rPr lang="en-US" altLang="ko-KR" sz="2000"/>
-              <a:t>Interrupt / I2C Command </a:t>
-            </a:r>
-            <a:r>
-              <a:rPr lang="ko-KR" altLang="en-US" sz="2000"/>
-              <a:t>기능 구현</a:t>
-            </a:r>
-            <a:endParaRPr lang="en-US" altLang="ko-KR" sz="2000"/>
-          </a:p>
-          <a:p>
-            <a:pPr marL="285750" indent="-285750">
-              <a:buFontTx/>
-              <a:buChar char="-"/>
-            </a:pPr>
-            <a:endParaRPr lang="en-US" altLang="ko-KR" sz="2000"/>
-          </a:p>
-          <a:p>
-            <a:pPr marL="285750" indent="-285750">
-              <a:buFontTx/>
-              <a:buChar char="-"/>
-            </a:pPr>
-            <a:endParaRPr lang="en-US" altLang="ko-KR" sz="2000"/>
-          </a:p>
-          <a:p>
-            <a:pPr marL="285750" indent="-285750">
-              <a:buFontTx/>
-              <a:buChar char="-"/>
-            </a:pPr>
-            <a:endParaRPr lang="en-US" altLang="ko-KR" sz="2000"/>
-          </a:p>
-          <a:p>
-            <a:pPr marL="285750" indent="-285750">
-              <a:buFontTx/>
-              <a:buChar char="-"/>
-            </a:pPr>
-            <a:endParaRPr lang="en-US" altLang="ko-KR" sz="2000"/>
-          </a:p>
-          <a:p>
-            <a:r>
-              <a:rPr lang="en-US" altLang="ko-KR" sz="2000"/>
-              <a:t>&lt; 2025.02 ~ 2025.04 &gt;</a:t>
-            </a:r>
-          </a:p>
-          <a:p>
-            <a:endParaRPr lang="en-US" altLang="ko-KR" sz="2000"/>
-          </a:p>
-        </p:txBody>
-      </p:sp>
-      <p:sp>
-        <p:nvSpPr>
-          <p:cNvPr id="2" name="TextBox 1">
-            <a:extLst>
-              <a:ext uri="{FF2B5EF4-FFF2-40B4-BE49-F238E27FC236}">
-                <a16:creationId xmlns:a16="http://schemas.microsoft.com/office/drawing/2014/main" id="{5E33A917-BDFA-0B32-CCEE-E84016A30B51}"/>
-              </a:ext>
-            </a:extLst>
-          </p:cNvPr>
-          <p:cNvSpPr txBox="1"/>
-          <p:nvPr/>
-        </p:nvSpPr>
-        <p:spPr>
-          <a:xfrm>
-            <a:off x="5555824" y="1340710"/>
-            <a:ext cx="5285427" cy="2554545"/>
-          </a:xfrm>
-          <a:prstGeom prst="rect">
-            <a:avLst/>
-          </a:prstGeom>
-        </p:spPr>
-        <p:txBody>
-          <a:bodyPr wrap="square" rtlCol="0">
-            <a:spAutoFit/>
-          </a:bodyPr>
-          <a:lstStyle/>
-          <a:p>
-            <a:r>
-              <a:rPr lang="en-US" altLang="ko-KR" sz="2000"/>
-              <a:t>[ Feature List ]</a:t>
-            </a:r>
-          </a:p>
-          <a:p>
-            <a:r>
-              <a:rPr lang="en-US" altLang="ko-KR" sz="2000"/>
-              <a:t> </a:t>
-            </a:r>
-          </a:p>
-          <a:p>
-            <a:pPr marL="285750" indent="-285750">
-              <a:buFontTx/>
-              <a:buChar char="-"/>
-            </a:pPr>
-            <a:r>
-              <a:rPr lang="ko-KR" altLang="en-US" sz="2000"/>
-              <a:t>실시간 </a:t>
-            </a:r>
-            <a:r>
-              <a:rPr lang="en-US" altLang="ko-KR" sz="2000"/>
-              <a:t>Drone </a:t>
-            </a:r>
-            <a:r>
-              <a:rPr lang="ko-KR" altLang="en-US" sz="2000"/>
-              <a:t>인식 기능</a:t>
-            </a:r>
-            <a:endParaRPr lang="en-US" altLang="ko-KR" sz="2000"/>
-          </a:p>
-          <a:p>
-            <a:pPr marL="285750" indent="-285750">
-              <a:buFontTx/>
-              <a:buChar char="-"/>
-            </a:pPr>
-            <a:r>
-              <a:rPr lang="ko-KR" altLang="en-US" sz="2000"/>
-              <a:t>착륙지 중앙으로 드론 위치 보정 기능</a:t>
-            </a:r>
-            <a:endParaRPr lang="en-US" altLang="ko-KR" sz="2000"/>
-          </a:p>
-          <a:p>
-            <a:pPr marL="285750" indent="-285750">
-              <a:buFontTx/>
-              <a:buChar char="-"/>
-            </a:pPr>
-            <a:r>
-              <a:rPr lang="en-US" altLang="ko-KR" sz="2000"/>
-              <a:t>I2C bus line</a:t>
-            </a:r>
-            <a:r>
-              <a:rPr lang="ko-KR" altLang="en-US" sz="2000"/>
-              <a:t>을 통해 </a:t>
-            </a:r>
-            <a:r>
-              <a:rPr lang="en-US" altLang="ko-KR" sz="2000"/>
-              <a:t>Command </a:t>
-            </a:r>
-            <a:r>
-              <a:rPr lang="ko-KR" altLang="en-US" sz="2000"/>
-              <a:t>전달</a:t>
-            </a:r>
-            <a:endParaRPr lang="en-US" altLang="ko-KR" sz="2000"/>
-          </a:p>
-          <a:p>
-            <a:pPr marL="285750" indent="-285750">
-              <a:buFontTx/>
-              <a:buChar char="-"/>
-            </a:pPr>
-            <a:r>
-              <a:rPr lang="ko-KR" altLang="en-US" sz="2000"/>
-              <a:t>비상상황 대비 </a:t>
-            </a:r>
-            <a:r>
-              <a:rPr lang="en-US" altLang="ko-KR" sz="2000"/>
-              <a:t>Interrupt </a:t>
-            </a:r>
-            <a:r>
-              <a:rPr lang="ko-KR" altLang="en-US" sz="2000"/>
-              <a:t>기반 정지 기능</a:t>
-            </a:r>
-            <a:endParaRPr lang="en-US" altLang="ko-KR" sz="2000"/>
-          </a:p>
-          <a:p>
-            <a:pPr marL="285750" indent="-285750">
-              <a:buFontTx/>
-              <a:buChar char="-"/>
-            </a:pPr>
-            <a:endParaRPr lang="en-US" altLang="ko-KR" sz="2000"/>
-          </a:p>
-          <a:p>
-            <a:endParaRPr lang="en-US" altLang="ko-KR" sz="2000"/>
-          </a:p>
-        </p:txBody>
-      </p:sp>
-      <p:sp>
-        <p:nvSpPr>
-          <p:cNvPr id="4" name="TextBox 3">
-            <a:extLst>
-              <a:ext uri="{FF2B5EF4-FFF2-40B4-BE49-F238E27FC236}">
-                <a16:creationId xmlns:a16="http://schemas.microsoft.com/office/drawing/2014/main" id="{2380DB8A-63AB-EC13-165C-2CF1112CD7A3}"/>
-              </a:ext>
-            </a:extLst>
-          </p:cNvPr>
-          <p:cNvSpPr txBox="1"/>
-          <p:nvPr/>
-        </p:nvSpPr>
-        <p:spPr>
-          <a:xfrm>
-            <a:off x="485129" y="670130"/>
-            <a:ext cx="1334533" cy="276999"/>
-          </a:xfrm>
-          <a:prstGeom prst="rect">
-            <a:avLst/>
-          </a:prstGeom>
-        </p:spPr>
-        <p:txBody>
-          <a:bodyPr wrap="none">
-            <a:spAutoFit/>
-          </a:bodyPr>
-          <a:lstStyle/>
-          <a:p>
-            <a:pPr algn="ctr">
-              <a:defRPr/>
-            </a:pPr>
-            <a:r>
-              <a:rPr lang="en-US" altLang="ko-KR" sz="1200" b="1">
-                <a:solidFill>
-                  <a:srgbClr val="A9AAAA"/>
-                </a:solidFill>
-                <a:latin typeface="나눔스퀘어_ac Bold"/>
-                <a:ea typeface="나눔스퀘어_ac Bold"/>
-              </a:rPr>
-              <a:t>Landing Station</a:t>
-            </a:r>
-            <a:endParaRPr lang="ko-KR" altLang="en-US" sz="1200" b="1">
-              <a:solidFill>
-                <a:srgbClr val="A9AAAA"/>
-              </a:solidFill>
-              <a:latin typeface="나눔스퀘어_ac Bold"/>
-              <a:ea typeface="나눔스퀘어_ac Bold"/>
-            </a:endParaRPr>
-          </a:p>
-        </p:txBody>
-      </p:sp>
-    </p:spTree>
-    <p:extLst>
-      <p:ext uri="{BB962C8B-B14F-4D97-AF65-F5344CB8AC3E}">
-        <p14:creationId xmlns:p14="http://schemas.microsoft.com/office/powerpoint/2010/main" val="675039328"/>
-      </p:ext>
-    </p:extLst>
-  </p:cSld>
-  <p:clrMapOvr>
-    <a:masterClrMapping/>
-  </p:clrMapOvr>
-  <mc:AlternateContent xmlns:mc="http://schemas.openxmlformats.org/markup-compatibility/2006" xmlns:p14="http://schemas.microsoft.com/office/powerpoint/2010/main">
-    <mc:Choice Requires="p14">
-      <p:transition/>
-    </mc:Choice>
-    <mc:Fallback xmlns:dsp="http://schemas.microsoft.com/office/drawing/2008/diagram" xmlns:dgm="http://schemas.openxmlformats.org/drawingml/2006/diagram" xmlns:c="http://schemas.openxmlformats.org/drawingml/2006/chart" xmlns="">
-      <p:transition/>
-    </mc:Fallback>
-  </mc:AlternateContent>
-</p:sld>
-</file>
-
-<file path=ppt/slides/slide15.xml><?xml version="1.0" encoding="utf-8"?>
-<p:sld xmlns:a="http://schemas.openxmlformats.org/drawingml/2006/main" xmlns:r="http://schemas.openxmlformats.org/officeDocument/2006/relationships" xmlns:p="http://schemas.openxmlformats.org/presentationml/2006/main">
-  <p:cSld>
-    <p:spTree>
-      <p:nvGrpSpPr>
-        <p:cNvPr id="1" name="">
-          <a:extLst>
-            <a:ext uri="{FF2B5EF4-FFF2-40B4-BE49-F238E27FC236}">
               <a16:creationId xmlns:a16="http://schemas.microsoft.com/office/drawing/2014/main" id="{AED60811-1D6B-4C9A-F96C-69BA1F36AC2D}"/>
             </a:ext>
           </a:extLst>
@@ -7448,7 +6928,7 @@
 </p:sld>
 </file>
 
-<file path=ppt/slides/slide16.xml><?xml version="1.0" encoding="utf-8"?>
+<file path=ppt/slides/slide15.xml><?xml version="1.0" encoding="utf-8"?>
 <p:sld xmlns:a="http://schemas.openxmlformats.org/drawingml/2006/main" xmlns:r="http://schemas.openxmlformats.org/officeDocument/2006/relationships" xmlns:p="http://schemas.openxmlformats.org/presentationml/2006/main">
   <p:cSld>
     <p:spTree>
@@ -10260,6 +9740,255 @@
         </p:txBody>
       </p:sp>
     </p:spTree>
+  </p:cSld>
+  <p:clrMapOvr>
+    <a:masterClrMapping/>
+  </p:clrMapOvr>
+  <mc:AlternateContent xmlns:mc="http://schemas.openxmlformats.org/markup-compatibility/2006" xmlns:p14="http://schemas.microsoft.com/office/powerpoint/2010/main">
+    <mc:Choice Requires="p14">
+      <p:transition/>
+    </mc:Choice>
+    <mc:Fallback xmlns:dsp="http://schemas.microsoft.com/office/drawing/2008/diagram" xmlns:dgm="http://schemas.openxmlformats.org/drawingml/2006/diagram" xmlns:c="http://schemas.openxmlformats.org/drawingml/2006/chart" xmlns="">
+      <p:transition/>
+    </mc:Fallback>
+  </mc:AlternateContent>
+</p:sld>
+</file>
+
+<file path=ppt/slides/slide16.xml><?xml version="1.0" encoding="utf-8"?>
+<p:sld xmlns:a="http://schemas.openxmlformats.org/drawingml/2006/main" xmlns:r="http://schemas.openxmlformats.org/officeDocument/2006/relationships" xmlns:p="http://schemas.openxmlformats.org/presentationml/2006/main">
+  <p:cSld>
+    <p:spTree>
+      <p:nvGrpSpPr>
+        <p:cNvPr id="1" name="">
+          <a:extLst>
+            <a:ext uri="{FF2B5EF4-FFF2-40B4-BE49-F238E27FC236}">
+              <a16:creationId xmlns:a16="http://schemas.microsoft.com/office/drawing/2014/main" id="{D67FFB3A-FF71-0DEA-8CD3-92E2901135FC}"/>
+            </a:ext>
+          </a:extLst>
+        </p:cNvPr>
+        <p:cNvGrpSpPr/>
+        <p:nvPr/>
+      </p:nvGrpSpPr>
+      <p:grpSpPr>
+        <a:xfrm>
+          <a:off x="0" y="0"/>
+          <a:ext cx="0" cy="0"/>
+          <a:chOff x="0" y="0"/>
+          <a:chExt cx="0" cy="0"/>
+        </a:xfrm>
+      </p:grpSpPr>
+      <p:sp>
+        <p:nvSpPr>
+          <p:cNvPr id="12" name="TextBox 11">
+            <a:extLst>
+              <a:ext uri="{FF2B5EF4-FFF2-40B4-BE49-F238E27FC236}">
+                <a16:creationId xmlns:a16="http://schemas.microsoft.com/office/drawing/2014/main" id="{6EE329D9-FE99-27F8-D602-A75EC717B682}"/>
+              </a:ext>
+            </a:extLst>
+          </p:cNvPr>
+          <p:cNvSpPr txBox="1"/>
+          <p:nvPr/>
+        </p:nvSpPr>
+        <p:spPr>
+          <a:xfrm>
+            <a:off x="472380" y="392049"/>
+            <a:ext cx="1266693" cy="307777"/>
+          </a:xfrm>
+          <a:prstGeom prst="rect">
+            <a:avLst/>
+          </a:prstGeom>
+        </p:spPr>
+        <p:txBody>
+          <a:bodyPr wrap="none">
+            <a:spAutoFit/>
+          </a:bodyPr>
+          <a:lstStyle/>
+          <a:p>
+            <a:pPr algn="ctr">
+              <a:defRPr/>
+            </a:pPr>
+            <a:r>
+              <a:rPr lang="en-US" altLang="ko-KR" sz="1400">
+                <a:solidFill>
+                  <a:srgbClr val="0F3158"/>
+                </a:solidFill>
+                <a:latin typeface="나눔스퀘어_ac ExtraBold"/>
+                <a:ea typeface="나눔스퀘어_ac ExtraBold"/>
+              </a:rPr>
+              <a:t>03.</a:t>
+            </a:r>
+            <a:r>
+              <a:rPr lang="ko-KR" altLang="en-US" sz="1400">
+                <a:solidFill>
+                  <a:srgbClr val="0F3158"/>
+                </a:solidFill>
+                <a:latin typeface="나눔스퀘어_ac ExtraBold"/>
+                <a:ea typeface="나눔스퀘어_ac ExtraBold"/>
+              </a:rPr>
+              <a:t> 데모 영상</a:t>
+            </a:r>
+          </a:p>
+        </p:txBody>
+      </p:sp>
+      <p:sp>
+        <p:nvSpPr>
+          <p:cNvPr id="13" name="TextBox 12">
+            <a:extLst>
+              <a:ext uri="{FF2B5EF4-FFF2-40B4-BE49-F238E27FC236}">
+                <a16:creationId xmlns:a16="http://schemas.microsoft.com/office/drawing/2014/main" id="{41D525C0-F26C-E255-357A-B0D3A96764B6}"/>
+              </a:ext>
+            </a:extLst>
+          </p:cNvPr>
+          <p:cNvSpPr txBox="1"/>
+          <p:nvPr/>
+        </p:nvSpPr>
+        <p:spPr>
+          <a:xfrm>
+            <a:off x="475108" y="615696"/>
+            <a:ext cx="854721" cy="276999"/>
+          </a:xfrm>
+          <a:prstGeom prst="rect">
+            <a:avLst/>
+          </a:prstGeom>
+        </p:spPr>
+        <p:txBody>
+          <a:bodyPr wrap="none">
+            <a:spAutoFit/>
+          </a:bodyPr>
+          <a:lstStyle/>
+          <a:p>
+            <a:pPr algn="ctr">
+              <a:defRPr/>
+            </a:pPr>
+            <a:r>
+              <a:rPr lang="ko-KR" altLang="en-US" sz="1200">
+                <a:solidFill>
+                  <a:srgbClr val="A9AAAA"/>
+                </a:solidFill>
+                <a:latin typeface="나눔스퀘어_ac Bold"/>
+                <a:ea typeface="나눔스퀘어_ac Bold"/>
+              </a:rPr>
+              <a:t>데모 영상</a:t>
+            </a:r>
+          </a:p>
+        </p:txBody>
+      </p:sp>
+      <p:sp>
+        <p:nvSpPr>
+          <p:cNvPr id="15" name="직사각형 14">
+            <a:extLst>
+              <a:ext uri="{FF2B5EF4-FFF2-40B4-BE49-F238E27FC236}">
+                <a16:creationId xmlns:a16="http://schemas.microsoft.com/office/drawing/2014/main" id="{20BB9102-BF57-B11C-6852-538E868292DC}"/>
+              </a:ext>
+            </a:extLst>
+          </p:cNvPr>
+          <p:cNvSpPr/>
+          <p:nvPr/>
+        </p:nvSpPr>
+        <p:spPr>
+          <a:xfrm>
+            <a:off x="439255" y="392049"/>
+            <a:ext cx="45720" cy="588645"/>
+          </a:xfrm>
+          <a:prstGeom prst="rect">
+            <a:avLst/>
+          </a:prstGeom>
+          <a:solidFill>
+            <a:srgbClr val="0F3158"/>
+          </a:solidFill>
+          <a:ln>
+            <a:noFill/>
+          </a:ln>
+        </p:spPr>
+        <p:style>
+          <a:lnRef idx="2">
+            <a:schemeClr val="accent1">
+              <a:shade val="20000"/>
+            </a:schemeClr>
+          </a:lnRef>
+          <a:fillRef idx="1">
+            <a:schemeClr val="accent1"/>
+          </a:fillRef>
+          <a:effectRef idx="0">
+            <a:schemeClr val="accent1"/>
+          </a:effectRef>
+          <a:fontRef idx="minor">
+            <a:schemeClr val="lt1"/>
+          </a:fontRef>
+        </p:style>
+        <p:txBody>
+          <a:bodyPr anchor="ctr"/>
+          <a:lstStyle/>
+          <a:p>
+            <a:pPr algn="ctr">
+              <a:defRPr/>
+            </a:pPr>
+            <a:endParaRPr lang="ko-KR" altLang="en-US">
+              <a:noFill/>
+            </a:endParaRPr>
+          </a:p>
+        </p:txBody>
+      </p:sp>
+      <p:sp>
+        <p:nvSpPr>
+          <p:cNvPr id="2" name="TextBox 1">
+            <a:extLst>
+              <a:ext uri="{FF2B5EF4-FFF2-40B4-BE49-F238E27FC236}">
+                <a16:creationId xmlns:a16="http://schemas.microsoft.com/office/drawing/2014/main" id="{ED0A69D4-1174-A95A-69BF-53B236202DE2}"/>
+              </a:ext>
+            </a:extLst>
+          </p:cNvPr>
+          <p:cNvSpPr txBox="1"/>
+          <p:nvPr/>
+        </p:nvSpPr>
+        <p:spPr>
+          <a:xfrm>
+            <a:off x="9124299" y="392049"/>
+            <a:ext cx="1832554" cy="246221"/>
+          </a:xfrm>
+          <a:prstGeom prst="rect">
+            <a:avLst/>
+          </a:prstGeom>
+        </p:spPr>
+        <p:txBody>
+          <a:bodyPr wrap="none">
+            <a:spAutoFit/>
+          </a:bodyPr>
+          <a:lstStyle/>
+          <a:p>
+            <a:pPr algn="ctr">
+              <a:defRPr/>
+            </a:pPr>
+            <a:r>
+              <a:rPr lang="en-US" altLang="ko-KR" sz="1000">
+                <a:solidFill>
+                  <a:srgbClr val="0F3158"/>
+                </a:solidFill>
+                <a:latin typeface="나눔스퀘어_ac ExtraBold"/>
+                <a:ea typeface="나눔스퀘어_ac ExtraBold"/>
+              </a:rPr>
+              <a:t>ICT </a:t>
+            </a:r>
+            <a:r>
+              <a:rPr lang="ko-KR" altLang="en-US" sz="1000">
+                <a:solidFill>
+                  <a:srgbClr val="0F3158"/>
+                </a:solidFill>
+                <a:latin typeface="나눔스퀘어_ac ExtraBold"/>
+                <a:ea typeface="나눔스퀘어_ac ExtraBold"/>
+              </a:rPr>
+              <a:t>캡스톤 디자인 최종 발표</a:t>
+            </a:r>
+          </a:p>
+        </p:txBody>
+      </p:sp>
+    </p:spTree>
+    <p:extLst>
+      <p:ext uri="{BB962C8B-B14F-4D97-AF65-F5344CB8AC3E}">
+        <p14:creationId xmlns:p14="http://schemas.microsoft.com/office/powerpoint/2010/main" val="1207216498"/>
+      </p:ext>
+    </p:extLst>
   </p:cSld>
   <p:clrMapOvr>
     <a:masterClrMapping/>
@@ -10454,184 +10183,23 @@
       </p:grpSpPr>
       <p:sp>
         <p:nvSpPr>
-          <p:cNvPr id="6" name="TextBox 5"/>
-          <p:cNvSpPr txBox="1"/>
-          <p:nvPr/>
-        </p:nvSpPr>
-        <p:spPr>
-          <a:xfrm>
-            <a:off x="511264" y="392049"/>
-            <a:ext cx="820331" cy="300609"/>
-          </a:xfrm>
-          <a:prstGeom prst="rect">
-            <a:avLst/>
-          </a:prstGeom>
-        </p:spPr>
-        <p:txBody>
-          <a:bodyPr wrap="none">
-            <a:spAutoFit/>
-          </a:bodyPr>
-          <a:lstStyle/>
-          <a:p>
-            <a:pPr algn="ctr">
-              <a:defRPr/>
-            </a:pPr>
-            <a:r>
-              <a:rPr lang="en-US" altLang="ko-KR" sz="1400">
-                <a:solidFill>
-                  <a:srgbClr val="0F3158"/>
-                </a:solidFill>
-                <a:latin typeface="나눔스퀘어_ac ExtraBold"/>
-                <a:ea typeface="나눔스퀘어_ac ExtraBold"/>
-              </a:rPr>
-              <a:t>01.</a:t>
-            </a:r>
-            <a:r>
-              <a:rPr lang="ko-KR" altLang="en-US" sz="1400">
-                <a:solidFill>
-                  <a:srgbClr val="0F3158"/>
-                </a:solidFill>
-                <a:latin typeface="나눔스퀘어_ac ExtraBold"/>
-                <a:ea typeface="나눔스퀘어_ac ExtraBold"/>
-              </a:rPr>
-              <a:t> 주제</a:t>
-            </a:r>
-          </a:p>
-        </p:txBody>
-      </p:sp>
-      <p:sp>
-        <p:nvSpPr>
-          <p:cNvPr id="7" name="TextBox 6"/>
-          <p:cNvSpPr txBox="1"/>
-          <p:nvPr/>
-        </p:nvSpPr>
-        <p:spPr>
-          <a:xfrm>
-            <a:off x="511264" y="615696"/>
-            <a:ext cx="1077506" cy="364998"/>
-          </a:xfrm>
-          <a:prstGeom prst="rect">
-            <a:avLst/>
-          </a:prstGeom>
-        </p:spPr>
-        <p:txBody>
-          <a:bodyPr wrap="none">
-            <a:spAutoFit/>
-          </a:bodyPr>
-          <a:lstStyle/>
-          <a:p>
-            <a:pPr algn="ctr">
-              <a:defRPr/>
-            </a:pPr>
-            <a:r>
-              <a:rPr lang="ko-KR" altLang="en-US" sz="1200">
-                <a:solidFill>
-                  <a:srgbClr val="A9AAAA"/>
-                </a:solidFill>
-                <a:latin typeface="나눔스퀘어_ac Bold"/>
-                <a:ea typeface="나눔스퀘어_ac Bold"/>
-              </a:rPr>
-              <a:t>소주제</a:t>
-            </a:r>
-            <a:r>
-              <a:rPr lang="ko-KR" altLang="en-US">
-                <a:solidFill>
-                  <a:srgbClr val="A9AAAA"/>
-                </a:solidFill>
-                <a:latin typeface="나눔스퀘어_ac Bold"/>
-                <a:ea typeface="나눔스퀘어_ac Bold"/>
-              </a:rPr>
-              <a:t> </a:t>
-            </a:r>
-            <a:r>
-              <a:rPr lang="ko-KR" altLang="en-US" sz="1200">
-                <a:solidFill>
-                  <a:srgbClr val="A9AAAA"/>
-                </a:solidFill>
-                <a:latin typeface="나눔스퀘어_ac Bold"/>
-                <a:ea typeface="나눔스퀘어_ac Bold"/>
-              </a:rPr>
-              <a:t>및 설명</a:t>
-            </a:r>
-          </a:p>
-        </p:txBody>
-      </p:sp>
-      <p:sp>
-        <p:nvSpPr>
-          <p:cNvPr id="8" name="TextBox 7"/>
-          <p:cNvSpPr txBox="1"/>
-          <p:nvPr/>
-        </p:nvSpPr>
-        <p:spPr>
-          <a:xfrm>
-            <a:off x="9566910" y="392049"/>
-            <a:ext cx="1259205" cy="243840"/>
-          </a:xfrm>
-          <a:prstGeom prst="rect">
-            <a:avLst/>
-          </a:prstGeom>
-        </p:spPr>
-        <p:txBody>
-          <a:bodyPr wrap="none">
-            <a:spAutoFit/>
-          </a:bodyPr>
-          <a:lstStyle/>
-          <a:p>
-            <a:pPr algn="ctr">
-              <a:defRPr/>
-            </a:pPr>
-            <a:r>
-              <a:rPr lang="ko-KR" altLang="en-US" sz="1000">
-                <a:solidFill>
-                  <a:srgbClr val="0F3158"/>
-                </a:solidFill>
-                <a:latin typeface="나눔스퀘어_ac ExtraBold"/>
-                <a:ea typeface="나눔스퀘어_ac ExtraBold"/>
-              </a:rPr>
-              <a:t>과목명 </a:t>
-            </a:r>
-            <a:r>
-              <a:rPr lang="en-US" altLang="ko-KR" sz="1000">
-                <a:solidFill>
-                  <a:srgbClr val="0F3158"/>
-                </a:solidFill>
-                <a:latin typeface="나눔스퀘어_ac ExtraBold"/>
-                <a:ea typeface="나눔스퀘어_ac ExtraBold"/>
-              </a:rPr>
-              <a:t>or </a:t>
-            </a:r>
-            <a:r>
-              <a:rPr lang="ko-KR" altLang="en-US" sz="1000">
-                <a:solidFill>
-                  <a:srgbClr val="0F3158"/>
-                </a:solidFill>
-                <a:latin typeface="나눔스퀘어_ac ExtraBold"/>
-                <a:ea typeface="나눔스퀘어_ac ExtraBold"/>
-              </a:rPr>
-              <a:t>프로젝트명</a:t>
-            </a:r>
-          </a:p>
-        </p:txBody>
-      </p:sp>
-      <p:sp>
-        <p:nvSpPr>
-          <p:cNvPr id="18" name="직사각형 17"/>
+          <p:cNvPr id="12" name="타원 11"/>
           <p:cNvSpPr/>
           <p:nvPr/>
         </p:nvSpPr>
         <p:spPr>
           <a:xfrm>
-            <a:off x="439255" y="392049"/>
-            <a:ext cx="45720" cy="588645"/>
-          </a:xfrm>
-          <a:prstGeom prst="rect">
-            <a:avLst/>
-          </a:prstGeom>
-          <a:solidFill>
-            <a:srgbClr val="0F3158"/>
-          </a:solidFill>
-          <a:ln>
-            <a:noFill/>
+            <a:off x="1447381" y="2060829"/>
+            <a:ext cx="2340292" cy="2340292"/>
+          </a:xfrm>
+          <a:prstGeom prst="ellipse">
+            <a:avLst/>
+          </a:prstGeom>
+          <a:noFill/>
+          <a:ln w="76200">
+            <a:solidFill>
+              <a:srgbClr val="B7C1CD"/>
+            </a:solidFill>
           </a:ln>
         </p:spPr>
         <p:style>
@@ -10665,91 +10233,20 @@
       </p:sp>
       <p:sp>
         <p:nvSpPr>
-          <p:cNvPr id="9" name="TextBox 8"/>
-          <p:cNvSpPr txBox="1"/>
-          <p:nvPr/>
-        </p:nvSpPr>
-        <p:spPr>
-          <a:xfrm>
-            <a:off x="2065029" y="4419981"/>
-            <a:ext cx="600932" cy="377190"/>
-          </a:xfrm>
-          <a:prstGeom prst="rect">
-            <a:avLst/>
-          </a:prstGeom>
-        </p:spPr>
-        <p:txBody>
-          <a:bodyPr wrap="none">
-            <a:spAutoFit/>
-          </a:bodyPr>
-          <a:lstStyle/>
-          <a:p>
-            <a:pPr algn="ctr">
-              <a:defRPr/>
-            </a:pPr>
-            <a:r>
-              <a:rPr lang="ko-KR" altLang="en-US" sz="1900">
-                <a:latin typeface="나눔스퀘어_ac ExtraBold"/>
-                <a:ea typeface="나눔스퀘어_ac ExtraBold"/>
-              </a:rPr>
-              <a:t>제목</a:t>
-            </a:r>
-          </a:p>
-        </p:txBody>
-      </p:sp>
-      <p:sp>
-        <p:nvSpPr>
-          <p:cNvPr id="14" name="TextBox 13"/>
-          <p:cNvSpPr txBox="1"/>
-          <p:nvPr/>
-        </p:nvSpPr>
-        <p:spPr>
-          <a:xfrm>
-            <a:off x="1285361" y="5157216"/>
-            <a:ext cx="2160270" cy="548640"/>
-          </a:xfrm>
-          <a:prstGeom prst="rect">
-            <a:avLst/>
-          </a:prstGeom>
-        </p:spPr>
-        <p:txBody>
-          <a:bodyPr wrap="square">
-            <a:spAutoFit/>
-          </a:bodyPr>
-          <a:lstStyle/>
-          <a:p>
-            <a:pPr algn="ctr">
-              <a:defRPr/>
-            </a:pPr>
-            <a:r>
-              <a:rPr lang="ko-KR" altLang="en-US" sz="750">
-                <a:solidFill>
-                  <a:srgbClr val="808080"/>
-                </a:solidFill>
-                <a:latin typeface="나눔스퀘어_ac Bold"/>
-                <a:ea typeface="나눔스퀘어_ac Bold"/>
-              </a:rPr>
-              <a:t>리도 못 가서 발병난다. 내가 그의 이름을 불러 주었을 때 그는  돌같이 하라 뭉치면 살고 흩어지면 죽는다. 이 몸이 죽고 죽어 일백번 고쳐 죽어고 임 향한 일편단심 가실 줄이 있으랴. 관용은 미덕이다. </a:t>
-            </a:r>
-          </a:p>
-        </p:txBody>
-      </p:sp>
-      <p:sp>
-        <p:nvSpPr>
-          <p:cNvPr id="15" name="직사각형 14"/>
+          <p:cNvPr id="13" name="직사각형 12"/>
           <p:cNvSpPr/>
           <p:nvPr/>
         </p:nvSpPr>
         <p:spPr>
           <a:xfrm>
-            <a:off x="1285361" y="1988820"/>
-            <a:ext cx="2160270" cy="2203513"/>
+            <a:off x="2138927" y="1815667"/>
+            <a:ext cx="957198" cy="605206"/>
           </a:xfrm>
           <a:prstGeom prst="rect">
             <a:avLst/>
           </a:prstGeom>
           <a:solidFill>
-            <a:srgbClr val="0F3158"/>
+            <a:schemeClr val="lt1"/>
           </a:solidFill>
           <a:ln>
             <a:noFill/>
@@ -10786,23 +10283,104 @@
       </p:sp>
       <p:sp>
         <p:nvSpPr>
-          <p:cNvPr id="16" name="타원 15"/>
+          <p:cNvPr id="14" name="TextBox 13"/>
+          <p:cNvSpPr txBox="1"/>
+          <p:nvPr/>
+        </p:nvSpPr>
+        <p:spPr>
+          <a:xfrm>
+            <a:off x="2347752" y="1917160"/>
+            <a:ext cx="485089" cy="414909"/>
+          </a:xfrm>
+          <a:prstGeom prst="rect">
+            <a:avLst/>
+          </a:prstGeom>
+        </p:spPr>
+        <p:txBody>
+          <a:bodyPr wrap="square">
+            <a:spAutoFit/>
+          </a:bodyPr>
+          <a:lstStyle/>
+          <a:p>
+            <a:pPr algn="ctr">
+              <a:defRPr/>
+            </a:pPr>
+            <a:r>
+              <a:rPr lang="en-US" altLang="ko-KR" sz="2100">
+                <a:solidFill>
+                  <a:srgbClr val="0F3158"/>
+                </a:solidFill>
+                <a:latin typeface="-윤고딕360"/>
+                <a:ea typeface="-윤고딕360"/>
+              </a:rPr>
+              <a:t>01</a:t>
+            </a:r>
+          </a:p>
+        </p:txBody>
+      </p:sp>
+      <p:sp>
+        <p:nvSpPr>
+          <p:cNvPr id="15" name="TextBox 14"/>
+          <p:cNvSpPr txBox="1"/>
+          <p:nvPr/>
+        </p:nvSpPr>
+        <p:spPr>
+          <a:xfrm>
+            <a:off x="2002117" y="3068955"/>
+            <a:ext cx="1230820" cy="300990"/>
+          </a:xfrm>
+          <a:prstGeom prst="rect">
+            <a:avLst/>
+          </a:prstGeom>
+        </p:spPr>
+        <p:txBody>
+          <a:bodyPr wrap="square">
+            <a:spAutoFit/>
+          </a:bodyPr>
+          <a:lstStyle/>
+          <a:p>
+            <a:pPr algn="ctr">
+              <a:defRPr/>
+            </a:pPr>
+            <a:r>
+              <a:rPr lang="ko-KR" altLang="en-US" sz="1350">
+                <a:solidFill>
+                  <a:srgbClr val="808080"/>
+                </a:solidFill>
+                <a:latin typeface="나눔스퀘어 Bold"/>
+                <a:ea typeface="나눔스퀘어 Bold"/>
+              </a:rPr>
+              <a:t>활용도</a:t>
+            </a:r>
+            <a:endParaRPr lang="ko-KR" altLang="ko-KR" sz="1350">
+              <a:solidFill>
+                <a:srgbClr val="808080"/>
+              </a:solidFill>
+              <a:latin typeface="나눔스퀘어 Bold"/>
+              <a:ea typeface="나눔스퀘어 Bold"/>
+            </a:endParaRPr>
+          </a:p>
+        </p:txBody>
+      </p:sp>
+      <p:sp>
+        <p:nvSpPr>
+          <p:cNvPr id="18" name="타원 17"/>
           <p:cNvSpPr/>
           <p:nvPr/>
         </p:nvSpPr>
         <p:spPr>
           <a:xfrm>
-            <a:off x="2329491" y="4869180"/>
-            <a:ext cx="72009" cy="72009"/>
+            <a:off x="7280110" y="2060829"/>
+            <a:ext cx="2340292" cy="2340292"/>
           </a:xfrm>
           <a:prstGeom prst="ellipse">
             <a:avLst/>
           </a:prstGeom>
-          <a:solidFill>
-            <a:srgbClr val="0F3158"/>
-          </a:solidFill>
-          <a:ln>
-            <a:noFill/>
+          <a:noFill/>
+          <a:ln w="76200">
+            <a:solidFill>
+              <a:srgbClr val="B7C1CD"/>
+            </a:solidFill>
           </a:ln>
         </p:spPr>
         <p:style>
@@ -10836,91 +10414,20 @@
       </p:sp>
       <p:sp>
         <p:nvSpPr>
-          <p:cNvPr id="19" name="TextBox 18"/>
-          <p:cNvSpPr txBox="1"/>
-          <p:nvPr/>
-        </p:nvSpPr>
-        <p:spPr>
-          <a:xfrm>
-            <a:off x="5251427" y="4419981"/>
-            <a:ext cx="601589" cy="377190"/>
-          </a:xfrm>
-          <a:prstGeom prst="rect">
-            <a:avLst/>
-          </a:prstGeom>
-        </p:spPr>
-        <p:txBody>
-          <a:bodyPr wrap="none">
-            <a:spAutoFit/>
-          </a:bodyPr>
-          <a:lstStyle/>
-          <a:p>
-            <a:pPr algn="ctr">
-              <a:defRPr/>
-            </a:pPr>
-            <a:r>
-              <a:rPr lang="ko-KR" altLang="en-US" sz="1900">
-                <a:latin typeface="나눔스퀘어_ac ExtraBold"/>
-                <a:ea typeface="나눔스퀘어_ac ExtraBold"/>
-              </a:rPr>
-              <a:t>제목</a:t>
-            </a:r>
-          </a:p>
-        </p:txBody>
-      </p:sp>
-      <p:sp>
-        <p:nvSpPr>
-          <p:cNvPr id="20" name="TextBox 19"/>
-          <p:cNvSpPr txBox="1"/>
-          <p:nvPr/>
-        </p:nvSpPr>
-        <p:spPr>
-          <a:xfrm>
-            <a:off x="4471759" y="5157216"/>
-            <a:ext cx="2160270" cy="548640"/>
-          </a:xfrm>
-          <a:prstGeom prst="rect">
-            <a:avLst/>
-          </a:prstGeom>
-        </p:spPr>
-        <p:txBody>
-          <a:bodyPr wrap="square">
-            <a:spAutoFit/>
-          </a:bodyPr>
-          <a:lstStyle/>
-          <a:p>
-            <a:pPr algn="ctr">
-              <a:defRPr/>
-            </a:pPr>
-            <a:r>
-              <a:rPr lang="ko-KR" altLang="en-US" sz="750">
-                <a:solidFill>
-                  <a:srgbClr val="808080"/>
-                </a:solidFill>
-                <a:latin typeface="나눔스퀘어_ac Bold"/>
-                <a:ea typeface="나눔스퀘어_ac Bold"/>
-              </a:rPr>
-              <a:t>리도 못 가서 발병난다. 내가 그의 이름을 불러 주었을 때 그는  돌같이 하라 뭉치면 살고 흩어지면 죽는다. 이 몸이 죽고 죽어 일백번 고쳐 죽어고 임 향한 일편단심 가실 줄이 있으랴. 관용은 미덕이다. </a:t>
-            </a:r>
-          </a:p>
-        </p:txBody>
-      </p:sp>
-      <p:sp>
-        <p:nvSpPr>
-          <p:cNvPr id="21" name="직사각형 20"/>
+          <p:cNvPr id="19" name="직사각형 18"/>
           <p:cNvSpPr/>
           <p:nvPr/>
         </p:nvSpPr>
         <p:spPr>
           <a:xfrm>
-            <a:off x="4471759" y="1988820"/>
-            <a:ext cx="2160270" cy="2203513"/>
+            <a:off x="7971657" y="1815667"/>
+            <a:ext cx="957198" cy="605206"/>
           </a:xfrm>
           <a:prstGeom prst="rect">
             <a:avLst/>
           </a:prstGeom>
           <a:solidFill>
-            <a:srgbClr val="0F3158"/>
+            <a:schemeClr val="lt1"/>
           </a:solidFill>
           <a:ln>
             <a:noFill/>
@@ -10957,23 +10464,104 @@
       </p:sp>
       <p:sp>
         <p:nvSpPr>
-          <p:cNvPr id="22" name="타원 21"/>
+          <p:cNvPr id="20" name="TextBox 19"/>
+          <p:cNvSpPr txBox="1"/>
+          <p:nvPr/>
+        </p:nvSpPr>
+        <p:spPr>
+          <a:xfrm>
+            <a:off x="8207712" y="1916811"/>
+            <a:ext cx="485088" cy="414909"/>
+          </a:xfrm>
+          <a:prstGeom prst="rect">
+            <a:avLst/>
+          </a:prstGeom>
+        </p:spPr>
+        <p:txBody>
+          <a:bodyPr wrap="square">
+            <a:spAutoFit/>
+          </a:bodyPr>
+          <a:lstStyle/>
+          <a:p>
+            <a:pPr algn="ctr">
+              <a:defRPr/>
+            </a:pPr>
+            <a:r>
+              <a:rPr lang="en-US" altLang="ko-KR" sz="2100">
+                <a:solidFill>
+                  <a:srgbClr val="0F3158"/>
+                </a:solidFill>
+                <a:latin typeface="-윤고딕360"/>
+                <a:ea typeface="-윤고딕360"/>
+              </a:rPr>
+              <a:t>03</a:t>
+            </a:r>
+          </a:p>
+        </p:txBody>
+      </p:sp>
+      <p:sp>
+        <p:nvSpPr>
+          <p:cNvPr id="21" name="TextBox 20"/>
+          <p:cNvSpPr txBox="1"/>
+          <p:nvPr/>
+        </p:nvSpPr>
+        <p:spPr>
+          <a:xfrm>
+            <a:off x="7755283" y="3068955"/>
+            <a:ext cx="1389945" cy="300082"/>
+          </a:xfrm>
+          <a:prstGeom prst="rect">
+            <a:avLst/>
+          </a:prstGeom>
+        </p:spPr>
+        <p:txBody>
+          <a:bodyPr wrap="square">
+            <a:spAutoFit/>
+          </a:bodyPr>
+          <a:lstStyle/>
+          <a:p>
+            <a:pPr algn="ctr">
+              <a:defRPr/>
+            </a:pPr>
+            <a:r>
+              <a:rPr lang="ko-KR" altLang="en-US" sz="1350">
+                <a:solidFill>
+                  <a:srgbClr val="808080"/>
+                </a:solidFill>
+                <a:latin typeface="나눔스퀘어 Bold"/>
+                <a:ea typeface="나눔스퀘어 Bold"/>
+              </a:rPr>
+              <a:t>인적 오류 예방</a:t>
+            </a:r>
+            <a:endParaRPr lang="ko-KR" altLang="ko-KR" sz="1350">
+              <a:solidFill>
+                <a:srgbClr val="808080"/>
+              </a:solidFill>
+              <a:latin typeface="나눔스퀘어 Bold"/>
+              <a:ea typeface="나눔스퀘어 Bold"/>
+            </a:endParaRPr>
+          </a:p>
+        </p:txBody>
+      </p:sp>
+      <p:sp>
+        <p:nvSpPr>
+          <p:cNvPr id="23" name="타원 22"/>
           <p:cNvSpPr/>
           <p:nvPr/>
         </p:nvSpPr>
         <p:spPr>
           <a:xfrm>
-            <a:off x="5515890" y="4869180"/>
-            <a:ext cx="72009" cy="72009"/>
+            <a:off x="4381748" y="2060829"/>
+            <a:ext cx="2340292" cy="2340292"/>
           </a:xfrm>
           <a:prstGeom prst="ellipse">
             <a:avLst/>
           </a:prstGeom>
-          <a:solidFill>
-            <a:srgbClr val="0F3158"/>
-          </a:solidFill>
-          <a:ln>
-            <a:noFill/>
+          <a:noFill/>
+          <a:ln w="76200">
+            <a:solidFill>
+              <a:srgbClr val="B7C1CD"/>
+            </a:solidFill>
           </a:ln>
         </p:spPr>
         <p:style>
@@ -11007,91 +10595,20 @@
       </p:sp>
       <p:sp>
         <p:nvSpPr>
-          <p:cNvPr id="23" name="TextBox 22"/>
-          <p:cNvSpPr txBox="1"/>
-          <p:nvPr/>
-        </p:nvSpPr>
-        <p:spPr>
-          <a:xfrm>
-            <a:off x="8437825" y="4419981"/>
-            <a:ext cx="601686" cy="377190"/>
-          </a:xfrm>
-          <a:prstGeom prst="rect">
-            <a:avLst/>
-          </a:prstGeom>
-        </p:spPr>
-        <p:txBody>
-          <a:bodyPr wrap="square">
-            <a:spAutoFit/>
-          </a:bodyPr>
-          <a:lstStyle/>
-          <a:p>
-            <a:pPr algn="ctr">
-              <a:defRPr/>
-            </a:pPr>
-            <a:r>
-              <a:rPr lang="ko-KR" altLang="en-US" sz="1900">
-                <a:latin typeface="나눔스퀘어_ac ExtraBold"/>
-                <a:ea typeface="나눔스퀘어_ac ExtraBold"/>
-              </a:rPr>
-              <a:t>제목</a:t>
-            </a:r>
-          </a:p>
-        </p:txBody>
-      </p:sp>
-      <p:sp>
-        <p:nvSpPr>
-          <p:cNvPr id="24" name="TextBox 23"/>
-          <p:cNvSpPr txBox="1"/>
-          <p:nvPr/>
-        </p:nvSpPr>
-        <p:spPr>
-          <a:xfrm>
-            <a:off x="7658157" y="5157216"/>
-            <a:ext cx="2160270" cy="548640"/>
-          </a:xfrm>
-          <a:prstGeom prst="rect">
-            <a:avLst/>
-          </a:prstGeom>
-        </p:spPr>
-        <p:txBody>
-          <a:bodyPr wrap="square">
-            <a:spAutoFit/>
-          </a:bodyPr>
-          <a:lstStyle/>
-          <a:p>
-            <a:pPr algn="ctr">
-              <a:defRPr/>
-            </a:pPr>
-            <a:r>
-              <a:rPr lang="ko-KR" altLang="en-US" sz="750">
-                <a:solidFill>
-                  <a:srgbClr val="808080"/>
-                </a:solidFill>
-                <a:latin typeface="나눔스퀘어_ac Bold"/>
-                <a:ea typeface="나눔스퀘어_ac Bold"/>
-              </a:rPr>
-              <a:t>리도 못 가서 발병난다. 내가 그의 이름을 불러 주었을 때 그는  돌같이 하라 뭉치면 살고 흩어지면 죽는다. 이 몸이 죽고 죽어 일백번 고쳐 죽어고 임 향한 일편단심 가실 줄이 있으랴. 관용은 미덕이다. </a:t>
-            </a:r>
-          </a:p>
-        </p:txBody>
-      </p:sp>
-      <p:sp>
-        <p:nvSpPr>
-          <p:cNvPr id="25" name="직사각형 24"/>
+          <p:cNvPr id="24" name="직사각형 23"/>
           <p:cNvSpPr/>
           <p:nvPr/>
         </p:nvSpPr>
         <p:spPr>
           <a:xfrm>
-            <a:off x="7658157" y="1988820"/>
-            <a:ext cx="2160270" cy="2203513"/>
+            <a:off x="5073295" y="1815667"/>
+            <a:ext cx="957198" cy="605206"/>
           </a:xfrm>
           <a:prstGeom prst="rect">
             <a:avLst/>
           </a:prstGeom>
           <a:solidFill>
-            <a:srgbClr val="0F3158"/>
+            <a:schemeClr val="lt1"/>
           </a:solidFill>
           <a:ln>
             <a:noFill/>
@@ -11128,16 +10645,256 @@
       </p:sp>
       <p:sp>
         <p:nvSpPr>
-          <p:cNvPr id="26" name="타원 25"/>
+          <p:cNvPr id="25" name="TextBox 24"/>
+          <p:cNvSpPr txBox="1"/>
+          <p:nvPr/>
+        </p:nvSpPr>
+        <p:spPr>
+          <a:xfrm>
+            <a:off x="5309349" y="1916811"/>
+            <a:ext cx="485089" cy="414909"/>
+          </a:xfrm>
+          <a:prstGeom prst="rect">
+            <a:avLst/>
+          </a:prstGeom>
+        </p:spPr>
+        <p:txBody>
+          <a:bodyPr wrap="square">
+            <a:spAutoFit/>
+          </a:bodyPr>
+          <a:lstStyle/>
+          <a:p>
+            <a:pPr algn="ctr">
+              <a:defRPr/>
+            </a:pPr>
+            <a:r>
+              <a:rPr lang="en-US" altLang="ko-KR" sz="2100">
+                <a:solidFill>
+                  <a:srgbClr val="0F3158"/>
+                </a:solidFill>
+                <a:latin typeface="-윤고딕360"/>
+                <a:ea typeface="-윤고딕360"/>
+              </a:rPr>
+              <a:t>02</a:t>
+            </a:r>
+          </a:p>
+        </p:txBody>
+      </p:sp>
+      <p:sp>
+        <p:nvSpPr>
+          <p:cNvPr id="26" name="TextBox 25"/>
+          <p:cNvSpPr txBox="1"/>
+          <p:nvPr/>
+        </p:nvSpPr>
+        <p:spPr>
+          <a:xfrm>
+            <a:off x="4852789" y="3068955"/>
+            <a:ext cx="1407907" cy="300082"/>
+          </a:xfrm>
+          <a:prstGeom prst="rect">
+            <a:avLst/>
+          </a:prstGeom>
+        </p:spPr>
+        <p:txBody>
+          <a:bodyPr wrap="square">
+            <a:spAutoFit/>
+          </a:bodyPr>
+          <a:lstStyle/>
+          <a:p>
+            <a:pPr algn="ctr">
+              <a:defRPr/>
+            </a:pPr>
+            <a:r>
+              <a:rPr lang="ko-KR" altLang="en-US" sz="1350">
+                <a:solidFill>
+                  <a:srgbClr val="808080"/>
+                </a:solidFill>
+                <a:latin typeface="나눔스퀘어 Bold"/>
+                <a:ea typeface="나눔스퀘어 Bold"/>
+              </a:rPr>
+              <a:t>기존 구조 개선</a:t>
+            </a:r>
+            <a:endParaRPr lang="ko-KR" altLang="ko-KR" sz="1350">
+              <a:solidFill>
+                <a:srgbClr val="808080"/>
+              </a:solidFill>
+              <a:latin typeface="나눔스퀘어 Bold"/>
+              <a:ea typeface="나눔스퀘어 Bold"/>
+            </a:endParaRPr>
+          </a:p>
+        </p:txBody>
+      </p:sp>
+      <p:sp>
+        <p:nvSpPr>
+          <p:cNvPr id="27" name="TextBox 26"/>
+          <p:cNvSpPr txBox="1"/>
+          <p:nvPr/>
+        </p:nvSpPr>
+        <p:spPr>
+          <a:xfrm>
+            <a:off x="9566910" y="392049"/>
+            <a:ext cx="1259205" cy="243840"/>
+          </a:xfrm>
+          <a:prstGeom prst="rect">
+            <a:avLst/>
+          </a:prstGeom>
+        </p:spPr>
+        <p:txBody>
+          <a:bodyPr wrap="none">
+            <a:spAutoFit/>
+          </a:bodyPr>
+          <a:lstStyle/>
+          <a:p>
+            <a:pPr algn="ctr">
+              <a:defRPr/>
+            </a:pPr>
+            <a:r>
+              <a:rPr lang="ko-KR" altLang="en-US" sz="1000">
+                <a:solidFill>
+                  <a:srgbClr val="0F3158"/>
+                </a:solidFill>
+                <a:latin typeface="나눔스퀘어_ac ExtraBold"/>
+                <a:ea typeface="나눔스퀘어_ac ExtraBold"/>
+              </a:rPr>
+              <a:t>과목명 </a:t>
+            </a:r>
+            <a:r>
+              <a:rPr lang="en-US" altLang="ko-KR" sz="1000">
+                <a:solidFill>
+                  <a:srgbClr val="0F3158"/>
+                </a:solidFill>
+                <a:latin typeface="나눔스퀘어_ac ExtraBold"/>
+                <a:ea typeface="나눔스퀘어_ac ExtraBold"/>
+              </a:rPr>
+              <a:t>or </a:t>
+            </a:r>
+            <a:r>
+              <a:rPr lang="ko-KR" altLang="en-US" sz="1000">
+                <a:solidFill>
+                  <a:srgbClr val="0F3158"/>
+                </a:solidFill>
+                <a:latin typeface="나눔스퀘어_ac ExtraBold"/>
+                <a:ea typeface="나눔스퀘어_ac ExtraBold"/>
+              </a:rPr>
+              <a:t>프로젝트명</a:t>
+            </a:r>
+          </a:p>
+        </p:txBody>
+      </p:sp>
+      <p:sp>
+        <p:nvSpPr>
+          <p:cNvPr id="5" name="TextBox 4">
+            <a:extLst>
+              <a:ext uri="{FF2B5EF4-FFF2-40B4-BE49-F238E27FC236}">
+                <a16:creationId xmlns:a16="http://schemas.microsoft.com/office/drawing/2014/main" id="{C91B12A0-A8B5-6860-C165-0311B1275827}"/>
+              </a:ext>
+            </a:extLst>
+          </p:cNvPr>
+          <p:cNvSpPr txBox="1"/>
+          <p:nvPr/>
+        </p:nvSpPr>
+        <p:spPr>
+          <a:xfrm>
+            <a:off x="487081" y="392049"/>
+            <a:ext cx="1024640" cy="307777"/>
+          </a:xfrm>
+          <a:prstGeom prst="rect">
+            <a:avLst/>
+          </a:prstGeom>
+        </p:spPr>
+        <p:txBody>
+          <a:bodyPr wrap="none">
+            <a:spAutoFit/>
+          </a:bodyPr>
+          <a:lstStyle/>
+          <a:p>
+            <a:pPr algn="ctr">
+              <a:defRPr/>
+            </a:pPr>
+            <a:r>
+              <a:rPr lang="en-US" altLang="ko-KR" sz="1400">
+                <a:solidFill>
+                  <a:srgbClr val="0F3158"/>
+                </a:solidFill>
+                <a:latin typeface="나눔스퀘어_ac ExtraBold"/>
+                <a:ea typeface="나눔스퀘어_ac ExtraBold"/>
+              </a:rPr>
+              <a:t>01.</a:t>
+            </a:r>
+            <a:r>
+              <a:rPr lang="ko-KR" altLang="en-US" sz="1400">
+                <a:solidFill>
+                  <a:srgbClr val="0F3158"/>
+                </a:solidFill>
+                <a:latin typeface="나눔스퀘어_ac ExtraBold"/>
+                <a:ea typeface="나눔스퀘어_ac ExtraBold"/>
+              </a:rPr>
+              <a:t> 마무리</a:t>
+            </a:r>
+          </a:p>
+        </p:txBody>
+      </p:sp>
+      <p:sp>
+        <p:nvSpPr>
+          <p:cNvPr id="8" name="TextBox 7">
+            <a:extLst>
+              <a:ext uri="{FF2B5EF4-FFF2-40B4-BE49-F238E27FC236}">
+                <a16:creationId xmlns:a16="http://schemas.microsoft.com/office/drawing/2014/main" id="{E8E1EC87-EC99-BA23-549F-ACE0ABF6BDFC}"/>
+              </a:ext>
+            </a:extLst>
+          </p:cNvPr>
+          <p:cNvSpPr txBox="1"/>
+          <p:nvPr/>
+        </p:nvSpPr>
+        <p:spPr>
+          <a:xfrm>
+            <a:off x="487979" y="615696"/>
+            <a:ext cx="854722" cy="276999"/>
+          </a:xfrm>
+          <a:prstGeom prst="rect">
+            <a:avLst/>
+          </a:prstGeom>
+        </p:spPr>
+        <p:txBody>
+          <a:bodyPr wrap="none">
+            <a:spAutoFit/>
+          </a:bodyPr>
+          <a:lstStyle/>
+          <a:p>
+            <a:pPr algn="ctr">
+              <a:defRPr/>
+            </a:pPr>
+            <a:r>
+              <a:rPr lang="ko-KR" altLang="en-US" sz="1200">
+                <a:solidFill>
+                  <a:srgbClr val="A9AAAA"/>
+                </a:solidFill>
+                <a:latin typeface="나눔스퀘어_ac Bold"/>
+                <a:ea typeface="나눔스퀘어_ac Bold"/>
+              </a:rPr>
+              <a:t>기대 효과</a:t>
+            </a:r>
+          </a:p>
+        </p:txBody>
+      </p:sp>
+      <p:sp>
+        <p:nvSpPr>
+          <p:cNvPr id="16" name="직사각형 15">
+            <a:extLst>
+              <a:ext uri="{FF2B5EF4-FFF2-40B4-BE49-F238E27FC236}">
+                <a16:creationId xmlns:a16="http://schemas.microsoft.com/office/drawing/2014/main" id="{9DD45C97-66FC-35E6-B698-C52B5E7331DC}"/>
+              </a:ext>
+            </a:extLst>
+          </p:cNvPr>
           <p:cNvSpPr/>
           <p:nvPr/>
         </p:nvSpPr>
         <p:spPr>
           <a:xfrm>
-            <a:off x="8702288" y="4869180"/>
-            <a:ext cx="72009" cy="72009"/>
-          </a:xfrm>
-          <a:prstGeom prst="ellipse">
+            <a:off x="439255" y="392049"/>
+            <a:ext cx="45720" cy="588645"/>
+          </a:xfrm>
+          <a:prstGeom prst="rect">
             <a:avLst/>
           </a:prstGeom>
           <a:solidFill>
@@ -11173,6 +10930,177 @@
             <a:endParaRPr lang="ko-KR" altLang="en-US">
               <a:noFill/>
             </a:endParaRPr>
+          </a:p>
+        </p:txBody>
+      </p:sp>
+      <p:sp>
+        <p:nvSpPr>
+          <p:cNvPr id="17" name="TextBox 16">
+            <a:extLst>
+              <a:ext uri="{FF2B5EF4-FFF2-40B4-BE49-F238E27FC236}">
+                <a16:creationId xmlns:a16="http://schemas.microsoft.com/office/drawing/2014/main" id="{F37D43E7-4F81-AE8B-CEA0-F1269F114332}"/>
+              </a:ext>
+            </a:extLst>
+          </p:cNvPr>
+          <p:cNvSpPr txBox="1"/>
+          <p:nvPr/>
+        </p:nvSpPr>
+        <p:spPr>
+          <a:xfrm>
+            <a:off x="1268199" y="4545139"/>
+            <a:ext cx="9052478" cy="2062103"/>
+          </a:xfrm>
+          <a:prstGeom prst="rect">
+            <a:avLst/>
+          </a:prstGeom>
+        </p:spPr>
+        <p:txBody>
+          <a:bodyPr wrap="none" rtlCol="0">
+            <a:spAutoFit/>
+          </a:bodyPr>
+          <a:lstStyle/>
+          <a:p>
+            <a:r>
+              <a:rPr lang="en-US" altLang="ko-KR" sz="1600"/>
+              <a:t>[ </a:t>
+            </a:r>
+            <a:r>
+              <a:rPr lang="ko-KR" altLang="en-US" sz="1600"/>
+              <a:t>활용도 </a:t>
+            </a:r>
+            <a:r>
+              <a:rPr lang="en-US" altLang="ko-KR" sz="1600"/>
+              <a:t>] </a:t>
+            </a:r>
+          </a:p>
+          <a:p>
+            <a:r>
+              <a:rPr lang="en-US" altLang="ko-KR" sz="1600"/>
+              <a:t>- </a:t>
+            </a:r>
+            <a:r>
+              <a:rPr lang="ko-KR" altLang="en-US" sz="1600"/>
+              <a:t>선박</a:t>
+            </a:r>
+            <a:r>
+              <a:rPr lang="en-US" altLang="ko-KR" sz="1600"/>
+              <a:t>, </a:t>
+            </a:r>
+            <a:r>
+              <a:rPr lang="ko-KR" altLang="en-US" sz="1600"/>
+              <a:t>병원</a:t>
+            </a:r>
+            <a:r>
+              <a:rPr lang="en-US" altLang="ko-KR" sz="1600"/>
+              <a:t>, </a:t>
+            </a:r>
+            <a:r>
+              <a:rPr lang="ko-KR" altLang="en-US" sz="1600"/>
+              <a:t>항만 등 특정 위치에 고정적으로 정밀 착륙을 요구하는 특수 상황에서 충분히 활용 가능</a:t>
+            </a:r>
+            <a:endParaRPr lang="en-US" altLang="ko-KR" sz="1600"/>
+          </a:p>
+          <a:p>
+            <a:r>
+              <a:rPr lang="en-US" altLang="ko-KR" sz="1600"/>
+              <a:t>[ </a:t>
+            </a:r>
+            <a:r>
+              <a:rPr lang="ko-KR" altLang="en-US" sz="1600"/>
+              <a:t>기존 구조 개선 </a:t>
+            </a:r>
+            <a:r>
+              <a:rPr lang="en-US" altLang="ko-KR" sz="1600"/>
+              <a:t>]</a:t>
+            </a:r>
+          </a:p>
+          <a:p>
+            <a:pPr marL="285750" indent="-285750">
+              <a:buFontTx/>
+              <a:buChar char="-"/>
+            </a:pPr>
+            <a:r>
+              <a:rPr lang="ko-KR" altLang="en-US" sz="1600"/>
+              <a:t>기존의 마커를 활용한 정밀 착륙의 경우 장거리에서의 마커 인식을 요구하나</a:t>
+            </a:r>
+            <a:r>
+              <a:rPr lang="en-US" altLang="ko-KR" sz="1600"/>
+              <a:t>, </a:t>
+            </a:r>
+            <a:r>
+              <a:rPr lang="ko-KR" altLang="en-US" sz="1600"/>
+              <a:t>본 시스템의 경우 </a:t>
+            </a:r>
+            <a:endParaRPr lang="en-US" altLang="ko-KR" sz="1600"/>
+          </a:p>
+          <a:p>
+            <a:r>
+              <a:rPr lang="en-US" altLang="ko-KR" sz="1600"/>
+              <a:t>    </a:t>
+            </a:r>
+            <a:r>
+              <a:rPr lang="ko-KR" altLang="en-US" sz="1600"/>
+              <a:t>고 해상도 카메라 모듈을 요구하지 않음</a:t>
+            </a:r>
+            <a:r>
+              <a:rPr lang="en-US" altLang="ko-KR" sz="1600"/>
+              <a:t>.</a:t>
+            </a:r>
+          </a:p>
+          <a:p>
+            <a:pPr marL="285750" indent="-285750">
+              <a:buFontTx/>
+              <a:buChar char="-"/>
+            </a:pPr>
+            <a:r>
+              <a:rPr lang="ko-KR" altLang="en-US" sz="1600"/>
+              <a:t>기존 시스템인 </a:t>
+            </a:r>
+            <a:r>
+              <a:rPr lang="en-US" altLang="ko-KR" sz="1600"/>
+              <a:t>GPS</a:t>
+            </a:r>
+            <a:r>
+              <a:rPr lang="ko-KR" altLang="en-US" sz="1600"/>
+              <a:t>와 혼합하여 사용 시 더욱 효과적인 정밀 착륙을 수행할 수 있음</a:t>
+            </a:r>
+            <a:r>
+              <a:rPr lang="en-US" altLang="ko-KR" sz="1600"/>
+              <a:t>.</a:t>
+            </a:r>
+          </a:p>
+          <a:p>
+            <a:r>
+              <a:rPr lang="en-US" altLang="ko-KR" sz="1600"/>
+              <a:t>[ </a:t>
+            </a:r>
+            <a:r>
+              <a:rPr lang="ko-KR" altLang="en-US" sz="1600"/>
+              <a:t>인적 오류 예방 </a:t>
+            </a:r>
+            <a:r>
+              <a:rPr lang="en-US" altLang="ko-KR" sz="1600"/>
+              <a:t>]</a:t>
+            </a:r>
+          </a:p>
+          <a:p>
+            <a:pPr marL="285750" indent="-285750">
+              <a:buFontTx/>
+              <a:buChar char="-"/>
+            </a:pPr>
+            <a:r>
+              <a:rPr lang="ko-KR" altLang="en-US" sz="1600"/>
+              <a:t>자동 랜딩 기능으로 사용자 인적 오류 예방</a:t>
+            </a:r>
+            <a:r>
+              <a:rPr lang="en-US" altLang="ko-KR" sz="1600"/>
+              <a:t> </a:t>
+            </a:r>
+            <a:r>
+              <a:rPr lang="ko-KR" altLang="en-US" sz="1600"/>
+              <a:t>가능</a:t>
+            </a:r>
+            <a:endParaRPr lang="en-US" altLang="ko-KR" sz="1600"/>
           </a:p>
         </p:txBody>
       </p:sp>
@@ -11197,7 +11125,13 @@
   <p:cSld>
     <p:spTree>
       <p:nvGrpSpPr>
-        <p:cNvPr id="1" name=""/>
+        <p:cNvPr id="1" name="">
+          <a:extLst>
+            <a:ext uri="{FF2B5EF4-FFF2-40B4-BE49-F238E27FC236}">
+              <a16:creationId xmlns:a16="http://schemas.microsoft.com/office/drawing/2014/main" id="{0C7CFF38-2AB6-E327-BAB0-4251335F49A2}"/>
+            </a:ext>
+          </a:extLst>
+        </p:cNvPr>
         <p:cNvGrpSpPr/>
         <p:nvPr/>
       </p:nvGrpSpPr>
@@ -11211,14 +11145,20 @@
       </p:grpSpPr>
       <p:sp>
         <p:nvSpPr>
-          <p:cNvPr id="6" name="TextBox 5"/>
+          <p:cNvPr id="27" name="TextBox 26">
+            <a:extLst>
+              <a:ext uri="{FF2B5EF4-FFF2-40B4-BE49-F238E27FC236}">
+                <a16:creationId xmlns:a16="http://schemas.microsoft.com/office/drawing/2014/main" id="{126592FD-3087-30BE-5816-C9EC22DE49B7}"/>
+              </a:ext>
+            </a:extLst>
+          </p:cNvPr>
           <p:cNvSpPr txBox="1"/>
           <p:nvPr/>
         </p:nvSpPr>
         <p:spPr>
           <a:xfrm>
-            <a:off x="511264" y="392049"/>
-            <a:ext cx="820331" cy="300609"/>
+            <a:off x="9566910" y="392049"/>
+            <a:ext cx="1259205" cy="243840"/>
           </a:xfrm>
           <a:prstGeom prst="rect">
             <a:avLst/>
@@ -11234,38 +11174,54 @@
               <a:defRPr/>
             </a:pPr>
             <a:r>
-              <a:rPr lang="en-US" altLang="ko-KR" sz="1400">
+              <a:rPr lang="ko-KR" altLang="en-US" sz="1000">
                 <a:solidFill>
                   <a:srgbClr val="0F3158"/>
                 </a:solidFill>
                 <a:latin typeface="나눔스퀘어_ac ExtraBold"/>
                 <a:ea typeface="나눔스퀘어_ac ExtraBold"/>
               </a:rPr>
-              <a:t>01.</a:t>
-            </a:r>
-            <a:r>
-              <a:rPr lang="ko-KR" altLang="en-US" sz="1400">
+              <a:t>과목명 </a:t>
+            </a:r>
+            <a:r>
+              <a:rPr lang="en-US" altLang="ko-KR" sz="1000">
                 <a:solidFill>
                   <a:srgbClr val="0F3158"/>
                 </a:solidFill>
                 <a:latin typeface="나눔스퀘어_ac ExtraBold"/>
                 <a:ea typeface="나눔스퀘어_ac ExtraBold"/>
               </a:rPr>
-              <a:t> 주제</a:t>
-            </a:r>
-          </a:p>
-        </p:txBody>
-      </p:sp>
-      <p:sp>
-        <p:nvSpPr>
-          <p:cNvPr id="7" name="TextBox 6"/>
+              <a:t>or </a:t>
+            </a:r>
+            <a:r>
+              <a:rPr lang="ko-KR" altLang="en-US" sz="1000">
+                <a:solidFill>
+                  <a:srgbClr val="0F3158"/>
+                </a:solidFill>
+                <a:latin typeface="나눔스퀘어_ac ExtraBold"/>
+                <a:ea typeface="나눔스퀘어_ac ExtraBold"/>
+              </a:rPr>
+              <a:t>프로젝트명</a:t>
+            </a:r>
+          </a:p>
+        </p:txBody>
+      </p:sp>
+      <p:sp>
+        <p:nvSpPr>
+          <p:cNvPr id="5" name="TextBox 4">
+            <a:extLst>
+              <a:ext uri="{FF2B5EF4-FFF2-40B4-BE49-F238E27FC236}">
+                <a16:creationId xmlns:a16="http://schemas.microsoft.com/office/drawing/2014/main" id="{20DC6FD1-4679-F23B-098A-D470697945E9}"/>
+              </a:ext>
+            </a:extLst>
+          </p:cNvPr>
           <p:cNvSpPr txBox="1"/>
           <p:nvPr/>
         </p:nvSpPr>
         <p:spPr>
           <a:xfrm>
-            <a:off x="511264" y="615696"/>
-            <a:ext cx="1077506" cy="364998"/>
+            <a:off x="487081" y="392049"/>
+            <a:ext cx="1024640" cy="307777"/>
           </a:xfrm>
           <a:prstGeom prst="rect">
             <a:avLst/>
@@ -11281,6 +11237,59 @@
               <a:defRPr/>
             </a:pPr>
             <a:r>
+              <a:rPr lang="en-US" altLang="ko-KR" sz="1400">
+                <a:solidFill>
+                  <a:srgbClr val="0F3158"/>
+                </a:solidFill>
+                <a:latin typeface="나눔스퀘어_ac ExtraBold"/>
+                <a:ea typeface="나눔스퀘어_ac ExtraBold"/>
+              </a:rPr>
+              <a:t>01.</a:t>
+            </a:r>
+            <a:r>
+              <a:rPr lang="ko-KR" altLang="en-US" sz="1400">
+                <a:solidFill>
+                  <a:srgbClr val="0F3158"/>
+                </a:solidFill>
+                <a:latin typeface="나눔스퀘어_ac ExtraBold"/>
+                <a:ea typeface="나눔스퀘어_ac ExtraBold"/>
+              </a:rPr>
+              <a:t> 마무리</a:t>
+            </a:r>
+          </a:p>
+        </p:txBody>
+      </p:sp>
+      <p:sp>
+        <p:nvSpPr>
+          <p:cNvPr id="8" name="TextBox 7">
+            <a:extLst>
+              <a:ext uri="{FF2B5EF4-FFF2-40B4-BE49-F238E27FC236}">
+                <a16:creationId xmlns:a16="http://schemas.microsoft.com/office/drawing/2014/main" id="{D23BEBBF-32E7-4F45-76ED-0F16F67CF365}"/>
+              </a:ext>
+            </a:extLst>
+          </p:cNvPr>
+          <p:cNvSpPr txBox="1"/>
+          <p:nvPr/>
+        </p:nvSpPr>
+        <p:spPr>
+          <a:xfrm>
+            <a:off x="501435" y="615696"/>
+            <a:ext cx="646331" cy="276999"/>
+          </a:xfrm>
+          <a:prstGeom prst="rect">
+            <a:avLst/>
+          </a:prstGeom>
+        </p:spPr>
+        <p:txBody>
+          <a:bodyPr wrap="none">
+            <a:spAutoFit/>
+          </a:bodyPr>
+          <a:lstStyle/>
+          <a:p>
+            <a:pPr algn="ctr">
+              <a:defRPr/>
+            </a:pPr>
+            <a:r>
               <a:rPr lang="ko-KR" altLang="en-US" sz="1200">
                 <a:solidFill>
                   <a:srgbClr val="A9AAAA"/>
@@ -11288,34 +11297,20 @@
                 <a:latin typeface="나눔스퀘어_ac Bold"/>
                 <a:ea typeface="나눔스퀘어_ac Bold"/>
               </a:rPr>
-              <a:t>소주제</a:t>
-            </a:r>
-            <a:r>
-              <a:rPr lang="ko-KR" altLang="en-US">
-                <a:solidFill>
-                  <a:srgbClr val="A9AAAA"/>
-                </a:solidFill>
-                <a:latin typeface="나눔스퀘어_ac Bold"/>
-                <a:ea typeface="나눔스퀘어_ac Bold"/>
-              </a:rPr>
-              <a:t> </a:t>
-            </a:r>
-            <a:r>
-              <a:rPr lang="ko-KR" altLang="en-US" sz="1200">
-                <a:solidFill>
-                  <a:srgbClr val="A9AAAA"/>
-                </a:solidFill>
-                <a:latin typeface="나눔스퀘어_ac Bold"/>
-                <a:ea typeface="나눔스퀘어_ac Bold"/>
-              </a:rPr>
-              <a:t>및 설명</a:t>
-            </a:r>
-          </a:p>
-        </p:txBody>
-      </p:sp>
-      <p:sp>
-        <p:nvSpPr>
-          <p:cNvPr id="9" name="직사각형 8"/>
+              <a:t>개선점</a:t>
+            </a:r>
+          </a:p>
+        </p:txBody>
+      </p:sp>
+      <p:sp>
+        <p:nvSpPr>
+          <p:cNvPr id="16" name="직사각형 15">
+            <a:extLst>
+              <a:ext uri="{FF2B5EF4-FFF2-40B4-BE49-F238E27FC236}">
+                <a16:creationId xmlns:a16="http://schemas.microsoft.com/office/drawing/2014/main" id="{83CADDC5-E497-DF43-1B88-B614F6D8A7E9}"/>
+              </a:ext>
+            </a:extLst>
+          </p:cNvPr>
           <p:cNvSpPr/>
           <p:nvPr/>
         </p:nvSpPr>
@@ -11363,730 +11358,12 @@
           </a:p>
         </p:txBody>
       </p:sp>
-      <p:sp>
-        <p:nvSpPr>
-          <p:cNvPr id="10" name="TextBox 9"/>
-          <p:cNvSpPr txBox="1"/>
-          <p:nvPr/>
-        </p:nvSpPr>
-        <p:spPr>
-          <a:xfrm>
-            <a:off x="4551467" y="5040880"/>
-            <a:ext cx="1764254" cy="338840"/>
-          </a:xfrm>
-          <a:prstGeom prst="rect">
-            <a:avLst/>
-          </a:prstGeom>
-        </p:spPr>
-        <p:txBody>
-          <a:bodyPr wrap="square">
-            <a:spAutoFit/>
-          </a:bodyPr>
-          <a:lstStyle/>
-          <a:p>
-            <a:pPr algn="ctr">
-              <a:defRPr/>
-            </a:pPr>
-            <a:r>
-              <a:rPr lang="ko-KR" altLang="en-US" sz="1600">
-                <a:solidFill>
-                  <a:srgbClr val="555554"/>
-                </a:solidFill>
-                <a:latin typeface="나눔스퀘어_ac ExtraBold"/>
-                <a:ea typeface="나눔스퀘어_ac ExtraBold"/>
-              </a:rPr>
-              <a:t>제목을 입력하세요</a:t>
-            </a:r>
-            <a:r>
-              <a:rPr lang="en-US" altLang="ko-KR" sz="1600">
-                <a:solidFill>
-                  <a:srgbClr val="555554"/>
-                </a:solidFill>
-                <a:latin typeface="나눔스퀘어_ac ExtraBold"/>
-                <a:ea typeface="나눔스퀘어_ac ExtraBold"/>
-              </a:rPr>
-              <a:t>.</a:t>
-            </a:r>
-          </a:p>
-        </p:txBody>
-      </p:sp>
-      <p:sp>
-        <p:nvSpPr>
-          <p:cNvPr id="11" name="TextBox 10"/>
-          <p:cNvSpPr txBox="1"/>
-          <p:nvPr/>
-        </p:nvSpPr>
-        <p:spPr>
-          <a:xfrm>
-            <a:off x="3535642" y="5561886"/>
-            <a:ext cx="3795904" cy="446484"/>
-          </a:xfrm>
-          <a:prstGeom prst="rect">
-            <a:avLst/>
-          </a:prstGeom>
-        </p:spPr>
-        <p:txBody>
-          <a:bodyPr wrap="square">
-            <a:spAutoFit/>
-          </a:bodyPr>
-          <a:lstStyle/>
-          <a:p>
-            <a:pPr algn="ctr">
-              <a:defRPr/>
-            </a:pPr>
-            <a:r>
-              <a:rPr lang="en-US" altLang="ko-KR" sz="800">
-                <a:solidFill>
-                  <a:srgbClr val="808080"/>
-                </a:solidFill>
-                <a:latin typeface="나눔스퀘어_ac Bold"/>
-                <a:ea typeface="나눔스퀘어_ac Bold"/>
-              </a:rPr>
-              <a:t>-</a:t>
-            </a:r>
-            <a:r>
-              <a:rPr lang="ko-KR" altLang="en-US" sz="800">
-                <a:solidFill>
-                  <a:srgbClr val="808080"/>
-                </a:solidFill>
-                <a:latin typeface="나눔스퀘어_ac Bold"/>
-                <a:ea typeface="나눔스퀘어_ac Bold"/>
-              </a:rPr>
-              <a:t> 십리도 못 가서 발병난다. 내가 그의 이름을 불러 주었을 때 </a:t>
-            </a:r>
-          </a:p>
-          <a:p>
-            <a:pPr algn="ctr">
-              <a:defRPr/>
-            </a:pPr>
-            <a:r>
-              <a:rPr lang="en-US" altLang="ko-KR" sz="800">
-                <a:solidFill>
-                  <a:srgbClr val="808080"/>
-                </a:solidFill>
-                <a:latin typeface="나눔스퀘어_ac Bold"/>
-                <a:ea typeface="나눔스퀘어_ac Bold"/>
-              </a:rPr>
-              <a:t>-</a:t>
-            </a:r>
-            <a:r>
-              <a:rPr lang="ko-KR" altLang="en-US" sz="800">
-                <a:solidFill>
-                  <a:srgbClr val="808080"/>
-                </a:solidFill>
-                <a:latin typeface="나눔스퀘어_ac Bold"/>
-                <a:ea typeface="나눔스퀘어_ac Bold"/>
-              </a:rPr>
-              <a:t> 그는  돌같이 하라 뭉치면 살고 흩어지면 죽는다. 이 몸이 죽고 죽어 </a:t>
-            </a:r>
-          </a:p>
-          <a:p>
-            <a:pPr algn="ctr">
-              <a:defRPr/>
-            </a:pPr>
-            <a:r>
-              <a:rPr lang="en-US" altLang="ko-KR" sz="800">
-                <a:solidFill>
-                  <a:srgbClr val="808080"/>
-                </a:solidFill>
-                <a:latin typeface="나눔스퀘어_ac Bold"/>
-                <a:ea typeface="나눔스퀘어_ac Bold"/>
-              </a:rPr>
-              <a:t>-</a:t>
-            </a:r>
-            <a:r>
-              <a:rPr lang="ko-KR" altLang="en-US" sz="800">
-                <a:solidFill>
-                  <a:srgbClr val="808080"/>
-                </a:solidFill>
-                <a:latin typeface="나눔스퀘어_ac Bold"/>
-                <a:ea typeface="나눔스퀘어_ac Bold"/>
-              </a:rPr>
-              <a:t> 일백번 고쳐 죽어고 임 향한 일편단심 가실 줄이 있으랴. 관용은 미덕이다. </a:t>
-            </a:r>
-          </a:p>
-        </p:txBody>
-      </p:sp>
-      <p:sp>
-        <p:nvSpPr>
-          <p:cNvPr id="12" name="타원 11"/>
-          <p:cNvSpPr/>
-          <p:nvPr/>
-        </p:nvSpPr>
-        <p:spPr>
-          <a:xfrm>
-            <a:off x="1447381" y="2060829"/>
-            <a:ext cx="2340292" cy="2340292"/>
-          </a:xfrm>
-          <a:prstGeom prst="ellipse">
-            <a:avLst/>
-          </a:prstGeom>
-          <a:noFill/>
-          <a:ln w="76200">
-            <a:solidFill>
-              <a:srgbClr val="B7C1CD"/>
-            </a:solidFill>
-          </a:ln>
-        </p:spPr>
-        <p:style>
-          <a:lnRef idx="2">
-            <a:schemeClr val="accent1">
-              <a:shade val="20000"/>
-            </a:schemeClr>
-          </a:lnRef>
-          <a:fillRef idx="1">
-            <a:schemeClr val="accent1"/>
-          </a:fillRef>
-          <a:effectRef idx="0">
-            <a:schemeClr val="accent1"/>
-          </a:effectRef>
-          <a:fontRef idx="minor">
-            <a:schemeClr val="lt1"/>
-          </a:fontRef>
-        </p:style>
-        <p:txBody>
-          <a:bodyPr anchor="ctr"/>
-          <a:lstStyle/>
-          <a:p>
-            <a:pPr algn="ctr">
-              <a:defRPr/>
-            </a:pPr>
-            <a:endParaRPr lang="ko-KR" altLang="en-US">
-              <a:noFill/>
-            </a:endParaRPr>
-          </a:p>
-        </p:txBody>
-      </p:sp>
-      <p:sp>
-        <p:nvSpPr>
-          <p:cNvPr id="13" name="직사각형 12"/>
-          <p:cNvSpPr/>
-          <p:nvPr/>
-        </p:nvSpPr>
-        <p:spPr>
-          <a:xfrm>
-            <a:off x="2138928" y="1815667"/>
-            <a:ext cx="957198" cy="605206"/>
-          </a:xfrm>
-          <a:prstGeom prst="rect">
-            <a:avLst/>
-          </a:prstGeom>
-          <a:solidFill>
-            <a:schemeClr val="lt1"/>
-          </a:solidFill>
-          <a:ln>
-            <a:noFill/>
-          </a:ln>
-        </p:spPr>
-        <p:style>
-          <a:lnRef idx="2">
-            <a:schemeClr val="accent1">
-              <a:shade val="20000"/>
-            </a:schemeClr>
-          </a:lnRef>
-          <a:fillRef idx="1">
-            <a:schemeClr val="accent1"/>
-          </a:fillRef>
-          <a:effectRef idx="0">
-            <a:schemeClr val="accent1"/>
-          </a:effectRef>
-          <a:fontRef idx="minor">
-            <a:schemeClr val="lt1"/>
-          </a:fontRef>
-        </p:style>
-        <p:txBody>
-          <a:bodyPr anchor="ctr"/>
-          <a:lstStyle/>
-          <a:p>
-            <a:pPr algn="ctr">
-              <a:defRPr/>
-            </a:pPr>
-            <a:endParaRPr lang="ko-KR" altLang="en-US">
-              <a:noFill/>
-            </a:endParaRPr>
-          </a:p>
-        </p:txBody>
-      </p:sp>
-      <p:sp>
-        <p:nvSpPr>
-          <p:cNvPr id="14" name="TextBox 13"/>
-          <p:cNvSpPr txBox="1"/>
-          <p:nvPr/>
-        </p:nvSpPr>
-        <p:spPr>
-          <a:xfrm>
-            <a:off x="2374982" y="1916811"/>
-            <a:ext cx="485089" cy="414909"/>
-          </a:xfrm>
-          <a:prstGeom prst="rect">
-            <a:avLst/>
-          </a:prstGeom>
-        </p:spPr>
-        <p:txBody>
-          <a:bodyPr wrap="square">
-            <a:spAutoFit/>
-          </a:bodyPr>
-          <a:lstStyle/>
-          <a:p>
-            <a:pPr algn="ctr">
-              <a:defRPr/>
-            </a:pPr>
-            <a:r>
-              <a:rPr lang="en-US" altLang="ko-KR" sz="2100">
-                <a:solidFill>
-                  <a:srgbClr val="0F3158"/>
-                </a:solidFill>
-                <a:latin typeface="-윤고딕360"/>
-                <a:ea typeface="-윤고딕360"/>
-              </a:rPr>
-              <a:t>01</a:t>
-            </a:r>
-          </a:p>
-        </p:txBody>
-      </p:sp>
-      <p:sp>
-        <p:nvSpPr>
-          <p:cNvPr id="15" name="TextBox 14"/>
-          <p:cNvSpPr txBox="1"/>
-          <p:nvPr/>
-        </p:nvSpPr>
-        <p:spPr>
-          <a:xfrm>
-            <a:off x="2002117" y="3068955"/>
-            <a:ext cx="1230820" cy="300990"/>
-          </a:xfrm>
-          <a:prstGeom prst="rect">
-            <a:avLst/>
-          </a:prstGeom>
-        </p:spPr>
-        <p:txBody>
-          <a:bodyPr wrap="square">
-            <a:spAutoFit/>
-          </a:bodyPr>
-          <a:lstStyle/>
-          <a:p>
-            <a:pPr algn="ctr">
-              <a:defRPr/>
-            </a:pPr>
-            <a:r>
-              <a:rPr lang="ko-KR" altLang="ko-KR" sz="1350">
-                <a:solidFill>
-                  <a:srgbClr val="808080"/>
-                </a:solidFill>
-                <a:latin typeface="나눔스퀘어 Bold"/>
-                <a:ea typeface="나눔스퀘어 Bold"/>
-              </a:rPr>
-              <a:t>소주제 및 설명</a:t>
-            </a:r>
-          </a:p>
-        </p:txBody>
-      </p:sp>
-      <p:sp>
-        <p:nvSpPr>
-          <p:cNvPr id="18" name="타원 17"/>
-          <p:cNvSpPr/>
-          <p:nvPr/>
-        </p:nvSpPr>
-        <p:spPr>
-          <a:xfrm>
-            <a:off x="7280110" y="2060829"/>
-            <a:ext cx="2340292" cy="2340292"/>
-          </a:xfrm>
-          <a:prstGeom prst="ellipse">
-            <a:avLst/>
-          </a:prstGeom>
-          <a:noFill/>
-          <a:ln w="76200">
-            <a:solidFill>
-              <a:srgbClr val="B7C1CD"/>
-            </a:solidFill>
-          </a:ln>
-        </p:spPr>
-        <p:style>
-          <a:lnRef idx="2">
-            <a:schemeClr val="accent1">
-              <a:shade val="20000"/>
-            </a:schemeClr>
-          </a:lnRef>
-          <a:fillRef idx="1">
-            <a:schemeClr val="accent1"/>
-          </a:fillRef>
-          <a:effectRef idx="0">
-            <a:schemeClr val="accent1"/>
-          </a:effectRef>
-          <a:fontRef idx="minor">
-            <a:schemeClr val="lt1"/>
-          </a:fontRef>
-        </p:style>
-        <p:txBody>
-          <a:bodyPr anchor="ctr"/>
-          <a:lstStyle/>
-          <a:p>
-            <a:pPr algn="ctr">
-              <a:defRPr/>
-            </a:pPr>
-            <a:endParaRPr lang="ko-KR" altLang="en-US">
-              <a:noFill/>
-            </a:endParaRPr>
-          </a:p>
-        </p:txBody>
-      </p:sp>
-      <p:sp>
-        <p:nvSpPr>
-          <p:cNvPr id="19" name="직사각형 18"/>
-          <p:cNvSpPr/>
-          <p:nvPr/>
-        </p:nvSpPr>
-        <p:spPr>
-          <a:xfrm>
-            <a:off x="7971657" y="1815667"/>
-            <a:ext cx="957198" cy="605206"/>
-          </a:xfrm>
-          <a:prstGeom prst="rect">
-            <a:avLst/>
-          </a:prstGeom>
-          <a:solidFill>
-            <a:schemeClr val="lt1"/>
-          </a:solidFill>
-          <a:ln>
-            <a:noFill/>
-          </a:ln>
-        </p:spPr>
-        <p:style>
-          <a:lnRef idx="2">
-            <a:schemeClr val="accent1">
-              <a:shade val="20000"/>
-            </a:schemeClr>
-          </a:lnRef>
-          <a:fillRef idx="1">
-            <a:schemeClr val="accent1"/>
-          </a:fillRef>
-          <a:effectRef idx="0">
-            <a:schemeClr val="accent1"/>
-          </a:effectRef>
-          <a:fontRef idx="minor">
-            <a:schemeClr val="lt1"/>
-          </a:fontRef>
-        </p:style>
-        <p:txBody>
-          <a:bodyPr anchor="ctr"/>
-          <a:lstStyle/>
-          <a:p>
-            <a:pPr algn="ctr">
-              <a:defRPr/>
-            </a:pPr>
-            <a:endParaRPr lang="ko-KR" altLang="en-US">
-              <a:noFill/>
-            </a:endParaRPr>
-          </a:p>
-        </p:txBody>
-      </p:sp>
-      <p:sp>
-        <p:nvSpPr>
-          <p:cNvPr id="20" name="TextBox 19"/>
-          <p:cNvSpPr txBox="1"/>
-          <p:nvPr/>
-        </p:nvSpPr>
-        <p:spPr>
-          <a:xfrm>
-            <a:off x="8207712" y="1916811"/>
-            <a:ext cx="485088" cy="414909"/>
-          </a:xfrm>
-          <a:prstGeom prst="rect">
-            <a:avLst/>
-          </a:prstGeom>
-        </p:spPr>
-        <p:txBody>
-          <a:bodyPr wrap="square">
-            <a:spAutoFit/>
-          </a:bodyPr>
-          <a:lstStyle/>
-          <a:p>
-            <a:pPr algn="ctr">
-              <a:defRPr/>
-            </a:pPr>
-            <a:r>
-              <a:rPr lang="en-US" altLang="ko-KR" sz="2100">
-                <a:solidFill>
-                  <a:srgbClr val="0F3158"/>
-                </a:solidFill>
-                <a:latin typeface="-윤고딕360"/>
-                <a:ea typeface="-윤고딕360"/>
-              </a:rPr>
-              <a:t>03</a:t>
-            </a:r>
-          </a:p>
-        </p:txBody>
-      </p:sp>
-      <p:sp>
-        <p:nvSpPr>
-          <p:cNvPr id="21" name="TextBox 20"/>
-          <p:cNvSpPr txBox="1"/>
-          <p:nvPr/>
-        </p:nvSpPr>
-        <p:spPr>
-          <a:xfrm>
-            <a:off x="7834846" y="3068955"/>
-            <a:ext cx="1230820" cy="300990"/>
-          </a:xfrm>
-          <a:prstGeom prst="rect">
-            <a:avLst/>
-          </a:prstGeom>
-        </p:spPr>
-        <p:txBody>
-          <a:bodyPr wrap="square">
-            <a:spAutoFit/>
-          </a:bodyPr>
-          <a:lstStyle/>
-          <a:p>
-            <a:pPr algn="ctr">
-              <a:defRPr/>
-            </a:pPr>
-            <a:r>
-              <a:rPr lang="ko-KR" altLang="ko-KR" sz="1350">
-                <a:solidFill>
-                  <a:srgbClr val="808080"/>
-                </a:solidFill>
-                <a:latin typeface="나눔스퀘어 Bold"/>
-                <a:ea typeface="나눔스퀘어 Bold"/>
-              </a:rPr>
-              <a:t>소주제 및 설명</a:t>
-            </a:r>
-          </a:p>
-        </p:txBody>
-      </p:sp>
-      <p:sp>
-        <p:nvSpPr>
-          <p:cNvPr id="23" name="타원 22"/>
-          <p:cNvSpPr/>
-          <p:nvPr/>
-        </p:nvSpPr>
-        <p:spPr>
-          <a:xfrm>
-            <a:off x="4381748" y="2060829"/>
-            <a:ext cx="2340292" cy="2340292"/>
-          </a:xfrm>
-          <a:prstGeom prst="ellipse">
-            <a:avLst/>
-          </a:prstGeom>
-          <a:noFill/>
-          <a:ln w="76200">
-            <a:solidFill>
-              <a:srgbClr val="B7C1CD"/>
-            </a:solidFill>
-          </a:ln>
-        </p:spPr>
-        <p:style>
-          <a:lnRef idx="2">
-            <a:schemeClr val="accent1">
-              <a:shade val="20000"/>
-            </a:schemeClr>
-          </a:lnRef>
-          <a:fillRef idx="1">
-            <a:schemeClr val="accent1"/>
-          </a:fillRef>
-          <a:effectRef idx="0">
-            <a:schemeClr val="accent1"/>
-          </a:effectRef>
-          <a:fontRef idx="minor">
-            <a:schemeClr val="lt1"/>
-          </a:fontRef>
-        </p:style>
-        <p:txBody>
-          <a:bodyPr anchor="ctr"/>
-          <a:lstStyle/>
-          <a:p>
-            <a:pPr algn="ctr">
-              <a:defRPr/>
-            </a:pPr>
-            <a:endParaRPr lang="ko-KR" altLang="en-US">
-              <a:noFill/>
-            </a:endParaRPr>
-          </a:p>
-        </p:txBody>
-      </p:sp>
-      <p:sp>
-        <p:nvSpPr>
-          <p:cNvPr id="24" name="직사각형 23"/>
-          <p:cNvSpPr/>
-          <p:nvPr/>
-        </p:nvSpPr>
-        <p:spPr>
-          <a:xfrm>
-            <a:off x="5073295" y="1815667"/>
-            <a:ext cx="957198" cy="605206"/>
-          </a:xfrm>
-          <a:prstGeom prst="rect">
-            <a:avLst/>
-          </a:prstGeom>
-          <a:solidFill>
-            <a:schemeClr val="lt1"/>
-          </a:solidFill>
-          <a:ln>
-            <a:noFill/>
-          </a:ln>
-        </p:spPr>
-        <p:style>
-          <a:lnRef idx="2">
-            <a:schemeClr val="accent1">
-              <a:shade val="20000"/>
-            </a:schemeClr>
-          </a:lnRef>
-          <a:fillRef idx="1">
-            <a:schemeClr val="accent1"/>
-          </a:fillRef>
-          <a:effectRef idx="0">
-            <a:schemeClr val="accent1"/>
-          </a:effectRef>
-          <a:fontRef idx="minor">
-            <a:schemeClr val="lt1"/>
-          </a:fontRef>
-        </p:style>
-        <p:txBody>
-          <a:bodyPr anchor="ctr"/>
-          <a:lstStyle/>
-          <a:p>
-            <a:pPr algn="ctr">
-              <a:defRPr/>
-            </a:pPr>
-            <a:endParaRPr lang="ko-KR" altLang="en-US">
-              <a:noFill/>
-            </a:endParaRPr>
-          </a:p>
-        </p:txBody>
-      </p:sp>
-      <p:sp>
-        <p:nvSpPr>
-          <p:cNvPr id="25" name="TextBox 24"/>
-          <p:cNvSpPr txBox="1"/>
-          <p:nvPr/>
-        </p:nvSpPr>
-        <p:spPr>
-          <a:xfrm>
-            <a:off x="5309349" y="1916811"/>
-            <a:ext cx="485089" cy="414909"/>
-          </a:xfrm>
-          <a:prstGeom prst="rect">
-            <a:avLst/>
-          </a:prstGeom>
-        </p:spPr>
-        <p:txBody>
-          <a:bodyPr wrap="square">
-            <a:spAutoFit/>
-          </a:bodyPr>
-          <a:lstStyle/>
-          <a:p>
-            <a:pPr algn="ctr">
-              <a:defRPr/>
-            </a:pPr>
-            <a:r>
-              <a:rPr lang="en-US" altLang="ko-KR" sz="2100">
-                <a:solidFill>
-                  <a:srgbClr val="0F3158"/>
-                </a:solidFill>
-                <a:latin typeface="-윤고딕360"/>
-                <a:ea typeface="-윤고딕360"/>
-              </a:rPr>
-              <a:t>02</a:t>
-            </a:r>
-          </a:p>
-        </p:txBody>
-      </p:sp>
-      <p:sp>
-        <p:nvSpPr>
-          <p:cNvPr id="26" name="TextBox 25"/>
-          <p:cNvSpPr txBox="1"/>
-          <p:nvPr/>
-        </p:nvSpPr>
-        <p:spPr>
-          <a:xfrm>
-            <a:off x="4936484" y="3068955"/>
-            <a:ext cx="1230820" cy="300990"/>
-          </a:xfrm>
-          <a:prstGeom prst="rect">
-            <a:avLst/>
-          </a:prstGeom>
-        </p:spPr>
-        <p:txBody>
-          <a:bodyPr wrap="square">
-            <a:spAutoFit/>
-          </a:bodyPr>
-          <a:lstStyle/>
-          <a:p>
-            <a:pPr algn="ctr">
-              <a:defRPr/>
-            </a:pPr>
-            <a:r>
-              <a:rPr lang="ko-KR" altLang="ko-KR" sz="1350">
-                <a:solidFill>
-                  <a:srgbClr val="808080"/>
-                </a:solidFill>
-                <a:latin typeface="나눔스퀘어 Bold"/>
-                <a:ea typeface="나눔스퀘어 Bold"/>
-              </a:rPr>
-              <a:t>소주제 및 설명</a:t>
-            </a:r>
-          </a:p>
-        </p:txBody>
-      </p:sp>
-      <p:sp>
-        <p:nvSpPr>
-          <p:cNvPr id="27" name="TextBox 26"/>
-          <p:cNvSpPr txBox="1"/>
-          <p:nvPr/>
-        </p:nvSpPr>
-        <p:spPr>
-          <a:xfrm>
-            <a:off x="9566910" y="392049"/>
-            <a:ext cx="1259205" cy="243840"/>
-          </a:xfrm>
-          <a:prstGeom prst="rect">
-            <a:avLst/>
-          </a:prstGeom>
-        </p:spPr>
-        <p:txBody>
-          <a:bodyPr wrap="none">
-            <a:spAutoFit/>
-          </a:bodyPr>
-          <a:lstStyle/>
-          <a:p>
-            <a:pPr algn="ctr">
-              <a:defRPr/>
-            </a:pPr>
-            <a:r>
-              <a:rPr lang="ko-KR" altLang="en-US" sz="1000">
-                <a:solidFill>
-                  <a:srgbClr val="0F3158"/>
-                </a:solidFill>
-                <a:latin typeface="나눔스퀘어_ac ExtraBold"/>
-                <a:ea typeface="나눔스퀘어_ac ExtraBold"/>
-              </a:rPr>
-              <a:t>과목명 </a:t>
-            </a:r>
-            <a:r>
-              <a:rPr lang="en-US" altLang="ko-KR" sz="1000">
-                <a:solidFill>
-                  <a:srgbClr val="0F3158"/>
-                </a:solidFill>
-                <a:latin typeface="나눔스퀘어_ac ExtraBold"/>
-                <a:ea typeface="나눔스퀘어_ac ExtraBold"/>
-              </a:rPr>
-              <a:t>or </a:t>
-            </a:r>
-            <a:r>
-              <a:rPr lang="ko-KR" altLang="en-US" sz="1000">
-                <a:solidFill>
-                  <a:srgbClr val="0F3158"/>
-                </a:solidFill>
-                <a:latin typeface="나눔스퀘어_ac ExtraBold"/>
-                <a:ea typeface="나눔스퀘어_ac ExtraBold"/>
-              </a:rPr>
-              <a:t>프로젝트명</a:t>
-            </a:r>
-          </a:p>
-        </p:txBody>
-      </p:sp>
     </p:spTree>
+    <p:extLst>
+      <p:ext uri="{BB962C8B-B14F-4D97-AF65-F5344CB8AC3E}">
+        <p14:creationId xmlns:p14="http://schemas.microsoft.com/office/powerpoint/2010/main" val="3093078514"/>
+      </p:ext>
+    </p:extLst>
   </p:cSld>
   <p:clrMapOvr>
     <a:masterClrMapping/>
@@ -12119,37 +11396,15 @@
           <a:chExt cx="0" cy="0"/>
         </a:xfrm>
       </p:grpSpPr>
-      <p:sp>
-        <p:nvSpPr>
-          <p:cNvPr id="11" name="TextBox 10"/>
-          <p:cNvSpPr txBox="1"/>
-          <p:nvPr/>
-        </p:nvSpPr>
-        <p:spPr>
-          <a:xfrm>
-            <a:off x="7568146" y="2492883"/>
-            <a:ext cx="257594" cy="362712"/>
-          </a:xfrm>
-          <a:prstGeom prst="rect">
-            <a:avLst/>
-          </a:prstGeom>
-        </p:spPr>
-        <p:txBody>
-          <a:bodyPr wrap="none">
-            <a:spAutoFit/>
-          </a:bodyPr>
-          <a:lstStyle/>
-          <a:p>
-            <a:pPr>
-              <a:defRPr/>
-            </a:pPr>
-            <a:endParaRPr lang="en-US" altLang="ko-KR"/>
-          </a:p>
-        </p:txBody>
-      </p:sp>
       <p:pic>
         <p:nvPicPr>
-          <p:cNvPr id="18" name="그림 17"/>
+          <p:cNvPr id="6" name="그림 5">
+            <a:extLst>
+              <a:ext uri="{FF2B5EF4-FFF2-40B4-BE49-F238E27FC236}">
+                <a16:creationId xmlns:a16="http://schemas.microsoft.com/office/drawing/2014/main" id="{74489D0A-E317-057A-31F2-366CB9EF52DF}"/>
+              </a:ext>
+            </a:extLst>
+          </p:cNvPr>
           <p:cNvPicPr>
             <a:picLocks noChangeAspect="1"/>
           </p:cNvPicPr>
@@ -12163,8 +11418,8 @@
         </p:blipFill>
         <p:spPr>
           <a:xfrm>
-            <a:off x="-28804" y="0"/>
-            <a:ext cx="11161395" cy="6894123"/>
+            <a:off x="-64808" y="0"/>
+            <a:ext cx="11269409" cy="6876110"/>
           </a:xfrm>
           <a:prstGeom prst="rect">
             <a:avLst/>
@@ -12173,14 +11428,51 @@
       </p:pic>
       <p:sp>
         <p:nvSpPr>
-          <p:cNvPr id="19" name="TextBox 18"/>
+          <p:cNvPr id="36" name="TextBox 35"/>
           <p:cNvSpPr txBox="1"/>
           <p:nvPr/>
         </p:nvSpPr>
         <p:spPr>
           <a:xfrm>
-            <a:off x="511263" y="755904"/>
-            <a:ext cx="2520667" cy="307777"/>
+            <a:off x="4447908" y="1172718"/>
+            <a:ext cx="2101482" cy="528066"/>
+          </a:xfrm>
+          <a:prstGeom prst="rect">
+            <a:avLst/>
+          </a:prstGeom>
+        </p:spPr>
+        <p:txBody>
+          <a:bodyPr wrap="none">
+            <a:spAutoFit/>
+          </a:bodyPr>
+          <a:lstStyle/>
+          <a:p>
+            <a:pPr>
+              <a:defRPr/>
+            </a:pPr>
+            <a:r>
+              <a:rPr lang="en-US" altLang="ko-KR" sz="2900">
+                <a:solidFill>
+                  <a:srgbClr val="0F3158"/>
+                </a:solidFill>
+                <a:latin typeface="나눔스퀘어_ac ExtraBold"/>
+                <a:ea typeface="나눔스퀘어_ac ExtraBold"/>
+              </a:rPr>
+              <a:t>CONTENTS</a:t>
+            </a:r>
+          </a:p>
+        </p:txBody>
+      </p:sp>
+      <p:sp>
+        <p:nvSpPr>
+          <p:cNvPr id="30" name="TextBox 29"/>
+          <p:cNvSpPr txBox="1"/>
+          <p:nvPr/>
+        </p:nvSpPr>
+        <p:spPr>
+          <a:xfrm>
+            <a:off x="1965384" y="2852928"/>
+            <a:ext cx="857955" cy="412242"/>
           </a:xfrm>
           <a:prstGeom prst="rect">
             <a:avLst/>
@@ -12192,42 +11484,32 @@
           </a:bodyPr>
           <a:lstStyle/>
           <a:p>
-            <a:pPr>
-              <a:defRPr/>
-            </a:pPr>
-            <a:r>
-              <a:rPr lang="en-US" altLang="ko-KR" sz="1400">
+            <a:pPr algn="ctr">
+              <a:defRPr/>
+            </a:pPr>
+            <a:r>
+              <a:rPr lang="en-US" altLang="ko-KR" sz="2100">
                 <a:solidFill>
                   <a:srgbClr val="0F3158"/>
                 </a:solidFill>
-                <a:latin typeface="나눔스퀘어_ac Bold"/>
-                <a:ea typeface="나눔스퀘어_ac Bold"/>
-              </a:rPr>
-              <a:t>ICT </a:t>
-            </a:r>
-            <a:r>
-              <a:rPr lang="ko-KR" altLang="en-US" sz="1400">
-                <a:solidFill>
-                  <a:srgbClr val="0F3158"/>
-                </a:solidFill>
-                <a:latin typeface="나눔스퀘어_ac Bold"/>
-                <a:ea typeface="나눔스퀘어_ac Bold"/>
-              </a:rPr>
-              <a:t>캡스톤 디자인 최종 발표</a:t>
-            </a:r>
-          </a:p>
-        </p:txBody>
-      </p:sp>
-      <p:sp>
-        <p:nvSpPr>
-          <p:cNvPr id="20" name="TextBox 19"/>
+                <a:latin typeface="나눔스퀘어_ac ExtraBold"/>
+                <a:ea typeface="나눔스퀘어_ac ExtraBold"/>
+              </a:rPr>
+              <a:t>01</a:t>
+            </a:r>
+          </a:p>
+        </p:txBody>
+      </p:sp>
+      <p:sp>
+        <p:nvSpPr>
+          <p:cNvPr id="31" name="TextBox 30"/>
           <p:cNvSpPr txBox="1"/>
           <p:nvPr/>
         </p:nvSpPr>
         <p:spPr>
           <a:xfrm>
-            <a:off x="943317" y="1862709"/>
-            <a:ext cx="9505644" cy="907941"/>
+            <a:off x="2121430" y="3501009"/>
+            <a:ext cx="531685" cy="300082"/>
           </a:xfrm>
           <a:prstGeom prst="rect">
             <a:avLst/>
@@ -12239,39 +11521,178 @@
           </a:bodyPr>
           <a:lstStyle/>
           <a:p>
-            <a:pPr>
-              <a:defRPr/>
-            </a:pPr>
-            <a:r>
-              <a:rPr lang="ko-KR" altLang="en-US" sz="5300">
+            <a:pPr algn="ctr">
+              <a:defRPr/>
+            </a:pPr>
+            <a:r>
+              <a:rPr lang="ko-KR" altLang="en-US" sz="1350">
                 <a:solidFill>
                   <a:srgbClr val="0F3158"/>
                 </a:solidFill>
-                <a:latin typeface="나눔스퀘어 ExtraBold"/>
-                <a:ea typeface="나눔스퀘어 ExtraBold"/>
-              </a:rPr>
-              <a:t>드론 정밀 착륙 유도 장치 개발</a:t>
-            </a:r>
-            <a:endParaRPr lang="en-US" altLang="ko-KR" sz="5300">
+                <a:latin typeface="나눔스퀘어_ac Bold"/>
+                <a:ea typeface="나눔스퀘어_ac Bold"/>
+              </a:rPr>
+              <a:t>개요</a:t>
+            </a:r>
+          </a:p>
+        </p:txBody>
+      </p:sp>
+      <p:sp>
+        <p:nvSpPr>
+          <p:cNvPr id="32" name="TextBox 31"/>
+          <p:cNvSpPr txBox="1"/>
+          <p:nvPr/>
+        </p:nvSpPr>
+        <p:spPr>
+          <a:xfrm>
+            <a:off x="1763315" y="4496181"/>
+            <a:ext cx="1484646" cy="715581"/>
+          </a:xfrm>
+          <a:prstGeom prst="rect">
+            <a:avLst/>
+          </a:prstGeom>
+        </p:spPr>
+        <p:txBody>
+          <a:bodyPr wrap="square">
+            <a:spAutoFit/>
+          </a:bodyPr>
+          <a:lstStyle/>
+          <a:p>
+            <a:pPr marL="285750" indent="-285750">
+              <a:buFontTx/>
+              <a:buChar char="-"/>
+              <a:defRPr/>
+            </a:pPr>
+            <a:r>
+              <a:rPr lang="ko-KR" altLang="en-US" sz="1350">
+                <a:solidFill>
+                  <a:srgbClr val="0F3158"/>
+                </a:solidFill>
+                <a:latin typeface="나눔스퀘어_ac Bold"/>
+                <a:ea typeface="나눔스퀘어_ac Bold"/>
+              </a:rPr>
+              <a:t>문제 상황</a:t>
+            </a:r>
+            <a:endParaRPr lang="en-US" altLang="ko-KR" sz="1350">
               <a:solidFill>
                 <a:srgbClr val="0F3158"/>
               </a:solidFill>
-              <a:latin typeface="나눔스퀘어 ExtraBold"/>
-              <a:ea typeface="나눔스퀘어 ExtraBold"/>
+              <a:latin typeface="나눔스퀘어_ac Bold"/>
+              <a:ea typeface="나눔스퀘어_ac Bold"/>
             </a:endParaRPr>
           </a:p>
-        </p:txBody>
-      </p:sp>
-      <p:sp>
-        <p:nvSpPr>
-          <p:cNvPr id="21" name="TextBox 20"/>
+          <a:p>
+            <a:pPr marL="285750" indent="-285750">
+              <a:buFontTx/>
+              <a:buChar char="-"/>
+              <a:defRPr/>
+            </a:pPr>
+            <a:r>
+              <a:rPr lang="ko-KR" altLang="en-US" sz="1350">
+                <a:solidFill>
+                  <a:srgbClr val="0F3158"/>
+                </a:solidFill>
+                <a:latin typeface="나눔스퀘어_ac Bold"/>
+                <a:ea typeface="나눔스퀘어_ac Bold"/>
+              </a:rPr>
+              <a:t>솔루션 </a:t>
+            </a:r>
+            <a:endParaRPr lang="en-US" altLang="ko-KR" sz="1350">
+              <a:solidFill>
+                <a:srgbClr val="0F3158"/>
+              </a:solidFill>
+              <a:latin typeface="나눔스퀘어_ac Bold"/>
+              <a:ea typeface="나눔스퀘어_ac Bold"/>
+            </a:endParaRPr>
+          </a:p>
+          <a:p>
+            <a:pPr marL="285750" indent="-285750">
+              <a:buFontTx/>
+              <a:buChar char="-"/>
+              <a:defRPr/>
+            </a:pPr>
+            <a:r>
+              <a:rPr lang="ko-KR" altLang="en-US" sz="1350">
+                <a:solidFill>
+                  <a:srgbClr val="0F3158"/>
+                </a:solidFill>
+                <a:latin typeface="나눔스퀘어_ac Bold"/>
+                <a:ea typeface="나눔스퀘어_ac Bold"/>
+              </a:rPr>
+              <a:t>시스템 구조</a:t>
+            </a:r>
+            <a:endParaRPr lang="en-US" altLang="ko-KR" sz="1350">
+              <a:solidFill>
+                <a:srgbClr val="0F3158"/>
+              </a:solidFill>
+              <a:latin typeface="나눔스퀘어_ac Bold"/>
+              <a:ea typeface="나눔스퀘어_ac Bold"/>
+            </a:endParaRPr>
+          </a:p>
+        </p:txBody>
+      </p:sp>
+      <p:sp>
+        <p:nvSpPr>
+          <p:cNvPr id="48" name="타원 47"/>
+          <p:cNvSpPr/>
+          <p:nvPr/>
+        </p:nvSpPr>
+        <p:spPr>
+          <a:xfrm>
+            <a:off x="2342721" y="4077081"/>
+            <a:ext cx="72009" cy="72009"/>
+          </a:xfrm>
+          <a:prstGeom prst="ellipse">
+            <a:avLst/>
+          </a:prstGeom>
+          <a:solidFill>
+            <a:srgbClr val="0F3158"/>
+          </a:solidFill>
+          <a:ln>
+            <a:noFill/>
+          </a:ln>
+        </p:spPr>
+        <p:style>
+          <a:lnRef idx="2">
+            <a:schemeClr val="accent1">
+              <a:shade val="20000"/>
+            </a:schemeClr>
+          </a:lnRef>
+          <a:fillRef idx="1">
+            <a:schemeClr val="accent1"/>
+          </a:fillRef>
+          <a:effectRef idx="0">
+            <a:schemeClr val="accent1"/>
+          </a:effectRef>
+          <a:fontRef idx="minor">
+            <a:schemeClr val="lt1"/>
+          </a:fontRef>
+        </p:style>
+        <p:txBody>
+          <a:bodyPr anchor="ctr"/>
+          <a:lstStyle/>
+          <a:p>
+            <a:pPr algn="ctr">
+              <a:defRPr/>
+            </a:pPr>
+            <a:endParaRPr lang="ko-KR" altLang="en-US">
+              <a:noFill/>
+              <a:latin typeface="나눔스퀘어_ac Bold"/>
+              <a:ea typeface="나눔스퀘어_ac Bold"/>
+            </a:endParaRPr>
+          </a:p>
+        </p:txBody>
+      </p:sp>
+      <p:sp>
+        <p:nvSpPr>
+          <p:cNvPr id="35" name="TextBox 34"/>
           <p:cNvSpPr txBox="1"/>
           <p:nvPr/>
         </p:nvSpPr>
         <p:spPr>
           <a:xfrm>
-            <a:off x="943318" y="3777615"/>
-            <a:ext cx="3528441" cy="307777"/>
+            <a:off x="4059724" y="2852928"/>
+            <a:ext cx="599446" cy="412243"/>
           </a:xfrm>
           <a:prstGeom prst="rect">
             <a:avLst/>
@@ -12283,82 +11704,32 @@
           </a:bodyPr>
           <a:lstStyle/>
           <a:p>
-            <a:pPr>
-              <a:defRPr/>
-            </a:pPr>
-            <a:r>
-              <a:rPr lang="en-US" altLang="ko-KR" sz="1400">
+            <a:pPr algn="ctr">
+              <a:defRPr/>
+            </a:pPr>
+            <a:r>
+              <a:rPr lang="en-US" altLang="ko-KR" sz="2100">
                 <a:solidFill>
                   <a:srgbClr val="0F3158"/>
                 </a:solidFill>
-                <a:latin typeface="나눔스퀘어_ac Bold"/>
-                <a:ea typeface="나눔스퀘어_ac Bold"/>
-              </a:rPr>
-              <a:t>ICT </a:t>
-            </a:r>
-            <a:r>
-              <a:rPr lang="ko-KR" altLang="en-US" sz="1400">
-                <a:solidFill>
-                  <a:srgbClr val="0F3158"/>
-                </a:solidFill>
-                <a:latin typeface="나눔스퀘어_ac Bold"/>
-                <a:ea typeface="나눔스퀘어_ac Bold"/>
-              </a:rPr>
-              <a:t>융합학부 </a:t>
-            </a:r>
-            <a:r>
-              <a:rPr lang="en-US" altLang="ko-KR" sz="1400">
-                <a:solidFill>
-                  <a:srgbClr val="0F3158"/>
-                </a:solidFill>
-                <a:latin typeface="나눔스퀘어_ac Bold"/>
-                <a:ea typeface="나눔스퀘어_ac Bold"/>
-              </a:rPr>
-              <a:t>/ 2018045323</a:t>
-            </a:r>
-            <a:r>
-              <a:rPr lang="ko-KR" altLang="en-US" sz="1400">
-                <a:solidFill>
-                  <a:srgbClr val="0F3158"/>
-                </a:solidFill>
-                <a:latin typeface="나눔스퀘어_ac Bold"/>
-                <a:ea typeface="나눔스퀘어_ac Bold"/>
-              </a:rPr>
-              <a:t> </a:t>
-            </a:r>
-            <a:r>
-              <a:rPr lang="en-US" altLang="ko-KR" sz="1400">
-                <a:solidFill>
-                  <a:srgbClr val="0F3158"/>
-                </a:solidFill>
-                <a:latin typeface="나눔스퀘어_ac Bold"/>
-                <a:ea typeface="나눔스퀘어_ac Bold"/>
-              </a:rPr>
-              <a:t>/</a:t>
-            </a:r>
-            <a:r>
-              <a:rPr lang="ko-KR" altLang="en-US" sz="1400">
-                <a:solidFill>
-                  <a:srgbClr val="0F3158"/>
-                </a:solidFill>
-                <a:latin typeface="나눔스퀘어_ac Bold"/>
-                <a:ea typeface="나눔스퀘어_ac Bold"/>
-              </a:rPr>
-              <a:t> 김교원</a:t>
-            </a:r>
-          </a:p>
-        </p:txBody>
-      </p:sp>
-      <p:sp>
-        <p:nvSpPr>
-          <p:cNvPr id="22" name="TextBox 21"/>
+                <a:latin typeface="나눔스퀘어_ac ExtraBold"/>
+                <a:ea typeface="나눔스퀘어_ac ExtraBold"/>
+              </a:rPr>
+              <a:t>02</a:t>
+            </a:r>
+          </a:p>
+        </p:txBody>
+      </p:sp>
+      <p:sp>
+        <p:nvSpPr>
+          <p:cNvPr id="38" name="TextBox 37"/>
           <p:cNvSpPr txBox="1"/>
           <p:nvPr/>
         </p:nvSpPr>
         <p:spPr>
           <a:xfrm>
-            <a:off x="1591399" y="4869180"/>
-            <a:ext cx="3168396" cy="320040"/>
+            <a:off x="3860733" y="3498097"/>
+            <a:ext cx="997425" cy="300082"/>
           </a:xfrm>
           <a:prstGeom prst="rect">
             <a:avLst/>
@@ -12370,19 +11741,584 @@
           </a:bodyPr>
           <a:lstStyle/>
           <a:p>
-            <a:pPr>
-              <a:defRPr/>
-            </a:pPr>
-            <a:r>
-              <a:rPr lang="en-US" altLang="ko-KR" sz="1500">
-                <a:solidFill>
-                  <a:schemeClr val="lt1"/>
+            <a:pPr algn="ctr">
+              <a:defRPr/>
+            </a:pPr>
+            <a:r>
+              <a:rPr lang="ko-KR" altLang="en-US" sz="1350">
+                <a:solidFill>
+                  <a:srgbClr val="0F3158"/>
                 </a:solidFill>
                 <a:latin typeface="나눔스퀘어_ac Bold"/>
                 <a:ea typeface="나눔스퀘어_ac Bold"/>
               </a:rPr>
-              <a:t>05.20.2025</a:t>
-            </a:r>
+              <a:t>개발 과정</a:t>
+            </a:r>
+            <a:endParaRPr lang="ko-KR" altLang="ko-KR" sz="1350">
+              <a:solidFill>
+                <a:srgbClr val="0F3158"/>
+              </a:solidFill>
+              <a:latin typeface="나눔스퀘어_ac Bold"/>
+              <a:ea typeface="나눔스퀘어_ac Bold"/>
+            </a:endParaRPr>
+          </a:p>
+        </p:txBody>
+      </p:sp>
+      <p:sp>
+        <p:nvSpPr>
+          <p:cNvPr id="39" name="TextBox 38"/>
+          <p:cNvSpPr txBox="1"/>
+          <p:nvPr/>
+        </p:nvSpPr>
+        <p:spPr>
+          <a:xfrm>
+            <a:off x="3744036" y="4496181"/>
+            <a:ext cx="1735344" cy="715581"/>
+          </a:xfrm>
+          <a:prstGeom prst="rect">
+            <a:avLst/>
+          </a:prstGeom>
+        </p:spPr>
+        <p:txBody>
+          <a:bodyPr wrap="square">
+            <a:spAutoFit/>
+          </a:bodyPr>
+          <a:lstStyle/>
+          <a:p>
+            <a:pPr marL="285750" indent="-285750">
+              <a:buFontTx/>
+              <a:buChar char="-"/>
+              <a:defRPr/>
+            </a:pPr>
+            <a:r>
+              <a:rPr lang="en-US" altLang="ko-KR" sz="1350">
+                <a:solidFill>
+                  <a:srgbClr val="0F3158"/>
+                </a:solidFill>
+                <a:latin typeface="나눔스퀘어_ac Bold"/>
+                <a:ea typeface="나눔스퀘어_ac Bold"/>
+              </a:rPr>
+              <a:t>Drone</a:t>
+            </a:r>
+          </a:p>
+          <a:p>
+            <a:pPr marL="285750" indent="-285750">
+              <a:buFontTx/>
+              <a:buChar char="-"/>
+              <a:defRPr/>
+            </a:pPr>
+            <a:r>
+              <a:rPr lang="en-US" altLang="ko-KR" sz="1350">
+                <a:solidFill>
+                  <a:srgbClr val="0F3158"/>
+                </a:solidFill>
+                <a:latin typeface="나눔스퀘어_ac Bold"/>
+                <a:ea typeface="나눔스퀘어_ac Bold"/>
+              </a:rPr>
+              <a:t>GCS</a:t>
+            </a:r>
+          </a:p>
+          <a:p>
+            <a:pPr marL="285750" indent="-285750">
+              <a:buFontTx/>
+              <a:buChar char="-"/>
+              <a:defRPr/>
+            </a:pPr>
+            <a:r>
+              <a:rPr lang="en-US" altLang="ko-KR" sz="1350">
+                <a:solidFill>
+                  <a:srgbClr val="0F3158"/>
+                </a:solidFill>
+                <a:latin typeface="나눔스퀘어_ac Bold"/>
+                <a:ea typeface="나눔스퀘어_ac Bold"/>
+              </a:rPr>
+              <a:t>Landing</a:t>
+            </a:r>
+            <a:r>
+              <a:rPr lang="ko-KR" altLang="en-US" sz="1350">
+                <a:solidFill>
+                  <a:srgbClr val="0F3158"/>
+                </a:solidFill>
+                <a:latin typeface="나눔스퀘어_ac Bold"/>
+                <a:ea typeface="나눔스퀘어_ac Bold"/>
+              </a:rPr>
+              <a:t> </a:t>
+            </a:r>
+            <a:r>
+              <a:rPr lang="en-US" altLang="ko-KR" sz="1350">
+                <a:solidFill>
+                  <a:srgbClr val="0F3158"/>
+                </a:solidFill>
+                <a:latin typeface="나눔스퀘어_ac Bold"/>
+                <a:ea typeface="나눔스퀘어_ac Bold"/>
+              </a:rPr>
+              <a:t>Station</a:t>
+            </a:r>
+            <a:endParaRPr lang="ko-KR" altLang="ko-KR" sz="1350">
+              <a:solidFill>
+                <a:srgbClr val="0F3158"/>
+              </a:solidFill>
+              <a:latin typeface="나눔스퀘어_ac Bold"/>
+              <a:ea typeface="나눔스퀘어_ac Bold"/>
+            </a:endParaRPr>
+          </a:p>
+        </p:txBody>
+      </p:sp>
+      <p:sp>
+        <p:nvSpPr>
+          <p:cNvPr id="49" name="타원 48"/>
+          <p:cNvSpPr/>
+          <p:nvPr/>
+        </p:nvSpPr>
+        <p:spPr>
+          <a:xfrm>
+            <a:off x="4323442" y="4077081"/>
+            <a:ext cx="72009" cy="72009"/>
+          </a:xfrm>
+          <a:prstGeom prst="ellipse">
+            <a:avLst/>
+          </a:prstGeom>
+          <a:solidFill>
+            <a:srgbClr val="0F3158"/>
+          </a:solidFill>
+          <a:ln>
+            <a:noFill/>
+          </a:ln>
+        </p:spPr>
+        <p:style>
+          <a:lnRef idx="2">
+            <a:schemeClr val="accent1">
+              <a:shade val="20000"/>
+            </a:schemeClr>
+          </a:lnRef>
+          <a:fillRef idx="1">
+            <a:schemeClr val="accent1"/>
+          </a:fillRef>
+          <a:effectRef idx="0">
+            <a:schemeClr val="accent1"/>
+          </a:effectRef>
+          <a:fontRef idx="minor">
+            <a:schemeClr val="lt1"/>
+          </a:fontRef>
+        </p:style>
+        <p:txBody>
+          <a:bodyPr anchor="ctr"/>
+          <a:lstStyle/>
+          <a:p>
+            <a:pPr algn="ctr">
+              <a:defRPr/>
+            </a:pPr>
+            <a:endParaRPr lang="ko-KR" altLang="en-US">
+              <a:noFill/>
+              <a:latin typeface="나눔스퀘어_ac Bold"/>
+              <a:ea typeface="나눔스퀘어_ac Bold"/>
+            </a:endParaRPr>
+          </a:p>
+        </p:txBody>
+      </p:sp>
+      <p:sp>
+        <p:nvSpPr>
+          <p:cNvPr id="34" name="TextBox 33"/>
+          <p:cNvSpPr txBox="1"/>
+          <p:nvPr/>
+        </p:nvSpPr>
+        <p:spPr>
+          <a:xfrm>
+            <a:off x="6078698" y="2852928"/>
+            <a:ext cx="516255" cy="415290"/>
+          </a:xfrm>
+          <a:prstGeom prst="rect">
+            <a:avLst/>
+          </a:prstGeom>
+        </p:spPr>
+        <p:txBody>
+          <a:bodyPr wrap="none">
+            <a:spAutoFit/>
+          </a:bodyPr>
+          <a:lstStyle/>
+          <a:p>
+            <a:pPr algn="ctr">
+              <a:defRPr/>
+            </a:pPr>
+            <a:r>
+              <a:rPr lang="en-US" altLang="ko-KR" sz="2100">
+                <a:solidFill>
+                  <a:srgbClr val="0F3158"/>
+                </a:solidFill>
+                <a:latin typeface="나눔스퀘어_ac ExtraBold"/>
+                <a:ea typeface="나눔스퀘어_ac ExtraBold"/>
+              </a:rPr>
+              <a:t>03</a:t>
+            </a:r>
+          </a:p>
+        </p:txBody>
+      </p:sp>
+      <p:sp>
+        <p:nvSpPr>
+          <p:cNvPr id="41" name="TextBox 40"/>
+          <p:cNvSpPr txBox="1"/>
+          <p:nvPr/>
+        </p:nvSpPr>
+        <p:spPr>
+          <a:xfrm>
+            <a:off x="5852344" y="3498097"/>
+            <a:ext cx="970102" cy="300082"/>
+          </a:xfrm>
+          <a:prstGeom prst="rect">
+            <a:avLst/>
+          </a:prstGeom>
+        </p:spPr>
+        <p:txBody>
+          <a:bodyPr wrap="square">
+            <a:spAutoFit/>
+          </a:bodyPr>
+          <a:lstStyle/>
+          <a:p>
+            <a:pPr algn="ctr">
+              <a:defRPr/>
+            </a:pPr>
+            <a:r>
+              <a:rPr lang="ko-KR" altLang="en-US" sz="1350">
+                <a:solidFill>
+                  <a:srgbClr val="0F3158"/>
+                </a:solidFill>
+                <a:latin typeface="나눔스퀘어_ac Bold"/>
+                <a:ea typeface="나눔스퀘어_ac Bold"/>
+              </a:rPr>
+              <a:t>데모 영상</a:t>
+            </a:r>
+            <a:endParaRPr lang="ko-KR" altLang="ko-KR" sz="1350">
+              <a:solidFill>
+                <a:srgbClr val="0F3158"/>
+              </a:solidFill>
+              <a:latin typeface="나눔스퀘어_ac Bold"/>
+              <a:ea typeface="나눔스퀘어_ac Bold"/>
+            </a:endParaRPr>
+          </a:p>
+        </p:txBody>
+      </p:sp>
+      <p:sp>
+        <p:nvSpPr>
+          <p:cNvPr id="42" name="TextBox 41"/>
+          <p:cNvSpPr txBox="1"/>
+          <p:nvPr/>
+        </p:nvSpPr>
+        <p:spPr>
+          <a:xfrm>
+            <a:off x="5724757" y="4496181"/>
+            <a:ext cx="1411744" cy="507831"/>
+          </a:xfrm>
+          <a:prstGeom prst="rect">
+            <a:avLst/>
+          </a:prstGeom>
+        </p:spPr>
+        <p:txBody>
+          <a:bodyPr wrap="square">
+            <a:spAutoFit/>
+          </a:bodyPr>
+          <a:lstStyle/>
+          <a:p>
+            <a:pPr marL="285750" indent="-285750" algn="ctr">
+              <a:buFontTx/>
+              <a:buChar char="-"/>
+              <a:defRPr/>
+            </a:pPr>
+            <a:r>
+              <a:rPr lang="ko-KR" altLang="en-US" sz="1350">
+                <a:solidFill>
+                  <a:srgbClr val="0F3158"/>
+                </a:solidFill>
+                <a:latin typeface="나눔스퀘어_ac Bold"/>
+                <a:ea typeface="나눔스퀘어_ac Bold"/>
+              </a:rPr>
+              <a:t>테스트 구조</a:t>
+            </a:r>
+            <a:endParaRPr lang="en-US" altLang="ko-KR" sz="1350">
+              <a:solidFill>
+                <a:srgbClr val="0F3158"/>
+              </a:solidFill>
+              <a:latin typeface="나눔스퀘어_ac Bold"/>
+              <a:ea typeface="나눔스퀘어_ac Bold"/>
+            </a:endParaRPr>
+          </a:p>
+          <a:p>
+            <a:pPr marL="285750" indent="-285750" algn="ctr">
+              <a:buFontTx/>
+              <a:buChar char="-"/>
+              <a:defRPr/>
+            </a:pPr>
+            <a:r>
+              <a:rPr lang="ko-KR" altLang="en-US" sz="1350">
+                <a:solidFill>
+                  <a:srgbClr val="0F3158"/>
+                </a:solidFill>
+                <a:latin typeface="나눔스퀘어_ac Bold"/>
+                <a:ea typeface="나눔스퀘어_ac Bold"/>
+              </a:rPr>
+              <a:t>테스트 영상</a:t>
+            </a:r>
+            <a:endParaRPr lang="ko-KR" altLang="ko-KR" sz="1350">
+              <a:solidFill>
+                <a:srgbClr val="0F3158"/>
+              </a:solidFill>
+              <a:latin typeface="나눔스퀘어_ac Bold"/>
+              <a:ea typeface="나눔스퀘어_ac Bold"/>
+            </a:endParaRPr>
+          </a:p>
+        </p:txBody>
+      </p:sp>
+      <p:sp>
+        <p:nvSpPr>
+          <p:cNvPr id="50" name="타원 49"/>
+          <p:cNvSpPr/>
+          <p:nvPr/>
+        </p:nvSpPr>
+        <p:spPr>
+          <a:xfrm>
+            <a:off x="6304163" y="4077081"/>
+            <a:ext cx="72009" cy="72009"/>
+          </a:xfrm>
+          <a:prstGeom prst="ellipse">
+            <a:avLst/>
+          </a:prstGeom>
+          <a:solidFill>
+            <a:srgbClr val="0F3158"/>
+          </a:solidFill>
+          <a:ln>
+            <a:noFill/>
+          </a:ln>
+        </p:spPr>
+        <p:style>
+          <a:lnRef idx="2">
+            <a:schemeClr val="accent1">
+              <a:shade val="20000"/>
+            </a:schemeClr>
+          </a:lnRef>
+          <a:fillRef idx="1">
+            <a:schemeClr val="accent1"/>
+          </a:fillRef>
+          <a:effectRef idx="0">
+            <a:schemeClr val="accent1"/>
+          </a:effectRef>
+          <a:fontRef idx="minor">
+            <a:schemeClr val="lt1"/>
+          </a:fontRef>
+        </p:style>
+        <p:txBody>
+          <a:bodyPr anchor="ctr"/>
+          <a:lstStyle/>
+          <a:p>
+            <a:pPr algn="ctr">
+              <a:defRPr/>
+            </a:pPr>
+            <a:endParaRPr lang="ko-KR" altLang="en-US">
+              <a:noFill/>
+              <a:latin typeface="나눔스퀘어_ac Bold"/>
+              <a:ea typeface="나눔스퀘어_ac Bold"/>
+            </a:endParaRPr>
+          </a:p>
+        </p:txBody>
+      </p:sp>
+      <p:sp>
+        <p:nvSpPr>
+          <p:cNvPr id="33" name="TextBox 32"/>
+          <p:cNvSpPr txBox="1"/>
+          <p:nvPr/>
+        </p:nvSpPr>
+        <p:spPr>
+          <a:xfrm>
+            <a:off x="7870122" y="2852928"/>
+            <a:ext cx="857936" cy="412242"/>
+          </a:xfrm>
+          <a:prstGeom prst="rect">
+            <a:avLst/>
+          </a:prstGeom>
+        </p:spPr>
+        <p:txBody>
+          <a:bodyPr wrap="square">
+            <a:spAutoFit/>
+          </a:bodyPr>
+          <a:lstStyle/>
+          <a:p>
+            <a:pPr algn="ctr">
+              <a:defRPr/>
+            </a:pPr>
+            <a:r>
+              <a:rPr lang="en-US" altLang="ko-KR" sz="2100">
+                <a:solidFill>
+                  <a:srgbClr val="0F3158"/>
+                </a:solidFill>
+                <a:latin typeface="나눔스퀘어_ac ExtraBold"/>
+                <a:ea typeface="나눔스퀘어_ac ExtraBold"/>
+              </a:rPr>
+              <a:t>04</a:t>
+            </a:r>
+          </a:p>
+        </p:txBody>
+      </p:sp>
+      <p:sp>
+        <p:nvSpPr>
+          <p:cNvPr id="44" name="TextBox 43"/>
+          <p:cNvSpPr txBox="1"/>
+          <p:nvPr/>
+        </p:nvSpPr>
+        <p:spPr>
+          <a:xfrm>
+            <a:off x="7693038" y="3501009"/>
+            <a:ext cx="1298642" cy="300082"/>
+          </a:xfrm>
+          <a:prstGeom prst="rect">
+            <a:avLst/>
+          </a:prstGeom>
+        </p:spPr>
+        <p:txBody>
+          <a:bodyPr wrap="square">
+            <a:spAutoFit/>
+          </a:bodyPr>
+          <a:lstStyle/>
+          <a:p>
+            <a:pPr algn="ctr">
+              <a:defRPr/>
+            </a:pPr>
+            <a:r>
+              <a:rPr lang="ko-KR" altLang="en-US" sz="1350">
+                <a:solidFill>
+                  <a:srgbClr val="0F3158"/>
+                </a:solidFill>
+                <a:latin typeface="나눔스퀘어_ac Bold"/>
+                <a:ea typeface="나눔스퀘어_ac Bold"/>
+              </a:rPr>
+              <a:t>마무리</a:t>
+            </a:r>
+            <a:endParaRPr lang="ko-KR" altLang="ko-KR" sz="1350">
+              <a:solidFill>
+                <a:srgbClr val="0F3158"/>
+              </a:solidFill>
+              <a:latin typeface="나눔스퀘어_ac Bold"/>
+              <a:ea typeface="나눔스퀘어_ac Bold"/>
+            </a:endParaRPr>
+          </a:p>
+        </p:txBody>
+      </p:sp>
+      <p:sp>
+        <p:nvSpPr>
+          <p:cNvPr id="45" name="TextBox 44"/>
+          <p:cNvSpPr txBox="1"/>
+          <p:nvPr/>
+        </p:nvSpPr>
+        <p:spPr>
+          <a:xfrm>
+            <a:off x="7705477" y="4496181"/>
+            <a:ext cx="1735344" cy="507831"/>
+          </a:xfrm>
+          <a:prstGeom prst="rect">
+            <a:avLst/>
+          </a:prstGeom>
+        </p:spPr>
+        <p:txBody>
+          <a:bodyPr wrap="square">
+            <a:spAutoFit/>
+          </a:bodyPr>
+          <a:lstStyle/>
+          <a:p>
+            <a:pPr marL="285750" indent="-285750">
+              <a:buFontTx/>
+              <a:buChar char="-"/>
+              <a:defRPr/>
+            </a:pPr>
+            <a:r>
+              <a:rPr lang="ko-KR" altLang="en-US" sz="1350">
+                <a:solidFill>
+                  <a:srgbClr val="0F3158"/>
+                </a:solidFill>
+                <a:latin typeface="나눔스퀘어_ac Bold"/>
+                <a:ea typeface="나눔스퀘어_ac Bold"/>
+              </a:rPr>
+              <a:t>기대 효과</a:t>
+            </a:r>
+            <a:endParaRPr lang="en-US" altLang="ko-KR" sz="1350">
+              <a:solidFill>
+                <a:srgbClr val="0F3158"/>
+              </a:solidFill>
+              <a:latin typeface="나눔스퀘어_ac Bold"/>
+              <a:ea typeface="나눔스퀘어_ac Bold"/>
+            </a:endParaRPr>
+          </a:p>
+          <a:p>
+            <a:pPr marL="285750" indent="-285750">
+              <a:buFontTx/>
+              <a:buChar char="-"/>
+              <a:defRPr/>
+            </a:pPr>
+            <a:r>
+              <a:rPr lang="ko-KR" altLang="en-US" sz="1350">
+                <a:solidFill>
+                  <a:srgbClr val="0F3158"/>
+                </a:solidFill>
+                <a:latin typeface="나눔스퀘어_ac Bold"/>
+                <a:ea typeface="나눔스퀘어_ac Bold"/>
+              </a:rPr>
+              <a:t>추후 개선점</a:t>
+            </a:r>
+            <a:endParaRPr lang="en-US" altLang="ko-KR" sz="1350">
+              <a:solidFill>
+                <a:srgbClr val="0F3158"/>
+              </a:solidFill>
+              <a:latin typeface="나눔스퀘어_ac Bold"/>
+              <a:ea typeface="나눔스퀘어_ac Bold"/>
+            </a:endParaRPr>
+          </a:p>
+        </p:txBody>
+      </p:sp>
+      <p:sp>
+        <p:nvSpPr>
+          <p:cNvPr id="51" name="타원 50"/>
+          <p:cNvSpPr/>
+          <p:nvPr/>
+        </p:nvSpPr>
+        <p:spPr>
+          <a:xfrm>
+            <a:off x="8284883" y="4077081"/>
+            <a:ext cx="72009" cy="72009"/>
+          </a:xfrm>
+          <a:prstGeom prst="ellipse">
+            <a:avLst/>
+          </a:prstGeom>
+          <a:solidFill>
+            <a:srgbClr val="0F3158"/>
+          </a:solidFill>
+          <a:ln>
+            <a:noFill/>
+          </a:ln>
+        </p:spPr>
+        <p:style>
+          <a:lnRef idx="2">
+            <a:schemeClr val="accent1">
+              <a:shade val="20000"/>
+            </a:schemeClr>
+          </a:lnRef>
+          <a:fillRef idx="1">
+            <a:schemeClr val="accent1"/>
+          </a:fillRef>
+          <a:effectRef idx="0">
+            <a:schemeClr val="accent1"/>
+          </a:effectRef>
+          <a:fontRef idx="minor">
+            <a:schemeClr val="lt1"/>
+          </a:fontRef>
+        </p:style>
+        <p:txBody>
+          <a:bodyPr anchor="ctr"/>
+          <a:lstStyle/>
+          <a:p>
+            <a:pPr algn="ctr">
+              <a:defRPr/>
+            </a:pPr>
+            <a:endParaRPr lang="ko-KR" altLang="en-US">
+              <a:noFill/>
+              <a:latin typeface="나눔스퀘어_ac Bold"/>
+              <a:ea typeface="나눔스퀘어_ac Bold"/>
+            </a:endParaRPr>
           </a:p>
         </p:txBody>
       </p:sp>
@@ -13883,253 +13819,18 @@
           <a:chExt cx="0" cy="0"/>
         </a:xfrm>
       </p:grpSpPr>
-      <p:pic>
-        <p:nvPicPr>
-          <p:cNvPr id="6" name="그림 5">
-            <a:extLst>
-              <a:ext uri="{FF2B5EF4-FFF2-40B4-BE49-F238E27FC236}">
-                <a16:creationId xmlns:a16="http://schemas.microsoft.com/office/drawing/2014/main" id="{74489D0A-E317-057A-31F2-366CB9EF52DF}"/>
-              </a:ext>
-            </a:extLst>
-          </p:cNvPr>
-          <p:cNvPicPr>
-            <a:picLocks noChangeAspect="1"/>
-          </p:cNvPicPr>
-          <p:nvPr/>
-        </p:nvPicPr>
-        <p:blipFill rotWithShape="1">
-          <a:blip r:embed="rId2"/>
-          <a:stretch>
-            <a:fillRect/>
-          </a:stretch>
-        </p:blipFill>
-        <p:spPr>
-          <a:xfrm>
-            <a:off x="-64808" y="0"/>
-            <a:ext cx="11269409" cy="6876110"/>
-          </a:xfrm>
-          <a:prstGeom prst="rect">
-            <a:avLst/>
-          </a:prstGeom>
-        </p:spPr>
-      </p:pic>
-      <p:sp>
-        <p:nvSpPr>
-          <p:cNvPr id="36" name="TextBox 35"/>
-          <p:cNvSpPr txBox="1"/>
-          <p:nvPr/>
-        </p:nvSpPr>
-        <p:spPr>
-          <a:xfrm>
-            <a:off x="4447908" y="1172718"/>
-            <a:ext cx="2101482" cy="528066"/>
-          </a:xfrm>
-          <a:prstGeom prst="rect">
-            <a:avLst/>
-          </a:prstGeom>
-        </p:spPr>
-        <p:txBody>
-          <a:bodyPr wrap="none">
-            <a:spAutoFit/>
-          </a:bodyPr>
-          <a:lstStyle/>
-          <a:p>
-            <a:pPr>
-              <a:defRPr/>
-            </a:pPr>
-            <a:r>
-              <a:rPr lang="en-US" altLang="ko-KR" sz="2900">
-                <a:solidFill>
-                  <a:srgbClr val="0F3158"/>
-                </a:solidFill>
-                <a:latin typeface="나눔스퀘어_ac ExtraBold"/>
-                <a:ea typeface="나눔스퀘어_ac ExtraBold"/>
-              </a:rPr>
-              <a:t>CONTENTS</a:t>
-            </a:r>
-          </a:p>
-        </p:txBody>
-      </p:sp>
-      <p:sp>
-        <p:nvSpPr>
-          <p:cNvPr id="30" name="TextBox 29"/>
-          <p:cNvSpPr txBox="1"/>
-          <p:nvPr/>
-        </p:nvSpPr>
-        <p:spPr>
-          <a:xfrm>
-            <a:off x="1965384" y="2852928"/>
-            <a:ext cx="857955" cy="412242"/>
-          </a:xfrm>
-          <a:prstGeom prst="rect">
-            <a:avLst/>
-          </a:prstGeom>
-        </p:spPr>
-        <p:txBody>
-          <a:bodyPr wrap="square">
-            <a:spAutoFit/>
-          </a:bodyPr>
-          <a:lstStyle/>
-          <a:p>
-            <a:pPr algn="ctr">
-              <a:defRPr/>
-            </a:pPr>
-            <a:r>
-              <a:rPr lang="en-US" altLang="ko-KR" sz="2100">
-                <a:solidFill>
-                  <a:srgbClr val="0F3158"/>
-                </a:solidFill>
-                <a:latin typeface="나눔스퀘어_ac ExtraBold"/>
-                <a:ea typeface="나눔스퀘어_ac ExtraBold"/>
-              </a:rPr>
-              <a:t>01</a:t>
-            </a:r>
-          </a:p>
-        </p:txBody>
-      </p:sp>
-      <p:sp>
-        <p:nvSpPr>
-          <p:cNvPr id="31" name="TextBox 30"/>
-          <p:cNvSpPr txBox="1"/>
-          <p:nvPr/>
-        </p:nvSpPr>
-        <p:spPr>
-          <a:xfrm>
-            <a:off x="2121430" y="3501009"/>
-            <a:ext cx="531685" cy="300082"/>
-          </a:xfrm>
-          <a:prstGeom prst="rect">
-            <a:avLst/>
-          </a:prstGeom>
-        </p:spPr>
-        <p:txBody>
-          <a:bodyPr wrap="square">
-            <a:spAutoFit/>
-          </a:bodyPr>
-          <a:lstStyle/>
-          <a:p>
-            <a:pPr algn="ctr">
-              <a:defRPr/>
-            </a:pPr>
-            <a:r>
-              <a:rPr lang="ko-KR" altLang="en-US" sz="1350">
-                <a:solidFill>
-                  <a:srgbClr val="0F3158"/>
-                </a:solidFill>
-                <a:latin typeface="나눔스퀘어_ac Bold"/>
-                <a:ea typeface="나눔스퀘어_ac Bold"/>
-              </a:rPr>
-              <a:t>개요</a:t>
-            </a:r>
-          </a:p>
-        </p:txBody>
-      </p:sp>
-      <p:sp>
-        <p:nvSpPr>
-          <p:cNvPr id="32" name="TextBox 31"/>
-          <p:cNvSpPr txBox="1"/>
-          <p:nvPr/>
-        </p:nvSpPr>
-        <p:spPr>
-          <a:xfrm>
-            <a:off x="1763315" y="4496181"/>
-            <a:ext cx="1484646" cy="715581"/>
-          </a:xfrm>
-          <a:prstGeom prst="rect">
-            <a:avLst/>
-          </a:prstGeom>
-        </p:spPr>
-        <p:txBody>
-          <a:bodyPr wrap="square">
-            <a:spAutoFit/>
-          </a:bodyPr>
-          <a:lstStyle/>
-          <a:p>
-            <a:pPr marL="285750" indent="-285750">
-              <a:buFontTx/>
-              <a:buChar char="-"/>
-              <a:defRPr/>
-            </a:pPr>
-            <a:r>
-              <a:rPr lang="ko-KR" altLang="en-US" sz="1350">
-                <a:solidFill>
-                  <a:srgbClr val="0F3158"/>
-                </a:solidFill>
-                <a:latin typeface="나눔스퀘어_ac Bold"/>
-                <a:ea typeface="나눔스퀘어_ac Bold"/>
-              </a:rPr>
-              <a:t>문제 상황</a:t>
-            </a:r>
-            <a:endParaRPr lang="en-US" altLang="ko-KR" sz="1350">
-              <a:solidFill>
-                <a:srgbClr val="0F3158"/>
-              </a:solidFill>
-              <a:latin typeface="나눔스퀘어_ac Bold"/>
-              <a:ea typeface="나눔스퀘어_ac Bold"/>
-            </a:endParaRPr>
-          </a:p>
-          <a:p>
-            <a:pPr marL="285750" indent="-285750">
-              <a:buFontTx/>
-              <a:buChar char="-"/>
-              <a:defRPr/>
-            </a:pPr>
-            <a:r>
-              <a:rPr lang="ko-KR" altLang="en-US" sz="1350">
-                <a:solidFill>
-                  <a:srgbClr val="0F3158"/>
-                </a:solidFill>
-                <a:latin typeface="나눔스퀘어_ac Bold"/>
-                <a:ea typeface="나눔스퀘어_ac Bold"/>
-              </a:rPr>
-              <a:t>솔루션 </a:t>
-            </a:r>
-            <a:endParaRPr lang="en-US" altLang="ko-KR" sz="1350">
-              <a:solidFill>
-                <a:srgbClr val="0F3158"/>
-              </a:solidFill>
-              <a:latin typeface="나눔스퀘어_ac Bold"/>
-              <a:ea typeface="나눔스퀘어_ac Bold"/>
-            </a:endParaRPr>
-          </a:p>
-          <a:p>
-            <a:pPr marL="285750" indent="-285750">
-              <a:buFontTx/>
-              <a:buChar char="-"/>
-              <a:defRPr/>
-            </a:pPr>
-            <a:r>
-              <a:rPr lang="ko-KR" altLang="en-US" sz="1350">
-                <a:solidFill>
-                  <a:srgbClr val="0F3158"/>
-                </a:solidFill>
-                <a:latin typeface="나눔스퀘어_ac Bold"/>
-                <a:ea typeface="나눔스퀘어_ac Bold"/>
-              </a:rPr>
-              <a:t>시스템 구조</a:t>
-            </a:r>
-            <a:endParaRPr lang="en-US" altLang="ko-KR" sz="1350">
-              <a:solidFill>
-                <a:srgbClr val="0F3158"/>
-              </a:solidFill>
-              <a:latin typeface="나눔스퀘어_ac Bold"/>
-              <a:ea typeface="나눔스퀘어_ac Bold"/>
-            </a:endParaRPr>
-          </a:p>
-        </p:txBody>
-      </p:sp>
-      <p:sp>
-        <p:nvSpPr>
-          <p:cNvPr id="48" name="타원 47"/>
+      <p:sp>
+        <p:nvSpPr>
+          <p:cNvPr id="10" name="직사각형 9"/>
           <p:cNvSpPr/>
           <p:nvPr/>
         </p:nvSpPr>
         <p:spPr>
           <a:xfrm>
-            <a:off x="2342721" y="4077081"/>
-            <a:ext cx="72009" cy="72009"/>
-          </a:xfrm>
-          <a:prstGeom prst="ellipse">
+            <a:off x="-64808" y="-27432"/>
+            <a:ext cx="11197400" cy="6912864"/>
+          </a:xfrm>
+          <a:prstGeom prst="rect">
             <a:avLst/>
           </a:prstGeom>
           <a:solidFill>
@@ -14164,255 +13865,20 @@
             </a:pPr>
             <a:endParaRPr lang="ko-KR" altLang="en-US">
               <a:noFill/>
-              <a:latin typeface="나눔스퀘어_ac Bold"/>
-              <a:ea typeface="나눔스퀘어_ac Bold"/>
             </a:endParaRPr>
           </a:p>
         </p:txBody>
       </p:sp>
       <p:sp>
         <p:nvSpPr>
-          <p:cNvPr id="35" name="TextBox 34"/>
+          <p:cNvPr id="11" name="TextBox 10"/>
           <p:cNvSpPr txBox="1"/>
           <p:nvPr/>
         </p:nvSpPr>
         <p:spPr>
           <a:xfrm>
-            <a:off x="4059724" y="2852928"/>
-            <a:ext cx="599446" cy="412243"/>
-          </a:xfrm>
-          <a:prstGeom prst="rect">
-            <a:avLst/>
-          </a:prstGeom>
-        </p:spPr>
-        <p:txBody>
-          <a:bodyPr wrap="square">
-            <a:spAutoFit/>
-          </a:bodyPr>
-          <a:lstStyle/>
-          <a:p>
-            <a:pPr algn="ctr">
-              <a:defRPr/>
-            </a:pPr>
-            <a:r>
-              <a:rPr lang="en-US" altLang="ko-KR" sz="2100">
-                <a:solidFill>
-                  <a:srgbClr val="0F3158"/>
-                </a:solidFill>
-                <a:latin typeface="나눔스퀘어_ac ExtraBold"/>
-                <a:ea typeface="나눔스퀘어_ac ExtraBold"/>
-              </a:rPr>
-              <a:t>02</a:t>
-            </a:r>
-          </a:p>
-        </p:txBody>
-      </p:sp>
-      <p:sp>
-        <p:nvSpPr>
-          <p:cNvPr id="38" name="TextBox 37"/>
-          <p:cNvSpPr txBox="1"/>
-          <p:nvPr/>
-        </p:nvSpPr>
-        <p:spPr>
-          <a:xfrm>
-            <a:off x="3860733" y="3498097"/>
-            <a:ext cx="997425" cy="300082"/>
-          </a:xfrm>
-          <a:prstGeom prst="rect">
-            <a:avLst/>
-          </a:prstGeom>
-        </p:spPr>
-        <p:txBody>
-          <a:bodyPr wrap="square">
-            <a:spAutoFit/>
-          </a:bodyPr>
-          <a:lstStyle/>
-          <a:p>
-            <a:pPr algn="ctr">
-              <a:defRPr/>
-            </a:pPr>
-            <a:r>
-              <a:rPr lang="ko-KR" altLang="en-US" sz="1350">
-                <a:solidFill>
-                  <a:srgbClr val="0F3158"/>
-                </a:solidFill>
-                <a:latin typeface="나눔스퀘어_ac Bold"/>
-                <a:ea typeface="나눔스퀘어_ac Bold"/>
-              </a:rPr>
-              <a:t>개발 과정</a:t>
-            </a:r>
-            <a:endParaRPr lang="ko-KR" altLang="ko-KR" sz="1350">
-              <a:solidFill>
-                <a:srgbClr val="0F3158"/>
-              </a:solidFill>
-              <a:latin typeface="나눔스퀘어_ac Bold"/>
-              <a:ea typeface="나눔스퀘어_ac Bold"/>
-            </a:endParaRPr>
-          </a:p>
-        </p:txBody>
-      </p:sp>
-      <p:sp>
-        <p:nvSpPr>
-          <p:cNvPr id="39" name="TextBox 38"/>
-          <p:cNvSpPr txBox="1"/>
-          <p:nvPr/>
-        </p:nvSpPr>
-        <p:spPr>
-          <a:xfrm>
-            <a:off x="3744036" y="4496181"/>
-            <a:ext cx="1735344" cy="715581"/>
-          </a:xfrm>
-          <a:prstGeom prst="rect">
-            <a:avLst/>
-          </a:prstGeom>
-        </p:spPr>
-        <p:txBody>
-          <a:bodyPr wrap="square">
-            <a:spAutoFit/>
-          </a:bodyPr>
-          <a:lstStyle/>
-          <a:p>
-            <a:pPr marL="285750" indent="-285750">
-              <a:buFontTx/>
-              <a:buChar char="-"/>
-              <a:defRPr/>
-            </a:pPr>
-            <a:r>
-              <a:rPr lang="en-US" altLang="ko-KR" sz="1350">
-                <a:solidFill>
-                  <a:srgbClr val="0F3158"/>
-                </a:solidFill>
-                <a:latin typeface="나눔스퀘어_ac Bold"/>
-                <a:ea typeface="나눔스퀘어_ac Bold"/>
-              </a:rPr>
-              <a:t>Drone</a:t>
-            </a:r>
-          </a:p>
-          <a:p>
-            <a:pPr marL="285750" indent="-285750">
-              <a:buFontTx/>
-              <a:buChar char="-"/>
-              <a:defRPr/>
-            </a:pPr>
-            <a:r>
-              <a:rPr lang="en-US" altLang="ko-KR" sz="1350">
-                <a:solidFill>
-                  <a:srgbClr val="0F3158"/>
-                </a:solidFill>
-                <a:latin typeface="나눔스퀘어_ac Bold"/>
-                <a:ea typeface="나눔스퀘어_ac Bold"/>
-              </a:rPr>
-              <a:t>GCS</a:t>
-            </a:r>
-          </a:p>
-          <a:p>
-            <a:pPr marL="285750" indent="-285750">
-              <a:buFontTx/>
-              <a:buChar char="-"/>
-              <a:defRPr/>
-            </a:pPr>
-            <a:r>
-              <a:rPr lang="en-US" altLang="ko-KR" sz="1350">
-                <a:solidFill>
-                  <a:srgbClr val="0F3158"/>
-                </a:solidFill>
-                <a:latin typeface="나눔스퀘어_ac Bold"/>
-                <a:ea typeface="나눔스퀘어_ac Bold"/>
-              </a:rPr>
-              <a:t>Landing</a:t>
-            </a:r>
-            <a:r>
-              <a:rPr lang="ko-KR" altLang="en-US" sz="1350">
-                <a:solidFill>
-                  <a:srgbClr val="0F3158"/>
-                </a:solidFill>
-                <a:latin typeface="나눔스퀘어_ac Bold"/>
-                <a:ea typeface="나눔스퀘어_ac Bold"/>
-              </a:rPr>
-              <a:t> </a:t>
-            </a:r>
-            <a:r>
-              <a:rPr lang="en-US" altLang="ko-KR" sz="1350">
-                <a:solidFill>
-                  <a:srgbClr val="0F3158"/>
-                </a:solidFill>
-                <a:latin typeface="나눔스퀘어_ac Bold"/>
-                <a:ea typeface="나눔스퀘어_ac Bold"/>
-              </a:rPr>
-              <a:t>Station</a:t>
-            </a:r>
-            <a:endParaRPr lang="ko-KR" altLang="ko-KR" sz="1350">
-              <a:solidFill>
-                <a:srgbClr val="0F3158"/>
-              </a:solidFill>
-              <a:latin typeface="나눔스퀘어_ac Bold"/>
-              <a:ea typeface="나눔스퀘어_ac Bold"/>
-            </a:endParaRPr>
-          </a:p>
-        </p:txBody>
-      </p:sp>
-      <p:sp>
-        <p:nvSpPr>
-          <p:cNvPr id="49" name="타원 48"/>
-          <p:cNvSpPr/>
-          <p:nvPr/>
-        </p:nvSpPr>
-        <p:spPr>
-          <a:xfrm>
-            <a:off x="4323442" y="4077081"/>
-            <a:ext cx="72009" cy="72009"/>
-          </a:xfrm>
-          <a:prstGeom prst="ellipse">
-            <a:avLst/>
-          </a:prstGeom>
-          <a:solidFill>
-            <a:srgbClr val="0F3158"/>
-          </a:solidFill>
-          <a:ln>
-            <a:noFill/>
-          </a:ln>
-        </p:spPr>
-        <p:style>
-          <a:lnRef idx="2">
-            <a:schemeClr val="accent1">
-              <a:shade val="20000"/>
-            </a:schemeClr>
-          </a:lnRef>
-          <a:fillRef idx="1">
-            <a:schemeClr val="accent1"/>
-          </a:fillRef>
-          <a:effectRef idx="0">
-            <a:schemeClr val="accent1"/>
-          </a:effectRef>
-          <a:fontRef idx="minor">
-            <a:schemeClr val="lt1"/>
-          </a:fontRef>
-        </p:style>
-        <p:txBody>
-          <a:bodyPr anchor="ctr"/>
-          <a:lstStyle/>
-          <a:p>
-            <a:pPr algn="ctr">
-              <a:defRPr/>
-            </a:pPr>
-            <a:endParaRPr lang="ko-KR" altLang="en-US">
-              <a:noFill/>
-              <a:latin typeface="나눔스퀘어_ac Bold"/>
-              <a:ea typeface="나눔스퀘어_ac Bold"/>
-            </a:endParaRPr>
-          </a:p>
-        </p:txBody>
-      </p:sp>
-      <p:sp>
-        <p:nvSpPr>
-          <p:cNvPr id="34" name="TextBox 33"/>
-          <p:cNvSpPr txBox="1"/>
-          <p:nvPr/>
-        </p:nvSpPr>
-        <p:spPr>
-          <a:xfrm>
-            <a:off x="6078698" y="2852928"/>
-            <a:ext cx="516255" cy="415290"/>
+            <a:off x="4613581" y="3107436"/>
+            <a:ext cx="1880643" cy="646331"/>
           </a:xfrm>
           <a:prstGeom prst="rect">
             <a:avLst/>
@@ -14428,383 +13894,31 @@
               <a:defRPr/>
             </a:pPr>
             <a:r>
-              <a:rPr lang="en-US" altLang="ko-KR" sz="2100">
-                <a:solidFill>
-                  <a:srgbClr val="0F3158"/>
+              <a:rPr lang="en-US" altLang="ko-KR" sz="3600">
+                <a:solidFill>
+                  <a:schemeClr val="lt1"/>
                 </a:solidFill>
                 <a:latin typeface="나눔스퀘어_ac ExtraBold"/>
                 <a:ea typeface="나눔스퀘어_ac ExtraBold"/>
               </a:rPr>
-              <a:t>03</a:t>
-            </a:r>
-          </a:p>
-        </p:txBody>
-      </p:sp>
-      <p:sp>
-        <p:nvSpPr>
-          <p:cNvPr id="41" name="TextBox 40"/>
-          <p:cNvSpPr txBox="1"/>
-          <p:nvPr/>
-        </p:nvSpPr>
-        <p:spPr>
-          <a:xfrm>
-            <a:off x="5852344" y="3498097"/>
-            <a:ext cx="970102" cy="300082"/>
-          </a:xfrm>
-          <a:prstGeom prst="rect">
-            <a:avLst/>
-          </a:prstGeom>
-        </p:spPr>
-        <p:txBody>
-          <a:bodyPr wrap="square">
-            <a:spAutoFit/>
-          </a:bodyPr>
-          <a:lstStyle/>
-          <a:p>
-            <a:pPr algn="ctr">
-              <a:defRPr/>
-            </a:pPr>
-            <a:r>
-              <a:rPr lang="ko-KR" altLang="en-US" sz="1350">
-                <a:solidFill>
-                  <a:srgbClr val="0F3158"/>
-                </a:solidFill>
-                <a:latin typeface="나눔스퀘어_ac Bold"/>
-                <a:ea typeface="나눔스퀘어_ac Bold"/>
-              </a:rPr>
-              <a:t>데모 영상</a:t>
-            </a:r>
-            <a:endParaRPr lang="ko-KR" altLang="ko-KR" sz="1350">
-              <a:solidFill>
-                <a:srgbClr val="0F3158"/>
-              </a:solidFill>
-              <a:latin typeface="나눔스퀘어_ac Bold"/>
-              <a:ea typeface="나눔스퀘어_ac Bold"/>
-            </a:endParaRPr>
-          </a:p>
-        </p:txBody>
-      </p:sp>
-      <p:sp>
-        <p:nvSpPr>
-          <p:cNvPr id="42" name="TextBox 41"/>
-          <p:cNvSpPr txBox="1"/>
-          <p:nvPr/>
-        </p:nvSpPr>
-        <p:spPr>
-          <a:xfrm>
-            <a:off x="5724757" y="4496181"/>
-            <a:ext cx="1411744" cy="507831"/>
-          </a:xfrm>
-          <a:prstGeom prst="rect">
-            <a:avLst/>
-          </a:prstGeom>
-        </p:spPr>
-        <p:txBody>
-          <a:bodyPr wrap="square">
-            <a:spAutoFit/>
-          </a:bodyPr>
-          <a:lstStyle/>
-          <a:p>
-            <a:pPr marL="285750" indent="-285750" algn="ctr">
-              <a:buFontTx/>
-              <a:buChar char="-"/>
-              <a:defRPr/>
-            </a:pPr>
-            <a:r>
-              <a:rPr lang="ko-KR" altLang="en-US" sz="1350">
-                <a:solidFill>
-                  <a:srgbClr val="0F3158"/>
-                </a:solidFill>
-                <a:latin typeface="나눔스퀘어_ac Bold"/>
-                <a:ea typeface="나눔스퀘어_ac Bold"/>
-              </a:rPr>
-              <a:t>테스트 구조</a:t>
-            </a:r>
-            <a:endParaRPr lang="en-US" altLang="ko-KR" sz="1350">
-              <a:solidFill>
-                <a:srgbClr val="0F3158"/>
-              </a:solidFill>
-              <a:latin typeface="나눔스퀘어_ac Bold"/>
-              <a:ea typeface="나눔스퀘어_ac Bold"/>
-            </a:endParaRPr>
-          </a:p>
-          <a:p>
-            <a:pPr marL="285750" indent="-285750" algn="ctr">
-              <a:buFontTx/>
-              <a:buChar char="-"/>
-              <a:defRPr/>
-            </a:pPr>
-            <a:r>
-              <a:rPr lang="ko-KR" altLang="en-US" sz="1350">
-                <a:solidFill>
-                  <a:srgbClr val="0F3158"/>
-                </a:solidFill>
-                <a:latin typeface="나눔스퀘어_ac Bold"/>
-                <a:ea typeface="나눔스퀘어_ac Bold"/>
-              </a:rPr>
-              <a:t>테스트 영상</a:t>
-            </a:r>
-            <a:endParaRPr lang="ko-KR" altLang="ko-KR" sz="1350">
-              <a:solidFill>
-                <a:srgbClr val="0F3158"/>
-              </a:solidFill>
-              <a:latin typeface="나눔스퀘어_ac Bold"/>
-              <a:ea typeface="나눔스퀘어_ac Bold"/>
-            </a:endParaRPr>
-          </a:p>
-        </p:txBody>
-      </p:sp>
-      <p:sp>
-        <p:nvSpPr>
-          <p:cNvPr id="50" name="타원 49"/>
-          <p:cNvSpPr/>
-          <p:nvPr/>
-        </p:nvSpPr>
-        <p:spPr>
-          <a:xfrm>
-            <a:off x="6304163" y="4077081"/>
-            <a:ext cx="72009" cy="72009"/>
-          </a:xfrm>
-          <a:prstGeom prst="ellipse">
-            <a:avLst/>
-          </a:prstGeom>
-          <a:solidFill>
-            <a:srgbClr val="0F3158"/>
-          </a:solidFill>
-          <a:ln>
-            <a:noFill/>
-          </a:ln>
-        </p:spPr>
-        <p:style>
-          <a:lnRef idx="2">
-            <a:schemeClr val="accent1">
-              <a:shade val="20000"/>
-            </a:schemeClr>
-          </a:lnRef>
-          <a:fillRef idx="1">
-            <a:schemeClr val="accent1"/>
-          </a:fillRef>
-          <a:effectRef idx="0">
-            <a:schemeClr val="accent1"/>
-          </a:effectRef>
-          <a:fontRef idx="minor">
-            <a:schemeClr val="lt1"/>
-          </a:fontRef>
-        </p:style>
-        <p:txBody>
-          <a:bodyPr anchor="ctr"/>
-          <a:lstStyle/>
-          <a:p>
-            <a:pPr algn="ctr">
-              <a:defRPr/>
-            </a:pPr>
-            <a:endParaRPr lang="ko-KR" altLang="en-US">
-              <a:noFill/>
-              <a:latin typeface="나눔스퀘어_ac Bold"/>
-              <a:ea typeface="나눔스퀘어_ac Bold"/>
-            </a:endParaRPr>
-          </a:p>
-        </p:txBody>
-      </p:sp>
-      <p:sp>
-        <p:nvSpPr>
-          <p:cNvPr id="33" name="TextBox 32"/>
-          <p:cNvSpPr txBox="1"/>
-          <p:nvPr/>
-        </p:nvSpPr>
-        <p:spPr>
-          <a:xfrm>
-            <a:off x="7870122" y="2852928"/>
-            <a:ext cx="857936" cy="412242"/>
-          </a:xfrm>
-          <a:prstGeom prst="rect">
-            <a:avLst/>
-          </a:prstGeom>
-        </p:spPr>
-        <p:txBody>
-          <a:bodyPr wrap="square">
-            <a:spAutoFit/>
-          </a:bodyPr>
-          <a:lstStyle/>
-          <a:p>
-            <a:pPr algn="ctr">
-              <a:defRPr/>
-            </a:pPr>
-            <a:r>
-              <a:rPr lang="en-US" altLang="ko-KR" sz="2100">
-                <a:solidFill>
-                  <a:srgbClr val="0F3158"/>
+              <a:t>01. </a:t>
+            </a:r>
+            <a:r>
+              <a:rPr lang="ko-KR" altLang="en-US" sz="3600">
+                <a:solidFill>
+                  <a:schemeClr val="lt1"/>
                 </a:solidFill>
                 <a:latin typeface="나눔스퀘어_ac ExtraBold"/>
                 <a:ea typeface="나눔스퀘어_ac ExtraBold"/>
               </a:rPr>
-              <a:t>04</a:t>
-            </a:r>
-          </a:p>
-        </p:txBody>
-      </p:sp>
-      <p:sp>
-        <p:nvSpPr>
-          <p:cNvPr id="44" name="TextBox 43"/>
-          <p:cNvSpPr txBox="1"/>
-          <p:nvPr/>
-        </p:nvSpPr>
-        <p:spPr>
-          <a:xfrm>
-            <a:off x="7693038" y="3501009"/>
-            <a:ext cx="1298642" cy="300082"/>
-          </a:xfrm>
-          <a:prstGeom prst="rect">
-            <a:avLst/>
-          </a:prstGeom>
-        </p:spPr>
-        <p:txBody>
-          <a:bodyPr wrap="square">
-            <a:spAutoFit/>
-          </a:bodyPr>
-          <a:lstStyle/>
-          <a:p>
-            <a:pPr algn="ctr">
-              <a:defRPr/>
-            </a:pPr>
-            <a:r>
-              <a:rPr lang="ko-KR" altLang="en-US" sz="1350">
-                <a:solidFill>
-                  <a:srgbClr val="0F3158"/>
-                </a:solidFill>
-                <a:latin typeface="나눔스퀘어_ac Bold"/>
-                <a:ea typeface="나눔스퀘어_ac Bold"/>
-              </a:rPr>
-              <a:t>마무리</a:t>
-            </a:r>
-            <a:endParaRPr lang="ko-KR" altLang="ko-KR" sz="1350">
+              <a:t>개요</a:t>
+            </a:r>
+            <a:endParaRPr lang="en-US" altLang="ko-KR" sz="3600">
               <a:solidFill>
-                <a:srgbClr val="0F3158"/>
+                <a:schemeClr val="lt1"/>
               </a:solidFill>
-              <a:latin typeface="나눔스퀘어_ac Bold"/>
-              <a:ea typeface="나눔스퀘어_ac Bold"/>
-            </a:endParaRPr>
-          </a:p>
-        </p:txBody>
-      </p:sp>
-      <p:sp>
-        <p:nvSpPr>
-          <p:cNvPr id="45" name="TextBox 44"/>
-          <p:cNvSpPr txBox="1"/>
-          <p:nvPr/>
-        </p:nvSpPr>
-        <p:spPr>
-          <a:xfrm>
-            <a:off x="7705477" y="4496181"/>
-            <a:ext cx="1735344" cy="507831"/>
-          </a:xfrm>
-          <a:prstGeom prst="rect">
-            <a:avLst/>
-          </a:prstGeom>
-        </p:spPr>
-        <p:txBody>
-          <a:bodyPr wrap="square">
-            <a:spAutoFit/>
-          </a:bodyPr>
-          <a:lstStyle/>
-          <a:p>
-            <a:pPr marL="285750" indent="-285750">
-              <a:buFontTx/>
-              <a:buChar char="-"/>
-              <a:defRPr/>
-            </a:pPr>
-            <a:r>
-              <a:rPr lang="ko-KR" altLang="en-US" sz="1350">
-                <a:solidFill>
-                  <a:srgbClr val="0F3158"/>
-                </a:solidFill>
-                <a:latin typeface="나눔스퀘어_ac Bold"/>
-                <a:ea typeface="나눔스퀘어_ac Bold"/>
-              </a:rPr>
-              <a:t>성능 검토</a:t>
-            </a:r>
-            <a:endParaRPr lang="en-US" altLang="ko-KR" sz="1350">
-              <a:solidFill>
-                <a:srgbClr val="0F3158"/>
-              </a:solidFill>
-              <a:latin typeface="나눔스퀘어_ac Bold"/>
-              <a:ea typeface="나눔스퀘어_ac Bold"/>
-            </a:endParaRPr>
-          </a:p>
-          <a:p>
-            <a:pPr marL="285750" indent="-285750">
-              <a:buFontTx/>
-              <a:buChar char="-"/>
-              <a:defRPr/>
-            </a:pPr>
-            <a:r>
-              <a:rPr lang="ko-KR" altLang="en-US" sz="1350">
-                <a:solidFill>
-                  <a:srgbClr val="0F3158"/>
-                </a:solidFill>
-                <a:latin typeface="나눔스퀘어_ac Bold"/>
-                <a:ea typeface="나눔스퀘어_ac Bold"/>
-              </a:rPr>
-              <a:t>추후 개선점</a:t>
-            </a:r>
-            <a:endParaRPr lang="en-US" altLang="ko-KR" sz="1350">
-              <a:solidFill>
-                <a:srgbClr val="0F3158"/>
-              </a:solidFill>
-              <a:latin typeface="나눔스퀘어_ac Bold"/>
-              <a:ea typeface="나눔스퀘어_ac Bold"/>
-            </a:endParaRPr>
-          </a:p>
-        </p:txBody>
-      </p:sp>
-      <p:sp>
-        <p:nvSpPr>
-          <p:cNvPr id="51" name="타원 50"/>
-          <p:cNvSpPr/>
-          <p:nvPr/>
-        </p:nvSpPr>
-        <p:spPr>
-          <a:xfrm>
-            <a:off x="8284883" y="4077081"/>
-            <a:ext cx="72009" cy="72009"/>
-          </a:xfrm>
-          <a:prstGeom prst="ellipse">
-            <a:avLst/>
-          </a:prstGeom>
-          <a:solidFill>
-            <a:srgbClr val="0F3158"/>
-          </a:solidFill>
-          <a:ln>
-            <a:noFill/>
-          </a:ln>
-        </p:spPr>
-        <p:style>
-          <a:lnRef idx="2">
-            <a:schemeClr val="accent1">
-              <a:shade val="20000"/>
-            </a:schemeClr>
-          </a:lnRef>
-          <a:fillRef idx="1">
-            <a:schemeClr val="accent1"/>
-          </a:fillRef>
-          <a:effectRef idx="0">
-            <a:schemeClr val="accent1"/>
-          </a:effectRef>
-          <a:fontRef idx="minor">
-            <a:schemeClr val="lt1"/>
-          </a:fontRef>
-        </p:style>
-        <p:txBody>
-          <a:bodyPr anchor="ctr"/>
-          <a:lstStyle/>
-          <a:p>
-            <a:pPr algn="ctr">
-              <a:defRPr/>
-            </a:pPr>
-            <a:endParaRPr lang="ko-KR" altLang="en-US">
-              <a:noFill/>
-              <a:latin typeface="나눔스퀘어_ac Bold"/>
-              <a:ea typeface="나눔스퀘어_ac Bold"/>
+              <a:latin typeface="나눔스퀘어_ac ExtraBold"/>
+              <a:ea typeface="나눔스퀘어_ac ExtraBold"/>
             </a:endParaRPr>
           </a:p>
         </p:txBody>
@@ -14826,143 +13940,6 @@
 </file>
 
 <file path=ppt/slides/slide4.xml><?xml version="1.0" encoding="utf-8"?>
-<p:sld xmlns:a="http://schemas.openxmlformats.org/drawingml/2006/main" xmlns:r="http://schemas.openxmlformats.org/officeDocument/2006/relationships" xmlns:p="http://schemas.openxmlformats.org/presentationml/2006/main">
-  <p:cSld>
-    <p:spTree>
-      <p:nvGrpSpPr>
-        <p:cNvPr id="1" name=""/>
-        <p:cNvGrpSpPr/>
-        <p:nvPr/>
-      </p:nvGrpSpPr>
-      <p:grpSpPr>
-        <a:xfrm>
-          <a:off x="0" y="0"/>
-          <a:ext cx="0" cy="0"/>
-          <a:chOff x="0" y="0"/>
-          <a:chExt cx="0" cy="0"/>
-        </a:xfrm>
-      </p:grpSpPr>
-      <p:sp>
-        <p:nvSpPr>
-          <p:cNvPr id="10" name="직사각형 9"/>
-          <p:cNvSpPr/>
-          <p:nvPr/>
-        </p:nvSpPr>
-        <p:spPr>
-          <a:xfrm>
-            <a:off x="-64808" y="-27432"/>
-            <a:ext cx="11197400" cy="6912864"/>
-          </a:xfrm>
-          <a:prstGeom prst="rect">
-            <a:avLst/>
-          </a:prstGeom>
-          <a:solidFill>
-            <a:srgbClr val="0F3158"/>
-          </a:solidFill>
-          <a:ln>
-            <a:noFill/>
-          </a:ln>
-        </p:spPr>
-        <p:style>
-          <a:lnRef idx="2">
-            <a:schemeClr val="accent1">
-              <a:shade val="20000"/>
-            </a:schemeClr>
-          </a:lnRef>
-          <a:fillRef idx="1">
-            <a:schemeClr val="accent1"/>
-          </a:fillRef>
-          <a:effectRef idx="0">
-            <a:schemeClr val="accent1"/>
-          </a:effectRef>
-          <a:fontRef idx="minor">
-            <a:schemeClr val="lt1"/>
-          </a:fontRef>
-        </p:style>
-        <p:txBody>
-          <a:bodyPr anchor="ctr"/>
-          <a:lstStyle/>
-          <a:p>
-            <a:pPr algn="ctr">
-              <a:defRPr/>
-            </a:pPr>
-            <a:endParaRPr lang="ko-KR" altLang="en-US">
-              <a:noFill/>
-            </a:endParaRPr>
-          </a:p>
-        </p:txBody>
-      </p:sp>
-      <p:sp>
-        <p:nvSpPr>
-          <p:cNvPr id="11" name="TextBox 10"/>
-          <p:cNvSpPr txBox="1"/>
-          <p:nvPr/>
-        </p:nvSpPr>
-        <p:spPr>
-          <a:xfrm>
-            <a:off x="4613581" y="3107436"/>
-            <a:ext cx="1880643" cy="646331"/>
-          </a:xfrm>
-          <a:prstGeom prst="rect">
-            <a:avLst/>
-          </a:prstGeom>
-        </p:spPr>
-        <p:txBody>
-          <a:bodyPr wrap="none">
-            <a:spAutoFit/>
-          </a:bodyPr>
-          <a:lstStyle/>
-          <a:p>
-            <a:pPr algn="ctr">
-              <a:defRPr/>
-            </a:pPr>
-            <a:r>
-              <a:rPr lang="en-US" altLang="ko-KR" sz="3600">
-                <a:solidFill>
-                  <a:schemeClr val="lt1"/>
-                </a:solidFill>
-                <a:latin typeface="나눔스퀘어_ac ExtraBold"/>
-                <a:ea typeface="나눔스퀘어_ac ExtraBold"/>
-              </a:rPr>
-              <a:t>01. </a:t>
-            </a:r>
-            <a:r>
-              <a:rPr lang="ko-KR" altLang="en-US" sz="3600">
-                <a:solidFill>
-                  <a:schemeClr val="lt1"/>
-                </a:solidFill>
-                <a:latin typeface="나눔스퀘어_ac ExtraBold"/>
-                <a:ea typeface="나눔스퀘어_ac ExtraBold"/>
-              </a:rPr>
-              <a:t>개요</a:t>
-            </a:r>
-            <a:endParaRPr lang="en-US" altLang="ko-KR" sz="3600">
-              <a:solidFill>
-                <a:schemeClr val="lt1"/>
-              </a:solidFill>
-              <a:latin typeface="나눔스퀘어_ac ExtraBold"/>
-              <a:ea typeface="나눔스퀘어_ac ExtraBold"/>
-            </a:endParaRPr>
-          </a:p>
-        </p:txBody>
-      </p:sp>
-    </p:spTree>
-  </p:cSld>
-  <p:clrMapOvr>
-    <a:masterClrMapping/>
-  </p:clrMapOvr>
-  <mc:AlternateContent xmlns:mc="http://schemas.openxmlformats.org/markup-compatibility/2006" xmlns:p14="http://schemas.microsoft.com/office/powerpoint/2010/main">
-    <mc:Choice Requires="p14">
-      <p:transition/>
-    </mc:Choice>
-    <mc:Fallback xmlns:dsp="http://schemas.microsoft.com/office/drawing/2008/diagram" xmlns:dgm="http://schemas.openxmlformats.org/drawingml/2006/diagram" xmlns:c="http://schemas.openxmlformats.org/drawingml/2006/chart" xmlns="">
-      <p:transition/>
-    </mc:Fallback>
-  </mc:AlternateContent>
-</p:sld>
-</file>
-
-<file path=ppt/slides/slide5.xml><?xml version="1.0" encoding="utf-8"?>
 <p:sld xmlns:a="http://schemas.openxmlformats.org/drawingml/2006/main" xmlns:r="http://schemas.openxmlformats.org/officeDocument/2006/relationships" xmlns:p="http://schemas.openxmlformats.org/presentationml/2006/main">
   <p:cSld>
     <p:spTree>
@@ -15751,7 +14728,7 @@
 </p:sld>
 </file>
 
-<file path=ppt/slides/slide6.xml><?xml version="1.0" encoding="utf-8"?>
+<file path=ppt/slides/slide5.xml><?xml version="1.0" encoding="utf-8"?>
 <p:sld xmlns:a="http://schemas.openxmlformats.org/drawingml/2006/main" xmlns:r="http://schemas.openxmlformats.org/officeDocument/2006/relationships" xmlns:p="http://schemas.openxmlformats.org/presentationml/2006/main">
   <p:cSld>
     <p:spTree>
@@ -16869,7 +15846,7 @@
 </p:sld>
 </file>
 
-<file path=ppt/slides/slide7.xml><?xml version="1.0" encoding="utf-8"?>
+<file path=ppt/slides/slide6.xml><?xml version="1.0" encoding="utf-8"?>
 <p:sld xmlns:a="http://schemas.openxmlformats.org/drawingml/2006/main" xmlns:r="http://schemas.openxmlformats.org/officeDocument/2006/relationships" xmlns:p="http://schemas.openxmlformats.org/presentationml/2006/main">
   <p:cSld>
     <p:spTree>
@@ -18011,6 +16988,166 @@
     <p:extLst>
       <p:ext uri="{BB962C8B-B14F-4D97-AF65-F5344CB8AC3E}">
         <p14:creationId xmlns:p14="http://schemas.microsoft.com/office/powerpoint/2010/main" val="786916889"/>
+      </p:ext>
+    </p:extLst>
+  </p:cSld>
+  <p:clrMapOvr>
+    <a:masterClrMapping/>
+  </p:clrMapOvr>
+  <mc:AlternateContent xmlns:mc="http://schemas.openxmlformats.org/markup-compatibility/2006" xmlns:p14="http://schemas.microsoft.com/office/powerpoint/2010/main">
+    <mc:Choice Requires="p14">
+      <p:transition/>
+    </mc:Choice>
+    <mc:Fallback xmlns:dsp="http://schemas.microsoft.com/office/drawing/2008/diagram" xmlns:dgm="http://schemas.openxmlformats.org/drawingml/2006/diagram" xmlns:c="http://schemas.openxmlformats.org/drawingml/2006/chart" xmlns="">
+      <p:transition/>
+    </mc:Fallback>
+  </mc:AlternateContent>
+</p:sld>
+</file>
+
+<file path=ppt/slides/slide7.xml><?xml version="1.0" encoding="utf-8"?>
+<p:sld xmlns:a="http://schemas.openxmlformats.org/drawingml/2006/main" xmlns:r="http://schemas.openxmlformats.org/officeDocument/2006/relationships" xmlns:p="http://schemas.openxmlformats.org/presentationml/2006/main">
+  <p:cSld>
+    <p:spTree>
+      <p:nvGrpSpPr>
+        <p:cNvPr id="1" name="">
+          <a:extLst>
+            <a:ext uri="{FF2B5EF4-FFF2-40B4-BE49-F238E27FC236}">
+              <a16:creationId xmlns:a16="http://schemas.microsoft.com/office/drawing/2014/main" id="{63000197-607E-AAFE-AD41-760052AFED29}"/>
+            </a:ext>
+          </a:extLst>
+        </p:cNvPr>
+        <p:cNvGrpSpPr/>
+        <p:nvPr/>
+      </p:nvGrpSpPr>
+      <p:grpSpPr>
+        <a:xfrm>
+          <a:off x="0" y="0"/>
+          <a:ext cx="0" cy="0"/>
+          <a:chOff x="0" y="0"/>
+          <a:chExt cx="0" cy="0"/>
+        </a:xfrm>
+      </p:grpSpPr>
+      <p:sp>
+        <p:nvSpPr>
+          <p:cNvPr id="10" name="직사각형 9">
+            <a:extLst>
+              <a:ext uri="{FF2B5EF4-FFF2-40B4-BE49-F238E27FC236}">
+                <a16:creationId xmlns:a16="http://schemas.microsoft.com/office/drawing/2014/main" id="{3DD33B6F-7C6B-CB59-408C-FED061284E4C}"/>
+              </a:ext>
+            </a:extLst>
+          </p:cNvPr>
+          <p:cNvSpPr/>
+          <p:nvPr/>
+        </p:nvSpPr>
+        <p:spPr>
+          <a:xfrm>
+            <a:off x="-64808" y="-27432"/>
+            <a:ext cx="11197400" cy="6912864"/>
+          </a:xfrm>
+          <a:prstGeom prst="rect">
+            <a:avLst/>
+          </a:prstGeom>
+          <a:solidFill>
+            <a:srgbClr val="0F3158"/>
+          </a:solidFill>
+          <a:ln>
+            <a:noFill/>
+          </a:ln>
+        </p:spPr>
+        <p:style>
+          <a:lnRef idx="2">
+            <a:schemeClr val="accent1">
+              <a:shade val="20000"/>
+            </a:schemeClr>
+          </a:lnRef>
+          <a:fillRef idx="1">
+            <a:schemeClr val="accent1"/>
+          </a:fillRef>
+          <a:effectRef idx="0">
+            <a:schemeClr val="accent1"/>
+          </a:effectRef>
+          <a:fontRef idx="minor">
+            <a:schemeClr val="lt1"/>
+          </a:fontRef>
+        </p:style>
+        <p:txBody>
+          <a:bodyPr anchor="ctr"/>
+          <a:lstStyle/>
+          <a:p>
+            <a:pPr algn="ctr">
+              <a:defRPr/>
+            </a:pPr>
+            <a:endParaRPr lang="ko-KR" altLang="en-US">
+              <a:noFill/>
+            </a:endParaRPr>
+          </a:p>
+        </p:txBody>
+      </p:sp>
+      <p:sp>
+        <p:nvSpPr>
+          <p:cNvPr id="11" name="TextBox 10">
+            <a:extLst>
+              <a:ext uri="{FF2B5EF4-FFF2-40B4-BE49-F238E27FC236}">
+                <a16:creationId xmlns:a16="http://schemas.microsoft.com/office/drawing/2014/main" id="{9442CBDD-E2A6-296C-E7FB-8637CB3E86EF}"/>
+              </a:ext>
+            </a:extLst>
+          </p:cNvPr>
+          <p:cNvSpPr txBox="1"/>
+          <p:nvPr/>
+        </p:nvSpPr>
+        <p:spPr>
+          <a:xfrm>
+            <a:off x="4070966" y="3107436"/>
+            <a:ext cx="2965877" cy="646331"/>
+          </a:xfrm>
+          <a:prstGeom prst="rect">
+            <a:avLst/>
+          </a:prstGeom>
+        </p:spPr>
+        <p:txBody>
+          <a:bodyPr wrap="none">
+            <a:spAutoFit/>
+          </a:bodyPr>
+          <a:lstStyle/>
+          <a:p>
+            <a:pPr algn="ctr">
+              <a:defRPr/>
+            </a:pPr>
+            <a:r>
+              <a:rPr lang="en-US" altLang="ko-KR" sz="3600">
+                <a:solidFill>
+                  <a:schemeClr val="lt1"/>
+                </a:solidFill>
+                <a:latin typeface="나눔스퀘어_ac ExtraBold"/>
+                <a:ea typeface="나눔스퀘어_ac ExtraBold"/>
+              </a:rPr>
+              <a:t>02. </a:t>
+            </a:r>
+            <a:r>
+              <a:rPr lang="ko-KR" altLang="en-US" sz="3600">
+                <a:solidFill>
+                  <a:schemeClr val="lt1"/>
+                </a:solidFill>
+                <a:latin typeface="나눔스퀘어_ac ExtraBold"/>
+                <a:ea typeface="나눔스퀘어_ac ExtraBold"/>
+              </a:rPr>
+              <a:t>개발 과정</a:t>
+            </a:r>
+            <a:endParaRPr lang="en-US" altLang="ko-KR" sz="3600">
+              <a:solidFill>
+                <a:schemeClr val="lt1"/>
+              </a:solidFill>
+              <a:latin typeface="나눔스퀘어_ac ExtraBold"/>
+              <a:ea typeface="나눔스퀘어_ac ExtraBold"/>
+            </a:endParaRPr>
+          </a:p>
+        </p:txBody>
+      </p:sp>
+    </p:spTree>
+    <p:extLst>
+      <p:ext uri="{BB962C8B-B14F-4D97-AF65-F5344CB8AC3E}">
+        <p14:creationId xmlns:p14="http://schemas.microsoft.com/office/powerpoint/2010/main" val="3973589995"/>
       </p:ext>
     </p:extLst>
   </p:cSld>
@@ -18036,7 +17173,7 @@
         <p:cNvPr id="1" name="">
           <a:extLst>
             <a:ext uri="{FF2B5EF4-FFF2-40B4-BE49-F238E27FC236}">
-              <a16:creationId xmlns:a16="http://schemas.microsoft.com/office/drawing/2014/main" id="{63000197-607E-AAFE-AD41-760052AFED29}"/>
+              <a16:creationId xmlns:a16="http://schemas.microsoft.com/office/drawing/2014/main" id="{91D7241D-2797-AB6D-2700-7534A65281A4}"/>
             </a:ext>
           </a:extLst>
         </p:cNvPr>
@@ -18053,10 +17190,116 @@
       </p:grpSpPr>
       <p:sp>
         <p:nvSpPr>
-          <p:cNvPr id="10" name="직사각형 9">
+          <p:cNvPr id="6" name="TextBox 5">
             <a:extLst>
               <a:ext uri="{FF2B5EF4-FFF2-40B4-BE49-F238E27FC236}">
-                <a16:creationId xmlns:a16="http://schemas.microsoft.com/office/drawing/2014/main" id="{3DD33B6F-7C6B-CB59-408C-FED061284E4C}"/>
+                <a16:creationId xmlns:a16="http://schemas.microsoft.com/office/drawing/2014/main" id="{39795AC4-B4BB-F74A-D6AA-0FD59891725D}"/>
+              </a:ext>
+            </a:extLst>
+          </p:cNvPr>
+          <p:cNvSpPr txBox="1"/>
+          <p:nvPr/>
+        </p:nvSpPr>
+        <p:spPr>
+          <a:xfrm>
+            <a:off x="500033" y="392049"/>
+            <a:ext cx="1266693" cy="307777"/>
+          </a:xfrm>
+          <a:prstGeom prst="rect">
+            <a:avLst/>
+          </a:prstGeom>
+        </p:spPr>
+        <p:txBody>
+          <a:bodyPr wrap="none">
+            <a:spAutoFit/>
+          </a:bodyPr>
+          <a:lstStyle/>
+          <a:p>
+            <a:pPr algn="ctr">
+              <a:defRPr/>
+            </a:pPr>
+            <a:r>
+              <a:rPr lang="en-US" altLang="ko-KR" sz="1400">
+                <a:solidFill>
+                  <a:srgbClr val="0F3158"/>
+                </a:solidFill>
+                <a:latin typeface="나눔스퀘어_ac ExtraBold"/>
+                <a:ea typeface="나눔스퀘어_ac ExtraBold"/>
+              </a:rPr>
+              <a:t>02.</a:t>
+            </a:r>
+            <a:r>
+              <a:rPr lang="ko-KR" altLang="en-US" sz="1400">
+                <a:solidFill>
+                  <a:srgbClr val="0F3158"/>
+                </a:solidFill>
+                <a:latin typeface="나눔스퀘어_ac ExtraBold"/>
+                <a:ea typeface="나눔스퀘어_ac ExtraBold"/>
+              </a:rPr>
+              <a:t> 개발 과정</a:t>
+            </a:r>
+          </a:p>
+        </p:txBody>
+      </p:sp>
+      <p:sp>
+        <p:nvSpPr>
+          <p:cNvPr id="8" name="TextBox 7">
+            <a:extLst>
+              <a:ext uri="{FF2B5EF4-FFF2-40B4-BE49-F238E27FC236}">
+                <a16:creationId xmlns:a16="http://schemas.microsoft.com/office/drawing/2014/main" id="{B5BD4D8E-B7CE-DDEE-AA2B-3FA64628C807}"/>
+              </a:ext>
+            </a:extLst>
+          </p:cNvPr>
+          <p:cNvSpPr txBox="1"/>
+          <p:nvPr/>
+        </p:nvSpPr>
+        <p:spPr>
+          <a:xfrm>
+            <a:off x="9124299" y="392049"/>
+            <a:ext cx="1832554" cy="246221"/>
+          </a:xfrm>
+          <a:prstGeom prst="rect">
+            <a:avLst/>
+          </a:prstGeom>
+        </p:spPr>
+        <p:txBody>
+          <a:bodyPr wrap="none">
+            <a:spAutoFit/>
+          </a:bodyPr>
+          <a:lstStyle/>
+          <a:p>
+            <a:pPr algn="ctr">
+              <a:defRPr/>
+            </a:pPr>
+            <a:r>
+              <a:rPr lang="en-US" altLang="ko-KR" sz="1000">
+                <a:solidFill>
+                  <a:srgbClr val="0F3158"/>
+                </a:solidFill>
+                <a:latin typeface="나눔스퀘어_ac ExtraBold"/>
+                <a:ea typeface="나눔스퀘어_ac ExtraBold"/>
+              </a:rPr>
+              <a:t>ICT </a:t>
+            </a:r>
+            <a:r>
+              <a:rPr lang="ko-KR" altLang="en-US" sz="1000">
+                <a:solidFill>
+                  <a:srgbClr val="0F3158"/>
+                </a:solidFill>
+                <a:latin typeface="나눔스퀘어_ac ExtraBold"/>
+                <a:ea typeface="나눔스퀘어_ac ExtraBold"/>
+              </a:rPr>
+              <a:t>캡스톤 디자인 최종 발표</a:t>
+            </a:r>
+          </a:p>
+        </p:txBody>
+      </p:sp>
+      <p:sp>
+        <p:nvSpPr>
+          <p:cNvPr id="18" name="직사각형 17">
+            <a:extLst>
+              <a:ext uri="{FF2B5EF4-FFF2-40B4-BE49-F238E27FC236}">
+                <a16:creationId xmlns:a16="http://schemas.microsoft.com/office/drawing/2014/main" id="{4AE4FA84-2916-CF79-D971-612632262780}"/>
               </a:ext>
             </a:extLst>
           </p:cNvPr>
@@ -18065,8 +17308,8 @@
         </p:nvSpPr>
         <p:spPr>
           <a:xfrm>
-            <a:off x="-64808" y="-27432"/>
-            <a:ext cx="11197400" cy="6912864"/>
+            <a:off x="439255" y="392049"/>
+            <a:ext cx="45720" cy="588645"/>
           </a:xfrm>
           <a:prstGeom prst="rect">
             <a:avLst/>
@@ -18109,10 +17352,10 @@
       </p:sp>
       <p:sp>
         <p:nvSpPr>
-          <p:cNvPr id="11" name="TextBox 10">
+          <p:cNvPr id="31" name="TextBox 30">
             <a:extLst>
               <a:ext uri="{FF2B5EF4-FFF2-40B4-BE49-F238E27FC236}">
-                <a16:creationId xmlns:a16="http://schemas.microsoft.com/office/drawing/2014/main" id="{9442CBDD-E2A6-296C-E7FB-8637CB3E86EF}"/>
+                <a16:creationId xmlns:a16="http://schemas.microsoft.com/office/drawing/2014/main" id="{B0DFA9A6-9AB3-709A-33C9-7490849FF918}"/>
               </a:ext>
             </a:extLst>
           </p:cNvPr>
@@ -18121,8 +17364,8 @@
         </p:nvSpPr>
         <p:spPr>
           <a:xfrm>
-            <a:off x="4070966" y="3107436"/>
-            <a:ext cx="2965877" cy="646331"/>
+            <a:off x="523406" y="670130"/>
+            <a:ext cx="492444" cy="276999"/>
           </a:xfrm>
           <a:prstGeom prst="rect">
             <a:avLst/>
@@ -18138,39 +17381,445 @@
               <a:defRPr/>
             </a:pPr>
             <a:r>
-              <a:rPr lang="en-US" altLang="ko-KR" sz="3600">
-                <a:solidFill>
-                  <a:schemeClr val="lt1"/>
-                </a:solidFill>
-                <a:latin typeface="나눔스퀘어_ac ExtraBold"/>
-                <a:ea typeface="나눔스퀘어_ac ExtraBold"/>
-              </a:rPr>
-              <a:t>02. </a:t>
-            </a:r>
-            <a:r>
-              <a:rPr lang="ko-KR" altLang="en-US" sz="3600">
-                <a:solidFill>
-                  <a:schemeClr val="lt1"/>
-                </a:solidFill>
-                <a:latin typeface="나눔스퀘어_ac ExtraBold"/>
-                <a:ea typeface="나눔스퀘어_ac ExtraBold"/>
-              </a:rPr>
-              <a:t>개발 과정</a:t>
-            </a:r>
-            <a:endParaRPr lang="en-US" altLang="ko-KR" sz="3600">
+              <a:rPr lang="ko-KR" altLang="en-US" sz="1200" b="1">
+                <a:solidFill>
+                  <a:srgbClr val="A9AAAA"/>
+                </a:solidFill>
+                <a:latin typeface="나눔스퀘어_ac Bold"/>
+                <a:ea typeface="나눔스퀘어_ac Bold"/>
+              </a:rPr>
+              <a:t>드론</a:t>
+            </a:r>
+          </a:p>
+        </p:txBody>
+      </p:sp>
+      <p:pic>
+        <p:nvPicPr>
+          <p:cNvPr id="15" name="그림 14">
+            <a:extLst>
+              <a:ext uri="{FF2B5EF4-FFF2-40B4-BE49-F238E27FC236}">
+                <a16:creationId xmlns:a16="http://schemas.microsoft.com/office/drawing/2014/main" id="{34C684CB-A153-2138-94A5-4DFA5895C563}"/>
+              </a:ext>
+            </a:extLst>
+          </p:cNvPr>
+          <p:cNvPicPr>
+            <a:picLocks noChangeAspect="1"/>
+          </p:cNvPicPr>
+          <p:nvPr/>
+        </p:nvPicPr>
+        <p:blipFill>
+          <a:blip r:embed="rId2"/>
+          <a:stretch>
+            <a:fillRect/>
+          </a:stretch>
+        </p:blipFill>
+        <p:spPr>
+          <a:xfrm>
+            <a:off x="439254" y="1484730"/>
+            <a:ext cx="4729964" cy="3672510"/>
+          </a:xfrm>
+          <a:prstGeom prst="rect">
+            <a:avLst/>
+          </a:prstGeom>
+        </p:spPr>
+      </p:pic>
+      <p:sp>
+        <p:nvSpPr>
+          <p:cNvPr id="17" name="TextBox 16">
+            <a:extLst>
+              <a:ext uri="{FF2B5EF4-FFF2-40B4-BE49-F238E27FC236}">
+                <a16:creationId xmlns:a16="http://schemas.microsoft.com/office/drawing/2014/main" id="{4516A12A-89FB-1B38-D86F-BD93D4E39592}"/>
+              </a:ext>
+            </a:extLst>
+          </p:cNvPr>
+          <p:cNvSpPr txBox="1"/>
+          <p:nvPr/>
+        </p:nvSpPr>
+        <p:spPr>
+          <a:xfrm>
+            <a:off x="5534973" y="1484730"/>
+            <a:ext cx="4985997" cy="738664"/>
+          </a:xfrm>
+          <a:prstGeom prst="rect">
+            <a:avLst/>
+          </a:prstGeom>
+        </p:spPr>
+        <p:txBody>
+          <a:bodyPr wrap="square" rtlCol="0">
+            <a:spAutoFit/>
+          </a:bodyPr>
+          <a:lstStyle/>
+          <a:p>
+            <a:r>
+              <a:rPr lang="en-US" altLang="ko-KR" sz="1400"/>
+              <a:t>[GPS] : </a:t>
+            </a:r>
+            <a:r>
+              <a:rPr lang="pt-BR" altLang="ko-KR" sz="1400" b="0" i="0">
+                <a:solidFill>
+                  <a:srgbClr val="1A1926"/>
+                </a:solidFill>
+                <a:effectLst/>
+                <a:latin typeface="Arial" panose="020B0604020202020204" pitchFamily="34" charset="0"/>
+              </a:rPr>
+              <a:t>Readytosky Ublox NEO M8N GPS</a:t>
+            </a:r>
+          </a:p>
+          <a:p>
+            <a:endParaRPr lang="en-US" altLang="ko-KR" sz="1400"/>
+          </a:p>
+          <a:p>
+            <a:r>
+              <a:rPr lang="ko-KR" altLang="en-US" sz="1400"/>
+              <a:t>조건 </a:t>
+            </a:r>
+            <a:r>
+              <a:rPr lang="en-US" altLang="ko-KR" sz="1400"/>
+              <a:t>– </a:t>
+            </a:r>
+            <a:r>
+              <a:rPr lang="ko-KR" altLang="en-US" sz="1400"/>
+              <a:t>흔히 사용되는 </a:t>
+            </a:r>
+            <a:r>
+              <a:rPr lang="en-US" altLang="ko-KR" sz="1400" b="0" i="0">
+                <a:solidFill>
+                  <a:srgbClr val="404950"/>
+                </a:solidFill>
+                <a:effectLst/>
+                <a:latin typeface="Arial" panose="020B0604020202020204" pitchFamily="34" charset="0"/>
+              </a:rPr>
+              <a:t>Ublox NEO-M8N </a:t>
+            </a:r>
+            <a:r>
+              <a:rPr lang="ko-KR" altLang="en-US" sz="1400">
+                <a:solidFill>
+                  <a:srgbClr val="404950"/>
+                </a:solidFill>
+                <a:latin typeface="Arial" panose="020B0604020202020204" pitchFamily="34" charset="0"/>
+              </a:rPr>
+              <a:t>이용 모델 선정</a:t>
+            </a:r>
+            <a:r>
+              <a:rPr lang="en-US" altLang="ko-KR" sz="1400"/>
+              <a:t> </a:t>
+            </a:r>
+            <a:endParaRPr lang="ko-KR" altLang="en-US" sz="1400"/>
+          </a:p>
+        </p:txBody>
+      </p:sp>
+      <p:sp>
+        <p:nvSpPr>
+          <p:cNvPr id="32" name="TextBox 31">
+            <a:extLst>
+              <a:ext uri="{FF2B5EF4-FFF2-40B4-BE49-F238E27FC236}">
+                <a16:creationId xmlns:a16="http://schemas.microsoft.com/office/drawing/2014/main" id="{A3A3E509-9F63-1CCF-B244-96B59B8F5404}"/>
+              </a:ext>
+            </a:extLst>
+          </p:cNvPr>
+          <p:cNvSpPr txBox="1"/>
+          <p:nvPr/>
+        </p:nvSpPr>
+        <p:spPr>
+          <a:xfrm>
+            <a:off x="5534972" y="2484052"/>
+            <a:ext cx="4985997" cy="738664"/>
+          </a:xfrm>
+          <a:prstGeom prst="rect">
+            <a:avLst/>
+          </a:prstGeom>
+        </p:spPr>
+        <p:txBody>
+          <a:bodyPr wrap="square" rtlCol="0">
+            <a:spAutoFit/>
+          </a:bodyPr>
+          <a:lstStyle/>
+          <a:p>
+            <a:r>
+              <a:rPr lang="en-US" altLang="ko-KR" sz="1400"/>
+              <a:t>[FC] : </a:t>
+            </a:r>
+            <a:r>
+              <a:rPr lang="pt-BR" altLang="ko-KR" sz="1400">
+                <a:solidFill>
+                  <a:srgbClr val="1A1926"/>
+                </a:solidFill>
+                <a:latin typeface="Arial" panose="020B0604020202020204" pitchFamily="34" charset="0"/>
+              </a:rPr>
+              <a:t>Cube Pilot OrangeCube</a:t>
+            </a:r>
+            <a:endParaRPr lang="pt-BR" altLang="ko-KR" sz="1400" b="0" i="0">
               <a:solidFill>
-                <a:schemeClr val="lt1"/>
+                <a:srgbClr val="1A1926"/>
               </a:solidFill>
-              <a:latin typeface="나눔스퀘어_ac ExtraBold"/>
-              <a:ea typeface="나눔스퀘어_ac ExtraBold"/>
+              <a:effectLst/>
+              <a:latin typeface="Arial" panose="020B0604020202020204" pitchFamily="34" charset="0"/>
             </a:endParaRPr>
+          </a:p>
+          <a:p>
+            <a:endParaRPr lang="en-US" altLang="ko-KR" sz="1400"/>
+          </a:p>
+          <a:p>
+            <a:r>
+              <a:rPr lang="ko-KR" altLang="en-US" sz="1400"/>
+              <a:t>조건 </a:t>
+            </a:r>
+            <a:r>
+              <a:rPr lang="en-US" altLang="ko-KR" sz="1400"/>
+              <a:t>– MissionPlanner </a:t>
+            </a:r>
+            <a:r>
+              <a:rPr lang="ko-KR" altLang="en-US" sz="1400"/>
+              <a:t>앱 호환 </a:t>
+            </a:r>
+            <a:r>
+              <a:rPr lang="en-US" altLang="ko-KR" sz="1400"/>
+              <a:t>FC</a:t>
+            </a:r>
+            <a:endParaRPr lang="ko-KR" altLang="en-US" sz="1400"/>
+          </a:p>
+        </p:txBody>
+      </p:sp>
+      <p:sp>
+        <p:nvSpPr>
+          <p:cNvPr id="33" name="TextBox 32">
+            <a:extLst>
+              <a:ext uri="{FF2B5EF4-FFF2-40B4-BE49-F238E27FC236}">
+                <a16:creationId xmlns:a16="http://schemas.microsoft.com/office/drawing/2014/main" id="{CBA58DFD-5F7B-F575-FF0F-88DA068CBE49}"/>
+              </a:ext>
+            </a:extLst>
+          </p:cNvPr>
+          <p:cNvSpPr txBox="1"/>
+          <p:nvPr/>
+        </p:nvSpPr>
+        <p:spPr>
+          <a:xfrm>
+            <a:off x="5534973" y="3418815"/>
+            <a:ext cx="4985997" cy="738664"/>
+          </a:xfrm>
+          <a:prstGeom prst="rect">
+            <a:avLst/>
+          </a:prstGeom>
+        </p:spPr>
+        <p:txBody>
+          <a:bodyPr wrap="square" rtlCol="0">
+            <a:spAutoFit/>
+          </a:bodyPr>
+          <a:lstStyle/>
+          <a:p>
+            <a:r>
+              <a:rPr lang="en-US" altLang="ko-KR" sz="1400"/>
+              <a:t>[Frame] : </a:t>
+            </a:r>
+            <a:r>
+              <a:rPr lang="pt-BR" altLang="ko-KR" sz="1400">
+                <a:solidFill>
+                  <a:srgbClr val="1A1926"/>
+                </a:solidFill>
+                <a:latin typeface="Arial" panose="020B0604020202020204" pitchFamily="34" charset="0"/>
+              </a:rPr>
+              <a:t>RC Bank – F450</a:t>
+            </a:r>
+            <a:endParaRPr lang="pt-BR" altLang="ko-KR" sz="1400" b="0" i="0">
+              <a:solidFill>
+                <a:srgbClr val="1A1926"/>
+              </a:solidFill>
+              <a:effectLst/>
+              <a:latin typeface="Arial" panose="020B0604020202020204" pitchFamily="34" charset="0"/>
+            </a:endParaRPr>
+          </a:p>
+          <a:p>
+            <a:endParaRPr lang="en-US" altLang="ko-KR" sz="1400"/>
+          </a:p>
+          <a:p>
+            <a:r>
+              <a:rPr lang="ko-KR" altLang="en-US" sz="1400"/>
+              <a:t>조건 </a:t>
+            </a:r>
+            <a:r>
+              <a:rPr lang="en-US" altLang="ko-KR" sz="1400"/>
+              <a:t>– 2kg </a:t>
+            </a:r>
+            <a:r>
+              <a:rPr lang="ko-KR" altLang="en-US" sz="1400"/>
+              <a:t>이내 </a:t>
+            </a:r>
+            <a:r>
+              <a:rPr lang="en-US" altLang="ko-KR" sz="1400"/>
+              <a:t>(</a:t>
+            </a:r>
+            <a:r>
+              <a:rPr lang="ko-KR" altLang="en-US" sz="1400"/>
+              <a:t>보유 자격증 기준 상한선 제품</a:t>
+            </a:r>
+            <a:r>
+              <a:rPr lang="en-US" altLang="ko-KR" sz="1400"/>
+              <a:t>)</a:t>
+            </a:r>
+            <a:endParaRPr lang="ko-KR" altLang="en-US" sz="1400"/>
+          </a:p>
+        </p:txBody>
+      </p:sp>
+      <p:sp>
+        <p:nvSpPr>
+          <p:cNvPr id="34" name="TextBox 33">
+            <a:extLst>
+              <a:ext uri="{FF2B5EF4-FFF2-40B4-BE49-F238E27FC236}">
+                <a16:creationId xmlns:a16="http://schemas.microsoft.com/office/drawing/2014/main" id="{0F8FAE51-A6BB-726D-5B3C-2EA10CDFC2F5}"/>
+              </a:ext>
+            </a:extLst>
+          </p:cNvPr>
+          <p:cNvSpPr txBox="1"/>
+          <p:nvPr/>
+        </p:nvSpPr>
+        <p:spPr>
+          <a:xfrm>
+            <a:off x="5560511" y="4413254"/>
+            <a:ext cx="4985997" cy="738664"/>
+          </a:xfrm>
+          <a:prstGeom prst="rect">
+            <a:avLst/>
+          </a:prstGeom>
+        </p:spPr>
+        <p:txBody>
+          <a:bodyPr wrap="square" rtlCol="0">
+            <a:spAutoFit/>
+          </a:bodyPr>
+          <a:lstStyle/>
+          <a:p>
+            <a:r>
+              <a:rPr lang="en-US" altLang="ko-KR" sz="1400"/>
+              <a:t>[Battery] : </a:t>
+            </a:r>
+            <a:r>
+              <a:rPr lang="pt-BR" altLang="ko-KR" sz="1400">
+                <a:solidFill>
+                  <a:srgbClr val="1A1926"/>
+                </a:solidFill>
+                <a:latin typeface="Arial" panose="020B0604020202020204" pitchFamily="34" charset="0"/>
+              </a:rPr>
+              <a:t>PT-B2200N-SP45</a:t>
+            </a:r>
+            <a:endParaRPr lang="pt-BR" altLang="ko-KR" sz="1400" b="0" i="0">
+              <a:solidFill>
+                <a:srgbClr val="1A1926"/>
+              </a:solidFill>
+              <a:effectLst/>
+              <a:latin typeface="Arial" panose="020B0604020202020204" pitchFamily="34" charset="0"/>
+            </a:endParaRPr>
+          </a:p>
+          <a:p>
+            <a:endParaRPr lang="en-US" altLang="ko-KR" sz="1400"/>
+          </a:p>
+          <a:p>
+            <a:r>
+              <a:rPr lang="ko-KR" altLang="en-US" sz="1400"/>
+              <a:t>조건 </a:t>
+            </a:r>
+            <a:r>
+              <a:rPr lang="en-US" altLang="ko-KR" sz="1400"/>
+              <a:t>– </a:t>
+            </a:r>
+            <a:r>
+              <a:rPr lang="ko-KR" altLang="en-US" sz="1400"/>
+              <a:t>테스트 </a:t>
+            </a:r>
+            <a:r>
+              <a:rPr lang="en-US" altLang="ko-KR" sz="1400"/>
+              <a:t>1</a:t>
+            </a:r>
+            <a:r>
+              <a:rPr lang="ko-KR" altLang="en-US" sz="1400"/>
+              <a:t>시간 확보 가능한 제품</a:t>
+            </a:r>
+          </a:p>
+        </p:txBody>
+      </p:sp>
+      <p:sp>
+        <p:nvSpPr>
+          <p:cNvPr id="2" name="TextBox 1">
+            <a:extLst>
+              <a:ext uri="{FF2B5EF4-FFF2-40B4-BE49-F238E27FC236}">
+                <a16:creationId xmlns:a16="http://schemas.microsoft.com/office/drawing/2014/main" id="{ED93C752-314E-699B-57FA-0D08B0A06742}"/>
+              </a:ext>
+            </a:extLst>
+          </p:cNvPr>
+          <p:cNvSpPr txBox="1"/>
+          <p:nvPr/>
+        </p:nvSpPr>
+        <p:spPr>
+          <a:xfrm>
+            <a:off x="5559140" y="5333778"/>
+            <a:ext cx="5177861" cy="738664"/>
+          </a:xfrm>
+          <a:prstGeom prst="rect">
+            <a:avLst/>
+          </a:prstGeom>
+        </p:spPr>
+        <p:txBody>
+          <a:bodyPr wrap="square" rtlCol="0">
+            <a:spAutoFit/>
+          </a:bodyPr>
+          <a:lstStyle/>
+          <a:p>
+            <a:r>
+              <a:rPr lang="en-US" altLang="ko-KR" sz="1400"/>
+              <a:t>[Telemetry] : Holybro </a:t>
+            </a:r>
+            <a:r>
+              <a:rPr lang="pt-BR" altLang="ko-KR" sz="1400">
+                <a:solidFill>
+                  <a:srgbClr val="1A1926"/>
+                </a:solidFill>
+                <a:latin typeface="Arial" panose="020B0604020202020204" pitchFamily="34" charset="0"/>
+              </a:rPr>
+              <a:t>sik telemetry radio v3</a:t>
+            </a:r>
+          </a:p>
+          <a:p>
+            <a:endParaRPr lang="en-US" altLang="ko-KR" sz="1400"/>
+          </a:p>
+          <a:p>
+            <a:r>
+              <a:rPr lang="ko-KR" altLang="en-US" sz="1400"/>
+              <a:t>조건 </a:t>
+            </a:r>
+            <a:r>
+              <a:rPr lang="en-US" altLang="ko-KR" sz="1400"/>
+              <a:t>– </a:t>
+            </a:r>
+            <a:r>
+              <a:rPr lang="ko-KR" altLang="en-US" sz="1400"/>
+              <a:t>최대 </a:t>
+            </a:r>
+            <a:r>
+              <a:rPr lang="en-US" altLang="ko-KR" sz="1400"/>
+              <a:t>100m </a:t>
+            </a:r>
+            <a:r>
+              <a:rPr lang="ko-KR" altLang="en-US" sz="1400"/>
+              <a:t>까지 테스트 가능한 제품군 </a:t>
+            </a:r>
+            <a:r>
+              <a:rPr lang="en-US" altLang="ko-KR" sz="1400"/>
+              <a:t>(</a:t>
+            </a:r>
+            <a:r>
+              <a:rPr lang="ko-KR" altLang="en-US" sz="1400"/>
+              <a:t>통신 안정성 확보</a:t>
+            </a:r>
+            <a:r>
+              <a:rPr lang="en-US" altLang="ko-KR" sz="1400"/>
+              <a:t>)</a:t>
+            </a:r>
+            <a:endParaRPr lang="ko-KR" altLang="en-US" sz="1400"/>
           </a:p>
         </p:txBody>
       </p:sp>
     </p:spTree>
     <p:extLst>
       <p:ext uri="{BB962C8B-B14F-4D97-AF65-F5344CB8AC3E}">
-        <p14:creationId xmlns:p14="http://schemas.microsoft.com/office/powerpoint/2010/main" val="3973589995"/>
+        <p14:creationId xmlns:p14="http://schemas.microsoft.com/office/powerpoint/2010/main" val="2281812130"/>
       </p:ext>
     </p:extLst>
   </p:cSld>
@@ -18196,7 +17845,7 @@
         <p:cNvPr id="1" name="">
           <a:extLst>
             <a:ext uri="{FF2B5EF4-FFF2-40B4-BE49-F238E27FC236}">
-              <a16:creationId xmlns:a16="http://schemas.microsoft.com/office/drawing/2014/main" id="{91D7241D-2797-AB6D-2700-7534A65281A4}"/>
+              <a16:creationId xmlns:a16="http://schemas.microsoft.com/office/drawing/2014/main" id="{F9895D49-968F-9187-EF6C-ABEA033A0913}"/>
             </a:ext>
           </a:extLst>
         </p:cNvPr>
@@ -18216,7 +17865,7 @@
           <p:cNvPr id="6" name="TextBox 5">
             <a:extLst>
               <a:ext uri="{FF2B5EF4-FFF2-40B4-BE49-F238E27FC236}">
-                <a16:creationId xmlns:a16="http://schemas.microsoft.com/office/drawing/2014/main" id="{39795AC4-B4BB-F74A-D6AA-0FD59891725D}"/>
+                <a16:creationId xmlns:a16="http://schemas.microsoft.com/office/drawing/2014/main" id="{A1984D5A-6B90-5112-5834-71ED420C02C3}"/>
               </a:ext>
             </a:extLst>
           </p:cNvPr>
@@ -18269,7 +17918,7 @@
           <p:cNvPr id="8" name="TextBox 7">
             <a:extLst>
               <a:ext uri="{FF2B5EF4-FFF2-40B4-BE49-F238E27FC236}">
-                <a16:creationId xmlns:a16="http://schemas.microsoft.com/office/drawing/2014/main" id="{B5BD4D8E-B7CE-DDEE-AA2B-3FA64628C807}"/>
+                <a16:creationId xmlns:a16="http://schemas.microsoft.com/office/drawing/2014/main" id="{B06C5B77-ABA1-2E5C-D771-97A9C9015DCB}"/>
               </a:ext>
             </a:extLst>
           </p:cNvPr>
@@ -18322,7 +17971,7 @@
           <p:cNvPr id="18" name="직사각형 17">
             <a:extLst>
               <a:ext uri="{FF2B5EF4-FFF2-40B4-BE49-F238E27FC236}">
-                <a16:creationId xmlns:a16="http://schemas.microsoft.com/office/drawing/2014/main" id="{4AE4FA84-2916-CF79-D971-612632262780}"/>
+                <a16:creationId xmlns:a16="http://schemas.microsoft.com/office/drawing/2014/main" id="{48052519-8411-F104-F047-2CD22252D21B}"/>
               </a:ext>
             </a:extLst>
           </p:cNvPr>
@@ -18378,7 +18027,7 @@
           <p:cNvPr id="31" name="TextBox 30">
             <a:extLst>
               <a:ext uri="{FF2B5EF4-FFF2-40B4-BE49-F238E27FC236}">
-                <a16:creationId xmlns:a16="http://schemas.microsoft.com/office/drawing/2014/main" id="{B0DFA9A6-9AB3-709A-33C9-7490849FF918}"/>
+                <a16:creationId xmlns:a16="http://schemas.microsoft.com/office/drawing/2014/main" id="{EDE5AE5E-4BEB-59A4-58E2-8FAD984E0829}"/>
               </a:ext>
             </a:extLst>
           </p:cNvPr>
@@ -18416,42 +18065,12 @@
           </a:p>
         </p:txBody>
       </p:sp>
-      <p:pic>
-        <p:nvPicPr>
-          <p:cNvPr id="15" name="그림 14">
-            <a:extLst>
-              <a:ext uri="{FF2B5EF4-FFF2-40B4-BE49-F238E27FC236}">
-                <a16:creationId xmlns:a16="http://schemas.microsoft.com/office/drawing/2014/main" id="{34C684CB-A153-2138-94A5-4DFA5895C563}"/>
-              </a:ext>
-            </a:extLst>
-          </p:cNvPr>
-          <p:cNvPicPr>
-            <a:picLocks noChangeAspect="1"/>
-          </p:cNvPicPr>
-          <p:nvPr/>
-        </p:nvPicPr>
-        <p:blipFill>
-          <a:blip r:embed="rId2"/>
-          <a:stretch>
-            <a:fillRect/>
-          </a:stretch>
-        </p:blipFill>
-        <p:spPr>
-          <a:xfrm>
-            <a:off x="439254" y="1484730"/>
-            <a:ext cx="4729964" cy="3672510"/>
-          </a:xfrm>
-          <a:prstGeom prst="rect">
-            <a:avLst/>
-          </a:prstGeom>
-        </p:spPr>
-      </p:pic>
       <p:sp>
         <p:nvSpPr>
           <p:cNvPr id="17" name="TextBox 16">
             <a:extLst>
               <a:ext uri="{FF2B5EF4-FFF2-40B4-BE49-F238E27FC236}">
-                <a16:creationId xmlns:a16="http://schemas.microsoft.com/office/drawing/2014/main" id="{4516A12A-89FB-1B38-D86F-BD93D4E39592}"/>
+                <a16:creationId xmlns:a16="http://schemas.microsoft.com/office/drawing/2014/main" id="{48CD5D72-6613-86AB-9428-293B2A5C6B84}"/>
               </a:ext>
             </a:extLst>
           </p:cNvPr>
@@ -18460,8 +18079,8 @@
         </p:nvSpPr>
         <p:spPr>
           <a:xfrm>
-            <a:off x="5534973" y="1484730"/>
-            <a:ext cx="4985997" cy="738664"/>
+            <a:off x="437164" y="1340710"/>
+            <a:ext cx="5285427" cy="4708981"/>
           </a:xfrm>
           <a:prstGeom prst="rect">
             <a:avLst/>
@@ -18474,69 +18093,157 @@
           <a:lstStyle/>
           <a:p>
             <a:r>
-              <a:rPr lang="en-US" altLang="ko-KR" sz="1400"/>
-              <a:t>[GPS] : </a:t>
-            </a:r>
-            <a:r>
-              <a:rPr lang="pt-BR" altLang="ko-KR" sz="1400" b="0" i="0">
-                <a:solidFill>
-                  <a:srgbClr val="1A1926"/>
-                </a:solidFill>
-                <a:effectLst/>
-                <a:latin typeface="Arial" panose="020B0604020202020204" pitchFamily="34" charset="0"/>
-              </a:rPr>
-              <a:t>Readytosky Ublox NEO M8N GPS</a:t>
-            </a:r>
-          </a:p>
-          <a:p>
-            <a:endParaRPr lang="en-US" altLang="ko-KR" sz="1400"/>
-          </a:p>
-          <a:p>
-            <a:r>
-              <a:rPr lang="ko-KR" altLang="en-US" sz="1400"/>
-              <a:t>조건 </a:t>
-            </a:r>
-            <a:r>
-              <a:rPr lang="en-US" altLang="ko-KR" sz="1400"/>
-              <a:t>– </a:t>
-            </a:r>
-            <a:r>
-              <a:rPr lang="ko-KR" altLang="en-US" sz="1400"/>
-              <a:t>흔히 사용되는 </a:t>
-            </a:r>
-            <a:r>
-              <a:rPr lang="en-US" altLang="ko-KR" sz="1400" b="0" i="0">
-                <a:solidFill>
-                  <a:srgbClr val="404950"/>
-                </a:solidFill>
-                <a:effectLst/>
-                <a:latin typeface="Arial" panose="020B0604020202020204" pitchFamily="34" charset="0"/>
-              </a:rPr>
-              <a:t>Ublox NEO-M8N </a:t>
-            </a:r>
-            <a:r>
-              <a:rPr lang="ko-KR" altLang="en-US" sz="1400">
-                <a:solidFill>
-                  <a:srgbClr val="404950"/>
-                </a:solidFill>
-                <a:latin typeface="Arial" panose="020B0604020202020204" pitchFamily="34" charset="0"/>
-              </a:rPr>
-              <a:t>이용 모델 선정</a:t>
-            </a:r>
-            <a:r>
-              <a:rPr lang="en-US" altLang="ko-KR" sz="1400"/>
+              <a:rPr lang="en-US" altLang="ko-KR" sz="2000"/>
+              <a:t>[ Process List ]</a:t>
+            </a:r>
+          </a:p>
+          <a:p>
+            <a:r>
+              <a:rPr lang="en-US" altLang="ko-KR" sz="2000"/>
               <a:t> </a:t>
             </a:r>
-            <a:endParaRPr lang="ko-KR" altLang="en-US" sz="1400"/>
-          </a:p>
-        </p:txBody>
-      </p:sp>
-      <p:sp>
-        <p:nvSpPr>
-          <p:cNvPr id="32" name="TextBox 31">
+          </a:p>
+          <a:p>
+            <a:pPr marL="285750" indent="-285750">
+              <a:buFontTx/>
+              <a:buChar char="-"/>
+            </a:pPr>
+            <a:r>
+              <a:rPr lang="en-US" altLang="ko-KR" sz="2000"/>
+              <a:t>FC </a:t>
+            </a:r>
+            <a:r>
+              <a:rPr lang="ko-KR" altLang="en-US" sz="2000"/>
+              <a:t>검증  </a:t>
+            </a:r>
+            <a:endParaRPr lang="en-US" altLang="ko-KR" sz="2000"/>
+          </a:p>
+          <a:p>
+            <a:pPr marL="285750" indent="-285750">
+              <a:buFontTx/>
+              <a:buChar char="-"/>
+            </a:pPr>
+            <a:r>
+              <a:rPr lang="ko-KR" altLang="en-US" sz="2000"/>
+              <a:t>하드웨어 납땜 및 체결</a:t>
+            </a:r>
+            <a:endParaRPr lang="en-US" altLang="ko-KR" sz="2000"/>
+          </a:p>
+          <a:p>
+            <a:pPr marL="285750" indent="-285750">
+              <a:buFontTx/>
+              <a:buChar char="-"/>
+            </a:pPr>
+            <a:r>
+              <a:rPr lang="ko-KR" altLang="en-US" sz="2000"/>
+              <a:t>배터리 에이징 테스트</a:t>
+            </a:r>
+            <a:endParaRPr lang="en-US" altLang="ko-KR" sz="2000"/>
+          </a:p>
+          <a:p>
+            <a:pPr marL="285750" indent="-285750">
+              <a:buFontTx/>
+              <a:buChar char="-"/>
+            </a:pPr>
+            <a:r>
+              <a:rPr lang="en-US" altLang="ko-KR" sz="2000"/>
+              <a:t>Telemetry Test</a:t>
+            </a:r>
+          </a:p>
+          <a:p>
+            <a:pPr marL="285750" indent="-285750">
+              <a:buFontTx/>
+              <a:buChar char="-"/>
+            </a:pPr>
+            <a:r>
+              <a:rPr lang="en-US" altLang="ko-KR" sz="2000"/>
+              <a:t>GPS Test</a:t>
+            </a:r>
+          </a:p>
+          <a:p>
+            <a:pPr marL="285750" indent="-285750">
+              <a:buFontTx/>
+              <a:buChar char="-"/>
+            </a:pPr>
+            <a:r>
+              <a:rPr lang="en-US" altLang="ko-KR" sz="2000"/>
+              <a:t>ESC Calibration</a:t>
+            </a:r>
+          </a:p>
+          <a:p>
+            <a:pPr marL="285750" indent="-285750">
+              <a:buFontTx/>
+              <a:buChar char="-"/>
+            </a:pPr>
+            <a:r>
+              <a:rPr lang="en-US" altLang="ko-KR" sz="2000"/>
+              <a:t>Motor Test</a:t>
+            </a:r>
+          </a:p>
+          <a:p>
+            <a:pPr marL="285750" indent="-285750">
+              <a:buFontTx/>
+              <a:buChar char="-"/>
+            </a:pPr>
+            <a:r>
+              <a:rPr lang="en-US" altLang="ko-KR" sz="2000"/>
+              <a:t>FC</a:t>
+            </a:r>
+            <a:r>
+              <a:rPr lang="ko-KR" altLang="en-US" sz="2000"/>
+              <a:t> </a:t>
+            </a:r>
+            <a:r>
+              <a:rPr lang="en-US" altLang="ko-KR" sz="2000"/>
+              <a:t>Parameter</a:t>
+            </a:r>
+            <a:r>
+              <a:rPr lang="ko-KR" altLang="en-US" sz="2000"/>
+              <a:t> </a:t>
+            </a:r>
+            <a:r>
+              <a:rPr lang="en-US" altLang="ko-KR" sz="2000"/>
+              <a:t>Setting</a:t>
+            </a:r>
+          </a:p>
+          <a:p>
+            <a:pPr marL="285750" indent="-285750">
+              <a:buFontTx/>
+              <a:buChar char="-"/>
+            </a:pPr>
+            <a:endParaRPr lang="en-US" altLang="ko-KR" sz="2000"/>
+          </a:p>
+          <a:p>
+            <a:pPr marL="285750" indent="-285750">
+              <a:buFontTx/>
+              <a:buChar char="-"/>
+            </a:pPr>
+            <a:endParaRPr lang="en-US" altLang="ko-KR" sz="2000"/>
+          </a:p>
+          <a:p>
+            <a:pPr marL="285750" indent="-285750">
+              <a:buFontTx/>
+              <a:buChar char="-"/>
+            </a:pPr>
+            <a:endParaRPr lang="en-US" altLang="ko-KR" sz="2000"/>
+          </a:p>
+          <a:p>
+            <a:r>
+              <a:rPr lang="en-US" altLang="ko-KR" sz="2000"/>
+              <a:t>&lt; 2024.12 ~ 2025.05 &gt;</a:t>
+            </a:r>
+          </a:p>
+          <a:p>
+            <a:endParaRPr lang="en-US" altLang="ko-KR" sz="2000"/>
+          </a:p>
+        </p:txBody>
+      </p:sp>
+      <p:sp>
+        <p:nvSpPr>
+          <p:cNvPr id="2" name="TextBox 1">
             <a:extLst>
               <a:ext uri="{FF2B5EF4-FFF2-40B4-BE49-F238E27FC236}">
-                <a16:creationId xmlns:a16="http://schemas.microsoft.com/office/drawing/2014/main" id="{A3A3E509-9F63-1CCF-B244-96B59B8F5404}"/>
+                <a16:creationId xmlns:a16="http://schemas.microsoft.com/office/drawing/2014/main" id="{99D9027D-1AFD-53FA-6C9B-278D6F373846}"/>
               </a:ext>
             </a:extLst>
           </p:cNvPr>
@@ -18545,8 +18252,8 @@
         </p:nvSpPr>
         <p:spPr>
           <a:xfrm>
-            <a:off x="5534972" y="2484052"/>
-            <a:ext cx="4985997" cy="738664"/>
+            <a:off x="5555824" y="1340710"/>
+            <a:ext cx="5285427" cy="2554545"/>
           </a:xfrm>
           <a:prstGeom prst="rect">
             <a:avLst/>
@@ -18559,290 +18266,80 @@
           <a:lstStyle/>
           <a:p>
             <a:r>
-              <a:rPr lang="en-US" altLang="ko-KR" sz="1400"/>
-              <a:t>[FC] : </a:t>
-            </a:r>
-            <a:r>
-              <a:rPr lang="pt-BR" altLang="ko-KR" sz="1400">
-                <a:solidFill>
-                  <a:srgbClr val="1A1926"/>
-                </a:solidFill>
-                <a:latin typeface="Arial" panose="020B0604020202020204" pitchFamily="34" charset="0"/>
-              </a:rPr>
-              <a:t>Cube Pilot OrangeCube</a:t>
-            </a:r>
-            <a:endParaRPr lang="pt-BR" altLang="ko-KR" sz="1400" b="0" i="0">
-              <a:solidFill>
-                <a:srgbClr val="1A1926"/>
-              </a:solidFill>
-              <a:effectLst/>
-              <a:latin typeface="Arial" panose="020B0604020202020204" pitchFamily="34" charset="0"/>
-            </a:endParaRPr>
-          </a:p>
-          <a:p>
-            <a:endParaRPr lang="en-US" altLang="ko-KR" sz="1400"/>
-          </a:p>
-          <a:p>
-            <a:r>
-              <a:rPr lang="ko-KR" altLang="en-US" sz="1400"/>
-              <a:t>조건 </a:t>
-            </a:r>
-            <a:r>
-              <a:rPr lang="en-US" altLang="ko-KR" sz="1400"/>
-              <a:t>– MissionPlanner </a:t>
-            </a:r>
-            <a:r>
-              <a:rPr lang="ko-KR" altLang="en-US" sz="1400"/>
-              <a:t>앱 호환 </a:t>
-            </a:r>
-            <a:r>
-              <a:rPr lang="en-US" altLang="ko-KR" sz="1400"/>
-              <a:t>FC</a:t>
-            </a:r>
-            <a:endParaRPr lang="ko-KR" altLang="en-US" sz="1400"/>
-          </a:p>
-        </p:txBody>
-      </p:sp>
-      <p:sp>
-        <p:nvSpPr>
-          <p:cNvPr id="33" name="TextBox 32">
-            <a:extLst>
-              <a:ext uri="{FF2B5EF4-FFF2-40B4-BE49-F238E27FC236}">
-                <a16:creationId xmlns:a16="http://schemas.microsoft.com/office/drawing/2014/main" id="{CBA58DFD-5F7B-F575-FF0F-88DA068CBE49}"/>
-              </a:ext>
-            </a:extLst>
-          </p:cNvPr>
-          <p:cNvSpPr txBox="1"/>
-          <p:nvPr/>
-        </p:nvSpPr>
-        <p:spPr>
-          <a:xfrm>
-            <a:off x="5534973" y="3418815"/>
-            <a:ext cx="4985997" cy="738664"/>
-          </a:xfrm>
-          <a:prstGeom prst="rect">
-            <a:avLst/>
-          </a:prstGeom>
-        </p:spPr>
-        <p:txBody>
-          <a:bodyPr wrap="square" rtlCol="0">
-            <a:spAutoFit/>
-          </a:bodyPr>
-          <a:lstStyle/>
-          <a:p>
-            <a:r>
-              <a:rPr lang="en-US" altLang="ko-KR" sz="1400"/>
-              <a:t>[Frame] : </a:t>
-            </a:r>
-            <a:r>
-              <a:rPr lang="pt-BR" altLang="ko-KR" sz="1400">
-                <a:solidFill>
-                  <a:srgbClr val="1A1926"/>
-                </a:solidFill>
-                <a:latin typeface="Arial" panose="020B0604020202020204" pitchFamily="34" charset="0"/>
-              </a:rPr>
-              <a:t>RC Bank – F450</a:t>
-            </a:r>
-            <a:endParaRPr lang="pt-BR" altLang="ko-KR" sz="1400" b="0" i="0">
-              <a:solidFill>
-                <a:srgbClr val="1A1926"/>
-              </a:solidFill>
-              <a:effectLst/>
-              <a:latin typeface="Arial" panose="020B0604020202020204" pitchFamily="34" charset="0"/>
-            </a:endParaRPr>
-          </a:p>
-          <a:p>
-            <a:endParaRPr lang="en-US" altLang="ko-KR" sz="1400"/>
-          </a:p>
-          <a:p>
-            <a:r>
-              <a:rPr lang="ko-KR" altLang="en-US" sz="1400"/>
-              <a:t>조건 </a:t>
-            </a:r>
-            <a:r>
-              <a:rPr lang="en-US" altLang="ko-KR" sz="1400"/>
-              <a:t>– 2kg </a:t>
-            </a:r>
-            <a:r>
-              <a:rPr lang="ko-KR" altLang="en-US" sz="1400"/>
-              <a:t>이내 </a:t>
-            </a:r>
-            <a:r>
-              <a:rPr lang="en-US" altLang="ko-KR" sz="1400"/>
-              <a:t>(</a:t>
-            </a:r>
-            <a:r>
-              <a:rPr lang="ko-KR" altLang="en-US" sz="1400"/>
-              <a:t>보유 자격증 기준 상한선 제품</a:t>
-            </a:r>
-            <a:r>
-              <a:rPr lang="en-US" altLang="ko-KR" sz="1400"/>
-              <a:t>)</a:t>
-            </a:r>
-            <a:endParaRPr lang="ko-KR" altLang="en-US" sz="1400"/>
-          </a:p>
-        </p:txBody>
-      </p:sp>
-      <p:sp>
-        <p:nvSpPr>
-          <p:cNvPr id="34" name="TextBox 33">
-            <a:extLst>
-              <a:ext uri="{FF2B5EF4-FFF2-40B4-BE49-F238E27FC236}">
-                <a16:creationId xmlns:a16="http://schemas.microsoft.com/office/drawing/2014/main" id="{0F8FAE51-A6BB-726D-5B3C-2EA10CDFC2F5}"/>
-              </a:ext>
-            </a:extLst>
-          </p:cNvPr>
-          <p:cNvSpPr txBox="1"/>
-          <p:nvPr/>
-        </p:nvSpPr>
-        <p:spPr>
-          <a:xfrm>
-            <a:off x="5560511" y="4413254"/>
-            <a:ext cx="4985997" cy="738664"/>
-          </a:xfrm>
-          <a:prstGeom prst="rect">
-            <a:avLst/>
-          </a:prstGeom>
-        </p:spPr>
-        <p:txBody>
-          <a:bodyPr wrap="square" rtlCol="0">
-            <a:spAutoFit/>
-          </a:bodyPr>
-          <a:lstStyle/>
-          <a:p>
-            <a:r>
-              <a:rPr lang="en-US" altLang="ko-KR" sz="1400"/>
-              <a:t>[Battery] : </a:t>
-            </a:r>
-            <a:r>
-              <a:rPr lang="pt-BR" altLang="ko-KR" sz="1400">
-                <a:solidFill>
-                  <a:srgbClr val="1A1926"/>
-                </a:solidFill>
-                <a:latin typeface="Arial" panose="020B0604020202020204" pitchFamily="34" charset="0"/>
-              </a:rPr>
-              <a:t>PT-B2200N-SP45</a:t>
-            </a:r>
-            <a:endParaRPr lang="pt-BR" altLang="ko-KR" sz="1400" b="0" i="0">
-              <a:solidFill>
-                <a:srgbClr val="1A1926"/>
-              </a:solidFill>
-              <a:effectLst/>
-              <a:latin typeface="Arial" panose="020B0604020202020204" pitchFamily="34" charset="0"/>
-            </a:endParaRPr>
-          </a:p>
-          <a:p>
-            <a:endParaRPr lang="en-US" altLang="ko-KR" sz="1400"/>
-          </a:p>
-          <a:p>
-            <a:r>
-              <a:rPr lang="ko-KR" altLang="en-US" sz="1400"/>
-              <a:t>조건 </a:t>
-            </a:r>
-            <a:r>
-              <a:rPr lang="en-US" altLang="ko-KR" sz="1400"/>
-              <a:t>– </a:t>
-            </a:r>
-            <a:r>
-              <a:rPr lang="ko-KR" altLang="en-US" sz="1400"/>
-              <a:t>테스트 </a:t>
-            </a:r>
-            <a:r>
-              <a:rPr lang="en-US" altLang="ko-KR" sz="1400"/>
-              <a:t>1</a:t>
-            </a:r>
-            <a:r>
-              <a:rPr lang="ko-KR" altLang="en-US" sz="1400"/>
-              <a:t>시간 확보 가능한 제품</a:t>
-            </a:r>
-          </a:p>
-        </p:txBody>
-      </p:sp>
-      <p:sp>
-        <p:nvSpPr>
-          <p:cNvPr id="2" name="TextBox 1">
-            <a:extLst>
-              <a:ext uri="{FF2B5EF4-FFF2-40B4-BE49-F238E27FC236}">
-                <a16:creationId xmlns:a16="http://schemas.microsoft.com/office/drawing/2014/main" id="{ED93C752-314E-699B-57FA-0D08B0A06742}"/>
-              </a:ext>
-            </a:extLst>
-          </p:cNvPr>
-          <p:cNvSpPr txBox="1"/>
-          <p:nvPr/>
-        </p:nvSpPr>
-        <p:spPr>
-          <a:xfrm>
-            <a:off x="5559140" y="5333778"/>
-            <a:ext cx="5177861" cy="738664"/>
-          </a:xfrm>
-          <a:prstGeom prst="rect">
-            <a:avLst/>
-          </a:prstGeom>
-        </p:spPr>
-        <p:txBody>
-          <a:bodyPr wrap="square" rtlCol="0">
-            <a:spAutoFit/>
-          </a:bodyPr>
-          <a:lstStyle/>
-          <a:p>
-            <a:r>
-              <a:rPr lang="en-US" altLang="ko-KR" sz="1400"/>
-              <a:t>[Telemetry] : Holybro </a:t>
-            </a:r>
-            <a:r>
-              <a:rPr lang="pt-BR" altLang="ko-KR" sz="1400">
-                <a:solidFill>
-                  <a:srgbClr val="1A1926"/>
-                </a:solidFill>
-                <a:latin typeface="Arial" panose="020B0604020202020204" pitchFamily="34" charset="0"/>
-              </a:rPr>
-              <a:t>sik telemetry radio v3</a:t>
-            </a:r>
-          </a:p>
-          <a:p>
-            <a:endParaRPr lang="en-US" altLang="ko-KR" sz="1400"/>
-          </a:p>
-          <a:p>
-            <a:r>
-              <a:rPr lang="ko-KR" altLang="en-US" sz="1400"/>
-              <a:t>조건 </a:t>
-            </a:r>
-            <a:r>
-              <a:rPr lang="en-US" altLang="ko-KR" sz="1400"/>
-              <a:t>– </a:t>
-            </a:r>
-            <a:r>
-              <a:rPr lang="ko-KR" altLang="en-US" sz="1400"/>
-              <a:t>최대 </a:t>
-            </a:r>
-            <a:r>
-              <a:rPr lang="en-US" altLang="ko-KR" sz="1400"/>
-              <a:t>100m </a:t>
-            </a:r>
-            <a:r>
-              <a:rPr lang="ko-KR" altLang="en-US" sz="1400"/>
-              <a:t>까지 테스트 가능한 제품군 </a:t>
-            </a:r>
-            <a:r>
-              <a:rPr lang="en-US" altLang="ko-KR" sz="1400"/>
-              <a:t>(</a:t>
-            </a:r>
-            <a:r>
-              <a:rPr lang="ko-KR" altLang="en-US" sz="1400"/>
-              <a:t>통신 안정성 확보</a:t>
-            </a:r>
-            <a:r>
-              <a:rPr lang="en-US" altLang="ko-KR" sz="1400"/>
-              <a:t>)</a:t>
-            </a:r>
-            <a:endParaRPr lang="ko-KR" altLang="en-US" sz="1400"/>
+              <a:rPr lang="en-US" altLang="ko-KR" sz="2000"/>
+              <a:t>[ Feature List ]</a:t>
+            </a:r>
+          </a:p>
+          <a:p>
+            <a:r>
+              <a:rPr lang="en-US" altLang="ko-KR" sz="2000"/>
+              <a:t> </a:t>
+            </a:r>
+          </a:p>
+          <a:p>
+            <a:pPr marL="285750" indent="-285750">
+              <a:buFontTx/>
+              <a:buChar char="-"/>
+            </a:pPr>
+            <a:r>
+              <a:rPr lang="ko-KR" altLang="en-US" sz="2000"/>
+              <a:t>실시간 원격 데이터 처리</a:t>
+            </a:r>
+            <a:endParaRPr lang="en-US" altLang="ko-KR" sz="2000"/>
+          </a:p>
+          <a:p>
+            <a:pPr marL="285750" indent="-285750">
+              <a:buFontTx/>
+              <a:buChar char="-"/>
+            </a:pPr>
+            <a:r>
+              <a:rPr lang="en-US" altLang="ko-KR" sz="2000"/>
+              <a:t>RTL </a:t>
+            </a:r>
+            <a:r>
+              <a:rPr lang="ko-KR" altLang="en-US" sz="2000"/>
+              <a:t>기능 탑재</a:t>
+            </a:r>
+            <a:endParaRPr lang="en-US" altLang="ko-KR" sz="2000"/>
+          </a:p>
+          <a:p>
+            <a:pPr marL="285750" indent="-285750">
+              <a:buFontTx/>
+              <a:buChar char="-"/>
+            </a:pPr>
+            <a:r>
+              <a:rPr lang="en-US" altLang="ko-KR" sz="2000"/>
+              <a:t>GCS</a:t>
+            </a:r>
+            <a:r>
+              <a:rPr lang="ko-KR" altLang="en-US" sz="2000"/>
+              <a:t> 기반 위치 제어</a:t>
+            </a:r>
+            <a:endParaRPr lang="en-US" altLang="ko-KR" sz="2000"/>
+          </a:p>
+          <a:p>
+            <a:pPr marL="285750" indent="-285750">
+              <a:buFontTx/>
+              <a:buChar char="-"/>
+            </a:pPr>
+            <a:endParaRPr lang="en-US" altLang="ko-KR" sz="2000"/>
+          </a:p>
+          <a:p>
+            <a:pPr marL="285750" indent="-285750">
+              <a:buFontTx/>
+              <a:buChar char="-"/>
+            </a:pPr>
+            <a:endParaRPr lang="en-US" altLang="ko-KR" sz="2000"/>
+          </a:p>
+          <a:p>
+            <a:endParaRPr lang="en-US" altLang="ko-KR" sz="2000"/>
           </a:p>
         </p:txBody>
       </p:sp>
     </p:spTree>
     <p:extLst>
       <p:ext uri="{BB962C8B-B14F-4D97-AF65-F5344CB8AC3E}">
-        <p14:creationId xmlns:p14="http://schemas.microsoft.com/office/powerpoint/2010/main" val="2281812130"/>
+        <p14:creationId xmlns:p14="http://schemas.microsoft.com/office/powerpoint/2010/main" val="1936627839"/>
       </p:ext>
     </p:extLst>
   </p:cSld>

--- a/1.PrecisionLandingModule/1.ReasearchNote/FinalReport/캡스톤디자인 최종 발표 ICT융합학부 2018045323 김교원.pptx
+++ b/1.PrecisionLandingModule/1.ReasearchNote/FinalReport/캡스톤디자인 최종 발표 ICT융합학부 2018045323 김교원.pptx
@@ -24,9 +24,7 @@
     <p:sldId id="268" r:id="rId18"/>
     <p:sldId id="261" r:id="rId19"/>
     <p:sldId id="283" r:id="rId20"/>
-    <p:sldId id="262" r:id="rId21"/>
-    <p:sldId id="263" r:id="rId22"/>
-    <p:sldId id="264" r:id="rId23"/>
+    <p:sldId id="264" r:id="rId21"/>
   </p:sldIdLst>
   <p:sldSz cx="11104563" cy="6858000"/>
   <p:notesSz cx="6858000" cy="9144000"/>
@@ -156,683 +154,6 @@
 </p:cmAuthorLst>
 </file>
 
-<file path=ppt/charts/chart1.xml><?xml version="1.0" encoding="utf-8"?>
-<c:chartSpace xmlns:c="http://schemas.openxmlformats.org/drawingml/2006/chart" xmlns:a="http://schemas.openxmlformats.org/drawingml/2006/main" xmlns:r="http://schemas.openxmlformats.org/officeDocument/2006/relationships" xmlns:c16r2="http://schemas.microsoft.com/office/drawing/2015/06/chart">
-  <c:date1904 val="0"/>
-  <c:lang val="ko-KR"/>
-  <c:roundedCorners val="0"/>
-  <mc:AlternateContent xmlns:mc="http://schemas.openxmlformats.org/markup-compatibility/2006">
-    <mc:Choice xmlns:c14="http://schemas.microsoft.com/office/drawing/2007/8/2/chart" Requires="c14">
-      <c14:style val="102"/>
-    </mc:Choice>
-    <mc:Fallback>
-      <c:style val="2"/>
-    </mc:Fallback>
-  </mc:AlternateContent>
-  <c:chart>
-    <c:autoTitleDeleted val="1"/>
-    <c:plotArea>
-      <c:layout/>
-      <c:pieChart>
-        <c:varyColors val="1"/>
-        <c:ser>
-          <c:idx val="0"/>
-          <c:order val="0"/>
-          <c:tx>
-            <c:strRef>
-              <c:f>Sheet1!$B$1</c:f>
-              <c:strCache>
-                <c:ptCount val="1"/>
-                <c:pt idx="0">
-                  <c:v>제목</c:v>
-                </c:pt>
-              </c:strCache>
-            </c:strRef>
-          </c:tx>
-          <c:dPt>
-            <c:idx val="0"/>
-            <c:bubble3D val="0"/>
-            <c:spPr>
-              <a:solidFill>
-                <a:schemeClr val="accent1">
-                  <a:shade val="56560"/>
-                </a:schemeClr>
-              </a:solidFill>
-            </c:spPr>
-            <c:extLst>
-              <c:ext xmlns:c16="http://schemas.microsoft.com/office/drawing/2014/chart" uri="{C3380CC4-5D6E-409C-BE32-E72D297353CC}">
-                <c16:uniqueId val="{00000001-F5F5-4151-8588-9450E48E41AD}"/>
-              </c:ext>
-            </c:extLst>
-          </c:dPt>
-          <c:dPt>
-            <c:idx val="1"/>
-            <c:bubble3D val="0"/>
-            <c:spPr>
-              <a:solidFill>
-                <a:schemeClr val="accent1">
-                  <a:shade val="85550"/>
-                </a:schemeClr>
-              </a:solidFill>
-            </c:spPr>
-            <c:extLst>
-              <c:ext xmlns:c16="http://schemas.microsoft.com/office/drawing/2014/chart" uri="{C3380CC4-5D6E-409C-BE32-E72D297353CC}">
-                <c16:uniqueId val="{00000003-F5F5-4151-8588-9450E48E41AD}"/>
-              </c:ext>
-            </c:extLst>
-          </c:dPt>
-          <c:dPt>
-            <c:idx val="2"/>
-            <c:bubble3D val="0"/>
-            <c:spPr>
-              <a:solidFill>
-                <a:schemeClr val="accent1">
-                  <a:tint val="86550"/>
-                </a:schemeClr>
-              </a:solidFill>
-            </c:spPr>
-            <c:extLst>
-              <c:ext xmlns:c16="http://schemas.microsoft.com/office/drawing/2014/chart" uri="{C3380CC4-5D6E-409C-BE32-E72D297353CC}">
-                <c16:uniqueId val="{00000005-F5F5-4151-8588-9450E48E41AD}"/>
-              </c:ext>
-            </c:extLst>
-          </c:dPt>
-          <c:dPt>
-            <c:idx val="3"/>
-            <c:bubble3D val="0"/>
-            <c:spPr>
-              <a:solidFill>
-                <a:schemeClr val="accent1">
-                  <a:tint val="57560"/>
-                </a:schemeClr>
-              </a:solidFill>
-            </c:spPr>
-            <c:extLst>
-              <c:ext xmlns:c16="http://schemas.microsoft.com/office/drawing/2014/chart" uri="{C3380CC4-5D6E-409C-BE32-E72D297353CC}">
-                <c16:uniqueId val="{00000007-F5F5-4151-8588-9450E48E41AD}"/>
-              </c:ext>
-            </c:extLst>
-          </c:dPt>
-          <c:dLbls>
-            <c:spPr>
-              <a:noFill/>
-              <a:ln w="9525">
-                <a:noFill/>
-              </a:ln>
-              <a:effectLst/>
-            </c:spPr>
-            <c:txPr>
-              <a:bodyPr rot="0" vert="horz" wrap="none" lIns="0" tIns="0" rIns="0" bIns="0" anchor="ctr" anchorCtr="1"/>
-              <a:lstStyle/>
-              <a:p>
-                <a:pPr algn="l">
-                  <a:defRPr sz="1100" b="0" i="0" u="none">
-                    <a:solidFill>
-                      <a:schemeClr val="tx1">
-                        <a:lumMod val="75000"/>
-                        <a:lumOff val="25000"/>
-                      </a:schemeClr>
-                    </a:solidFill>
-                    <a:latin typeface="+mn-lt" panose="00000000000000000000"/>
-                    <a:ea typeface="+mn-ea" panose="00000000000000000000"/>
-                    <a:cs typeface="+mn-ea" panose="00000000000000000000"/>
-                    <a:sym typeface="+mn-ea" panose="00000000000000000000"/>
-                  </a:defRPr>
-                </a:pPr>
-                <a:endParaRPr lang="ko-KR"/>
-              </a:p>
-            </c:txPr>
-            <c:showLegendKey val="0"/>
-            <c:showVal val="0"/>
-            <c:showCatName val="1"/>
-            <c:showSerName val="0"/>
-            <c:showPercent val="1"/>
-            <c:showBubbleSize val="0"/>
-            <c:showLeaderLines val="0"/>
-            <c:extLst>
-              <c:ext xmlns:c15="http://schemas.microsoft.com/office/drawing/2012/chart" uri="{CE6537A1-D6FC-4f65-9D91-7224C49458BB}">
-                <c15:spPr xmlns:c15="http://schemas.microsoft.com/office/drawing/2012/chart">
-                  <a:prstGeom prst="rect">
-                    <a:avLst/>
-                  </a:prstGeom>
-                </c15:spPr>
-              </c:ext>
-            </c:extLst>
-          </c:dLbls>
-          <c:cat>
-            <c:strRef>
-              <c:f>Sheet1!$A$2:$A$5</c:f>
-              <c:strCache>
-                <c:ptCount val="4"/>
-                <c:pt idx="0">
-                  <c:v>1순위</c:v>
-                </c:pt>
-                <c:pt idx="1">
-                  <c:v>2순위</c:v>
-                </c:pt>
-                <c:pt idx="2">
-                  <c:v>3순위</c:v>
-                </c:pt>
-                <c:pt idx="3">
-                  <c:v>4순위</c:v>
-                </c:pt>
-              </c:strCache>
-            </c:strRef>
-          </c:cat>
-          <c:val>
-            <c:numRef>
-              <c:f>Sheet1!$B$2:$B$5</c:f>
-              <c:numCache>
-                <c:formatCode>General</c:formatCode>
-                <c:ptCount val="4"/>
-                <c:pt idx="0">
-                  <c:v>20</c:v>
-                </c:pt>
-                <c:pt idx="1">
-                  <c:v>10</c:v>
-                </c:pt>
-                <c:pt idx="2">
-                  <c:v>5</c:v>
-                </c:pt>
-                <c:pt idx="3">
-                  <c:v>2</c:v>
-                </c:pt>
-              </c:numCache>
-            </c:numRef>
-          </c:val>
-          <c:extLst>
-            <c:ext xmlns:c16="http://schemas.microsoft.com/office/drawing/2014/chart" uri="{C3380CC4-5D6E-409C-BE32-E72D297353CC}">
-              <c16:uniqueId val="{00000008-F5F5-4151-8588-9450E48E41AD}"/>
-            </c:ext>
-          </c:extLst>
-        </c:ser>
-        <c:dLbls>
-          <c:showLegendKey val="0"/>
-          <c:showVal val="0"/>
-          <c:showCatName val="0"/>
-          <c:showSerName val="0"/>
-          <c:showPercent val="0"/>
-          <c:showBubbleSize val="0"/>
-          <c:showLeaderLines val="0"/>
-        </c:dLbls>
-        <c:firstSliceAng val="0"/>
-      </c:pieChart>
-      <c:spPr>
-        <a:noFill/>
-        <a:ln w="9525" cap="flat" cmpd="sng" algn="ctr">
-          <a:noFill/>
-          <a:prstDash val="solid"/>
-          <a:round/>
-        </a:ln>
-      </c:spPr>
-    </c:plotArea>
-    <c:legend>
-      <c:legendPos val="r"/>
-      <c:overlay val="0"/>
-      <c:txPr>
-        <a:bodyPr rot="0" vert="horz" wrap="none" lIns="0" tIns="0" rIns="0" bIns="0" anchor="ctr" anchorCtr="1"/>
-        <a:lstStyle/>
-        <a:p>
-          <a:pPr algn="l">
-            <a:defRPr b="0" i="0" u="none"/>
-          </a:pPr>
-          <a:endParaRPr lang="ko-KR"/>
-        </a:p>
-      </c:txPr>
-    </c:legend>
-    <c:plotVisOnly val="1"/>
-    <c:dispBlanksAs val="gap"/>
-    <c:showDLblsOverMax val="1"/>
-  </c:chart>
-  <c:txPr>
-    <a:bodyPr rot="0" vert="horz" wrap="none" lIns="0" tIns="0" rIns="0" bIns="0" anchor="ctr" anchorCtr="1"/>
-    <a:lstStyle/>
-    <a:p>
-      <a:pPr algn="l">
-        <a:defRPr b="0" i="0" u="none"/>
-      </a:pPr>
-      <a:endParaRPr lang="ko-KR"/>
-    </a:p>
-  </c:txPr>
-  <c:externalData r:id="rId1">
-    <c:autoUpdate val="0"/>
-  </c:externalData>
-  <c:extLst>
-    <c:ext uri="CC8EB2C9-7E31-499d-B8F2-F6CE61031016">
-      <ho:hncChartStyle xmlns:ho="http://schemas.haansoft.com/office/8.0" layoutIndex="-1" colorIndex="10" styleIndex="0"/>
-    </c:ext>
-  </c:extLst>
-</c:chartSpace>
-</file>
-
-<file path=ppt/charts/chart2.xml><?xml version="1.0" encoding="utf-8"?>
-<c:chartSpace xmlns:c="http://schemas.openxmlformats.org/drawingml/2006/chart" xmlns:a="http://schemas.openxmlformats.org/drawingml/2006/main" xmlns:r="http://schemas.openxmlformats.org/officeDocument/2006/relationships" xmlns:c16r2="http://schemas.microsoft.com/office/drawing/2015/06/chart">
-  <c:date1904 val="0"/>
-  <c:lang val="ko-KR"/>
-  <c:roundedCorners val="0"/>
-  <mc:AlternateContent xmlns:mc="http://schemas.openxmlformats.org/markup-compatibility/2006">
-    <mc:Choice xmlns:c14="http://schemas.microsoft.com/office/drawing/2007/8/2/chart" Requires="c14">
-      <c14:style val="102"/>
-    </mc:Choice>
-    <mc:Fallback>
-      <c:style val="2"/>
-    </mc:Fallback>
-  </mc:AlternateContent>
-  <c:chart>
-    <c:title>
-      <c:overlay val="0"/>
-      <c:spPr>
-        <a:noFill/>
-        <a:ln>
-          <a:noFill/>
-        </a:ln>
-        <a:effectLst/>
-      </c:spPr>
-      <c:txPr>
-        <a:bodyPr rot="0" vert="horz" wrap="none" lIns="0" tIns="0" rIns="0" bIns="0" anchor="ctr" anchorCtr="1"/>
-        <a:lstStyle/>
-        <a:p>
-          <a:pPr algn="l">
-            <a:defRPr sz="1800" b="0" i="0" u="none">
-              <a:latin typeface="+mn-lt" panose="00000000000000000000"/>
-              <a:ea typeface="+mn-ea" panose="00000000000000000000"/>
-              <a:cs typeface="+mn-ea" panose="00000000000000000000"/>
-              <a:sym typeface="+mn-ea" panose="00000000000000000000"/>
-            </a:defRPr>
-          </a:pPr>
-          <a:endParaRPr lang="ko-KR"/>
-        </a:p>
-      </c:txPr>
-    </c:title>
-    <c:autoTitleDeleted val="0"/>
-    <c:plotArea>
-      <c:layout/>
-      <c:barChart>
-        <c:barDir val="col"/>
-        <c:grouping val="clustered"/>
-        <c:varyColors val="0"/>
-        <c:ser>
-          <c:idx val="1"/>
-          <c:order val="0"/>
-          <c:tx>
-            <c:strRef>
-              <c:f>Sheet1!$B$1</c:f>
-              <c:strCache>
-                <c:ptCount val="1"/>
-                <c:pt idx="0">
-                  <c:v>계열 1</c:v>
-                </c:pt>
-              </c:strCache>
-            </c:strRef>
-          </c:tx>
-          <c:spPr>
-            <a:solidFill>
-              <a:schemeClr val="accent1"/>
-            </a:solidFill>
-          </c:spPr>
-          <c:invertIfNegative val="0"/>
-          <c:dLbls>
-            <c:dLbl>
-              <c:idx val="3"/>
-              <c:dLblPos val="outEnd"/>
-              <c:showLegendKey val="0"/>
-              <c:showVal val="1"/>
-              <c:showCatName val="0"/>
-              <c:showSerName val="1"/>
-              <c:showPercent val="0"/>
-              <c:showBubbleSize val="0"/>
-              <c:extLst>
-                <c:ext xmlns:c15="http://schemas.microsoft.com/office/drawing/2012/chart" uri="{CE6537A1-D6FC-4f65-9D91-7224C49458BB}"/>
-                <c:ext xmlns:c16="http://schemas.microsoft.com/office/drawing/2014/chart" uri="{C3380CC4-5D6E-409C-BE32-E72D297353CC}">
-                  <c16:uniqueId val="{00000000-ECA7-4B2D-83BA-306A9BA34437}"/>
-                </c:ext>
-              </c:extLst>
-            </c:dLbl>
-            <c:spPr>
-              <a:noFill/>
-              <a:ln w="9525">
-                <a:noFill/>
-              </a:ln>
-              <a:effectLst/>
-            </c:spPr>
-            <c:txPr>
-              <a:bodyPr rot="0" vert="horz" wrap="none" lIns="0" tIns="0" rIns="0" bIns="0" anchor="ctr" anchorCtr="1"/>
-              <a:lstStyle/>
-              <a:p>
-                <a:pPr algn="l">
-                  <a:defRPr sz="1100" b="0" i="0" u="none">
-                    <a:solidFill>
-                      <a:schemeClr val="tx1">
-                        <a:lumMod val="75000"/>
-                        <a:lumOff val="25000"/>
-                      </a:schemeClr>
-                    </a:solidFill>
-                    <a:latin typeface="+mn-lt" panose="00000000000000000000"/>
-                    <a:ea typeface="+mn-ea" panose="00000000000000000000"/>
-                    <a:cs typeface="+mn-ea" panose="00000000000000000000"/>
-                    <a:sym typeface="+mn-ea" panose="00000000000000000000"/>
-                  </a:defRPr>
-                </a:pPr>
-                <a:endParaRPr lang="ko-KR"/>
-              </a:p>
-            </c:txPr>
-            <c:dLblPos val="outEnd"/>
-            <c:showLegendKey val="0"/>
-            <c:showVal val="0"/>
-            <c:showCatName val="0"/>
-            <c:showSerName val="0"/>
-            <c:showPercent val="0"/>
-            <c:showBubbleSize val="0"/>
-            <c:extLst>
-              <c:ext xmlns:c15="http://schemas.microsoft.com/office/drawing/2012/chart" uri="{CE6537A1-D6FC-4f65-9D91-7224C49458BB}">
-                <c15:spPr xmlns:c15="http://schemas.microsoft.com/office/drawing/2012/chart">
-                  <a:prstGeom prst="rect">
-                    <a:avLst/>
-                  </a:prstGeom>
-                </c15:spPr>
-                <c15:showLeaderLines val="0"/>
-              </c:ext>
-            </c:extLst>
-          </c:dLbls>
-          <c:cat>
-            <c:strRef>
-              <c:f>Sheet1!$A$2:$A$5</c:f>
-              <c:strCache>
-                <c:ptCount val="4"/>
-                <c:pt idx="0">
-                  <c:v>항목 1</c:v>
-                </c:pt>
-                <c:pt idx="1">
-                  <c:v>항목 2</c:v>
-                </c:pt>
-                <c:pt idx="2">
-                  <c:v>항목 3</c:v>
-                </c:pt>
-                <c:pt idx="3">
-                  <c:v>항목 4</c:v>
-                </c:pt>
-              </c:strCache>
-            </c:strRef>
-          </c:cat>
-          <c:val>
-            <c:numRef>
-              <c:f>Sheet1!$B$2:$B$5</c:f>
-              <c:numCache>
-                <c:formatCode>General</c:formatCode>
-                <c:ptCount val="4"/>
-                <c:pt idx="0">
-                  <c:v>2.4</c:v>
-                </c:pt>
-                <c:pt idx="1">
-                  <c:v>4.4000000000000004</c:v>
-                </c:pt>
-                <c:pt idx="2">
-                  <c:v>1.8</c:v>
-                </c:pt>
-                <c:pt idx="3">
-                  <c:v>2.8</c:v>
-                </c:pt>
-              </c:numCache>
-            </c:numRef>
-          </c:val>
-          <c:extLst>
-            <c:ext xmlns:c16="http://schemas.microsoft.com/office/drawing/2014/chart" uri="{C3380CC4-5D6E-409C-BE32-E72D297353CC}">
-              <c16:uniqueId val="{00000001-ECA7-4B2D-83BA-306A9BA34437}"/>
-            </c:ext>
-          </c:extLst>
-        </c:ser>
-        <c:ser>
-          <c:idx val="2"/>
-          <c:order val="1"/>
-          <c:tx>
-            <c:strRef>
-              <c:f>Sheet1!$C$1</c:f>
-              <c:strCache>
-                <c:ptCount val="1"/>
-                <c:pt idx="0">
-                  <c:v>계열 2</c:v>
-                </c:pt>
-              </c:strCache>
-            </c:strRef>
-          </c:tx>
-          <c:spPr>
-            <a:solidFill>
-              <a:schemeClr val="accent1">
-                <a:tint val="84950"/>
-              </a:schemeClr>
-            </a:solidFill>
-          </c:spPr>
-          <c:invertIfNegative val="0"/>
-          <c:dLbls>
-            <c:dLbl>
-              <c:idx val="3"/>
-              <c:dLblPos val="outEnd"/>
-              <c:showLegendKey val="0"/>
-              <c:showVal val="1"/>
-              <c:showCatName val="0"/>
-              <c:showSerName val="1"/>
-              <c:showPercent val="0"/>
-              <c:showBubbleSize val="0"/>
-              <c:extLst>
-                <c:ext xmlns:c15="http://schemas.microsoft.com/office/drawing/2012/chart" uri="{CE6537A1-D6FC-4f65-9D91-7224C49458BB}"/>
-                <c:ext xmlns:c16="http://schemas.microsoft.com/office/drawing/2014/chart" uri="{C3380CC4-5D6E-409C-BE32-E72D297353CC}">
-                  <c16:uniqueId val="{00000002-ECA7-4B2D-83BA-306A9BA34437}"/>
-                </c:ext>
-              </c:extLst>
-            </c:dLbl>
-            <c:spPr>
-              <a:noFill/>
-              <a:ln w="9525">
-                <a:noFill/>
-              </a:ln>
-              <a:effectLst/>
-            </c:spPr>
-            <c:txPr>
-              <a:bodyPr rot="0" vert="horz" wrap="none" lIns="0" tIns="0" rIns="0" bIns="0" anchor="ctr" anchorCtr="1"/>
-              <a:lstStyle/>
-              <a:p>
-                <a:pPr algn="l">
-                  <a:defRPr sz="1100" b="0" i="0" u="none">
-                    <a:solidFill>
-                      <a:schemeClr val="tx1">
-                        <a:lumMod val="75000"/>
-                        <a:lumOff val="25000"/>
-                      </a:schemeClr>
-                    </a:solidFill>
-                    <a:latin typeface="+mn-lt" panose="00000000000000000000"/>
-                    <a:ea typeface="+mn-ea" panose="00000000000000000000"/>
-                    <a:cs typeface="+mn-ea" panose="00000000000000000000"/>
-                    <a:sym typeface="+mn-ea" panose="00000000000000000000"/>
-                  </a:defRPr>
-                </a:pPr>
-                <a:endParaRPr lang="ko-KR"/>
-              </a:p>
-            </c:txPr>
-            <c:dLblPos val="outEnd"/>
-            <c:showLegendKey val="0"/>
-            <c:showVal val="0"/>
-            <c:showCatName val="0"/>
-            <c:showSerName val="0"/>
-            <c:showPercent val="0"/>
-            <c:showBubbleSize val="0"/>
-            <c:extLst>
-              <c:ext xmlns:c15="http://schemas.microsoft.com/office/drawing/2012/chart" uri="{CE6537A1-D6FC-4f65-9D91-7224C49458BB}">
-                <c15:spPr xmlns:c15="http://schemas.microsoft.com/office/drawing/2012/chart">
-                  <a:prstGeom prst="rect">
-                    <a:avLst/>
-                  </a:prstGeom>
-                </c15:spPr>
-                <c15:showLeaderLines val="0"/>
-              </c:ext>
-            </c:extLst>
-          </c:dLbls>
-          <c:cat>
-            <c:strRef>
-              <c:f>Sheet1!$A$2:$A$5</c:f>
-              <c:strCache>
-                <c:ptCount val="4"/>
-                <c:pt idx="0">
-                  <c:v>항목 1</c:v>
-                </c:pt>
-                <c:pt idx="1">
-                  <c:v>항목 2</c:v>
-                </c:pt>
-                <c:pt idx="2">
-                  <c:v>항목 3</c:v>
-                </c:pt>
-                <c:pt idx="3">
-                  <c:v>항목 4</c:v>
-                </c:pt>
-              </c:strCache>
-            </c:strRef>
-          </c:cat>
-          <c:val>
-            <c:numRef>
-              <c:f>Sheet1!$C$2:$C$5</c:f>
-              <c:numCache>
-                <c:formatCode>General</c:formatCode>
-                <c:ptCount val="4"/>
-                <c:pt idx="0">
-                  <c:v>2</c:v>
-                </c:pt>
-                <c:pt idx="1">
-                  <c:v>2</c:v>
-                </c:pt>
-                <c:pt idx="2">
-                  <c:v>3</c:v>
-                </c:pt>
-                <c:pt idx="3">
-                  <c:v>5</c:v>
-                </c:pt>
-              </c:numCache>
-            </c:numRef>
-          </c:val>
-          <c:extLst>
-            <c:ext xmlns:c16="http://schemas.microsoft.com/office/drawing/2014/chart" uri="{C3380CC4-5D6E-409C-BE32-E72D297353CC}">
-              <c16:uniqueId val="{00000003-ECA7-4B2D-83BA-306A9BA34437}"/>
-            </c:ext>
-          </c:extLst>
-        </c:ser>
-        <c:dLbls>
-          <c:showLegendKey val="0"/>
-          <c:showVal val="0"/>
-          <c:showCatName val="0"/>
-          <c:showSerName val="0"/>
-          <c:showPercent val="0"/>
-          <c:showBubbleSize val="0"/>
-        </c:dLbls>
-        <c:gapWidth val="150"/>
-        <c:axId val="622302824"/>
-        <c:axId val="622303152"/>
-      </c:barChart>
-      <c:catAx>
-        <c:axId val="622302824"/>
-        <c:scaling>
-          <c:orientation val="minMax"/>
-        </c:scaling>
-        <c:delete val="0"/>
-        <c:axPos val="b"/>
-        <c:numFmt formatCode="General" sourceLinked="1"/>
-        <c:majorTickMark val="out"/>
-        <c:minorTickMark val="none"/>
-        <c:tickLblPos val="nextTo"/>
-        <c:crossAx val="622303152"/>
-        <c:crosses val="autoZero"/>
-        <c:auto val="1"/>
-        <c:lblAlgn val="ctr"/>
-        <c:lblOffset val="100"/>
-        <c:tickMarkSkip val="1"/>
-        <c:noMultiLvlLbl val="0"/>
-      </c:catAx>
-      <c:valAx>
-        <c:axId val="622303152"/>
-        <c:scaling>
-          <c:orientation val="minMax"/>
-        </c:scaling>
-        <c:delete val="0"/>
-        <c:axPos val="l"/>
-        <c:majorGridlines/>
-        <c:title>
-          <c:overlay val="0"/>
-          <c:spPr>
-            <a:noFill/>
-            <a:ln>
-              <a:noFill/>
-            </a:ln>
-            <a:effectLst/>
-          </c:spPr>
-          <c:txPr>
-            <a:bodyPr vert="vert270" wrap="none" lIns="0" tIns="0" rIns="0" bIns="0" anchor="ctr" anchorCtr="1"/>
-            <a:lstStyle/>
-            <a:p>
-              <a:pPr algn="l">
-                <a:defRPr sz="1300" b="0" i="0" u="none">
-                  <a:latin typeface="+mn-lt" panose="00000000000000000000"/>
-                  <a:ea typeface="+mn-ea" panose="00000000000000000000"/>
-                  <a:cs typeface="+mn-ea" panose="00000000000000000000"/>
-                  <a:sym typeface="+mn-ea" panose="00000000000000000000"/>
-                </a:defRPr>
-              </a:pPr>
-              <a:endParaRPr lang="ko-KR"/>
-            </a:p>
-          </c:txPr>
-        </c:title>
-        <c:numFmt formatCode="General" sourceLinked="1"/>
-        <c:majorTickMark val="out"/>
-        <c:minorTickMark val="none"/>
-        <c:tickLblPos val="nextTo"/>
-        <c:crossAx val="622302824"/>
-        <c:crosses val="autoZero"/>
-        <c:crossBetween val="between"/>
-      </c:valAx>
-      <c:spPr>
-        <a:noFill/>
-        <a:ln w="9525" cap="flat" cmpd="sng" algn="ctr">
-          <a:noFill/>
-          <a:prstDash val="solid"/>
-          <a:round/>
-        </a:ln>
-      </c:spPr>
-    </c:plotArea>
-    <c:legend>
-      <c:legendPos val="r"/>
-      <c:overlay val="0"/>
-      <c:txPr>
-        <a:bodyPr rot="0" vert="horz" wrap="none" lIns="0" tIns="0" rIns="0" bIns="0" anchor="ctr" anchorCtr="1"/>
-        <a:lstStyle/>
-        <a:p>
-          <a:pPr algn="l">
-            <a:defRPr b="0" i="0" u="none"/>
-          </a:pPr>
-          <a:endParaRPr lang="ko-KR"/>
-        </a:p>
-      </c:txPr>
-    </c:legend>
-    <c:plotVisOnly val="1"/>
-    <c:dispBlanksAs val="gap"/>
-    <c:showDLblsOverMax val="1"/>
-  </c:chart>
-  <c:txPr>
-    <a:bodyPr rot="0" vert="horz" wrap="none" lIns="0" tIns="0" rIns="0" bIns="0" anchor="ctr" anchorCtr="1"/>
-    <a:lstStyle/>
-    <a:p>
-      <a:pPr algn="l">
-        <a:defRPr b="0" i="0" u="none"/>
-      </a:pPr>
-      <a:endParaRPr lang="ko-KR"/>
-    </a:p>
-  </c:txPr>
-  <c:externalData r:id="rId1">
-    <c:autoUpdate val="0"/>
-  </c:externalData>
-  <c:extLst>
-    <c:ext uri="CC8EB2C9-7E31-499d-B8F2-F6CE61031016">
-      <ho:hncChartStyle xmlns:ho="http://schemas.haansoft.com/office/8.0" layoutIndex="-1" colorIndex="10" styleIndex="0"/>
-    </c:ext>
-  </c:extLst>
-</c:chartSpace>
-</file>
-
 <file path=ppt/slideLayouts/slideLayout1.xml><?xml version="1.0" encoding="utf-8"?>
 <p:sldLayout xmlns:a="http://schemas.openxmlformats.org/drawingml/2006/main" xmlns:r="http://schemas.openxmlformats.org/officeDocument/2006/relationships" xmlns:p="http://schemas.openxmlformats.org/presentationml/2006/main" matchingName="제목 슬라이드" type="title" preserve="1">
   <p:cSld name="제목 슬라이드">
@@ -1024,7 +345,7 @@
               <a:pPr lvl="0">
                 <a:defRPr/>
               </a:pPr>
-              <a:t>2025-05-12</a:t>
+              <a:t>2025-05-17</a:t>
             </a:fld>
             <a:endParaRPr lang="ko-KR" altLang="en-US"/>
           </a:p>
@@ -1166,7 +487,7 @@
               <a:pPr lvl="0">
                 <a:defRPr/>
               </a:pPr>
-              <a:t>2025-05-12</a:t>
+              <a:t>2025-05-17</a:t>
             </a:fld>
             <a:endParaRPr lang="ko-KR" altLang="en-US"/>
           </a:p>
@@ -1381,7 +702,7 @@
               <a:pPr lvl="0">
                 <a:defRPr/>
               </a:pPr>
-              <a:t>2025-05-12</a:t>
+              <a:t>2025-05-17</a:t>
             </a:fld>
             <a:endParaRPr lang="ko-KR" altLang="en-US"/>
           </a:p>
@@ -1583,7 +904,7 @@
               <a:pPr lvl="0">
                 <a:defRPr/>
               </a:pPr>
-              <a:t>2025-05-12</a:t>
+              <a:t>2025-05-17</a:t>
             </a:fld>
             <a:endParaRPr lang="ko-KR" altLang="en-US"/>
           </a:p>
@@ -1775,7 +1096,7 @@
               <a:pPr lvl="0">
                 <a:defRPr/>
               </a:pPr>
-              <a:t>2025-05-12</a:t>
+              <a:t>2025-05-17</a:t>
             </a:fld>
             <a:endParaRPr lang="ko-KR" altLang="en-US"/>
           </a:p>
@@ -1881,7 +1202,7 @@
               <a:pPr lvl="0">
                 <a:defRPr/>
               </a:pPr>
-              <a:t>2025-05-12</a:t>
+              <a:t>2025-05-17</a:t>
             </a:fld>
             <a:endParaRPr lang="ko-KR" altLang="en-US"/>
           </a:p>
@@ -2142,7 +1463,7 @@
               <a:pPr lvl="0">
                 <a:defRPr/>
               </a:pPr>
-              <a:t>2025-05-12</a:t>
+              <a:t>2025-05-17</a:t>
             </a:fld>
             <a:endParaRPr lang="ko-KR" altLang="en-US"/>
           </a:p>
@@ -2461,7 +1782,7 @@
               <a:pPr lvl="0">
                 <a:defRPr/>
               </a:pPr>
-              <a:t>2025-05-12</a:t>
+              <a:t>2025-05-17</a:t>
             </a:fld>
             <a:endParaRPr lang="ko-KR" altLang="en-US"/>
           </a:p>
@@ -2592,7 +1913,7 @@
               <a:pPr lvl="0">
                 <a:defRPr/>
               </a:pPr>
-              <a:t>2025-05-12</a:t>
+              <a:t>2025-05-17</a:t>
             </a:fld>
             <a:endParaRPr lang="ko-KR" altLang="en-US"/>
           </a:p>
@@ -2759,7 +2080,7 @@
               <a:pPr lvl="0">
                 <a:defRPr/>
               </a:pPr>
-              <a:t>2025-05-12</a:t>
+              <a:t>2025-05-17</a:t>
             </a:fld>
             <a:endParaRPr lang="ko-KR" altLang="en-US"/>
           </a:p>
@@ -3266,7 +2587,7 @@
               <a:pPr lvl="0">
                 <a:defRPr/>
               </a:pPr>
-              <a:t>2025-05-12</a:t>
+              <a:t>2025-05-17</a:t>
             </a:fld>
             <a:endParaRPr lang="ko-KR" altLang="en-US"/>
           </a:p>
@@ -3540,7 +2861,7 @@
               <a:pPr lvl="0">
                 <a:defRPr/>
               </a:pPr>
-              <a:t>2025-05-12</a:t>
+              <a:t>2025-05-17</a:t>
             </a:fld>
             <a:endParaRPr lang="ko-KR" altLang="en-US"/>
           </a:p>
@@ -3775,7 +3096,7 @@
               <a:pPr lvl="0">
                 <a:defRPr/>
               </a:pPr>
-              <a:t>2025-05-12</a:t>
+              <a:t>2025-05-17</a:t>
             </a:fld>
             <a:endParaRPr lang="ko-KR" altLang="en-US"/>
           </a:p>
@@ -4489,7 +3810,7 @@
     <mc:Choice Requires="p14">
       <p:transition/>
     </mc:Choice>
-    <mc:Fallback xmlns:dsp="http://schemas.microsoft.com/office/drawing/2008/diagram" xmlns:dgm="http://schemas.openxmlformats.org/drawingml/2006/diagram" xmlns:c="http://schemas.openxmlformats.org/drawingml/2006/chart" xmlns="">
+    <mc:Fallback xmlns="" xmlns:c="http://schemas.openxmlformats.org/drawingml/2006/chart" xmlns:dgm="http://schemas.openxmlformats.org/drawingml/2006/diagram" xmlns:dsp="http://schemas.microsoft.com/office/drawing/2008/diagram">
       <p:transition/>
     </mc:Fallback>
   </mc:AlternateContent>
@@ -4916,8 +4237,8 @@
         </p:blipFill>
         <p:spPr>
           <a:xfrm rot="5400000">
-            <a:off x="1828224" y="3433871"/>
-            <a:ext cx="843143" cy="3558426"/>
+            <a:off x="1539149" y="3830865"/>
+            <a:ext cx="668876" cy="2822944"/>
           </a:xfrm>
           <a:prstGeom prst="rect">
             <a:avLst/>
@@ -5078,6 +4399,53 @@
           </a:p>
         </p:txBody>
       </p:sp>
+      <p:pic>
+        <p:nvPicPr>
+          <p:cNvPr id="1026" name="Picture 2" descr="Mission Planner - Windows에서 무료 다운로드 및 설치 | Microsoft Store">
+            <a:extLst>
+              <a:ext uri="{FF2B5EF4-FFF2-40B4-BE49-F238E27FC236}">
+                <a16:creationId xmlns:a16="http://schemas.microsoft.com/office/drawing/2014/main" id="{C6D3573D-0B1D-11D2-C5BA-C81FA97368EF}"/>
+              </a:ext>
+            </a:extLst>
+          </p:cNvPr>
+          <p:cNvPicPr>
+            <a:picLocks noChangeAspect="1" noChangeArrowheads="1"/>
+          </p:cNvPicPr>
+          <p:nvPr/>
+        </p:nvPicPr>
+        <p:blipFill>
+          <a:blip r:embed="rId4">
+            <a:extLst>
+              <a:ext uri="{28A0092B-C50C-407E-A947-70E740481C1C}">
+                <a14:useLocalDpi xmlns:a14="http://schemas.microsoft.com/office/drawing/2010/main" val="0"/>
+              </a:ext>
+            </a:extLst>
+          </a:blip>
+          <a:srcRect/>
+          <a:stretch>
+            <a:fillRect/>
+          </a:stretch>
+        </p:blipFill>
+        <p:spPr bwMode="auto">
+          <a:xfrm>
+            <a:off x="3369868" y="4821304"/>
+            <a:ext cx="1606333" cy="1606333"/>
+          </a:xfrm>
+          <a:prstGeom prst="rect">
+            <a:avLst/>
+          </a:prstGeom>
+          <a:noFill/>
+          <a:extLst>
+            <a:ext uri="{909E8E84-426E-40DD-AFC4-6F175D3DCCD1}">
+              <a14:hiddenFill xmlns:a14="http://schemas.microsoft.com/office/drawing/2010/main">
+                <a:solidFill>
+                  <a:srgbClr val="FFFFFF"/>
+                </a:solidFill>
+              </a14:hiddenFill>
+            </a:ext>
+          </a:extLst>
+        </p:spPr>
+      </p:pic>
     </p:spTree>
     <p:extLst>
       <p:ext uri="{BB962C8B-B14F-4D97-AF65-F5344CB8AC3E}">
@@ -5092,7 +4460,7 @@
     <mc:Choice Requires="p14">
       <p:transition/>
     </mc:Choice>
-    <mc:Fallback xmlns:dsp="http://schemas.microsoft.com/office/drawing/2008/diagram" xmlns:dgm="http://schemas.openxmlformats.org/drawingml/2006/diagram" xmlns:c="http://schemas.openxmlformats.org/drawingml/2006/chart" xmlns="">
+    <mc:Fallback xmlns="" xmlns:c="http://schemas.openxmlformats.org/drawingml/2006/chart" xmlns:dgm="http://schemas.openxmlformats.org/drawingml/2006/diagram" xmlns:dsp="http://schemas.microsoft.com/office/drawing/2008/diagram">
       <p:transition/>
     </mc:Fallback>
   </mc:AlternateContent>
@@ -5625,7 +4993,7 @@
     <mc:Choice Requires="p14">
       <p:transition/>
     </mc:Choice>
-    <mc:Fallback xmlns:dsp="http://schemas.microsoft.com/office/drawing/2008/diagram" xmlns:dgm="http://schemas.openxmlformats.org/drawingml/2006/diagram" xmlns:c="http://schemas.openxmlformats.org/drawingml/2006/chart" xmlns="">
+    <mc:Fallback xmlns="" xmlns:c="http://schemas.openxmlformats.org/drawingml/2006/chart" xmlns:dgm="http://schemas.openxmlformats.org/drawingml/2006/diagram" xmlns:dsp="http://schemas.microsoft.com/office/drawing/2008/diagram">
       <p:transition/>
     </mc:Fallback>
   </mc:AlternateContent>
@@ -6154,12 +5522,219 @@
           </a:p>
         </p:txBody>
       </p:sp>
+      <p:sp>
+        <p:nvSpPr>
+          <p:cNvPr id="3" name="Rectangle 1">
+            <a:extLst>
+              <a:ext uri="{FF2B5EF4-FFF2-40B4-BE49-F238E27FC236}">
+                <a16:creationId xmlns:a16="http://schemas.microsoft.com/office/drawing/2014/main" id="{F10C5E51-621A-F318-E4EF-7A9ECFDE1985}"/>
+              </a:ext>
+            </a:extLst>
+          </p:cNvPr>
+          <p:cNvSpPr>
+            <a:spLocks noChangeArrowheads="1"/>
+          </p:cNvSpPr>
+          <p:nvPr/>
+        </p:nvSpPr>
+        <p:spPr bwMode="auto">
+          <a:xfrm>
+            <a:off x="0" y="0"/>
+            <a:ext cx="11104563" cy="0"/>
+          </a:xfrm>
+          <a:prstGeom prst="rect">
+            <a:avLst/>
+          </a:prstGeom>
+          <a:noFill/>
+          <a:ln>
+            <a:noFill/>
+          </a:ln>
+          <a:effectLst/>
+          <a:extLst>
+            <a:ext uri="{909E8E84-426E-40DD-AFC4-6F175D3DCCD1}">
+              <a14:hiddenFill xmlns:a14="http://schemas.microsoft.com/office/drawing/2010/main">
+                <a:solidFill>
+                  <a:schemeClr val="accent1"/>
+                </a:solidFill>
+              </a14:hiddenFill>
+            </a:ext>
+            <a:ext uri="{91240B29-F687-4F45-9708-019B960494DF}">
+              <a14:hiddenLine xmlns:a14="http://schemas.microsoft.com/office/drawing/2010/main" w="9525">
+                <a:solidFill>
+                  <a:schemeClr val="tx1"/>
+                </a:solidFill>
+                <a:miter lim="800000"/>
+                <a:headEnd/>
+                <a:tailEnd/>
+              </a14:hiddenLine>
+            </a:ext>
+            <a:ext uri="{AF507438-7753-43E0-B8FC-AC1667EBCBE1}">
+              <a14:hiddenEffects xmlns:a14="http://schemas.microsoft.com/office/drawing/2010/main">
+                <a:effectLst>
+                  <a:outerShdw dist="35921" dir="2700000" algn="ctr" rotWithShape="0">
+                    <a:schemeClr val="bg2"/>
+                  </a:outerShdw>
+                </a:effectLst>
+              </a14:hiddenEffects>
+            </a:ext>
+          </a:extLst>
+        </p:spPr>
+        <p:txBody>
+          <a:bodyPr vert="horz" wrap="none" lIns="91440" tIns="45720" rIns="91440" bIns="45720" numCol="1" anchor="ctr" anchorCtr="0" compatLnSpc="1">
+            <a:prstTxWarp prst="textNoShape">
+              <a:avLst/>
+            </a:prstTxWarp>
+            <a:spAutoFit/>
+          </a:bodyPr>
+          <a:lstStyle/>
+          <a:p>
+            <a:endParaRPr lang="ko-KR" altLang="en-US"/>
+          </a:p>
+        </p:txBody>
+      </p:sp>
+      <p:sp>
+        <p:nvSpPr>
+          <p:cNvPr id="9" name="Rectangle 2">
+            <a:extLst>
+              <a:ext uri="{FF2B5EF4-FFF2-40B4-BE49-F238E27FC236}">
+                <a16:creationId xmlns:a16="http://schemas.microsoft.com/office/drawing/2014/main" id="{79022B76-D6FC-9A12-7896-97597A2C1F20}"/>
+              </a:ext>
+            </a:extLst>
+          </p:cNvPr>
+          <p:cNvSpPr>
+            <a:spLocks noChangeArrowheads="1"/>
+          </p:cNvSpPr>
+          <p:nvPr/>
+        </p:nvSpPr>
+        <p:spPr bwMode="auto">
+          <a:xfrm>
+            <a:off x="152400" y="152400"/>
+            <a:ext cx="11104563" cy="0"/>
+          </a:xfrm>
+          <a:prstGeom prst="rect">
+            <a:avLst/>
+          </a:prstGeom>
+          <a:noFill/>
+          <a:ln>
+            <a:noFill/>
+          </a:ln>
+          <a:effectLst/>
+          <a:extLst>
+            <a:ext uri="{909E8E84-426E-40DD-AFC4-6F175D3DCCD1}">
+              <a14:hiddenFill xmlns:a14="http://schemas.microsoft.com/office/drawing/2010/main">
+                <a:solidFill>
+                  <a:schemeClr val="accent1"/>
+                </a:solidFill>
+              </a14:hiddenFill>
+            </a:ext>
+            <a:ext uri="{91240B29-F687-4F45-9708-019B960494DF}">
+              <a14:hiddenLine xmlns:a14="http://schemas.microsoft.com/office/drawing/2010/main" w="9525">
+                <a:solidFill>
+                  <a:schemeClr val="tx1"/>
+                </a:solidFill>
+                <a:miter lim="800000"/>
+                <a:headEnd/>
+                <a:tailEnd/>
+              </a14:hiddenLine>
+            </a:ext>
+            <a:ext uri="{AF507438-7753-43E0-B8FC-AC1667EBCBE1}">
+              <a14:hiddenEffects xmlns:a14="http://schemas.microsoft.com/office/drawing/2010/main">
+                <a:effectLst>
+                  <a:outerShdw dist="35921" dir="2700000" algn="ctr" rotWithShape="0">
+                    <a:schemeClr val="bg2"/>
+                  </a:outerShdw>
+                </a:effectLst>
+              </a14:hiddenEffects>
+            </a:ext>
+          </a:extLst>
+        </p:spPr>
+        <p:txBody>
+          <a:bodyPr vert="horz" wrap="none" lIns="91440" tIns="45720" rIns="91440" bIns="45720" numCol="1" anchor="ctr" anchorCtr="0" compatLnSpc="1">
+            <a:prstTxWarp prst="textNoShape">
+              <a:avLst/>
+            </a:prstTxWarp>
+            <a:spAutoFit/>
+          </a:bodyPr>
+          <a:lstStyle/>
+          <a:p>
+            <a:endParaRPr lang="ko-KR" altLang="en-US"/>
+          </a:p>
+        </p:txBody>
+      </p:sp>
+      <p:sp>
+        <p:nvSpPr>
+          <p:cNvPr id="11" name="Rectangle 3">
+            <a:extLst>
+              <a:ext uri="{FF2B5EF4-FFF2-40B4-BE49-F238E27FC236}">
+                <a16:creationId xmlns:a16="http://schemas.microsoft.com/office/drawing/2014/main" id="{9BD4F583-5B46-6996-CA38-9DAAD5EFAC13}"/>
+              </a:ext>
+            </a:extLst>
+          </p:cNvPr>
+          <p:cNvSpPr>
+            <a:spLocks noChangeArrowheads="1"/>
+          </p:cNvSpPr>
+          <p:nvPr/>
+        </p:nvSpPr>
+        <p:spPr bwMode="auto">
+          <a:xfrm flipV="1">
+            <a:off x="304800" y="-1395670"/>
+            <a:ext cx="4599391" cy="1700470"/>
+          </a:xfrm>
+          <a:prstGeom prst="rect">
+            <a:avLst/>
+          </a:prstGeom>
+          <a:noFill/>
+          <a:ln>
+            <a:noFill/>
+          </a:ln>
+          <a:effectLst/>
+          <a:extLst>
+            <a:ext uri="{909E8E84-426E-40DD-AFC4-6F175D3DCCD1}">
+              <a14:hiddenFill xmlns:a14="http://schemas.microsoft.com/office/drawing/2010/main">
+                <a:solidFill>
+                  <a:schemeClr val="accent1"/>
+                </a:solidFill>
+              </a14:hiddenFill>
+            </a:ext>
+            <a:ext uri="{91240B29-F687-4F45-9708-019B960494DF}">
+              <a14:hiddenLine xmlns:a14="http://schemas.microsoft.com/office/drawing/2010/main" w="9525">
+                <a:solidFill>
+                  <a:schemeClr val="tx1"/>
+                </a:solidFill>
+                <a:miter lim="800000"/>
+                <a:headEnd/>
+                <a:tailEnd/>
+              </a14:hiddenLine>
+            </a:ext>
+            <a:ext uri="{AF507438-7753-43E0-B8FC-AC1667EBCBE1}">
+              <a14:hiddenEffects xmlns:a14="http://schemas.microsoft.com/office/drawing/2010/main">
+                <a:effectLst>
+                  <a:outerShdw dist="35921" dir="2700000" algn="ctr" rotWithShape="0">
+                    <a:schemeClr val="bg2"/>
+                  </a:outerShdw>
+                </a:effectLst>
+              </a14:hiddenEffects>
+            </a:ext>
+          </a:extLst>
+        </p:spPr>
+        <p:txBody>
+          <a:bodyPr vert="horz" wrap="square" lIns="91440" tIns="45720" rIns="91440" bIns="45720" numCol="1" anchor="ctr" anchorCtr="0" compatLnSpc="1">
+            <a:prstTxWarp prst="textNoShape">
+              <a:avLst/>
+            </a:prstTxWarp>
+            <a:spAutoFit/>
+          </a:bodyPr>
+          <a:lstStyle/>
+          <a:p>
+            <a:endParaRPr lang="ko-KR" altLang="en-US"/>
+          </a:p>
+        </p:txBody>
+      </p:sp>
       <p:pic>
         <p:nvPicPr>
-          <p:cNvPr id="12" name="그림 11">
-            <a:extLst>
-              <a:ext uri="{FF2B5EF4-FFF2-40B4-BE49-F238E27FC236}">
-                <a16:creationId xmlns:a16="http://schemas.microsoft.com/office/drawing/2014/main" id="{12985164-B0F0-4139-C9FD-5AACF7584850}"/>
+          <p:cNvPr id="16" name="그림 15">
+            <a:extLst>
+              <a:ext uri="{FF2B5EF4-FFF2-40B4-BE49-F238E27FC236}">
+                <a16:creationId xmlns:a16="http://schemas.microsoft.com/office/drawing/2014/main" id="{BDAAB36B-5906-AA51-326F-EE553CF162B5}"/>
               </a:ext>
             </a:extLst>
           </p:cNvPr>
@@ -6176,8 +5751,8 @@
         </p:blipFill>
         <p:spPr>
           <a:xfrm>
-            <a:off x="440549" y="1309650"/>
-            <a:ext cx="1796375" cy="4956994"/>
+            <a:off x="436614" y="1189348"/>
+            <a:ext cx="3204547" cy="4973723"/>
           </a:xfrm>
           <a:prstGeom prst="rect">
             <a:avLst/>
@@ -6198,7 +5773,7 @@
     <mc:Choice Requires="p14">
       <p:transition/>
     </mc:Choice>
-    <mc:Fallback xmlns:dsp="http://schemas.microsoft.com/office/drawing/2008/diagram" xmlns:dgm="http://schemas.openxmlformats.org/drawingml/2006/diagram" xmlns:c="http://schemas.openxmlformats.org/drawingml/2006/chart" xmlns="">
+    <mc:Fallback xmlns="" xmlns:c="http://schemas.openxmlformats.org/drawingml/2006/chart" xmlns:dgm="http://schemas.openxmlformats.org/drawingml/2006/diagram" xmlns:dsp="http://schemas.microsoft.com/office/drawing/2008/diagram">
       <p:transition/>
     </mc:Fallback>
   </mc:AlternateContent>
@@ -6761,7 +6336,7 @@
     <mc:Choice Requires="p14">
       <p:transition/>
     </mc:Choice>
-    <mc:Fallback xmlns:dsp="http://schemas.microsoft.com/office/drawing/2008/diagram" xmlns:dgm="http://schemas.openxmlformats.org/drawingml/2006/diagram" xmlns:c="http://schemas.openxmlformats.org/drawingml/2006/chart" xmlns="">
+    <mc:Fallback xmlns="" xmlns:c="http://schemas.openxmlformats.org/drawingml/2006/chart" xmlns:dgm="http://schemas.openxmlformats.org/drawingml/2006/diagram" xmlns:dsp="http://schemas.microsoft.com/office/drawing/2008/diagram">
       <p:transition/>
     </mc:Fallback>
   </mc:AlternateContent>
@@ -6921,7 +6496,7 @@
     <mc:Choice Requires="p14">
       <p:transition/>
     </mc:Choice>
-    <mc:Fallback xmlns:dsp="http://schemas.microsoft.com/office/drawing/2008/diagram" xmlns:dgm="http://schemas.openxmlformats.org/drawingml/2006/diagram" xmlns:c="http://schemas.openxmlformats.org/drawingml/2006/chart" xmlns="">
+    <mc:Fallback xmlns="" xmlns:c="http://schemas.openxmlformats.org/drawingml/2006/chart" xmlns:dgm="http://schemas.openxmlformats.org/drawingml/2006/diagram" xmlns:dsp="http://schemas.microsoft.com/office/drawing/2008/diagram">
       <p:transition/>
     </mc:Fallback>
   </mc:AlternateContent>
@@ -9748,7 +9323,7 @@
     <mc:Choice Requires="p14">
       <p:transition/>
     </mc:Choice>
-    <mc:Fallback xmlns:dsp="http://schemas.microsoft.com/office/drawing/2008/diagram" xmlns:dgm="http://schemas.openxmlformats.org/drawingml/2006/diagram" xmlns:c="http://schemas.openxmlformats.org/drawingml/2006/chart" xmlns="">
+    <mc:Fallback xmlns="" xmlns:c="http://schemas.openxmlformats.org/drawingml/2006/chart" xmlns:dgm="http://schemas.openxmlformats.org/drawingml/2006/diagram" xmlns:dsp="http://schemas.microsoft.com/office/drawing/2008/diagram">
       <p:transition/>
     </mc:Fallback>
   </mc:AlternateContent>
@@ -9997,7 +9572,7 @@
     <mc:Choice Requires="p14">
       <p:transition/>
     </mc:Choice>
-    <mc:Fallback xmlns:dsp="http://schemas.microsoft.com/office/drawing/2008/diagram" xmlns:dgm="http://schemas.openxmlformats.org/drawingml/2006/diagram" xmlns:c="http://schemas.openxmlformats.org/drawingml/2006/chart" xmlns="">
+    <mc:Fallback xmlns="" xmlns:c="http://schemas.openxmlformats.org/drawingml/2006/chart" xmlns:dgm="http://schemas.openxmlformats.org/drawingml/2006/diagram" xmlns:dsp="http://schemas.microsoft.com/office/drawing/2008/diagram">
       <p:transition/>
     </mc:Fallback>
   </mc:AlternateContent>
@@ -10157,7 +9732,7 @@
     <mc:Choice Requires="p14">
       <p:transition/>
     </mc:Choice>
-    <mc:Fallback xmlns:dsp="http://schemas.microsoft.com/office/drawing/2008/diagram" xmlns:dgm="http://schemas.openxmlformats.org/drawingml/2006/diagram" xmlns:c="http://schemas.openxmlformats.org/drawingml/2006/chart" xmlns="">
+    <mc:Fallback xmlns="" xmlns:c="http://schemas.openxmlformats.org/drawingml/2006/chart" xmlns:dgm="http://schemas.openxmlformats.org/drawingml/2006/diagram" xmlns:dsp="http://schemas.microsoft.com/office/drawing/2008/diagram">
       <p:transition/>
     </mc:Fallback>
   </mc:AlternateContent>
@@ -10933,177 +10508,6 @@
           </a:p>
         </p:txBody>
       </p:sp>
-      <p:sp>
-        <p:nvSpPr>
-          <p:cNvPr id="17" name="TextBox 16">
-            <a:extLst>
-              <a:ext uri="{FF2B5EF4-FFF2-40B4-BE49-F238E27FC236}">
-                <a16:creationId xmlns:a16="http://schemas.microsoft.com/office/drawing/2014/main" id="{F37D43E7-4F81-AE8B-CEA0-F1269F114332}"/>
-              </a:ext>
-            </a:extLst>
-          </p:cNvPr>
-          <p:cNvSpPr txBox="1"/>
-          <p:nvPr/>
-        </p:nvSpPr>
-        <p:spPr>
-          <a:xfrm>
-            <a:off x="1268199" y="4545139"/>
-            <a:ext cx="9052478" cy="2062103"/>
-          </a:xfrm>
-          <a:prstGeom prst="rect">
-            <a:avLst/>
-          </a:prstGeom>
-        </p:spPr>
-        <p:txBody>
-          <a:bodyPr wrap="none" rtlCol="0">
-            <a:spAutoFit/>
-          </a:bodyPr>
-          <a:lstStyle/>
-          <a:p>
-            <a:r>
-              <a:rPr lang="en-US" altLang="ko-KR" sz="1600"/>
-              <a:t>[ </a:t>
-            </a:r>
-            <a:r>
-              <a:rPr lang="ko-KR" altLang="en-US" sz="1600"/>
-              <a:t>활용도 </a:t>
-            </a:r>
-            <a:r>
-              <a:rPr lang="en-US" altLang="ko-KR" sz="1600"/>
-              <a:t>] </a:t>
-            </a:r>
-          </a:p>
-          <a:p>
-            <a:r>
-              <a:rPr lang="en-US" altLang="ko-KR" sz="1600"/>
-              <a:t>- </a:t>
-            </a:r>
-            <a:r>
-              <a:rPr lang="ko-KR" altLang="en-US" sz="1600"/>
-              <a:t>선박</a:t>
-            </a:r>
-            <a:r>
-              <a:rPr lang="en-US" altLang="ko-KR" sz="1600"/>
-              <a:t>, </a:t>
-            </a:r>
-            <a:r>
-              <a:rPr lang="ko-KR" altLang="en-US" sz="1600"/>
-              <a:t>병원</a:t>
-            </a:r>
-            <a:r>
-              <a:rPr lang="en-US" altLang="ko-KR" sz="1600"/>
-              <a:t>, </a:t>
-            </a:r>
-            <a:r>
-              <a:rPr lang="ko-KR" altLang="en-US" sz="1600"/>
-              <a:t>항만 등 특정 위치에 고정적으로 정밀 착륙을 요구하는 특수 상황에서 충분히 활용 가능</a:t>
-            </a:r>
-            <a:endParaRPr lang="en-US" altLang="ko-KR" sz="1600"/>
-          </a:p>
-          <a:p>
-            <a:r>
-              <a:rPr lang="en-US" altLang="ko-KR" sz="1600"/>
-              <a:t>[ </a:t>
-            </a:r>
-            <a:r>
-              <a:rPr lang="ko-KR" altLang="en-US" sz="1600"/>
-              <a:t>기존 구조 개선 </a:t>
-            </a:r>
-            <a:r>
-              <a:rPr lang="en-US" altLang="ko-KR" sz="1600"/>
-              <a:t>]</a:t>
-            </a:r>
-          </a:p>
-          <a:p>
-            <a:pPr marL="285750" indent="-285750">
-              <a:buFontTx/>
-              <a:buChar char="-"/>
-            </a:pPr>
-            <a:r>
-              <a:rPr lang="ko-KR" altLang="en-US" sz="1600"/>
-              <a:t>기존의 마커를 활용한 정밀 착륙의 경우 장거리에서의 마커 인식을 요구하나</a:t>
-            </a:r>
-            <a:r>
-              <a:rPr lang="en-US" altLang="ko-KR" sz="1600"/>
-              <a:t>, </a:t>
-            </a:r>
-            <a:r>
-              <a:rPr lang="ko-KR" altLang="en-US" sz="1600"/>
-              <a:t>본 시스템의 경우 </a:t>
-            </a:r>
-            <a:endParaRPr lang="en-US" altLang="ko-KR" sz="1600"/>
-          </a:p>
-          <a:p>
-            <a:r>
-              <a:rPr lang="en-US" altLang="ko-KR" sz="1600"/>
-              <a:t>    </a:t>
-            </a:r>
-            <a:r>
-              <a:rPr lang="ko-KR" altLang="en-US" sz="1600"/>
-              <a:t>고 해상도 카메라 모듈을 요구하지 않음</a:t>
-            </a:r>
-            <a:r>
-              <a:rPr lang="en-US" altLang="ko-KR" sz="1600"/>
-              <a:t>.</a:t>
-            </a:r>
-          </a:p>
-          <a:p>
-            <a:pPr marL="285750" indent="-285750">
-              <a:buFontTx/>
-              <a:buChar char="-"/>
-            </a:pPr>
-            <a:r>
-              <a:rPr lang="ko-KR" altLang="en-US" sz="1600"/>
-              <a:t>기존 시스템인 </a:t>
-            </a:r>
-            <a:r>
-              <a:rPr lang="en-US" altLang="ko-KR" sz="1600"/>
-              <a:t>GPS</a:t>
-            </a:r>
-            <a:r>
-              <a:rPr lang="ko-KR" altLang="en-US" sz="1600"/>
-              <a:t>와 혼합하여 사용 시 더욱 효과적인 정밀 착륙을 수행할 수 있음</a:t>
-            </a:r>
-            <a:r>
-              <a:rPr lang="en-US" altLang="ko-KR" sz="1600"/>
-              <a:t>.</a:t>
-            </a:r>
-          </a:p>
-          <a:p>
-            <a:r>
-              <a:rPr lang="en-US" altLang="ko-KR" sz="1600"/>
-              <a:t>[ </a:t>
-            </a:r>
-            <a:r>
-              <a:rPr lang="ko-KR" altLang="en-US" sz="1600"/>
-              <a:t>인적 오류 예방 </a:t>
-            </a:r>
-            <a:r>
-              <a:rPr lang="en-US" altLang="ko-KR" sz="1600"/>
-              <a:t>]</a:t>
-            </a:r>
-          </a:p>
-          <a:p>
-            <a:pPr marL="285750" indent="-285750">
-              <a:buFontTx/>
-              <a:buChar char="-"/>
-            </a:pPr>
-            <a:r>
-              <a:rPr lang="ko-KR" altLang="en-US" sz="1600"/>
-              <a:t>자동 랜딩 기능으로 사용자 인적 오류 예방</a:t>
-            </a:r>
-            <a:r>
-              <a:rPr lang="en-US" altLang="ko-KR" sz="1600"/>
-              <a:t> </a:t>
-            </a:r>
-            <a:r>
-              <a:rPr lang="ko-KR" altLang="en-US" sz="1600"/>
-              <a:t>가능</a:t>
-            </a:r>
-            <a:endParaRPr lang="en-US" altLang="ko-KR" sz="1600"/>
-          </a:p>
-        </p:txBody>
-      </p:sp>
     </p:spTree>
   </p:cSld>
   <p:clrMapOvr>
@@ -11113,7 +10517,7 @@
     <mc:Choice Requires="p14">
       <p:transition/>
     </mc:Choice>
-    <mc:Fallback xmlns:dsp="http://schemas.microsoft.com/office/drawing/2008/diagram" xmlns:dgm="http://schemas.openxmlformats.org/drawingml/2006/diagram" xmlns:c="http://schemas.openxmlformats.org/drawingml/2006/chart" xmlns="">
+    <mc:Fallback xmlns="" xmlns:c="http://schemas.openxmlformats.org/drawingml/2006/chart" xmlns:dgm="http://schemas.openxmlformats.org/drawingml/2006/diagram" xmlns:dsp="http://schemas.microsoft.com/office/drawing/2008/diagram">
       <p:transition/>
     </mc:Fallback>
   </mc:AlternateContent>
@@ -11128,7 +10532,7 @@
         <p:cNvPr id="1" name="">
           <a:extLst>
             <a:ext uri="{FF2B5EF4-FFF2-40B4-BE49-F238E27FC236}">
-              <a16:creationId xmlns:a16="http://schemas.microsoft.com/office/drawing/2014/main" id="{0C7CFF38-2AB6-E327-BAB0-4251335F49A2}"/>
+              <a16:creationId xmlns:a16="http://schemas.microsoft.com/office/drawing/2014/main" id="{D244DC2A-5B4E-2857-B98F-9543C1320F82}"/>
             </a:ext>
           </a:extLst>
         </p:cNvPr>
@@ -11145,169 +10549,10 @@
       </p:grpSpPr>
       <p:sp>
         <p:nvSpPr>
-          <p:cNvPr id="27" name="TextBox 26">
-            <a:extLst>
-              <a:ext uri="{FF2B5EF4-FFF2-40B4-BE49-F238E27FC236}">
-                <a16:creationId xmlns:a16="http://schemas.microsoft.com/office/drawing/2014/main" id="{126592FD-3087-30BE-5816-C9EC22DE49B7}"/>
-              </a:ext>
-            </a:extLst>
-          </p:cNvPr>
-          <p:cNvSpPr txBox="1"/>
-          <p:nvPr/>
-        </p:nvSpPr>
-        <p:spPr>
-          <a:xfrm>
-            <a:off x="9566910" y="392049"/>
-            <a:ext cx="1259205" cy="243840"/>
-          </a:xfrm>
-          <a:prstGeom prst="rect">
-            <a:avLst/>
-          </a:prstGeom>
-        </p:spPr>
-        <p:txBody>
-          <a:bodyPr wrap="none">
-            <a:spAutoFit/>
-          </a:bodyPr>
-          <a:lstStyle/>
-          <a:p>
-            <a:pPr algn="ctr">
-              <a:defRPr/>
-            </a:pPr>
-            <a:r>
-              <a:rPr lang="ko-KR" altLang="en-US" sz="1000">
-                <a:solidFill>
-                  <a:srgbClr val="0F3158"/>
-                </a:solidFill>
-                <a:latin typeface="나눔스퀘어_ac ExtraBold"/>
-                <a:ea typeface="나눔스퀘어_ac ExtraBold"/>
-              </a:rPr>
-              <a:t>과목명 </a:t>
-            </a:r>
-            <a:r>
-              <a:rPr lang="en-US" altLang="ko-KR" sz="1000">
-                <a:solidFill>
-                  <a:srgbClr val="0F3158"/>
-                </a:solidFill>
-                <a:latin typeface="나눔스퀘어_ac ExtraBold"/>
-                <a:ea typeface="나눔스퀘어_ac ExtraBold"/>
-              </a:rPr>
-              <a:t>or </a:t>
-            </a:r>
-            <a:r>
-              <a:rPr lang="ko-KR" altLang="en-US" sz="1000">
-                <a:solidFill>
-                  <a:srgbClr val="0F3158"/>
-                </a:solidFill>
-                <a:latin typeface="나눔스퀘어_ac ExtraBold"/>
-                <a:ea typeface="나눔스퀘어_ac ExtraBold"/>
-              </a:rPr>
-              <a:t>프로젝트명</a:t>
-            </a:r>
-          </a:p>
-        </p:txBody>
-      </p:sp>
-      <p:sp>
-        <p:nvSpPr>
-          <p:cNvPr id="5" name="TextBox 4">
-            <a:extLst>
-              <a:ext uri="{FF2B5EF4-FFF2-40B4-BE49-F238E27FC236}">
-                <a16:creationId xmlns:a16="http://schemas.microsoft.com/office/drawing/2014/main" id="{20DC6FD1-4679-F23B-098A-D470697945E9}"/>
-              </a:ext>
-            </a:extLst>
-          </p:cNvPr>
-          <p:cNvSpPr txBox="1"/>
-          <p:nvPr/>
-        </p:nvSpPr>
-        <p:spPr>
-          <a:xfrm>
-            <a:off x="487081" y="392049"/>
-            <a:ext cx="1024640" cy="307777"/>
-          </a:xfrm>
-          <a:prstGeom prst="rect">
-            <a:avLst/>
-          </a:prstGeom>
-        </p:spPr>
-        <p:txBody>
-          <a:bodyPr wrap="none">
-            <a:spAutoFit/>
-          </a:bodyPr>
-          <a:lstStyle/>
-          <a:p>
-            <a:pPr algn="ctr">
-              <a:defRPr/>
-            </a:pPr>
-            <a:r>
-              <a:rPr lang="en-US" altLang="ko-KR" sz="1400">
-                <a:solidFill>
-                  <a:srgbClr val="0F3158"/>
-                </a:solidFill>
-                <a:latin typeface="나눔스퀘어_ac ExtraBold"/>
-                <a:ea typeface="나눔스퀘어_ac ExtraBold"/>
-              </a:rPr>
-              <a:t>01.</a:t>
-            </a:r>
-            <a:r>
-              <a:rPr lang="ko-KR" altLang="en-US" sz="1400">
-                <a:solidFill>
-                  <a:srgbClr val="0F3158"/>
-                </a:solidFill>
-                <a:latin typeface="나눔스퀘어_ac ExtraBold"/>
-                <a:ea typeface="나눔스퀘어_ac ExtraBold"/>
-              </a:rPr>
-              <a:t> 마무리</a:t>
-            </a:r>
-          </a:p>
-        </p:txBody>
-      </p:sp>
-      <p:sp>
-        <p:nvSpPr>
-          <p:cNvPr id="8" name="TextBox 7">
-            <a:extLst>
-              <a:ext uri="{FF2B5EF4-FFF2-40B4-BE49-F238E27FC236}">
-                <a16:creationId xmlns:a16="http://schemas.microsoft.com/office/drawing/2014/main" id="{D23BEBBF-32E7-4F45-76ED-0F16F67CF365}"/>
-              </a:ext>
-            </a:extLst>
-          </p:cNvPr>
-          <p:cNvSpPr txBox="1"/>
-          <p:nvPr/>
-        </p:nvSpPr>
-        <p:spPr>
-          <a:xfrm>
-            <a:off x="501435" y="615696"/>
-            <a:ext cx="646331" cy="276999"/>
-          </a:xfrm>
-          <a:prstGeom prst="rect">
-            <a:avLst/>
-          </a:prstGeom>
-        </p:spPr>
-        <p:txBody>
-          <a:bodyPr wrap="none">
-            <a:spAutoFit/>
-          </a:bodyPr>
-          <a:lstStyle/>
-          <a:p>
-            <a:pPr algn="ctr">
-              <a:defRPr/>
-            </a:pPr>
-            <a:r>
-              <a:rPr lang="ko-KR" altLang="en-US" sz="1200">
-                <a:solidFill>
-                  <a:srgbClr val="A9AAAA"/>
-                </a:solidFill>
-                <a:latin typeface="나눔스퀘어_ac Bold"/>
-                <a:ea typeface="나눔스퀘어_ac Bold"/>
-              </a:rPr>
-              <a:t>개선점</a:t>
-            </a:r>
-          </a:p>
-        </p:txBody>
-      </p:sp>
-      <p:sp>
-        <p:nvSpPr>
-          <p:cNvPr id="16" name="직사각형 15">
-            <a:extLst>
-              <a:ext uri="{FF2B5EF4-FFF2-40B4-BE49-F238E27FC236}">
-                <a16:creationId xmlns:a16="http://schemas.microsoft.com/office/drawing/2014/main" id="{83CADDC5-E497-DF43-1B88-B614F6D8A7E9}"/>
+          <p:cNvPr id="12" name="타원 11">
+            <a:extLst>
+              <a:ext uri="{FF2B5EF4-FFF2-40B4-BE49-F238E27FC236}">
+                <a16:creationId xmlns:a16="http://schemas.microsoft.com/office/drawing/2014/main" id="{2586D447-7439-1E53-B3E4-FEB08193B2AD}"/>
               </a:ext>
             </a:extLst>
           </p:cNvPr>
@@ -11316,17 +10561,17 @@
         </p:nvSpPr>
         <p:spPr>
           <a:xfrm>
-            <a:off x="439255" y="392049"/>
-            <a:ext cx="45720" cy="588645"/>
-          </a:xfrm>
-          <a:prstGeom prst="rect">
-            <a:avLst/>
-          </a:prstGeom>
-          <a:solidFill>
-            <a:srgbClr val="0F3158"/>
-          </a:solidFill>
-          <a:ln>
-            <a:noFill/>
+            <a:off x="2977964" y="2080207"/>
+            <a:ext cx="2340292" cy="2340292"/>
+          </a:xfrm>
+          <a:prstGeom prst="ellipse">
+            <a:avLst/>
+          </a:prstGeom>
+          <a:noFill/>
+          <a:ln w="76200">
+            <a:solidFill>
+              <a:srgbClr val="B7C1CD"/>
+            </a:solidFill>
           </a:ln>
         </p:spPr>
         <p:style>
@@ -11358,10 +10603,611 @@
           </a:p>
         </p:txBody>
       </p:sp>
+      <p:sp>
+        <p:nvSpPr>
+          <p:cNvPr id="13" name="직사각형 12">
+            <a:extLst>
+              <a:ext uri="{FF2B5EF4-FFF2-40B4-BE49-F238E27FC236}">
+                <a16:creationId xmlns:a16="http://schemas.microsoft.com/office/drawing/2014/main" id="{234F3548-1F6E-AD9D-28AC-374E1F392EE6}"/>
+              </a:ext>
+            </a:extLst>
+          </p:cNvPr>
+          <p:cNvSpPr/>
+          <p:nvPr/>
+        </p:nvSpPr>
+        <p:spPr>
+          <a:xfrm>
+            <a:off x="3669510" y="1835045"/>
+            <a:ext cx="957198" cy="605206"/>
+          </a:xfrm>
+          <a:prstGeom prst="rect">
+            <a:avLst/>
+          </a:prstGeom>
+          <a:solidFill>
+            <a:schemeClr val="lt1"/>
+          </a:solidFill>
+          <a:ln>
+            <a:noFill/>
+          </a:ln>
+        </p:spPr>
+        <p:style>
+          <a:lnRef idx="2">
+            <a:schemeClr val="accent1">
+              <a:shade val="20000"/>
+            </a:schemeClr>
+          </a:lnRef>
+          <a:fillRef idx="1">
+            <a:schemeClr val="accent1"/>
+          </a:fillRef>
+          <a:effectRef idx="0">
+            <a:schemeClr val="accent1"/>
+          </a:effectRef>
+          <a:fontRef idx="minor">
+            <a:schemeClr val="lt1"/>
+          </a:fontRef>
+        </p:style>
+        <p:txBody>
+          <a:bodyPr anchor="ctr"/>
+          <a:lstStyle/>
+          <a:p>
+            <a:pPr algn="ctr">
+              <a:defRPr/>
+            </a:pPr>
+            <a:endParaRPr lang="ko-KR" altLang="en-US">
+              <a:noFill/>
+            </a:endParaRPr>
+          </a:p>
+        </p:txBody>
+      </p:sp>
+      <p:sp>
+        <p:nvSpPr>
+          <p:cNvPr id="14" name="TextBox 13">
+            <a:extLst>
+              <a:ext uri="{FF2B5EF4-FFF2-40B4-BE49-F238E27FC236}">
+                <a16:creationId xmlns:a16="http://schemas.microsoft.com/office/drawing/2014/main" id="{6A6AEA65-2F09-E74F-EEDA-204509C50971}"/>
+              </a:ext>
+            </a:extLst>
+          </p:cNvPr>
+          <p:cNvSpPr txBox="1"/>
+          <p:nvPr/>
+        </p:nvSpPr>
+        <p:spPr>
+          <a:xfrm>
+            <a:off x="3878335" y="1936538"/>
+            <a:ext cx="485089" cy="414909"/>
+          </a:xfrm>
+          <a:prstGeom prst="rect">
+            <a:avLst/>
+          </a:prstGeom>
+        </p:spPr>
+        <p:txBody>
+          <a:bodyPr wrap="square">
+            <a:spAutoFit/>
+          </a:bodyPr>
+          <a:lstStyle/>
+          <a:p>
+            <a:pPr algn="ctr">
+              <a:defRPr/>
+            </a:pPr>
+            <a:r>
+              <a:rPr lang="en-US" altLang="ko-KR" sz="2100">
+                <a:solidFill>
+                  <a:srgbClr val="0F3158"/>
+                </a:solidFill>
+                <a:latin typeface="-윤고딕360"/>
+                <a:ea typeface="-윤고딕360"/>
+              </a:rPr>
+              <a:t>01</a:t>
+            </a:r>
+          </a:p>
+        </p:txBody>
+      </p:sp>
+      <p:sp>
+        <p:nvSpPr>
+          <p:cNvPr id="15" name="TextBox 14">
+            <a:extLst>
+              <a:ext uri="{FF2B5EF4-FFF2-40B4-BE49-F238E27FC236}">
+                <a16:creationId xmlns:a16="http://schemas.microsoft.com/office/drawing/2014/main" id="{B5978005-7DCC-87D8-26DB-39F33523B90D}"/>
+              </a:ext>
+            </a:extLst>
+          </p:cNvPr>
+          <p:cNvSpPr txBox="1"/>
+          <p:nvPr/>
+        </p:nvSpPr>
+        <p:spPr>
+          <a:xfrm>
+            <a:off x="3175974" y="3013249"/>
+            <a:ext cx="1944270" cy="507831"/>
+          </a:xfrm>
+          <a:prstGeom prst="rect">
+            <a:avLst/>
+          </a:prstGeom>
+        </p:spPr>
+        <p:txBody>
+          <a:bodyPr wrap="square">
+            <a:spAutoFit/>
+          </a:bodyPr>
+          <a:lstStyle/>
+          <a:p>
+            <a:pPr algn="ctr">
+              <a:defRPr/>
+            </a:pPr>
+            <a:r>
+              <a:rPr lang="ko-KR" altLang="en-US" sz="1350">
+                <a:solidFill>
+                  <a:srgbClr val="808080"/>
+                </a:solidFill>
+                <a:latin typeface="나눔스퀘어 Bold"/>
+                <a:ea typeface="나눔스퀘어 Bold"/>
+              </a:rPr>
+              <a:t>저가형 경량 모델로 </a:t>
+            </a:r>
+            <a:endParaRPr lang="en-US" altLang="ko-KR" sz="1350">
+              <a:solidFill>
+                <a:srgbClr val="808080"/>
+              </a:solidFill>
+              <a:latin typeface="나눔스퀘어 Bold"/>
+              <a:ea typeface="나눔스퀘어 Bold"/>
+            </a:endParaRPr>
+          </a:p>
+          <a:p>
+            <a:pPr algn="ctr">
+              <a:defRPr/>
+            </a:pPr>
+            <a:r>
+              <a:rPr lang="ko-KR" altLang="en-US" sz="1350">
+                <a:solidFill>
+                  <a:srgbClr val="808080"/>
+                </a:solidFill>
+                <a:latin typeface="나눔스퀘어 Bold"/>
+                <a:ea typeface="나눔스퀘어 Bold"/>
+              </a:rPr>
+              <a:t>재선정 후 테스트</a:t>
+            </a:r>
+            <a:endParaRPr lang="ko-KR" altLang="ko-KR" sz="1350">
+              <a:solidFill>
+                <a:srgbClr val="808080"/>
+              </a:solidFill>
+              <a:latin typeface="나눔스퀘어 Bold"/>
+              <a:ea typeface="나눔스퀘어 Bold"/>
+            </a:endParaRPr>
+          </a:p>
+        </p:txBody>
+      </p:sp>
+      <p:sp>
+        <p:nvSpPr>
+          <p:cNvPr id="23" name="타원 22">
+            <a:extLst>
+              <a:ext uri="{FF2B5EF4-FFF2-40B4-BE49-F238E27FC236}">
+                <a16:creationId xmlns:a16="http://schemas.microsoft.com/office/drawing/2014/main" id="{A07C78AC-D3FF-2C5E-1828-90BFAB03983A}"/>
+              </a:ext>
+            </a:extLst>
+          </p:cNvPr>
+          <p:cNvSpPr/>
+          <p:nvPr/>
+        </p:nvSpPr>
+        <p:spPr>
+          <a:xfrm>
+            <a:off x="5912331" y="2080207"/>
+            <a:ext cx="2340292" cy="2340292"/>
+          </a:xfrm>
+          <a:prstGeom prst="ellipse">
+            <a:avLst/>
+          </a:prstGeom>
+          <a:noFill/>
+          <a:ln w="76200">
+            <a:solidFill>
+              <a:srgbClr val="B7C1CD"/>
+            </a:solidFill>
+          </a:ln>
+        </p:spPr>
+        <p:style>
+          <a:lnRef idx="2">
+            <a:schemeClr val="accent1">
+              <a:shade val="20000"/>
+            </a:schemeClr>
+          </a:lnRef>
+          <a:fillRef idx="1">
+            <a:schemeClr val="accent1"/>
+          </a:fillRef>
+          <a:effectRef idx="0">
+            <a:schemeClr val="accent1"/>
+          </a:effectRef>
+          <a:fontRef idx="minor">
+            <a:schemeClr val="lt1"/>
+          </a:fontRef>
+        </p:style>
+        <p:txBody>
+          <a:bodyPr anchor="ctr"/>
+          <a:lstStyle/>
+          <a:p>
+            <a:pPr algn="ctr">
+              <a:defRPr/>
+            </a:pPr>
+            <a:endParaRPr lang="ko-KR" altLang="en-US">
+              <a:noFill/>
+            </a:endParaRPr>
+          </a:p>
+        </p:txBody>
+      </p:sp>
+      <p:sp>
+        <p:nvSpPr>
+          <p:cNvPr id="24" name="직사각형 23">
+            <a:extLst>
+              <a:ext uri="{FF2B5EF4-FFF2-40B4-BE49-F238E27FC236}">
+                <a16:creationId xmlns:a16="http://schemas.microsoft.com/office/drawing/2014/main" id="{19854A58-9EC9-9949-9324-6BF788040489}"/>
+              </a:ext>
+            </a:extLst>
+          </p:cNvPr>
+          <p:cNvSpPr/>
+          <p:nvPr/>
+        </p:nvSpPr>
+        <p:spPr>
+          <a:xfrm>
+            <a:off x="6603878" y="1835045"/>
+            <a:ext cx="957198" cy="605206"/>
+          </a:xfrm>
+          <a:prstGeom prst="rect">
+            <a:avLst/>
+          </a:prstGeom>
+          <a:solidFill>
+            <a:schemeClr val="lt1"/>
+          </a:solidFill>
+          <a:ln>
+            <a:noFill/>
+          </a:ln>
+        </p:spPr>
+        <p:style>
+          <a:lnRef idx="2">
+            <a:schemeClr val="accent1">
+              <a:shade val="20000"/>
+            </a:schemeClr>
+          </a:lnRef>
+          <a:fillRef idx="1">
+            <a:schemeClr val="accent1"/>
+          </a:fillRef>
+          <a:effectRef idx="0">
+            <a:schemeClr val="accent1"/>
+          </a:effectRef>
+          <a:fontRef idx="minor">
+            <a:schemeClr val="lt1"/>
+          </a:fontRef>
+        </p:style>
+        <p:txBody>
+          <a:bodyPr anchor="ctr"/>
+          <a:lstStyle/>
+          <a:p>
+            <a:pPr algn="ctr">
+              <a:defRPr/>
+            </a:pPr>
+            <a:endParaRPr lang="ko-KR" altLang="en-US">
+              <a:noFill/>
+            </a:endParaRPr>
+          </a:p>
+        </p:txBody>
+      </p:sp>
+      <p:sp>
+        <p:nvSpPr>
+          <p:cNvPr id="25" name="TextBox 24">
+            <a:extLst>
+              <a:ext uri="{FF2B5EF4-FFF2-40B4-BE49-F238E27FC236}">
+                <a16:creationId xmlns:a16="http://schemas.microsoft.com/office/drawing/2014/main" id="{C28A6013-0C83-3105-2C07-088FF69F2FB2}"/>
+              </a:ext>
+            </a:extLst>
+          </p:cNvPr>
+          <p:cNvSpPr txBox="1"/>
+          <p:nvPr/>
+        </p:nvSpPr>
+        <p:spPr>
+          <a:xfrm>
+            <a:off x="6839932" y="1936189"/>
+            <a:ext cx="485089" cy="414909"/>
+          </a:xfrm>
+          <a:prstGeom prst="rect">
+            <a:avLst/>
+          </a:prstGeom>
+        </p:spPr>
+        <p:txBody>
+          <a:bodyPr wrap="square">
+            <a:spAutoFit/>
+          </a:bodyPr>
+          <a:lstStyle/>
+          <a:p>
+            <a:pPr algn="ctr">
+              <a:defRPr/>
+            </a:pPr>
+            <a:r>
+              <a:rPr lang="en-US" altLang="ko-KR" sz="2100">
+                <a:solidFill>
+                  <a:srgbClr val="0F3158"/>
+                </a:solidFill>
+                <a:latin typeface="-윤고딕360"/>
+                <a:ea typeface="-윤고딕360"/>
+              </a:rPr>
+              <a:t>02</a:t>
+            </a:r>
+          </a:p>
+        </p:txBody>
+      </p:sp>
+      <p:sp>
+        <p:nvSpPr>
+          <p:cNvPr id="26" name="TextBox 25">
+            <a:extLst>
+              <a:ext uri="{FF2B5EF4-FFF2-40B4-BE49-F238E27FC236}">
+                <a16:creationId xmlns:a16="http://schemas.microsoft.com/office/drawing/2014/main" id="{D8A9E371-84B6-CE2E-A936-20862D62D8CC}"/>
+              </a:ext>
+            </a:extLst>
+          </p:cNvPr>
+          <p:cNvSpPr txBox="1"/>
+          <p:nvPr/>
+        </p:nvSpPr>
+        <p:spPr>
+          <a:xfrm>
+            <a:off x="6392073" y="2996437"/>
+            <a:ext cx="1407907" cy="507831"/>
+          </a:xfrm>
+          <a:prstGeom prst="rect">
+            <a:avLst/>
+          </a:prstGeom>
+        </p:spPr>
+        <p:txBody>
+          <a:bodyPr wrap="square">
+            <a:spAutoFit/>
+          </a:bodyPr>
+          <a:lstStyle/>
+          <a:p>
+            <a:pPr algn="ctr">
+              <a:defRPr/>
+            </a:pPr>
+            <a:r>
+              <a:rPr lang="en-US" altLang="ko-KR" sz="1350">
+                <a:solidFill>
+                  <a:srgbClr val="808080"/>
+                </a:solidFill>
+                <a:latin typeface="나눔스퀘어 Bold"/>
+                <a:ea typeface="나눔스퀘어 Bold"/>
+              </a:rPr>
+              <a:t>MissionPlanner</a:t>
+            </a:r>
+            <a:r>
+              <a:rPr lang="ko-KR" altLang="en-US" sz="1350">
+                <a:solidFill>
+                  <a:srgbClr val="808080"/>
+                </a:solidFill>
+                <a:latin typeface="나눔스퀘어 Bold"/>
+                <a:ea typeface="나눔스퀘어 Bold"/>
+              </a:rPr>
+              <a:t>종속적</a:t>
+            </a:r>
+            <a:endParaRPr lang="ko-KR" altLang="ko-KR" sz="1350">
+              <a:solidFill>
+                <a:srgbClr val="808080"/>
+              </a:solidFill>
+              <a:latin typeface="나눔스퀘어 Bold"/>
+              <a:ea typeface="나눔스퀘어 Bold"/>
+            </a:endParaRPr>
+          </a:p>
+        </p:txBody>
+      </p:sp>
+      <p:sp>
+        <p:nvSpPr>
+          <p:cNvPr id="27" name="TextBox 26">
+            <a:extLst>
+              <a:ext uri="{FF2B5EF4-FFF2-40B4-BE49-F238E27FC236}">
+                <a16:creationId xmlns:a16="http://schemas.microsoft.com/office/drawing/2014/main" id="{B9F280A1-B9DB-FA6B-8BF6-254A4D95576B}"/>
+              </a:ext>
+            </a:extLst>
+          </p:cNvPr>
+          <p:cNvSpPr txBox="1"/>
+          <p:nvPr/>
+        </p:nvSpPr>
+        <p:spPr>
+          <a:xfrm>
+            <a:off x="9566910" y="392049"/>
+            <a:ext cx="1259205" cy="243840"/>
+          </a:xfrm>
+          <a:prstGeom prst="rect">
+            <a:avLst/>
+          </a:prstGeom>
+        </p:spPr>
+        <p:txBody>
+          <a:bodyPr wrap="none">
+            <a:spAutoFit/>
+          </a:bodyPr>
+          <a:lstStyle/>
+          <a:p>
+            <a:pPr algn="ctr">
+              <a:defRPr/>
+            </a:pPr>
+            <a:r>
+              <a:rPr lang="ko-KR" altLang="en-US" sz="1000">
+                <a:solidFill>
+                  <a:srgbClr val="0F3158"/>
+                </a:solidFill>
+                <a:latin typeface="나눔스퀘어_ac ExtraBold"/>
+                <a:ea typeface="나눔스퀘어_ac ExtraBold"/>
+              </a:rPr>
+              <a:t>과목명 </a:t>
+            </a:r>
+            <a:r>
+              <a:rPr lang="en-US" altLang="ko-KR" sz="1000">
+                <a:solidFill>
+                  <a:srgbClr val="0F3158"/>
+                </a:solidFill>
+                <a:latin typeface="나눔스퀘어_ac ExtraBold"/>
+                <a:ea typeface="나눔스퀘어_ac ExtraBold"/>
+              </a:rPr>
+              <a:t>or </a:t>
+            </a:r>
+            <a:r>
+              <a:rPr lang="ko-KR" altLang="en-US" sz="1000">
+                <a:solidFill>
+                  <a:srgbClr val="0F3158"/>
+                </a:solidFill>
+                <a:latin typeface="나눔스퀘어_ac ExtraBold"/>
+                <a:ea typeface="나눔스퀘어_ac ExtraBold"/>
+              </a:rPr>
+              <a:t>프로젝트명</a:t>
+            </a:r>
+          </a:p>
+        </p:txBody>
+      </p:sp>
+      <p:sp>
+        <p:nvSpPr>
+          <p:cNvPr id="5" name="TextBox 4">
+            <a:extLst>
+              <a:ext uri="{FF2B5EF4-FFF2-40B4-BE49-F238E27FC236}">
+                <a16:creationId xmlns:a16="http://schemas.microsoft.com/office/drawing/2014/main" id="{81261A72-B7A1-28C1-DC43-63CA10B5BFA4}"/>
+              </a:ext>
+            </a:extLst>
+          </p:cNvPr>
+          <p:cNvSpPr txBox="1"/>
+          <p:nvPr/>
+        </p:nvSpPr>
+        <p:spPr>
+          <a:xfrm>
+            <a:off x="487081" y="392049"/>
+            <a:ext cx="1024640" cy="307777"/>
+          </a:xfrm>
+          <a:prstGeom prst="rect">
+            <a:avLst/>
+          </a:prstGeom>
+        </p:spPr>
+        <p:txBody>
+          <a:bodyPr wrap="none">
+            <a:spAutoFit/>
+          </a:bodyPr>
+          <a:lstStyle/>
+          <a:p>
+            <a:pPr algn="ctr">
+              <a:defRPr/>
+            </a:pPr>
+            <a:r>
+              <a:rPr lang="en-US" altLang="ko-KR" sz="1400">
+                <a:solidFill>
+                  <a:srgbClr val="0F3158"/>
+                </a:solidFill>
+                <a:latin typeface="나눔스퀘어_ac ExtraBold"/>
+                <a:ea typeface="나눔스퀘어_ac ExtraBold"/>
+              </a:rPr>
+              <a:t>01.</a:t>
+            </a:r>
+            <a:r>
+              <a:rPr lang="ko-KR" altLang="en-US" sz="1400">
+                <a:solidFill>
+                  <a:srgbClr val="0F3158"/>
+                </a:solidFill>
+                <a:latin typeface="나눔스퀘어_ac ExtraBold"/>
+                <a:ea typeface="나눔스퀘어_ac ExtraBold"/>
+              </a:rPr>
+              <a:t> 마무리</a:t>
+            </a:r>
+          </a:p>
+        </p:txBody>
+      </p:sp>
+      <p:sp>
+        <p:nvSpPr>
+          <p:cNvPr id="8" name="TextBox 7">
+            <a:extLst>
+              <a:ext uri="{FF2B5EF4-FFF2-40B4-BE49-F238E27FC236}">
+                <a16:creationId xmlns:a16="http://schemas.microsoft.com/office/drawing/2014/main" id="{4251FE6A-A68F-5CE0-F6F2-99926954E812}"/>
+              </a:ext>
+            </a:extLst>
+          </p:cNvPr>
+          <p:cNvSpPr txBox="1"/>
+          <p:nvPr/>
+        </p:nvSpPr>
+        <p:spPr>
+          <a:xfrm>
+            <a:off x="467739" y="615696"/>
+            <a:ext cx="1008610" cy="276999"/>
+          </a:xfrm>
+          <a:prstGeom prst="rect">
+            <a:avLst/>
+          </a:prstGeom>
+        </p:spPr>
+        <p:txBody>
+          <a:bodyPr wrap="none">
+            <a:spAutoFit/>
+          </a:bodyPr>
+          <a:lstStyle/>
+          <a:p>
+            <a:pPr algn="ctr">
+              <a:defRPr/>
+            </a:pPr>
+            <a:r>
+              <a:rPr lang="ko-KR" altLang="en-US" sz="1200">
+                <a:solidFill>
+                  <a:srgbClr val="A9AAAA"/>
+                </a:solidFill>
+                <a:latin typeface="나눔스퀘어_ac Bold"/>
+                <a:ea typeface="나눔스퀘어_ac Bold"/>
+              </a:rPr>
+              <a:t>추후 개선점</a:t>
+            </a:r>
+          </a:p>
+        </p:txBody>
+      </p:sp>
+      <p:sp>
+        <p:nvSpPr>
+          <p:cNvPr id="16" name="직사각형 15">
+            <a:extLst>
+              <a:ext uri="{FF2B5EF4-FFF2-40B4-BE49-F238E27FC236}">
+                <a16:creationId xmlns:a16="http://schemas.microsoft.com/office/drawing/2014/main" id="{781D8C53-6DBB-1615-0910-D1B91234E5DF}"/>
+              </a:ext>
+            </a:extLst>
+          </p:cNvPr>
+          <p:cNvSpPr/>
+          <p:nvPr/>
+        </p:nvSpPr>
+        <p:spPr>
+          <a:xfrm>
+            <a:off x="439255" y="392049"/>
+            <a:ext cx="45720" cy="588645"/>
+          </a:xfrm>
+          <a:prstGeom prst="rect">
+            <a:avLst/>
+          </a:prstGeom>
+          <a:solidFill>
+            <a:srgbClr val="0F3158"/>
+          </a:solidFill>
+          <a:ln>
+            <a:noFill/>
+          </a:ln>
+        </p:spPr>
+        <p:style>
+          <a:lnRef idx="2">
+            <a:schemeClr val="accent1">
+              <a:shade val="20000"/>
+            </a:schemeClr>
+          </a:lnRef>
+          <a:fillRef idx="1">
+            <a:schemeClr val="accent1"/>
+          </a:fillRef>
+          <a:effectRef idx="0">
+            <a:schemeClr val="accent1"/>
+          </a:effectRef>
+          <a:fontRef idx="minor">
+            <a:schemeClr val="lt1"/>
+          </a:fontRef>
+        </p:style>
+        <p:txBody>
+          <a:bodyPr anchor="ctr"/>
+          <a:lstStyle/>
+          <a:p>
+            <a:pPr algn="ctr">
+              <a:defRPr/>
+            </a:pPr>
+            <a:endParaRPr lang="ko-KR" altLang="en-US">
+              <a:noFill/>
+            </a:endParaRPr>
+          </a:p>
+        </p:txBody>
+      </p:sp>
     </p:spTree>
     <p:extLst>
       <p:ext uri="{BB962C8B-B14F-4D97-AF65-F5344CB8AC3E}">
-        <p14:creationId xmlns:p14="http://schemas.microsoft.com/office/powerpoint/2010/main" val="3093078514"/>
+        <p14:creationId xmlns:p14="http://schemas.microsoft.com/office/powerpoint/2010/main" val="4050390559"/>
       </p:ext>
     </p:extLst>
   </p:cSld>
@@ -11372,7 +11218,7 @@
     <mc:Choice Requires="p14">
       <p:transition/>
     </mc:Choice>
-    <mc:Fallback xmlns:dsp="http://schemas.microsoft.com/office/drawing/2008/diagram" xmlns:dgm="http://schemas.openxmlformats.org/drawingml/2006/diagram" xmlns:c="http://schemas.openxmlformats.org/drawingml/2006/chart" xmlns="">
+    <mc:Fallback xmlns="" xmlns:c="http://schemas.openxmlformats.org/drawingml/2006/chart" xmlns:dgm="http://schemas.openxmlformats.org/drawingml/2006/diagram" xmlns:dsp="http://schemas.microsoft.com/office/drawing/2008/diagram">
       <p:transition/>
     </mc:Fallback>
   </mc:AlternateContent>
@@ -12331,7 +12177,7 @@
     <mc:Choice Requires="p14">
       <p:transition/>
     </mc:Choice>
-    <mc:Fallback xmlns:dsp="http://schemas.microsoft.com/office/drawing/2008/diagram" xmlns:dgm="http://schemas.openxmlformats.org/drawingml/2006/diagram" xmlns:c="http://schemas.openxmlformats.org/drawingml/2006/chart" xmlns="">
+    <mc:Fallback xmlns="" xmlns:c="http://schemas.openxmlformats.org/drawingml/2006/chart" xmlns:dgm="http://schemas.openxmlformats.org/drawingml/2006/diagram" xmlns:dsp="http://schemas.microsoft.com/office/drawing/2008/diagram">
       <p:transition/>
     </mc:Fallback>
   </mc:AlternateContent>
@@ -12357,1130 +12203,6 @@
       </p:grpSpPr>
       <p:sp>
         <p:nvSpPr>
-          <p:cNvPr id="12" name="TextBox 11"/>
-          <p:cNvSpPr txBox="1"/>
-          <p:nvPr/>
-        </p:nvSpPr>
-        <p:spPr>
-          <a:xfrm>
-            <a:off x="511264" y="392049"/>
-            <a:ext cx="820331" cy="300609"/>
-          </a:xfrm>
-          <a:prstGeom prst="rect">
-            <a:avLst/>
-          </a:prstGeom>
-        </p:spPr>
-        <p:txBody>
-          <a:bodyPr wrap="none">
-            <a:spAutoFit/>
-          </a:bodyPr>
-          <a:lstStyle/>
-          <a:p>
-            <a:pPr algn="ctr">
-              <a:defRPr/>
-            </a:pPr>
-            <a:r>
-              <a:rPr lang="en-US" altLang="ko-KR" sz="1400">
-                <a:solidFill>
-                  <a:srgbClr val="0F3158"/>
-                </a:solidFill>
-                <a:latin typeface="나눔스퀘어_ac ExtraBold"/>
-                <a:ea typeface="나눔스퀘어_ac ExtraBold"/>
-              </a:rPr>
-              <a:t>01.</a:t>
-            </a:r>
-            <a:r>
-              <a:rPr lang="ko-KR" altLang="en-US" sz="1400">
-                <a:solidFill>
-                  <a:srgbClr val="0F3158"/>
-                </a:solidFill>
-                <a:latin typeface="나눔스퀘어_ac ExtraBold"/>
-                <a:ea typeface="나눔스퀘어_ac ExtraBold"/>
-              </a:rPr>
-              <a:t> 주제</a:t>
-            </a:r>
-          </a:p>
-        </p:txBody>
-      </p:sp>
-      <p:sp>
-        <p:nvSpPr>
-          <p:cNvPr id="13" name="TextBox 12"/>
-          <p:cNvSpPr txBox="1"/>
-          <p:nvPr/>
-        </p:nvSpPr>
-        <p:spPr>
-          <a:xfrm>
-            <a:off x="511264" y="615696"/>
-            <a:ext cx="1077506" cy="364998"/>
-          </a:xfrm>
-          <a:prstGeom prst="rect">
-            <a:avLst/>
-          </a:prstGeom>
-        </p:spPr>
-        <p:txBody>
-          <a:bodyPr wrap="none">
-            <a:spAutoFit/>
-          </a:bodyPr>
-          <a:lstStyle/>
-          <a:p>
-            <a:pPr algn="ctr">
-              <a:defRPr/>
-            </a:pPr>
-            <a:r>
-              <a:rPr lang="ko-KR" altLang="en-US" sz="1200">
-                <a:solidFill>
-                  <a:srgbClr val="A9AAAA"/>
-                </a:solidFill>
-                <a:latin typeface="나눔스퀘어_ac Bold"/>
-                <a:ea typeface="나눔스퀘어_ac Bold"/>
-              </a:rPr>
-              <a:t>소주제</a:t>
-            </a:r>
-            <a:r>
-              <a:rPr lang="ko-KR" altLang="en-US">
-                <a:solidFill>
-                  <a:srgbClr val="A9AAAA"/>
-                </a:solidFill>
-                <a:latin typeface="나눔스퀘어_ac Bold"/>
-                <a:ea typeface="나눔스퀘어_ac Bold"/>
-              </a:rPr>
-              <a:t> </a:t>
-            </a:r>
-            <a:r>
-              <a:rPr lang="ko-KR" altLang="en-US" sz="1200">
-                <a:solidFill>
-                  <a:srgbClr val="A9AAAA"/>
-                </a:solidFill>
-                <a:latin typeface="나눔스퀘어_ac Bold"/>
-                <a:ea typeface="나눔스퀘어_ac Bold"/>
-              </a:rPr>
-              <a:t>및 설명</a:t>
-            </a:r>
-          </a:p>
-        </p:txBody>
-      </p:sp>
-      <p:sp>
-        <p:nvSpPr>
-          <p:cNvPr id="15" name="직사각형 14"/>
-          <p:cNvSpPr/>
-          <p:nvPr/>
-        </p:nvSpPr>
-        <p:spPr>
-          <a:xfrm>
-            <a:off x="439255" y="392049"/>
-            <a:ext cx="45720" cy="588645"/>
-          </a:xfrm>
-          <a:prstGeom prst="rect">
-            <a:avLst/>
-          </a:prstGeom>
-          <a:solidFill>
-            <a:srgbClr val="0F3158"/>
-          </a:solidFill>
-          <a:ln>
-            <a:noFill/>
-          </a:ln>
-        </p:spPr>
-        <p:style>
-          <a:lnRef idx="2">
-            <a:schemeClr val="accent1">
-              <a:shade val="20000"/>
-            </a:schemeClr>
-          </a:lnRef>
-          <a:fillRef idx="1">
-            <a:schemeClr val="accent1"/>
-          </a:fillRef>
-          <a:effectRef idx="0">
-            <a:schemeClr val="accent1"/>
-          </a:effectRef>
-          <a:fontRef idx="minor">
-            <a:schemeClr val="lt1"/>
-          </a:fontRef>
-        </p:style>
-        <p:txBody>
-          <a:bodyPr anchor="ctr"/>
-          <a:lstStyle/>
-          <a:p>
-            <a:pPr algn="ctr">
-              <a:defRPr/>
-            </a:pPr>
-            <a:endParaRPr lang="ko-KR" altLang="en-US">
-              <a:noFill/>
-            </a:endParaRPr>
-          </a:p>
-        </p:txBody>
-      </p:sp>
-      <p:grpSp>
-        <p:nvGrpSpPr>
-          <p:cNvPr id="21" name="그룹 20"/>
-          <p:cNvGrpSpPr/>
-          <p:nvPr/>
-        </p:nvGrpSpPr>
-        <p:grpSpPr>
-          <a:xfrm>
-            <a:off x="6199975" y="3055620"/>
-            <a:ext cx="3805212" cy="1525524"/>
-            <a:chOff x="6199975" y="3055620"/>
-            <a:chExt cx="3805212" cy="1525524"/>
-          </a:xfrm>
-        </p:grpSpPr>
-        <p:sp>
-          <p:nvSpPr>
-            <p:cNvPr id="17" name="TextBox 16"/>
-            <p:cNvSpPr txBox="1"/>
-            <p:nvPr/>
-          </p:nvSpPr>
-          <p:spPr>
-            <a:xfrm>
-              <a:off x="6199975" y="3055620"/>
-              <a:ext cx="2374587" cy="390525"/>
-            </a:xfrm>
-            <a:prstGeom prst="rect">
-              <a:avLst/>
-            </a:prstGeom>
-          </p:spPr>
-          <p:txBody>
-            <a:bodyPr wrap="square">
-              <a:spAutoFit/>
-            </a:bodyPr>
-            <a:lstStyle/>
-            <a:p>
-              <a:pPr>
-                <a:defRPr/>
-              </a:pPr>
-              <a:r>
-                <a:rPr lang="ko-KR" altLang="en-US" sz="2000">
-                  <a:solidFill>
-                    <a:srgbClr val="555554"/>
-                  </a:solidFill>
-                  <a:latin typeface="나눔스퀘어_ac ExtraBold"/>
-                  <a:ea typeface="나눔스퀘어_ac ExtraBold"/>
-                </a:rPr>
-                <a:t>제목을 입력하세요</a:t>
-              </a:r>
-              <a:r>
-                <a:rPr lang="en-US" altLang="ko-KR">
-                  <a:solidFill>
-                    <a:srgbClr val="555554"/>
-                  </a:solidFill>
-                  <a:latin typeface="나눔스퀘어_ac ExtraBold"/>
-                  <a:ea typeface="나눔스퀘어_ac ExtraBold"/>
-                </a:rPr>
-                <a:t>.</a:t>
-              </a:r>
-            </a:p>
-          </p:txBody>
-        </p:sp>
-        <p:sp>
-          <p:nvSpPr>
-            <p:cNvPr id="18" name="TextBox 17"/>
-            <p:cNvSpPr txBox="1"/>
-            <p:nvPr/>
-          </p:nvSpPr>
-          <p:spPr>
-            <a:xfrm>
-              <a:off x="6199975" y="3576626"/>
-              <a:ext cx="3805212" cy="1004518"/>
-            </a:xfrm>
-            <a:prstGeom prst="rect">
-              <a:avLst/>
-            </a:prstGeom>
-          </p:spPr>
-          <p:txBody>
-            <a:bodyPr wrap="square">
-              <a:spAutoFit/>
-            </a:bodyPr>
-            <a:lstStyle/>
-            <a:p>
-              <a:pPr>
-                <a:defRPr/>
-              </a:pPr>
-              <a:r>
-                <a:rPr lang="en-US" altLang="ko-KR" sz="1000">
-                  <a:solidFill>
-                    <a:srgbClr val="808080"/>
-                  </a:solidFill>
-                  <a:latin typeface="나눔스퀘어_ac Bold"/>
-                  <a:ea typeface="나눔스퀘어_ac Bold"/>
-                </a:rPr>
-                <a:t>-</a:t>
-              </a:r>
-              <a:r>
-                <a:rPr lang="ko-KR" altLang="en-US" sz="1000">
-                  <a:solidFill>
-                    <a:srgbClr val="808080"/>
-                  </a:solidFill>
-                  <a:latin typeface="나눔스퀘어_ac Bold"/>
-                  <a:ea typeface="나눔스퀘어_ac Bold"/>
-                </a:rPr>
-                <a:t> 십리도 못 가서 발병난다. 내가 그의 이름을 불러 주었을 때 </a:t>
-              </a:r>
-            </a:p>
-            <a:p>
-              <a:pPr>
-                <a:defRPr/>
-              </a:pPr>
-              <a:r>
-                <a:rPr lang="en-US" altLang="ko-KR" sz="1000">
-                  <a:solidFill>
-                    <a:srgbClr val="808080"/>
-                  </a:solidFill>
-                  <a:latin typeface="나눔스퀘어_ac Bold"/>
-                  <a:ea typeface="나눔스퀘어_ac Bold"/>
-                </a:rPr>
-                <a:t>-</a:t>
-              </a:r>
-              <a:r>
-                <a:rPr lang="ko-KR" altLang="en-US" sz="1000">
-                  <a:solidFill>
-                    <a:srgbClr val="808080"/>
-                  </a:solidFill>
-                  <a:latin typeface="나눔스퀘어_ac Bold"/>
-                  <a:ea typeface="나눔스퀘어_ac Bold"/>
-                </a:rPr>
-                <a:t> 그는  돌같이 하라 뭉치면 살고 흩어지면 죽는다. 이 몸이 죽고 죽어 </a:t>
-              </a:r>
-            </a:p>
-            <a:p>
-              <a:pPr>
-                <a:defRPr/>
-              </a:pPr>
-              <a:r>
-                <a:rPr lang="en-US" altLang="ko-KR" sz="1000">
-                  <a:solidFill>
-                    <a:srgbClr val="808080"/>
-                  </a:solidFill>
-                  <a:latin typeface="나눔스퀘어_ac Bold"/>
-                  <a:ea typeface="나눔스퀘어_ac Bold"/>
-                </a:rPr>
-                <a:t>-</a:t>
-              </a:r>
-              <a:r>
-                <a:rPr lang="ko-KR" altLang="en-US" sz="1000">
-                  <a:solidFill>
-                    <a:srgbClr val="808080"/>
-                  </a:solidFill>
-                  <a:latin typeface="나눔스퀘어_ac Bold"/>
-                  <a:ea typeface="나눔스퀘어_ac Bold"/>
-                </a:rPr>
-                <a:t> 일백번 고쳐 죽어고 임 향한 일편단심 가실 줄이 있으랴. 관용은 미덕이다.</a:t>
-              </a:r>
-            </a:p>
-            <a:p>
-              <a:pPr>
-                <a:defRPr/>
-              </a:pPr>
-              <a:r>
-                <a:rPr lang="en-US" altLang="ko-KR" sz="1000">
-                  <a:solidFill>
-                    <a:srgbClr val="808080"/>
-                  </a:solidFill>
-                  <a:latin typeface="나눔스퀘어_ac Bold"/>
-                  <a:ea typeface="나눔스퀘어_ac Bold"/>
-                </a:rPr>
-                <a:t>-</a:t>
-              </a:r>
-              <a:r>
-                <a:rPr lang="ko-KR" altLang="en-US" sz="1000">
-                  <a:solidFill>
-                    <a:srgbClr val="808080"/>
-                  </a:solidFill>
-                  <a:latin typeface="나눔스퀘어_ac Bold"/>
-                  <a:ea typeface="나눔스퀘어_ac Bold"/>
-                </a:rPr>
-                <a:t> 십리도 못 가서 발병난다. 내가 그의 이름을 불러 주었을 때 </a:t>
-              </a:r>
-            </a:p>
-            <a:p>
-              <a:pPr>
-                <a:defRPr/>
-              </a:pPr>
-              <a:r>
-                <a:rPr lang="en-US" altLang="ko-KR" sz="1000">
-                  <a:solidFill>
-                    <a:srgbClr val="808080"/>
-                  </a:solidFill>
-                  <a:latin typeface="나눔스퀘어_ac Bold"/>
-                  <a:ea typeface="나눔스퀘어_ac Bold"/>
-                </a:rPr>
-                <a:t>-</a:t>
-              </a:r>
-              <a:r>
-                <a:rPr lang="ko-KR" altLang="en-US" sz="1000">
-                  <a:solidFill>
-                    <a:srgbClr val="808080"/>
-                  </a:solidFill>
-                  <a:latin typeface="나눔스퀘어_ac Bold"/>
-                  <a:ea typeface="나눔스퀘어_ac Bold"/>
-                </a:rPr>
-                <a:t> 그는  돌같이 하라 뭉치면 살고 흩어지면 죽는다. 이 몸이 죽고 죽어 </a:t>
-              </a:r>
-            </a:p>
-            <a:p>
-              <a:pPr>
-                <a:defRPr/>
-              </a:pPr>
-              <a:r>
-                <a:rPr lang="en-US" altLang="ko-KR" sz="1000">
-                  <a:solidFill>
-                    <a:srgbClr val="808080"/>
-                  </a:solidFill>
-                  <a:latin typeface="나눔스퀘어_ac Bold"/>
-                  <a:ea typeface="나눔스퀘어_ac Bold"/>
-                </a:rPr>
-                <a:t>-</a:t>
-              </a:r>
-              <a:r>
-                <a:rPr lang="ko-KR" altLang="en-US" sz="1000">
-                  <a:solidFill>
-                    <a:srgbClr val="808080"/>
-                  </a:solidFill>
-                  <a:latin typeface="나눔스퀘어_ac Bold"/>
-                  <a:ea typeface="나눔스퀘어_ac Bold"/>
-                </a:rPr>
-                <a:t> 일백번 고쳐 죽어고 임 향한 일편단심 가실 줄이 있으랴. 관용은 미덕이다</a:t>
-              </a:r>
-              <a:r>
-                <a:rPr lang="en-US" altLang="ko-KR" sz="1000">
-                  <a:solidFill>
-                    <a:srgbClr val="808080"/>
-                  </a:solidFill>
-                  <a:latin typeface="나눔스퀘어_ac Bold"/>
-                  <a:ea typeface="나눔스퀘어_ac Bold"/>
-                </a:rPr>
-                <a:t>.</a:t>
-              </a:r>
-              <a:r>
-                <a:rPr lang="ko-KR" altLang="en-US" sz="1000">
-                  <a:solidFill>
-                    <a:srgbClr val="808080"/>
-                  </a:solidFill>
-                  <a:latin typeface="나눔스퀘어_ac Bold"/>
-                  <a:ea typeface="나눔스퀘어_ac Bold"/>
-                </a:rPr>
-                <a:t> </a:t>
-              </a:r>
-            </a:p>
-          </p:txBody>
-        </p:sp>
-      </p:grpSp>
-      <p:grpSp>
-        <p:nvGrpSpPr>
-          <p:cNvPr id="20" name="그룹 19"/>
-          <p:cNvGrpSpPr>
-            <a:grpSpLocks/>
-          </p:cNvGrpSpPr>
-          <p:nvPr/>
-        </p:nvGrpSpPr>
-        <p:grpSpPr>
-          <a:xfrm>
-            <a:off x="871309" y="1969785"/>
-            <a:ext cx="4752594" cy="3835512"/>
-            <a:chOff x="3391624" y="1556766"/>
-            <a:chExt cx="4752594" cy="3835512"/>
-          </a:xfrm>
-        </p:grpSpPr>
-        <p:graphicFrame>
-          <p:nvGraphicFramePr>
-            <p:cNvPr id="6" name="차트 6"/>
-            <p:cNvGraphicFramePr/>
-            <p:nvPr/>
-          </p:nvGraphicFramePr>
-          <p:xfrm>
-            <a:off x="3391624" y="1556766"/>
-            <a:ext cx="4752594" cy="3835512"/>
-          </p:xfrm>
-          <a:graphic>
-            <a:graphicData uri="http://schemas.openxmlformats.org/drawingml/2006/chart">
-              <c:chart xmlns:c="http://schemas.openxmlformats.org/drawingml/2006/chart" xmlns:r="http://schemas.openxmlformats.org/officeDocument/2006/relationships" r:id="rId2"/>
-            </a:graphicData>
-          </a:graphic>
-        </p:graphicFrame>
-        <p:sp>
-          <p:nvSpPr>
-            <p:cNvPr id="19" name="TextBox 18"/>
-            <p:cNvSpPr txBox="1"/>
-            <p:nvPr/>
-          </p:nvSpPr>
-          <p:spPr>
-            <a:xfrm>
-              <a:off x="6632029" y="4653915"/>
-              <a:ext cx="935341" cy="215265"/>
-            </a:xfrm>
-            <a:prstGeom prst="rect">
-              <a:avLst/>
-            </a:prstGeom>
-          </p:spPr>
-          <p:txBody>
-            <a:bodyPr wrap="square">
-              <a:spAutoFit/>
-            </a:bodyPr>
-            <a:lstStyle/>
-            <a:p>
-              <a:pPr>
-                <a:defRPr/>
-              </a:pPr>
-              <a:r>
-                <a:rPr lang="en-US" altLang="ko-KR" sz="800">
-                  <a:solidFill>
-                    <a:srgbClr val="BFBFBF"/>
-                  </a:solidFill>
-                  <a:latin typeface="나눔스퀘어_ac Bold"/>
-                  <a:ea typeface="나눔스퀘어_ac Bold"/>
-                </a:rPr>
-                <a:t>*</a:t>
-              </a:r>
-              <a:r>
-                <a:rPr lang="ko-KR" altLang="en-US" sz="800">
-                  <a:solidFill>
-                    <a:srgbClr val="BFBFBF"/>
-                  </a:solidFill>
-                  <a:latin typeface="나눔스퀘어_ac Bold"/>
-                  <a:ea typeface="나눔스퀘어_ac Bold"/>
-                </a:rPr>
-                <a:t>출처 표기는 필수</a:t>
-              </a:r>
-            </a:p>
-          </p:txBody>
-        </p:sp>
-      </p:grpSp>
-      <p:sp>
-        <p:nvSpPr>
-          <p:cNvPr id="22" name="TextBox 21"/>
-          <p:cNvSpPr txBox="1"/>
-          <p:nvPr/>
-        </p:nvSpPr>
-        <p:spPr>
-          <a:xfrm>
-            <a:off x="9566910" y="392049"/>
-            <a:ext cx="1259205" cy="243840"/>
-          </a:xfrm>
-          <a:prstGeom prst="rect">
-            <a:avLst/>
-          </a:prstGeom>
-        </p:spPr>
-        <p:txBody>
-          <a:bodyPr wrap="none">
-            <a:spAutoFit/>
-          </a:bodyPr>
-          <a:lstStyle/>
-          <a:p>
-            <a:pPr algn="ctr">
-              <a:defRPr/>
-            </a:pPr>
-            <a:r>
-              <a:rPr lang="ko-KR" altLang="en-US" sz="1000">
-                <a:solidFill>
-                  <a:srgbClr val="0F3158"/>
-                </a:solidFill>
-                <a:latin typeface="나눔스퀘어_ac ExtraBold"/>
-                <a:ea typeface="나눔스퀘어_ac ExtraBold"/>
-              </a:rPr>
-              <a:t>과목명 </a:t>
-            </a:r>
-            <a:r>
-              <a:rPr lang="en-US" altLang="ko-KR" sz="1000">
-                <a:solidFill>
-                  <a:srgbClr val="0F3158"/>
-                </a:solidFill>
-                <a:latin typeface="나눔스퀘어_ac ExtraBold"/>
-                <a:ea typeface="나눔스퀘어_ac ExtraBold"/>
-              </a:rPr>
-              <a:t>or </a:t>
-            </a:r>
-            <a:r>
-              <a:rPr lang="ko-KR" altLang="en-US" sz="1000">
-                <a:solidFill>
-                  <a:srgbClr val="0F3158"/>
-                </a:solidFill>
-                <a:latin typeface="나눔스퀘어_ac ExtraBold"/>
-                <a:ea typeface="나눔스퀘어_ac ExtraBold"/>
-              </a:rPr>
-              <a:t>프로젝트명</a:t>
-            </a:r>
-          </a:p>
-        </p:txBody>
-      </p:sp>
-    </p:spTree>
-  </p:cSld>
-  <p:clrMapOvr>
-    <a:masterClrMapping/>
-  </p:clrMapOvr>
-  <mc:AlternateContent xmlns:mc="http://schemas.openxmlformats.org/markup-compatibility/2006" xmlns:p14="http://schemas.microsoft.com/office/powerpoint/2010/main">
-    <mc:Choice Requires="p14">
-      <p:transition/>
-    </mc:Choice>
-    <mc:Fallback xmlns:dsp="http://schemas.microsoft.com/office/drawing/2008/diagram" xmlns:dgm="http://schemas.openxmlformats.org/drawingml/2006/diagram" xmlns:c="http://schemas.openxmlformats.org/drawingml/2006/chart" xmlns="">
-      <p:transition/>
-    </mc:Fallback>
-  </mc:AlternateContent>
-</p:sld>
-</file>
-
-<file path=ppt/slides/slide21.xml><?xml version="1.0" encoding="utf-8"?>
-<p:sld xmlns:a="http://schemas.openxmlformats.org/drawingml/2006/main" xmlns:r="http://schemas.openxmlformats.org/officeDocument/2006/relationships" xmlns:p="http://schemas.openxmlformats.org/presentationml/2006/main">
-  <p:cSld>
-    <p:spTree>
-      <p:nvGrpSpPr>
-        <p:cNvPr id="1" name=""/>
-        <p:cNvGrpSpPr/>
-        <p:nvPr/>
-      </p:nvGrpSpPr>
-      <p:grpSpPr>
-        <a:xfrm>
-          <a:off x="0" y="0"/>
-          <a:ext cx="0" cy="0"/>
-          <a:chOff x="0" y="0"/>
-          <a:chExt cx="0" cy="0"/>
-        </a:xfrm>
-      </p:grpSpPr>
-      <p:sp>
-        <p:nvSpPr>
-          <p:cNvPr id="6" name="TextBox 5"/>
-          <p:cNvSpPr txBox="1"/>
-          <p:nvPr/>
-        </p:nvSpPr>
-        <p:spPr>
-          <a:xfrm>
-            <a:off x="511264" y="392049"/>
-            <a:ext cx="820331" cy="300609"/>
-          </a:xfrm>
-          <a:prstGeom prst="rect">
-            <a:avLst/>
-          </a:prstGeom>
-        </p:spPr>
-        <p:txBody>
-          <a:bodyPr wrap="none">
-            <a:spAutoFit/>
-          </a:bodyPr>
-          <a:lstStyle/>
-          <a:p>
-            <a:pPr algn="ctr">
-              <a:defRPr/>
-            </a:pPr>
-            <a:r>
-              <a:rPr lang="en-US" altLang="ko-KR" sz="1400">
-                <a:solidFill>
-                  <a:srgbClr val="0F3158"/>
-                </a:solidFill>
-                <a:latin typeface="나눔스퀘어_ac ExtraBold"/>
-                <a:ea typeface="나눔스퀘어_ac ExtraBold"/>
-              </a:rPr>
-              <a:t>01.</a:t>
-            </a:r>
-            <a:r>
-              <a:rPr lang="ko-KR" altLang="en-US" sz="1400">
-                <a:solidFill>
-                  <a:srgbClr val="0F3158"/>
-                </a:solidFill>
-                <a:latin typeface="나눔스퀘어_ac ExtraBold"/>
-                <a:ea typeface="나눔스퀘어_ac ExtraBold"/>
-              </a:rPr>
-              <a:t> 주제</a:t>
-            </a:r>
-          </a:p>
-        </p:txBody>
-      </p:sp>
-      <p:sp>
-        <p:nvSpPr>
-          <p:cNvPr id="7" name="TextBox 6"/>
-          <p:cNvSpPr txBox="1"/>
-          <p:nvPr/>
-        </p:nvSpPr>
-        <p:spPr>
-          <a:xfrm>
-            <a:off x="511264" y="615696"/>
-            <a:ext cx="1077506" cy="364998"/>
-          </a:xfrm>
-          <a:prstGeom prst="rect">
-            <a:avLst/>
-          </a:prstGeom>
-        </p:spPr>
-        <p:txBody>
-          <a:bodyPr wrap="none">
-            <a:spAutoFit/>
-          </a:bodyPr>
-          <a:lstStyle/>
-          <a:p>
-            <a:pPr algn="ctr">
-              <a:defRPr/>
-            </a:pPr>
-            <a:r>
-              <a:rPr lang="ko-KR" altLang="en-US" sz="1200">
-                <a:solidFill>
-                  <a:srgbClr val="A9AAAA"/>
-                </a:solidFill>
-                <a:latin typeface="나눔스퀘어_ac Bold"/>
-                <a:ea typeface="나눔스퀘어_ac Bold"/>
-              </a:rPr>
-              <a:t>소주제</a:t>
-            </a:r>
-            <a:r>
-              <a:rPr lang="ko-KR" altLang="en-US">
-                <a:solidFill>
-                  <a:srgbClr val="A9AAAA"/>
-                </a:solidFill>
-                <a:latin typeface="나눔스퀘어_ac Bold"/>
-                <a:ea typeface="나눔스퀘어_ac Bold"/>
-              </a:rPr>
-              <a:t> </a:t>
-            </a:r>
-            <a:r>
-              <a:rPr lang="ko-KR" altLang="en-US" sz="1200">
-                <a:solidFill>
-                  <a:srgbClr val="A9AAAA"/>
-                </a:solidFill>
-                <a:latin typeface="나눔스퀘어_ac Bold"/>
-                <a:ea typeface="나눔스퀘어_ac Bold"/>
-              </a:rPr>
-              <a:t>및 설명</a:t>
-            </a:r>
-          </a:p>
-        </p:txBody>
-      </p:sp>
-      <p:sp>
-        <p:nvSpPr>
-          <p:cNvPr id="9" name="직사각형 8"/>
-          <p:cNvSpPr/>
-          <p:nvPr/>
-        </p:nvSpPr>
-        <p:spPr>
-          <a:xfrm>
-            <a:off x="439255" y="392049"/>
-            <a:ext cx="45720" cy="588645"/>
-          </a:xfrm>
-          <a:prstGeom prst="rect">
-            <a:avLst/>
-          </a:prstGeom>
-          <a:solidFill>
-            <a:srgbClr val="0F3158"/>
-          </a:solidFill>
-          <a:ln>
-            <a:noFill/>
-          </a:ln>
-        </p:spPr>
-        <p:style>
-          <a:lnRef idx="2">
-            <a:schemeClr val="accent1">
-              <a:shade val="20000"/>
-            </a:schemeClr>
-          </a:lnRef>
-          <a:fillRef idx="1">
-            <a:schemeClr val="accent1"/>
-          </a:fillRef>
-          <a:effectRef idx="0">
-            <a:schemeClr val="accent1"/>
-          </a:effectRef>
-          <a:fontRef idx="minor">
-            <a:schemeClr val="lt1"/>
-          </a:fontRef>
-        </p:style>
-        <p:txBody>
-          <a:bodyPr anchor="ctr"/>
-          <a:lstStyle/>
-          <a:p>
-            <a:pPr algn="ctr">
-              <a:defRPr/>
-            </a:pPr>
-            <a:endParaRPr lang="ko-KR" altLang="en-US">
-              <a:noFill/>
-            </a:endParaRPr>
-          </a:p>
-        </p:txBody>
-      </p:sp>
-      <p:graphicFrame>
-        <p:nvGraphicFramePr>
-          <p:cNvPr id="13" name="차트 7"/>
-          <p:cNvGraphicFramePr/>
-          <p:nvPr/>
-        </p:nvGraphicFramePr>
-        <p:xfrm>
-          <a:off x="1303363" y="1628775"/>
-          <a:ext cx="4107141" cy="3888485"/>
-        </p:xfrm>
-        <a:graphic>
-          <a:graphicData uri="http://schemas.openxmlformats.org/drawingml/2006/chart">
-            <c:chart xmlns:c="http://schemas.openxmlformats.org/drawingml/2006/chart" xmlns:r="http://schemas.openxmlformats.org/officeDocument/2006/relationships" r:id="rId2"/>
-          </a:graphicData>
-        </a:graphic>
-      </p:graphicFrame>
-      <p:sp>
-        <p:nvSpPr>
-          <p:cNvPr id="17" name="TextBox 16"/>
-          <p:cNvSpPr txBox="1"/>
-          <p:nvPr/>
-        </p:nvSpPr>
-        <p:spPr>
-          <a:xfrm>
-            <a:off x="5120616" y="5374005"/>
-            <a:ext cx="935341" cy="215265"/>
-          </a:xfrm>
-          <a:prstGeom prst="rect">
-            <a:avLst/>
-          </a:prstGeom>
-        </p:spPr>
-        <p:txBody>
-          <a:bodyPr wrap="square">
-            <a:spAutoFit/>
-          </a:bodyPr>
-          <a:lstStyle/>
-          <a:p>
-            <a:pPr>
-              <a:defRPr/>
-            </a:pPr>
-            <a:r>
-              <a:rPr lang="en-US" altLang="ko-KR" sz="800">
-                <a:solidFill>
-                  <a:srgbClr val="BFBFBF"/>
-                </a:solidFill>
-                <a:latin typeface="나눔스퀘어_ac Bold"/>
-                <a:ea typeface="나눔스퀘어_ac Bold"/>
-              </a:rPr>
-              <a:t>*</a:t>
-            </a:r>
-            <a:r>
-              <a:rPr lang="ko-KR" altLang="en-US" sz="800">
-                <a:solidFill>
-                  <a:srgbClr val="BFBFBF"/>
-                </a:solidFill>
-                <a:latin typeface="나눔스퀘어_ac Bold"/>
-                <a:ea typeface="나눔스퀘어_ac Bold"/>
-              </a:rPr>
-              <a:t>출처 표기는 필수</a:t>
-            </a:r>
-          </a:p>
-        </p:txBody>
-      </p:sp>
-      <p:sp>
-        <p:nvSpPr>
-          <p:cNvPr id="18" name="TextBox 17"/>
-          <p:cNvSpPr txBox="1"/>
-          <p:nvPr/>
-        </p:nvSpPr>
-        <p:spPr>
-          <a:xfrm>
-            <a:off x="9566910" y="392049"/>
-            <a:ext cx="1259205" cy="243840"/>
-          </a:xfrm>
-          <a:prstGeom prst="rect">
-            <a:avLst/>
-          </a:prstGeom>
-        </p:spPr>
-        <p:txBody>
-          <a:bodyPr wrap="none">
-            <a:spAutoFit/>
-          </a:bodyPr>
-          <a:lstStyle/>
-          <a:p>
-            <a:pPr algn="ctr">
-              <a:defRPr/>
-            </a:pPr>
-            <a:r>
-              <a:rPr lang="ko-KR" altLang="en-US" sz="1000">
-                <a:solidFill>
-                  <a:srgbClr val="0F3158"/>
-                </a:solidFill>
-                <a:latin typeface="나눔스퀘어_ac ExtraBold"/>
-                <a:ea typeface="나눔스퀘어_ac ExtraBold"/>
-              </a:rPr>
-              <a:t>과목명 </a:t>
-            </a:r>
-            <a:r>
-              <a:rPr lang="en-US" altLang="ko-KR" sz="1000">
-                <a:solidFill>
-                  <a:srgbClr val="0F3158"/>
-                </a:solidFill>
-                <a:latin typeface="나눔스퀘어_ac ExtraBold"/>
-                <a:ea typeface="나눔스퀘어_ac ExtraBold"/>
-              </a:rPr>
-              <a:t>or </a:t>
-            </a:r>
-            <a:r>
-              <a:rPr lang="ko-KR" altLang="en-US" sz="1000">
-                <a:solidFill>
-                  <a:srgbClr val="0F3158"/>
-                </a:solidFill>
-                <a:latin typeface="나눔스퀘어_ac ExtraBold"/>
-                <a:ea typeface="나눔스퀘어_ac ExtraBold"/>
-              </a:rPr>
-              <a:t>프로젝트명</a:t>
-            </a:r>
-          </a:p>
-        </p:txBody>
-      </p:sp>
-      <p:sp>
-        <p:nvSpPr>
-          <p:cNvPr id="19" name="TextBox 18"/>
-          <p:cNvSpPr txBox="1"/>
-          <p:nvPr/>
-        </p:nvSpPr>
-        <p:spPr>
-          <a:xfrm>
-            <a:off x="6199975" y="3576626"/>
-            <a:ext cx="3805212" cy="1004518"/>
-          </a:xfrm>
-          <a:prstGeom prst="rect">
-            <a:avLst/>
-          </a:prstGeom>
-        </p:spPr>
-        <p:txBody>
-          <a:bodyPr wrap="square">
-            <a:spAutoFit/>
-          </a:bodyPr>
-          <a:lstStyle/>
-          <a:p>
-            <a:pPr>
-              <a:defRPr/>
-            </a:pPr>
-            <a:r>
-              <a:rPr lang="en-US" altLang="ko-KR" sz="1000">
-                <a:solidFill>
-                  <a:srgbClr val="808080"/>
-                </a:solidFill>
-                <a:latin typeface="나눔스퀘어_ac Bold"/>
-                <a:ea typeface="나눔스퀘어_ac Bold"/>
-              </a:rPr>
-              <a:t>-</a:t>
-            </a:r>
-            <a:r>
-              <a:rPr lang="ko-KR" altLang="en-US" sz="1000">
-                <a:solidFill>
-                  <a:srgbClr val="808080"/>
-                </a:solidFill>
-                <a:latin typeface="나눔스퀘어_ac Bold"/>
-                <a:ea typeface="나눔스퀘어_ac Bold"/>
-              </a:rPr>
-              <a:t> 십리도 못 가서 발병난다. 내가 그의 이름을 불러 주었을 때 </a:t>
-            </a:r>
-          </a:p>
-          <a:p>
-            <a:pPr>
-              <a:defRPr/>
-            </a:pPr>
-            <a:r>
-              <a:rPr lang="en-US" altLang="ko-KR" sz="1000">
-                <a:solidFill>
-                  <a:srgbClr val="808080"/>
-                </a:solidFill>
-                <a:latin typeface="나눔스퀘어_ac Bold"/>
-                <a:ea typeface="나눔스퀘어_ac Bold"/>
-              </a:rPr>
-              <a:t>-</a:t>
-            </a:r>
-            <a:r>
-              <a:rPr lang="ko-KR" altLang="en-US" sz="1000">
-                <a:solidFill>
-                  <a:srgbClr val="808080"/>
-                </a:solidFill>
-                <a:latin typeface="나눔스퀘어_ac Bold"/>
-                <a:ea typeface="나눔스퀘어_ac Bold"/>
-              </a:rPr>
-              <a:t> 그는  돌같이 하라 뭉치면 살고 흩어지면 죽는다. 이 몸이 죽고 죽어 </a:t>
-            </a:r>
-          </a:p>
-          <a:p>
-            <a:pPr>
-              <a:defRPr/>
-            </a:pPr>
-            <a:r>
-              <a:rPr lang="en-US" altLang="ko-KR" sz="1000">
-                <a:solidFill>
-                  <a:srgbClr val="808080"/>
-                </a:solidFill>
-                <a:latin typeface="나눔스퀘어_ac Bold"/>
-                <a:ea typeface="나눔스퀘어_ac Bold"/>
-              </a:rPr>
-              <a:t>-</a:t>
-            </a:r>
-            <a:r>
-              <a:rPr lang="ko-KR" altLang="en-US" sz="1000">
-                <a:solidFill>
-                  <a:srgbClr val="808080"/>
-                </a:solidFill>
-                <a:latin typeface="나눔스퀘어_ac Bold"/>
-                <a:ea typeface="나눔스퀘어_ac Bold"/>
-              </a:rPr>
-              <a:t> 일백번 고쳐 죽어고 임 향한 일편단심 가실 줄이 있으랴. 관용은 미덕이다.</a:t>
-            </a:r>
-          </a:p>
-          <a:p>
-            <a:pPr>
-              <a:defRPr/>
-            </a:pPr>
-            <a:r>
-              <a:rPr lang="en-US" altLang="ko-KR" sz="1000">
-                <a:solidFill>
-                  <a:srgbClr val="808080"/>
-                </a:solidFill>
-                <a:latin typeface="나눔스퀘어_ac Bold"/>
-                <a:ea typeface="나눔스퀘어_ac Bold"/>
-              </a:rPr>
-              <a:t>-</a:t>
-            </a:r>
-            <a:r>
-              <a:rPr lang="ko-KR" altLang="en-US" sz="1000">
-                <a:solidFill>
-                  <a:srgbClr val="808080"/>
-                </a:solidFill>
-                <a:latin typeface="나눔스퀘어_ac Bold"/>
-                <a:ea typeface="나눔스퀘어_ac Bold"/>
-              </a:rPr>
-              <a:t> 십리도 못 가서 발병난다. 내가 그의 이름을 불러 주었을 때 </a:t>
-            </a:r>
-          </a:p>
-          <a:p>
-            <a:pPr>
-              <a:defRPr/>
-            </a:pPr>
-            <a:r>
-              <a:rPr lang="en-US" altLang="ko-KR" sz="1000">
-                <a:solidFill>
-                  <a:srgbClr val="808080"/>
-                </a:solidFill>
-                <a:latin typeface="나눔스퀘어_ac Bold"/>
-                <a:ea typeface="나눔스퀘어_ac Bold"/>
-              </a:rPr>
-              <a:t>-</a:t>
-            </a:r>
-            <a:r>
-              <a:rPr lang="ko-KR" altLang="en-US" sz="1000">
-                <a:solidFill>
-                  <a:srgbClr val="808080"/>
-                </a:solidFill>
-                <a:latin typeface="나눔스퀘어_ac Bold"/>
-                <a:ea typeface="나눔스퀘어_ac Bold"/>
-              </a:rPr>
-              <a:t> 그는  돌같이 하라 뭉치면 살고 흩어지면 죽는다. 이 몸이 죽고 죽어 </a:t>
-            </a:r>
-          </a:p>
-          <a:p>
-            <a:pPr>
-              <a:defRPr/>
-            </a:pPr>
-            <a:r>
-              <a:rPr lang="en-US" altLang="ko-KR" sz="1000">
-                <a:solidFill>
-                  <a:srgbClr val="808080"/>
-                </a:solidFill>
-                <a:latin typeface="나눔스퀘어_ac Bold"/>
-                <a:ea typeface="나눔스퀘어_ac Bold"/>
-              </a:rPr>
-              <a:t>-</a:t>
-            </a:r>
-            <a:r>
-              <a:rPr lang="ko-KR" altLang="en-US" sz="1000">
-                <a:solidFill>
-                  <a:srgbClr val="808080"/>
-                </a:solidFill>
-                <a:latin typeface="나눔스퀘어_ac Bold"/>
-                <a:ea typeface="나눔스퀘어_ac Bold"/>
-              </a:rPr>
-              <a:t> 일백번 고쳐 죽어고 임 향한 일편단심 가실 줄이 있으랴. 관용은 미덕이다</a:t>
-            </a:r>
-            <a:r>
-              <a:rPr lang="en-US" altLang="ko-KR" sz="1000">
-                <a:solidFill>
-                  <a:srgbClr val="808080"/>
-                </a:solidFill>
-                <a:latin typeface="나눔스퀘어_ac Bold"/>
-                <a:ea typeface="나눔스퀘어_ac Bold"/>
-              </a:rPr>
-              <a:t>.</a:t>
-            </a:r>
-            <a:r>
-              <a:rPr lang="ko-KR" altLang="en-US" sz="1000">
-                <a:solidFill>
-                  <a:srgbClr val="808080"/>
-                </a:solidFill>
-                <a:latin typeface="나눔스퀘어_ac Bold"/>
-                <a:ea typeface="나눔스퀘어_ac Bold"/>
-              </a:rPr>
-              <a:t> </a:t>
-            </a:r>
-          </a:p>
-        </p:txBody>
-      </p:sp>
-      <p:sp>
-        <p:nvSpPr>
-          <p:cNvPr id="20" name="TextBox 19"/>
-          <p:cNvSpPr txBox="1"/>
-          <p:nvPr/>
-        </p:nvSpPr>
-        <p:spPr>
-          <a:xfrm>
-            <a:off x="6199975" y="3055620"/>
-            <a:ext cx="2374587" cy="390525"/>
-          </a:xfrm>
-          <a:prstGeom prst="rect">
-            <a:avLst/>
-          </a:prstGeom>
-        </p:spPr>
-        <p:txBody>
-          <a:bodyPr wrap="square">
-            <a:spAutoFit/>
-          </a:bodyPr>
-          <a:lstStyle/>
-          <a:p>
-            <a:pPr>
-              <a:defRPr/>
-            </a:pPr>
-            <a:r>
-              <a:rPr lang="ko-KR" altLang="en-US" sz="2000">
-                <a:solidFill>
-                  <a:srgbClr val="555554"/>
-                </a:solidFill>
-                <a:latin typeface="나눔스퀘어_ac ExtraBold"/>
-                <a:ea typeface="나눔스퀘어_ac ExtraBold"/>
-              </a:rPr>
-              <a:t>제목을 입력하세요</a:t>
-            </a:r>
-            <a:r>
-              <a:rPr lang="en-US" altLang="ko-KR">
-                <a:solidFill>
-                  <a:srgbClr val="555554"/>
-                </a:solidFill>
-                <a:latin typeface="나눔스퀘어_ac ExtraBold"/>
-                <a:ea typeface="나눔스퀘어_ac ExtraBold"/>
-              </a:rPr>
-              <a:t>.</a:t>
-            </a:r>
-          </a:p>
-        </p:txBody>
-      </p:sp>
-    </p:spTree>
-  </p:cSld>
-  <p:clrMapOvr>
-    <a:masterClrMapping/>
-  </p:clrMapOvr>
-  <mc:AlternateContent xmlns:mc="http://schemas.openxmlformats.org/markup-compatibility/2006" xmlns:p14="http://schemas.microsoft.com/office/powerpoint/2010/main">
-    <mc:Choice Requires="p14">
-      <p:transition/>
-    </mc:Choice>
-    <mc:Fallback xmlns:dsp="http://schemas.microsoft.com/office/drawing/2008/diagram" xmlns:dgm="http://schemas.openxmlformats.org/drawingml/2006/diagram" xmlns:c="http://schemas.openxmlformats.org/drawingml/2006/chart" xmlns="">
-      <p:transition/>
-    </mc:Fallback>
-  </mc:AlternateContent>
-</p:sld>
-</file>
-
-<file path=ppt/slides/slide22.xml><?xml version="1.0" encoding="utf-8"?>
-<p:sld xmlns:a="http://schemas.openxmlformats.org/drawingml/2006/main" xmlns:r="http://schemas.openxmlformats.org/officeDocument/2006/relationships" xmlns:p="http://schemas.openxmlformats.org/presentationml/2006/main">
-  <p:cSld>
-    <p:spTree>
-      <p:nvGrpSpPr>
-        <p:cNvPr id="1" name=""/>
-        <p:cNvGrpSpPr/>
-        <p:nvPr/>
-      </p:nvGrpSpPr>
-      <p:grpSpPr>
-        <a:xfrm>
-          <a:off x="0" y="0"/>
-          <a:ext cx="0" cy="0"/>
-          <a:chOff x="0" y="0"/>
-          <a:chExt cx="0" cy="0"/>
-        </a:xfrm>
-      </p:grpSpPr>
-      <p:sp>
-        <p:nvSpPr>
           <p:cNvPr id="11" name="TextBox 10"/>
           <p:cNvSpPr txBox="1"/>
           <p:nvPr/>
@@ -13795,7 +12517,7 @@
     <mc:Choice Requires="p14">
       <p:transition/>
     </mc:Choice>
-    <mc:Fallback xmlns:dsp="http://schemas.microsoft.com/office/drawing/2008/diagram" xmlns:dgm="http://schemas.openxmlformats.org/drawingml/2006/diagram" xmlns:c="http://schemas.openxmlformats.org/drawingml/2006/chart" xmlns="">
+    <mc:Fallback xmlns="" xmlns:c="http://schemas.openxmlformats.org/drawingml/2006/chart" xmlns:dgm="http://schemas.openxmlformats.org/drawingml/2006/diagram" xmlns:dsp="http://schemas.microsoft.com/office/drawing/2008/diagram">
       <p:transition/>
     </mc:Fallback>
   </mc:AlternateContent>
@@ -13932,7 +12654,7 @@
     <mc:Choice Requires="p14">
       <p:transition/>
     </mc:Choice>
-    <mc:Fallback xmlns:dsp="http://schemas.microsoft.com/office/drawing/2008/diagram" xmlns:dgm="http://schemas.openxmlformats.org/drawingml/2006/diagram" xmlns:c="http://schemas.openxmlformats.org/drawingml/2006/chart" xmlns="">
+    <mc:Fallback xmlns="" xmlns:c="http://schemas.openxmlformats.org/drawingml/2006/chart" xmlns:dgm="http://schemas.openxmlformats.org/drawingml/2006/diagram" xmlns:dsp="http://schemas.microsoft.com/office/drawing/2008/diagram">
       <p:transition/>
     </mc:Fallback>
   </mc:AlternateContent>
@@ -14721,7 +13443,7 @@
     <mc:Choice Requires="p14">
       <p:transition/>
     </mc:Choice>
-    <mc:Fallback xmlns:dsp="http://schemas.microsoft.com/office/drawing/2008/diagram" xmlns:dgm="http://schemas.openxmlformats.org/drawingml/2006/diagram" xmlns:c="http://schemas.openxmlformats.org/drawingml/2006/chart" xmlns="">
+    <mc:Fallback xmlns="" xmlns:c="http://schemas.openxmlformats.org/drawingml/2006/chart" xmlns:dgm="http://schemas.openxmlformats.org/drawingml/2006/diagram" xmlns:dsp="http://schemas.microsoft.com/office/drawing/2008/diagram">
       <p:transition/>
     </mc:Fallback>
   </mc:AlternateContent>
@@ -15839,7 +14561,7 @@
     <mc:Choice Requires="p14">
       <p:transition/>
     </mc:Choice>
-    <mc:Fallback xmlns:dsp="http://schemas.microsoft.com/office/drawing/2008/diagram" xmlns:dgm="http://schemas.openxmlformats.org/drawingml/2006/diagram" xmlns:c="http://schemas.openxmlformats.org/drawingml/2006/chart" xmlns="">
+    <mc:Fallback xmlns="" xmlns:c="http://schemas.openxmlformats.org/drawingml/2006/chart" xmlns:dgm="http://schemas.openxmlformats.org/drawingml/2006/diagram" xmlns:dsp="http://schemas.microsoft.com/office/drawing/2008/diagram">
       <p:transition/>
     </mc:Fallback>
   </mc:AlternateContent>
@@ -16998,7 +15720,7 @@
     <mc:Choice Requires="p14">
       <p:transition/>
     </mc:Choice>
-    <mc:Fallback xmlns:dsp="http://schemas.microsoft.com/office/drawing/2008/diagram" xmlns:dgm="http://schemas.openxmlformats.org/drawingml/2006/diagram" xmlns:c="http://schemas.openxmlformats.org/drawingml/2006/chart" xmlns="">
+    <mc:Fallback xmlns="" xmlns:c="http://schemas.openxmlformats.org/drawingml/2006/chart" xmlns:dgm="http://schemas.openxmlformats.org/drawingml/2006/diagram" xmlns:dsp="http://schemas.microsoft.com/office/drawing/2008/diagram">
       <p:transition/>
     </mc:Fallback>
   </mc:AlternateContent>
@@ -17158,7 +15880,7 @@
     <mc:Choice Requires="p14">
       <p:transition/>
     </mc:Choice>
-    <mc:Fallback xmlns:dsp="http://schemas.microsoft.com/office/drawing/2008/diagram" xmlns:dgm="http://schemas.openxmlformats.org/drawingml/2006/diagram" xmlns:c="http://schemas.openxmlformats.org/drawingml/2006/chart" xmlns="">
+    <mc:Fallback xmlns="" xmlns:c="http://schemas.openxmlformats.org/drawingml/2006/chart" xmlns:dgm="http://schemas.openxmlformats.org/drawingml/2006/diagram" xmlns:dsp="http://schemas.microsoft.com/office/drawing/2008/diagram">
       <p:transition/>
     </mc:Fallback>
   </mc:AlternateContent>
@@ -17830,7 +16552,7 @@
     <mc:Choice Requires="p14">
       <p:transition/>
     </mc:Choice>
-    <mc:Fallback xmlns:dsp="http://schemas.microsoft.com/office/drawing/2008/diagram" xmlns:dgm="http://schemas.openxmlformats.org/drawingml/2006/diagram" xmlns:c="http://schemas.openxmlformats.org/drawingml/2006/chart" xmlns="">
+    <mc:Fallback xmlns="" xmlns:c="http://schemas.openxmlformats.org/drawingml/2006/chart" xmlns:dgm="http://schemas.openxmlformats.org/drawingml/2006/diagram" xmlns:dsp="http://schemas.microsoft.com/office/drawing/2008/diagram">
       <p:transition/>
     </mc:Fallback>
   </mc:AlternateContent>
@@ -18350,7 +17072,7 @@
     <mc:Choice Requires="p14">
       <p:transition/>
     </mc:Choice>
-    <mc:Fallback xmlns:dsp="http://schemas.microsoft.com/office/drawing/2008/diagram" xmlns:dgm="http://schemas.openxmlformats.org/drawingml/2006/diagram" xmlns:c="http://schemas.openxmlformats.org/drawingml/2006/chart" xmlns="">
+    <mc:Fallback xmlns="" xmlns:c="http://schemas.openxmlformats.org/drawingml/2006/chart" xmlns:dgm="http://schemas.openxmlformats.org/drawingml/2006/diagram" xmlns:dsp="http://schemas.microsoft.com/office/drawing/2008/diagram">
       <p:transition/>
     </mc:Fallback>
   </mc:AlternateContent>

--- a/1.PrecisionLandingModule/1.ReasearchNote/FinalReport/캡스톤디자인 최종 발표 ICT융합학부 2018045323 김교원.pptx
+++ b/1.PrecisionLandingModule/1.ReasearchNote/FinalReport/캡스톤디자인 최종 발표 ICT융합학부 2018045323 김교원.pptx
@@ -8,23 +8,25 @@
     <p:sldId id="256" r:id="rId2"/>
     <p:sldId id="257" r:id="rId3"/>
     <p:sldId id="258" r:id="rId4"/>
-    <p:sldId id="269" r:id="rId5"/>
-    <p:sldId id="271" r:id="rId6"/>
-    <p:sldId id="272" r:id="rId7"/>
-    <p:sldId id="265" r:id="rId8"/>
-    <p:sldId id="273" r:id="rId9"/>
-    <p:sldId id="277" r:id="rId10"/>
-    <p:sldId id="278" r:id="rId11"/>
-    <p:sldId id="279" r:id="rId12"/>
-    <p:sldId id="280" r:id="rId13"/>
-    <p:sldId id="281" r:id="rId14"/>
-    <p:sldId id="266" r:id="rId15"/>
-    <p:sldId id="260" r:id="rId16"/>
-    <p:sldId id="282" r:id="rId17"/>
-    <p:sldId id="268" r:id="rId18"/>
-    <p:sldId id="261" r:id="rId19"/>
-    <p:sldId id="283" r:id="rId20"/>
-    <p:sldId id="264" r:id="rId21"/>
+    <p:sldId id="284" r:id="rId5"/>
+    <p:sldId id="285" r:id="rId6"/>
+    <p:sldId id="286" r:id="rId7"/>
+    <p:sldId id="271" r:id="rId8"/>
+    <p:sldId id="272" r:id="rId9"/>
+    <p:sldId id="265" r:id="rId10"/>
+    <p:sldId id="273" r:id="rId11"/>
+    <p:sldId id="277" r:id="rId12"/>
+    <p:sldId id="278" r:id="rId13"/>
+    <p:sldId id="279" r:id="rId14"/>
+    <p:sldId id="280" r:id="rId15"/>
+    <p:sldId id="281" r:id="rId16"/>
+    <p:sldId id="266" r:id="rId17"/>
+    <p:sldId id="260" r:id="rId18"/>
+    <p:sldId id="282" r:id="rId19"/>
+    <p:sldId id="268" r:id="rId20"/>
+    <p:sldId id="261" r:id="rId21"/>
+    <p:sldId id="283" r:id="rId22"/>
+    <p:sldId id="264" r:id="rId23"/>
   </p:sldIdLst>
   <p:sldSz cx="11104563" cy="6858000"/>
   <p:notesSz cx="6858000" cy="9144000"/>
@@ -345,7 +347,7 @@
               <a:pPr lvl="0">
                 <a:defRPr/>
               </a:pPr>
-              <a:t>2025-05-17</a:t>
+              <a:t>2025-05-25</a:t>
             </a:fld>
             <a:endParaRPr lang="ko-KR" altLang="en-US"/>
           </a:p>
@@ -487,7 +489,7 @@
               <a:pPr lvl="0">
                 <a:defRPr/>
               </a:pPr>
-              <a:t>2025-05-17</a:t>
+              <a:t>2025-05-25</a:t>
             </a:fld>
             <a:endParaRPr lang="ko-KR" altLang="en-US"/>
           </a:p>
@@ -702,7 +704,7 @@
               <a:pPr lvl="0">
                 <a:defRPr/>
               </a:pPr>
-              <a:t>2025-05-17</a:t>
+              <a:t>2025-05-25</a:t>
             </a:fld>
             <a:endParaRPr lang="ko-KR" altLang="en-US"/>
           </a:p>
@@ -904,7 +906,7 @@
               <a:pPr lvl="0">
                 <a:defRPr/>
               </a:pPr>
-              <a:t>2025-05-17</a:t>
+              <a:t>2025-05-25</a:t>
             </a:fld>
             <a:endParaRPr lang="ko-KR" altLang="en-US"/>
           </a:p>
@@ -1096,7 +1098,7 @@
               <a:pPr lvl="0">
                 <a:defRPr/>
               </a:pPr>
-              <a:t>2025-05-17</a:t>
+              <a:t>2025-05-25</a:t>
             </a:fld>
             <a:endParaRPr lang="ko-KR" altLang="en-US"/>
           </a:p>
@@ -1202,7 +1204,7 @@
               <a:pPr lvl="0">
                 <a:defRPr/>
               </a:pPr>
-              <a:t>2025-05-17</a:t>
+              <a:t>2025-05-25</a:t>
             </a:fld>
             <a:endParaRPr lang="ko-KR" altLang="en-US"/>
           </a:p>
@@ -1463,7 +1465,7 @@
               <a:pPr lvl="0">
                 <a:defRPr/>
               </a:pPr>
-              <a:t>2025-05-17</a:t>
+              <a:t>2025-05-25</a:t>
             </a:fld>
             <a:endParaRPr lang="ko-KR" altLang="en-US"/>
           </a:p>
@@ -1782,7 +1784,7 @@
               <a:pPr lvl="0">
                 <a:defRPr/>
               </a:pPr>
-              <a:t>2025-05-17</a:t>
+              <a:t>2025-05-25</a:t>
             </a:fld>
             <a:endParaRPr lang="ko-KR" altLang="en-US"/>
           </a:p>
@@ -1913,7 +1915,7 @@
               <a:pPr lvl="0">
                 <a:defRPr/>
               </a:pPr>
-              <a:t>2025-05-17</a:t>
+              <a:t>2025-05-25</a:t>
             </a:fld>
             <a:endParaRPr lang="ko-KR" altLang="en-US"/>
           </a:p>
@@ -2080,7 +2082,7 @@
               <a:pPr lvl="0">
                 <a:defRPr/>
               </a:pPr>
-              <a:t>2025-05-17</a:t>
+              <a:t>2025-05-25</a:t>
             </a:fld>
             <a:endParaRPr lang="ko-KR" altLang="en-US"/>
           </a:p>
@@ -2587,7 +2589,7 @@
               <a:pPr lvl="0">
                 <a:defRPr/>
               </a:pPr>
-              <a:t>2025-05-17</a:t>
+              <a:t>2025-05-25</a:t>
             </a:fld>
             <a:endParaRPr lang="ko-KR" altLang="en-US"/>
           </a:p>
@@ -2861,7 +2863,7 @@
               <a:pPr lvl="0">
                 <a:defRPr/>
               </a:pPr>
-              <a:t>2025-05-17</a:t>
+              <a:t>2025-05-25</a:t>
             </a:fld>
             <a:endParaRPr lang="ko-KR" altLang="en-US"/>
           </a:p>
@@ -3096,7 +3098,7 @@
               <a:pPr lvl="0">
                 <a:defRPr/>
               </a:pPr>
-              <a:t>2025-05-17</a:t>
+              <a:t>2025-05-25</a:t>
             </a:fld>
             <a:endParaRPr lang="ko-KR" altLang="en-US"/>
           </a:p>
@@ -3810,7 +3812,7 @@
     <mc:Choice Requires="p14">
       <p:transition/>
     </mc:Choice>
-    <mc:Fallback xmlns="" xmlns:c="http://schemas.openxmlformats.org/drawingml/2006/chart" xmlns:dgm="http://schemas.openxmlformats.org/drawingml/2006/diagram" xmlns:dsp="http://schemas.microsoft.com/office/drawing/2008/diagram">
+    <mc:Fallback xmlns:dsp="http://schemas.microsoft.com/office/drawing/2008/diagram" xmlns:dgm="http://schemas.openxmlformats.org/drawingml/2006/diagram" xmlns:c="http://schemas.openxmlformats.org/drawingml/2006/chart" xmlns="">
       <p:transition/>
     </mc:Fallback>
   </mc:AlternateContent>
@@ -3818,6 +3820,1198 @@
 </file>
 
 <file path=ppt/slides/slide10.xml><?xml version="1.0" encoding="utf-8"?>
+<p:sld xmlns:a="http://schemas.openxmlformats.org/drawingml/2006/main" xmlns:r="http://schemas.openxmlformats.org/officeDocument/2006/relationships" xmlns:p="http://schemas.openxmlformats.org/presentationml/2006/main">
+  <p:cSld>
+    <p:spTree>
+      <p:nvGrpSpPr>
+        <p:cNvPr id="1" name="">
+          <a:extLst>
+            <a:ext uri="{FF2B5EF4-FFF2-40B4-BE49-F238E27FC236}">
+              <a16:creationId xmlns:a16="http://schemas.microsoft.com/office/drawing/2014/main" id="{91D7241D-2797-AB6D-2700-7534A65281A4}"/>
+            </a:ext>
+          </a:extLst>
+        </p:cNvPr>
+        <p:cNvGrpSpPr/>
+        <p:nvPr/>
+      </p:nvGrpSpPr>
+      <p:grpSpPr>
+        <a:xfrm>
+          <a:off x="0" y="0"/>
+          <a:ext cx="0" cy="0"/>
+          <a:chOff x="0" y="0"/>
+          <a:chExt cx="0" cy="0"/>
+        </a:xfrm>
+      </p:grpSpPr>
+      <p:sp>
+        <p:nvSpPr>
+          <p:cNvPr id="6" name="TextBox 5">
+            <a:extLst>
+              <a:ext uri="{FF2B5EF4-FFF2-40B4-BE49-F238E27FC236}">
+                <a16:creationId xmlns:a16="http://schemas.microsoft.com/office/drawing/2014/main" id="{39795AC4-B4BB-F74A-D6AA-0FD59891725D}"/>
+              </a:ext>
+            </a:extLst>
+          </p:cNvPr>
+          <p:cNvSpPr txBox="1"/>
+          <p:nvPr/>
+        </p:nvSpPr>
+        <p:spPr>
+          <a:xfrm>
+            <a:off x="500033" y="392049"/>
+            <a:ext cx="1266693" cy="307777"/>
+          </a:xfrm>
+          <a:prstGeom prst="rect">
+            <a:avLst/>
+          </a:prstGeom>
+        </p:spPr>
+        <p:txBody>
+          <a:bodyPr wrap="none">
+            <a:spAutoFit/>
+          </a:bodyPr>
+          <a:lstStyle/>
+          <a:p>
+            <a:pPr algn="ctr">
+              <a:defRPr/>
+            </a:pPr>
+            <a:r>
+              <a:rPr lang="en-US" altLang="ko-KR" sz="1400">
+                <a:solidFill>
+                  <a:srgbClr val="0F3158"/>
+                </a:solidFill>
+                <a:latin typeface="나눔스퀘어_ac ExtraBold"/>
+                <a:ea typeface="나눔스퀘어_ac ExtraBold"/>
+              </a:rPr>
+              <a:t>02.</a:t>
+            </a:r>
+            <a:r>
+              <a:rPr lang="ko-KR" altLang="en-US" sz="1400">
+                <a:solidFill>
+                  <a:srgbClr val="0F3158"/>
+                </a:solidFill>
+                <a:latin typeface="나눔스퀘어_ac ExtraBold"/>
+                <a:ea typeface="나눔스퀘어_ac ExtraBold"/>
+              </a:rPr>
+              <a:t> 개발 과정</a:t>
+            </a:r>
+          </a:p>
+        </p:txBody>
+      </p:sp>
+      <p:sp>
+        <p:nvSpPr>
+          <p:cNvPr id="8" name="TextBox 7">
+            <a:extLst>
+              <a:ext uri="{FF2B5EF4-FFF2-40B4-BE49-F238E27FC236}">
+                <a16:creationId xmlns:a16="http://schemas.microsoft.com/office/drawing/2014/main" id="{B5BD4D8E-B7CE-DDEE-AA2B-3FA64628C807}"/>
+              </a:ext>
+            </a:extLst>
+          </p:cNvPr>
+          <p:cNvSpPr txBox="1"/>
+          <p:nvPr/>
+        </p:nvSpPr>
+        <p:spPr>
+          <a:xfrm>
+            <a:off x="9124299" y="392049"/>
+            <a:ext cx="1832554" cy="246221"/>
+          </a:xfrm>
+          <a:prstGeom prst="rect">
+            <a:avLst/>
+          </a:prstGeom>
+        </p:spPr>
+        <p:txBody>
+          <a:bodyPr wrap="none">
+            <a:spAutoFit/>
+          </a:bodyPr>
+          <a:lstStyle/>
+          <a:p>
+            <a:pPr algn="ctr">
+              <a:defRPr/>
+            </a:pPr>
+            <a:r>
+              <a:rPr lang="en-US" altLang="ko-KR" sz="1000">
+                <a:solidFill>
+                  <a:srgbClr val="0F3158"/>
+                </a:solidFill>
+                <a:latin typeface="나눔스퀘어_ac ExtraBold"/>
+                <a:ea typeface="나눔스퀘어_ac ExtraBold"/>
+              </a:rPr>
+              <a:t>ICT </a:t>
+            </a:r>
+            <a:r>
+              <a:rPr lang="ko-KR" altLang="en-US" sz="1000">
+                <a:solidFill>
+                  <a:srgbClr val="0F3158"/>
+                </a:solidFill>
+                <a:latin typeface="나눔스퀘어_ac ExtraBold"/>
+                <a:ea typeface="나눔스퀘어_ac ExtraBold"/>
+              </a:rPr>
+              <a:t>캡스톤 디자인 최종 발표</a:t>
+            </a:r>
+          </a:p>
+        </p:txBody>
+      </p:sp>
+      <p:sp>
+        <p:nvSpPr>
+          <p:cNvPr id="18" name="직사각형 17">
+            <a:extLst>
+              <a:ext uri="{FF2B5EF4-FFF2-40B4-BE49-F238E27FC236}">
+                <a16:creationId xmlns:a16="http://schemas.microsoft.com/office/drawing/2014/main" id="{4AE4FA84-2916-CF79-D971-612632262780}"/>
+              </a:ext>
+            </a:extLst>
+          </p:cNvPr>
+          <p:cNvSpPr/>
+          <p:nvPr/>
+        </p:nvSpPr>
+        <p:spPr>
+          <a:xfrm>
+            <a:off x="439255" y="392049"/>
+            <a:ext cx="45720" cy="588645"/>
+          </a:xfrm>
+          <a:prstGeom prst="rect">
+            <a:avLst/>
+          </a:prstGeom>
+          <a:solidFill>
+            <a:srgbClr val="0F3158"/>
+          </a:solidFill>
+          <a:ln>
+            <a:noFill/>
+          </a:ln>
+        </p:spPr>
+        <p:style>
+          <a:lnRef idx="2">
+            <a:schemeClr val="accent1">
+              <a:shade val="20000"/>
+            </a:schemeClr>
+          </a:lnRef>
+          <a:fillRef idx="1">
+            <a:schemeClr val="accent1"/>
+          </a:fillRef>
+          <a:effectRef idx="0">
+            <a:schemeClr val="accent1"/>
+          </a:effectRef>
+          <a:fontRef idx="minor">
+            <a:schemeClr val="lt1"/>
+          </a:fontRef>
+        </p:style>
+        <p:txBody>
+          <a:bodyPr anchor="ctr"/>
+          <a:lstStyle/>
+          <a:p>
+            <a:pPr algn="ctr">
+              <a:defRPr/>
+            </a:pPr>
+            <a:endParaRPr lang="ko-KR" altLang="en-US">
+              <a:noFill/>
+            </a:endParaRPr>
+          </a:p>
+        </p:txBody>
+      </p:sp>
+      <p:sp>
+        <p:nvSpPr>
+          <p:cNvPr id="31" name="TextBox 30">
+            <a:extLst>
+              <a:ext uri="{FF2B5EF4-FFF2-40B4-BE49-F238E27FC236}">
+                <a16:creationId xmlns:a16="http://schemas.microsoft.com/office/drawing/2014/main" id="{B0DFA9A6-9AB3-709A-33C9-7490849FF918}"/>
+              </a:ext>
+            </a:extLst>
+          </p:cNvPr>
+          <p:cNvSpPr txBox="1"/>
+          <p:nvPr/>
+        </p:nvSpPr>
+        <p:spPr>
+          <a:xfrm>
+            <a:off x="523406" y="670130"/>
+            <a:ext cx="492444" cy="276999"/>
+          </a:xfrm>
+          <a:prstGeom prst="rect">
+            <a:avLst/>
+          </a:prstGeom>
+        </p:spPr>
+        <p:txBody>
+          <a:bodyPr wrap="none">
+            <a:spAutoFit/>
+          </a:bodyPr>
+          <a:lstStyle/>
+          <a:p>
+            <a:pPr algn="ctr">
+              <a:defRPr/>
+            </a:pPr>
+            <a:r>
+              <a:rPr lang="ko-KR" altLang="en-US" sz="1200" b="1">
+                <a:solidFill>
+                  <a:srgbClr val="A9AAAA"/>
+                </a:solidFill>
+                <a:latin typeface="나눔스퀘어_ac Bold"/>
+                <a:ea typeface="나눔스퀘어_ac Bold"/>
+              </a:rPr>
+              <a:t>드론</a:t>
+            </a:r>
+          </a:p>
+        </p:txBody>
+      </p:sp>
+      <p:pic>
+        <p:nvPicPr>
+          <p:cNvPr id="15" name="그림 14">
+            <a:extLst>
+              <a:ext uri="{FF2B5EF4-FFF2-40B4-BE49-F238E27FC236}">
+                <a16:creationId xmlns:a16="http://schemas.microsoft.com/office/drawing/2014/main" id="{34C684CB-A153-2138-94A5-4DFA5895C563}"/>
+              </a:ext>
+            </a:extLst>
+          </p:cNvPr>
+          <p:cNvPicPr>
+            <a:picLocks noChangeAspect="1"/>
+          </p:cNvPicPr>
+          <p:nvPr/>
+        </p:nvPicPr>
+        <p:blipFill>
+          <a:blip r:embed="rId2"/>
+          <a:stretch>
+            <a:fillRect/>
+          </a:stretch>
+        </p:blipFill>
+        <p:spPr>
+          <a:xfrm>
+            <a:off x="439254" y="1484730"/>
+            <a:ext cx="4729964" cy="3672510"/>
+          </a:xfrm>
+          <a:prstGeom prst="rect">
+            <a:avLst/>
+          </a:prstGeom>
+        </p:spPr>
+      </p:pic>
+      <p:sp>
+        <p:nvSpPr>
+          <p:cNvPr id="17" name="TextBox 16">
+            <a:extLst>
+              <a:ext uri="{FF2B5EF4-FFF2-40B4-BE49-F238E27FC236}">
+                <a16:creationId xmlns:a16="http://schemas.microsoft.com/office/drawing/2014/main" id="{4516A12A-89FB-1B38-D86F-BD93D4E39592}"/>
+              </a:ext>
+            </a:extLst>
+          </p:cNvPr>
+          <p:cNvSpPr txBox="1"/>
+          <p:nvPr/>
+        </p:nvSpPr>
+        <p:spPr>
+          <a:xfrm>
+            <a:off x="5534973" y="1484730"/>
+            <a:ext cx="4985997" cy="738664"/>
+          </a:xfrm>
+          <a:prstGeom prst="rect">
+            <a:avLst/>
+          </a:prstGeom>
+        </p:spPr>
+        <p:txBody>
+          <a:bodyPr wrap="square" rtlCol="0">
+            <a:spAutoFit/>
+          </a:bodyPr>
+          <a:lstStyle/>
+          <a:p>
+            <a:r>
+              <a:rPr lang="en-US" altLang="ko-KR" sz="1400"/>
+              <a:t>[GPS] : </a:t>
+            </a:r>
+            <a:r>
+              <a:rPr lang="pt-BR" altLang="ko-KR" sz="1400" b="0" i="0">
+                <a:solidFill>
+                  <a:srgbClr val="1A1926"/>
+                </a:solidFill>
+                <a:effectLst/>
+                <a:latin typeface="Arial" panose="020B0604020202020204" pitchFamily="34" charset="0"/>
+              </a:rPr>
+              <a:t>Readytosky Ublox NEO M8N GPS</a:t>
+            </a:r>
+          </a:p>
+          <a:p>
+            <a:endParaRPr lang="en-US" altLang="ko-KR" sz="1400"/>
+          </a:p>
+          <a:p>
+            <a:r>
+              <a:rPr lang="ko-KR" altLang="en-US" sz="1400"/>
+              <a:t>조건 </a:t>
+            </a:r>
+            <a:r>
+              <a:rPr lang="en-US" altLang="ko-KR" sz="1400"/>
+              <a:t>– </a:t>
+            </a:r>
+            <a:r>
+              <a:rPr lang="ko-KR" altLang="en-US" sz="1400"/>
+              <a:t>흔히 사용되는 </a:t>
+            </a:r>
+            <a:r>
+              <a:rPr lang="en-US" altLang="ko-KR" sz="1400" b="0" i="0">
+                <a:solidFill>
+                  <a:srgbClr val="404950"/>
+                </a:solidFill>
+                <a:effectLst/>
+                <a:latin typeface="Arial" panose="020B0604020202020204" pitchFamily="34" charset="0"/>
+              </a:rPr>
+              <a:t>Ublox NEO-M8N </a:t>
+            </a:r>
+            <a:r>
+              <a:rPr lang="ko-KR" altLang="en-US" sz="1400">
+                <a:solidFill>
+                  <a:srgbClr val="404950"/>
+                </a:solidFill>
+                <a:latin typeface="Arial" panose="020B0604020202020204" pitchFamily="34" charset="0"/>
+              </a:rPr>
+              <a:t>이용 모델 선정</a:t>
+            </a:r>
+            <a:r>
+              <a:rPr lang="en-US" altLang="ko-KR" sz="1400"/>
+              <a:t> </a:t>
+            </a:r>
+            <a:endParaRPr lang="ko-KR" altLang="en-US" sz="1400"/>
+          </a:p>
+        </p:txBody>
+      </p:sp>
+      <p:sp>
+        <p:nvSpPr>
+          <p:cNvPr id="32" name="TextBox 31">
+            <a:extLst>
+              <a:ext uri="{FF2B5EF4-FFF2-40B4-BE49-F238E27FC236}">
+                <a16:creationId xmlns:a16="http://schemas.microsoft.com/office/drawing/2014/main" id="{A3A3E509-9F63-1CCF-B244-96B59B8F5404}"/>
+              </a:ext>
+            </a:extLst>
+          </p:cNvPr>
+          <p:cNvSpPr txBox="1"/>
+          <p:nvPr/>
+        </p:nvSpPr>
+        <p:spPr>
+          <a:xfrm>
+            <a:off x="5534972" y="2484052"/>
+            <a:ext cx="4985997" cy="738664"/>
+          </a:xfrm>
+          <a:prstGeom prst="rect">
+            <a:avLst/>
+          </a:prstGeom>
+        </p:spPr>
+        <p:txBody>
+          <a:bodyPr wrap="square" rtlCol="0">
+            <a:spAutoFit/>
+          </a:bodyPr>
+          <a:lstStyle/>
+          <a:p>
+            <a:r>
+              <a:rPr lang="en-US" altLang="ko-KR" sz="1400"/>
+              <a:t>[FC] : </a:t>
+            </a:r>
+            <a:r>
+              <a:rPr lang="pt-BR" altLang="ko-KR" sz="1400">
+                <a:solidFill>
+                  <a:srgbClr val="1A1926"/>
+                </a:solidFill>
+                <a:latin typeface="Arial" panose="020B0604020202020204" pitchFamily="34" charset="0"/>
+              </a:rPr>
+              <a:t>Cube Pilot OrangeCube</a:t>
+            </a:r>
+            <a:endParaRPr lang="pt-BR" altLang="ko-KR" sz="1400" b="0" i="0">
+              <a:solidFill>
+                <a:srgbClr val="1A1926"/>
+              </a:solidFill>
+              <a:effectLst/>
+              <a:latin typeface="Arial" panose="020B0604020202020204" pitchFamily="34" charset="0"/>
+            </a:endParaRPr>
+          </a:p>
+          <a:p>
+            <a:endParaRPr lang="en-US" altLang="ko-KR" sz="1400"/>
+          </a:p>
+          <a:p>
+            <a:r>
+              <a:rPr lang="ko-KR" altLang="en-US" sz="1400"/>
+              <a:t>조건 </a:t>
+            </a:r>
+            <a:r>
+              <a:rPr lang="en-US" altLang="ko-KR" sz="1400"/>
+              <a:t>– MissionPlanner </a:t>
+            </a:r>
+            <a:r>
+              <a:rPr lang="ko-KR" altLang="en-US" sz="1400"/>
+              <a:t>앱 호환 </a:t>
+            </a:r>
+            <a:r>
+              <a:rPr lang="en-US" altLang="ko-KR" sz="1400"/>
+              <a:t>FC</a:t>
+            </a:r>
+            <a:endParaRPr lang="ko-KR" altLang="en-US" sz="1400"/>
+          </a:p>
+        </p:txBody>
+      </p:sp>
+      <p:sp>
+        <p:nvSpPr>
+          <p:cNvPr id="33" name="TextBox 32">
+            <a:extLst>
+              <a:ext uri="{FF2B5EF4-FFF2-40B4-BE49-F238E27FC236}">
+                <a16:creationId xmlns:a16="http://schemas.microsoft.com/office/drawing/2014/main" id="{CBA58DFD-5F7B-F575-FF0F-88DA068CBE49}"/>
+              </a:ext>
+            </a:extLst>
+          </p:cNvPr>
+          <p:cNvSpPr txBox="1"/>
+          <p:nvPr/>
+        </p:nvSpPr>
+        <p:spPr>
+          <a:xfrm>
+            <a:off x="5534973" y="3418815"/>
+            <a:ext cx="4985997" cy="738664"/>
+          </a:xfrm>
+          <a:prstGeom prst="rect">
+            <a:avLst/>
+          </a:prstGeom>
+        </p:spPr>
+        <p:txBody>
+          <a:bodyPr wrap="square" rtlCol="0">
+            <a:spAutoFit/>
+          </a:bodyPr>
+          <a:lstStyle/>
+          <a:p>
+            <a:r>
+              <a:rPr lang="en-US" altLang="ko-KR" sz="1400"/>
+              <a:t>[Frame] : </a:t>
+            </a:r>
+            <a:r>
+              <a:rPr lang="pt-BR" altLang="ko-KR" sz="1400">
+                <a:solidFill>
+                  <a:srgbClr val="1A1926"/>
+                </a:solidFill>
+                <a:latin typeface="Arial" panose="020B0604020202020204" pitchFamily="34" charset="0"/>
+              </a:rPr>
+              <a:t>RC Bank – F450</a:t>
+            </a:r>
+            <a:endParaRPr lang="pt-BR" altLang="ko-KR" sz="1400" b="0" i="0">
+              <a:solidFill>
+                <a:srgbClr val="1A1926"/>
+              </a:solidFill>
+              <a:effectLst/>
+              <a:latin typeface="Arial" panose="020B0604020202020204" pitchFamily="34" charset="0"/>
+            </a:endParaRPr>
+          </a:p>
+          <a:p>
+            <a:endParaRPr lang="en-US" altLang="ko-KR" sz="1400"/>
+          </a:p>
+          <a:p>
+            <a:r>
+              <a:rPr lang="ko-KR" altLang="en-US" sz="1400"/>
+              <a:t>조건 </a:t>
+            </a:r>
+            <a:r>
+              <a:rPr lang="en-US" altLang="ko-KR" sz="1400"/>
+              <a:t>– 2kg </a:t>
+            </a:r>
+            <a:r>
+              <a:rPr lang="ko-KR" altLang="en-US" sz="1400"/>
+              <a:t>이내 </a:t>
+            </a:r>
+            <a:r>
+              <a:rPr lang="en-US" altLang="ko-KR" sz="1400"/>
+              <a:t>(</a:t>
+            </a:r>
+            <a:r>
+              <a:rPr lang="ko-KR" altLang="en-US" sz="1400"/>
+              <a:t>보유 자격증 기준 상한선 제품</a:t>
+            </a:r>
+            <a:r>
+              <a:rPr lang="en-US" altLang="ko-KR" sz="1400"/>
+              <a:t>)</a:t>
+            </a:r>
+            <a:endParaRPr lang="ko-KR" altLang="en-US" sz="1400"/>
+          </a:p>
+        </p:txBody>
+      </p:sp>
+      <p:sp>
+        <p:nvSpPr>
+          <p:cNvPr id="34" name="TextBox 33">
+            <a:extLst>
+              <a:ext uri="{FF2B5EF4-FFF2-40B4-BE49-F238E27FC236}">
+                <a16:creationId xmlns:a16="http://schemas.microsoft.com/office/drawing/2014/main" id="{0F8FAE51-A6BB-726D-5B3C-2EA10CDFC2F5}"/>
+              </a:ext>
+            </a:extLst>
+          </p:cNvPr>
+          <p:cNvSpPr txBox="1"/>
+          <p:nvPr/>
+        </p:nvSpPr>
+        <p:spPr>
+          <a:xfrm>
+            <a:off x="5560511" y="4413254"/>
+            <a:ext cx="4985997" cy="738664"/>
+          </a:xfrm>
+          <a:prstGeom prst="rect">
+            <a:avLst/>
+          </a:prstGeom>
+        </p:spPr>
+        <p:txBody>
+          <a:bodyPr wrap="square" rtlCol="0">
+            <a:spAutoFit/>
+          </a:bodyPr>
+          <a:lstStyle/>
+          <a:p>
+            <a:r>
+              <a:rPr lang="en-US" altLang="ko-KR" sz="1400"/>
+              <a:t>[Battery] : </a:t>
+            </a:r>
+            <a:r>
+              <a:rPr lang="pt-BR" altLang="ko-KR" sz="1400">
+                <a:solidFill>
+                  <a:srgbClr val="1A1926"/>
+                </a:solidFill>
+                <a:latin typeface="Arial" panose="020B0604020202020204" pitchFamily="34" charset="0"/>
+              </a:rPr>
+              <a:t>PT-B2200N-SP45</a:t>
+            </a:r>
+            <a:endParaRPr lang="pt-BR" altLang="ko-KR" sz="1400" b="0" i="0">
+              <a:solidFill>
+                <a:srgbClr val="1A1926"/>
+              </a:solidFill>
+              <a:effectLst/>
+              <a:latin typeface="Arial" panose="020B0604020202020204" pitchFamily="34" charset="0"/>
+            </a:endParaRPr>
+          </a:p>
+          <a:p>
+            <a:endParaRPr lang="en-US" altLang="ko-KR" sz="1400"/>
+          </a:p>
+          <a:p>
+            <a:r>
+              <a:rPr lang="ko-KR" altLang="en-US" sz="1400"/>
+              <a:t>조건 </a:t>
+            </a:r>
+            <a:r>
+              <a:rPr lang="en-US" altLang="ko-KR" sz="1400"/>
+              <a:t>– </a:t>
+            </a:r>
+            <a:r>
+              <a:rPr lang="ko-KR" altLang="en-US" sz="1400"/>
+              <a:t>테스트 </a:t>
+            </a:r>
+            <a:r>
+              <a:rPr lang="en-US" altLang="ko-KR" sz="1400"/>
+              <a:t>1</a:t>
+            </a:r>
+            <a:r>
+              <a:rPr lang="ko-KR" altLang="en-US" sz="1400"/>
+              <a:t>시간 확보 가능한 제품</a:t>
+            </a:r>
+          </a:p>
+        </p:txBody>
+      </p:sp>
+      <p:sp>
+        <p:nvSpPr>
+          <p:cNvPr id="2" name="TextBox 1">
+            <a:extLst>
+              <a:ext uri="{FF2B5EF4-FFF2-40B4-BE49-F238E27FC236}">
+                <a16:creationId xmlns:a16="http://schemas.microsoft.com/office/drawing/2014/main" id="{ED93C752-314E-699B-57FA-0D08B0A06742}"/>
+              </a:ext>
+            </a:extLst>
+          </p:cNvPr>
+          <p:cNvSpPr txBox="1"/>
+          <p:nvPr/>
+        </p:nvSpPr>
+        <p:spPr>
+          <a:xfrm>
+            <a:off x="5559140" y="5333778"/>
+            <a:ext cx="5177861" cy="738664"/>
+          </a:xfrm>
+          <a:prstGeom prst="rect">
+            <a:avLst/>
+          </a:prstGeom>
+        </p:spPr>
+        <p:txBody>
+          <a:bodyPr wrap="square" rtlCol="0">
+            <a:spAutoFit/>
+          </a:bodyPr>
+          <a:lstStyle/>
+          <a:p>
+            <a:r>
+              <a:rPr lang="en-US" altLang="ko-KR" sz="1400"/>
+              <a:t>[Telemetry] : Holybro </a:t>
+            </a:r>
+            <a:r>
+              <a:rPr lang="pt-BR" altLang="ko-KR" sz="1400">
+                <a:solidFill>
+                  <a:srgbClr val="1A1926"/>
+                </a:solidFill>
+                <a:latin typeface="Arial" panose="020B0604020202020204" pitchFamily="34" charset="0"/>
+              </a:rPr>
+              <a:t>sik telemetry radio v3</a:t>
+            </a:r>
+          </a:p>
+          <a:p>
+            <a:endParaRPr lang="en-US" altLang="ko-KR" sz="1400"/>
+          </a:p>
+          <a:p>
+            <a:r>
+              <a:rPr lang="ko-KR" altLang="en-US" sz="1400"/>
+              <a:t>조건 </a:t>
+            </a:r>
+            <a:r>
+              <a:rPr lang="en-US" altLang="ko-KR" sz="1400"/>
+              <a:t>– </a:t>
+            </a:r>
+            <a:r>
+              <a:rPr lang="ko-KR" altLang="en-US" sz="1400"/>
+              <a:t>최대 </a:t>
+            </a:r>
+            <a:r>
+              <a:rPr lang="en-US" altLang="ko-KR" sz="1400"/>
+              <a:t>100m </a:t>
+            </a:r>
+            <a:r>
+              <a:rPr lang="ko-KR" altLang="en-US" sz="1400"/>
+              <a:t>까지 테스트 가능한 제품군 </a:t>
+            </a:r>
+            <a:r>
+              <a:rPr lang="en-US" altLang="ko-KR" sz="1400"/>
+              <a:t>(</a:t>
+            </a:r>
+            <a:r>
+              <a:rPr lang="ko-KR" altLang="en-US" sz="1400"/>
+              <a:t>통신 안정성 확보</a:t>
+            </a:r>
+            <a:r>
+              <a:rPr lang="en-US" altLang="ko-KR" sz="1400"/>
+              <a:t>)</a:t>
+            </a:r>
+            <a:endParaRPr lang="ko-KR" altLang="en-US" sz="1400"/>
+          </a:p>
+        </p:txBody>
+      </p:sp>
+    </p:spTree>
+    <p:extLst>
+      <p:ext uri="{BB962C8B-B14F-4D97-AF65-F5344CB8AC3E}">
+        <p14:creationId xmlns:p14="http://schemas.microsoft.com/office/powerpoint/2010/main" val="2281812130"/>
+      </p:ext>
+    </p:extLst>
+  </p:cSld>
+  <p:clrMapOvr>
+    <a:masterClrMapping/>
+  </p:clrMapOvr>
+  <mc:AlternateContent xmlns:mc="http://schemas.openxmlformats.org/markup-compatibility/2006" xmlns:p14="http://schemas.microsoft.com/office/powerpoint/2010/main">
+    <mc:Choice Requires="p14">
+      <p:transition/>
+    </mc:Choice>
+    <mc:Fallback xmlns:dsp="http://schemas.microsoft.com/office/drawing/2008/diagram" xmlns:dgm="http://schemas.openxmlformats.org/drawingml/2006/diagram" xmlns:c="http://schemas.openxmlformats.org/drawingml/2006/chart" xmlns="">
+      <p:transition/>
+    </mc:Fallback>
+  </mc:AlternateContent>
+</p:sld>
+</file>
+
+<file path=ppt/slides/slide11.xml><?xml version="1.0" encoding="utf-8"?>
+<p:sld xmlns:a="http://schemas.openxmlformats.org/drawingml/2006/main" xmlns:r="http://schemas.openxmlformats.org/officeDocument/2006/relationships" xmlns:p="http://schemas.openxmlformats.org/presentationml/2006/main">
+  <p:cSld>
+    <p:spTree>
+      <p:nvGrpSpPr>
+        <p:cNvPr id="1" name="">
+          <a:extLst>
+            <a:ext uri="{FF2B5EF4-FFF2-40B4-BE49-F238E27FC236}">
+              <a16:creationId xmlns:a16="http://schemas.microsoft.com/office/drawing/2014/main" id="{F9895D49-968F-9187-EF6C-ABEA033A0913}"/>
+            </a:ext>
+          </a:extLst>
+        </p:cNvPr>
+        <p:cNvGrpSpPr/>
+        <p:nvPr/>
+      </p:nvGrpSpPr>
+      <p:grpSpPr>
+        <a:xfrm>
+          <a:off x="0" y="0"/>
+          <a:ext cx="0" cy="0"/>
+          <a:chOff x="0" y="0"/>
+          <a:chExt cx="0" cy="0"/>
+        </a:xfrm>
+      </p:grpSpPr>
+      <p:sp>
+        <p:nvSpPr>
+          <p:cNvPr id="6" name="TextBox 5">
+            <a:extLst>
+              <a:ext uri="{FF2B5EF4-FFF2-40B4-BE49-F238E27FC236}">
+                <a16:creationId xmlns:a16="http://schemas.microsoft.com/office/drawing/2014/main" id="{A1984D5A-6B90-5112-5834-71ED420C02C3}"/>
+              </a:ext>
+            </a:extLst>
+          </p:cNvPr>
+          <p:cNvSpPr txBox="1"/>
+          <p:nvPr/>
+        </p:nvSpPr>
+        <p:spPr>
+          <a:xfrm>
+            <a:off x="500033" y="392049"/>
+            <a:ext cx="1266693" cy="307777"/>
+          </a:xfrm>
+          <a:prstGeom prst="rect">
+            <a:avLst/>
+          </a:prstGeom>
+        </p:spPr>
+        <p:txBody>
+          <a:bodyPr wrap="none">
+            <a:spAutoFit/>
+          </a:bodyPr>
+          <a:lstStyle/>
+          <a:p>
+            <a:pPr algn="ctr">
+              <a:defRPr/>
+            </a:pPr>
+            <a:r>
+              <a:rPr lang="en-US" altLang="ko-KR" sz="1400">
+                <a:solidFill>
+                  <a:srgbClr val="0F3158"/>
+                </a:solidFill>
+                <a:latin typeface="나눔스퀘어_ac ExtraBold"/>
+                <a:ea typeface="나눔스퀘어_ac ExtraBold"/>
+              </a:rPr>
+              <a:t>02.</a:t>
+            </a:r>
+            <a:r>
+              <a:rPr lang="ko-KR" altLang="en-US" sz="1400">
+                <a:solidFill>
+                  <a:srgbClr val="0F3158"/>
+                </a:solidFill>
+                <a:latin typeface="나눔스퀘어_ac ExtraBold"/>
+                <a:ea typeface="나눔스퀘어_ac ExtraBold"/>
+              </a:rPr>
+              <a:t> 개발 과정</a:t>
+            </a:r>
+          </a:p>
+        </p:txBody>
+      </p:sp>
+      <p:sp>
+        <p:nvSpPr>
+          <p:cNvPr id="8" name="TextBox 7">
+            <a:extLst>
+              <a:ext uri="{FF2B5EF4-FFF2-40B4-BE49-F238E27FC236}">
+                <a16:creationId xmlns:a16="http://schemas.microsoft.com/office/drawing/2014/main" id="{B06C5B77-ABA1-2E5C-D771-97A9C9015DCB}"/>
+              </a:ext>
+            </a:extLst>
+          </p:cNvPr>
+          <p:cNvSpPr txBox="1"/>
+          <p:nvPr/>
+        </p:nvSpPr>
+        <p:spPr>
+          <a:xfrm>
+            <a:off x="9124299" y="392049"/>
+            <a:ext cx="1832554" cy="246221"/>
+          </a:xfrm>
+          <a:prstGeom prst="rect">
+            <a:avLst/>
+          </a:prstGeom>
+        </p:spPr>
+        <p:txBody>
+          <a:bodyPr wrap="none">
+            <a:spAutoFit/>
+          </a:bodyPr>
+          <a:lstStyle/>
+          <a:p>
+            <a:pPr algn="ctr">
+              <a:defRPr/>
+            </a:pPr>
+            <a:r>
+              <a:rPr lang="en-US" altLang="ko-KR" sz="1000">
+                <a:solidFill>
+                  <a:srgbClr val="0F3158"/>
+                </a:solidFill>
+                <a:latin typeface="나눔스퀘어_ac ExtraBold"/>
+                <a:ea typeface="나눔스퀘어_ac ExtraBold"/>
+              </a:rPr>
+              <a:t>ICT </a:t>
+            </a:r>
+            <a:r>
+              <a:rPr lang="ko-KR" altLang="en-US" sz="1000">
+                <a:solidFill>
+                  <a:srgbClr val="0F3158"/>
+                </a:solidFill>
+                <a:latin typeface="나눔스퀘어_ac ExtraBold"/>
+                <a:ea typeface="나눔스퀘어_ac ExtraBold"/>
+              </a:rPr>
+              <a:t>캡스톤 디자인 최종 발표</a:t>
+            </a:r>
+          </a:p>
+        </p:txBody>
+      </p:sp>
+      <p:sp>
+        <p:nvSpPr>
+          <p:cNvPr id="18" name="직사각형 17">
+            <a:extLst>
+              <a:ext uri="{FF2B5EF4-FFF2-40B4-BE49-F238E27FC236}">
+                <a16:creationId xmlns:a16="http://schemas.microsoft.com/office/drawing/2014/main" id="{48052519-8411-F104-F047-2CD22252D21B}"/>
+              </a:ext>
+            </a:extLst>
+          </p:cNvPr>
+          <p:cNvSpPr/>
+          <p:nvPr/>
+        </p:nvSpPr>
+        <p:spPr>
+          <a:xfrm>
+            <a:off x="439255" y="392049"/>
+            <a:ext cx="45720" cy="588645"/>
+          </a:xfrm>
+          <a:prstGeom prst="rect">
+            <a:avLst/>
+          </a:prstGeom>
+          <a:solidFill>
+            <a:srgbClr val="0F3158"/>
+          </a:solidFill>
+          <a:ln>
+            <a:noFill/>
+          </a:ln>
+        </p:spPr>
+        <p:style>
+          <a:lnRef idx="2">
+            <a:schemeClr val="accent1">
+              <a:shade val="20000"/>
+            </a:schemeClr>
+          </a:lnRef>
+          <a:fillRef idx="1">
+            <a:schemeClr val="accent1"/>
+          </a:fillRef>
+          <a:effectRef idx="0">
+            <a:schemeClr val="accent1"/>
+          </a:effectRef>
+          <a:fontRef idx="minor">
+            <a:schemeClr val="lt1"/>
+          </a:fontRef>
+        </p:style>
+        <p:txBody>
+          <a:bodyPr anchor="ctr"/>
+          <a:lstStyle/>
+          <a:p>
+            <a:pPr algn="ctr">
+              <a:defRPr/>
+            </a:pPr>
+            <a:endParaRPr lang="ko-KR" altLang="en-US">
+              <a:noFill/>
+            </a:endParaRPr>
+          </a:p>
+        </p:txBody>
+      </p:sp>
+      <p:sp>
+        <p:nvSpPr>
+          <p:cNvPr id="31" name="TextBox 30">
+            <a:extLst>
+              <a:ext uri="{FF2B5EF4-FFF2-40B4-BE49-F238E27FC236}">
+                <a16:creationId xmlns:a16="http://schemas.microsoft.com/office/drawing/2014/main" id="{EDE5AE5E-4BEB-59A4-58E2-8FAD984E0829}"/>
+              </a:ext>
+            </a:extLst>
+          </p:cNvPr>
+          <p:cNvSpPr txBox="1"/>
+          <p:nvPr/>
+        </p:nvSpPr>
+        <p:spPr>
+          <a:xfrm>
+            <a:off x="523406" y="670130"/>
+            <a:ext cx="492444" cy="276999"/>
+          </a:xfrm>
+          <a:prstGeom prst="rect">
+            <a:avLst/>
+          </a:prstGeom>
+        </p:spPr>
+        <p:txBody>
+          <a:bodyPr wrap="none">
+            <a:spAutoFit/>
+          </a:bodyPr>
+          <a:lstStyle/>
+          <a:p>
+            <a:pPr algn="ctr">
+              <a:defRPr/>
+            </a:pPr>
+            <a:r>
+              <a:rPr lang="ko-KR" altLang="en-US" sz="1200" b="1">
+                <a:solidFill>
+                  <a:srgbClr val="A9AAAA"/>
+                </a:solidFill>
+                <a:latin typeface="나눔스퀘어_ac Bold"/>
+                <a:ea typeface="나눔스퀘어_ac Bold"/>
+              </a:rPr>
+              <a:t>드론</a:t>
+            </a:r>
+          </a:p>
+        </p:txBody>
+      </p:sp>
+      <p:sp>
+        <p:nvSpPr>
+          <p:cNvPr id="17" name="TextBox 16">
+            <a:extLst>
+              <a:ext uri="{FF2B5EF4-FFF2-40B4-BE49-F238E27FC236}">
+                <a16:creationId xmlns:a16="http://schemas.microsoft.com/office/drawing/2014/main" id="{48CD5D72-6613-86AB-9428-293B2A5C6B84}"/>
+              </a:ext>
+            </a:extLst>
+          </p:cNvPr>
+          <p:cNvSpPr txBox="1"/>
+          <p:nvPr/>
+        </p:nvSpPr>
+        <p:spPr>
+          <a:xfrm>
+            <a:off x="437164" y="1340710"/>
+            <a:ext cx="5285427" cy="4708981"/>
+          </a:xfrm>
+          <a:prstGeom prst="rect">
+            <a:avLst/>
+          </a:prstGeom>
+        </p:spPr>
+        <p:txBody>
+          <a:bodyPr wrap="square" rtlCol="0">
+            <a:spAutoFit/>
+          </a:bodyPr>
+          <a:lstStyle/>
+          <a:p>
+            <a:r>
+              <a:rPr lang="en-US" altLang="ko-KR" sz="2000"/>
+              <a:t>[ Process List ]</a:t>
+            </a:r>
+          </a:p>
+          <a:p>
+            <a:r>
+              <a:rPr lang="en-US" altLang="ko-KR" sz="2000"/>
+              <a:t> </a:t>
+            </a:r>
+          </a:p>
+          <a:p>
+            <a:pPr marL="285750" indent="-285750">
+              <a:buFontTx/>
+              <a:buChar char="-"/>
+            </a:pPr>
+            <a:r>
+              <a:rPr lang="en-US" altLang="ko-KR" sz="2000"/>
+              <a:t>FC </a:t>
+            </a:r>
+            <a:r>
+              <a:rPr lang="ko-KR" altLang="en-US" sz="2000"/>
+              <a:t>검증  </a:t>
+            </a:r>
+            <a:endParaRPr lang="en-US" altLang="ko-KR" sz="2000"/>
+          </a:p>
+          <a:p>
+            <a:pPr marL="285750" indent="-285750">
+              <a:buFontTx/>
+              <a:buChar char="-"/>
+            </a:pPr>
+            <a:r>
+              <a:rPr lang="ko-KR" altLang="en-US" sz="2000"/>
+              <a:t>하드웨어 납땜 및 체결</a:t>
+            </a:r>
+            <a:endParaRPr lang="en-US" altLang="ko-KR" sz="2000"/>
+          </a:p>
+          <a:p>
+            <a:pPr marL="285750" indent="-285750">
+              <a:buFontTx/>
+              <a:buChar char="-"/>
+            </a:pPr>
+            <a:r>
+              <a:rPr lang="ko-KR" altLang="en-US" sz="2000"/>
+              <a:t>배터리 에이징 테스트</a:t>
+            </a:r>
+            <a:endParaRPr lang="en-US" altLang="ko-KR" sz="2000"/>
+          </a:p>
+          <a:p>
+            <a:pPr marL="285750" indent="-285750">
+              <a:buFontTx/>
+              <a:buChar char="-"/>
+            </a:pPr>
+            <a:r>
+              <a:rPr lang="en-US" altLang="ko-KR" sz="2000"/>
+              <a:t>Telemetry Test</a:t>
+            </a:r>
+          </a:p>
+          <a:p>
+            <a:pPr marL="285750" indent="-285750">
+              <a:buFontTx/>
+              <a:buChar char="-"/>
+            </a:pPr>
+            <a:r>
+              <a:rPr lang="en-US" altLang="ko-KR" sz="2000"/>
+              <a:t>GPS Test</a:t>
+            </a:r>
+          </a:p>
+          <a:p>
+            <a:pPr marL="285750" indent="-285750">
+              <a:buFontTx/>
+              <a:buChar char="-"/>
+            </a:pPr>
+            <a:r>
+              <a:rPr lang="en-US" altLang="ko-KR" sz="2000"/>
+              <a:t>ESC Calibration</a:t>
+            </a:r>
+          </a:p>
+          <a:p>
+            <a:pPr marL="285750" indent="-285750">
+              <a:buFontTx/>
+              <a:buChar char="-"/>
+            </a:pPr>
+            <a:r>
+              <a:rPr lang="en-US" altLang="ko-KR" sz="2000"/>
+              <a:t>Motor Test</a:t>
+            </a:r>
+          </a:p>
+          <a:p>
+            <a:pPr marL="285750" indent="-285750">
+              <a:buFontTx/>
+              <a:buChar char="-"/>
+            </a:pPr>
+            <a:r>
+              <a:rPr lang="en-US" altLang="ko-KR" sz="2000"/>
+              <a:t>FC</a:t>
+            </a:r>
+            <a:r>
+              <a:rPr lang="ko-KR" altLang="en-US" sz="2000"/>
+              <a:t> </a:t>
+            </a:r>
+            <a:r>
+              <a:rPr lang="en-US" altLang="ko-KR" sz="2000"/>
+              <a:t>Parameter</a:t>
+            </a:r>
+            <a:r>
+              <a:rPr lang="ko-KR" altLang="en-US" sz="2000"/>
+              <a:t> </a:t>
+            </a:r>
+            <a:r>
+              <a:rPr lang="en-US" altLang="ko-KR" sz="2000"/>
+              <a:t>Setting</a:t>
+            </a:r>
+          </a:p>
+          <a:p>
+            <a:pPr marL="285750" indent="-285750">
+              <a:buFontTx/>
+              <a:buChar char="-"/>
+            </a:pPr>
+            <a:endParaRPr lang="en-US" altLang="ko-KR" sz="2000"/>
+          </a:p>
+          <a:p>
+            <a:pPr marL="285750" indent="-285750">
+              <a:buFontTx/>
+              <a:buChar char="-"/>
+            </a:pPr>
+            <a:endParaRPr lang="en-US" altLang="ko-KR" sz="2000"/>
+          </a:p>
+          <a:p>
+            <a:pPr marL="285750" indent="-285750">
+              <a:buFontTx/>
+              <a:buChar char="-"/>
+            </a:pPr>
+            <a:endParaRPr lang="en-US" altLang="ko-KR" sz="2000"/>
+          </a:p>
+          <a:p>
+            <a:r>
+              <a:rPr lang="en-US" altLang="ko-KR" sz="2000"/>
+              <a:t>&lt; 2024.12 ~ 2025.05 &gt;</a:t>
+            </a:r>
+          </a:p>
+          <a:p>
+            <a:endParaRPr lang="en-US" altLang="ko-KR" sz="2000"/>
+          </a:p>
+        </p:txBody>
+      </p:sp>
+      <p:sp>
+        <p:nvSpPr>
+          <p:cNvPr id="2" name="TextBox 1">
+            <a:extLst>
+              <a:ext uri="{FF2B5EF4-FFF2-40B4-BE49-F238E27FC236}">
+                <a16:creationId xmlns:a16="http://schemas.microsoft.com/office/drawing/2014/main" id="{99D9027D-1AFD-53FA-6C9B-278D6F373846}"/>
+              </a:ext>
+            </a:extLst>
+          </p:cNvPr>
+          <p:cNvSpPr txBox="1"/>
+          <p:nvPr/>
+        </p:nvSpPr>
+        <p:spPr>
+          <a:xfrm>
+            <a:off x="5555824" y="1340710"/>
+            <a:ext cx="5285427" cy="2554545"/>
+          </a:xfrm>
+          <a:prstGeom prst="rect">
+            <a:avLst/>
+          </a:prstGeom>
+        </p:spPr>
+        <p:txBody>
+          <a:bodyPr wrap="square" rtlCol="0">
+            <a:spAutoFit/>
+          </a:bodyPr>
+          <a:lstStyle/>
+          <a:p>
+            <a:r>
+              <a:rPr lang="en-US" altLang="ko-KR" sz="2000"/>
+              <a:t>[ Feature List ]</a:t>
+            </a:r>
+          </a:p>
+          <a:p>
+            <a:r>
+              <a:rPr lang="en-US" altLang="ko-KR" sz="2000"/>
+              <a:t> </a:t>
+            </a:r>
+          </a:p>
+          <a:p>
+            <a:pPr marL="285750" indent="-285750">
+              <a:buFontTx/>
+              <a:buChar char="-"/>
+            </a:pPr>
+            <a:r>
+              <a:rPr lang="ko-KR" altLang="en-US" sz="2000"/>
+              <a:t>실시간 원격 데이터 처리</a:t>
+            </a:r>
+            <a:endParaRPr lang="en-US" altLang="ko-KR" sz="2000"/>
+          </a:p>
+          <a:p>
+            <a:pPr marL="285750" indent="-285750">
+              <a:buFontTx/>
+              <a:buChar char="-"/>
+            </a:pPr>
+            <a:r>
+              <a:rPr lang="en-US" altLang="ko-KR" sz="2000"/>
+              <a:t>RTL </a:t>
+            </a:r>
+            <a:r>
+              <a:rPr lang="ko-KR" altLang="en-US" sz="2000"/>
+              <a:t>기능 탑재</a:t>
+            </a:r>
+            <a:endParaRPr lang="en-US" altLang="ko-KR" sz="2000"/>
+          </a:p>
+          <a:p>
+            <a:pPr marL="285750" indent="-285750">
+              <a:buFontTx/>
+              <a:buChar char="-"/>
+            </a:pPr>
+            <a:r>
+              <a:rPr lang="en-US" altLang="ko-KR" sz="2000"/>
+              <a:t>GCS</a:t>
+            </a:r>
+            <a:r>
+              <a:rPr lang="ko-KR" altLang="en-US" sz="2000"/>
+              <a:t> 기반 위치 제어</a:t>
+            </a:r>
+            <a:endParaRPr lang="en-US" altLang="ko-KR" sz="2000"/>
+          </a:p>
+          <a:p>
+            <a:pPr marL="285750" indent="-285750">
+              <a:buFontTx/>
+              <a:buChar char="-"/>
+            </a:pPr>
+            <a:endParaRPr lang="en-US" altLang="ko-KR" sz="2000"/>
+          </a:p>
+          <a:p>
+            <a:pPr marL="285750" indent="-285750">
+              <a:buFontTx/>
+              <a:buChar char="-"/>
+            </a:pPr>
+            <a:endParaRPr lang="en-US" altLang="ko-KR" sz="2000"/>
+          </a:p>
+          <a:p>
+            <a:endParaRPr lang="en-US" altLang="ko-KR" sz="2000"/>
+          </a:p>
+        </p:txBody>
+      </p:sp>
+    </p:spTree>
+    <p:extLst>
+      <p:ext uri="{BB962C8B-B14F-4D97-AF65-F5344CB8AC3E}">
+        <p14:creationId xmlns:p14="http://schemas.microsoft.com/office/powerpoint/2010/main" val="1936627839"/>
+      </p:ext>
+    </p:extLst>
+  </p:cSld>
+  <p:clrMapOvr>
+    <a:masterClrMapping/>
+  </p:clrMapOvr>
+  <mc:AlternateContent xmlns:mc="http://schemas.openxmlformats.org/markup-compatibility/2006" xmlns:p14="http://schemas.microsoft.com/office/powerpoint/2010/main">
+    <mc:Choice Requires="p14">
+      <p:transition/>
+    </mc:Choice>
+    <mc:Fallback xmlns:dsp="http://schemas.microsoft.com/office/drawing/2008/diagram" xmlns:dgm="http://schemas.openxmlformats.org/drawingml/2006/diagram" xmlns:c="http://schemas.openxmlformats.org/drawingml/2006/chart" xmlns="">
+      <p:transition/>
+    </mc:Fallback>
+  </mc:AlternateContent>
+</p:sld>
+</file>
+
+<file path=ppt/slides/slide12.xml><?xml version="1.0" encoding="utf-8"?>
 <p:sld xmlns:a="http://schemas.openxmlformats.org/drawingml/2006/main" xmlns:r="http://schemas.openxmlformats.org/officeDocument/2006/relationships" xmlns:p="http://schemas.openxmlformats.org/presentationml/2006/main">
   <p:cSld>
     <p:spTree>
@@ -4460,14 +5654,14 @@
     <mc:Choice Requires="p14">
       <p:transition/>
     </mc:Choice>
-    <mc:Fallback xmlns="" xmlns:c="http://schemas.openxmlformats.org/drawingml/2006/chart" xmlns:dgm="http://schemas.openxmlformats.org/drawingml/2006/diagram" xmlns:dsp="http://schemas.microsoft.com/office/drawing/2008/diagram">
+    <mc:Fallback xmlns:dsp="http://schemas.microsoft.com/office/drawing/2008/diagram" xmlns:dgm="http://schemas.openxmlformats.org/drawingml/2006/diagram" xmlns:c="http://schemas.openxmlformats.org/drawingml/2006/chart" xmlns="">
       <p:transition/>
     </mc:Fallback>
   </mc:AlternateContent>
 </p:sld>
 </file>
 
-<file path=ppt/slides/slide11.xml><?xml version="1.0" encoding="utf-8"?>
+<file path=ppt/slides/slide13.xml><?xml version="1.0" encoding="utf-8"?>
 <p:sld xmlns:a="http://schemas.openxmlformats.org/drawingml/2006/main" xmlns:r="http://schemas.openxmlformats.org/officeDocument/2006/relationships" xmlns:p="http://schemas.openxmlformats.org/presentationml/2006/main">
   <p:cSld>
     <p:spTree>
@@ -4993,14 +6187,14 @@
     <mc:Choice Requires="p14">
       <p:transition/>
     </mc:Choice>
-    <mc:Fallback xmlns="" xmlns:c="http://schemas.openxmlformats.org/drawingml/2006/chart" xmlns:dgm="http://schemas.openxmlformats.org/drawingml/2006/diagram" xmlns:dsp="http://schemas.microsoft.com/office/drawing/2008/diagram">
+    <mc:Fallback xmlns:dsp="http://schemas.microsoft.com/office/drawing/2008/diagram" xmlns:dgm="http://schemas.openxmlformats.org/drawingml/2006/diagram" xmlns:c="http://schemas.openxmlformats.org/drawingml/2006/chart" xmlns="">
       <p:transition/>
     </mc:Fallback>
   </mc:AlternateContent>
 </p:sld>
 </file>
 
-<file path=ppt/slides/slide12.xml><?xml version="1.0" encoding="utf-8"?>
+<file path=ppt/slides/slide14.xml><?xml version="1.0" encoding="utf-8"?>
 <p:sld xmlns:a="http://schemas.openxmlformats.org/drawingml/2006/main" xmlns:r="http://schemas.openxmlformats.org/officeDocument/2006/relationships" xmlns:p="http://schemas.openxmlformats.org/presentationml/2006/main">
   <p:cSld>
     <p:spTree>
@@ -5773,14 +6967,14 @@
     <mc:Choice Requires="p14">
       <p:transition/>
     </mc:Choice>
-    <mc:Fallback xmlns="" xmlns:c="http://schemas.openxmlformats.org/drawingml/2006/chart" xmlns:dgm="http://schemas.openxmlformats.org/drawingml/2006/diagram" xmlns:dsp="http://schemas.microsoft.com/office/drawing/2008/diagram">
+    <mc:Fallback xmlns:dsp="http://schemas.microsoft.com/office/drawing/2008/diagram" xmlns:dgm="http://schemas.openxmlformats.org/drawingml/2006/diagram" xmlns:c="http://schemas.openxmlformats.org/drawingml/2006/chart" xmlns="">
       <p:transition/>
     </mc:Fallback>
   </mc:AlternateContent>
 </p:sld>
 </file>
 
-<file path=ppt/slides/slide13.xml><?xml version="1.0" encoding="utf-8"?>
+<file path=ppt/slides/slide15.xml><?xml version="1.0" encoding="utf-8"?>
 <p:sld xmlns:a="http://schemas.openxmlformats.org/drawingml/2006/main" xmlns:r="http://schemas.openxmlformats.org/officeDocument/2006/relationships" xmlns:p="http://schemas.openxmlformats.org/presentationml/2006/main">
   <p:cSld>
     <p:spTree>
@@ -6336,14 +7530,14 @@
     <mc:Choice Requires="p14">
       <p:transition/>
     </mc:Choice>
-    <mc:Fallback xmlns="" xmlns:c="http://schemas.openxmlformats.org/drawingml/2006/chart" xmlns:dgm="http://schemas.openxmlformats.org/drawingml/2006/diagram" xmlns:dsp="http://schemas.microsoft.com/office/drawing/2008/diagram">
+    <mc:Fallback xmlns:dsp="http://schemas.microsoft.com/office/drawing/2008/diagram" xmlns:dgm="http://schemas.openxmlformats.org/drawingml/2006/diagram" xmlns:c="http://schemas.openxmlformats.org/drawingml/2006/chart" xmlns="">
       <p:transition/>
     </mc:Fallback>
   </mc:AlternateContent>
 </p:sld>
 </file>
 
-<file path=ppt/slides/slide14.xml><?xml version="1.0" encoding="utf-8"?>
+<file path=ppt/slides/slide16.xml><?xml version="1.0" encoding="utf-8"?>
 <p:sld xmlns:a="http://schemas.openxmlformats.org/drawingml/2006/main" xmlns:r="http://schemas.openxmlformats.org/officeDocument/2006/relationships" xmlns:p="http://schemas.openxmlformats.org/presentationml/2006/main">
   <p:cSld>
     <p:spTree>
@@ -6496,14 +7690,14 @@
     <mc:Choice Requires="p14">
       <p:transition/>
     </mc:Choice>
-    <mc:Fallback xmlns="" xmlns:c="http://schemas.openxmlformats.org/drawingml/2006/chart" xmlns:dgm="http://schemas.openxmlformats.org/drawingml/2006/diagram" xmlns:dsp="http://schemas.microsoft.com/office/drawing/2008/diagram">
+    <mc:Fallback xmlns:dsp="http://schemas.microsoft.com/office/drawing/2008/diagram" xmlns:dgm="http://schemas.openxmlformats.org/drawingml/2006/diagram" xmlns:c="http://schemas.openxmlformats.org/drawingml/2006/chart" xmlns="">
       <p:transition/>
     </mc:Fallback>
   </mc:AlternateContent>
 </p:sld>
 </file>
 
-<file path=ppt/slides/slide15.xml><?xml version="1.0" encoding="utf-8"?>
+<file path=ppt/slides/slide17.xml><?xml version="1.0" encoding="utf-8"?>
 <p:sld xmlns:a="http://schemas.openxmlformats.org/drawingml/2006/main" xmlns:r="http://schemas.openxmlformats.org/officeDocument/2006/relationships" xmlns:p="http://schemas.openxmlformats.org/presentationml/2006/main">
   <p:cSld>
     <p:spTree>
@@ -9323,14 +10517,14 @@
     <mc:Choice Requires="p14">
       <p:transition/>
     </mc:Choice>
-    <mc:Fallback xmlns="" xmlns:c="http://schemas.openxmlformats.org/drawingml/2006/chart" xmlns:dgm="http://schemas.openxmlformats.org/drawingml/2006/diagram" xmlns:dsp="http://schemas.microsoft.com/office/drawing/2008/diagram">
+    <mc:Fallback xmlns:dsp="http://schemas.microsoft.com/office/drawing/2008/diagram" xmlns:dgm="http://schemas.openxmlformats.org/drawingml/2006/diagram" xmlns:c="http://schemas.openxmlformats.org/drawingml/2006/chart" xmlns="">
       <p:transition/>
     </mc:Fallback>
   </mc:AlternateContent>
 </p:sld>
 </file>
 
-<file path=ppt/slides/slide16.xml><?xml version="1.0" encoding="utf-8"?>
+<file path=ppt/slides/slide18.xml><?xml version="1.0" encoding="utf-8"?>
 <p:sld xmlns:a="http://schemas.openxmlformats.org/drawingml/2006/main" xmlns:r="http://schemas.openxmlformats.org/officeDocument/2006/relationships" xmlns:p="http://schemas.openxmlformats.org/presentationml/2006/main">
   <p:cSld>
     <p:spTree>
@@ -9572,14 +10766,14 @@
     <mc:Choice Requires="p14">
       <p:transition/>
     </mc:Choice>
-    <mc:Fallback xmlns="" xmlns:c="http://schemas.openxmlformats.org/drawingml/2006/chart" xmlns:dgm="http://schemas.openxmlformats.org/drawingml/2006/diagram" xmlns:dsp="http://schemas.microsoft.com/office/drawing/2008/diagram">
+    <mc:Fallback xmlns:dsp="http://schemas.microsoft.com/office/drawing/2008/diagram" xmlns:dgm="http://schemas.openxmlformats.org/drawingml/2006/diagram" xmlns:c="http://schemas.openxmlformats.org/drawingml/2006/chart" xmlns="">
       <p:transition/>
     </mc:Fallback>
   </mc:AlternateContent>
 </p:sld>
 </file>
 
-<file path=ppt/slides/slide17.xml><?xml version="1.0" encoding="utf-8"?>
+<file path=ppt/slides/slide19.xml><?xml version="1.0" encoding="utf-8"?>
 <p:sld xmlns:a="http://schemas.openxmlformats.org/drawingml/2006/main" xmlns:r="http://schemas.openxmlformats.org/officeDocument/2006/relationships" xmlns:p="http://schemas.openxmlformats.org/presentationml/2006/main">
   <p:cSld>
     <p:spTree>
@@ -9732,1493 +10926,7 @@
     <mc:Choice Requires="p14">
       <p:transition/>
     </mc:Choice>
-    <mc:Fallback xmlns="" xmlns:c="http://schemas.openxmlformats.org/drawingml/2006/chart" xmlns:dgm="http://schemas.openxmlformats.org/drawingml/2006/diagram" xmlns:dsp="http://schemas.microsoft.com/office/drawing/2008/diagram">
-      <p:transition/>
-    </mc:Fallback>
-  </mc:AlternateContent>
-</p:sld>
-</file>
-
-<file path=ppt/slides/slide18.xml><?xml version="1.0" encoding="utf-8"?>
-<p:sld xmlns:a="http://schemas.openxmlformats.org/drawingml/2006/main" xmlns:r="http://schemas.openxmlformats.org/officeDocument/2006/relationships" xmlns:p="http://schemas.openxmlformats.org/presentationml/2006/main">
-  <p:cSld>
-    <p:spTree>
-      <p:nvGrpSpPr>
-        <p:cNvPr id="1" name=""/>
-        <p:cNvGrpSpPr/>
-        <p:nvPr/>
-      </p:nvGrpSpPr>
-      <p:grpSpPr>
-        <a:xfrm>
-          <a:off x="0" y="0"/>
-          <a:ext cx="0" cy="0"/>
-          <a:chOff x="0" y="0"/>
-          <a:chExt cx="0" cy="0"/>
-        </a:xfrm>
-      </p:grpSpPr>
-      <p:sp>
-        <p:nvSpPr>
-          <p:cNvPr id="12" name="타원 11"/>
-          <p:cNvSpPr/>
-          <p:nvPr/>
-        </p:nvSpPr>
-        <p:spPr>
-          <a:xfrm>
-            <a:off x="1447381" y="2060829"/>
-            <a:ext cx="2340292" cy="2340292"/>
-          </a:xfrm>
-          <a:prstGeom prst="ellipse">
-            <a:avLst/>
-          </a:prstGeom>
-          <a:noFill/>
-          <a:ln w="76200">
-            <a:solidFill>
-              <a:srgbClr val="B7C1CD"/>
-            </a:solidFill>
-          </a:ln>
-        </p:spPr>
-        <p:style>
-          <a:lnRef idx="2">
-            <a:schemeClr val="accent1">
-              <a:shade val="20000"/>
-            </a:schemeClr>
-          </a:lnRef>
-          <a:fillRef idx="1">
-            <a:schemeClr val="accent1"/>
-          </a:fillRef>
-          <a:effectRef idx="0">
-            <a:schemeClr val="accent1"/>
-          </a:effectRef>
-          <a:fontRef idx="minor">
-            <a:schemeClr val="lt1"/>
-          </a:fontRef>
-        </p:style>
-        <p:txBody>
-          <a:bodyPr anchor="ctr"/>
-          <a:lstStyle/>
-          <a:p>
-            <a:pPr algn="ctr">
-              <a:defRPr/>
-            </a:pPr>
-            <a:endParaRPr lang="ko-KR" altLang="en-US">
-              <a:noFill/>
-            </a:endParaRPr>
-          </a:p>
-        </p:txBody>
-      </p:sp>
-      <p:sp>
-        <p:nvSpPr>
-          <p:cNvPr id="13" name="직사각형 12"/>
-          <p:cNvSpPr/>
-          <p:nvPr/>
-        </p:nvSpPr>
-        <p:spPr>
-          <a:xfrm>
-            <a:off x="2138927" y="1815667"/>
-            <a:ext cx="957198" cy="605206"/>
-          </a:xfrm>
-          <a:prstGeom prst="rect">
-            <a:avLst/>
-          </a:prstGeom>
-          <a:solidFill>
-            <a:schemeClr val="lt1"/>
-          </a:solidFill>
-          <a:ln>
-            <a:noFill/>
-          </a:ln>
-        </p:spPr>
-        <p:style>
-          <a:lnRef idx="2">
-            <a:schemeClr val="accent1">
-              <a:shade val="20000"/>
-            </a:schemeClr>
-          </a:lnRef>
-          <a:fillRef idx="1">
-            <a:schemeClr val="accent1"/>
-          </a:fillRef>
-          <a:effectRef idx="0">
-            <a:schemeClr val="accent1"/>
-          </a:effectRef>
-          <a:fontRef idx="minor">
-            <a:schemeClr val="lt1"/>
-          </a:fontRef>
-        </p:style>
-        <p:txBody>
-          <a:bodyPr anchor="ctr"/>
-          <a:lstStyle/>
-          <a:p>
-            <a:pPr algn="ctr">
-              <a:defRPr/>
-            </a:pPr>
-            <a:endParaRPr lang="ko-KR" altLang="en-US">
-              <a:noFill/>
-            </a:endParaRPr>
-          </a:p>
-        </p:txBody>
-      </p:sp>
-      <p:sp>
-        <p:nvSpPr>
-          <p:cNvPr id="14" name="TextBox 13"/>
-          <p:cNvSpPr txBox="1"/>
-          <p:nvPr/>
-        </p:nvSpPr>
-        <p:spPr>
-          <a:xfrm>
-            <a:off x="2347752" y="1917160"/>
-            <a:ext cx="485089" cy="414909"/>
-          </a:xfrm>
-          <a:prstGeom prst="rect">
-            <a:avLst/>
-          </a:prstGeom>
-        </p:spPr>
-        <p:txBody>
-          <a:bodyPr wrap="square">
-            <a:spAutoFit/>
-          </a:bodyPr>
-          <a:lstStyle/>
-          <a:p>
-            <a:pPr algn="ctr">
-              <a:defRPr/>
-            </a:pPr>
-            <a:r>
-              <a:rPr lang="en-US" altLang="ko-KR" sz="2100">
-                <a:solidFill>
-                  <a:srgbClr val="0F3158"/>
-                </a:solidFill>
-                <a:latin typeface="-윤고딕360"/>
-                <a:ea typeface="-윤고딕360"/>
-              </a:rPr>
-              <a:t>01</a:t>
-            </a:r>
-          </a:p>
-        </p:txBody>
-      </p:sp>
-      <p:sp>
-        <p:nvSpPr>
-          <p:cNvPr id="15" name="TextBox 14"/>
-          <p:cNvSpPr txBox="1"/>
-          <p:nvPr/>
-        </p:nvSpPr>
-        <p:spPr>
-          <a:xfrm>
-            <a:off x="2002117" y="3068955"/>
-            <a:ext cx="1230820" cy="300990"/>
-          </a:xfrm>
-          <a:prstGeom prst="rect">
-            <a:avLst/>
-          </a:prstGeom>
-        </p:spPr>
-        <p:txBody>
-          <a:bodyPr wrap="square">
-            <a:spAutoFit/>
-          </a:bodyPr>
-          <a:lstStyle/>
-          <a:p>
-            <a:pPr algn="ctr">
-              <a:defRPr/>
-            </a:pPr>
-            <a:r>
-              <a:rPr lang="ko-KR" altLang="en-US" sz="1350">
-                <a:solidFill>
-                  <a:srgbClr val="808080"/>
-                </a:solidFill>
-                <a:latin typeface="나눔스퀘어 Bold"/>
-                <a:ea typeface="나눔스퀘어 Bold"/>
-              </a:rPr>
-              <a:t>활용도</a:t>
-            </a:r>
-            <a:endParaRPr lang="ko-KR" altLang="ko-KR" sz="1350">
-              <a:solidFill>
-                <a:srgbClr val="808080"/>
-              </a:solidFill>
-              <a:latin typeface="나눔스퀘어 Bold"/>
-              <a:ea typeface="나눔스퀘어 Bold"/>
-            </a:endParaRPr>
-          </a:p>
-        </p:txBody>
-      </p:sp>
-      <p:sp>
-        <p:nvSpPr>
-          <p:cNvPr id="18" name="타원 17"/>
-          <p:cNvSpPr/>
-          <p:nvPr/>
-        </p:nvSpPr>
-        <p:spPr>
-          <a:xfrm>
-            <a:off x="7280110" y="2060829"/>
-            <a:ext cx="2340292" cy="2340292"/>
-          </a:xfrm>
-          <a:prstGeom prst="ellipse">
-            <a:avLst/>
-          </a:prstGeom>
-          <a:noFill/>
-          <a:ln w="76200">
-            <a:solidFill>
-              <a:srgbClr val="B7C1CD"/>
-            </a:solidFill>
-          </a:ln>
-        </p:spPr>
-        <p:style>
-          <a:lnRef idx="2">
-            <a:schemeClr val="accent1">
-              <a:shade val="20000"/>
-            </a:schemeClr>
-          </a:lnRef>
-          <a:fillRef idx="1">
-            <a:schemeClr val="accent1"/>
-          </a:fillRef>
-          <a:effectRef idx="0">
-            <a:schemeClr val="accent1"/>
-          </a:effectRef>
-          <a:fontRef idx="minor">
-            <a:schemeClr val="lt1"/>
-          </a:fontRef>
-        </p:style>
-        <p:txBody>
-          <a:bodyPr anchor="ctr"/>
-          <a:lstStyle/>
-          <a:p>
-            <a:pPr algn="ctr">
-              <a:defRPr/>
-            </a:pPr>
-            <a:endParaRPr lang="ko-KR" altLang="en-US">
-              <a:noFill/>
-            </a:endParaRPr>
-          </a:p>
-        </p:txBody>
-      </p:sp>
-      <p:sp>
-        <p:nvSpPr>
-          <p:cNvPr id="19" name="직사각형 18"/>
-          <p:cNvSpPr/>
-          <p:nvPr/>
-        </p:nvSpPr>
-        <p:spPr>
-          <a:xfrm>
-            <a:off x="7971657" y="1815667"/>
-            <a:ext cx="957198" cy="605206"/>
-          </a:xfrm>
-          <a:prstGeom prst="rect">
-            <a:avLst/>
-          </a:prstGeom>
-          <a:solidFill>
-            <a:schemeClr val="lt1"/>
-          </a:solidFill>
-          <a:ln>
-            <a:noFill/>
-          </a:ln>
-        </p:spPr>
-        <p:style>
-          <a:lnRef idx="2">
-            <a:schemeClr val="accent1">
-              <a:shade val="20000"/>
-            </a:schemeClr>
-          </a:lnRef>
-          <a:fillRef idx="1">
-            <a:schemeClr val="accent1"/>
-          </a:fillRef>
-          <a:effectRef idx="0">
-            <a:schemeClr val="accent1"/>
-          </a:effectRef>
-          <a:fontRef idx="minor">
-            <a:schemeClr val="lt1"/>
-          </a:fontRef>
-        </p:style>
-        <p:txBody>
-          <a:bodyPr anchor="ctr"/>
-          <a:lstStyle/>
-          <a:p>
-            <a:pPr algn="ctr">
-              <a:defRPr/>
-            </a:pPr>
-            <a:endParaRPr lang="ko-KR" altLang="en-US">
-              <a:noFill/>
-            </a:endParaRPr>
-          </a:p>
-        </p:txBody>
-      </p:sp>
-      <p:sp>
-        <p:nvSpPr>
-          <p:cNvPr id="20" name="TextBox 19"/>
-          <p:cNvSpPr txBox="1"/>
-          <p:nvPr/>
-        </p:nvSpPr>
-        <p:spPr>
-          <a:xfrm>
-            <a:off x="8207712" y="1916811"/>
-            <a:ext cx="485088" cy="414909"/>
-          </a:xfrm>
-          <a:prstGeom prst="rect">
-            <a:avLst/>
-          </a:prstGeom>
-        </p:spPr>
-        <p:txBody>
-          <a:bodyPr wrap="square">
-            <a:spAutoFit/>
-          </a:bodyPr>
-          <a:lstStyle/>
-          <a:p>
-            <a:pPr algn="ctr">
-              <a:defRPr/>
-            </a:pPr>
-            <a:r>
-              <a:rPr lang="en-US" altLang="ko-KR" sz="2100">
-                <a:solidFill>
-                  <a:srgbClr val="0F3158"/>
-                </a:solidFill>
-                <a:latin typeface="-윤고딕360"/>
-                <a:ea typeface="-윤고딕360"/>
-              </a:rPr>
-              <a:t>03</a:t>
-            </a:r>
-          </a:p>
-        </p:txBody>
-      </p:sp>
-      <p:sp>
-        <p:nvSpPr>
-          <p:cNvPr id="21" name="TextBox 20"/>
-          <p:cNvSpPr txBox="1"/>
-          <p:nvPr/>
-        </p:nvSpPr>
-        <p:spPr>
-          <a:xfrm>
-            <a:off x="7755283" y="3068955"/>
-            <a:ext cx="1389945" cy="300082"/>
-          </a:xfrm>
-          <a:prstGeom prst="rect">
-            <a:avLst/>
-          </a:prstGeom>
-        </p:spPr>
-        <p:txBody>
-          <a:bodyPr wrap="square">
-            <a:spAutoFit/>
-          </a:bodyPr>
-          <a:lstStyle/>
-          <a:p>
-            <a:pPr algn="ctr">
-              <a:defRPr/>
-            </a:pPr>
-            <a:r>
-              <a:rPr lang="ko-KR" altLang="en-US" sz="1350">
-                <a:solidFill>
-                  <a:srgbClr val="808080"/>
-                </a:solidFill>
-                <a:latin typeface="나눔스퀘어 Bold"/>
-                <a:ea typeface="나눔스퀘어 Bold"/>
-              </a:rPr>
-              <a:t>인적 오류 예방</a:t>
-            </a:r>
-            <a:endParaRPr lang="ko-KR" altLang="ko-KR" sz="1350">
-              <a:solidFill>
-                <a:srgbClr val="808080"/>
-              </a:solidFill>
-              <a:latin typeface="나눔스퀘어 Bold"/>
-              <a:ea typeface="나눔스퀘어 Bold"/>
-            </a:endParaRPr>
-          </a:p>
-        </p:txBody>
-      </p:sp>
-      <p:sp>
-        <p:nvSpPr>
-          <p:cNvPr id="23" name="타원 22"/>
-          <p:cNvSpPr/>
-          <p:nvPr/>
-        </p:nvSpPr>
-        <p:spPr>
-          <a:xfrm>
-            <a:off x="4381748" y="2060829"/>
-            <a:ext cx="2340292" cy="2340292"/>
-          </a:xfrm>
-          <a:prstGeom prst="ellipse">
-            <a:avLst/>
-          </a:prstGeom>
-          <a:noFill/>
-          <a:ln w="76200">
-            <a:solidFill>
-              <a:srgbClr val="B7C1CD"/>
-            </a:solidFill>
-          </a:ln>
-        </p:spPr>
-        <p:style>
-          <a:lnRef idx="2">
-            <a:schemeClr val="accent1">
-              <a:shade val="20000"/>
-            </a:schemeClr>
-          </a:lnRef>
-          <a:fillRef idx="1">
-            <a:schemeClr val="accent1"/>
-          </a:fillRef>
-          <a:effectRef idx="0">
-            <a:schemeClr val="accent1"/>
-          </a:effectRef>
-          <a:fontRef idx="minor">
-            <a:schemeClr val="lt1"/>
-          </a:fontRef>
-        </p:style>
-        <p:txBody>
-          <a:bodyPr anchor="ctr"/>
-          <a:lstStyle/>
-          <a:p>
-            <a:pPr algn="ctr">
-              <a:defRPr/>
-            </a:pPr>
-            <a:endParaRPr lang="ko-KR" altLang="en-US">
-              <a:noFill/>
-            </a:endParaRPr>
-          </a:p>
-        </p:txBody>
-      </p:sp>
-      <p:sp>
-        <p:nvSpPr>
-          <p:cNvPr id="24" name="직사각형 23"/>
-          <p:cNvSpPr/>
-          <p:nvPr/>
-        </p:nvSpPr>
-        <p:spPr>
-          <a:xfrm>
-            <a:off x="5073295" y="1815667"/>
-            <a:ext cx="957198" cy="605206"/>
-          </a:xfrm>
-          <a:prstGeom prst="rect">
-            <a:avLst/>
-          </a:prstGeom>
-          <a:solidFill>
-            <a:schemeClr val="lt1"/>
-          </a:solidFill>
-          <a:ln>
-            <a:noFill/>
-          </a:ln>
-        </p:spPr>
-        <p:style>
-          <a:lnRef idx="2">
-            <a:schemeClr val="accent1">
-              <a:shade val="20000"/>
-            </a:schemeClr>
-          </a:lnRef>
-          <a:fillRef idx="1">
-            <a:schemeClr val="accent1"/>
-          </a:fillRef>
-          <a:effectRef idx="0">
-            <a:schemeClr val="accent1"/>
-          </a:effectRef>
-          <a:fontRef idx="minor">
-            <a:schemeClr val="lt1"/>
-          </a:fontRef>
-        </p:style>
-        <p:txBody>
-          <a:bodyPr anchor="ctr"/>
-          <a:lstStyle/>
-          <a:p>
-            <a:pPr algn="ctr">
-              <a:defRPr/>
-            </a:pPr>
-            <a:endParaRPr lang="ko-KR" altLang="en-US">
-              <a:noFill/>
-            </a:endParaRPr>
-          </a:p>
-        </p:txBody>
-      </p:sp>
-      <p:sp>
-        <p:nvSpPr>
-          <p:cNvPr id="25" name="TextBox 24"/>
-          <p:cNvSpPr txBox="1"/>
-          <p:nvPr/>
-        </p:nvSpPr>
-        <p:spPr>
-          <a:xfrm>
-            <a:off x="5309349" y="1916811"/>
-            <a:ext cx="485089" cy="414909"/>
-          </a:xfrm>
-          <a:prstGeom prst="rect">
-            <a:avLst/>
-          </a:prstGeom>
-        </p:spPr>
-        <p:txBody>
-          <a:bodyPr wrap="square">
-            <a:spAutoFit/>
-          </a:bodyPr>
-          <a:lstStyle/>
-          <a:p>
-            <a:pPr algn="ctr">
-              <a:defRPr/>
-            </a:pPr>
-            <a:r>
-              <a:rPr lang="en-US" altLang="ko-KR" sz="2100">
-                <a:solidFill>
-                  <a:srgbClr val="0F3158"/>
-                </a:solidFill>
-                <a:latin typeface="-윤고딕360"/>
-                <a:ea typeface="-윤고딕360"/>
-              </a:rPr>
-              <a:t>02</a:t>
-            </a:r>
-          </a:p>
-        </p:txBody>
-      </p:sp>
-      <p:sp>
-        <p:nvSpPr>
-          <p:cNvPr id="26" name="TextBox 25"/>
-          <p:cNvSpPr txBox="1"/>
-          <p:nvPr/>
-        </p:nvSpPr>
-        <p:spPr>
-          <a:xfrm>
-            <a:off x="4852789" y="3068955"/>
-            <a:ext cx="1407907" cy="300082"/>
-          </a:xfrm>
-          <a:prstGeom prst="rect">
-            <a:avLst/>
-          </a:prstGeom>
-        </p:spPr>
-        <p:txBody>
-          <a:bodyPr wrap="square">
-            <a:spAutoFit/>
-          </a:bodyPr>
-          <a:lstStyle/>
-          <a:p>
-            <a:pPr algn="ctr">
-              <a:defRPr/>
-            </a:pPr>
-            <a:r>
-              <a:rPr lang="ko-KR" altLang="en-US" sz="1350">
-                <a:solidFill>
-                  <a:srgbClr val="808080"/>
-                </a:solidFill>
-                <a:latin typeface="나눔스퀘어 Bold"/>
-                <a:ea typeface="나눔스퀘어 Bold"/>
-              </a:rPr>
-              <a:t>기존 구조 개선</a:t>
-            </a:r>
-            <a:endParaRPr lang="ko-KR" altLang="ko-KR" sz="1350">
-              <a:solidFill>
-                <a:srgbClr val="808080"/>
-              </a:solidFill>
-              <a:latin typeface="나눔스퀘어 Bold"/>
-              <a:ea typeface="나눔스퀘어 Bold"/>
-            </a:endParaRPr>
-          </a:p>
-        </p:txBody>
-      </p:sp>
-      <p:sp>
-        <p:nvSpPr>
-          <p:cNvPr id="27" name="TextBox 26"/>
-          <p:cNvSpPr txBox="1"/>
-          <p:nvPr/>
-        </p:nvSpPr>
-        <p:spPr>
-          <a:xfrm>
-            <a:off x="9566910" y="392049"/>
-            <a:ext cx="1259205" cy="243840"/>
-          </a:xfrm>
-          <a:prstGeom prst="rect">
-            <a:avLst/>
-          </a:prstGeom>
-        </p:spPr>
-        <p:txBody>
-          <a:bodyPr wrap="none">
-            <a:spAutoFit/>
-          </a:bodyPr>
-          <a:lstStyle/>
-          <a:p>
-            <a:pPr algn="ctr">
-              <a:defRPr/>
-            </a:pPr>
-            <a:r>
-              <a:rPr lang="ko-KR" altLang="en-US" sz="1000">
-                <a:solidFill>
-                  <a:srgbClr val="0F3158"/>
-                </a:solidFill>
-                <a:latin typeface="나눔스퀘어_ac ExtraBold"/>
-                <a:ea typeface="나눔스퀘어_ac ExtraBold"/>
-              </a:rPr>
-              <a:t>과목명 </a:t>
-            </a:r>
-            <a:r>
-              <a:rPr lang="en-US" altLang="ko-KR" sz="1000">
-                <a:solidFill>
-                  <a:srgbClr val="0F3158"/>
-                </a:solidFill>
-                <a:latin typeface="나눔스퀘어_ac ExtraBold"/>
-                <a:ea typeface="나눔스퀘어_ac ExtraBold"/>
-              </a:rPr>
-              <a:t>or </a:t>
-            </a:r>
-            <a:r>
-              <a:rPr lang="ko-KR" altLang="en-US" sz="1000">
-                <a:solidFill>
-                  <a:srgbClr val="0F3158"/>
-                </a:solidFill>
-                <a:latin typeface="나눔스퀘어_ac ExtraBold"/>
-                <a:ea typeface="나눔스퀘어_ac ExtraBold"/>
-              </a:rPr>
-              <a:t>프로젝트명</a:t>
-            </a:r>
-          </a:p>
-        </p:txBody>
-      </p:sp>
-      <p:sp>
-        <p:nvSpPr>
-          <p:cNvPr id="5" name="TextBox 4">
-            <a:extLst>
-              <a:ext uri="{FF2B5EF4-FFF2-40B4-BE49-F238E27FC236}">
-                <a16:creationId xmlns:a16="http://schemas.microsoft.com/office/drawing/2014/main" id="{C91B12A0-A8B5-6860-C165-0311B1275827}"/>
-              </a:ext>
-            </a:extLst>
-          </p:cNvPr>
-          <p:cNvSpPr txBox="1"/>
-          <p:nvPr/>
-        </p:nvSpPr>
-        <p:spPr>
-          <a:xfrm>
-            <a:off x="487081" y="392049"/>
-            <a:ext cx="1024640" cy="307777"/>
-          </a:xfrm>
-          <a:prstGeom prst="rect">
-            <a:avLst/>
-          </a:prstGeom>
-        </p:spPr>
-        <p:txBody>
-          <a:bodyPr wrap="none">
-            <a:spAutoFit/>
-          </a:bodyPr>
-          <a:lstStyle/>
-          <a:p>
-            <a:pPr algn="ctr">
-              <a:defRPr/>
-            </a:pPr>
-            <a:r>
-              <a:rPr lang="en-US" altLang="ko-KR" sz="1400">
-                <a:solidFill>
-                  <a:srgbClr val="0F3158"/>
-                </a:solidFill>
-                <a:latin typeface="나눔스퀘어_ac ExtraBold"/>
-                <a:ea typeface="나눔스퀘어_ac ExtraBold"/>
-              </a:rPr>
-              <a:t>01.</a:t>
-            </a:r>
-            <a:r>
-              <a:rPr lang="ko-KR" altLang="en-US" sz="1400">
-                <a:solidFill>
-                  <a:srgbClr val="0F3158"/>
-                </a:solidFill>
-                <a:latin typeface="나눔스퀘어_ac ExtraBold"/>
-                <a:ea typeface="나눔스퀘어_ac ExtraBold"/>
-              </a:rPr>
-              <a:t> 마무리</a:t>
-            </a:r>
-          </a:p>
-        </p:txBody>
-      </p:sp>
-      <p:sp>
-        <p:nvSpPr>
-          <p:cNvPr id="8" name="TextBox 7">
-            <a:extLst>
-              <a:ext uri="{FF2B5EF4-FFF2-40B4-BE49-F238E27FC236}">
-                <a16:creationId xmlns:a16="http://schemas.microsoft.com/office/drawing/2014/main" id="{E8E1EC87-EC99-BA23-549F-ACE0ABF6BDFC}"/>
-              </a:ext>
-            </a:extLst>
-          </p:cNvPr>
-          <p:cNvSpPr txBox="1"/>
-          <p:nvPr/>
-        </p:nvSpPr>
-        <p:spPr>
-          <a:xfrm>
-            <a:off x="487979" y="615696"/>
-            <a:ext cx="854722" cy="276999"/>
-          </a:xfrm>
-          <a:prstGeom prst="rect">
-            <a:avLst/>
-          </a:prstGeom>
-        </p:spPr>
-        <p:txBody>
-          <a:bodyPr wrap="none">
-            <a:spAutoFit/>
-          </a:bodyPr>
-          <a:lstStyle/>
-          <a:p>
-            <a:pPr algn="ctr">
-              <a:defRPr/>
-            </a:pPr>
-            <a:r>
-              <a:rPr lang="ko-KR" altLang="en-US" sz="1200">
-                <a:solidFill>
-                  <a:srgbClr val="A9AAAA"/>
-                </a:solidFill>
-                <a:latin typeface="나눔스퀘어_ac Bold"/>
-                <a:ea typeface="나눔스퀘어_ac Bold"/>
-              </a:rPr>
-              <a:t>기대 효과</a:t>
-            </a:r>
-          </a:p>
-        </p:txBody>
-      </p:sp>
-      <p:sp>
-        <p:nvSpPr>
-          <p:cNvPr id="16" name="직사각형 15">
-            <a:extLst>
-              <a:ext uri="{FF2B5EF4-FFF2-40B4-BE49-F238E27FC236}">
-                <a16:creationId xmlns:a16="http://schemas.microsoft.com/office/drawing/2014/main" id="{9DD45C97-66FC-35E6-B698-C52B5E7331DC}"/>
-              </a:ext>
-            </a:extLst>
-          </p:cNvPr>
-          <p:cNvSpPr/>
-          <p:nvPr/>
-        </p:nvSpPr>
-        <p:spPr>
-          <a:xfrm>
-            <a:off x="439255" y="392049"/>
-            <a:ext cx="45720" cy="588645"/>
-          </a:xfrm>
-          <a:prstGeom prst="rect">
-            <a:avLst/>
-          </a:prstGeom>
-          <a:solidFill>
-            <a:srgbClr val="0F3158"/>
-          </a:solidFill>
-          <a:ln>
-            <a:noFill/>
-          </a:ln>
-        </p:spPr>
-        <p:style>
-          <a:lnRef idx="2">
-            <a:schemeClr val="accent1">
-              <a:shade val="20000"/>
-            </a:schemeClr>
-          </a:lnRef>
-          <a:fillRef idx="1">
-            <a:schemeClr val="accent1"/>
-          </a:fillRef>
-          <a:effectRef idx="0">
-            <a:schemeClr val="accent1"/>
-          </a:effectRef>
-          <a:fontRef idx="minor">
-            <a:schemeClr val="lt1"/>
-          </a:fontRef>
-        </p:style>
-        <p:txBody>
-          <a:bodyPr anchor="ctr"/>
-          <a:lstStyle/>
-          <a:p>
-            <a:pPr algn="ctr">
-              <a:defRPr/>
-            </a:pPr>
-            <a:endParaRPr lang="ko-KR" altLang="en-US">
-              <a:noFill/>
-            </a:endParaRPr>
-          </a:p>
-        </p:txBody>
-      </p:sp>
-    </p:spTree>
-  </p:cSld>
-  <p:clrMapOvr>
-    <a:masterClrMapping/>
-  </p:clrMapOvr>
-  <mc:AlternateContent xmlns:mc="http://schemas.openxmlformats.org/markup-compatibility/2006" xmlns:p14="http://schemas.microsoft.com/office/powerpoint/2010/main">
-    <mc:Choice Requires="p14">
-      <p:transition/>
-    </mc:Choice>
-    <mc:Fallback xmlns="" xmlns:c="http://schemas.openxmlformats.org/drawingml/2006/chart" xmlns:dgm="http://schemas.openxmlformats.org/drawingml/2006/diagram" xmlns:dsp="http://schemas.microsoft.com/office/drawing/2008/diagram">
-      <p:transition/>
-    </mc:Fallback>
-  </mc:AlternateContent>
-</p:sld>
-</file>
-
-<file path=ppt/slides/slide19.xml><?xml version="1.0" encoding="utf-8"?>
-<p:sld xmlns:a="http://schemas.openxmlformats.org/drawingml/2006/main" xmlns:r="http://schemas.openxmlformats.org/officeDocument/2006/relationships" xmlns:p="http://schemas.openxmlformats.org/presentationml/2006/main">
-  <p:cSld>
-    <p:spTree>
-      <p:nvGrpSpPr>
-        <p:cNvPr id="1" name="">
-          <a:extLst>
-            <a:ext uri="{FF2B5EF4-FFF2-40B4-BE49-F238E27FC236}">
-              <a16:creationId xmlns:a16="http://schemas.microsoft.com/office/drawing/2014/main" id="{D244DC2A-5B4E-2857-B98F-9543C1320F82}"/>
-            </a:ext>
-          </a:extLst>
-        </p:cNvPr>
-        <p:cNvGrpSpPr/>
-        <p:nvPr/>
-      </p:nvGrpSpPr>
-      <p:grpSpPr>
-        <a:xfrm>
-          <a:off x="0" y="0"/>
-          <a:ext cx="0" cy="0"/>
-          <a:chOff x="0" y="0"/>
-          <a:chExt cx="0" cy="0"/>
-        </a:xfrm>
-      </p:grpSpPr>
-      <p:sp>
-        <p:nvSpPr>
-          <p:cNvPr id="12" name="타원 11">
-            <a:extLst>
-              <a:ext uri="{FF2B5EF4-FFF2-40B4-BE49-F238E27FC236}">
-                <a16:creationId xmlns:a16="http://schemas.microsoft.com/office/drawing/2014/main" id="{2586D447-7439-1E53-B3E4-FEB08193B2AD}"/>
-              </a:ext>
-            </a:extLst>
-          </p:cNvPr>
-          <p:cNvSpPr/>
-          <p:nvPr/>
-        </p:nvSpPr>
-        <p:spPr>
-          <a:xfrm>
-            <a:off x="2977964" y="2080207"/>
-            <a:ext cx="2340292" cy="2340292"/>
-          </a:xfrm>
-          <a:prstGeom prst="ellipse">
-            <a:avLst/>
-          </a:prstGeom>
-          <a:noFill/>
-          <a:ln w="76200">
-            <a:solidFill>
-              <a:srgbClr val="B7C1CD"/>
-            </a:solidFill>
-          </a:ln>
-        </p:spPr>
-        <p:style>
-          <a:lnRef idx="2">
-            <a:schemeClr val="accent1">
-              <a:shade val="20000"/>
-            </a:schemeClr>
-          </a:lnRef>
-          <a:fillRef idx="1">
-            <a:schemeClr val="accent1"/>
-          </a:fillRef>
-          <a:effectRef idx="0">
-            <a:schemeClr val="accent1"/>
-          </a:effectRef>
-          <a:fontRef idx="minor">
-            <a:schemeClr val="lt1"/>
-          </a:fontRef>
-        </p:style>
-        <p:txBody>
-          <a:bodyPr anchor="ctr"/>
-          <a:lstStyle/>
-          <a:p>
-            <a:pPr algn="ctr">
-              <a:defRPr/>
-            </a:pPr>
-            <a:endParaRPr lang="ko-KR" altLang="en-US">
-              <a:noFill/>
-            </a:endParaRPr>
-          </a:p>
-        </p:txBody>
-      </p:sp>
-      <p:sp>
-        <p:nvSpPr>
-          <p:cNvPr id="13" name="직사각형 12">
-            <a:extLst>
-              <a:ext uri="{FF2B5EF4-FFF2-40B4-BE49-F238E27FC236}">
-                <a16:creationId xmlns:a16="http://schemas.microsoft.com/office/drawing/2014/main" id="{234F3548-1F6E-AD9D-28AC-374E1F392EE6}"/>
-              </a:ext>
-            </a:extLst>
-          </p:cNvPr>
-          <p:cNvSpPr/>
-          <p:nvPr/>
-        </p:nvSpPr>
-        <p:spPr>
-          <a:xfrm>
-            <a:off x="3669510" y="1835045"/>
-            <a:ext cx="957198" cy="605206"/>
-          </a:xfrm>
-          <a:prstGeom prst="rect">
-            <a:avLst/>
-          </a:prstGeom>
-          <a:solidFill>
-            <a:schemeClr val="lt1"/>
-          </a:solidFill>
-          <a:ln>
-            <a:noFill/>
-          </a:ln>
-        </p:spPr>
-        <p:style>
-          <a:lnRef idx="2">
-            <a:schemeClr val="accent1">
-              <a:shade val="20000"/>
-            </a:schemeClr>
-          </a:lnRef>
-          <a:fillRef idx="1">
-            <a:schemeClr val="accent1"/>
-          </a:fillRef>
-          <a:effectRef idx="0">
-            <a:schemeClr val="accent1"/>
-          </a:effectRef>
-          <a:fontRef idx="minor">
-            <a:schemeClr val="lt1"/>
-          </a:fontRef>
-        </p:style>
-        <p:txBody>
-          <a:bodyPr anchor="ctr"/>
-          <a:lstStyle/>
-          <a:p>
-            <a:pPr algn="ctr">
-              <a:defRPr/>
-            </a:pPr>
-            <a:endParaRPr lang="ko-KR" altLang="en-US">
-              <a:noFill/>
-            </a:endParaRPr>
-          </a:p>
-        </p:txBody>
-      </p:sp>
-      <p:sp>
-        <p:nvSpPr>
-          <p:cNvPr id="14" name="TextBox 13">
-            <a:extLst>
-              <a:ext uri="{FF2B5EF4-FFF2-40B4-BE49-F238E27FC236}">
-                <a16:creationId xmlns:a16="http://schemas.microsoft.com/office/drawing/2014/main" id="{6A6AEA65-2F09-E74F-EEDA-204509C50971}"/>
-              </a:ext>
-            </a:extLst>
-          </p:cNvPr>
-          <p:cNvSpPr txBox="1"/>
-          <p:nvPr/>
-        </p:nvSpPr>
-        <p:spPr>
-          <a:xfrm>
-            <a:off x="3878335" y="1936538"/>
-            <a:ext cx="485089" cy="414909"/>
-          </a:xfrm>
-          <a:prstGeom prst="rect">
-            <a:avLst/>
-          </a:prstGeom>
-        </p:spPr>
-        <p:txBody>
-          <a:bodyPr wrap="square">
-            <a:spAutoFit/>
-          </a:bodyPr>
-          <a:lstStyle/>
-          <a:p>
-            <a:pPr algn="ctr">
-              <a:defRPr/>
-            </a:pPr>
-            <a:r>
-              <a:rPr lang="en-US" altLang="ko-KR" sz="2100">
-                <a:solidFill>
-                  <a:srgbClr val="0F3158"/>
-                </a:solidFill>
-                <a:latin typeface="-윤고딕360"/>
-                <a:ea typeface="-윤고딕360"/>
-              </a:rPr>
-              <a:t>01</a:t>
-            </a:r>
-          </a:p>
-        </p:txBody>
-      </p:sp>
-      <p:sp>
-        <p:nvSpPr>
-          <p:cNvPr id="15" name="TextBox 14">
-            <a:extLst>
-              <a:ext uri="{FF2B5EF4-FFF2-40B4-BE49-F238E27FC236}">
-                <a16:creationId xmlns:a16="http://schemas.microsoft.com/office/drawing/2014/main" id="{B5978005-7DCC-87D8-26DB-39F33523B90D}"/>
-              </a:ext>
-            </a:extLst>
-          </p:cNvPr>
-          <p:cNvSpPr txBox="1"/>
-          <p:nvPr/>
-        </p:nvSpPr>
-        <p:spPr>
-          <a:xfrm>
-            <a:off x="3175974" y="3013249"/>
-            <a:ext cx="1944270" cy="507831"/>
-          </a:xfrm>
-          <a:prstGeom prst="rect">
-            <a:avLst/>
-          </a:prstGeom>
-        </p:spPr>
-        <p:txBody>
-          <a:bodyPr wrap="square">
-            <a:spAutoFit/>
-          </a:bodyPr>
-          <a:lstStyle/>
-          <a:p>
-            <a:pPr algn="ctr">
-              <a:defRPr/>
-            </a:pPr>
-            <a:r>
-              <a:rPr lang="ko-KR" altLang="en-US" sz="1350">
-                <a:solidFill>
-                  <a:srgbClr val="808080"/>
-                </a:solidFill>
-                <a:latin typeface="나눔스퀘어 Bold"/>
-                <a:ea typeface="나눔스퀘어 Bold"/>
-              </a:rPr>
-              <a:t>저가형 경량 모델로 </a:t>
-            </a:r>
-            <a:endParaRPr lang="en-US" altLang="ko-KR" sz="1350">
-              <a:solidFill>
-                <a:srgbClr val="808080"/>
-              </a:solidFill>
-              <a:latin typeface="나눔스퀘어 Bold"/>
-              <a:ea typeface="나눔스퀘어 Bold"/>
-            </a:endParaRPr>
-          </a:p>
-          <a:p>
-            <a:pPr algn="ctr">
-              <a:defRPr/>
-            </a:pPr>
-            <a:r>
-              <a:rPr lang="ko-KR" altLang="en-US" sz="1350">
-                <a:solidFill>
-                  <a:srgbClr val="808080"/>
-                </a:solidFill>
-                <a:latin typeface="나눔스퀘어 Bold"/>
-                <a:ea typeface="나눔스퀘어 Bold"/>
-              </a:rPr>
-              <a:t>재선정 후 테스트</a:t>
-            </a:r>
-            <a:endParaRPr lang="ko-KR" altLang="ko-KR" sz="1350">
-              <a:solidFill>
-                <a:srgbClr val="808080"/>
-              </a:solidFill>
-              <a:latin typeface="나눔스퀘어 Bold"/>
-              <a:ea typeface="나눔스퀘어 Bold"/>
-            </a:endParaRPr>
-          </a:p>
-        </p:txBody>
-      </p:sp>
-      <p:sp>
-        <p:nvSpPr>
-          <p:cNvPr id="23" name="타원 22">
-            <a:extLst>
-              <a:ext uri="{FF2B5EF4-FFF2-40B4-BE49-F238E27FC236}">
-                <a16:creationId xmlns:a16="http://schemas.microsoft.com/office/drawing/2014/main" id="{A07C78AC-D3FF-2C5E-1828-90BFAB03983A}"/>
-              </a:ext>
-            </a:extLst>
-          </p:cNvPr>
-          <p:cNvSpPr/>
-          <p:nvPr/>
-        </p:nvSpPr>
-        <p:spPr>
-          <a:xfrm>
-            <a:off x="5912331" y="2080207"/>
-            <a:ext cx="2340292" cy="2340292"/>
-          </a:xfrm>
-          <a:prstGeom prst="ellipse">
-            <a:avLst/>
-          </a:prstGeom>
-          <a:noFill/>
-          <a:ln w="76200">
-            <a:solidFill>
-              <a:srgbClr val="B7C1CD"/>
-            </a:solidFill>
-          </a:ln>
-        </p:spPr>
-        <p:style>
-          <a:lnRef idx="2">
-            <a:schemeClr val="accent1">
-              <a:shade val="20000"/>
-            </a:schemeClr>
-          </a:lnRef>
-          <a:fillRef idx="1">
-            <a:schemeClr val="accent1"/>
-          </a:fillRef>
-          <a:effectRef idx="0">
-            <a:schemeClr val="accent1"/>
-          </a:effectRef>
-          <a:fontRef idx="minor">
-            <a:schemeClr val="lt1"/>
-          </a:fontRef>
-        </p:style>
-        <p:txBody>
-          <a:bodyPr anchor="ctr"/>
-          <a:lstStyle/>
-          <a:p>
-            <a:pPr algn="ctr">
-              <a:defRPr/>
-            </a:pPr>
-            <a:endParaRPr lang="ko-KR" altLang="en-US">
-              <a:noFill/>
-            </a:endParaRPr>
-          </a:p>
-        </p:txBody>
-      </p:sp>
-      <p:sp>
-        <p:nvSpPr>
-          <p:cNvPr id="24" name="직사각형 23">
-            <a:extLst>
-              <a:ext uri="{FF2B5EF4-FFF2-40B4-BE49-F238E27FC236}">
-                <a16:creationId xmlns:a16="http://schemas.microsoft.com/office/drawing/2014/main" id="{19854A58-9EC9-9949-9324-6BF788040489}"/>
-              </a:ext>
-            </a:extLst>
-          </p:cNvPr>
-          <p:cNvSpPr/>
-          <p:nvPr/>
-        </p:nvSpPr>
-        <p:spPr>
-          <a:xfrm>
-            <a:off x="6603878" y="1835045"/>
-            <a:ext cx="957198" cy="605206"/>
-          </a:xfrm>
-          <a:prstGeom prst="rect">
-            <a:avLst/>
-          </a:prstGeom>
-          <a:solidFill>
-            <a:schemeClr val="lt1"/>
-          </a:solidFill>
-          <a:ln>
-            <a:noFill/>
-          </a:ln>
-        </p:spPr>
-        <p:style>
-          <a:lnRef idx="2">
-            <a:schemeClr val="accent1">
-              <a:shade val="20000"/>
-            </a:schemeClr>
-          </a:lnRef>
-          <a:fillRef idx="1">
-            <a:schemeClr val="accent1"/>
-          </a:fillRef>
-          <a:effectRef idx="0">
-            <a:schemeClr val="accent1"/>
-          </a:effectRef>
-          <a:fontRef idx="minor">
-            <a:schemeClr val="lt1"/>
-          </a:fontRef>
-        </p:style>
-        <p:txBody>
-          <a:bodyPr anchor="ctr"/>
-          <a:lstStyle/>
-          <a:p>
-            <a:pPr algn="ctr">
-              <a:defRPr/>
-            </a:pPr>
-            <a:endParaRPr lang="ko-KR" altLang="en-US">
-              <a:noFill/>
-            </a:endParaRPr>
-          </a:p>
-        </p:txBody>
-      </p:sp>
-      <p:sp>
-        <p:nvSpPr>
-          <p:cNvPr id="25" name="TextBox 24">
-            <a:extLst>
-              <a:ext uri="{FF2B5EF4-FFF2-40B4-BE49-F238E27FC236}">
-                <a16:creationId xmlns:a16="http://schemas.microsoft.com/office/drawing/2014/main" id="{C28A6013-0C83-3105-2C07-088FF69F2FB2}"/>
-              </a:ext>
-            </a:extLst>
-          </p:cNvPr>
-          <p:cNvSpPr txBox="1"/>
-          <p:nvPr/>
-        </p:nvSpPr>
-        <p:spPr>
-          <a:xfrm>
-            <a:off x="6839932" y="1936189"/>
-            <a:ext cx="485089" cy="414909"/>
-          </a:xfrm>
-          <a:prstGeom prst="rect">
-            <a:avLst/>
-          </a:prstGeom>
-        </p:spPr>
-        <p:txBody>
-          <a:bodyPr wrap="square">
-            <a:spAutoFit/>
-          </a:bodyPr>
-          <a:lstStyle/>
-          <a:p>
-            <a:pPr algn="ctr">
-              <a:defRPr/>
-            </a:pPr>
-            <a:r>
-              <a:rPr lang="en-US" altLang="ko-KR" sz="2100">
-                <a:solidFill>
-                  <a:srgbClr val="0F3158"/>
-                </a:solidFill>
-                <a:latin typeface="-윤고딕360"/>
-                <a:ea typeface="-윤고딕360"/>
-              </a:rPr>
-              <a:t>02</a:t>
-            </a:r>
-          </a:p>
-        </p:txBody>
-      </p:sp>
-      <p:sp>
-        <p:nvSpPr>
-          <p:cNvPr id="26" name="TextBox 25">
-            <a:extLst>
-              <a:ext uri="{FF2B5EF4-FFF2-40B4-BE49-F238E27FC236}">
-                <a16:creationId xmlns:a16="http://schemas.microsoft.com/office/drawing/2014/main" id="{D8A9E371-84B6-CE2E-A936-20862D62D8CC}"/>
-              </a:ext>
-            </a:extLst>
-          </p:cNvPr>
-          <p:cNvSpPr txBox="1"/>
-          <p:nvPr/>
-        </p:nvSpPr>
-        <p:spPr>
-          <a:xfrm>
-            <a:off x="6392073" y="2996437"/>
-            <a:ext cx="1407907" cy="507831"/>
-          </a:xfrm>
-          <a:prstGeom prst="rect">
-            <a:avLst/>
-          </a:prstGeom>
-        </p:spPr>
-        <p:txBody>
-          <a:bodyPr wrap="square">
-            <a:spAutoFit/>
-          </a:bodyPr>
-          <a:lstStyle/>
-          <a:p>
-            <a:pPr algn="ctr">
-              <a:defRPr/>
-            </a:pPr>
-            <a:r>
-              <a:rPr lang="en-US" altLang="ko-KR" sz="1350">
-                <a:solidFill>
-                  <a:srgbClr val="808080"/>
-                </a:solidFill>
-                <a:latin typeface="나눔스퀘어 Bold"/>
-                <a:ea typeface="나눔스퀘어 Bold"/>
-              </a:rPr>
-              <a:t>MissionPlanner</a:t>
-            </a:r>
-            <a:r>
-              <a:rPr lang="ko-KR" altLang="en-US" sz="1350">
-                <a:solidFill>
-                  <a:srgbClr val="808080"/>
-                </a:solidFill>
-                <a:latin typeface="나눔스퀘어 Bold"/>
-                <a:ea typeface="나눔스퀘어 Bold"/>
-              </a:rPr>
-              <a:t>종속적</a:t>
-            </a:r>
-            <a:endParaRPr lang="ko-KR" altLang="ko-KR" sz="1350">
-              <a:solidFill>
-                <a:srgbClr val="808080"/>
-              </a:solidFill>
-              <a:latin typeface="나눔스퀘어 Bold"/>
-              <a:ea typeface="나눔스퀘어 Bold"/>
-            </a:endParaRPr>
-          </a:p>
-        </p:txBody>
-      </p:sp>
-      <p:sp>
-        <p:nvSpPr>
-          <p:cNvPr id="27" name="TextBox 26">
-            <a:extLst>
-              <a:ext uri="{FF2B5EF4-FFF2-40B4-BE49-F238E27FC236}">
-                <a16:creationId xmlns:a16="http://schemas.microsoft.com/office/drawing/2014/main" id="{B9F280A1-B9DB-FA6B-8BF6-254A4D95576B}"/>
-              </a:ext>
-            </a:extLst>
-          </p:cNvPr>
-          <p:cNvSpPr txBox="1"/>
-          <p:nvPr/>
-        </p:nvSpPr>
-        <p:spPr>
-          <a:xfrm>
-            <a:off x="9566910" y="392049"/>
-            <a:ext cx="1259205" cy="243840"/>
-          </a:xfrm>
-          <a:prstGeom prst="rect">
-            <a:avLst/>
-          </a:prstGeom>
-        </p:spPr>
-        <p:txBody>
-          <a:bodyPr wrap="none">
-            <a:spAutoFit/>
-          </a:bodyPr>
-          <a:lstStyle/>
-          <a:p>
-            <a:pPr algn="ctr">
-              <a:defRPr/>
-            </a:pPr>
-            <a:r>
-              <a:rPr lang="ko-KR" altLang="en-US" sz="1000">
-                <a:solidFill>
-                  <a:srgbClr val="0F3158"/>
-                </a:solidFill>
-                <a:latin typeface="나눔스퀘어_ac ExtraBold"/>
-                <a:ea typeface="나눔스퀘어_ac ExtraBold"/>
-              </a:rPr>
-              <a:t>과목명 </a:t>
-            </a:r>
-            <a:r>
-              <a:rPr lang="en-US" altLang="ko-KR" sz="1000">
-                <a:solidFill>
-                  <a:srgbClr val="0F3158"/>
-                </a:solidFill>
-                <a:latin typeface="나눔스퀘어_ac ExtraBold"/>
-                <a:ea typeface="나눔스퀘어_ac ExtraBold"/>
-              </a:rPr>
-              <a:t>or </a:t>
-            </a:r>
-            <a:r>
-              <a:rPr lang="ko-KR" altLang="en-US" sz="1000">
-                <a:solidFill>
-                  <a:srgbClr val="0F3158"/>
-                </a:solidFill>
-                <a:latin typeface="나눔스퀘어_ac ExtraBold"/>
-                <a:ea typeface="나눔스퀘어_ac ExtraBold"/>
-              </a:rPr>
-              <a:t>프로젝트명</a:t>
-            </a:r>
-          </a:p>
-        </p:txBody>
-      </p:sp>
-      <p:sp>
-        <p:nvSpPr>
-          <p:cNvPr id="5" name="TextBox 4">
-            <a:extLst>
-              <a:ext uri="{FF2B5EF4-FFF2-40B4-BE49-F238E27FC236}">
-                <a16:creationId xmlns:a16="http://schemas.microsoft.com/office/drawing/2014/main" id="{81261A72-B7A1-28C1-DC43-63CA10B5BFA4}"/>
-              </a:ext>
-            </a:extLst>
-          </p:cNvPr>
-          <p:cNvSpPr txBox="1"/>
-          <p:nvPr/>
-        </p:nvSpPr>
-        <p:spPr>
-          <a:xfrm>
-            <a:off x="487081" y="392049"/>
-            <a:ext cx="1024640" cy="307777"/>
-          </a:xfrm>
-          <a:prstGeom prst="rect">
-            <a:avLst/>
-          </a:prstGeom>
-        </p:spPr>
-        <p:txBody>
-          <a:bodyPr wrap="none">
-            <a:spAutoFit/>
-          </a:bodyPr>
-          <a:lstStyle/>
-          <a:p>
-            <a:pPr algn="ctr">
-              <a:defRPr/>
-            </a:pPr>
-            <a:r>
-              <a:rPr lang="en-US" altLang="ko-KR" sz="1400">
-                <a:solidFill>
-                  <a:srgbClr val="0F3158"/>
-                </a:solidFill>
-                <a:latin typeface="나눔스퀘어_ac ExtraBold"/>
-                <a:ea typeface="나눔스퀘어_ac ExtraBold"/>
-              </a:rPr>
-              <a:t>01.</a:t>
-            </a:r>
-            <a:r>
-              <a:rPr lang="ko-KR" altLang="en-US" sz="1400">
-                <a:solidFill>
-                  <a:srgbClr val="0F3158"/>
-                </a:solidFill>
-                <a:latin typeface="나눔스퀘어_ac ExtraBold"/>
-                <a:ea typeface="나눔스퀘어_ac ExtraBold"/>
-              </a:rPr>
-              <a:t> 마무리</a:t>
-            </a:r>
-          </a:p>
-        </p:txBody>
-      </p:sp>
-      <p:sp>
-        <p:nvSpPr>
-          <p:cNvPr id="8" name="TextBox 7">
-            <a:extLst>
-              <a:ext uri="{FF2B5EF4-FFF2-40B4-BE49-F238E27FC236}">
-                <a16:creationId xmlns:a16="http://schemas.microsoft.com/office/drawing/2014/main" id="{4251FE6A-A68F-5CE0-F6F2-99926954E812}"/>
-              </a:ext>
-            </a:extLst>
-          </p:cNvPr>
-          <p:cNvSpPr txBox="1"/>
-          <p:nvPr/>
-        </p:nvSpPr>
-        <p:spPr>
-          <a:xfrm>
-            <a:off x="467739" y="615696"/>
-            <a:ext cx="1008610" cy="276999"/>
-          </a:xfrm>
-          <a:prstGeom prst="rect">
-            <a:avLst/>
-          </a:prstGeom>
-        </p:spPr>
-        <p:txBody>
-          <a:bodyPr wrap="none">
-            <a:spAutoFit/>
-          </a:bodyPr>
-          <a:lstStyle/>
-          <a:p>
-            <a:pPr algn="ctr">
-              <a:defRPr/>
-            </a:pPr>
-            <a:r>
-              <a:rPr lang="ko-KR" altLang="en-US" sz="1200">
-                <a:solidFill>
-                  <a:srgbClr val="A9AAAA"/>
-                </a:solidFill>
-                <a:latin typeface="나눔스퀘어_ac Bold"/>
-                <a:ea typeface="나눔스퀘어_ac Bold"/>
-              </a:rPr>
-              <a:t>추후 개선점</a:t>
-            </a:r>
-          </a:p>
-        </p:txBody>
-      </p:sp>
-      <p:sp>
-        <p:nvSpPr>
-          <p:cNvPr id="16" name="직사각형 15">
-            <a:extLst>
-              <a:ext uri="{FF2B5EF4-FFF2-40B4-BE49-F238E27FC236}">
-                <a16:creationId xmlns:a16="http://schemas.microsoft.com/office/drawing/2014/main" id="{781D8C53-6DBB-1615-0910-D1B91234E5DF}"/>
-              </a:ext>
-            </a:extLst>
-          </p:cNvPr>
-          <p:cNvSpPr/>
-          <p:nvPr/>
-        </p:nvSpPr>
-        <p:spPr>
-          <a:xfrm>
-            <a:off x="439255" y="392049"/>
-            <a:ext cx="45720" cy="588645"/>
-          </a:xfrm>
-          <a:prstGeom prst="rect">
-            <a:avLst/>
-          </a:prstGeom>
-          <a:solidFill>
-            <a:srgbClr val="0F3158"/>
-          </a:solidFill>
-          <a:ln>
-            <a:noFill/>
-          </a:ln>
-        </p:spPr>
-        <p:style>
-          <a:lnRef idx="2">
-            <a:schemeClr val="accent1">
-              <a:shade val="20000"/>
-            </a:schemeClr>
-          </a:lnRef>
-          <a:fillRef idx="1">
-            <a:schemeClr val="accent1"/>
-          </a:fillRef>
-          <a:effectRef idx="0">
-            <a:schemeClr val="accent1"/>
-          </a:effectRef>
-          <a:fontRef idx="minor">
-            <a:schemeClr val="lt1"/>
-          </a:fontRef>
-        </p:style>
-        <p:txBody>
-          <a:bodyPr anchor="ctr"/>
-          <a:lstStyle/>
-          <a:p>
-            <a:pPr algn="ctr">
-              <a:defRPr/>
-            </a:pPr>
-            <a:endParaRPr lang="ko-KR" altLang="en-US">
-              <a:noFill/>
-            </a:endParaRPr>
-          </a:p>
-        </p:txBody>
-      </p:sp>
-    </p:spTree>
-    <p:extLst>
-      <p:ext uri="{BB962C8B-B14F-4D97-AF65-F5344CB8AC3E}">
-        <p14:creationId xmlns:p14="http://schemas.microsoft.com/office/powerpoint/2010/main" val="4050390559"/>
-      </p:ext>
-    </p:extLst>
-  </p:cSld>
-  <p:clrMapOvr>
-    <a:masterClrMapping/>
-  </p:clrMapOvr>
-  <mc:AlternateContent xmlns:mc="http://schemas.openxmlformats.org/markup-compatibility/2006" xmlns:p14="http://schemas.microsoft.com/office/powerpoint/2010/main">
-    <mc:Choice Requires="p14">
-      <p:transition/>
-    </mc:Choice>
-    <mc:Fallback xmlns="" xmlns:c="http://schemas.openxmlformats.org/drawingml/2006/chart" xmlns:dgm="http://schemas.openxmlformats.org/drawingml/2006/diagram" xmlns:dsp="http://schemas.microsoft.com/office/drawing/2008/diagram">
+    <mc:Fallback xmlns:dsp="http://schemas.microsoft.com/office/drawing/2008/diagram" xmlns:dgm="http://schemas.openxmlformats.org/drawingml/2006/diagram" xmlns:c="http://schemas.openxmlformats.org/drawingml/2006/chart" xmlns="">
       <p:transition/>
     </mc:Fallback>
   </mc:AlternateContent>
@@ -12177,7 +11885,7 @@
     <mc:Choice Requires="p14">
       <p:transition/>
     </mc:Choice>
-    <mc:Fallback xmlns="" xmlns:c="http://schemas.openxmlformats.org/drawingml/2006/chart" xmlns:dgm="http://schemas.openxmlformats.org/drawingml/2006/diagram" xmlns:dsp="http://schemas.microsoft.com/office/drawing/2008/diagram">
+    <mc:Fallback xmlns:dsp="http://schemas.microsoft.com/office/drawing/2008/diagram" xmlns:dgm="http://schemas.openxmlformats.org/drawingml/2006/diagram" xmlns:c="http://schemas.openxmlformats.org/drawingml/2006/chart" xmlns="">
       <p:transition/>
     </mc:Fallback>
   </mc:AlternateContent>
@@ -12203,6 +11911,1492 @@
       </p:grpSpPr>
       <p:sp>
         <p:nvSpPr>
+          <p:cNvPr id="12" name="타원 11"/>
+          <p:cNvSpPr/>
+          <p:nvPr/>
+        </p:nvSpPr>
+        <p:spPr>
+          <a:xfrm>
+            <a:off x="1447381" y="2060829"/>
+            <a:ext cx="2340292" cy="2340292"/>
+          </a:xfrm>
+          <a:prstGeom prst="ellipse">
+            <a:avLst/>
+          </a:prstGeom>
+          <a:noFill/>
+          <a:ln w="76200">
+            <a:solidFill>
+              <a:srgbClr val="B7C1CD"/>
+            </a:solidFill>
+          </a:ln>
+        </p:spPr>
+        <p:style>
+          <a:lnRef idx="2">
+            <a:schemeClr val="accent1">
+              <a:shade val="20000"/>
+            </a:schemeClr>
+          </a:lnRef>
+          <a:fillRef idx="1">
+            <a:schemeClr val="accent1"/>
+          </a:fillRef>
+          <a:effectRef idx="0">
+            <a:schemeClr val="accent1"/>
+          </a:effectRef>
+          <a:fontRef idx="minor">
+            <a:schemeClr val="lt1"/>
+          </a:fontRef>
+        </p:style>
+        <p:txBody>
+          <a:bodyPr anchor="ctr"/>
+          <a:lstStyle/>
+          <a:p>
+            <a:pPr algn="ctr">
+              <a:defRPr/>
+            </a:pPr>
+            <a:endParaRPr lang="ko-KR" altLang="en-US">
+              <a:noFill/>
+            </a:endParaRPr>
+          </a:p>
+        </p:txBody>
+      </p:sp>
+      <p:sp>
+        <p:nvSpPr>
+          <p:cNvPr id="13" name="직사각형 12"/>
+          <p:cNvSpPr/>
+          <p:nvPr/>
+        </p:nvSpPr>
+        <p:spPr>
+          <a:xfrm>
+            <a:off x="2138927" y="1815667"/>
+            <a:ext cx="957198" cy="605206"/>
+          </a:xfrm>
+          <a:prstGeom prst="rect">
+            <a:avLst/>
+          </a:prstGeom>
+          <a:solidFill>
+            <a:schemeClr val="lt1"/>
+          </a:solidFill>
+          <a:ln>
+            <a:noFill/>
+          </a:ln>
+        </p:spPr>
+        <p:style>
+          <a:lnRef idx="2">
+            <a:schemeClr val="accent1">
+              <a:shade val="20000"/>
+            </a:schemeClr>
+          </a:lnRef>
+          <a:fillRef idx="1">
+            <a:schemeClr val="accent1"/>
+          </a:fillRef>
+          <a:effectRef idx="0">
+            <a:schemeClr val="accent1"/>
+          </a:effectRef>
+          <a:fontRef idx="minor">
+            <a:schemeClr val="lt1"/>
+          </a:fontRef>
+        </p:style>
+        <p:txBody>
+          <a:bodyPr anchor="ctr"/>
+          <a:lstStyle/>
+          <a:p>
+            <a:pPr algn="ctr">
+              <a:defRPr/>
+            </a:pPr>
+            <a:endParaRPr lang="ko-KR" altLang="en-US">
+              <a:noFill/>
+            </a:endParaRPr>
+          </a:p>
+        </p:txBody>
+      </p:sp>
+      <p:sp>
+        <p:nvSpPr>
+          <p:cNvPr id="14" name="TextBox 13"/>
+          <p:cNvSpPr txBox="1"/>
+          <p:nvPr/>
+        </p:nvSpPr>
+        <p:spPr>
+          <a:xfrm>
+            <a:off x="2347752" y="1917160"/>
+            <a:ext cx="485089" cy="414909"/>
+          </a:xfrm>
+          <a:prstGeom prst="rect">
+            <a:avLst/>
+          </a:prstGeom>
+        </p:spPr>
+        <p:txBody>
+          <a:bodyPr wrap="square">
+            <a:spAutoFit/>
+          </a:bodyPr>
+          <a:lstStyle/>
+          <a:p>
+            <a:pPr algn="ctr">
+              <a:defRPr/>
+            </a:pPr>
+            <a:r>
+              <a:rPr lang="en-US" altLang="ko-KR" sz="2100">
+                <a:solidFill>
+                  <a:srgbClr val="0F3158"/>
+                </a:solidFill>
+                <a:latin typeface="-윤고딕360"/>
+                <a:ea typeface="-윤고딕360"/>
+              </a:rPr>
+              <a:t>01</a:t>
+            </a:r>
+          </a:p>
+        </p:txBody>
+      </p:sp>
+      <p:sp>
+        <p:nvSpPr>
+          <p:cNvPr id="15" name="TextBox 14"/>
+          <p:cNvSpPr txBox="1"/>
+          <p:nvPr/>
+        </p:nvSpPr>
+        <p:spPr>
+          <a:xfrm>
+            <a:off x="2002117" y="3068955"/>
+            <a:ext cx="1230820" cy="300990"/>
+          </a:xfrm>
+          <a:prstGeom prst="rect">
+            <a:avLst/>
+          </a:prstGeom>
+        </p:spPr>
+        <p:txBody>
+          <a:bodyPr wrap="square">
+            <a:spAutoFit/>
+          </a:bodyPr>
+          <a:lstStyle/>
+          <a:p>
+            <a:pPr algn="ctr">
+              <a:defRPr/>
+            </a:pPr>
+            <a:r>
+              <a:rPr lang="ko-KR" altLang="en-US" sz="1350">
+                <a:solidFill>
+                  <a:srgbClr val="808080"/>
+                </a:solidFill>
+                <a:latin typeface="나눔스퀘어 Bold"/>
+                <a:ea typeface="나눔스퀘어 Bold"/>
+              </a:rPr>
+              <a:t>활용도</a:t>
+            </a:r>
+            <a:endParaRPr lang="ko-KR" altLang="ko-KR" sz="1350">
+              <a:solidFill>
+                <a:srgbClr val="808080"/>
+              </a:solidFill>
+              <a:latin typeface="나눔스퀘어 Bold"/>
+              <a:ea typeface="나눔스퀘어 Bold"/>
+            </a:endParaRPr>
+          </a:p>
+        </p:txBody>
+      </p:sp>
+      <p:sp>
+        <p:nvSpPr>
+          <p:cNvPr id="18" name="타원 17"/>
+          <p:cNvSpPr/>
+          <p:nvPr/>
+        </p:nvSpPr>
+        <p:spPr>
+          <a:xfrm>
+            <a:off x="7280110" y="2060829"/>
+            <a:ext cx="2340292" cy="2340292"/>
+          </a:xfrm>
+          <a:prstGeom prst="ellipse">
+            <a:avLst/>
+          </a:prstGeom>
+          <a:noFill/>
+          <a:ln w="76200">
+            <a:solidFill>
+              <a:srgbClr val="B7C1CD"/>
+            </a:solidFill>
+          </a:ln>
+        </p:spPr>
+        <p:style>
+          <a:lnRef idx="2">
+            <a:schemeClr val="accent1">
+              <a:shade val="20000"/>
+            </a:schemeClr>
+          </a:lnRef>
+          <a:fillRef idx="1">
+            <a:schemeClr val="accent1"/>
+          </a:fillRef>
+          <a:effectRef idx="0">
+            <a:schemeClr val="accent1"/>
+          </a:effectRef>
+          <a:fontRef idx="minor">
+            <a:schemeClr val="lt1"/>
+          </a:fontRef>
+        </p:style>
+        <p:txBody>
+          <a:bodyPr anchor="ctr"/>
+          <a:lstStyle/>
+          <a:p>
+            <a:pPr algn="ctr">
+              <a:defRPr/>
+            </a:pPr>
+            <a:endParaRPr lang="ko-KR" altLang="en-US">
+              <a:noFill/>
+            </a:endParaRPr>
+          </a:p>
+        </p:txBody>
+      </p:sp>
+      <p:sp>
+        <p:nvSpPr>
+          <p:cNvPr id="19" name="직사각형 18"/>
+          <p:cNvSpPr/>
+          <p:nvPr/>
+        </p:nvSpPr>
+        <p:spPr>
+          <a:xfrm>
+            <a:off x="7971657" y="1815667"/>
+            <a:ext cx="957198" cy="605206"/>
+          </a:xfrm>
+          <a:prstGeom prst="rect">
+            <a:avLst/>
+          </a:prstGeom>
+          <a:solidFill>
+            <a:schemeClr val="lt1"/>
+          </a:solidFill>
+          <a:ln>
+            <a:noFill/>
+          </a:ln>
+        </p:spPr>
+        <p:style>
+          <a:lnRef idx="2">
+            <a:schemeClr val="accent1">
+              <a:shade val="20000"/>
+            </a:schemeClr>
+          </a:lnRef>
+          <a:fillRef idx="1">
+            <a:schemeClr val="accent1"/>
+          </a:fillRef>
+          <a:effectRef idx="0">
+            <a:schemeClr val="accent1"/>
+          </a:effectRef>
+          <a:fontRef idx="minor">
+            <a:schemeClr val="lt1"/>
+          </a:fontRef>
+        </p:style>
+        <p:txBody>
+          <a:bodyPr anchor="ctr"/>
+          <a:lstStyle/>
+          <a:p>
+            <a:pPr algn="ctr">
+              <a:defRPr/>
+            </a:pPr>
+            <a:endParaRPr lang="ko-KR" altLang="en-US">
+              <a:noFill/>
+            </a:endParaRPr>
+          </a:p>
+        </p:txBody>
+      </p:sp>
+      <p:sp>
+        <p:nvSpPr>
+          <p:cNvPr id="20" name="TextBox 19"/>
+          <p:cNvSpPr txBox="1"/>
+          <p:nvPr/>
+        </p:nvSpPr>
+        <p:spPr>
+          <a:xfrm>
+            <a:off x="8207712" y="1916811"/>
+            <a:ext cx="485088" cy="414909"/>
+          </a:xfrm>
+          <a:prstGeom prst="rect">
+            <a:avLst/>
+          </a:prstGeom>
+        </p:spPr>
+        <p:txBody>
+          <a:bodyPr wrap="square">
+            <a:spAutoFit/>
+          </a:bodyPr>
+          <a:lstStyle/>
+          <a:p>
+            <a:pPr algn="ctr">
+              <a:defRPr/>
+            </a:pPr>
+            <a:r>
+              <a:rPr lang="en-US" altLang="ko-KR" sz="2100">
+                <a:solidFill>
+                  <a:srgbClr val="0F3158"/>
+                </a:solidFill>
+                <a:latin typeface="-윤고딕360"/>
+                <a:ea typeface="-윤고딕360"/>
+              </a:rPr>
+              <a:t>03</a:t>
+            </a:r>
+          </a:p>
+        </p:txBody>
+      </p:sp>
+      <p:sp>
+        <p:nvSpPr>
+          <p:cNvPr id="21" name="TextBox 20"/>
+          <p:cNvSpPr txBox="1"/>
+          <p:nvPr/>
+        </p:nvSpPr>
+        <p:spPr>
+          <a:xfrm>
+            <a:off x="7755283" y="3068955"/>
+            <a:ext cx="1389945" cy="300082"/>
+          </a:xfrm>
+          <a:prstGeom prst="rect">
+            <a:avLst/>
+          </a:prstGeom>
+        </p:spPr>
+        <p:txBody>
+          <a:bodyPr wrap="square">
+            <a:spAutoFit/>
+          </a:bodyPr>
+          <a:lstStyle/>
+          <a:p>
+            <a:pPr algn="ctr">
+              <a:defRPr/>
+            </a:pPr>
+            <a:r>
+              <a:rPr lang="ko-KR" altLang="en-US" sz="1350">
+                <a:solidFill>
+                  <a:srgbClr val="808080"/>
+                </a:solidFill>
+                <a:latin typeface="나눔스퀘어 Bold"/>
+                <a:ea typeface="나눔스퀘어 Bold"/>
+              </a:rPr>
+              <a:t>인적 오류 예방</a:t>
+            </a:r>
+            <a:endParaRPr lang="ko-KR" altLang="ko-KR" sz="1350">
+              <a:solidFill>
+                <a:srgbClr val="808080"/>
+              </a:solidFill>
+              <a:latin typeface="나눔스퀘어 Bold"/>
+              <a:ea typeface="나눔스퀘어 Bold"/>
+            </a:endParaRPr>
+          </a:p>
+        </p:txBody>
+      </p:sp>
+      <p:sp>
+        <p:nvSpPr>
+          <p:cNvPr id="23" name="타원 22"/>
+          <p:cNvSpPr/>
+          <p:nvPr/>
+        </p:nvSpPr>
+        <p:spPr>
+          <a:xfrm>
+            <a:off x="4381748" y="2060829"/>
+            <a:ext cx="2340292" cy="2340292"/>
+          </a:xfrm>
+          <a:prstGeom prst="ellipse">
+            <a:avLst/>
+          </a:prstGeom>
+          <a:noFill/>
+          <a:ln w="76200">
+            <a:solidFill>
+              <a:srgbClr val="B7C1CD"/>
+            </a:solidFill>
+          </a:ln>
+        </p:spPr>
+        <p:style>
+          <a:lnRef idx="2">
+            <a:schemeClr val="accent1">
+              <a:shade val="20000"/>
+            </a:schemeClr>
+          </a:lnRef>
+          <a:fillRef idx="1">
+            <a:schemeClr val="accent1"/>
+          </a:fillRef>
+          <a:effectRef idx="0">
+            <a:schemeClr val="accent1"/>
+          </a:effectRef>
+          <a:fontRef idx="minor">
+            <a:schemeClr val="lt1"/>
+          </a:fontRef>
+        </p:style>
+        <p:txBody>
+          <a:bodyPr anchor="ctr"/>
+          <a:lstStyle/>
+          <a:p>
+            <a:pPr algn="ctr">
+              <a:defRPr/>
+            </a:pPr>
+            <a:endParaRPr lang="ko-KR" altLang="en-US">
+              <a:noFill/>
+            </a:endParaRPr>
+          </a:p>
+        </p:txBody>
+      </p:sp>
+      <p:sp>
+        <p:nvSpPr>
+          <p:cNvPr id="24" name="직사각형 23"/>
+          <p:cNvSpPr/>
+          <p:nvPr/>
+        </p:nvSpPr>
+        <p:spPr>
+          <a:xfrm>
+            <a:off x="5073295" y="1815667"/>
+            <a:ext cx="957198" cy="605206"/>
+          </a:xfrm>
+          <a:prstGeom prst="rect">
+            <a:avLst/>
+          </a:prstGeom>
+          <a:solidFill>
+            <a:schemeClr val="lt1"/>
+          </a:solidFill>
+          <a:ln>
+            <a:noFill/>
+          </a:ln>
+        </p:spPr>
+        <p:style>
+          <a:lnRef idx="2">
+            <a:schemeClr val="accent1">
+              <a:shade val="20000"/>
+            </a:schemeClr>
+          </a:lnRef>
+          <a:fillRef idx="1">
+            <a:schemeClr val="accent1"/>
+          </a:fillRef>
+          <a:effectRef idx="0">
+            <a:schemeClr val="accent1"/>
+          </a:effectRef>
+          <a:fontRef idx="minor">
+            <a:schemeClr val="lt1"/>
+          </a:fontRef>
+        </p:style>
+        <p:txBody>
+          <a:bodyPr anchor="ctr"/>
+          <a:lstStyle/>
+          <a:p>
+            <a:pPr algn="ctr">
+              <a:defRPr/>
+            </a:pPr>
+            <a:endParaRPr lang="ko-KR" altLang="en-US">
+              <a:noFill/>
+            </a:endParaRPr>
+          </a:p>
+        </p:txBody>
+      </p:sp>
+      <p:sp>
+        <p:nvSpPr>
+          <p:cNvPr id="25" name="TextBox 24"/>
+          <p:cNvSpPr txBox="1"/>
+          <p:nvPr/>
+        </p:nvSpPr>
+        <p:spPr>
+          <a:xfrm>
+            <a:off x="5309349" y="1916811"/>
+            <a:ext cx="485089" cy="414909"/>
+          </a:xfrm>
+          <a:prstGeom prst="rect">
+            <a:avLst/>
+          </a:prstGeom>
+        </p:spPr>
+        <p:txBody>
+          <a:bodyPr wrap="square">
+            <a:spAutoFit/>
+          </a:bodyPr>
+          <a:lstStyle/>
+          <a:p>
+            <a:pPr algn="ctr">
+              <a:defRPr/>
+            </a:pPr>
+            <a:r>
+              <a:rPr lang="en-US" altLang="ko-KR" sz="2100">
+                <a:solidFill>
+                  <a:srgbClr val="0F3158"/>
+                </a:solidFill>
+                <a:latin typeface="-윤고딕360"/>
+                <a:ea typeface="-윤고딕360"/>
+              </a:rPr>
+              <a:t>02</a:t>
+            </a:r>
+          </a:p>
+        </p:txBody>
+      </p:sp>
+      <p:sp>
+        <p:nvSpPr>
+          <p:cNvPr id="26" name="TextBox 25"/>
+          <p:cNvSpPr txBox="1"/>
+          <p:nvPr/>
+        </p:nvSpPr>
+        <p:spPr>
+          <a:xfrm>
+            <a:off x="4852789" y="3068955"/>
+            <a:ext cx="1407907" cy="300082"/>
+          </a:xfrm>
+          <a:prstGeom prst="rect">
+            <a:avLst/>
+          </a:prstGeom>
+        </p:spPr>
+        <p:txBody>
+          <a:bodyPr wrap="square">
+            <a:spAutoFit/>
+          </a:bodyPr>
+          <a:lstStyle/>
+          <a:p>
+            <a:pPr algn="ctr">
+              <a:defRPr/>
+            </a:pPr>
+            <a:r>
+              <a:rPr lang="ko-KR" altLang="en-US" sz="1350">
+                <a:solidFill>
+                  <a:srgbClr val="808080"/>
+                </a:solidFill>
+                <a:latin typeface="나눔스퀘어 Bold"/>
+                <a:ea typeface="나눔스퀘어 Bold"/>
+              </a:rPr>
+              <a:t>기존 구조 개선</a:t>
+            </a:r>
+            <a:endParaRPr lang="ko-KR" altLang="ko-KR" sz="1350">
+              <a:solidFill>
+                <a:srgbClr val="808080"/>
+              </a:solidFill>
+              <a:latin typeface="나눔스퀘어 Bold"/>
+              <a:ea typeface="나눔스퀘어 Bold"/>
+            </a:endParaRPr>
+          </a:p>
+        </p:txBody>
+      </p:sp>
+      <p:sp>
+        <p:nvSpPr>
+          <p:cNvPr id="27" name="TextBox 26"/>
+          <p:cNvSpPr txBox="1"/>
+          <p:nvPr/>
+        </p:nvSpPr>
+        <p:spPr>
+          <a:xfrm>
+            <a:off x="9566910" y="392049"/>
+            <a:ext cx="1259205" cy="243840"/>
+          </a:xfrm>
+          <a:prstGeom prst="rect">
+            <a:avLst/>
+          </a:prstGeom>
+        </p:spPr>
+        <p:txBody>
+          <a:bodyPr wrap="none">
+            <a:spAutoFit/>
+          </a:bodyPr>
+          <a:lstStyle/>
+          <a:p>
+            <a:pPr algn="ctr">
+              <a:defRPr/>
+            </a:pPr>
+            <a:r>
+              <a:rPr lang="ko-KR" altLang="en-US" sz="1000">
+                <a:solidFill>
+                  <a:srgbClr val="0F3158"/>
+                </a:solidFill>
+                <a:latin typeface="나눔스퀘어_ac ExtraBold"/>
+                <a:ea typeface="나눔스퀘어_ac ExtraBold"/>
+              </a:rPr>
+              <a:t>과목명 </a:t>
+            </a:r>
+            <a:r>
+              <a:rPr lang="en-US" altLang="ko-KR" sz="1000">
+                <a:solidFill>
+                  <a:srgbClr val="0F3158"/>
+                </a:solidFill>
+                <a:latin typeface="나눔스퀘어_ac ExtraBold"/>
+                <a:ea typeface="나눔스퀘어_ac ExtraBold"/>
+              </a:rPr>
+              <a:t>or </a:t>
+            </a:r>
+            <a:r>
+              <a:rPr lang="ko-KR" altLang="en-US" sz="1000">
+                <a:solidFill>
+                  <a:srgbClr val="0F3158"/>
+                </a:solidFill>
+                <a:latin typeface="나눔스퀘어_ac ExtraBold"/>
+                <a:ea typeface="나눔스퀘어_ac ExtraBold"/>
+              </a:rPr>
+              <a:t>프로젝트명</a:t>
+            </a:r>
+          </a:p>
+        </p:txBody>
+      </p:sp>
+      <p:sp>
+        <p:nvSpPr>
+          <p:cNvPr id="5" name="TextBox 4">
+            <a:extLst>
+              <a:ext uri="{FF2B5EF4-FFF2-40B4-BE49-F238E27FC236}">
+                <a16:creationId xmlns:a16="http://schemas.microsoft.com/office/drawing/2014/main" id="{C91B12A0-A8B5-6860-C165-0311B1275827}"/>
+              </a:ext>
+            </a:extLst>
+          </p:cNvPr>
+          <p:cNvSpPr txBox="1"/>
+          <p:nvPr/>
+        </p:nvSpPr>
+        <p:spPr>
+          <a:xfrm>
+            <a:off x="487081" y="392049"/>
+            <a:ext cx="1024640" cy="307777"/>
+          </a:xfrm>
+          <a:prstGeom prst="rect">
+            <a:avLst/>
+          </a:prstGeom>
+        </p:spPr>
+        <p:txBody>
+          <a:bodyPr wrap="none">
+            <a:spAutoFit/>
+          </a:bodyPr>
+          <a:lstStyle/>
+          <a:p>
+            <a:pPr algn="ctr">
+              <a:defRPr/>
+            </a:pPr>
+            <a:r>
+              <a:rPr lang="en-US" altLang="ko-KR" sz="1400">
+                <a:solidFill>
+                  <a:srgbClr val="0F3158"/>
+                </a:solidFill>
+                <a:latin typeface="나눔스퀘어_ac ExtraBold"/>
+                <a:ea typeface="나눔스퀘어_ac ExtraBold"/>
+              </a:rPr>
+              <a:t>01.</a:t>
+            </a:r>
+            <a:r>
+              <a:rPr lang="ko-KR" altLang="en-US" sz="1400">
+                <a:solidFill>
+                  <a:srgbClr val="0F3158"/>
+                </a:solidFill>
+                <a:latin typeface="나눔스퀘어_ac ExtraBold"/>
+                <a:ea typeface="나눔스퀘어_ac ExtraBold"/>
+              </a:rPr>
+              <a:t> 마무리</a:t>
+            </a:r>
+          </a:p>
+        </p:txBody>
+      </p:sp>
+      <p:sp>
+        <p:nvSpPr>
+          <p:cNvPr id="8" name="TextBox 7">
+            <a:extLst>
+              <a:ext uri="{FF2B5EF4-FFF2-40B4-BE49-F238E27FC236}">
+                <a16:creationId xmlns:a16="http://schemas.microsoft.com/office/drawing/2014/main" id="{E8E1EC87-EC99-BA23-549F-ACE0ABF6BDFC}"/>
+              </a:ext>
+            </a:extLst>
+          </p:cNvPr>
+          <p:cNvSpPr txBox="1"/>
+          <p:nvPr/>
+        </p:nvSpPr>
+        <p:spPr>
+          <a:xfrm>
+            <a:off x="487979" y="615696"/>
+            <a:ext cx="854722" cy="276999"/>
+          </a:xfrm>
+          <a:prstGeom prst="rect">
+            <a:avLst/>
+          </a:prstGeom>
+        </p:spPr>
+        <p:txBody>
+          <a:bodyPr wrap="none">
+            <a:spAutoFit/>
+          </a:bodyPr>
+          <a:lstStyle/>
+          <a:p>
+            <a:pPr algn="ctr">
+              <a:defRPr/>
+            </a:pPr>
+            <a:r>
+              <a:rPr lang="ko-KR" altLang="en-US" sz="1200">
+                <a:solidFill>
+                  <a:srgbClr val="A9AAAA"/>
+                </a:solidFill>
+                <a:latin typeface="나눔스퀘어_ac Bold"/>
+                <a:ea typeface="나눔스퀘어_ac Bold"/>
+              </a:rPr>
+              <a:t>기대 효과</a:t>
+            </a:r>
+          </a:p>
+        </p:txBody>
+      </p:sp>
+      <p:sp>
+        <p:nvSpPr>
+          <p:cNvPr id="16" name="직사각형 15">
+            <a:extLst>
+              <a:ext uri="{FF2B5EF4-FFF2-40B4-BE49-F238E27FC236}">
+                <a16:creationId xmlns:a16="http://schemas.microsoft.com/office/drawing/2014/main" id="{9DD45C97-66FC-35E6-B698-C52B5E7331DC}"/>
+              </a:ext>
+            </a:extLst>
+          </p:cNvPr>
+          <p:cNvSpPr/>
+          <p:nvPr/>
+        </p:nvSpPr>
+        <p:spPr>
+          <a:xfrm>
+            <a:off x="439255" y="392049"/>
+            <a:ext cx="45720" cy="588645"/>
+          </a:xfrm>
+          <a:prstGeom prst="rect">
+            <a:avLst/>
+          </a:prstGeom>
+          <a:solidFill>
+            <a:srgbClr val="0F3158"/>
+          </a:solidFill>
+          <a:ln>
+            <a:noFill/>
+          </a:ln>
+        </p:spPr>
+        <p:style>
+          <a:lnRef idx="2">
+            <a:schemeClr val="accent1">
+              <a:shade val="20000"/>
+            </a:schemeClr>
+          </a:lnRef>
+          <a:fillRef idx="1">
+            <a:schemeClr val="accent1"/>
+          </a:fillRef>
+          <a:effectRef idx="0">
+            <a:schemeClr val="accent1"/>
+          </a:effectRef>
+          <a:fontRef idx="minor">
+            <a:schemeClr val="lt1"/>
+          </a:fontRef>
+        </p:style>
+        <p:txBody>
+          <a:bodyPr anchor="ctr"/>
+          <a:lstStyle/>
+          <a:p>
+            <a:pPr algn="ctr">
+              <a:defRPr/>
+            </a:pPr>
+            <a:endParaRPr lang="ko-KR" altLang="en-US">
+              <a:noFill/>
+            </a:endParaRPr>
+          </a:p>
+        </p:txBody>
+      </p:sp>
+    </p:spTree>
+  </p:cSld>
+  <p:clrMapOvr>
+    <a:masterClrMapping/>
+  </p:clrMapOvr>
+  <mc:AlternateContent xmlns:mc="http://schemas.openxmlformats.org/markup-compatibility/2006" xmlns:p14="http://schemas.microsoft.com/office/powerpoint/2010/main">
+    <mc:Choice Requires="p14">
+      <p:transition/>
+    </mc:Choice>
+    <mc:Fallback xmlns:dsp="http://schemas.microsoft.com/office/drawing/2008/diagram" xmlns:dgm="http://schemas.openxmlformats.org/drawingml/2006/diagram" xmlns:c="http://schemas.openxmlformats.org/drawingml/2006/chart" xmlns="">
+      <p:transition/>
+    </mc:Fallback>
+  </mc:AlternateContent>
+</p:sld>
+</file>
+
+<file path=ppt/slides/slide21.xml><?xml version="1.0" encoding="utf-8"?>
+<p:sld xmlns:a="http://schemas.openxmlformats.org/drawingml/2006/main" xmlns:r="http://schemas.openxmlformats.org/officeDocument/2006/relationships" xmlns:p="http://schemas.openxmlformats.org/presentationml/2006/main">
+  <p:cSld>
+    <p:spTree>
+      <p:nvGrpSpPr>
+        <p:cNvPr id="1" name="">
+          <a:extLst>
+            <a:ext uri="{FF2B5EF4-FFF2-40B4-BE49-F238E27FC236}">
+              <a16:creationId xmlns:a16="http://schemas.microsoft.com/office/drawing/2014/main" id="{D244DC2A-5B4E-2857-B98F-9543C1320F82}"/>
+            </a:ext>
+          </a:extLst>
+        </p:cNvPr>
+        <p:cNvGrpSpPr/>
+        <p:nvPr/>
+      </p:nvGrpSpPr>
+      <p:grpSpPr>
+        <a:xfrm>
+          <a:off x="0" y="0"/>
+          <a:ext cx="0" cy="0"/>
+          <a:chOff x="0" y="0"/>
+          <a:chExt cx="0" cy="0"/>
+        </a:xfrm>
+      </p:grpSpPr>
+      <p:sp>
+        <p:nvSpPr>
+          <p:cNvPr id="12" name="타원 11">
+            <a:extLst>
+              <a:ext uri="{FF2B5EF4-FFF2-40B4-BE49-F238E27FC236}">
+                <a16:creationId xmlns:a16="http://schemas.microsoft.com/office/drawing/2014/main" id="{2586D447-7439-1E53-B3E4-FEB08193B2AD}"/>
+              </a:ext>
+            </a:extLst>
+          </p:cNvPr>
+          <p:cNvSpPr/>
+          <p:nvPr/>
+        </p:nvSpPr>
+        <p:spPr>
+          <a:xfrm>
+            <a:off x="2977964" y="2080207"/>
+            <a:ext cx="2340292" cy="2340292"/>
+          </a:xfrm>
+          <a:prstGeom prst="ellipse">
+            <a:avLst/>
+          </a:prstGeom>
+          <a:noFill/>
+          <a:ln w="76200">
+            <a:solidFill>
+              <a:srgbClr val="B7C1CD"/>
+            </a:solidFill>
+          </a:ln>
+        </p:spPr>
+        <p:style>
+          <a:lnRef idx="2">
+            <a:schemeClr val="accent1">
+              <a:shade val="20000"/>
+            </a:schemeClr>
+          </a:lnRef>
+          <a:fillRef idx="1">
+            <a:schemeClr val="accent1"/>
+          </a:fillRef>
+          <a:effectRef idx="0">
+            <a:schemeClr val="accent1"/>
+          </a:effectRef>
+          <a:fontRef idx="minor">
+            <a:schemeClr val="lt1"/>
+          </a:fontRef>
+        </p:style>
+        <p:txBody>
+          <a:bodyPr anchor="ctr"/>
+          <a:lstStyle/>
+          <a:p>
+            <a:pPr algn="ctr">
+              <a:defRPr/>
+            </a:pPr>
+            <a:endParaRPr lang="ko-KR" altLang="en-US">
+              <a:noFill/>
+            </a:endParaRPr>
+          </a:p>
+        </p:txBody>
+      </p:sp>
+      <p:sp>
+        <p:nvSpPr>
+          <p:cNvPr id="13" name="직사각형 12">
+            <a:extLst>
+              <a:ext uri="{FF2B5EF4-FFF2-40B4-BE49-F238E27FC236}">
+                <a16:creationId xmlns:a16="http://schemas.microsoft.com/office/drawing/2014/main" id="{234F3548-1F6E-AD9D-28AC-374E1F392EE6}"/>
+              </a:ext>
+            </a:extLst>
+          </p:cNvPr>
+          <p:cNvSpPr/>
+          <p:nvPr/>
+        </p:nvSpPr>
+        <p:spPr>
+          <a:xfrm>
+            <a:off x="3669510" y="1835045"/>
+            <a:ext cx="957198" cy="605206"/>
+          </a:xfrm>
+          <a:prstGeom prst="rect">
+            <a:avLst/>
+          </a:prstGeom>
+          <a:solidFill>
+            <a:schemeClr val="lt1"/>
+          </a:solidFill>
+          <a:ln>
+            <a:noFill/>
+          </a:ln>
+        </p:spPr>
+        <p:style>
+          <a:lnRef idx="2">
+            <a:schemeClr val="accent1">
+              <a:shade val="20000"/>
+            </a:schemeClr>
+          </a:lnRef>
+          <a:fillRef idx="1">
+            <a:schemeClr val="accent1"/>
+          </a:fillRef>
+          <a:effectRef idx="0">
+            <a:schemeClr val="accent1"/>
+          </a:effectRef>
+          <a:fontRef idx="minor">
+            <a:schemeClr val="lt1"/>
+          </a:fontRef>
+        </p:style>
+        <p:txBody>
+          <a:bodyPr anchor="ctr"/>
+          <a:lstStyle/>
+          <a:p>
+            <a:pPr algn="ctr">
+              <a:defRPr/>
+            </a:pPr>
+            <a:endParaRPr lang="ko-KR" altLang="en-US">
+              <a:noFill/>
+            </a:endParaRPr>
+          </a:p>
+        </p:txBody>
+      </p:sp>
+      <p:sp>
+        <p:nvSpPr>
+          <p:cNvPr id="14" name="TextBox 13">
+            <a:extLst>
+              <a:ext uri="{FF2B5EF4-FFF2-40B4-BE49-F238E27FC236}">
+                <a16:creationId xmlns:a16="http://schemas.microsoft.com/office/drawing/2014/main" id="{6A6AEA65-2F09-E74F-EEDA-204509C50971}"/>
+              </a:ext>
+            </a:extLst>
+          </p:cNvPr>
+          <p:cNvSpPr txBox="1"/>
+          <p:nvPr/>
+        </p:nvSpPr>
+        <p:spPr>
+          <a:xfrm>
+            <a:off x="3878335" y="1936538"/>
+            <a:ext cx="485089" cy="414909"/>
+          </a:xfrm>
+          <a:prstGeom prst="rect">
+            <a:avLst/>
+          </a:prstGeom>
+        </p:spPr>
+        <p:txBody>
+          <a:bodyPr wrap="square">
+            <a:spAutoFit/>
+          </a:bodyPr>
+          <a:lstStyle/>
+          <a:p>
+            <a:pPr algn="ctr">
+              <a:defRPr/>
+            </a:pPr>
+            <a:r>
+              <a:rPr lang="en-US" altLang="ko-KR" sz="2100">
+                <a:solidFill>
+                  <a:srgbClr val="0F3158"/>
+                </a:solidFill>
+                <a:latin typeface="-윤고딕360"/>
+                <a:ea typeface="-윤고딕360"/>
+              </a:rPr>
+              <a:t>01</a:t>
+            </a:r>
+          </a:p>
+        </p:txBody>
+      </p:sp>
+      <p:sp>
+        <p:nvSpPr>
+          <p:cNvPr id="15" name="TextBox 14">
+            <a:extLst>
+              <a:ext uri="{FF2B5EF4-FFF2-40B4-BE49-F238E27FC236}">
+                <a16:creationId xmlns:a16="http://schemas.microsoft.com/office/drawing/2014/main" id="{B5978005-7DCC-87D8-26DB-39F33523B90D}"/>
+              </a:ext>
+            </a:extLst>
+          </p:cNvPr>
+          <p:cNvSpPr txBox="1"/>
+          <p:nvPr/>
+        </p:nvSpPr>
+        <p:spPr>
+          <a:xfrm>
+            <a:off x="3175974" y="3013249"/>
+            <a:ext cx="1944270" cy="507831"/>
+          </a:xfrm>
+          <a:prstGeom prst="rect">
+            <a:avLst/>
+          </a:prstGeom>
+        </p:spPr>
+        <p:txBody>
+          <a:bodyPr wrap="square">
+            <a:spAutoFit/>
+          </a:bodyPr>
+          <a:lstStyle/>
+          <a:p>
+            <a:pPr algn="ctr">
+              <a:defRPr/>
+            </a:pPr>
+            <a:r>
+              <a:rPr lang="ko-KR" altLang="en-US" sz="1350">
+                <a:solidFill>
+                  <a:srgbClr val="808080"/>
+                </a:solidFill>
+                <a:latin typeface="나눔스퀘어 Bold"/>
+                <a:ea typeface="나눔스퀘어 Bold"/>
+              </a:rPr>
+              <a:t>저가형 경량 모델로 </a:t>
+            </a:r>
+            <a:endParaRPr lang="en-US" altLang="ko-KR" sz="1350">
+              <a:solidFill>
+                <a:srgbClr val="808080"/>
+              </a:solidFill>
+              <a:latin typeface="나눔스퀘어 Bold"/>
+              <a:ea typeface="나눔스퀘어 Bold"/>
+            </a:endParaRPr>
+          </a:p>
+          <a:p>
+            <a:pPr algn="ctr">
+              <a:defRPr/>
+            </a:pPr>
+            <a:r>
+              <a:rPr lang="ko-KR" altLang="en-US" sz="1350">
+                <a:solidFill>
+                  <a:srgbClr val="808080"/>
+                </a:solidFill>
+                <a:latin typeface="나눔스퀘어 Bold"/>
+                <a:ea typeface="나눔스퀘어 Bold"/>
+              </a:rPr>
+              <a:t>재선정 후 테스트</a:t>
+            </a:r>
+            <a:endParaRPr lang="ko-KR" altLang="ko-KR" sz="1350">
+              <a:solidFill>
+                <a:srgbClr val="808080"/>
+              </a:solidFill>
+              <a:latin typeface="나눔스퀘어 Bold"/>
+              <a:ea typeface="나눔스퀘어 Bold"/>
+            </a:endParaRPr>
+          </a:p>
+        </p:txBody>
+      </p:sp>
+      <p:sp>
+        <p:nvSpPr>
+          <p:cNvPr id="23" name="타원 22">
+            <a:extLst>
+              <a:ext uri="{FF2B5EF4-FFF2-40B4-BE49-F238E27FC236}">
+                <a16:creationId xmlns:a16="http://schemas.microsoft.com/office/drawing/2014/main" id="{A07C78AC-D3FF-2C5E-1828-90BFAB03983A}"/>
+              </a:ext>
+            </a:extLst>
+          </p:cNvPr>
+          <p:cNvSpPr/>
+          <p:nvPr/>
+        </p:nvSpPr>
+        <p:spPr>
+          <a:xfrm>
+            <a:off x="5912331" y="2080207"/>
+            <a:ext cx="2340292" cy="2340292"/>
+          </a:xfrm>
+          <a:prstGeom prst="ellipse">
+            <a:avLst/>
+          </a:prstGeom>
+          <a:noFill/>
+          <a:ln w="76200">
+            <a:solidFill>
+              <a:srgbClr val="B7C1CD"/>
+            </a:solidFill>
+          </a:ln>
+        </p:spPr>
+        <p:style>
+          <a:lnRef idx="2">
+            <a:schemeClr val="accent1">
+              <a:shade val="20000"/>
+            </a:schemeClr>
+          </a:lnRef>
+          <a:fillRef idx="1">
+            <a:schemeClr val="accent1"/>
+          </a:fillRef>
+          <a:effectRef idx="0">
+            <a:schemeClr val="accent1"/>
+          </a:effectRef>
+          <a:fontRef idx="minor">
+            <a:schemeClr val="lt1"/>
+          </a:fontRef>
+        </p:style>
+        <p:txBody>
+          <a:bodyPr anchor="ctr"/>
+          <a:lstStyle/>
+          <a:p>
+            <a:pPr algn="ctr">
+              <a:defRPr/>
+            </a:pPr>
+            <a:endParaRPr lang="ko-KR" altLang="en-US">
+              <a:noFill/>
+            </a:endParaRPr>
+          </a:p>
+        </p:txBody>
+      </p:sp>
+      <p:sp>
+        <p:nvSpPr>
+          <p:cNvPr id="24" name="직사각형 23">
+            <a:extLst>
+              <a:ext uri="{FF2B5EF4-FFF2-40B4-BE49-F238E27FC236}">
+                <a16:creationId xmlns:a16="http://schemas.microsoft.com/office/drawing/2014/main" id="{19854A58-9EC9-9949-9324-6BF788040489}"/>
+              </a:ext>
+            </a:extLst>
+          </p:cNvPr>
+          <p:cNvSpPr/>
+          <p:nvPr/>
+        </p:nvSpPr>
+        <p:spPr>
+          <a:xfrm>
+            <a:off x="6603878" y="1835045"/>
+            <a:ext cx="957198" cy="605206"/>
+          </a:xfrm>
+          <a:prstGeom prst="rect">
+            <a:avLst/>
+          </a:prstGeom>
+          <a:solidFill>
+            <a:schemeClr val="lt1"/>
+          </a:solidFill>
+          <a:ln>
+            <a:noFill/>
+          </a:ln>
+        </p:spPr>
+        <p:style>
+          <a:lnRef idx="2">
+            <a:schemeClr val="accent1">
+              <a:shade val="20000"/>
+            </a:schemeClr>
+          </a:lnRef>
+          <a:fillRef idx="1">
+            <a:schemeClr val="accent1"/>
+          </a:fillRef>
+          <a:effectRef idx="0">
+            <a:schemeClr val="accent1"/>
+          </a:effectRef>
+          <a:fontRef idx="minor">
+            <a:schemeClr val="lt1"/>
+          </a:fontRef>
+        </p:style>
+        <p:txBody>
+          <a:bodyPr anchor="ctr"/>
+          <a:lstStyle/>
+          <a:p>
+            <a:pPr algn="ctr">
+              <a:defRPr/>
+            </a:pPr>
+            <a:endParaRPr lang="ko-KR" altLang="en-US">
+              <a:noFill/>
+            </a:endParaRPr>
+          </a:p>
+        </p:txBody>
+      </p:sp>
+      <p:sp>
+        <p:nvSpPr>
+          <p:cNvPr id="25" name="TextBox 24">
+            <a:extLst>
+              <a:ext uri="{FF2B5EF4-FFF2-40B4-BE49-F238E27FC236}">
+                <a16:creationId xmlns:a16="http://schemas.microsoft.com/office/drawing/2014/main" id="{C28A6013-0C83-3105-2C07-088FF69F2FB2}"/>
+              </a:ext>
+            </a:extLst>
+          </p:cNvPr>
+          <p:cNvSpPr txBox="1"/>
+          <p:nvPr/>
+        </p:nvSpPr>
+        <p:spPr>
+          <a:xfrm>
+            <a:off x="6839932" y="1936189"/>
+            <a:ext cx="485089" cy="414909"/>
+          </a:xfrm>
+          <a:prstGeom prst="rect">
+            <a:avLst/>
+          </a:prstGeom>
+        </p:spPr>
+        <p:txBody>
+          <a:bodyPr wrap="square">
+            <a:spAutoFit/>
+          </a:bodyPr>
+          <a:lstStyle/>
+          <a:p>
+            <a:pPr algn="ctr">
+              <a:defRPr/>
+            </a:pPr>
+            <a:r>
+              <a:rPr lang="en-US" altLang="ko-KR" sz="2100">
+                <a:solidFill>
+                  <a:srgbClr val="0F3158"/>
+                </a:solidFill>
+                <a:latin typeface="-윤고딕360"/>
+                <a:ea typeface="-윤고딕360"/>
+              </a:rPr>
+              <a:t>02</a:t>
+            </a:r>
+          </a:p>
+        </p:txBody>
+      </p:sp>
+      <p:sp>
+        <p:nvSpPr>
+          <p:cNvPr id="26" name="TextBox 25">
+            <a:extLst>
+              <a:ext uri="{FF2B5EF4-FFF2-40B4-BE49-F238E27FC236}">
+                <a16:creationId xmlns:a16="http://schemas.microsoft.com/office/drawing/2014/main" id="{D8A9E371-84B6-CE2E-A936-20862D62D8CC}"/>
+              </a:ext>
+            </a:extLst>
+          </p:cNvPr>
+          <p:cNvSpPr txBox="1"/>
+          <p:nvPr/>
+        </p:nvSpPr>
+        <p:spPr>
+          <a:xfrm>
+            <a:off x="6392073" y="2996437"/>
+            <a:ext cx="1407907" cy="507831"/>
+          </a:xfrm>
+          <a:prstGeom prst="rect">
+            <a:avLst/>
+          </a:prstGeom>
+        </p:spPr>
+        <p:txBody>
+          <a:bodyPr wrap="square">
+            <a:spAutoFit/>
+          </a:bodyPr>
+          <a:lstStyle/>
+          <a:p>
+            <a:pPr algn="ctr">
+              <a:defRPr/>
+            </a:pPr>
+            <a:r>
+              <a:rPr lang="en-US" altLang="ko-KR" sz="1350">
+                <a:solidFill>
+                  <a:srgbClr val="808080"/>
+                </a:solidFill>
+                <a:latin typeface="나눔스퀘어 Bold"/>
+                <a:ea typeface="나눔스퀘어 Bold"/>
+              </a:rPr>
+              <a:t>MissionPlanner</a:t>
+            </a:r>
+            <a:r>
+              <a:rPr lang="ko-KR" altLang="en-US" sz="1350">
+                <a:solidFill>
+                  <a:srgbClr val="808080"/>
+                </a:solidFill>
+                <a:latin typeface="나눔스퀘어 Bold"/>
+                <a:ea typeface="나눔스퀘어 Bold"/>
+              </a:rPr>
+              <a:t>종속적</a:t>
+            </a:r>
+            <a:endParaRPr lang="ko-KR" altLang="ko-KR" sz="1350">
+              <a:solidFill>
+                <a:srgbClr val="808080"/>
+              </a:solidFill>
+              <a:latin typeface="나눔스퀘어 Bold"/>
+              <a:ea typeface="나눔스퀘어 Bold"/>
+            </a:endParaRPr>
+          </a:p>
+        </p:txBody>
+      </p:sp>
+      <p:sp>
+        <p:nvSpPr>
+          <p:cNvPr id="27" name="TextBox 26">
+            <a:extLst>
+              <a:ext uri="{FF2B5EF4-FFF2-40B4-BE49-F238E27FC236}">
+                <a16:creationId xmlns:a16="http://schemas.microsoft.com/office/drawing/2014/main" id="{B9F280A1-B9DB-FA6B-8BF6-254A4D95576B}"/>
+              </a:ext>
+            </a:extLst>
+          </p:cNvPr>
+          <p:cNvSpPr txBox="1"/>
+          <p:nvPr/>
+        </p:nvSpPr>
+        <p:spPr>
+          <a:xfrm>
+            <a:off x="9566910" y="392049"/>
+            <a:ext cx="1259205" cy="243840"/>
+          </a:xfrm>
+          <a:prstGeom prst="rect">
+            <a:avLst/>
+          </a:prstGeom>
+        </p:spPr>
+        <p:txBody>
+          <a:bodyPr wrap="none">
+            <a:spAutoFit/>
+          </a:bodyPr>
+          <a:lstStyle/>
+          <a:p>
+            <a:pPr algn="ctr">
+              <a:defRPr/>
+            </a:pPr>
+            <a:r>
+              <a:rPr lang="ko-KR" altLang="en-US" sz="1000">
+                <a:solidFill>
+                  <a:srgbClr val="0F3158"/>
+                </a:solidFill>
+                <a:latin typeface="나눔스퀘어_ac ExtraBold"/>
+                <a:ea typeface="나눔스퀘어_ac ExtraBold"/>
+              </a:rPr>
+              <a:t>과목명 </a:t>
+            </a:r>
+            <a:r>
+              <a:rPr lang="en-US" altLang="ko-KR" sz="1000">
+                <a:solidFill>
+                  <a:srgbClr val="0F3158"/>
+                </a:solidFill>
+                <a:latin typeface="나눔스퀘어_ac ExtraBold"/>
+                <a:ea typeface="나눔스퀘어_ac ExtraBold"/>
+              </a:rPr>
+              <a:t>or </a:t>
+            </a:r>
+            <a:r>
+              <a:rPr lang="ko-KR" altLang="en-US" sz="1000">
+                <a:solidFill>
+                  <a:srgbClr val="0F3158"/>
+                </a:solidFill>
+                <a:latin typeface="나눔스퀘어_ac ExtraBold"/>
+                <a:ea typeface="나눔스퀘어_ac ExtraBold"/>
+              </a:rPr>
+              <a:t>프로젝트명</a:t>
+            </a:r>
+          </a:p>
+        </p:txBody>
+      </p:sp>
+      <p:sp>
+        <p:nvSpPr>
+          <p:cNvPr id="5" name="TextBox 4">
+            <a:extLst>
+              <a:ext uri="{FF2B5EF4-FFF2-40B4-BE49-F238E27FC236}">
+                <a16:creationId xmlns:a16="http://schemas.microsoft.com/office/drawing/2014/main" id="{81261A72-B7A1-28C1-DC43-63CA10B5BFA4}"/>
+              </a:ext>
+            </a:extLst>
+          </p:cNvPr>
+          <p:cNvSpPr txBox="1"/>
+          <p:nvPr/>
+        </p:nvSpPr>
+        <p:spPr>
+          <a:xfrm>
+            <a:off x="487081" y="392049"/>
+            <a:ext cx="1024640" cy="307777"/>
+          </a:xfrm>
+          <a:prstGeom prst="rect">
+            <a:avLst/>
+          </a:prstGeom>
+        </p:spPr>
+        <p:txBody>
+          <a:bodyPr wrap="none">
+            <a:spAutoFit/>
+          </a:bodyPr>
+          <a:lstStyle/>
+          <a:p>
+            <a:pPr algn="ctr">
+              <a:defRPr/>
+            </a:pPr>
+            <a:r>
+              <a:rPr lang="en-US" altLang="ko-KR" sz="1400">
+                <a:solidFill>
+                  <a:srgbClr val="0F3158"/>
+                </a:solidFill>
+                <a:latin typeface="나눔스퀘어_ac ExtraBold"/>
+                <a:ea typeface="나눔스퀘어_ac ExtraBold"/>
+              </a:rPr>
+              <a:t>01.</a:t>
+            </a:r>
+            <a:r>
+              <a:rPr lang="ko-KR" altLang="en-US" sz="1400">
+                <a:solidFill>
+                  <a:srgbClr val="0F3158"/>
+                </a:solidFill>
+                <a:latin typeface="나눔스퀘어_ac ExtraBold"/>
+                <a:ea typeface="나눔스퀘어_ac ExtraBold"/>
+              </a:rPr>
+              <a:t> 마무리</a:t>
+            </a:r>
+          </a:p>
+        </p:txBody>
+      </p:sp>
+      <p:sp>
+        <p:nvSpPr>
+          <p:cNvPr id="8" name="TextBox 7">
+            <a:extLst>
+              <a:ext uri="{FF2B5EF4-FFF2-40B4-BE49-F238E27FC236}">
+                <a16:creationId xmlns:a16="http://schemas.microsoft.com/office/drawing/2014/main" id="{4251FE6A-A68F-5CE0-F6F2-99926954E812}"/>
+              </a:ext>
+            </a:extLst>
+          </p:cNvPr>
+          <p:cNvSpPr txBox="1"/>
+          <p:nvPr/>
+        </p:nvSpPr>
+        <p:spPr>
+          <a:xfrm>
+            <a:off x="467739" y="615696"/>
+            <a:ext cx="1008610" cy="276999"/>
+          </a:xfrm>
+          <a:prstGeom prst="rect">
+            <a:avLst/>
+          </a:prstGeom>
+        </p:spPr>
+        <p:txBody>
+          <a:bodyPr wrap="none">
+            <a:spAutoFit/>
+          </a:bodyPr>
+          <a:lstStyle/>
+          <a:p>
+            <a:pPr algn="ctr">
+              <a:defRPr/>
+            </a:pPr>
+            <a:r>
+              <a:rPr lang="ko-KR" altLang="en-US" sz="1200">
+                <a:solidFill>
+                  <a:srgbClr val="A9AAAA"/>
+                </a:solidFill>
+                <a:latin typeface="나눔스퀘어_ac Bold"/>
+                <a:ea typeface="나눔스퀘어_ac Bold"/>
+              </a:rPr>
+              <a:t>추후 개선점</a:t>
+            </a:r>
+          </a:p>
+        </p:txBody>
+      </p:sp>
+      <p:sp>
+        <p:nvSpPr>
+          <p:cNvPr id="16" name="직사각형 15">
+            <a:extLst>
+              <a:ext uri="{FF2B5EF4-FFF2-40B4-BE49-F238E27FC236}">
+                <a16:creationId xmlns:a16="http://schemas.microsoft.com/office/drawing/2014/main" id="{781D8C53-6DBB-1615-0910-D1B91234E5DF}"/>
+              </a:ext>
+            </a:extLst>
+          </p:cNvPr>
+          <p:cNvSpPr/>
+          <p:nvPr/>
+        </p:nvSpPr>
+        <p:spPr>
+          <a:xfrm>
+            <a:off x="439255" y="392049"/>
+            <a:ext cx="45720" cy="588645"/>
+          </a:xfrm>
+          <a:prstGeom prst="rect">
+            <a:avLst/>
+          </a:prstGeom>
+          <a:solidFill>
+            <a:srgbClr val="0F3158"/>
+          </a:solidFill>
+          <a:ln>
+            <a:noFill/>
+          </a:ln>
+        </p:spPr>
+        <p:style>
+          <a:lnRef idx="2">
+            <a:schemeClr val="accent1">
+              <a:shade val="20000"/>
+            </a:schemeClr>
+          </a:lnRef>
+          <a:fillRef idx="1">
+            <a:schemeClr val="accent1"/>
+          </a:fillRef>
+          <a:effectRef idx="0">
+            <a:schemeClr val="accent1"/>
+          </a:effectRef>
+          <a:fontRef idx="minor">
+            <a:schemeClr val="lt1"/>
+          </a:fontRef>
+        </p:style>
+        <p:txBody>
+          <a:bodyPr anchor="ctr"/>
+          <a:lstStyle/>
+          <a:p>
+            <a:pPr algn="ctr">
+              <a:defRPr/>
+            </a:pPr>
+            <a:endParaRPr lang="ko-KR" altLang="en-US">
+              <a:noFill/>
+            </a:endParaRPr>
+          </a:p>
+        </p:txBody>
+      </p:sp>
+    </p:spTree>
+    <p:extLst>
+      <p:ext uri="{BB962C8B-B14F-4D97-AF65-F5344CB8AC3E}">
+        <p14:creationId xmlns:p14="http://schemas.microsoft.com/office/powerpoint/2010/main" val="4050390559"/>
+      </p:ext>
+    </p:extLst>
+  </p:cSld>
+  <p:clrMapOvr>
+    <a:masterClrMapping/>
+  </p:clrMapOvr>
+  <mc:AlternateContent xmlns:mc="http://schemas.openxmlformats.org/markup-compatibility/2006" xmlns:p14="http://schemas.microsoft.com/office/powerpoint/2010/main">
+    <mc:Choice Requires="p14">
+      <p:transition/>
+    </mc:Choice>
+    <mc:Fallback xmlns:dsp="http://schemas.microsoft.com/office/drawing/2008/diagram" xmlns:dgm="http://schemas.openxmlformats.org/drawingml/2006/diagram" xmlns:c="http://schemas.openxmlformats.org/drawingml/2006/chart" xmlns="">
+      <p:transition/>
+    </mc:Fallback>
+  </mc:AlternateContent>
+</p:sld>
+</file>
+
+<file path=ppt/slides/slide22.xml><?xml version="1.0" encoding="utf-8"?>
+<p:sld xmlns:a="http://schemas.openxmlformats.org/drawingml/2006/main" xmlns:r="http://schemas.openxmlformats.org/officeDocument/2006/relationships" xmlns:p="http://schemas.openxmlformats.org/presentationml/2006/main">
+  <p:cSld>
+    <p:spTree>
+      <p:nvGrpSpPr>
+        <p:cNvPr id="1" name=""/>
+        <p:cNvGrpSpPr/>
+        <p:nvPr/>
+      </p:nvGrpSpPr>
+      <p:grpSpPr>
+        <a:xfrm>
+          <a:off x="0" y="0"/>
+          <a:ext cx="0" cy="0"/>
+          <a:chOff x="0" y="0"/>
+          <a:chExt cx="0" cy="0"/>
+        </a:xfrm>
+      </p:grpSpPr>
+      <p:sp>
+        <p:nvSpPr>
           <p:cNvPr id="11" name="TextBox 10"/>
           <p:cNvSpPr txBox="1"/>
           <p:nvPr/>
@@ -12517,7 +13711,7 @@
     <mc:Choice Requires="p14">
       <p:transition/>
     </mc:Choice>
-    <mc:Fallback xmlns="" xmlns:c="http://schemas.openxmlformats.org/drawingml/2006/chart" xmlns:dgm="http://schemas.openxmlformats.org/drawingml/2006/diagram" xmlns:dsp="http://schemas.microsoft.com/office/drawing/2008/diagram">
+    <mc:Fallback xmlns:dsp="http://schemas.microsoft.com/office/drawing/2008/diagram" xmlns:dgm="http://schemas.openxmlformats.org/drawingml/2006/diagram" xmlns:c="http://schemas.openxmlformats.org/drawingml/2006/chart" xmlns="">
       <p:transition/>
     </mc:Fallback>
   </mc:AlternateContent>
@@ -12654,7 +13848,7 @@
     <mc:Choice Requires="p14">
       <p:transition/>
     </mc:Choice>
-    <mc:Fallback xmlns="" xmlns:c="http://schemas.openxmlformats.org/drawingml/2006/chart" xmlns:dgm="http://schemas.openxmlformats.org/drawingml/2006/diagram" xmlns:dsp="http://schemas.microsoft.com/office/drawing/2008/diagram">
+    <mc:Fallback xmlns:dsp="http://schemas.microsoft.com/office/drawing/2008/diagram" xmlns:dgm="http://schemas.openxmlformats.org/drawingml/2006/diagram" xmlns:c="http://schemas.openxmlformats.org/drawingml/2006/chart" xmlns="">
       <p:transition/>
     </mc:Fallback>
   </mc:AlternateContent>
@@ -12669,7 +13863,7 @@
         <p:cNvPr id="1" name="">
           <a:extLst>
             <a:ext uri="{FF2B5EF4-FFF2-40B4-BE49-F238E27FC236}">
-              <a16:creationId xmlns:a16="http://schemas.microsoft.com/office/drawing/2014/main" id="{098162B3-0F33-4D0A-C9CF-91EF3DFD9A41}"/>
+              <a16:creationId xmlns:a16="http://schemas.microsoft.com/office/drawing/2014/main" id="{2A1880A1-481D-02C9-8764-D78B65519ACB}"/>
             </a:ext>
           </a:extLst>
         </p:cNvPr>
@@ -12689,7 +13883,7 @@
           <p:cNvPr id="6" name="TextBox 5">
             <a:extLst>
               <a:ext uri="{FF2B5EF4-FFF2-40B4-BE49-F238E27FC236}">
-                <a16:creationId xmlns:a16="http://schemas.microsoft.com/office/drawing/2014/main" id="{9FA7CC21-CEF4-82D6-15A2-1AA484BB8F23}"/>
+                <a16:creationId xmlns:a16="http://schemas.microsoft.com/office/drawing/2014/main" id="{5FBECF27-961A-4D5A-13FA-9736E4B3E86B}"/>
               </a:ext>
             </a:extLst>
           </p:cNvPr>
@@ -12742,7 +13936,7 @@
           <p:cNvPr id="7" name="TextBox 6">
             <a:extLst>
               <a:ext uri="{FF2B5EF4-FFF2-40B4-BE49-F238E27FC236}">
-                <a16:creationId xmlns:a16="http://schemas.microsoft.com/office/drawing/2014/main" id="{6E78AD34-BCA8-A9A4-36BC-216B55E501F2}"/>
+                <a16:creationId xmlns:a16="http://schemas.microsoft.com/office/drawing/2014/main" id="{6BADA1F8-263E-758C-6810-CA0DB882D942}"/>
               </a:ext>
             </a:extLst>
           </p:cNvPr>
@@ -12785,7 +13979,7 @@
           <p:cNvPr id="8" name="TextBox 7">
             <a:extLst>
               <a:ext uri="{FF2B5EF4-FFF2-40B4-BE49-F238E27FC236}">
-                <a16:creationId xmlns:a16="http://schemas.microsoft.com/office/drawing/2014/main" id="{73A67897-B409-AFDB-999D-26235C6910DD}"/>
+                <a16:creationId xmlns:a16="http://schemas.microsoft.com/office/drawing/2014/main" id="{D35F2A75-7AAF-8771-C078-CDE394945B46}"/>
               </a:ext>
             </a:extLst>
           </p:cNvPr>
@@ -12838,7 +14032,7 @@
           <p:cNvPr id="18" name="직사각형 17">
             <a:extLst>
               <a:ext uri="{FF2B5EF4-FFF2-40B4-BE49-F238E27FC236}">
-                <a16:creationId xmlns:a16="http://schemas.microsoft.com/office/drawing/2014/main" id="{1E9C6657-F0EA-4684-4A36-8ED39CB180CC}"/>
+                <a16:creationId xmlns:a16="http://schemas.microsoft.com/office/drawing/2014/main" id="{12858CC9-3244-8927-344C-24C6C5D15C7D}"/>
               </a:ext>
             </a:extLst>
           </p:cNvPr>
@@ -12891,10 +14085,122 @@
       </p:sp>
       <p:sp>
         <p:nvSpPr>
-          <p:cNvPr id="3" name="TextBox 2">
-            <a:extLst>
-              <a:ext uri="{FF2B5EF4-FFF2-40B4-BE49-F238E27FC236}">
-                <a16:creationId xmlns:a16="http://schemas.microsoft.com/office/drawing/2014/main" id="{19600A67-7520-0A2A-5314-860AC5ABD8A0}"/>
+          <p:cNvPr id="2" name="타원 1">
+            <a:extLst>
+              <a:ext uri="{FF2B5EF4-FFF2-40B4-BE49-F238E27FC236}">
+                <a16:creationId xmlns:a16="http://schemas.microsoft.com/office/drawing/2014/main" id="{3AA592DD-9501-DC22-2EFF-8BFBDEC04F62}"/>
+              </a:ext>
+            </a:extLst>
+          </p:cNvPr>
+          <p:cNvSpPr/>
+          <p:nvPr/>
+        </p:nvSpPr>
+        <p:spPr>
+          <a:xfrm>
+            <a:off x="1447381" y="2060829"/>
+            <a:ext cx="2340292" cy="2340292"/>
+          </a:xfrm>
+          <a:prstGeom prst="ellipse">
+            <a:avLst/>
+          </a:prstGeom>
+          <a:noFill/>
+          <a:ln w="76200">
+            <a:solidFill>
+              <a:srgbClr val="B7C1CD"/>
+            </a:solidFill>
+          </a:ln>
+        </p:spPr>
+        <p:style>
+          <a:lnRef idx="2">
+            <a:schemeClr val="accent1">
+              <a:shade val="20000"/>
+            </a:schemeClr>
+          </a:lnRef>
+          <a:fillRef idx="1">
+            <a:schemeClr val="accent1"/>
+          </a:fillRef>
+          <a:effectRef idx="0">
+            <a:schemeClr val="accent1"/>
+          </a:effectRef>
+          <a:fontRef idx="minor">
+            <a:schemeClr val="lt1"/>
+          </a:fontRef>
+        </p:style>
+        <p:txBody>
+          <a:bodyPr anchor="ctr"/>
+          <a:lstStyle/>
+          <a:p>
+            <a:pPr algn="ctr">
+              <a:defRPr/>
+            </a:pPr>
+            <a:endParaRPr lang="ko-KR" altLang="en-US">
+              <a:noFill/>
+            </a:endParaRPr>
+          </a:p>
+        </p:txBody>
+      </p:sp>
+      <p:sp>
+        <p:nvSpPr>
+          <p:cNvPr id="4" name="직사각형 3">
+            <a:extLst>
+              <a:ext uri="{FF2B5EF4-FFF2-40B4-BE49-F238E27FC236}">
+                <a16:creationId xmlns:a16="http://schemas.microsoft.com/office/drawing/2014/main" id="{C64BC56F-D24E-8CD5-C6CC-D8DE7512B0E5}"/>
+              </a:ext>
+            </a:extLst>
+          </p:cNvPr>
+          <p:cNvSpPr/>
+          <p:nvPr/>
+        </p:nvSpPr>
+        <p:spPr>
+          <a:xfrm>
+            <a:off x="2138927" y="1815667"/>
+            <a:ext cx="957198" cy="605206"/>
+          </a:xfrm>
+          <a:prstGeom prst="rect">
+            <a:avLst/>
+          </a:prstGeom>
+          <a:solidFill>
+            <a:schemeClr val="lt1"/>
+          </a:solidFill>
+          <a:ln>
+            <a:noFill/>
+          </a:ln>
+        </p:spPr>
+        <p:style>
+          <a:lnRef idx="2">
+            <a:schemeClr val="accent1">
+              <a:shade val="20000"/>
+            </a:schemeClr>
+          </a:lnRef>
+          <a:fillRef idx="1">
+            <a:schemeClr val="accent1"/>
+          </a:fillRef>
+          <a:effectRef idx="0">
+            <a:schemeClr val="accent1"/>
+          </a:effectRef>
+          <a:fontRef idx="minor">
+            <a:schemeClr val="lt1"/>
+          </a:fontRef>
+        </p:style>
+        <p:txBody>
+          <a:bodyPr anchor="ctr"/>
+          <a:lstStyle/>
+          <a:p>
+            <a:pPr algn="ctr">
+              <a:defRPr/>
+            </a:pPr>
+            <a:endParaRPr lang="ko-KR" altLang="en-US">
+              <a:noFill/>
+            </a:endParaRPr>
+          </a:p>
+        </p:txBody>
+      </p:sp>
+      <p:sp>
+        <p:nvSpPr>
+          <p:cNvPr id="5" name="TextBox 4">
+            <a:extLst>
+              <a:ext uri="{FF2B5EF4-FFF2-40B4-BE49-F238E27FC236}">
+                <a16:creationId xmlns:a16="http://schemas.microsoft.com/office/drawing/2014/main" id="{ED6085E9-ED5E-F7A1-B6CA-3A4E8439EF96}"/>
               </a:ext>
             </a:extLst>
           </p:cNvPr>
@@ -12903,536 +14209,521 @@
         </p:nvSpPr>
         <p:spPr>
           <a:xfrm>
-            <a:off x="426038" y="1225210"/>
-            <a:ext cx="10153410" cy="4524315"/>
-          </a:xfrm>
-          <a:prstGeom prst="rect">
-            <a:avLst/>
-          </a:prstGeom>
-        </p:spPr>
-        <p:txBody>
-          <a:bodyPr wrap="square" rtlCol="0">
+            <a:off x="2347752" y="1917160"/>
+            <a:ext cx="485089" cy="414909"/>
+          </a:xfrm>
+          <a:prstGeom prst="rect">
+            <a:avLst/>
+          </a:prstGeom>
+        </p:spPr>
+        <p:txBody>
+          <a:bodyPr wrap="square">
             <a:spAutoFit/>
           </a:bodyPr>
           <a:lstStyle/>
           <a:p>
-            <a:r>
-              <a:rPr lang="ko-KR" altLang="ko-KR" sz="1600" spc="0">
-                <a:solidFill>
-                  <a:srgbClr val="000000"/>
-                </a:solidFill>
-                <a:effectLst/>
-                <a:latin typeface="한양신명조"/>
-                <a:ea typeface="돋움체" panose="020B0609000101010101" pitchFamily="49" charset="-127"/>
-                <a:cs typeface="Times New Roman" panose="02020603050405020304" pitchFamily="18" charset="0"/>
-              </a:rPr>
-              <a:t>현재</a:t>
-            </a:r>
-            <a:r>
-              <a:rPr lang="en-US" altLang="ko-KR" sz="1600" spc="0">
-                <a:solidFill>
-                  <a:srgbClr val="000000"/>
-                </a:solidFill>
-                <a:effectLst/>
-                <a:latin typeface="한양신명조"/>
-                <a:ea typeface="돋움체" panose="020B0609000101010101" pitchFamily="49" charset="-127"/>
-                <a:cs typeface="Times New Roman" panose="02020603050405020304" pitchFamily="18" charset="0"/>
-              </a:rPr>
-              <a:t>, </a:t>
-            </a:r>
-            <a:r>
-              <a:rPr lang="ko-KR" altLang="ko-KR" sz="1600" spc="0">
-                <a:solidFill>
-                  <a:srgbClr val="000000"/>
-                </a:solidFill>
-                <a:effectLst/>
-                <a:latin typeface="한양신명조"/>
-                <a:ea typeface="돋움체" panose="020B0609000101010101" pitchFamily="49" charset="-127"/>
-                <a:cs typeface="Times New Roman" panose="02020603050405020304" pitchFamily="18" charset="0"/>
-              </a:rPr>
-              <a:t>전 세계적으로 무인항공기 사업이 활발히 이루어지고 있으며</a:t>
-            </a:r>
-            <a:r>
-              <a:rPr lang="en-US" altLang="ko-KR" sz="1600" spc="0">
-                <a:solidFill>
-                  <a:srgbClr val="000000"/>
-                </a:solidFill>
-                <a:effectLst/>
-                <a:latin typeface="한양신명조"/>
-                <a:ea typeface="돋움체" panose="020B0609000101010101" pitchFamily="49" charset="-127"/>
-                <a:cs typeface="Times New Roman" panose="02020603050405020304" pitchFamily="18" charset="0"/>
-              </a:rPr>
-              <a:t>, </a:t>
-            </a:r>
-            <a:r>
-              <a:rPr lang="ko-KR" altLang="ko-KR" sz="1600" spc="0">
-                <a:solidFill>
-                  <a:srgbClr val="000000"/>
-                </a:solidFill>
-                <a:effectLst/>
-                <a:latin typeface="한양신명조"/>
-                <a:ea typeface="돋움체" panose="020B0609000101010101" pitchFamily="49" charset="-127"/>
-                <a:cs typeface="Times New Roman" panose="02020603050405020304" pitchFamily="18" charset="0"/>
-              </a:rPr>
-              <a:t>국내에서 해당 분야</a:t>
-            </a:r>
-            <a:r>
-              <a:rPr lang="en-US" altLang="ko-KR" sz="1600" spc="0">
-                <a:solidFill>
-                  <a:srgbClr val="000000"/>
-                </a:solidFill>
-                <a:effectLst/>
-                <a:latin typeface="한양신명조"/>
-                <a:ea typeface="돋움체" panose="020B0609000101010101" pitchFamily="49" charset="-127"/>
-                <a:cs typeface="Times New Roman" panose="02020603050405020304" pitchFamily="18" charset="0"/>
-              </a:rPr>
-              <a:t>R&amp;D </a:t>
-            </a:r>
-            <a:r>
-              <a:rPr lang="ko-KR" altLang="ko-KR" sz="1600" spc="0">
-                <a:solidFill>
-                  <a:srgbClr val="000000"/>
-                </a:solidFill>
-                <a:effectLst/>
-                <a:latin typeface="한양신명조"/>
-                <a:ea typeface="돋움체" panose="020B0609000101010101" pitchFamily="49" charset="-127"/>
-                <a:cs typeface="Times New Roman" panose="02020603050405020304" pitchFamily="18" charset="0"/>
-              </a:rPr>
-              <a:t>예산도 증가하는 추세입니다</a:t>
-            </a:r>
-            <a:r>
-              <a:rPr lang="en-US" altLang="ko-KR" sz="1600" spc="0">
-                <a:solidFill>
-                  <a:srgbClr val="000000"/>
-                </a:solidFill>
-                <a:effectLst/>
-                <a:latin typeface="한양신명조"/>
-                <a:ea typeface="돋움체" panose="020B0609000101010101" pitchFamily="49" charset="-127"/>
-                <a:cs typeface="Times New Roman" panose="02020603050405020304" pitchFamily="18" charset="0"/>
-              </a:rPr>
-              <a:t>. (</a:t>
-            </a:r>
-            <a:r>
-              <a:rPr lang="ko-KR" altLang="ko-KR" sz="1600" spc="0">
-                <a:solidFill>
-                  <a:srgbClr val="000000"/>
-                </a:solidFill>
-                <a:effectLst/>
-                <a:latin typeface="한양신명조"/>
-                <a:ea typeface="돋움체" panose="020B0609000101010101" pitchFamily="49" charset="-127"/>
-                <a:cs typeface="Times New Roman" panose="02020603050405020304" pitchFamily="18" charset="0"/>
-              </a:rPr>
-              <a:t>과기부</a:t>
-            </a:r>
-            <a:r>
-              <a:rPr lang="en-US" altLang="ko-KR" sz="1600" spc="0">
-                <a:solidFill>
-                  <a:srgbClr val="000000"/>
-                </a:solidFill>
-                <a:effectLst/>
-                <a:latin typeface="한양신명조"/>
-                <a:ea typeface="돋움체" panose="020B0609000101010101" pitchFamily="49" charset="-127"/>
-                <a:cs typeface="Times New Roman" panose="02020603050405020304" pitchFamily="18" charset="0"/>
-              </a:rPr>
-              <a:t> 2023 </a:t>
-            </a:r>
-            <a:r>
-              <a:rPr lang="ko-KR" altLang="ko-KR" sz="1600" spc="0">
-                <a:solidFill>
-                  <a:srgbClr val="000000"/>
-                </a:solidFill>
-                <a:effectLst/>
-                <a:latin typeface="한양신명조"/>
-                <a:ea typeface="돋움체" panose="020B0609000101010101" pitchFamily="49" charset="-127"/>
-                <a:cs typeface="Times New Roman" panose="02020603050405020304" pitchFamily="18" charset="0"/>
-              </a:rPr>
-              <a:t>첨단융합기술</a:t>
-            </a:r>
-            <a:r>
-              <a:rPr lang="en-US" altLang="ko-KR" sz="1600" spc="0">
-                <a:solidFill>
-                  <a:srgbClr val="000000"/>
-                </a:solidFill>
-                <a:effectLst/>
-                <a:latin typeface="한양신명조"/>
-                <a:ea typeface="돋움체" panose="020B0609000101010101" pitchFamily="49" charset="-127"/>
-                <a:cs typeface="Times New Roman" panose="02020603050405020304" pitchFamily="18" charset="0"/>
-              </a:rPr>
-              <a:t> R&amp;D </a:t>
-            </a:r>
-            <a:r>
-              <a:rPr lang="ko-KR" altLang="ko-KR" sz="1600" spc="0">
-                <a:solidFill>
-                  <a:srgbClr val="000000"/>
-                </a:solidFill>
-                <a:effectLst/>
-                <a:latin typeface="한양신명조"/>
-                <a:ea typeface="돋움체" panose="020B0609000101010101" pitchFamily="49" charset="-127"/>
-                <a:cs typeface="Times New Roman" panose="02020603050405020304" pitchFamily="18" charset="0"/>
-              </a:rPr>
-              <a:t>사업 예산 중</a:t>
-            </a:r>
-            <a:r>
-              <a:rPr lang="en-US" altLang="ko-KR" sz="1600" spc="0">
-                <a:solidFill>
-                  <a:srgbClr val="000000"/>
-                </a:solidFill>
-                <a:effectLst/>
-                <a:latin typeface="한양신명조"/>
-                <a:ea typeface="돋움체" panose="020B0609000101010101" pitchFamily="49" charset="-127"/>
-                <a:cs typeface="Times New Roman" panose="02020603050405020304" pitchFamily="18" charset="0"/>
-              </a:rPr>
-              <a:t> 1/3</a:t>
-            </a:r>
-            <a:r>
-              <a:rPr lang="ko-KR" altLang="ko-KR" sz="1600" spc="0">
-                <a:solidFill>
-                  <a:srgbClr val="000000"/>
-                </a:solidFill>
-                <a:effectLst/>
-                <a:latin typeface="한양신명조"/>
-                <a:ea typeface="돋움체" panose="020B0609000101010101" pitchFamily="49" charset="-127"/>
-                <a:cs typeface="Times New Roman" panose="02020603050405020304" pitchFamily="18" charset="0"/>
-              </a:rPr>
-              <a:t>이 무인이동체 분야에 투자됨</a:t>
-            </a:r>
-            <a:r>
-              <a:rPr lang="en-US" altLang="ko-KR" sz="1600" spc="0">
-                <a:solidFill>
-                  <a:srgbClr val="000000"/>
-                </a:solidFill>
-                <a:effectLst/>
-                <a:latin typeface="한양신명조"/>
-                <a:ea typeface="돋움체" panose="020B0609000101010101" pitchFamily="49" charset="-127"/>
-                <a:cs typeface="Times New Roman" panose="02020603050405020304" pitchFamily="18" charset="0"/>
-              </a:rPr>
-              <a:t>, 2022</a:t>
-            </a:r>
-            <a:r>
-              <a:rPr lang="ko-KR" altLang="ko-KR" sz="1600" spc="0">
-                <a:solidFill>
-                  <a:srgbClr val="000000"/>
-                </a:solidFill>
-                <a:effectLst/>
-                <a:latin typeface="한양신명조"/>
-                <a:ea typeface="돋움체" panose="020B0609000101010101" pitchFamily="49" charset="-127"/>
-                <a:cs typeface="Times New Roman" panose="02020603050405020304" pitchFamily="18" charset="0"/>
-              </a:rPr>
-              <a:t>에 비해</a:t>
-            </a:r>
-            <a:r>
-              <a:rPr lang="en-US" altLang="ko-KR" sz="1600" spc="0">
-                <a:solidFill>
-                  <a:srgbClr val="000000"/>
-                </a:solidFill>
-                <a:effectLst/>
-                <a:latin typeface="한양신명조"/>
-                <a:ea typeface="돋움체" panose="020B0609000101010101" pitchFamily="49" charset="-127"/>
-                <a:cs typeface="Times New Roman" panose="02020603050405020304" pitchFamily="18" charset="0"/>
-              </a:rPr>
-              <a:t> 16% </a:t>
-            </a:r>
-            <a:r>
-              <a:rPr lang="ko-KR" altLang="ko-KR" sz="1600" spc="0">
-                <a:solidFill>
-                  <a:srgbClr val="000000"/>
-                </a:solidFill>
-                <a:effectLst/>
-                <a:latin typeface="한양신명조"/>
-                <a:ea typeface="돋움체" panose="020B0609000101010101" pitchFamily="49" charset="-127"/>
-                <a:cs typeface="Times New Roman" panose="02020603050405020304" pitchFamily="18" charset="0"/>
-              </a:rPr>
-              <a:t>향상 </a:t>
-            </a:r>
-            <a:r>
-              <a:rPr lang="en-US" altLang="ko-KR" sz="1600" spc="0">
-                <a:solidFill>
-                  <a:srgbClr val="000000"/>
-                </a:solidFill>
-                <a:effectLst/>
-                <a:latin typeface="Times New Roman" panose="02020603050405020304" pitchFamily="18" charset="0"/>
-                <a:ea typeface="돋움체" panose="020B0609000101010101" pitchFamily="49" charset="-127"/>
-                <a:cs typeface="Times New Roman" panose="02020603050405020304" pitchFamily="18" charset="0"/>
-              </a:rPr>
-              <a:t>–</a:t>
-            </a:r>
-            <a:r>
-              <a:rPr lang="en-US" altLang="ko-KR" sz="1600" spc="0">
-                <a:solidFill>
-                  <a:srgbClr val="000000"/>
-                </a:solidFill>
-                <a:effectLst/>
-                <a:latin typeface="돋움체" panose="020B0609000101010101" pitchFamily="49" charset="-127"/>
-                <a:cs typeface="Times New Roman" panose="02020603050405020304" pitchFamily="18" charset="0"/>
-              </a:rPr>
-              <a:t> </a:t>
-            </a:r>
-            <a:r>
-              <a:rPr lang="ko-KR" altLang="ko-KR" sz="1600" spc="0">
-                <a:solidFill>
-                  <a:srgbClr val="000000"/>
-                </a:solidFill>
-                <a:effectLst/>
-                <a:latin typeface="한양신명조"/>
-                <a:ea typeface="돋움체" panose="020B0609000101010101" pitchFamily="49" charset="-127"/>
-                <a:cs typeface="Times New Roman" panose="02020603050405020304" pitchFamily="18" charset="0"/>
-              </a:rPr>
-              <a:t>출처</a:t>
-            </a:r>
-            <a:r>
-              <a:rPr lang="en-US" altLang="ko-KR" sz="1600" spc="0">
-                <a:solidFill>
-                  <a:srgbClr val="000000"/>
-                </a:solidFill>
-                <a:effectLst/>
-                <a:latin typeface="한양신명조"/>
-                <a:ea typeface="돋움체" panose="020B0609000101010101" pitchFamily="49" charset="-127"/>
-                <a:cs typeface="Times New Roman" panose="02020603050405020304" pitchFamily="18" charset="0"/>
-              </a:rPr>
-              <a:t>: </a:t>
-            </a:r>
-            <a:r>
-              <a:rPr lang="en-US" altLang="ko-KR" sz="1600" u="sng" spc="0">
-                <a:solidFill>
-                  <a:srgbClr val="000000"/>
-                </a:solidFill>
-                <a:effectLst/>
-                <a:latin typeface="돋움체" panose="020B0609000101010101" pitchFamily="49" charset="-127"/>
-                <a:cs typeface="Times New Roman" panose="02020603050405020304" pitchFamily="18" charset="0"/>
-                <a:hlinkClick r:id="rId2"/>
-              </a:rPr>
-              <a:t>https://www.e4ds.com/sub_view.asp?ch=16&amp;t=0&amp;idx=16176</a:t>
-            </a:r>
-            <a:r>
-              <a:rPr lang="en-US" altLang="ko-KR" sz="1600" u="sng" spc="0">
-                <a:solidFill>
-                  <a:srgbClr val="000000"/>
-                </a:solidFill>
-                <a:effectLst/>
-                <a:latin typeface="돋움체" panose="020B0609000101010101" pitchFamily="49" charset="-127"/>
-                <a:cs typeface="Times New Roman" panose="02020603050405020304" pitchFamily="18" charset="0"/>
-              </a:rPr>
-              <a:t> </a:t>
-            </a:r>
-            <a:r>
-              <a:rPr lang="en-US" altLang="ko-KR" sz="1600" spc="0">
-                <a:solidFill>
-                  <a:srgbClr val="000000"/>
-                </a:solidFill>
-                <a:effectLst/>
-                <a:latin typeface="돋움체" panose="020B0609000101010101" pitchFamily="49" charset="-127"/>
-                <a:cs typeface="Times New Roman" panose="02020603050405020304" pitchFamily="18" charset="0"/>
-              </a:rPr>
-              <a:t>)</a:t>
-            </a:r>
-            <a:endParaRPr lang="en-US" altLang="ko-KR" sz="1600">
+            <a:pPr algn="ctr">
+              <a:defRPr/>
+            </a:pPr>
+            <a:r>
+              <a:rPr lang="en-US" altLang="ko-KR" sz="2100">
+                <a:solidFill>
+                  <a:srgbClr val="0F3158"/>
+                </a:solidFill>
+                <a:latin typeface="-윤고딕360"/>
+                <a:ea typeface="-윤고딕360"/>
+              </a:rPr>
+              <a:t>01</a:t>
+            </a:r>
+          </a:p>
+        </p:txBody>
+      </p:sp>
+      <p:sp>
+        <p:nvSpPr>
+          <p:cNvPr id="9" name="TextBox 8">
+            <a:extLst>
+              <a:ext uri="{FF2B5EF4-FFF2-40B4-BE49-F238E27FC236}">
+                <a16:creationId xmlns:a16="http://schemas.microsoft.com/office/drawing/2014/main" id="{F76C3508-4C60-DA2E-C812-020E3D03A66D}"/>
+              </a:ext>
+            </a:extLst>
+          </p:cNvPr>
+          <p:cNvSpPr txBox="1"/>
+          <p:nvPr/>
+        </p:nvSpPr>
+        <p:spPr>
+          <a:xfrm>
+            <a:off x="2002117" y="3068955"/>
+            <a:ext cx="1230820" cy="300990"/>
+          </a:xfrm>
+          <a:prstGeom prst="rect">
+            <a:avLst/>
+          </a:prstGeom>
+        </p:spPr>
+        <p:txBody>
+          <a:bodyPr wrap="square">
+            <a:spAutoFit/>
+          </a:bodyPr>
+          <a:lstStyle/>
+          <a:p>
+            <a:pPr algn="ctr">
+              <a:defRPr/>
+            </a:pPr>
+            <a:r>
+              <a:rPr lang="ko-KR" altLang="en-US" sz="1350">
+                <a:solidFill>
+                  <a:srgbClr val="808080"/>
+                </a:solidFill>
+                <a:latin typeface="나눔스퀘어 Bold"/>
+                <a:ea typeface="나눔스퀘어 Bold"/>
+              </a:rPr>
+              <a:t>시장</a:t>
+            </a:r>
+            <a:endParaRPr lang="ko-KR" altLang="ko-KR" sz="1350">
               <a:solidFill>
-                <a:srgbClr val="000000"/>
+                <a:srgbClr val="808080"/>
               </a:solidFill>
-              <a:latin typeface="돋움체" panose="020B0609000101010101" pitchFamily="49" charset="-127"/>
-              <a:cs typeface="Times New Roman" panose="02020603050405020304" pitchFamily="18" charset="0"/>
+              <a:latin typeface="나눔스퀘어 Bold"/>
+              <a:ea typeface="나눔스퀘어 Bold"/>
             </a:endParaRPr>
           </a:p>
-          <a:p>
-            <a:r>
-              <a:rPr lang="ko-KR" altLang="en-US" sz="1600"/>
-              <a:t>또한 국내에서도 이러한 흐름에 영향을 받아 비행장치 조종자 자격취득자 수가 증가하고 있습니다</a:t>
-            </a:r>
-            <a:r>
-              <a:rPr lang="en-US" altLang="ko-KR" sz="1600"/>
-              <a:t>.</a:t>
-            </a:r>
-          </a:p>
-          <a:p>
-            <a:r>
-              <a:rPr lang="en-US" altLang="ko-KR" sz="1600"/>
-              <a:t>( </a:t>
-            </a:r>
-            <a:r>
-              <a:rPr lang="ko-KR" altLang="en-US" sz="1600"/>
-              <a:t>출처 </a:t>
-            </a:r>
-            <a:r>
-              <a:rPr lang="en-US" altLang="ko-KR" sz="1600"/>
-              <a:t>: </a:t>
-            </a:r>
-            <a:r>
-              <a:rPr lang="en-US" altLang="ko-KR" sz="1600">
-                <a:hlinkClick r:id="rId3"/>
-              </a:rPr>
-              <a:t>https://www.data.go.kr/data/15064468/fileData.do</a:t>
-            </a:r>
-            <a:r>
-              <a:rPr lang="en-US" altLang="ko-KR" sz="1600"/>
-              <a:t> )</a:t>
-            </a:r>
-          </a:p>
-          <a:p>
-            <a:endParaRPr lang="en-US" altLang="ko-KR" sz="1600"/>
-          </a:p>
-          <a:p>
-            <a:r>
-              <a:rPr lang="ko-KR" altLang="en-US" sz="1600"/>
-              <a:t>통계를 살펴보면 국내 드론 이용자 수의 대부분이 방송</a:t>
-            </a:r>
-            <a:r>
-              <a:rPr lang="en-US" altLang="ko-KR" sz="1600"/>
-              <a:t>,</a:t>
-            </a:r>
-            <a:r>
-              <a:rPr lang="ko-KR" altLang="en-US" sz="1600"/>
-              <a:t>촬영</a:t>
-            </a:r>
-            <a:r>
-              <a:rPr lang="en-US" altLang="ko-KR" sz="1600"/>
-              <a:t>,</a:t>
-            </a:r>
-            <a:r>
-              <a:rPr lang="ko-KR" altLang="en-US" sz="1600"/>
-              <a:t>취미 등으로 활용되고 있어 자동 제어 보다는 사람이 직접 운용하는 경우가 많은데</a:t>
-            </a:r>
-            <a:r>
-              <a:rPr lang="en-US" altLang="ko-KR" sz="1600"/>
-              <a:t>, </a:t>
-            </a:r>
-            <a:r>
-              <a:rPr lang="ko-KR" altLang="en-US" sz="1600"/>
-              <a:t>친숙한 </a:t>
-            </a:r>
-            <a:r>
-              <a:rPr lang="en-US" altLang="ko-KR" sz="1600"/>
-              <a:t>RC</a:t>
-            </a:r>
-            <a:r>
-              <a:rPr lang="ko-KR" altLang="en-US" sz="1600"/>
-              <a:t>카와 달리 드론은 </a:t>
-            </a:r>
-            <a:r>
-              <a:rPr lang="en-US" altLang="ko-KR" sz="1600"/>
-              <a:t>3</a:t>
-            </a:r>
-            <a:r>
-              <a:rPr lang="ko-KR" altLang="en-US" sz="1600"/>
-              <a:t>차원 환경에서 움직임을 수행하고 드론의 시야를 완벽히 확보하지 않는 이상 조종에 어려움을 겪어 인적 오류가 발생할 확률이 높습니다</a:t>
-            </a:r>
-            <a:r>
-              <a:rPr lang="en-US" altLang="ko-KR" sz="1600"/>
-              <a:t>. </a:t>
-            </a:r>
-          </a:p>
-          <a:p>
-            <a:r>
-              <a:rPr lang="en-US" altLang="ko-KR" sz="1600"/>
-              <a:t>(</a:t>
-            </a:r>
-            <a:r>
-              <a:rPr lang="ko-KR" altLang="en-US" sz="1600"/>
-              <a:t>출처 </a:t>
-            </a:r>
-            <a:r>
-              <a:rPr lang="en-US" altLang="ko-KR" sz="1600"/>
-              <a:t>: </a:t>
-            </a:r>
-            <a:r>
-              <a:rPr lang="en-US" altLang="ko-KR" sz="1600">
-                <a:hlinkClick r:id="rId4"/>
-              </a:rPr>
-              <a:t>https://papers.ssrn.com/sol3/papers.cfm?abstract_id=4631986</a:t>
-            </a:r>
-            <a:r>
-              <a:rPr lang="en-US" altLang="ko-KR" sz="1600"/>
-              <a:t> )</a:t>
-            </a:r>
-          </a:p>
-          <a:p>
-            <a:endParaRPr lang="en-US" altLang="ko-KR" sz="1600"/>
-          </a:p>
-          <a:p>
-            <a:r>
-              <a:rPr lang="ko-KR" altLang="en-US" sz="1600"/>
-              <a:t>특히 원거리의 목표 지점에 정확히 착륙하는 과정에서 </a:t>
-            </a:r>
-            <a:r>
-              <a:rPr lang="en-US" altLang="ko-KR" sz="1600"/>
-              <a:t>GPS </a:t>
-            </a:r>
-            <a:r>
-              <a:rPr lang="ko-KR" altLang="en-US" sz="1600"/>
-              <a:t>데이터에 의존하여 착륙을 진행하게 되는데</a:t>
-            </a:r>
-            <a:r>
-              <a:rPr lang="en-US" altLang="ko-KR" sz="1600"/>
-              <a:t> </a:t>
-            </a:r>
-            <a:r>
-              <a:rPr lang="ko-KR" altLang="en-US" sz="1600"/>
-              <a:t>위 과정에서 </a:t>
-            </a:r>
-            <a:r>
-              <a:rPr lang="en-US" altLang="ko-KR" sz="1600"/>
-              <a:t>GPS </a:t>
-            </a:r>
-            <a:r>
-              <a:rPr lang="ko-KR" altLang="en-US" sz="1600"/>
-              <a:t>정보가 정확하지 않아 착륙 오차범위가 크게 늘어나는 상황이 빈번하게 발생하고 있습니다</a:t>
-            </a:r>
-            <a:r>
-              <a:rPr lang="en-US" altLang="ko-KR" sz="1600"/>
-              <a:t>.</a:t>
-            </a:r>
-          </a:p>
-          <a:p>
-            <a:endParaRPr lang="en-US" altLang="ko-KR" sz="1600"/>
-          </a:p>
-          <a:p>
-            <a:r>
-              <a:rPr lang="ko-KR" altLang="en-US" sz="1600"/>
-              <a:t>따라서 저는 착륙 과정을 자동화 하여 인적 오류를 줄일 수 있으며 오차율이 높아질 수 있는 </a:t>
-            </a:r>
-            <a:r>
-              <a:rPr lang="en-US" altLang="ko-KR" sz="1600"/>
-              <a:t>GPS </a:t>
-            </a:r>
-            <a:r>
-              <a:rPr lang="ko-KR" altLang="en-US" sz="1600"/>
-              <a:t>데이터가 아닌</a:t>
-            </a:r>
-            <a:endParaRPr lang="en-US" altLang="ko-KR" sz="1600"/>
-          </a:p>
-          <a:p>
-            <a:r>
-              <a:rPr lang="en-US" altLang="ko-KR" sz="1600"/>
-              <a:t>Yolo </a:t>
-            </a:r>
-            <a:r>
-              <a:rPr lang="ko-KR" altLang="en-US" sz="1600"/>
-              <a:t>를 기반으로 드론을 인식하고 정확한 위치에 착륙할  수 있는 솔루션을 개발하고자 합니다</a:t>
-            </a:r>
-            <a:r>
-              <a:rPr lang="en-US" altLang="ko-KR" sz="1600"/>
-              <a:t>.</a:t>
-            </a:r>
-            <a:r>
-              <a:rPr lang="ko-KR" altLang="en-US" sz="1600"/>
-              <a:t>  </a:t>
-            </a:r>
-            <a:endParaRPr lang="en-US" altLang="ko-KR" sz="1600"/>
-          </a:p>
-          <a:p>
-            <a:endParaRPr lang="en-US" altLang="ko-KR" sz="1600"/>
-          </a:p>
-          <a:p>
-            <a:r>
-              <a:rPr lang="en-US" altLang="ko-KR" sz="1600"/>
-              <a:t> </a:t>
-            </a:r>
+        </p:txBody>
+      </p:sp>
+      <p:sp>
+        <p:nvSpPr>
+          <p:cNvPr id="10" name="타원 9">
+            <a:extLst>
+              <a:ext uri="{FF2B5EF4-FFF2-40B4-BE49-F238E27FC236}">
+                <a16:creationId xmlns:a16="http://schemas.microsoft.com/office/drawing/2014/main" id="{BFD961C1-563F-39F7-209F-A9C395F13107}"/>
+              </a:ext>
+            </a:extLst>
+          </p:cNvPr>
+          <p:cNvSpPr/>
+          <p:nvPr/>
+        </p:nvSpPr>
+        <p:spPr>
+          <a:xfrm>
+            <a:off x="7280110" y="2060829"/>
+            <a:ext cx="2340292" cy="2340292"/>
+          </a:xfrm>
+          <a:prstGeom prst="ellipse">
+            <a:avLst/>
+          </a:prstGeom>
+          <a:noFill/>
+          <a:ln w="76200">
+            <a:solidFill>
+              <a:srgbClr val="B7C1CD"/>
+            </a:solidFill>
+          </a:ln>
+        </p:spPr>
+        <p:style>
+          <a:lnRef idx="2">
+            <a:schemeClr val="accent1">
+              <a:shade val="20000"/>
+            </a:schemeClr>
+          </a:lnRef>
+          <a:fillRef idx="1">
+            <a:schemeClr val="accent1"/>
+          </a:fillRef>
+          <a:effectRef idx="0">
+            <a:schemeClr val="accent1"/>
+          </a:effectRef>
+          <a:fontRef idx="minor">
+            <a:schemeClr val="lt1"/>
+          </a:fontRef>
+        </p:style>
+        <p:txBody>
+          <a:bodyPr anchor="ctr"/>
+          <a:lstStyle/>
+          <a:p>
+            <a:pPr algn="ctr">
+              <a:defRPr/>
+            </a:pPr>
+            <a:endParaRPr lang="ko-KR" altLang="en-US">
+              <a:noFill/>
+            </a:endParaRPr>
+          </a:p>
+        </p:txBody>
+      </p:sp>
+      <p:sp>
+        <p:nvSpPr>
+          <p:cNvPr id="11" name="직사각형 10">
+            <a:extLst>
+              <a:ext uri="{FF2B5EF4-FFF2-40B4-BE49-F238E27FC236}">
+                <a16:creationId xmlns:a16="http://schemas.microsoft.com/office/drawing/2014/main" id="{4B1AD35B-E736-AB02-F819-1DD6CB5BCEBF}"/>
+              </a:ext>
+            </a:extLst>
+          </p:cNvPr>
+          <p:cNvSpPr/>
+          <p:nvPr/>
+        </p:nvSpPr>
+        <p:spPr>
+          <a:xfrm>
+            <a:off x="7971657" y="1815667"/>
+            <a:ext cx="957198" cy="605206"/>
+          </a:xfrm>
+          <a:prstGeom prst="rect">
+            <a:avLst/>
+          </a:prstGeom>
+          <a:solidFill>
+            <a:schemeClr val="lt1"/>
+          </a:solidFill>
+          <a:ln>
+            <a:noFill/>
+          </a:ln>
+        </p:spPr>
+        <p:style>
+          <a:lnRef idx="2">
+            <a:schemeClr val="accent1">
+              <a:shade val="20000"/>
+            </a:schemeClr>
+          </a:lnRef>
+          <a:fillRef idx="1">
+            <a:schemeClr val="accent1"/>
+          </a:fillRef>
+          <a:effectRef idx="0">
+            <a:schemeClr val="accent1"/>
+          </a:effectRef>
+          <a:fontRef idx="minor">
+            <a:schemeClr val="lt1"/>
+          </a:fontRef>
+        </p:style>
+        <p:txBody>
+          <a:bodyPr anchor="ctr"/>
+          <a:lstStyle/>
+          <a:p>
+            <a:pPr algn="ctr">
+              <a:defRPr/>
+            </a:pPr>
+            <a:endParaRPr lang="ko-KR" altLang="en-US">
+              <a:noFill/>
+            </a:endParaRPr>
+          </a:p>
+        </p:txBody>
+      </p:sp>
+      <p:sp>
+        <p:nvSpPr>
+          <p:cNvPr id="12" name="TextBox 11">
+            <a:extLst>
+              <a:ext uri="{FF2B5EF4-FFF2-40B4-BE49-F238E27FC236}">
+                <a16:creationId xmlns:a16="http://schemas.microsoft.com/office/drawing/2014/main" id="{95666B90-F62D-27A3-3C37-3319F36C7B97}"/>
+              </a:ext>
+            </a:extLst>
+          </p:cNvPr>
+          <p:cNvSpPr txBox="1"/>
+          <p:nvPr/>
+        </p:nvSpPr>
+        <p:spPr>
+          <a:xfrm>
+            <a:off x="8207712" y="1916811"/>
+            <a:ext cx="485088" cy="414909"/>
+          </a:xfrm>
+          <a:prstGeom prst="rect">
+            <a:avLst/>
+          </a:prstGeom>
+        </p:spPr>
+        <p:txBody>
+          <a:bodyPr wrap="square">
+            <a:spAutoFit/>
+          </a:bodyPr>
+          <a:lstStyle/>
+          <a:p>
+            <a:pPr algn="ctr">
+              <a:defRPr/>
+            </a:pPr>
+            <a:r>
+              <a:rPr lang="en-US" altLang="ko-KR" sz="2100">
+                <a:solidFill>
+                  <a:srgbClr val="0F3158"/>
+                </a:solidFill>
+                <a:latin typeface="-윤고딕360"/>
+                <a:ea typeface="-윤고딕360"/>
+              </a:rPr>
+              <a:t>03</a:t>
+            </a:r>
+          </a:p>
+        </p:txBody>
+      </p:sp>
+      <p:sp>
+        <p:nvSpPr>
+          <p:cNvPr id="13" name="TextBox 12">
+            <a:extLst>
+              <a:ext uri="{FF2B5EF4-FFF2-40B4-BE49-F238E27FC236}">
+                <a16:creationId xmlns:a16="http://schemas.microsoft.com/office/drawing/2014/main" id="{267F08B1-ABEA-C50A-EC3E-4999D9DF1D64}"/>
+              </a:ext>
+            </a:extLst>
+          </p:cNvPr>
+          <p:cNvSpPr txBox="1"/>
+          <p:nvPr/>
+        </p:nvSpPr>
+        <p:spPr>
+          <a:xfrm>
+            <a:off x="7755283" y="2977059"/>
+            <a:ext cx="1389945" cy="507831"/>
+          </a:xfrm>
+          <a:prstGeom prst="rect">
+            <a:avLst/>
+          </a:prstGeom>
+        </p:spPr>
+        <p:txBody>
+          <a:bodyPr wrap="square">
+            <a:spAutoFit/>
+          </a:bodyPr>
+          <a:lstStyle/>
+          <a:p>
+            <a:pPr algn="ctr">
+              <a:defRPr/>
+            </a:pPr>
+            <a:r>
+              <a:rPr lang="ko-KR" altLang="en-US" sz="1350">
+                <a:solidFill>
+                  <a:srgbClr val="808080"/>
+                </a:solidFill>
+                <a:latin typeface="나눔스퀘어 Bold"/>
+                <a:ea typeface="나눔스퀘어 Bold"/>
+              </a:rPr>
+              <a:t>기존 솔루션의 한계</a:t>
+            </a:r>
+            <a:endParaRPr lang="ko-KR" altLang="ko-KR" sz="1350">
+              <a:solidFill>
+                <a:srgbClr val="808080"/>
+              </a:solidFill>
+              <a:latin typeface="나눔스퀘어 Bold"/>
+              <a:ea typeface="나눔스퀘어 Bold"/>
+            </a:endParaRPr>
+          </a:p>
+        </p:txBody>
+      </p:sp>
+      <p:sp>
+        <p:nvSpPr>
+          <p:cNvPr id="14" name="타원 13">
+            <a:extLst>
+              <a:ext uri="{FF2B5EF4-FFF2-40B4-BE49-F238E27FC236}">
+                <a16:creationId xmlns:a16="http://schemas.microsoft.com/office/drawing/2014/main" id="{1358FCC6-51DF-A4C7-B549-62EAA79959D8}"/>
+              </a:ext>
+            </a:extLst>
+          </p:cNvPr>
+          <p:cNvSpPr/>
+          <p:nvPr/>
+        </p:nvSpPr>
+        <p:spPr>
+          <a:xfrm>
+            <a:off x="4381748" y="2060829"/>
+            <a:ext cx="2340292" cy="2340292"/>
+          </a:xfrm>
+          <a:prstGeom prst="ellipse">
+            <a:avLst/>
+          </a:prstGeom>
+          <a:noFill/>
+          <a:ln w="76200">
+            <a:solidFill>
+              <a:srgbClr val="B7C1CD"/>
+            </a:solidFill>
+          </a:ln>
+        </p:spPr>
+        <p:style>
+          <a:lnRef idx="2">
+            <a:schemeClr val="accent1">
+              <a:shade val="20000"/>
+            </a:schemeClr>
+          </a:lnRef>
+          <a:fillRef idx="1">
+            <a:schemeClr val="accent1"/>
+          </a:fillRef>
+          <a:effectRef idx="0">
+            <a:schemeClr val="accent1"/>
+          </a:effectRef>
+          <a:fontRef idx="minor">
+            <a:schemeClr val="lt1"/>
+          </a:fontRef>
+        </p:style>
+        <p:txBody>
+          <a:bodyPr anchor="ctr"/>
+          <a:lstStyle/>
+          <a:p>
+            <a:pPr algn="ctr">
+              <a:defRPr/>
+            </a:pPr>
+            <a:endParaRPr lang="ko-KR" altLang="en-US">
+              <a:noFill/>
+            </a:endParaRPr>
+          </a:p>
+        </p:txBody>
+      </p:sp>
+      <p:sp>
+        <p:nvSpPr>
+          <p:cNvPr id="15" name="직사각형 14">
+            <a:extLst>
+              <a:ext uri="{FF2B5EF4-FFF2-40B4-BE49-F238E27FC236}">
+                <a16:creationId xmlns:a16="http://schemas.microsoft.com/office/drawing/2014/main" id="{19371DD7-EB9F-8783-6CC5-823F05887078}"/>
+              </a:ext>
+            </a:extLst>
+          </p:cNvPr>
+          <p:cNvSpPr/>
+          <p:nvPr/>
+        </p:nvSpPr>
+        <p:spPr>
+          <a:xfrm>
+            <a:off x="5073295" y="1815667"/>
+            <a:ext cx="957198" cy="605206"/>
+          </a:xfrm>
+          <a:prstGeom prst="rect">
+            <a:avLst/>
+          </a:prstGeom>
+          <a:solidFill>
+            <a:schemeClr val="lt1"/>
+          </a:solidFill>
+          <a:ln>
+            <a:noFill/>
+          </a:ln>
+        </p:spPr>
+        <p:style>
+          <a:lnRef idx="2">
+            <a:schemeClr val="accent1">
+              <a:shade val="20000"/>
+            </a:schemeClr>
+          </a:lnRef>
+          <a:fillRef idx="1">
+            <a:schemeClr val="accent1"/>
+          </a:fillRef>
+          <a:effectRef idx="0">
+            <a:schemeClr val="accent1"/>
+          </a:effectRef>
+          <a:fontRef idx="minor">
+            <a:schemeClr val="lt1"/>
+          </a:fontRef>
+        </p:style>
+        <p:txBody>
+          <a:bodyPr anchor="ctr"/>
+          <a:lstStyle/>
+          <a:p>
+            <a:pPr algn="ctr">
+              <a:defRPr/>
+            </a:pPr>
+            <a:endParaRPr lang="ko-KR" altLang="en-US">
+              <a:noFill/>
+            </a:endParaRPr>
+          </a:p>
+        </p:txBody>
+      </p:sp>
+      <p:sp>
+        <p:nvSpPr>
+          <p:cNvPr id="16" name="TextBox 15">
+            <a:extLst>
+              <a:ext uri="{FF2B5EF4-FFF2-40B4-BE49-F238E27FC236}">
+                <a16:creationId xmlns:a16="http://schemas.microsoft.com/office/drawing/2014/main" id="{35F5A123-4BD1-E623-A865-52650B5A22BD}"/>
+              </a:ext>
+            </a:extLst>
+          </p:cNvPr>
+          <p:cNvSpPr txBox="1"/>
+          <p:nvPr/>
+        </p:nvSpPr>
+        <p:spPr>
+          <a:xfrm>
+            <a:off x="5309349" y="1916811"/>
+            <a:ext cx="485089" cy="414909"/>
+          </a:xfrm>
+          <a:prstGeom prst="rect">
+            <a:avLst/>
+          </a:prstGeom>
+        </p:spPr>
+        <p:txBody>
+          <a:bodyPr wrap="square">
+            <a:spAutoFit/>
+          </a:bodyPr>
+          <a:lstStyle/>
+          <a:p>
+            <a:pPr algn="ctr">
+              <a:defRPr/>
+            </a:pPr>
+            <a:r>
+              <a:rPr lang="en-US" altLang="ko-KR" sz="2100">
+                <a:solidFill>
+                  <a:srgbClr val="0F3158"/>
+                </a:solidFill>
+                <a:latin typeface="-윤고딕360"/>
+                <a:ea typeface="-윤고딕360"/>
+              </a:rPr>
+              <a:t>02</a:t>
+            </a:r>
+          </a:p>
+        </p:txBody>
+      </p:sp>
+      <p:sp>
+        <p:nvSpPr>
+          <p:cNvPr id="17" name="TextBox 16">
+            <a:extLst>
+              <a:ext uri="{FF2B5EF4-FFF2-40B4-BE49-F238E27FC236}">
+                <a16:creationId xmlns:a16="http://schemas.microsoft.com/office/drawing/2014/main" id="{A3BF29F9-900D-F7A5-EC48-758C5B9898AD}"/>
+              </a:ext>
+            </a:extLst>
+          </p:cNvPr>
+          <p:cNvSpPr txBox="1"/>
+          <p:nvPr/>
+        </p:nvSpPr>
+        <p:spPr>
+          <a:xfrm>
+            <a:off x="4852789" y="2965534"/>
+            <a:ext cx="1407907" cy="507831"/>
+          </a:xfrm>
+          <a:prstGeom prst="rect">
+            <a:avLst/>
+          </a:prstGeom>
+        </p:spPr>
+        <p:txBody>
+          <a:bodyPr wrap="square">
+            <a:spAutoFit/>
+          </a:bodyPr>
+          <a:lstStyle/>
+          <a:p>
+            <a:pPr algn="ctr">
+              <a:defRPr/>
+            </a:pPr>
+            <a:r>
+              <a:rPr lang="ko-KR" altLang="en-US" sz="1350">
+                <a:solidFill>
+                  <a:srgbClr val="808080"/>
+                </a:solidFill>
+                <a:latin typeface="나눔스퀘어 Bold"/>
+                <a:ea typeface="나눔스퀘어 Bold"/>
+              </a:rPr>
+              <a:t>운용 시 </a:t>
+            </a:r>
+            <a:endParaRPr lang="en-US" altLang="ko-KR" sz="1350">
+              <a:solidFill>
+                <a:srgbClr val="808080"/>
+              </a:solidFill>
+              <a:latin typeface="나눔스퀘어 Bold"/>
+              <a:ea typeface="나눔스퀘어 Bold"/>
+            </a:endParaRPr>
+          </a:p>
+          <a:p>
+            <a:pPr algn="ctr">
+              <a:defRPr/>
+            </a:pPr>
+            <a:r>
+              <a:rPr lang="ko-KR" altLang="en-US" sz="1350">
+                <a:solidFill>
+                  <a:srgbClr val="808080"/>
+                </a:solidFill>
+                <a:latin typeface="나눔스퀘어 Bold"/>
+                <a:ea typeface="나눔스퀘어 Bold"/>
+              </a:rPr>
+              <a:t>애로사항</a:t>
+            </a:r>
+            <a:endParaRPr lang="ko-KR" altLang="ko-KR" sz="1350">
+              <a:solidFill>
+                <a:srgbClr val="808080"/>
+              </a:solidFill>
+              <a:latin typeface="나눔스퀘어 Bold"/>
+              <a:ea typeface="나눔스퀘어 Bold"/>
+            </a:endParaRPr>
           </a:p>
         </p:txBody>
       </p:sp>
     </p:spTree>
     <p:extLst>
       <p:ext uri="{BB962C8B-B14F-4D97-AF65-F5344CB8AC3E}">
-        <p14:creationId xmlns:p14="http://schemas.microsoft.com/office/powerpoint/2010/main" val="1411184901"/>
+        <p14:creationId xmlns:p14="http://schemas.microsoft.com/office/powerpoint/2010/main" val="1545479467"/>
       </p:ext>
     </p:extLst>
   </p:cSld>
@@ -13443,7 +14734,7 @@
     <mc:Choice Requires="p14">
       <p:transition/>
     </mc:Choice>
-    <mc:Fallback xmlns="" xmlns:c="http://schemas.openxmlformats.org/drawingml/2006/chart" xmlns:dgm="http://schemas.openxmlformats.org/drawingml/2006/diagram" xmlns:dsp="http://schemas.microsoft.com/office/drawing/2008/diagram">
+    <mc:Fallback xmlns:dsp="http://schemas.microsoft.com/office/drawing/2008/diagram" xmlns:dgm="http://schemas.openxmlformats.org/drawingml/2006/diagram" xmlns:c="http://schemas.openxmlformats.org/drawingml/2006/chart" xmlns="">
       <p:transition/>
     </mc:Fallback>
   </mc:AlternateContent>
@@ -13451,6 +14742,890 @@
 </file>
 
 <file path=ppt/slides/slide5.xml><?xml version="1.0" encoding="utf-8"?>
+<p:sld xmlns:a="http://schemas.openxmlformats.org/drawingml/2006/main" xmlns:r="http://schemas.openxmlformats.org/officeDocument/2006/relationships" xmlns:p="http://schemas.openxmlformats.org/presentationml/2006/main">
+  <p:cSld>
+    <p:spTree>
+      <p:nvGrpSpPr>
+        <p:cNvPr id="1" name="">
+          <a:extLst>
+            <a:ext uri="{FF2B5EF4-FFF2-40B4-BE49-F238E27FC236}">
+              <a16:creationId xmlns:a16="http://schemas.microsoft.com/office/drawing/2014/main" id="{4BD9A44C-DA87-2D63-CD48-2423BE7C88B4}"/>
+            </a:ext>
+          </a:extLst>
+        </p:cNvPr>
+        <p:cNvGrpSpPr/>
+        <p:nvPr/>
+      </p:nvGrpSpPr>
+      <p:grpSpPr>
+        <a:xfrm>
+          <a:off x="0" y="0"/>
+          <a:ext cx="0" cy="0"/>
+          <a:chOff x="0" y="0"/>
+          <a:chExt cx="0" cy="0"/>
+        </a:xfrm>
+      </p:grpSpPr>
+      <p:sp>
+        <p:nvSpPr>
+          <p:cNvPr id="6" name="TextBox 5">
+            <a:extLst>
+              <a:ext uri="{FF2B5EF4-FFF2-40B4-BE49-F238E27FC236}">
+                <a16:creationId xmlns:a16="http://schemas.microsoft.com/office/drawing/2014/main" id="{0B0E62A6-E494-0FA5-E1AA-54794E110AA4}"/>
+              </a:ext>
+            </a:extLst>
+          </p:cNvPr>
+          <p:cNvSpPr txBox="1"/>
+          <p:nvPr/>
+        </p:nvSpPr>
+        <p:spPr>
+          <a:xfrm>
+            <a:off x="498878" y="392049"/>
+            <a:ext cx="845103" cy="307777"/>
+          </a:xfrm>
+          <a:prstGeom prst="rect">
+            <a:avLst/>
+          </a:prstGeom>
+        </p:spPr>
+        <p:txBody>
+          <a:bodyPr wrap="none">
+            <a:spAutoFit/>
+          </a:bodyPr>
+          <a:lstStyle/>
+          <a:p>
+            <a:pPr algn="ctr">
+              <a:defRPr/>
+            </a:pPr>
+            <a:r>
+              <a:rPr lang="en-US" altLang="ko-KR" sz="1400">
+                <a:solidFill>
+                  <a:srgbClr val="0F3158"/>
+                </a:solidFill>
+                <a:latin typeface="나눔스퀘어_ac ExtraBold"/>
+                <a:ea typeface="나눔스퀘어_ac ExtraBold"/>
+              </a:rPr>
+              <a:t>01.</a:t>
+            </a:r>
+            <a:r>
+              <a:rPr lang="ko-KR" altLang="en-US" sz="1400">
+                <a:solidFill>
+                  <a:srgbClr val="0F3158"/>
+                </a:solidFill>
+                <a:latin typeface="나눔스퀘어_ac ExtraBold"/>
+                <a:ea typeface="나눔스퀘어_ac ExtraBold"/>
+              </a:rPr>
+              <a:t> 개요</a:t>
+            </a:r>
+          </a:p>
+        </p:txBody>
+      </p:sp>
+      <p:sp>
+        <p:nvSpPr>
+          <p:cNvPr id="7" name="TextBox 6">
+            <a:extLst>
+              <a:ext uri="{FF2B5EF4-FFF2-40B4-BE49-F238E27FC236}">
+                <a16:creationId xmlns:a16="http://schemas.microsoft.com/office/drawing/2014/main" id="{745B83EF-625F-CD9F-F5A6-079756D625AA}"/>
+              </a:ext>
+            </a:extLst>
+          </p:cNvPr>
+          <p:cNvSpPr txBox="1"/>
+          <p:nvPr/>
+        </p:nvSpPr>
+        <p:spPr>
+          <a:xfrm>
+            <a:off x="481547" y="670130"/>
+            <a:ext cx="854721" cy="276999"/>
+          </a:xfrm>
+          <a:prstGeom prst="rect">
+            <a:avLst/>
+          </a:prstGeom>
+        </p:spPr>
+        <p:txBody>
+          <a:bodyPr wrap="none">
+            <a:spAutoFit/>
+          </a:bodyPr>
+          <a:lstStyle/>
+          <a:p>
+            <a:pPr algn="ctr">
+              <a:defRPr/>
+            </a:pPr>
+            <a:r>
+              <a:rPr lang="ko-KR" altLang="en-US" sz="1200" b="1">
+                <a:solidFill>
+                  <a:srgbClr val="A9AAAA"/>
+                </a:solidFill>
+                <a:latin typeface="나눔스퀘어_ac Bold"/>
+                <a:ea typeface="나눔스퀘어_ac Bold"/>
+              </a:rPr>
+              <a:t>문제 상황</a:t>
+            </a:r>
+          </a:p>
+        </p:txBody>
+      </p:sp>
+      <p:sp>
+        <p:nvSpPr>
+          <p:cNvPr id="8" name="TextBox 7">
+            <a:extLst>
+              <a:ext uri="{FF2B5EF4-FFF2-40B4-BE49-F238E27FC236}">
+                <a16:creationId xmlns:a16="http://schemas.microsoft.com/office/drawing/2014/main" id="{C5618995-C31C-BD3B-63FB-C65C2F88F2A0}"/>
+              </a:ext>
+            </a:extLst>
+          </p:cNvPr>
+          <p:cNvSpPr txBox="1"/>
+          <p:nvPr/>
+        </p:nvSpPr>
+        <p:spPr>
+          <a:xfrm>
+            <a:off x="9124299" y="392049"/>
+            <a:ext cx="1832554" cy="246221"/>
+          </a:xfrm>
+          <a:prstGeom prst="rect">
+            <a:avLst/>
+          </a:prstGeom>
+        </p:spPr>
+        <p:txBody>
+          <a:bodyPr wrap="none">
+            <a:spAutoFit/>
+          </a:bodyPr>
+          <a:lstStyle/>
+          <a:p>
+            <a:pPr algn="ctr">
+              <a:defRPr/>
+            </a:pPr>
+            <a:r>
+              <a:rPr lang="en-US" altLang="ko-KR" sz="1000">
+                <a:solidFill>
+                  <a:srgbClr val="0F3158"/>
+                </a:solidFill>
+                <a:latin typeface="나눔스퀘어_ac ExtraBold"/>
+                <a:ea typeface="나눔스퀘어_ac ExtraBold"/>
+              </a:rPr>
+              <a:t>ICT </a:t>
+            </a:r>
+            <a:r>
+              <a:rPr lang="ko-KR" altLang="en-US" sz="1000">
+                <a:solidFill>
+                  <a:srgbClr val="0F3158"/>
+                </a:solidFill>
+                <a:latin typeface="나눔스퀘어_ac ExtraBold"/>
+                <a:ea typeface="나눔스퀘어_ac ExtraBold"/>
+              </a:rPr>
+              <a:t>캡스톤 디자인 최종 발표</a:t>
+            </a:r>
+          </a:p>
+        </p:txBody>
+      </p:sp>
+      <p:sp>
+        <p:nvSpPr>
+          <p:cNvPr id="18" name="직사각형 17">
+            <a:extLst>
+              <a:ext uri="{FF2B5EF4-FFF2-40B4-BE49-F238E27FC236}">
+                <a16:creationId xmlns:a16="http://schemas.microsoft.com/office/drawing/2014/main" id="{893FAA2D-354D-A27A-04F1-B5657EF37510}"/>
+              </a:ext>
+            </a:extLst>
+          </p:cNvPr>
+          <p:cNvSpPr/>
+          <p:nvPr/>
+        </p:nvSpPr>
+        <p:spPr>
+          <a:xfrm>
+            <a:off x="439255" y="392049"/>
+            <a:ext cx="45720" cy="588645"/>
+          </a:xfrm>
+          <a:prstGeom prst="rect">
+            <a:avLst/>
+          </a:prstGeom>
+          <a:solidFill>
+            <a:srgbClr val="0F3158"/>
+          </a:solidFill>
+          <a:ln>
+            <a:noFill/>
+          </a:ln>
+        </p:spPr>
+        <p:style>
+          <a:lnRef idx="2">
+            <a:schemeClr val="accent1">
+              <a:shade val="20000"/>
+            </a:schemeClr>
+          </a:lnRef>
+          <a:fillRef idx="1">
+            <a:schemeClr val="accent1"/>
+          </a:fillRef>
+          <a:effectRef idx="0">
+            <a:schemeClr val="accent1"/>
+          </a:effectRef>
+          <a:fontRef idx="minor">
+            <a:schemeClr val="lt1"/>
+          </a:fontRef>
+        </p:style>
+        <p:txBody>
+          <a:bodyPr anchor="ctr"/>
+          <a:lstStyle/>
+          <a:p>
+            <a:pPr algn="ctr">
+              <a:defRPr/>
+            </a:pPr>
+            <a:endParaRPr lang="ko-KR" altLang="en-US">
+              <a:noFill/>
+            </a:endParaRPr>
+          </a:p>
+        </p:txBody>
+      </p:sp>
+      <p:sp>
+        <p:nvSpPr>
+          <p:cNvPr id="4" name="직사각형 3">
+            <a:extLst>
+              <a:ext uri="{FF2B5EF4-FFF2-40B4-BE49-F238E27FC236}">
+                <a16:creationId xmlns:a16="http://schemas.microsoft.com/office/drawing/2014/main" id="{61E6A917-B65A-81EA-0CB2-CD821CC5318F}"/>
+              </a:ext>
+            </a:extLst>
+          </p:cNvPr>
+          <p:cNvSpPr/>
+          <p:nvPr/>
+        </p:nvSpPr>
+        <p:spPr>
+          <a:xfrm>
+            <a:off x="1130801" y="1311578"/>
+            <a:ext cx="957198" cy="605206"/>
+          </a:xfrm>
+          <a:prstGeom prst="rect">
+            <a:avLst/>
+          </a:prstGeom>
+          <a:solidFill>
+            <a:schemeClr val="lt1"/>
+          </a:solidFill>
+          <a:ln>
+            <a:noFill/>
+          </a:ln>
+        </p:spPr>
+        <p:style>
+          <a:lnRef idx="2">
+            <a:schemeClr val="accent1">
+              <a:shade val="20000"/>
+            </a:schemeClr>
+          </a:lnRef>
+          <a:fillRef idx="1">
+            <a:schemeClr val="accent1"/>
+          </a:fillRef>
+          <a:effectRef idx="0">
+            <a:schemeClr val="accent1"/>
+          </a:effectRef>
+          <a:fontRef idx="minor">
+            <a:schemeClr val="lt1"/>
+          </a:fontRef>
+        </p:style>
+        <p:txBody>
+          <a:bodyPr anchor="ctr"/>
+          <a:lstStyle/>
+          <a:p>
+            <a:pPr algn="ctr">
+              <a:defRPr/>
+            </a:pPr>
+            <a:endParaRPr lang="ko-KR" altLang="en-US">
+              <a:noFill/>
+            </a:endParaRPr>
+          </a:p>
+        </p:txBody>
+      </p:sp>
+      <p:pic>
+        <p:nvPicPr>
+          <p:cNvPr id="27" name="그림 26">
+            <a:extLst>
+              <a:ext uri="{FF2B5EF4-FFF2-40B4-BE49-F238E27FC236}">
+                <a16:creationId xmlns:a16="http://schemas.microsoft.com/office/drawing/2014/main" id="{46F8D663-5187-D99F-787A-5ED50059A76D}"/>
+              </a:ext>
+            </a:extLst>
+          </p:cNvPr>
+          <p:cNvPicPr>
+            <a:picLocks noChangeAspect="1"/>
+          </p:cNvPicPr>
+          <p:nvPr/>
+        </p:nvPicPr>
+        <p:blipFill>
+          <a:blip r:embed="rId2"/>
+          <a:stretch>
+            <a:fillRect/>
+          </a:stretch>
+        </p:blipFill>
+        <p:spPr>
+          <a:xfrm>
+            <a:off x="402249" y="1199722"/>
+            <a:ext cx="7094302" cy="5071499"/>
+          </a:xfrm>
+          <a:prstGeom prst="rect">
+            <a:avLst/>
+          </a:prstGeom>
+        </p:spPr>
+      </p:pic>
+      <p:pic>
+        <p:nvPicPr>
+          <p:cNvPr id="1026" name="Picture 2" descr="그래픽] 국내 드론 수 추이 | 연합뉴스">
+            <a:extLst>
+              <a:ext uri="{FF2B5EF4-FFF2-40B4-BE49-F238E27FC236}">
+                <a16:creationId xmlns:a16="http://schemas.microsoft.com/office/drawing/2014/main" id="{93D85D49-1E57-11FC-36D2-7CC3DB77AC7F}"/>
+              </a:ext>
+            </a:extLst>
+          </p:cNvPr>
+          <p:cNvPicPr>
+            <a:picLocks noChangeAspect="1" noChangeArrowheads="1"/>
+          </p:cNvPicPr>
+          <p:nvPr/>
+        </p:nvPicPr>
+        <p:blipFill>
+          <a:blip r:embed="rId3" cstate="print">
+            <a:extLst>
+              <a:ext uri="{28A0092B-C50C-407E-A947-70E740481C1C}">
+                <a14:useLocalDpi xmlns:a14="http://schemas.microsoft.com/office/drawing/2010/main" val="0"/>
+              </a:ext>
+            </a:extLst>
+          </a:blip>
+          <a:srcRect/>
+          <a:stretch>
+            <a:fillRect/>
+          </a:stretch>
+        </p:blipFill>
+        <p:spPr bwMode="auto">
+          <a:xfrm>
+            <a:off x="6609018" y="702712"/>
+            <a:ext cx="2837709" cy="2636890"/>
+          </a:xfrm>
+          <a:prstGeom prst="rect">
+            <a:avLst/>
+          </a:prstGeom>
+          <a:noFill/>
+          <a:extLst>
+            <a:ext uri="{909E8E84-426E-40DD-AFC4-6F175D3DCCD1}">
+              <a14:hiddenFill xmlns:a14="http://schemas.microsoft.com/office/drawing/2010/main">
+                <a:solidFill>
+                  <a:srgbClr val="FFFFFF"/>
+                </a:solidFill>
+              </a14:hiddenFill>
+            </a:ext>
+          </a:extLst>
+        </p:spPr>
+      </p:pic>
+      <p:sp>
+        <p:nvSpPr>
+          <p:cNvPr id="28" name="직사각형 27">
+            <a:extLst>
+              <a:ext uri="{FF2B5EF4-FFF2-40B4-BE49-F238E27FC236}">
+                <a16:creationId xmlns:a16="http://schemas.microsoft.com/office/drawing/2014/main" id="{CF98B35F-CDA9-1CD7-7121-2B18E1B5201A}"/>
+              </a:ext>
+            </a:extLst>
+          </p:cNvPr>
+          <p:cNvSpPr/>
+          <p:nvPr/>
+        </p:nvSpPr>
+        <p:spPr>
+          <a:xfrm>
+            <a:off x="1197563" y="2485136"/>
+            <a:ext cx="1906378" cy="1375924"/>
+          </a:xfrm>
+          <a:prstGeom prst="rect">
+            <a:avLst/>
+          </a:prstGeom>
+          <a:noFill/>
+          <a:ln w="57150">
+            <a:solidFill>
+              <a:srgbClr val="FF0000"/>
+            </a:solidFill>
+          </a:ln>
+        </p:spPr>
+        <p:style>
+          <a:lnRef idx="2">
+            <a:schemeClr val="accent2"/>
+          </a:lnRef>
+          <a:fillRef idx="1">
+            <a:schemeClr val="lt1"/>
+          </a:fillRef>
+          <a:effectRef idx="0">
+            <a:schemeClr val="accent2"/>
+          </a:effectRef>
+          <a:fontRef idx="minor">
+            <a:schemeClr val="dk1"/>
+          </a:fontRef>
+        </p:style>
+        <p:txBody>
+          <a:bodyPr rtlCol="0" anchor="ctr"/>
+          <a:lstStyle/>
+          <a:p>
+            <a:pPr algn="ctr"/>
+            <a:endParaRPr lang="ko-KR" altLang="en-US">
+              <a:noFill/>
+            </a:endParaRPr>
+          </a:p>
+        </p:txBody>
+      </p:sp>
+      <p:sp>
+        <p:nvSpPr>
+          <p:cNvPr id="29" name="직사각형 28">
+            <a:extLst>
+              <a:ext uri="{FF2B5EF4-FFF2-40B4-BE49-F238E27FC236}">
+                <a16:creationId xmlns:a16="http://schemas.microsoft.com/office/drawing/2014/main" id="{91BC5073-9096-05B4-26FE-9AA8F4B9AADC}"/>
+              </a:ext>
+            </a:extLst>
+          </p:cNvPr>
+          <p:cNvSpPr/>
+          <p:nvPr/>
+        </p:nvSpPr>
+        <p:spPr>
+          <a:xfrm>
+            <a:off x="5768311" y="2492870"/>
+            <a:ext cx="788129" cy="1296180"/>
+          </a:xfrm>
+          <a:prstGeom prst="rect">
+            <a:avLst/>
+          </a:prstGeom>
+          <a:noFill/>
+          <a:ln w="57150">
+            <a:solidFill>
+              <a:srgbClr val="FF0000"/>
+            </a:solidFill>
+          </a:ln>
+        </p:spPr>
+        <p:style>
+          <a:lnRef idx="2">
+            <a:schemeClr val="accent2"/>
+          </a:lnRef>
+          <a:fillRef idx="1">
+            <a:schemeClr val="lt1"/>
+          </a:fillRef>
+          <a:effectRef idx="0">
+            <a:schemeClr val="accent2"/>
+          </a:effectRef>
+          <a:fontRef idx="minor">
+            <a:schemeClr val="dk1"/>
+          </a:fontRef>
+        </p:style>
+        <p:txBody>
+          <a:bodyPr rtlCol="0" anchor="ctr"/>
+          <a:lstStyle/>
+          <a:p>
+            <a:pPr algn="ctr"/>
+            <a:endParaRPr lang="ko-KR" altLang="en-US">
+              <a:noFill/>
+            </a:endParaRPr>
+          </a:p>
+        </p:txBody>
+      </p:sp>
+      <p:pic>
+        <p:nvPicPr>
+          <p:cNvPr id="1028" name="Picture 4" descr="여름방학 드론 국가자격증 취득하고 취업준비 : 네이버 블로그">
+            <a:extLst>
+              <a:ext uri="{FF2B5EF4-FFF2-40B4-BE49-F238E27FC236}">
+                <a16:creationId xmlns:a16="http://schemas.microsoft.com/office/drawing/2014/main" id="{78481E95-710E-F3A9-B6E3-78BCDBE91DE0}"/>
+              </a:ext>
+            </a:extLst>
+          </p:cNvPr>
+          <p:cNvPicPr>
+            <a:picLocks noChangeAspect="1" noChangeArrowheads="1"/>
+          </p:cNvPicPr>
+          <p:nvPr/>
+        </p:nvPicPr>
+        <p:blipFill>
+          <a:blip r:embed="rId4">
+            <a:extLst>
+              <a:ext uri="{28A0092B-C50C-407E-A947-70E740481C1C}">
+                <a14:useLocalDpi xmlns:a14="http://schemas.microsoft.com/office/drawing/2010/main" val="0"/>
+              </a:ext>
+            </a:extLst>
+          </a:blip>
+          <a:srcRect/>
+          <a:stretch>
+            <a:fillRect/>
+          </a:stretch>
+        </p:blipFill>
+        <p:spPr bwMode="auto">
+          <a:xfrm>
+            <a:off x="7208511" y="3105331"/>
+            <a:ext cx="3600500" cy="3533153"/>
+          </a:xfrm>
+          <a:prstGeom prst="rect">
+            <a:avLst/>
+          </a:prstGeom>
+          <a:noFill/>
+          <a:extLst>
+            <a:ext uri="{909E8E84-426E-40DD-AFC4-6F175D3DCCD1}">
+              <a14:hiddenFill xmlns:a14="http://schemas.microsoft.com/office/drawing/2010/main">
+                <a:solidFill>
+                  <a:srgbClr val="FFFFFF"/>
+                </a:solidFill>
+              </a14:hiddenFill>
+            </a:ext>
+          </a:extLst>
+        </p:spPr>
+      </p:pic>
+    </p:spTree>
+    <p:extLst>
+      <p:ext uri="{BB962C8B-B14F-4D97-AF65-F5344CB8AC3E}">
+        <p14:creationId xmlns:p14="http://schemas.microsoft.com/office/powerpoint/2010/main" val="1244341403"/>
+      </p:ext>
+    </p:extLst>
+  </p:cSld>
+  <p:clrMapOvr>
+    <a:masterClrMapping/>
+  </p:clrMapOvr>
+  <mc:AlternateContent xmlns:mc="http://schemas.openxmlformats.org/markup-compatibility/2006" xmlns:p14="http://schemas.microsoft.com/office/powerpoint/2010/main">
+    <mc:Choice Requires="p14">
+      <p:transition/>
+    </mc:Choice>
+    <mc:Fallback xmlns:dsp="http://schemas.microsoft.com/office/drawing/2008/diagram" xmlns:dgm="http://schemas.openxmlformats.org/drawingml/2006/diagram" xmlns:c="http://schemas.openxmlformats.org/drawingml/2006/chart" xmlns="">
+      <p:transition/>
+    </mc:Fallback>
+  </mc:AlternateContent>
+</p:sld>
+</file>
+
+<file path=ppt/slides/slide6.xml><?xml version="1.0" encoding="utf-8"?>
+<p:sld xmlns:a="http://schemas.openxmlformats.org/drawingml/2006/main" xmlns:r="http://schemas.openxmlformats.org/officeDocument/2006/relationships" xmlns:p="http://schemas.openxmlformats.org/presentationml/2006/main">
+  <p:cSld>
+    <p:spTree>
+      <p:nvGrpSpPr>
+        <p:cNvPr id="1" name="">
+          <a:extLst>
+            <a:ext uri="{FF2B5EF4-FFF2-40B4-BE49-F238E27FC236}">
+              <a16:creationId xmlns:a16="http://schemas.microsoft.com/office/drawing/2014/main" id="{DBCEAB3A-CB2D-C422-0BC0-850C70655D57}"/>
+            </a:ext>
+          </a:extLst>
+        </p:cNvPr>
+        <p:cNvGrpSpPr/>
+        <p:nvPr/>
+      </p:nvGrpSpPr>
+      <p:grpSpPr>
+        <a:xfrm>
+          <a:off x="0" y="0"/>
+          <a:ext cx="0" cy="0"/>
+          <a:chOff x="0" y="0"/>
+          <a:chExt cx="0" cy="0"/>
+        </a:xfrm>
+      </p:grpSpPr>
+      <p:sp>
+        <p:nvSpPr>
+          <p:cNvPr id="6" name="TextBox 5">
+            <a:extLst>
+              <a:ext uri="{FF2B5EF4-FFF2-40B4-BE49-F238E27FC236}">
+                <a16:creationId xmlns:a16="http://schemas.microsoft.com/office/drawing/2014/main" id="{8C54D05F-9EC2-9007-76B6-22F3A872199E}"/>
+              </a:ext>
+            </a:extLst>
+          </p:cNvPr>
+          <p:cNvSpPr txBox="1"/>
+          <p:nvPr/>
+        </p:nvSpPr>
+        <p:spPr>
+          <a:xfrm>
+            <a:off x="498878" y="392049"/>
+            <a:ext cx="845103" cy="307777"/>
+          </a:xfrm>
+          <a:prstGeom prst="rect">
+            <a:avLst/>
+          </a:prstGeom>
+        </p:spPr>
+        <p:txBody>
+          <a:bodyPr wrap="none">
+            <a:spAutoFit/>
+          </a:bodyPr>
+          <a:lstStyle/>
+          <a:p>
+            <a:pPr algn="ctr">
+              <a:defRPr/>
+            </a:pPr>
+            <a:r>
+              <a:rPr lang="en-US" altLang="ko-KR" sz="1400">
+                <a:solidFill>
+                  <a:srgbClr val="0F3158"/>
+                </a:solidFill>
+                <a:latin typeface="나눔스퀘어_ac ExtraBold"/>
+                <a:ea typeface="나눔스퀘어_ac ExtraBold"/>
+              </a:rPr>
+              <a:t>01.</a:t>
+            </a:r>
+            <a:r>
+              <a:rPr lang="ko-KR" altLang="en-US" sz="1400">
+                <a:solidFill>
+                  <a:srgbClr val="0F3158"/>
+                </a:solidFill>
+                <a:latin typeface="나눔스퀘어_ac ExtraBold"/>
+                <a:ea typeface="나눔스퀘어_ac ExtraBold"/>
+              </a:rPr>
+              <a:t> 개요</a:t>
+            </a:r>
+          </a:p>
+        </p:txBody>
+      </p:sp>
+      <p:sp>
+        <p:nvSpPr>
+          <p:cNvPr id="7" name="TextBox 6">
+            <a:extLst>
+              <a:ext uri="{FF2B5EF4-FFF2-40B4-BE49-F238E27FC236}">
+                <a16:creationId xmlns:a16="http://schemas.microsoft.com/office/drawing/2014/main" id="{70A3C2DD-815B-B956-14D3-F7F38D7B7CAC}"/>
+              </a:ext>
+            </a:extLst>
+          </p:cNvPr>
+          <p:cNvSpPr txBox="1"/>
+          <p:nvPr/>
+        </p:nvSpPr>
+        <p:spPr>
+          <a:xfrm>
+            <a:off x="481547" y="670130"/>
+            <a:ext cx="854721" cy="276999"/>
+          </a:xfrm>
+          <a:prstGeom prst="rect">
+            <a:avLst/>
+          </a:prstGeom>
+        </p:spPr>
+        <p:txBody>
+          <a:bodyPr wrap="none">
+            <a:spAutoFit/>
+          </a:bodyPr>
+          <a:lstStyle/>
+          <a:p>
+            <a:pPr algn="ctr">
+              <a:defRPr/>
+            </a:pPr>
+            <a:r>
+              <a:rPr lang="ko-KR" altLang="en-US" sz="1200" b="1">
+                <a:solidFill>
+                  <a:srgbClr val="A9AAAA"/>
+                </a:solidFill>
+                <a:latin typeface="나눔스퀘어_ac Bold"/>
+                <a:ea typeface="나눔스퀘어_ac Bold"/>
+              </a:rPr>
+              <a:t>문제 상황</a:t>
+            </a:r>
+          </a:p>
+        </p:txBody>
+      </p:sp>
+      <p:sp>
+        <p:nvSpPr>
+          <p:cNvPr id="8" name="TextBox 7">
+            <a:extLst>
+              <a:ext uri="{FF2B5EF4-FFF2-40B4-BE49-F238E27FC236}">
+                <a16:creationId xmlns:a16="http://schemas.microsoft.com/office/drawing/2014/main" id="{8FCA6464-3F21-B9E2-93BF-7201137BD030}"/>
+              </a:ext>
+            </a:extLst>
+          </p:cNvPr>
+          <p:cNvSpPr txBox="1"/>
+          <p:nvPr/>
+        </p:nvSpPr>
+        <p:spPr>
+          <a:xfrm>
+            <a:off x="9124299" y="392049"/>
+            <a:ext cx="1832554" cy="246221"/>
+          </a:xfrm>
+          <a:prstGeom prst="rect">
+            <a:avLst/>
+          </a:prstGeom>
+        </p:spPr>
+        <p:txBody>
+          <a:bodyPr wrap="none">
+            <a:spAutoFit/>
+          </a:bodyPr>
+          <a:lstStyle/>
+          <a:p>
+            <a:pPr algn="ctr">
+              <a:defRPr/>
+            </a:pPr>
+            <a:r>
+              <a:rPr lang="en-US" altLang="ko-KR" sz="1000">
+                <a:solidFill>
+                  <a:srgbClr val="0F3158"/>
+                </a:solidFill>
+                <a:latin typeface="나눔스퀘어_ac ExtraBold"/>
+                <a:ea typeface="나눔스퀘어_ac ExtraBold"/>
+              </a:rPr>
+              <a:t>ICT </a:t>
+            </a:r>
+            <a:r>
+              <a:rPr lang="ko-KR" altLang="en-US" sz="1000">
+                <a:solidFill>
+                  <a:srgbClr val="0F3158"/>
+                </a:solidFill>
+                <a:latin typeface="나눔스퀘어_ac ExtraBold"/>
+                <a:ea typeface="나눔스퀘어_ac ExtraBold"/>
+              </a:rPr>
+              <a:t>캡스톤 디자인 최종 발표</a:t>
+            </a:r>
+          </a:p>
+        </p:txBody>
+      </p:sp>
+      <p:sp>
+        <p:nvSpPr>
+          <p:cNvPr id="18" name="직사각형 17">
+            <a:extLst>
+              <a:ext uri="{FF2B5EF4-FFF2-40B4-BE49-F238E27FC236}">
+                <a16:creationId xmlns:a16="http://schemas.microsoft.com/office/drawing/2014/main" id="{F7E31FF1-AFD1-44CC-A18E-F98FEBE66B50}"/>
+              </a:ext>
+            </a:extLst>
+          </p:cNvPr>
+          <p:cNvSpPr/>
+          <p:nvPr/>
+        </p:nvSpPr>
+        <p:spPr>
+          <a:xfrm>
+            <a:off x="439255" y="392049"/>
+            <a:ext cx="45720" cy="588645"/>
+          </a:xfrm>
+          <a:prstGeom prst="rect">
+            <a:avLst/>
+          </a:prstGeom>
+          <a:solidFill>
+            <a:srgbClr val="0F3158"/>
+          </a:solidFill>
+          <a:ln>
+            <a:noFill/>
+          </a:ln>
+        </p:spPr>
+        <p:style>
+          <a:lnRef idx="2">
+            <a:schemeClr val="accent1">
+              <a:shade val="20000"/>
+            </a:schemeClr>
+          </a:lnRef>
+          <a:fillRef idx="1">
+            <a:schemeClr val="accent1"/>
+          </a:fillRef>
+          <a:effectRef idx="0">
+            <a:schemeClr val="accent1"/>
+          </a:effectRef>
+          <a:fontRef idx="minor">
+            <a:schemeClr val="lt1"/>
+          </a:fontRef>
+        </p:style>
+        <p:txBody>
+          <a:bodyPr anchor="ctr"/>
+          <a:lstStyle/>
+          <a:p>
+            <a:pPr algn="ctr">
+              <a:defRPr/>
+            </a:pPr>
+            <a:endParaRPr lang="ko-KR" altLang="en-US">
+              <a:noFill/>
+            </a:endParaRPr>
+          </a:p>
+        </p:txBody>
+      </p:sp>
+      <p:pic>
+        <p:nvPicPr>
+          <p:cNvPr id="3" name="그림 2">
+            <a:extLst>
+              <a:ext uri="{FF2B5EF4-FFF2-40B4-BE49-F238E27FC236}">
+                <a16:creationId xmlns:a16="http://schemas.microsoft.com/office/drawing/2014/main" id="{B74BEB39-F3C4-4D4D-59EE-AA188E471E55}"/>
+              </a:ext>
+            </a:extLst>
+          </p:cNvPr>
+          <p:cNvPicPr>
+            <a:picLocks noChangeAspect="1"/>
+          </p:cNvPicPr>
+          <p:nvPr/>
+        </p:nvPicPr>
+        <p:blipFill>
+          <a:blip r:embed="rId2"/>
+          <a:stretch>
+            <a:fillRect/>
+          </a:stretch>
+        </p:blipFill>
+        <p:spPr>
+          <a:xfrm>
+            <a:off x="500527" y="1425951"/>
+            <a:ext cx="3231238" cy="2409908"/>
+          </a:xfrm>
+          <a:prstGeom prst="rect">
+            <a:avLst/>
+          </a:prstGeom>
+        </p:spPr>
+      </p:pic>
+      <p:pic>
+        <p:nvPicPr>
+          <p:cNvPr id="9" name="그림 8">
+            <a:extLst>
+              <a:ext uri="{FF2B5EF4-FFF2-40B4-BE49-F238E27FC236}">
+                <a16:creationId xmlns:a16="http://schemas.microsoft.com/office/drawing/2014/main" id="{AAD2E52B-96B1-8856-791B-0EA2C2A25AB8}"/>
+              </a:ext>
+            </a:extLst>
+          </p:cNvPr>
+          <p:cNvPicPr>
+            <a:picLocks noChangeAspect="1"/>
+          </p:cNvPicPr>
+          <p:nvPr/>
+        </p:nvPicPr>
+        <p:blipFill>
+          <a:blip r:embed="rId3"/>
+          <a:stretch>
+            <a:fillRect/>
+          </a:stretch>
+        </p:blipFill>
+        <p:spPr>
+          <a:xfrm>
+            <a:off x="3537650" y="1412720"/>
+            <a:ext cx="3377084" cy="2724530"/>
+          </a:xfrm>
+          <a:prstGeom prst="rect">
+            <a:avLst/>
+          </a:prstGeom>
+        </p:spPr>
+      </p:pic>
+      <p:sp>
+        <p:nvSpPr>
+          <p:cNvPr id="10" name="TextBox 9">
+            <a:extLst>
+              <a:ext uri="{FF2B5EF4-FFF2-40B4-BE49-F238E27FC236}">
+                <a16:creationId xmlns:a16="http://schemas.microsoft.com/office/drawing/2014/main" id="{444E52B9-1ADD-A750-0FE9-623792A6F1F2}"/>
+              </a:ext>
+            </a:extLst>
+          </p:cNvPr>
+          <p:cNvSpPr txBox="1"/>
+          <p:nvPr/>
+        </p:nvSpPr>
+        <p:spPr>
+          <a:xfrm>
+            <a:off x="585240" y="3866117"/>
+            <a:ext cx="2007343" cy="307777"/>
+          </a:xfrm>
+          <a:prstGeom prst="rect">
+            <a:avLst/>
+          </a:prstGeom>
+        </p:spPr>
+        <p:txBody>
+          <a:bodyPr wrap="square" rtlCol="0">
+            <a:spAutoFit/>
+          </a:bodyPr>
+          <a:lstStyle/>
+          <a:p>
+            <a:r>
+              <a:rPr lang="ko-KR" altLang="en-US" sz="1400" b="1"/>
+              <a:t>출처 </a:t>
+            </a:r>
+            <a:r>
+              <a:rPr lang="en-US" altLang="ko-KR" sz="1400" b="1"/>
+              <a:t>– </a:t>
+            </a:r>
+            <a:r>
+              <a:rPr lang="ko-KR" altLang="en-US" sz="1400" b="1"/>
+              <a:t>드론플레이</a:t>
+            </a:r>
+          </a:p>
+        </p:txBody>
+      </p:sp>
+    </p:spTree>
+    <p:extLst>
+      <p:ext uri="{BB962C8B-B14F-4D97-AF65-F5344CB8AC3E}">
+        <p14:creationId xmlns:p14="http://schemas.microsoft.com/office/powerpoint/2010/main" val="1904252657"/>
+      </p:ext>
+    </p:extLst>
+  </p:cSld>
+  <p:clrMapOvr>
+    <a:masterClrMapping/>
+  </p:clrMapOvr>
+  <mc:AlternateContent xmlns:mc="http://schemas.openxmlformats.org/markup-compatibility/2006" xmlns:p14="http://schemas.microsoft.com/office/powerpoint/2010/main">
+    <mc:Choice Requires="p14">
+      <p:transition/>
+    </mc:Choice>
+    <mc:Fallback xmlns:dsp="http://schemas.microsoft.com/office/drawing/2008/diagram" xmlns:dgm="http://schemas.openxmlformats.org/drawingml/2006/diagram" xmlns:c="http://schemas.openxmlformats.org/drawingml/2006/chart" xmlns="">
+      <p:transition/>
+    </mc:Fallback>
+  </mc:AlternateContent>
+</p:sld>
+</file>
+
+<file path=ppt/slides/slide7.xml><?xml version="1.0" encoding="utf-8"?>
 <p:sld xmlns:a="http://schemas.openxmlformats.org/drawingml/2006/main" xmlns:r="http://schemas.openxmlformats.org/officeDocument/2006/relationships" xmlns:p="http://schemas.openxmlformats.org/presentationml/2006/main">
   <p:cSld>
     <p:spTree>
@@ -14062,7 +16237,7 @@
         </p:blipFill>
         <p:spPr bwMode="auto">
           <a:xfrm>
-            <a:off x="3403094" y="3294109"/>
+            <a:off x="3110235" y="3585864"/>
             <a:ext cx="576080" cy="576080"/>
           </a:xfrm>
           <a:prstGeom prst="rect">
@@ -14561,14 +16736,14 @@
     <mc:Choice Requires="p14">
       <p:transition/>
     </mc:Choice>
-    <mc:Fallback xmlns="" xmlns:c="http://schemas.openxmlformats.org/drawingml/2006/chart" xmlns:dgm="http://schemas.openxmlformats.org/drawingml/2006/diagram" xmlns:dsp="http://schemas.microsoft.com/office/drawing/2008/diagram">
+    <mc:Fallback xmlns:dsp="http://schemas.microsoft.com/office/drawing/2008/diagram" xmlns:dgm="http://schemas.openxmlformats.org/drawingml/2006/diagram" xmlns:c="http://schemas.openxmlformats.org/drawingml/2006/chart" xmlns="">
       <p:transition/>
     </mc:Fallback>
   </mc:AlternateContent>
 </p:sld>
 </file>
 
-<file path=ppt/slides/slide6.xml><?xml version="1.0" encoding="utf-8"?>
+<file path=ppt/slides/slide8.xml><?xml version="1.0" encoding="utf-8"?>
 <p:sld xmlns:a="http://schemas.openxmlformats.org/drawingml/2006/main" xmlns:r="http://schemas.openxmlformats.org/officeDocument/2006/relationships" xmlns:p="http://schemas.openxmlformats.org/presentationml/2006/main">
   <p:cSld>
     <p:spTree>
@@ -14755,10 +16930,10 @@
       </p:sp>
       <p:sp>
         <p:nvSpPr>
-          <p:cNvPr id="4" name="직사각형 3">
-            <a:extLst>
-              <a:ext uri="{FF2B5EF4-FFF2-40B4-BE49-F238E27FC236}">
-                <a16:creationId xmlns:a16="http://schemas.microsoft.com/office/drawing/2014/main" id="{6D8F3732-A0CF-7E44-DE0C-649E5535750C}"/>
+          <p:cNvPr id="2" name="사각형: 둥근 모서리 1">
+            <a:extLst>
+              <a:ext uri="{FF2B5EF4-FFF2-40B4-BE49-F238E27FC236}">
+                <a16:creationId xmlns:a16="http://schemas.microsoft.com/office/drawing/2014/main" id="{E0204F4E-41F4-4AF3-763B-77735873889D}"/>
               </a:ext>
             </a:extLst>
           </p:cNvPr>
@@ -14767,92 +16942,7 @@
         </p:nvSpPr>
         <p:spPr>
           <a:xfrm>
-            <a:off x="4017369" y="1997135"/>
-            <a:ext cx="2952410" cy="1296180"/>
-          </a:xfrm>
-          <a:prstGeom prst="rect">
-            <a:avLst/>
-          </a:prstGeom>
-          <a:noFill/>
-        </p:spPr>
-        <p:style>
-          <a:lnRef idx="2">
-            <a:schemeClr val="accent1"/>
-          </a:lnRef>
-          <a:fillRef idx="1">
-            <a:schemeClr val="lt1"/>
-          </a:fillRef>
-          <a:effectRef idx="0">
-            <a:schemeClr val="accent1"/>
-          </a:effectRef>
-          <a:fontRef idx="minor">
-            <a:schemeClr val="dk1"/>
-          </a:fontRef>
-        </p:style>
-        <p:txBody>
-          <a:bodyPr rtlCol="0" anchor="t"/>
-          <a:lstStyle/>
-          <a:p>
-            <a:endParaRPr lang="en-US" altLang="ko-KR" b="1">
-              <a:solidFill>
-                <a:schemeClr val="tx1"/>
-              </a:solidFill>
-            </a:endParaRPr>
-          </a:p>
-          <a:p>
-            <a:r>
-              <a:rPr lang="en-US" altLang="ko-KR" b="1">
-                <a:solidFill>
-                  <a:schemeClr val="tx1"/>
-                </a:solidFill>
-              </a:rPr>
-              <a:t>FC          – OrangeCube</a:t>
-            </a:r>
-          </a:p>
-          <a:p>
-            <a:r>
-              <a:rPr lang="en-US" altLang="ko-KR" b="1">
-                <a:solidFill>
-                  <a:schemeClr val="tx1"/>
-                </a:solidFill>
-              </a:rPr>
-              <a:t>Datalink – Sik Radio V3</a:t>
-            </a:r>
-          </a:p>
-          <a:p>
-            <a:r>
-              <a:rPr lang="en-US" altLang="ko-KR" b="1">
-                <a:solidFill>
-                  <a:schemeClr val="tx1"/>
-                </a:solidFill>
-              </a:rPr>
-              <a:t>Battery  - 4s1p 14.8V</a:t>
-            </a:r>
-          </a:p>
-          <a:p>
-            <a:endParaRPr lang="ko-KR" altLang="en-US" b="1">
-              <a:solidFill>
-                <a:schemeClr val="tx1"/>
-              </a:solidFill>
-            </a:endParaRPr>
-          </a:p>
-        </p:txBody>
-      </p:sp>
-      <p:sp>
-        <p:nvSpPr>
-          <p:cNvPr id="2" name="사각형: 둥근 모서리 1">
-            <a:extLst>
-              <a:ext uri="{FF2B5EF4-FFF2-40B4-BE49-F238E27FC236}">
-                <a16:creationId xmlns:a16="http://schemas.microsoft.com/office/drawing/2014/main" id="{E0204F4E-41F4-4AF3-763B-77735873889D}"/>
-              </a:ext>
-            </a:extLst>
-          </p:cNvPr>
-          <p:cNvSpPr/>
-          <p:nvPr/>
-        </p:nvSpPr>
-        <p:spPr>
-          <a:xfrm>
-            <a:off x="4544141" y="1412720"/>
+            <a:off x="4544141" y="2060810"/>
             <a:ext cx="1898866" cy="785015"/>
           </a:xfrm>
           <a:prstGeom prst="roundRect">
@@ -14900,10 +16990,10 @@
       </p:sp>
       <p:sp>
         <p:nvSpPr>
-          <p:cNvPr id="5" name="직사각형 4">
-            <a:extLst>
-              <a:ext uri="{FF2B5EF4-FFF2-40B4-BE49-F238E27FC236}">
-                <a16:creationId xmlns:a16="http://schemas.microsoft.com/office/drawing/2014/main" id="{C1FD5FC6-8ADA-0FA6-A4E1-D3BD69B160AD}"/>
+          <p:cNvPr id="9" name="사각형: 둥근 모서리 8">
+            <a:extLst>
+              <a:ext uri="{FF2B5EF4-FFF2-40B4-BE49-F238E27FC236}">
+                <a16:creationId xmlns:a16="http://schemas.microsoft.com/office/drawing/2014/main" id="{C0ED6041-CF84-C6DB-864D-82D39E348393}"/>
               </a:ext>
             </a:extLst>
           </p:cNvPr>
@@ -14912,87 +17002,15 @@
         </p:nvSpPr>
         <p:spPr>
           <a:xfrm>
-            <a:off x="173628" y="4452236"/>
-            <a:ext cx="2952410" cy="1512210"/>
-          </a:xfrm>
-          <a:prstGeom prst="rect">
-            <a:avLst/>
-          </a:prstGeom>
-          <a:noFill/>
-        </p:spPr>
-        <p:style>
-          <a:lnRef idx="2">
-            <a:schemeClr val="accent1"/>
-          </a:lnRef>
-          <a:fillRef idx="1">
-            <a:schemeClr val="lt1"/>
-          </a:fillRef>
-          <a:effectRef idx="0">
-            <a:schemeClr val="accent1"/>
-          </a:effectRef>
-          <a:fontRef idx="minor">
-            <a:schemeClr val="dk1"/>
-          </a:fontRef>
-        </p:style>
-        <p:txBody>
-          <a:bodyPr rtlCol="0" anchor="t"/>
-          <a:lstStyle/>
-          <a:p>
-            <a:endParaRPr lang="en-US" altLang="ko-KR" b="1">
-              <a:solidFill>
-                <a:schemeClr val="tx1"/>
-              </a:solidFill>
-            </a:endParaRPr>
-          </a:p>
-          <a:p>
-            <a:r>
-              <a:rPr lang="en-US" altLang="ko-KR" b="1">
-                <a:solidFill>
-                  <a:schemeClr val="tx1"/>
-                </a:solidFill>
-              </a:rPr>
-              <a:t>APP       - MissionPlanner</a:t>
-            </a:r>
-          </a:p>
-          <a:p>
-            <a:r>
-              <a:rPr lang="en-US" altLang="ko-KR" b="1">
-                <a:solidFill>
-                  <a:schemeClr val="tx1"/>
-                </a:solidFill>
-              </a:rPr>
-              <a:t>Datalink – Sik Radio V3</a:t>
-            </a:r>
-          </a:p>
-          <a:p>
-            <a:endParaRPr lang="ko-KR" altLang="en-US" b="1">
-              <a:solidFill>
-                <a:schemeClr val="tx1"/>
-              </a:solidFill>
-            </a:endParaRPr>
-          </a:p>
-        </p:txBody>
-      </p:sp>
-      <p:sp>
-        <p:nvSpPr>
-          <p:cNvPr id="9" name="사각형: 둥근 모서리 8">
-            <a:extLst>
-              <a:ext uri="{FF2B5EF4-FFF2-40B4-BE49-F238E27FC236}">
-                <a16:creationId xmlns:a16="http://schemas.microsoft.com/office/drawing/2014/main" id="{C0ED6041-CF84-C6DB-864D-82D39E348393}"/>
-              </a:ext>
-            </a:extLst>
-          </p:cNvPr>
-          <p:cNvSpPr/>
-          <p:nvPr/>
-        </p:nvSpPr>
-        <p:spPr>
-          <a:xfrm>
-            <a:off x="700400" y="3804146"/>
+            <a:off x="839127" y="3471622"/>
             <a:ext cx="1898866" cy="851015"/>
           </a:xfrm>
           <a:prstGeom prst="roundRect">
             <a:avLst/>
           </a:prstGeom>
+          <a:solidFill>
+            <a:schemeClr val="bg2"/>
+          </a:solidFill>
         </p:spPr>
         <p:style>
           <a:lnRef idx="2">
@@ -15035,10 +17053,10 @@
       </p:sp>
       <p:sp>
         <p:nvSpPr>
-          <p:cNvPr id="10" name="직사각형 9">
-            <a:extLst>
-              <a:ext uri="{FF2B5EF4-FFF2-40B4-BE49-F238E27FC236}">
-                <a16:creationId xmlns:a16="http://schemas.microsoft.com/office/drawing/2014/main" id="{B48D40F0-4A19-98A9-CBBD-84DB03606504}"/>
+          <p:cNvPr id="11" name="사각형: 둥근 모서리 10">
+            <a:extLst>
+              <a:ext uri="{FF2B5EF4-FFF2-40B4-BE49-F238E27FC236}">
+                <a16:creationId xmlns:a16="http://schemas.microsoft.com/office/drawing/2014/main" id="{8EBEF946-7DDB-D763-A419-5DB0836A4E98}"/>
               </a:ext>
             </a:extLst>
           </p:cNvPr>
@@ -15047,87 +17065,7 @@
         </p:nvSpPr>
         <p:spPr>
           <a:xfrm>
-            <a:off x="4039466" y="4452236"/>
-            <a:ext cx="2952410" cy="1512210"/>
-          </a:xfrm>
-          <a:prstGeom prst="rect">
-            <a:avLst/>
-          </a:prstGeom>
-          <a:noFill/>
-        </p:spPr>
-        <p:style>
-          <a:lnRef idx="2">
-            <a:schemeClr val="accent1"/>
-          </a:lnRef>
-          <a:fillRef idx="1">
-            <a:schemeClr val="lt1"/>
-          </a:fillRef>
-          <a:effectRef idx="0">
-            <a:schemeClr val="accent1"/>
-          </a:effectRef>
-          <a:fontRef idx="minor">
-            <a:schemeClr val="dk1"/>
-          </a:fontRef>
-        </p:style>
-        <p:txBody>
-          <a:bodyPr rtlCol="0" anchor="t"/>
-          <a:lstStyle/>
-          <a:p>
-            <a:endParaRPr lang="en-US" altLang="ko-KR" b="1">
-              <a:solidFill>
-                <a:schemeClr val="tx1"/>
-              </a:solidFill>
-            </a:endParaRPr>
-          </a:p>
-          <a:p>
-            <a:r>
-              <a:rPr lang="en-US" altLang="ko-KR" b="1">
-                <a:solidFill>
-                  <a:schemeClr val="tx1"/>
-                </a:solidFill>
-              </a:rPr>
-              <a:t>EVB       - ArduinoMicro</a:t>
-            </a:r>
-          </a:p>
-          <a:p>
-            <a:endParaRPr lang="en-US" altLang="ko-KR" b="1">
-              <a:solidFill>
-                <a:schemeClr val="tx1"/>
-              </a:solidFill>
-            </a:endParaRPr>
-          </a:p>
-          <a:p>
-            <a:r>
-              <a:rPr lang="en-US" altLang="ko-KR" b="1">
-                <a:solidFill>
-                  <a:schemeClr val="tx1"/>
-                </a:solidFill>
-              </a:rPr>
-              <a:t>2Joysticks and 2 Buttons</a:t>
-            </a:r>
-            <a:endParaRPr lang="ko-KR" altLang="en-US" b="1">
-              <a:solidFill>
-                <a:schemeClr val="tx1"/>
-              </a:solidFill>
-            </a:endParaRPr>
-          </a:p>
-        </p:txBody>
-      </p:sp>
-      <p:sp>
-        <p:nvSpPr>
-          <p:cNvPr id="11" name="사각형: 둥근 모서리 10">
-            <a:extLst>
-              <a:ext uri="{FF2B5EF4-FFF2-40B4-BE49-F238E27FC236}">
-                <a16:creationId xmlns:a16="http://schemas.microsoft.com/office/drawing/2014/main" id="{8EBEF946-7DDB-D763-A419-5DB0836A4E98}"/>
-              </a:ext>
-            </a:extLst>
-          </p:cNvPr>
-          <p:cNvSpPr/>
-          <p:nvPr/>
-        </p:nvSpPr>
-        <p:spPr>
-          <a:xfrm>
-            <a:off x="4566238" y="3804146"/>
+            <a:off x="4567826" y="3471622"/>
             <a:ext cx="1898866" cy="851015"/>
           </a:xfrm>
           <a:prstGeom prst="roundRect">
@@ -15175,10 +17113,10 @@
       </p:sp>
       <p:sp>
         <p:nvSpPr>
-          <p:cNvPr id="12" name="직사각형 11">
-            <a:extLst>
-              <a:ext uri="{FF2B5EF4-FFF2-40B4-BE49-F238E27FC236}">
-                <a16:creationId xmlns:a16="http://schemas.microsoft.com/office/drawing/2014/main" id="{105B3998-8CE3-8248-B992-ED148BD10EED}"/>
+          <p:cNvPr id="13" name="사각형: 둥근 모서리 12">
+            <a:extLst>
+              <a:ext uri="{FF2B5EF4-FFF2-40B4-BE49-F238E27FC236}">
+                <a16:creationId xmlns:a16="http://schemas.microsoft.com/office/drawing/2014/main" id="{E20AFFCB-5CA0-DE98-FDDA-D526C83F1B6A}"/>
               </a:ext>
             </a:extLst>
           </p:cNvPr>
@@ -15187,92 +17125,7 @@
         </p:nvSpPr>
         <p:spPr>
           <a:xfrm>
-            <a:off x="7902111" y="4452236"/>
-            <a:ext cx="2952410" cy="1512210"/>
-          </a:xfrm>
-          <a:prstGeom prst="rect">
-            <a:avLst/>
-          </a:prstGeom>
-          <a:noFill/>
-        </p:spPr>
-        <p:style>
-          <a:lnRef idx="2">
-            <a:schemeClr val="accent1"/>
-          </a:lnRef>
-          <a:fillRef idx="1">
-            <a:schemeClr val="lt1"/>
-          </a:fillRef>
-          <a:effectRef idx="0">
-            <a:schemeClr val="accent1"/>
-          </a:effectRef>
-          <a:fontRef idx="minor">
-            <a:schemeClr val="dk1"/>
-          </a:fontRef>
-        </p:style>
-        <p:txBody>
-          <a:bodyPr rtlCol="0" anchor="t"/>
-          <a:lstStyle/>
-          <a:p>
-            <a:endParaRPr lang="en-US" altLang="ko-KR" b="1">
-              <a:solidFill>
-                <a:schemeClr val="tx1"/>
-              </a:solidFill>
-            </a:endParaRPr>
-          </a:p>
-          <a:p>
-            <a:r>
-              <a:rPr lang="en-US" altLang="ko-KR" b="1">
-                <a:solidFill>
-                  <a:schemeClr val="tx1"/>
-                </a:solidFill>
-              </a:rPr>
-              <a:t>EVB       - RaspberryPi 5</a:t>
-            </a:r>
-          </a:p>
-          <a:p>
-            <a:r>
-              <a:rPr lang="en-US" altLang="ko-KR" b="1">
-                <a:solidFill>
-                  <a:schemeClr val="tx1"/>
-                </a:solidFill>
-              </a:rPr>
-              <a:t>AI model- YoloV8n</a:t>
-            </a:r>
-          </a:p>
-          <a:p>
-            <a:r>
-              <a:rPr lang="en-US" altLang="ko-KR" b="1">
-                <a:solidFill>
-                  <a:schemeClr val="tx1"/>
-                </a:solidFill>
-              </a:rPr>
-              <a:t>Camera  - RaspberryPi         	   Cam3</a:t>
-            </a:r>
-          </a:p>
-          <a:p>
-            <a:endParaRPr lang="ko-KR" altLang="en-US" b="1">
-              <a:solidFill>
-                <a:schemeClr val="tx1"/>
-              </a:solidFill>
-            </a:endParaRPr>
-          </a:p>
-        </p:txBody>
-      </p:sp>
-      <p:sp>
-        <p:nvSpPr>
-          <p:cNvPr id="13" name="사각형: 둥근 모서리 12">
-            <a:extLst>
-              <a:ext uri="{FF2B5EF4-FFF2-40B4-BE49-F238E27FC236}">
-                <a16:creationId xmlns:a16="http://schemas.microsoft.com/office/drawing/2014/main" id="{E20AFFCB-5CA0-DE98-FDDA-D526C83F1B6A}"/>
-              </a:ext>
-            </a:extLst>
-          </p:cNvPr>
-          <p:cNvSpPr/>
-          <p:nvPr/>
-        </p:nvSpPr>
-        <p:spPr>
-          <a:xfrm>
-            <a:off x="8428883" y="3804146"/>
+            <a:off x="7434923" y="3474912"/>
             <a:ext cx="1898866" cy="851015"/>
           </a:xfrm>
           <a:prstGeom prst="roundRect">
@@ -15330,339 +17183,6 @@
           </a:p>
         </p:txBody>
       </p:sp>
-      <p:cxnSp>
-        <p:nvCxnSpPr>
-          <p:cNvPr id="16" name="직선 화살표 연결선 15">
-            <a:extLst>
-              <a:ext uri="{FF2B5EF4-FFF2-40B4-BE49-F238E27FC236}">
-                <a16:creationId xmlns:a16="http://schemas.microsoft.com/office/drawing/2014/main" id="{1330C287-7E64-C1B4-21F9-79CC33C0FF92}"/>
-              </a:ext>
-            </a:extLst>
-          </p:cNvPr>
-          <p:cNvCxnSpPr>
-            <a:cxnSpLocks/>
-          </p:cNvCxnSpPr>
-          <p:nvPr/>
-        </p:nvCxnSpPr>
-        <p:spPr>
-          <a:xfrm flipH="1">
-            <a:off x="6991876" y="4861994"/>
-            <a:ext cx="910235" cy="0"/>
-          </a:xfrm>
-          <a:prstGeom prst="straightConnector1">
-            <a:avLst/>
-          </a:prstGeom>
-          <a:ln w="28575">
-            <a:solidFill>
-              <a:schemeClr val="tx1"/>
-            </a:solidFill>
-            <a:tailEnd type="triangle"/>
-          </a:ln>
-        </p:spPr>
-        <p:style>
-          <a:lnRef idx="1">
-            <a:schemeClr val="accent1"/>
-          </a:lnRef>
-          <a:fillRef idx="0">
-            <a:schemeClr val="accent1"/>
-          </a:fillRef>
-          <a:effectRef idx="0">
-            <a:schemeClr val="accent1"/>
-          </a:effectRef>
-          <a:fontRef idx="minor">
-            <a:schemeClr val="tx1"/>
-          </a:fontRef>
-        </p:style>
-      </p:cxnSp>
-      <p:sp>
-        <p:nvSpPr>
-          <p:cNvPr id="19" name="TextBox 18">
-            <a:extLst>
-              <a:ext uri="{FF2B5EF4-FFF2-40B4-BE49-F238E27FC236}">
-                <a16:creationId xmlns:a16="http://schemas.microsoft.com/office/drawing/2014/main" id="{C6517F91-536C-58F1-4E40-C1D429129901}"/>
-              </a:ext>
-            </a:extLst>
-          </p:cNvPr>
-          <p:cNvSpPr txBox="1"/>
-          <p:nvPr/>
-        </p:nvSpPr>
-        <p:spPr>
-          <a:xfrm>
-            <a:off x="7041328" y="4549382"/>
-            <a:ext cx="827471" cy="276999"/>
-          </a:xfrm>
-          <a:prstGeom prst="rect">
-            <a:avLst/>
-          </a:prstGeom>
-        </p:spPr>
-        <p:txBody>
-          <a:bodyPr wrap="none" rtlCol="0">
-            <a:spAutoFit/>
-          </a:bodyPr>
-          <a:lstStyle/>
-          <a:p>
-            <a:r>
-              <a:rPr lang="en-US" altLang="ko-KR" sz="1200"/>
-              <a:t>Interrupt</a:t>
-            </a:r>
-            <a:endParaRPr lang="ko-KR" altLang="en-US" sz="1200"/>
-          </a:p>
-        </p:txBody>
-      </p:sp>
-      <p:cxnSp>
-        <p:nvCxnSpPr>
-          <p:cNvPr id="20" name="직선 화살표 연결선 19">
-            <a:extLst>
-              <a:ext uri="{FF2B5EF4-FFF2-40B4-BE49-F238E27FC236}">
-                <a16:creationId xmlns:a16="http://schemas.microsoft.com/office/drawing/2014/main" id="{9920099C-9155-B9C0-99F6-C791114AA426}"/>
-              </a:ext>
-            </a:extLst>
-          </p:cNvPr>
-          <p:cNvCxnSpPr>
-            <a:cxnSpLocks/>
-          </p:cNvCxnSpPr>
-          <p:nvPr/>
-        </p:nvCxnSpPr>
-        <p:spPr>
-          <a:xfrm flipH="1">
-            <a:off x="6991876" y="5438074"/>
-            <a:ext cx="910235" cy="0"/>
-          </a:xfrm>
-          <a:prstGeom prst="straightConnector1">
-            <a:avLst/>
-          </a:prstGeom>
-          <a:ln w="28575">
-            <a:solidFill>
-              <a:schemeClr val="tx1"/>
-            </a:solidFill>
-            <a:tailEnd type="triangle"/>
-          </a:ln>
-        </p:spPr>
-        <p:style>
-          <a:lnRef idx="1">
-            <a:schemeClr val="accent1"/>
-          </a:lnRef>
-          <a:fillRef idx="0">
-            <a:schemeClr val="accent1"/>
-          </a:fillRef>
-          <a:effectRef idx="0">
-            <a:schemeClr val="accent1"/>
-          </a:effectRef>
-          <a:fontRef idx="minor">
-            <a:schemeClr val="tx1"/>
-          </a:fontRef>
-        </p:style>
-      </p:cxnSp>
-      <p:sp>
-        <p:nvSpPr>
-          <p:cNvPr id="21" name="TextBox 20">
-            <a:extLst>
-              <a:ext uri="{FF2B5EF4-FFF2-40B4-BE49-F238E27FC236}">
-                <a16:creationId xmlns:a16="http://schemas.microsoft.com/office/drawing/2014/main" id="{9298A47D-48D6-9A54-AEB7-2887E3DDA0AF}"/>
-              </a:ext>
-            </a:extLst>
-          </p:cNvPr>
-          <p:cNvSpPr txBox="1"/>
-          <p:nvPr/>
-        </p:nvSpPr>
-        <p:spPr>
-          <a:xfrm>
-            <a:off x="7266679" y="5133253"/>
-            <a:ext cx="415498" cy="276999"/>
-          </a:xfrm>
-          <a:prstGeom prst="rect">
-            <a:avLst/>
-          </a:prstGeom>
-        </p:spPr>
-        <p:txBody>
-          <a:bodyPr wrap="none" rtlCol="0">
-            <a:spAutoFit/>
-          </a:bodyPr>
-          <a:lstStyle/>
-          <a:p>
-            <a:r>
-              <a:rPr lang="en-US" altLang="ko-KR" sz="1200"/>
-              <a:t>I2C</a:t>
-            </a:r>
-            <a:endParaRPr lang="ko-KR" altLang="en-US" sz="1200"/>
-          </a:p>
-        </p:txBody>
-      </p:sp>
-      <p:cxnSp>
-        <p:nvCxnSpPr>
-          <p:cNvPr id="26" name="직선 화살표 연결선 25">
-            <a:extLst>
-              <a:ext uri="{FF2B5EF4-FFF2-40B4-BE49-F238E27FC236}">
-                <a16:creationId xmlns:a16="http://schemas.microsoft.com/office/drawing/2014/main" id="{4DA0ACD5-76F0-0DD6-DDE8-B9BEB550D64A}"/>
-              </a:ext>
-            </a:extLst>
-          </p:cNvPr>
-          <p:cNvCxnSpPr>
-            <a:cxnSpLocks/>
-          </p:cNvCxnSpPr>
-          <p:nvPr/>
-        </p:nvCxnSpPr>
-        <p:spPr>
-          <a:xfrm flipH="1">
-            <a:off x="3119187" y="5154587"/>
-            <a:ext cx="910235" cy="0"/>
-          </a:xfrm>
-          <a:prstGeom prst="straightConnector1">
-            <a:avLst/>
-          </a:prstGeom>
-          <a:ln w="28575">
-            <a:solidFill>
-              <a:schemeClr val="tx1"/>
-            </a:solidFill>
-            <a:tailEnd type="triangle"/>
-          </a:ln>
-        </p:spPr>
-        <p:style>
-          <a:lnRef idx="1">
-            <a:schemeClr val="accent1"/>
-          </a:lnRef>
-          <a:fillRef idx="0">
-            <a:schemeClr val="accent1"/>
-          </a:fillRef>
-          <a:effectRef idx="0">
-            <a:schemeClr val="accent1"/>
-          </a:effectRef>
-          <a:fontRef idx="minor">
-            <a:schemeClr val="tx1"/>
-          </a:fontRef>
-        </p:style>
-      </p:cxnSp>
-      <p:sp>
-        <p:nvSpPr>
-          <p:cNvPr id="27" name="TextBox 26">
-            <a:extLst>
-              <a:ext uri="{FF2B5EF4-FFF2-40B4-BE49-F238E27FC236}">
-                <a16:creationId xmlns:a16="http://schemas.microsoft.com/office/drawing/2014/main" id="{5D42B8ED-A5B9-2473-014D-428D7872733C}"/>
-              </a:ext>
-            </a:extLst>
-          </p:cNvPr>
-          <p:cNvSpPr txBox="1"/>
-          <p:nvPr/>
-        </p:nvSpPr>
-        <p:spPr>
-          <a:xfrm>
-            <a:off x="3353951" y="4841975"/>
-            <a:ext cx="447558" cy="276999"/>
-          </a:xfrm>
-          <a:prstGeom prst="rect">
-            <a:avLst/>
-          </a:prstGeom>
-        </p:spPr>
-        <p:txBody>
-          <a:bodyPr wrap="none" rtlCol="0">
-            <a:spAutoFit/>
-          </a:bodyPr>
-          <a:lstStyle/>
-          <a:p>
-            <a:r>
-              <a:rPr lang="en-US" altLang="ko-KR" sz="1200"/>
-              <a:t>HID</a:t>
-            </a:r>
-            <a:endParaRPr lang="ko-KR" altLang="en-US" sz="1200"/>
-          </a:p>
-        </p:txBody>
-      </p:sp>
-      <p:cxnSp>
-        <p:nvCxnSpPr>
-          <p:cNvPr id="29" name="직선 화살표 연결선 28">
-            <a:extLst>
-              <a:ext uri="{FF2B5EF4-FFF2-40B4-BE49-F238E27FC236}">
-                <a16:creationId xmlns:a16="http://schemas.microsoft.com/office/drawing/2014/main" id="{E4E97C64-65E3-D457-27B0-E66F5B8160F9}"/>
-              </a:ext>
-            </a:extLst>
-          </p:cNvPr>
-          <p:cNvCxnSpPr>
-            <a:stCxn id="9" idx="3"/>
-            <a:endCxn id="4" idx="2"/>
-          </p:cNvCxnSpPr>
-          <p:nvPr/>
-        </p:nvCxnSpPr>
-        <p:spPr>
-          <a:xfrm flipV="1">
-            <a:off x="2599266" y="3293315"/>
-            <a:ext cx="2894308" cy="936339"/>
-          </a:xfrm>
-          <a:prstGeom prst="straightConnector1">
-            <a:avLst/>
-          </a:prstGeom>
-          <a:ln w="28575">
-            <a:prstDash val="dash"/>
-            <a:headEnd type="triangle"/>
-            <a:tailEnd type="triangle"/>
-          </a:ln>
-        </p:spPr>
-        <p:style>
-          <a:lnRef idx="1">
-            <a:schemeClr val="dk1"/>
-          </a:lnRef>
-          <a:fillRef idx="0">
-            <a:schemeClr val="dk1"/>
-          </a:fillRef>
-          <a:effectRef idx="0">
-            <a:schemeClr val="dk1"/>
-          </a:effectRef>
-          <a:fontRef idx="minor">
-            <a:schemeClr val="tx1"/>
-          </a:fontRef>
-        </p:style>
-      </p:cxnSp>
-      <p:sp>
-        <p:nvSpPr>
-          <p:cNvPr id="30" name="TextBox 29">
-            <a:extLst>
-              <a:ext uri="{FF2B5EF4-FFF2-40B4-BE49-F238E27FC236}">
-                <a16:creationId xmlns:a16="http://schemas.microsoft.com/office/drawing/2014/main" id="{AF9101A3-B310-396C-2355-B8706F1664FD}"/>
-              </a:ext>
-            </a:extLst>
-          </p:cNvPr>
-          <p:cNvSpPr txBox="1"/>
-          <p:nvPr/>
-        </p:nvSpPr>
-        <p:spPr>
-          <a:xfrm>
-            <a:off x="2831953" y="3399303"/>
-            <a:ext cx="1484702" cy="276999"/>
-          </a:xfrm>
-          <a:prstGeom prst="rect">
-            <a:avLst/>
-          </a:prstGeom>
-        </p:spPr>
-        <p:txBody>
-          <a:bodyPr wrap="none" rtlCol="0">
-            <a:spAutoFit/>
-          </a:bodyPr>
-          <a:lstStyle/>
-          <a:p>
-            <a:r>
-              <a:rPr lang="en-US" altLang="ko-KR" sz="1200" b="1">
-                <a:solidFill>
-                  <a:srgbClr val="353535"/>
-                </a:solidFill>
-                <a:latin typeface="Dotum" panose="020B0600000101010101" pitchFamily="50" charset="-127"/>
-                <a:ea typeface="Dotum" panose="020B0600000101010101" pitchFamily="50" charset="-127"/>
-              </a:rPr>
-              <a:t>Mavlink / 433 </a:t>
-            </a:r>
-            <a:r>
-              <a:rPr lang="en-US" altLang="ko-KR" sz="1200" b="1" i="0">
-                <a:solidFill>
-                  <a:srgbClr val="353535"/>
-                </a:solidFill>
-                <a:effectLst/>
-                <a:latin typeface="Dotum" panose="020B0600000101010101" pitchFamily="50" charset="-127"/>
-                <a:ea typeface="Dotum" panose="020B0600000101010101" pitchFamily="50" charset="-127"/>
-              </a:rPr>
-              <a:t>MHz</a:t>
-            </a:r>
-            <a:endParaRPr lang="ko-KR" altLang="en-US" sz="1200"/>
-          </a:p>
-        </p:txBody>
-      </p:sp>
       <p:sp>
         <p:nvSpPr>
           <p:cNvPr id="31" name="TextBox 30">
@@ -15720,14 +17240,14 @@
     <mc:Choice Requires="p14">
       <p:transition/>
     </mc:Choice>
-    <mc:Fallback xmlns="" xmlns:c="http://schemas.openxmlformats.org/drawingml/2006/chart" xmlns:dgm="http://schemas.openxmlformats.org/drawingml/2006/diagram" xmlns:dsp="http://schemas.microsoft.com/office/drawing/2008/diagram">
+    <mc:Fallback xmlns:dsp="http://schemas.microsoft.com/office/drawing/2008/diagram" xmlns:dgm="http://schemas.openxmlformats.org/drawingml/2006/diagram" xmlns:c="http://schemas.openxmlformats.org/drawingml/2006/chart" xmlns="">
       <p:transition/>
     </mc:Fallback>
   </mc:AlternateContent>
 </p:sld>
 </file>
 
-<file path=ppt/slides/slide7.xml><?xml version="1.0" encoding="utf-8"?>
+<file path=ppt/slides/slide9.xml><?xml version="1.0" encoding="utf-8"?>
 <p:sld xmlns:a="http://schemas.openxmlformats.org/drawingml/2006/main" xmlns:r="http://schemas.openxmlformats.org/officeDocument/2006/relationships" xmlns:p="http://schemas.openxmlformats.org/presentationml/2006/main">
   <p:cSld>
     <p:spTree>
@@ -15880,1199 +17400,7 @@
     <mc:Choice Requires="p14">
       <p:transition/>
     </mc:Choice>
-    <mc:Fallback xmlns="" xmlns:c="http://schemas.openxmlformats.org/drawingml/2006/chart" xmlns:dgm="http://schemas.openxmlformats.org/drawingml/2006/diagram" xmlns:dsp="http://schemas.microsoft.com/office/drawing/2008/diagram">
-      <p:transition/>
-    </mc:Fallback>
-  </mc:AlternateContent>
-</p:sld>
-</file>
-
-<file path=ppt/slides/slide8.xml><?xml version="1.0" encoding="utf-8"?>
-<p:sld xmlns:a="http://schemas.openxmlformats.org/drawingml/2006/main" xmlns:r="http://schemas.openxmlformats.org/officeDocument/2006/relationships" xmlns:p="http://schemas.openxmlformats.org/presentationml/2006/main">
-  <p:cSld>
-    <p:spTree>
-      <p:nvGrpSpPr>
-        <p:cNvPr id="1" name="">
-          <a:extLst>
-            <a:ext uri="{FF2B5EF4-FFF2-40B4-BE49-F238E27FC236}">
-              <a16:creationId xmlns:a16="http://schemas.microsoft.com/office/drawing/2014/main" id="{91D7241D-2797-AB6D-2700-7534A65281A4}"/>
-            </a:ext>
-          </a:extLst>
-        </p:cNvPr>
-        <p:cNvGrpSpPr/>
-        <p:nvPr/>
-      </p:nvGrpSpPr>
-      <p:grpSpPr>
-        <a:xfrm>
-          <a:off x="0" y="0"/>
-          <a:ext cx="0" cy="0"/>
-          <a:chOff x="0" y="0"/>
-          <a:chExt cx="0" cy="0"/>
-        </a:xfrm>
-      </p:grpSpPr>
-      <p:sp>
-        <p:nvSpPr>
-          <p:cNvPr id="6" name="TextBox 5">
-            <a:extLst>
-              <a:ext uri="{FF2B5EF4-FFF2-40B4-BE49-F238E27FC236}">
-                <a16:creationId xmlns:a16="http://schemas.microsoft.com/office/drawing/2014/main" id="{39795AC4-B4BB-F74A-D6AA-0FD59891725D}"/>
-              </a:ext>
-            </a:extLst>
-          </p:cNvPr>
-          <p:cNvSpPr txBox="1"/>
-          <p:nvPr/>
-        </p:nvSpPr>
-        <p:spPr>
-          <a:xfrm>
-            <a:off x="500033" y="392049"/>
-            <a:ext cx="1266693" cy="307777"/>
-          </a:xfrm>
-          <a:prstGeom prst="rect">
-            <a:avLst/>
-          </a:prstGeom>
-        </p:spPr>
-        <p:txBody>
-          <a:bodyPr wrap="none">
-            <a:spAutoFit/>
-          </a:bodyPr>
-          <a:lstStyle/>
-          <a:p>
-            <a:pPr algn="ctr">
-              <a:defRPr/>
-            </a:pPr>
-            <a:r>
-              <a:rPr lang="en-US" altLang="ko-KR" sz="1400">
-                <a:solidFill>
-                  <a:srgbClr val="0F3158"/>
-                </a:solidFill>
-                <a:latin typeface="나눔스퀘어_ac ExtraBold"/>
-                <a:ea typeface="나눔스퀘어_ac ExtraBold"/>
-              </a:rPr>
-              <a:t>02.</a:t>
-            </a:r>
-            <a:r>
-              <a:rPr lang="ko-KR" altLang="en-US" sz="1400">
-                <a:solidFill>
-                  <a:srgbClr val="0F3158"/>
-                </a:solidFill>
-                <a:latin typeface="나눔스퀘어_ac ExtraBold"/>
-                <a:ea typeface="나눔스퀘어_ac ExtraBold"/>
-              </a:rPr>
-              <a:t> 개발 과정</a:t>
-            </a:r>
-          </a:p>
-        </p:txBody>
-      </p:sp>
-      <p:sp>
-        <p:nvSpPr>
-          <p:cNvPr id="8" name="TextBox 7">
-            <a:extLst>
-              <a:ext uri="{FF2B5EF4-FFF2-40B4-BE49-F238E27FC236}">
-                <a16:creationId xmlns:a16="http://schemas.microsoft.com/office/drawing/2014/main" id="{B5BD4D8E-B7CE-DDEE-AA2B-3FA64628C807}"/>
-              </a:ext>
-            </a:extLst>
-          </p:cNvPr>
-          <p:cNvSpPr txBox="1"/>
-          <p:nvPr/>
-        </p:nvSpPr>
-        <p:spPr>
-          <a:xfrm>
-            <a:off x="9124299" y="392049"/>
-            <a:ext cx="1832554" cy="246221"/>
-          </a:xfrm>
-          <a:prstGeom prst="rect">
-            <a:avLst/>
-          </a:prstGeom>
-        </p:spPr>
-        <p:txBody>
-          <a:bodyPr wrap="none">
-            <a:spAutoFit/>
-          </a:bodyPr>
-          <a:lstStyle/>
-          <a:p>
-            <a:pPr algn="ctr">
-              <a:defRPr/>
-            </a:pPr>
-            <a:r>
-              <a:rPr lang="en-US" altLang="ko-KR" sz="1000">
-                <a:solidFill>
-                  <a:srgbClr val="0F3158"/>
-                </a:solidFill>
-                <a:latin typeface="나눔스퀘어_ac ExtraBold"/>
-                <a:ea typeface="나눔스퀘어_ac ExtraBold"/>
-              </a:rPr>
-              <a:t>ICT </a:t>
-            </a:r>
-            <a:r>
-              <a:rPr lang="ko-KR" altLang="en-US" sz="1000">
-                <a:solidFill>
-                  <a:srgbClr val="0F3158"/>
-                </a:solidFill>
-                <a:latin typeface="나눔스퀘어_ac ExtraBold"/>
-                <a:ea typeface="나눔스퀘어_ac ExtraBold"/>
-              </a:rPr>
-              <a:t>캡스톤 디자인 최종 발표</a:t>
-            </a:r>
-          </a:p>
-        </p:txBody>
-      </p:sp>
-      <p:sp>
-        <p:nvSpPr>
-          <p:cNvPr id="18" name="직사각형 17">
-            <a:extLst>
-              <a:ext uri="{FF2B5EF4-FFF2-40B4-BE49-F238E27FC236}">
-                <a16:creationId xmlns:a16="http://schemas.microsoft.com/office/drawing/2014/main" id="{4AE4FA84-2916-CF79-D971-612632262780}"/>
-              </a:ext>
-            </a:extLst>
-          </p:cNvPr>
-          <p:cNvSpPr/>
-          <p:nvPr/>
-        </p:nvSpPr>
-        <p:spPr>
-          <a:xfrm>
-            <a:off x="439255" y="392049"/>
-            <a:ext cx="45720" cy="588645"/>
-          </a:xfrm>
-          <a:prstGeom prst="rect">
-            <a:avLst/>
-          </a:prstGeom>
-          <a:solidFill>
-            <a:srgbClr val="0F3158"/>
-          </a:solidFill>
-          <a:ln>
-            <a:noFill/>
-          </a:ln>
-        </p:spPr>
-        <p:style>
-          <a:lnRef idx="2">
-            <a:schemeClr val="accent1">
-              <a:shade val="20000"/>
-            </a:schemeClr>
-          </a:lnRef>
-          <a:fillRef idx="1">
-            <a:schemeClr val="accent1"/>
-          </a:fillRef>
-          <a:effectRef idx="0">
-            <a:schemeClr val="accent1"/>
-          </a:effectRef>
-          <a:fontRef idx="minor">
-            <a:schemeClr val="lt1"/>
-          </a:fontRef>
-        </p:style>
-        <p:txBody>
-          <a:bodyPr anchor="ctr"/>
-          <a:lstStyle/>
-          <a:p>
-            <a:pPr algn="ctr">
-              <a:defRPr/>
-            </a:pPr>
-            <a:endParaRPr lang="ko-KR" altLang="en-US">
-              <a:noFill/>
-            </a:endParaRPr>
-          </a:p>
-        </p:txBody>
-      </p:sp>
-      <p:sp>
-        <p:nvSpPr>
-          <p:cNvPr id="31" name="TextBox 30">
-            <a:extLst>
-              <a:ext uri="{FF2B5EF4-FFF2-40B4-BE49-F238E27FC236}">
-                <a16:creationId xmlns:a16="http://schemas.microsoft.com/office/drawing/2014/main" id="{B0DFA9A6-9AB3-709A-33C9-7490849FF918}"/>
-              </a:ext>
-            </a:extLst>
-          </p:cNvPr>
-          <p:cNvSpPr txBox="1"/>
-          <p:nvPr/>
-        </p:nvSpPr>
-        <p:spPr>
-          <a:xfrm>
-            <a:off x="523406" y="670130"/>
-            <a:ext cx="492444" cy="276999"/>
-          </a:xfrm>
-          <a:prstGeom prst="rect">
-            <a:avLst/>
-          </a:prstGeom>
-        </p:spPr>
-        <p:txBody>
-          <a:bodyPr wrap="none">
-            <a:spAutoFit/>
-          </a:bodyPr>
-          <a:lstStyle/>
-          <a:p>
-            <a:pPr algn="ctr">
-              <a:defRPr/>
-            </a:pPr>
-            <a:r>
-              <a:rPr lang="ko-KR" altLang="en-US" sz="1200" b="1">
-                <a:solidFill>
-                  <a:srgbClr val="A9AAAA"/>
-                </a:solidFill>
-                <a:latin typeface="나눔스퀘어_ac Bold"/>
-                <a:ea typeface="나눔스퀘어_ac Bold"/>
-              </a:rPr>
-              <a:t>드론</a:t>
-            </a:r>
-          </a:p>
-        </p:txBody>
-      </p:sp>
-      <p:pic>
-        <p:nvPicPr>
-          <p:cNvPr id="15" name="그림 14">
-            <a:extLst>
-              <a:ext uri="{FF2B5EF4-FFF2-40B4-BE49-F238E27FC236}">
-                <a16:creationId xmlns:a16="http://schemas.microsoft.com/office/drawing/2014/main" id="{34C684CB-A153-2138-94A5-4DFA5895C563}"/>
-              </a:ext>
-            </a:extLst>
-          </p:cNvPr>
-          <p:cNvPicPr>
-            <a:picLocks noChangeAspect="1"/>
-          </p:cNvPicPr>
-          <p:nvPr/>
-        </p:nvPicPr>
-        <p:blipFill>
-          <a:blip r:embed="rId2"/>
-          <a:stretch>
-            <a:fillRect/>
-          </a:stretch>
-        </p:blipFill>
-        <p:spPr>
-          <a:xfrm>
-            <a:off x="439254" y="1484730"/>
-            <a:ext cx="4729964" cy="3672510"/>
-          </a:xfrm>
-          <a:prstGeom prst="rect">
-            <a:avLst/>
-          </a:prstGeom>
-        </p:spPr>
-      </p:pic>
-      <p:sp>
-        <p:nvSpPr>
-          <p:cNvPr id="17" name="TextBox 16">
-            <a:extLst>
-              <a:ext uri="{FF2B5EF4-FFF2-40B4-BE49-F238E27FC236}">
-                <a16:creationId xmlns:a16="http://schemas.microsoft.com/office/drawing/2014/main" id="{4516A12A-89FB-1B38-D86F-BD93D4E39592}"/>
-              </a:ext>
-            </a:extLst>
-          </p:cNvPr>
-          <p:cNvSpPr txBox="1"/>
-          <p:nvPr/>
-        </p:nvSpPr>
-        <p:spPr>
-          <a:xfrm>
-            <a:off x="5534973" y="1484730"/>
-            <a:ext cx="4985997" cy="738664"/>
-          </a:xfrm>
-          <a:prstGeom prst="rect">
-            <a:avLst/>
-          </a:prstGeom>
-        </p:spPr>
-        <p:txBody>
-          <a:bodyPr wrap="square" rtlCol="0">
-            <a:spAutoFit/>
-          </a:bodyPr>
-          <a:lstStyle/>
-          <a:p>
-            <a:r>
-              <a:rPr lang="en-US" altLang="ko-KR" sz="1400"/>
-              <a:t>[GPS] : </a:t>
-            </a:r>
-            <a:r>
-              <a:rPr lang="pt-BR" altLang="ko-KR" sz="1400" b="0" i="0">
-                <a:solidFill>
-                  <a:srgbClr val="1A1926"/>
-                </a:solidFill>
-                <a:effectLst/>
-                <a:latin typeface="Arial" panose="020B0604020202020204" pitchFamily="34" charset="0"/>
-              </a:rPr>
-              <a:t>Readytosky Ublox NEO M8N GPS</a:t>
-            </a:r>
-          </a:p>
-          <a:p>
-            <a:endParaRPr lang="en-US" altLang="ko-KR" sz="1400"/>
-          </a:p>
-          <a:p>
-            <a:r>
-              <a:rPr lang="ko-KR" altLang="en-US" sz="1400"/>
-              <a:t>조건 </a:t>
-            </a:r>
-            <a:r>
-              <a:rPr lang="en-US" altLang="ko-KR" sz="1400"/>
-              <a:t>– </a:t>
-            </a:r>
-            <a:r>
-              <a:rPr lang="ko-KR" altLang="en-US" sz="1400"/>
-              <a:t>흔히 사용되는 </a:t>
-            </a:r>
-            <a:r>
-              <a:rPr lang="en-US" altLang="ko-KR" sz="1400" b="0" i="0">
-                <a:solidFill>
-                  <a:srgbClr val="404950"/>
-                </a:solidFill>
-                <a:effectLst/>
-                <a:latin typeface="Arial" panose="020B0604020202020204" pitchFamily="34" charset="0"/>
-              </a:rPr>
-              <a:t>Ublox NEO-M8N </a:t>
-            </a:r>
-            <a:r>
-              <a:rPr lang="ko-KR" altLang="en-US" sz="1400">
-                <a:solidFill>
-                  <a:srgbClr val="404950"/>
-                </a:solidFill>
-                <a:latin typeface="Arial" panose="020B0604020202020204" pitchFamily="34" charset="0"/>
-              </a:rPr>
-              <a:t>이용 모델 선정</a:t>
-            </a:r>
-            <a:r>
-              <a:rPr lang="en-US" altLang="ko-KR" sz="1400"/>
-              <a:t> </a:t>
-            </a:r>
-            <a:endParaRPr lang="ko-KR" altLang="en-US" sz="1400"/>
-          </a:p>
-        </p:txBody>
-      </p:sp>
-      <p:sp>
-        <p:nvSpPr>
-          <p:cNvPr id="32" name="TextBox 31">
-            <a:extLst>
-              <a:ext uri="{FF2B5EF4-FFF2-40B4-BE49-F238E27FC236}">
-                <a16:creationId xmlns:a16="http://schemas.microsoft.com/office/drawing/2014/main" id="{A3A3E509-9F63-1CCF-B244-96B59B8F5404}"/>
-              </a:ext>
-            </a:extLst>
-          </p:cNvPr>
-          <p:cNvSpPr txBox="1"/>
-          <p:nvPr/>
-        </p:nvSpPr>
-        <p:spPr>
-          <a:xfrm>
-            <a:off x="5534972" y="2484052"/>
-            <a:ext cx="4985997" cy="738664"/>
-          </a:xfrm>
-          <a:prstGeom prst="rect">
-            <a:avLst/>
-          </a:prstGeom>
-        </p:spPr>
-        <p:txBody>
-          <a:bodyPr wrap="square" rtlCol="0">
-            <a:spAutoFit/>
-          </a:bodyPr>
-          <a:lstStyle/>
-          <a:p>
-            <a:r>
-              <a:rPr lang="en-US" altLang="ko-KR" sz="1400"/>
-              <a:t>[FC] : </a:t>
-            </a:r>
-            <a:r>
-              <a:rPr lang="pt-BR" altLang="ko-KR" sz="1400">
-                <a:solidFill>
-                  <a:srgbClr val="1A1926"/>
-                </a:solidFill>
-                <a:latin typeface="Arial" panose="020B0604020202020204" pitchFamily="34" charset="0"/>
-              </a:rPr>
-              <a:t>Cube Pilot OrangeCube</a:t>
-            </a:r>
-            <a:endParaRPr lang="pt-BR" altLang="ko-KR" sz="1400" b="0" i="0">
-              <a:solidFill>
-                <a:srgbClr val="1A1926"/>
-              </a:solidFill>
-              <a:effectLst/>
-              <a:latin typeface="Arial" panose="020B0604020202020204" pitchFamily="34" charset="0"/>
-            </a:endParaRPr>
-          </a:p>
-          <a:p>
-            <a:endParaRPr lang="en-US" altLang="ko-KR" sz="1400"/>
-          </a:p>
-          <a:p>
-            <a:r>
-              <a:rPr lang="ko-KR" altLang="en-US" sz="1400"/>
-              <a:t>조건 </a:t>
-            </a:r>
-            <a:r>
-              <a:rPr lang="en-US" altLang="ko-KR" sz="1400"/>
-              <a:t>– MissionPlanner </a:t>
-            </a:r>
-            <a:r>
-              <a:rPr lang="ko-KR" altLang="en-US" sz="1400"/>
-              <a:t>앱 호환 </a:t>
-            </a:r>
-            <a:r>
-              <a:rPr lang="en-US" altLang="ko-KR" sz="1400"/>
-              <a:t>FC</a:t>
-            </a:r>
-            <a:endParaRPr lang="ko-KR" altLang="en-US" sz="1400"/>
-          </a:p>
-        </p:txBody>
-      </p:sp>
-      <p:sp>
-        <p:nvSpPr>
-          <p:cNvPr id="33" name="TextBox 32">
-            <a:extLst>
-              <a:ext uri="{FF2B5EF4-FFF2-40B4-BE49-F238E27FC236}">
-                <a16:creationId xmlns:a16="http://schemas.microsoft.com/office/drawing/2014/main" id="{CBA58DFD-5F7B-F575-FF0F-88DA068CBE49}"/>
-              </a:ext>
-            </a:extLst>
-          </p:cNvPr>
-          <p:cNvSpPr txBox="1"/>
-          <p:nvPr/>
-        </p:nvSpPr>
-        <p:spPr>
-          <a:xfrm>
-            <a:off x="5534973" y="3418815"/>
-            <a:ext cx="4985997" cy="738664"/>
-          </a:xfrm>
-          <a:prstGeom prst="rect">
-            <a:avLst/>
-          </a:prstGeom>
-        </p:spPr>
-        <p:txBody>
-          <a:bodyPr wrap="square" rtlCol="0">
-            <a:spAutoFit/>
-          </a:bodyPr>
-          <a:lstStyle/>
-          <a:p>
-            <a:r>
-              <a:rPr lang="en-US" altLang="ko-KR" sz="1400"/>
-              <a:t>[Frame] : </a:t>
-            </a:r>
-            <a:r>
-              <a:rPr lang="pt-BR" altLang="ko-KR" sz="1400">
-                <a:solidFill>
-                  <a:srgbClr val="1A1926"/>
-                </a:solidFill>
-                <a:latin typeface="Arial" panose="020B0604020202020204" pitchFamily="34" charset="0"/>
-              </a:rPr>
-              <a:t>RC Bank – F450</a:t>
-            </a:r>
-            <a:endParaRPr lang="pt-BR" altLang="ko-KR" sz="1400" b="0" i="0">
-              <a:solidFill>
-                <a:srgbClr val="1A1926"/>
-              </a:solidFill>
-              <a:effectLst/>
-              <a:latin typeface="Arial" panose="020B0604020202020204" pitchFamily="34" charset="0"/>
-            </a:endParaRPr>
-          </a:p>
-          <a:p>
-            <a:endParaRPr lang="en-US" altLang="ko-KR" sz="1400"/>
-          </a:p>
-          <a:p>
-            <a:r>
-              <a:rPr lang="ko-KR" altLang="en-US" sz="1400"/>
-              <a:t>조건 </a:t>
-            </a:r>
-            <a:r>
-              <a:rPr lang="en-US" altLang="ko-KR" sz="1400"/>
-              <a:t>– 2kg </a:t>
-            </a:r>
-            <a:r>
-              <a:rPr lang="ko-KR" altLang="en-US" sz="1400"/>
-              <a:t>이내 </a:t>
-            </a:r>
-            <a:r>
-              <a:rPr lang="en-US" altLang="ko-KR" sz="1400"/>
-              <a:t>(</a:t>
-            </a:r>
-            <a:r>
-              <a:rPr lang="ko-KR" altLang="en-US" sz="1400"/>
-              <a:t>보유 자격증 기준 상한선 제품</a:t>
-            </a:r>
-            <a:r>
-              <a:rPr lang="en-US" altLang="ko-KR" sz="1400"/>
-              <a:t>)</a:t>
-            </a:r>
-            <a:endParaRPr lang="ko-KR" altLang="en-US" sz="1400"/>
-          </a:p>
-        </p:txBody>
-      </p:sp>
-      <p:sp>
-        <p:nvSpPr>
-          <p:cNvPr id="34" name="TextBox 33">
-            <a:extLst>
-              <a:ext uri="{FF2B5EF4-FFF2-40B4-BE49-F238E27FC236}">
-                <a16:creationId xmlns:a16="http://schemas.microsoft.com/office/drawing/2014/main" id="{0F8FAE51-A6BB-726D-5B3C-2EA10CDFC2F5}"/>
-              </a:ext>
-            </a:extLst>
-          </p:cNvPr>
-          <p:cNvSpPr txBox="1"/>
-          <p:nvPr/>
-        </p:nvSpPr>
-        <p:spPr>
-          <a:xfrm>
-            <a:off x="5560511" y="4413254"/>
-            <a:ext cx="4985997" cy="738664"/>
-          </a:xfrm>
-          <a:prstGeom prst="rect">
-            <a:avLst/>
-          </a:prstGeom>
-        </p:spPr>
-        <p:txBody>
-          <a:bodyPr wrap="square" rtlCol="0">
-            <a:spAutoFit/>
-          </a:bodyPr>
-          <a:lstStyle/>
-          <a:p>
-            <a:r>
-              <a:rPr lang="en-US" altLang="ko-KR" sz="1400"/>
-              <a:t>[Battery] : </a:t>
-            </a:r>
-            <a:r>
-              <a:rPr lang="pt-BR" altLang="ko-KR" sz="1400">
-                <a:solidFill>
-                  <a:srgbClr val="1A1926"/>
-                </a:solidFill>
-                <a:latin typeface="Arial" panose="020B0604020202020204" pitchFamily="34" charset="0"/>
-              </a:rPr>
-              <a:t>PT-B2200N-SP45</a:t>
-            </a:r>
-            <a:endParaRPr lang="pt-BR" altLang="ko-KR" sz="1400" b="0" i="0">
-              <a:solidFill>
-                <a:srgbClr val="1A1926"/>
-              </a:solidFill>
-              <a:effectLst/>
-              <a:latin typeface="Arial" panose="020B0604020202020204" pitchFamily="34" charset="0"/>
-            </a:endParaRPr>
-          </a:p>
-          <a:p>
-            <a:endParaRPr lang="en-US" altLang="ko-KR" sz="1400"/>
-          </a:p>
-          <a:p>
-            <a:r>
-              <a:rPr lang="ko-KR" altLang="en-US" sz="1400"/>
-              <a:t>조건 </a:t>
-            </a:r>
-            <a:r>
-              <a:rPr lang="en-US" altLang="ko-KR" sz="1400"/>
-              <a:t>– </a:t>
-            </a:r>
-            <a:r>
-              <a:rPr lang="ko-KR" altLang="en-US" sz="1400"/>
-              <a:t>테스트 </a:t>
-            </a:r>
-            <a:r>
-              <a:rPr lang="en-US" altLang="ko-KR" sz="1400"/>
-              <a:t>1</a:t>
-            </a:r>
-            <a:r>
-              <a:rPr lang="ko-KR" altLang="en-US" sz="1400"/>
-              <a:t>시간 확보 가능한 제품</a:t>
-            </a:r>
-          </a:p>
-        </p:txBody>
-      </p:sp>
-      <p:sp>
-        <p:nvSpPr>
-          <p:cNvPr id="2" name="TextBox 1">
-            <a:extLst>
-              <a:ext uri="{FF2B5EF4-FFF2-40B4-BE49-F238E27FC236}">
-                <a16:creationId xmlns:a16="http://schemas.microsoft.com/office/drawing/2014/main" id="{ED93C752-314E-699B-57FA-0D08B0A06742}"/>
-              </a:ext>
-            </a:extLst>
-          </p:cNvPr>
-          <p:cNvSpPr txBox="1"/>
-          <p:nvPr/>
-        </p:nvSpPr>
-        <p:spPr>
-          <a:xfrm>
-            <a:off x="5559140" y="5333778"/>
-            <a:ext cx="5177861" cy="738664"/>
-          </a:xfrm>
-          <a:prstGeom prst="rect">
-            <a:avLst/>
-          </a:prstGeom>
-        </p:spPr>
-        <p:txBody>
-          <a:bodyPr wrap="square" rtlCol="0">
-            <a:spAutoFit/>
-          </a:bodyPr>
-          <a:lstStyle/>
-          <a:p>
-            <a:r>
-              <a:rPr lang="en-US" altLang="ko-KR" sz="1400"/>
-              <a:t>[Telemetry] : Holybro </a:t>
-            </a:r>
-            <a:r>
-              <a:rPr lang="pt-BR" altLang="ko-KR" sz="1400">
-                <a:solidFill>
-                  <a:srgbClr val="1A1926"/>
-                </a:solidFill>
-                <a:latin typeface="Arial" panose="020B0604020202020204" pitchFamily="34" charset="0"/>
-              </a:rPr>
-              <a:t>sik telemetry radio v3</a:t>
-            </a:r>
-          </a:p>
-          <a:p>
-            <a:endParaRPr lang="en-US" altLang="ko-KR" sz="1400"/>
-          </a:p>
-          <a:p>
-            <a:r>
-              <a:rPr lang="ko-KR" altLang="en-US" sz="1400"/>
-              <a:t>조건 </a:t>
-            </a:r>
-            <a:r>
-              <a:rPr lang="en-US" altLang="ko-KR" sz="1400"/>
-              <a:t>– </a:t>
-            </a:r>
-            <a:r>
-              <a:rPr lang="ko-KR" altLang="en-US" sz="1400"/>
-              <a:t>최대 </a:t>
-            </a:r>
-            <a:r>
-              <a:rPr lang="en-US" altLang="ko-KR" sz="1400"/>
-              <a:t>100m </a:t>
-            </a:r>
-            <a:r>
-              <a:rPr lang="ko-KR" altLang="en-US" sz="1400"/>
-              <a:t>까지 테스트 가능한 제품군 </a:t>
-            </a:r>
-            <a:r>
-              <a:rPr lang="en-US" altLang="ko-KR" sz="1400"/>
-              <a:t>(</a:t>
-            </a:r>
-            <a:r>
-              <a:rPr lang="ko-KR" altLang="en-US" sz="1400"/>
-              <a:t>통신 안정성 확보</a:t>
-            </a:r>
-            <a:r>
-              <a:rPr lang="en-US" altLang="ko-KR" sz="1400"/>
-              <a:t>)</a:t>
-            </a:r>
-            <a:endParaRPr lang="ko-KR" altLang="en-US" sz="1400"/>
-          </a:p>
-        </p:txBody>
-      </p:sp>
-    </p:spTree>
-    <p:extLst>
-      <p:ext uri="{BB962C8B-B14F-4D97-AF65-F5344CB8AC3E}">
-        <p14:creationId xmlns:p14="http://schemas.microsoft.com/office/powerpoint/2010/main" val="2281812130"/>
-      </p:ext>
-    </p:extLst>
-  </p:cSld>
-  <p:clrMapOvr>
-    <a:masterClrMapping/>
-  </p:clrMapOvr>
-  <mc:AlternateContent xmlns:mc="http://schemas.openxmlformats.org/markup-compatibility/2006" xmlns:p14="http://schemas.microsoft.com/office/powerpoint/2010/main">
-    <mc:Choice Requires="p14">
-      <p:transition/>
-    </mc:Choice>
-    <mc:Fallback xmlns="" xmlns:c="http://schemas.openxmlformats.org/drawingml/2006/chart" xmlns:dgm="http://schemas.openxmlformats.org/drawingml/2006/diagram" xmlns:dsp="http://schemas.microsoft.com/office/drawing/2008/diagram">
-      <p:transition/>
-    </mc:Fallback>
-  </mc:AlternateContent>
-</p:sld>
-</file>
-
-<file path=ppt/slides/slide9.xml><?xml version="1.0" encoding="utf-8"?>
-<p:sld xmlns:a="http://schemas.openxmlformats.org/drawingml/2006/main" xmlns:r="http://schemas.openxmlformats.org/officeDocument/2006/relationships" xmlns:p="http://schemas.openxmlformats.org/presentationml/2006/main">
-  <p:cSld>
-    <p:spTree>
-      <p:nvGrpSpPr>
-        <p:cNvPr id="1" name="">
-          <a:extLst>
-            <a:ext uri="{FF2B5EF4-FFF2-40B4-BE49-F238E27FC236}">
-              <a16:creationId xmlns:a16="http://schemas.microsoft.com/office/drawing/2014/main" id="{F9895D49-968F-9187-EF6C-ABEA033A0913}"/>
-            </a:ext>
-          </a:extLst>
-        </p:cNvPr>
-        <p:cNvGrpSpPr/>
-        <p:nvPr/>
-      </p:nvGrpSpPr>
-      <p:grpSpPr>
-        <a:xfrm>
-          <a:off x="0" y="0"/>
-          <a:ext cx="0" cy="0"/>
-          <a:chOff x="0" y="0"/>
-          <a:chExt cx="0" cy="0"/>
-        </a:xfrm>
-      </p:grpSpPr>
-      <p:sp>
-        <p:nvSpPr>
-          <p:cNvPr id="6" name="TextBox 5">
-            <a:extLst>
-              <a:ext uri="{FF2B5EF4-FFF2-40B4-BE49-F238E27FC236}">
-                <a16:creationId xmlns:a16="http://schemas.microsoft.com/office/drawing/2014/main" id="{A1984D5A-6B90-5112-5834-71ED420C02C3}"/>
-              </a:ext>
-            </a:extLst>
-          </p:cNvPr>
-          <p:cNvSpPr txBox="1"/>
-          <p:nvPr/>
-        </p:nvSpPr>
-        <p:spPr>
-          <a:xfrm>
-            <a:off x="500033" y="392049"/>
-            <a:ext cx="1266693" cy="307777"/>
-          </a:xfrm>
-          <a:prstGeom prst="rect">
-            <a:avLst/>
-          </a:prstGeom>
-        </p:spPr>
-        <p:txBody>
-          <a:bodyPr wrap="none">
-            <a:spAutoFit/>
-          </a:bodyPr>
-          <a:lstStyle/>
-          <a:p>
-            <a:pPr algn="ctr">
-              <a:defRPr/>
-            </a:pPr>
-            <a:r>
-              <a:rPr lang="en-US" altLang="ko-KR" sz="1400">
-                <a:solidFill>
-                  <a:srgbClr val="0F3158"/>
-                </a:solidFill>
-                <a:latin typeface="나눔스퀘어_ac ExtraBold"/>
-                <a:ea typeface="나눔스퀘어_ac ExtraBold"/>
-              </a:rPr>
-              <a:t>02.</a:t>
-            </a:r>
-            <a:r>
-              <a:rPr lang="ko-KR" altLang="en-US" sz="1400">
-                <a:solidFill>
-                  <a:srgbClr val="0F3158"/>
-                </a:solidFill>
-                <a:latin typeface="나눔스퀘어_ac ExtraBold"/>
-                <a:ea typeface="나눔스퀘어_ac ExtraBold"/>
-              </a:rPr>
-              <a:t> 개발 과정</a:t>
-            </a:r>
-          </a:p>
-        </p:txBody>
-      </p:sp>
-      <p:sp>
-        <p:nvSpPr>
-          <p:cNvPr id="8" name="TextBox 7">
-            <a:extLst>
-              <a:ext uri="{FF2B5EF4-FFF2-40B4-BE49-F238E27FC236}">
-                <a16:creationId xmlns:a16="http://schemas.microsoft.com/office/drawing/2014/main" id="{B06C5B77-ABA1-2E5C-D771-97A9C9015DCB}"/>
-              </a:ext>
-            </a:extLst>
-          </p:cNvPr>
-          <p:cNvSpPr txBox="1"/>
-          <p:nvPr/>
-        </p:nvSpPr>
-        <p:spPr>
-          <a:xfrm>
-            <a:off x="9124299" y="392049"/>
-            <a:ext cx="1832554" cy="246221"/>
-          </a:xfrm>
-          <a:prstGeom prst="rect">
-            <a:avLst/>
-          </a:prstGeom>
-        </p:spPr>
-        <p:txBody>
-          <a:bodyPr wrap="none">
-            <a:spAutoFit/>
-          </a:bodyPr>
-          <a:lstStyle/>
-          <a:p>
-            <a:pPr algn="ctr">
-              <a:defRPr/>
-            </a:pPr>
-            <a:r>
-              <a:rPr lang="en-US" altLang="ko-KR" sz="1000">
-                <a:solidFill>
-                  <a:srgbClr val="0F3158"/>
-                </a:solidFill>
-                <a:latin typeface="나눔스퀘어_ac ExtraBold"/>
-                <a:ea typeface="나눔스퀘어_ac ExtraBold"/>
-              </a:rPr>
-              <a:t>ICT </a:t>
-            </a:r>
-            <a:r>
-              <a:rPr lang="ko-KR" altLang="en-US" sz="1000">
-                <a:solidFill>
-                  <a:srgbClr val="0F3158"/>
-                </a:solidFill>
-                <a:latin typeface="나눔스퀘어_ac ExtraBold"/>
-                <a:ea typeface="나눔스퀘어_ac ExtraBold"/>
-              </a:rPr>
-              <a:t>캡스톤 디자인 최종 발표</a:t>
-            </a:r>
-          </a:p>
-        </p:txBody>
-      </p:sp>
-      <p:sp>
-        <p:nvSpPr>
-          <p:cNvPr id="18" name="직사각형 17">
-            <a:extLst>
-              <a:ext uri="{FF2B5EF4-FFF2-40B4-BE49-F238E27FC236}">
-                <a16:creationId xmlns:a16="http://schemas.microsoft.com/office/drawing/2014/main" id="{48052519-8411-F104-F047-2CD22252D21B}"/>
-              </a:ext>
-            </a:extLst>
-          </p:cNvPr>
-          <p:cNvSpPr/>
-          <p:nvPr/>
-        </p:nvSpPr>
-        <p:spPr>
-          <a:xfrm>
-            <a:off x="439255" y="392049"/>
-            <a:ext cx="45720" cy="588645"/>
-          </a:xfrm>
-          <a:prstGeom prst="rect">
-            <a:avLst/>
-          </a:prstGeom>
-          <a:solidFill>
-            <a:srgbClr val="0F3158"/>
-          </a:solidFill>
-          <a:ln>
-            <a:noFill/>
-          </a:ln>
-        </p:spPr>
-        <p:style>
-          <a:lnRef idx="2">
-            <a:schemeClr val="accent1">
-              <a:shade val="20000"/>
-            </a:schemeClr>
-          </a:lnRef>
-          <a:fillRef idx="1">
-            <a:schemeClr val="accent1"/>
-          </a:fillRef>
-          <a:effectRef idx="0">
-            <a:schemeClr val="accent1"/>
-          </a:effectRef>
-          <a:fontRef idx="minor">
-            <a:schemeClr val="lt1"/>
-          </a:fontRef>
-        </p:style>
-        <p:txBody>
-          <a:bodyPr anchor="ctr"/>
-          <a:lstStyle/>
-          <a:p>
-            <a:pPr algn="ctr">
-              <a:defRPr/>
-            </a:pPr>
-            <a:endParaRPr lang="ko-KR" altLang="en-US">
-              <a:noFill/>
-            </a:endParaRPr>
-          </a:p>
-        </p:txBody>
-      </p:sp>
-      <p:sp>
-        <p:nvSpPr>
-          <p:cNvPr id="31" name="TextBox 30">
-            <a:extLst>
-              <a:ext uri="{FF2B5EF4-FFF2-40B4-BE49-F238E27FC236}">
-                <a16:creationId xmlns:a16="http://schemas.microsoft.com/office/drawing/2014/main" id="{EDE5AE5E-4BEB-59A4-58E2-8FAD984E0829}"/>
-              </a:ext>
-            </a:extLst>
-          </p:cNvPr>
-          <p:cNvSpPr txBox="1"/>
-          <p:nvPr/>
-        </p:nvSpPr>
-        <p:spPr>
-          <a:xfrm>
-            <a:off x="523406" y="670130"/>
-            <a:ext cx="492444" cy="276999"/>
-          </a:xfrm>
-          <a:prstGeom prst="rect">
-            <a:avLst/>
-          </a:prstGeom>
-        </p:spPr>
-        <p:txBody>
-          <a:bodyPr wrap="none">
-            <a:spAutoFit/>
-          </a:bodyPr>
-          <a:lstStyle/>
-          <a:p>
-            <a:pPr algn="ctr">
-              <a:defRPr/>
-            </a:pPr>
-            <a:r>
-              <a:rPr lang="ko-KR" altLang="en-US" sz="1200" b="1">
-                <a:solidFill>
-                  <a:srgbClr val="A9AAAA"/>
-                </a:solidFill>
-                <a:latin typeface="나눔스퀘어_ac Bold"/>
-                <a:ea typeface="나눔스퀘어_ac Bold"/>
-              </a:rPr>
-              <a:t>드론</a:t>
-            </a:r>
-          </a:p>
-        </p:txBody>
-      </p:sp>
-      <p:sp>
-        <p:nvSpPr>
-          <p:cNvPr id="17" name="TextBox 16">
-            <a:extLst>
-              <a:ext uri="{FF2B5EF4-FFF2-40B4-BE49-F238E27FC236}">
-                <a16:creationId xmlns:a16="http://schemas.microsoft.com/office/drawing/2014/main" id="{48CD5D72-6613-86AB-9428-293B2A5C6B84}"/>
-              </a:ext>
-            </a:extLst>
-          </p:cNvPr>
-          <p:cNvSpPr txBox="1"/>
-          <p:nvPr/>
-        </p:nvSpPr>
-        <p:spPr>
-          <a:xfrm>
-            <a:off x="437164" y="1340710"/>
-            <a:ext cx="5285427" cy="4708981"/>
-          </a:xfrm>
-          <a:prstGeom prst="rect">
-            <a:avLst/>
-          </a:prstGeom>
-        </p:spPr>
-        <p:txBody>
-          <a:bodyPr wrap="square" rtlCol="0">
-            <a:spAutoFit/>
-          </a:bodyPr>
-          <a:lstStyle/>
-          <a:p>
-            <a:r>
-              <a:rPr lang="en-US" altLang="ko-KR" sz="2000"/>
-              <a:t>[ Process List ]</a:t>
-            </a:r>
-          </a:p>
-          <a:p>
-            <a:r>
-              <a:rPr lang="en-US" altLang="ko-KR" sz="2000"/>
-              <a:t> </a:t>
-            </a:r>
-          </a:p>
-          <a:p>
-            <a:pPr marL="285750" indent="-285750">
-              <a:buFontTx/>
-              <a:buChar char="-"/>
-            </a:pPr>
-            <a:r>
-              <a:rPr lang="en-US" altLang="ko-KR" sz="2000"/>
-              <a:t>FC </a:t>
-            </a:r>
-            <a:r>
-              <a:rPr lang="ko-KR" altLang="en-US" sz="2000"/>
-              <a:t>검증  </a:t>
-            </a:r>
-            <a:endParaRPr lang="en-US" altLang="ko-KR" sz="2000"/>
-          </a:p>
-          <a:p>
-            <a:pPr marL="285750" indent="-285750">
-              <a:buFontTx/>
-              <a:buChar char="-"/>
-            </a:pPr>
-            <a:r>
-              <a:rPr lang="ko-KR" altLang="en-US" sz="2000"/>
-              <a:t>하드웨어 납땜 및 체결</a:t>
-            </a:r>
-            <a:endParaRPr lang="en-US" altLang="ko-KR" sz="2000"/>
-          </a:p>
-          <a:p>
-            <a:pPr marL="285750" indent="-285750">
-              <a:buFontTx/>
-              <a:buChar char="-"/>
-            </a:pPr>
-            <a:r>
-              <a:rPr lang="ko-KR" altLang="en-US" sz="2000"/>
-              <a:t>배터리 에이징 테스트</a:t>
-            </a:r>
-            <a:endParaRPr lang="en-US" altLang="ko-KR" sz="2000"/>
-          </a:p>
-          <a:p>
-            <a:pPr marL="285750" indent="-285750">
-              <a:buFontTx/>
-              <a:buChar char="-"/>
-            </a:pPr>
-            <a:r>
-              <a:rPr lang="en-US" altLang="ko-KR" sz="2000"/>
-              <a:t>Telemetry Test</a:t>
-            </a:r>
-          </a:p>
-          <a:p>
-            <a:pPr marL="285750" indent="-285750">
-              <a:buFontTx/>
-              <a:buChar char="-"/>
-            </a:pPr>
-            <a:r>
-              <a:rPr lang="en-US" altLang="ko-KR" sz="2000"/>
-              <a:t>GPS Test</a:t>
-            </a:r>
-          </a:p>
-          <a:p>
-            <a:pPr marL="285750" indent="-285750">
-              <a:buFontTx/>
-              <a:buChar char="-"/>
-            </a:pPr>
-            <a:r>
-              <a:rPr lang="en-US" altLang="ko-KR" sz="2000"/>
-              <a:t>ESC Calibration</a:t>
-            </a:r>
-          </a:p>
-          <a:p>
-            <a:pPr marL="285750" indent="-285750">
-              <a:buFontTx/>
-              <a:buChar char="-"/>
-            </a:pPr>
-            <a:r>
-              <a:rPr lang="en-US" altLang="ko-KR" sz="2000"/>
-              <a:t>Motor Test</a:t>
-            </a:r>
-          </a:p>
-          <a:p>
-            <a:pPr marL="285750" indent="-285750">
-              <a:buFontTx/>
-              <a:buChar char="-"/>
-            </a:pPr>
-            <a:r>
-              <a:rPr lang="en-US" altLang="ko-KR" sz="2000"/>
-              <a:t>FC</a:t>
-            </a:r>
-            <a:r>
-              <a:rPr lang="ko-KR" altLang="en-US" sz="2000"/>
-              <a:t> </a:t>
-            </a:r>
-            <a:r>
-              <a:rPr lang="en-US" altLang="ko-KR" sz="2000"/>
-              <a:t>Parameter</a:t>
-            </a:r>
-            <a:r>
-              <a:rPr lang="ko-KR" altLang="en-US" sz="2000"/>
-              <a:t> </a:t>
-            </a:r>
-            <a:r>
-              <a:rPr lang="en-US" altLang="ko-KR" sz="2000"/>
-              <a:t>Setting</a:t>
-            </a:r>
-          </a:p>
-          <a:p>
-            <a:pPr marL="285750" indent="-285750">
-              <a:buFontTx/>
-              <a:buChar char="-"/>
-            </a:pPr>
-            <a:endParaRPr lang="en-US" altLang="ko-KR" sz="2000"/>
-          </a:p>
-          <a:p>
-            <a:pPr marL="285750" indent="-285750">
-              <a:buFontTx/>
-              <a:buChar char="-"/>
-            </a:pPr>
-            <a:endParaRPr lang="en-US" altLang="ko-KR" sz="2000"/>
-          </a:p>
-          <a:p>
-            <a:pPr marL="285750" indent="-285750">
-              <a:buFontTx/>
-              <a:buChar char="-"/>
-            </a:pPr>
-            <a:endParaRPr lang="en-US" altLang="ko-KR" sz="2000"/>
-          </a:p>
-          <a:p>
-            <a:r>
-              <a:rPr lang="en-US" altLang="ko-KR" sz="2000"/>
-              <a:t>&lt; 2024.12 ~ 2025.05 &gt;</a:t>
-            </a:r>
-          </a:p>
-          <a:p>
-            <a:endParaRPr lang="en-US" altLang="ko-KR" sz="2000"/>
-          </a:p>
-        </p:txBody>
-      </p:sp>
-      <p:sp>
-        <p:nvSpPr>
-          <p:cNvPr id="2" name="TextBox 1">
-            <a:extLst>
-              <a:ext uri="{FF2B5EF4-FFF2-40B4-BE49-F238E27FC236}">
-                <a16:creationId xmlns:a16="http://schemas.microsoft.com/office/drawing/2014/main" id="{99D9027D-1AFD-53FA-6C9B-278D6F373846}"/>
-              </a:ext>
-            </a:extLst>
-          </p:cNvPr>
-          <p:cNvSpPr txBox="1"/>
-          <p:nvPr/>
-        </p:nvSpPr>
-        <p:spPr>
-          <a:xfrm>
-            <a:off x="5555824" y="1340710"/>
-            <a:ext cx="5285427" cy="2554545"/>
-          </a:xfrm>
-          <a:prstGeom prst="rect">
-            <a:avLst/>
-          </a:prstGeom>
-        </p:spPr>
-        <p:txBody>
-          <a:bodyPr wrap="square" rtlCol="0">
-            <a:spAutoFit/>
-          </a:bodyPr>
-          <a:lstStyle/>
-          <a:p>
-            <a:r>
-              <a:rPr lang="en-US" altLang="ko-KR" sz="2000"/>
-              <a:t>[ Feature List ]</a:t>
-            </a:r>
-          </a:p>
-          <a:p>
-            <a:r>
-              <a:rPr lang="en-US" altLang="ko-KR" sz="2000"/>
-              <a:t> </a:t>
-            </a:r>
-          </a:p>
-          <a:p>
-            <a:pPr marL="285750" indent="-285750">
-              <a:buFontTx/>
-              <a:buChar char="-"/>
-            </a:pPr>
-            <a:r>
-              <a:rPr lang="ko-KR" altLang="en-US" sz="2000"/>
-              <a:t>실시간 원격 데이터 처리</a:t>
-            </a:r>
-            <a:endParaRPr lang="en-US" altLang="ko-KR" sz="2000"/>
-          </a:p>
-          <a:p>
-            <a:pPr marL="285750" indent="-285750">
-              <a:buFontTx/>
-              <a:buChar char="-"/>
-            </a:pPr>
-            <a:r>
-              <a:rPr lang="en-US" altLang="ko-KR" sz="2000"/>
-              <a:t>RTL </a:t>
-            </a:r>
-            <a:r>
-              <a:rPr lang="ko-KR" altLang="en-US" sz="2000"/>
-              <a:t>기능 탑재</a:t>
-            </a:r>
-            <a:endParaRPr lang="en-US" altLang="ko-KR" sz="2000"/>
-          </a:p>
-          <a:p>
-            <a:pPr marL="285750" indent="-285750">
-              <a:buFontTx/>
-              <a:buChar char="-"/>
-            </a:pPr>
-            <a:r>
-              <a:rPr lang="en-US" altLang="ko-KR" sz="2000"/>
-              <a:t>GCS</a:t>
-            </a:r>
-            <a:r>
-              <a:rPr lang="ko-KR" altLang="en-US" sz="2000"/>
-              <a:t> 기반 위치 제어</a:t>
-            </a:r>
-            <a:endParaRPr lang="en-US" altLang="ko-KR" sz="2000"/>
-          </a:p>
-          <a:p>
-            <a:pPr marL="285750" indent="-285750">
-              <a:buFontTx/>
-              <a:buChar char="-"/>
-            </a:pPr>
-            <a:endParaRPr lang="en-US" altLang="ko-KR" sz="2000"/>
-          </a:p>
-          <a:p>
-            <a:pPr marL="285750" indent="-285750">
-              <a:buFontTx/>
-              <a:buChar char="-"/>
-            </a:pPr>
-            <a:endParaRPr lang="en-US" altLang="ko-KR" sz="2000"/>
-          </a:p>
-          <a:p>
-            <a:endParaRPr lang="en-US" altLang="ko-KR" sz="2000"/>
-          </a:p>
-        </p:txBody>
-      </p:sp>
-    </p:spTree>
-    <p:extLst>
-      <p:ext uri="{BB962C8B-B14F-4D97-AF65-F5344CB8AC3E}">
-        <p14:creationId xmlns:p14="http://schemas.microsoft.com/office/powerpoint/2010/main" val="1936627839"/>
-      </p:ext>
-    </p:extLst>
-  </p:cSld>
-  <p:clrMapOvr>
-    <a:masterClrMapping/>
-  </p:clrMapOvr>
-  <mc:AlternateContent xmlns:mc="http://schemas.openxmlformats.org/markup-compatibility/2006" xmlns:p14="http://schemas.microsoft.com/office/powerpoint/2010/main">
-    <mc:Choice Requires="p14">
-      <p:transition/>
-    </mc:Choice>
-    <mc:Fallback xmlns="" xmlns:c="http://schemas.openxmlformats.org/drawingml/2006/chart" xmlns:dgm="http://schemas.openxmlformats.org/drawingml/2006/diagram" xmlns:dsp="http://schemas.microsoft.com/office/drawing/2008/diagram">
+    <mc:Fallback xmlns:dsp="http://schemas.microsoft.com/office/drawing/2008/diagram" xmlns:dgm="http://schemas.openxmlformats.org/drawingml/2006/diagram" xmlns:c="http://schemas.openxmlformats.org/drawingml/2006/chart" xmlns="">
       <p:transition/>
     </mc:Fallback>
   </mc:AlternateContent>
